--- a/presentation/Presentation.pptx
+++ b/presentation/Presentation.pptx
@@ -291,7 +291,7 @@
           <a:p>
             <a:fld id="{BD0278C9-95CB-4376-8F0E-620384947EDC}" type="datetimeFigureOut">
               <a:rPr kumimoji="1" lang="ja-JP" altLang="en-US" smtClean="0"/>
-              <a:t>2019/9/10</a:t>
+              <a:t>2019/9/11</a:t>
             </a:fld>
             <a:endParaRPr kumimoji="1" lang="ja-JP" altLang="en-US"/>
           </a:p>
@@ -521,7 +521,7 @@
           <a:p>
             <a:fld id="{BD0278C9-95CB-4376-8F0E-620384947EDC}" type="datetimeFigureOut">
               <a:rPr kumimoji="1" lang="ja-JP" altLang="en-US" smtClean="0"/>
-              <a:t>2019/9/10</a:t>
+              <a:t>2019/9/11</a:t>
             </a:fld>
             <a:endParaRPr kumimoji="1" lang="ja-JP" altLang="en-US"/>
           </a:p>
@@ -761,7 +761,7 @@
           <a:p>
             <a:fld id="{BD0278C9-95CB-4376-8F0E-620384947EDC}" type="datetimeFigureOut">
               <a:rPr kumimoji="1" lang="ja-JP" altLang="en-US" smtClean="0"/>
-              <a:t>2019/9/10</a:t>
+              <a:t>2019/9/11</a:t>
             </a:fld>
             <a:endParaRPr kumimoji="1" lang="ja-JP" altLang="en-US"/>
           </a:p>
@@ -991,7 +991,7 @@
           <a:p>
             <a:fld id="{BD0278C9-95CB-4376-8F0E-620384947EDC}" type="datetimeFigureOut">
               <a:rPr kumimoji="1" lang="ja-JP" altLang="en-US" smtClean="0"/>
-              <a:t>2019/9/10</a:t>
+              <a:t>2019/9/11</a:t>
             </a:fld>
             <a:endParaRPr kumimoji="1" lang="ja-JP" altLang="en-US"/>
           </a:p>
@@ -1274,7 +1274,7 @@
           <a:p>
             <a:fld id="{BD0278C9-95CB-4376-8F0E-620384947EDC}" type="datetimeFigureOut">
               <a:rPr kumimoji="1" lang="ja-JP" altLang="en-US" smtClean="0"/>
-              <a:t>2019/9/10</a:t>
+              <a:t>2019/9/11</a:t>
             </a:fld>
             <a:endParaRPr kumimoji="1" lang="ja-JP" altLang="en-US"/>
           </a:p>
@@ -1662,7 +1662,7 @@
           <a:p>
             <a:fld id="{BD0278C9-95CB-4376-8F0E-620384947EDC}" type="datetimeFigureOut">
               <a:rPr kumimoji="1" lang="ja-JP" altLang="en-US" smtClean="0"/>
-              <a:t>2019/9/10</a:t>
+              <a:t>2019/9/11</a:t>
             </a:fld>
             <a:endParaRPr kumimoji="1" lang="ja-JP" altLang="en-US"/>
           </a:p>
@@ -2138,7 +2138,7 @@
           <a:p>
             <a:fld id="{BD0278C9-95CB-4376-8F0E-620384947EDC}" type="datetimeFigureOut">
               <a:rPr kumimoji="1" lang="ja-JP" altLang="en-US" smtClean="0"/>
-              <a:t>2019/9/10</a:t>
+              <a:t>2019/9/11</a:t>
             </a:fld>
             <a:endParaRPr kumimoji="1" lang="ja-JP" altLang="en-US"/>
           </a:p>
@@ -2279,7 +2279,7 @@
           <a:p>
             <a:fld id="{BD0278C9-95CB-4376-8F0E-620384947EDC}" type="datetimeFigureOut">
               <a:rPr kumimoji="1" lang="ja-JP" altLang="en-US" smtClean="0"/>
-              <a:t>2019/9/10</a:t>
+              <a:t>2019/9/11</a:t>
             </a:fld>
             <a:endParaRPr kumimoji="1" lang="ja-JP" altLang="en-US"/>
           </a:p>
@@ -2392,7 +2392,7 @@
           <a:p>
             <a:fld id="{BD0278C9-95CB-4376-8F0E-620384947EDC}" type="datetimeFigureOut">
               <a:rPr kumimoji="1" lang="ja-JP" altLang="en-US" smtClean="0"/>
-              <a:t>2019/9/10</a:t>
+              <a:t>2019/9/11</a:t>
             </a:fld>
             <a:endParaRPr kumimoji="1" lang="ja-JP" altLang="en-US"/>
           </a:p>
@@ -2735,7 +2735,7 @@
           <a:p>
             <a:fld id="{BD0278C9-95CB-4376-8F0E-620384947EDC}" type="datetimeFigureOut">
               <a:rPr kumimoji="1" lang="ja-JP" altLang="en-US" smtClean="0"/>
-              <a:t>2019/9/10</a:t>
+              <a:t>2019/9/11</a:t>
             </a:fld>
             <a:endParaRPr kumimoji="1" lang="ja-JP" altLang="en-US"/>
           </a:p>
@@ -3023,7 +3023,7 @@
           <a:p>
             <a:fld id="{BD0278C9-95CB-4376-8F0E-620384947EDC}" type="datetimeFigureOut">
               <a:rPr kumimoji="1" lang="ja-JP" altLang="en-US" smtClean="0"/>
-              <a:t>2019/9/10</a:t>
+              <a:t>2019/9/11</a:t>
             </a:fld>
             <a:endParaRPr kumimoji="1" lang="ja-JP" altLang="en-US"/>
           </a:p>
@@ -3321,7 +3321,7 @@
           <a:p>
             <a:fld id="{BD0278C9-95CB-4376-8F0E-620384947EDC}" type="datetimeFigureOut">
               <a:rPr kumimoji="1" lang="ja-JP" altLang="en-US" smtClean="0"/>
-              <a:t>2019/9/10</a:t>
+              <a:t>2019/9/11</a:t>
             </a:fld>
             <a:endParaRPr kumimoji="1" lang="ja-JP" altLang="en-US"/>
           </a:p>
@@ -3940,7 +3940,11 @@
             </a:pPr>
             <a:r>
               <a:rPr lang="ja-JP" altLang="en-US" dirty="0"/>
-              <a:t>出品者が異なるが同じ商品であるものは、すべてまとめて１件として表示する</a:t>
+              <a:t>出品者が異なるが同じ商品であるものは、すべてまとめて１件と</a:t>
+            </a:r>
+            <a:r>
+              <a:rPr lang="ja-JP" altLang="en-US"/>
+              <a:t>して表示</a:t>
             </a:r>
             <a:endParaRPr lang="en-US" altLang="ja-JP" dirty="0"/>
           </a:p>
@@ -4952,7 +4956,19 @@
             </a:pPr>
             <a:r>
               <a:rPr lang="ja-JP" altLang="en-US" dirty="0"/>
-              <a:t>詳細ページではショップごとの比較をできるように</a:t>
+              <a:t>詳細</a:t>
+            </a:r>
+            <a:r>
+              <a:rPr lang="ja-JP" altLang="en-US"/>
+              <a:t>ページでショップ</a:t>
+            </a:r>
+            <a:r>
+              <a:rPr lang="ja-JP" altLang="en-US" dirty="0"/>
+              <a:t>ごと</a:t>
+            </a:r>
+            <a:r>
+              <a:rPr lang="ja-JP" altLang="en-US"/>
+              <a:t>の比較可能</a:t>
             </a:r>
             <a:endParaRPr kumimoji="1" lang="en-US" altLang="ja-JP" dirty="0"/>
           </a:p>
@@ -6829,35 +6845,8 @@
                   </a:outerShdw>
                 </a:effectLst>
               </a:rPr>
-              <a:t>Using </a:t>
-            </a:r>
-            <a:r>
-              <a:rPr lang="en-US" altLang="ja-JP" sz="2800" b="1" dirty="0" err="1">
-                <a:solidFill>
-                  <a:schemeClr val="tx1"/>
-                </a:solidFill>
-                <a:effectLst>
-                  <a:outerShdw blurRad="38100" dist="38100" dir="2700000" algn="tl">
-                    <a:srgbClr val="000000">
-                      <a:alpha val="43137"/>
-                    </a:srgbClr>
-                  </a:outerShdw>
-                </a:effectLst>
-              </a:rPr>
-              <a:t>Texhnology</a:t>
-            </a:r>
-            <a:endParaRPr lang="en-US" altLang="ja-JP" sz="2800" b="1" dirty="0">
-              <a:solidFill>
-                <a:schemeClr val="tx1"/>
-              </a:solidFill>
-              <a:effectLst>
-                <a:outerShdw blurRad="38100" dist="38100" dir="2700000" algn="tl">
-                  <a:srgbClr val="000000">
-                    <a:alpha val="43137"/>
-                  </a:srgbClr>
-                </a:outerShdw>
-              </a:effectLst>
-            </a:endParaRPr>
+              <a:t>Using Technology</a:t>
+            </a:r>
           </a:p>
           <a:p>
             <a:pPr lvl="1"/>
@@ -6901,9 +6890,7 @@
             <a:avLst/>
           </a:prstGeom>
           <a:solidFill>
-            <a:schemeClr val="accent1">
-              <a:alpha val="34000"/>
-            </a:schemeClr>
+            <a:srgbClr val="FF9199"/>
           </a:solidFill>
         </p:spPr>
         <p:style>
@@ -7073,35 +7060,8 @@
                   </a:outerShdw>
                 </a:effectLst>
               </a:rPr>
-              <a:t>Using </a:t>
-            </a:r>
-            <a:r>
-              <a:rPr lang="en-US" altLang="ja-JP" sz="2800" b="1" dirty="0" err="1">
-                <a:solidFill>
-                  <a:schemeClr val="tx1"/>
-                </a:solidFill>
-                <a:effectLst>
-                  <a:outerShdw blurRad="38100" dist="38100" dir="2700000" algn="tl">
-                    <a:srgbClr val="000000">
-                      <a:alpha val="43137"/>
-                    </a:srgbClr>
-                  </a:outerShdw>
-                </a:effectLst>
-              </a:rPr>
-              <a:t>Texhnology</a:t>
-            </a:r>
-            <a:endParaRPr lang="en-US" altLang="ja-JP" sz="2800" b="1" dirty="0">
-              <a:solidFill>
-                <a:schemeClr val="tx1"/>
-              </a:solidFill>
-              <a:effectLst>
-                <a:outerShdw blurRad="38100" dist="38100" dir="2700000" algn="tl">
-                  <a:srgbClr val="000000">
-                    <a:alpha val="43137"/>
-                  </a:srgbClr>
-                </a:outerShdw>
-              </a:effectLst>
-            </a:endParaRPr>
+              <a:t>Using Technology</a:t>
+            </a:r>
           </a:p>
           <a:p>
             <a:pPr lvl="1"/>
@@ -8606,16 +8566,16 @@
               <a:buChar char="•"/>
             </a:pPr>
             <a:r>
-              <a:rPr kumimoji="1" lang="ja-JP" altLang="en-US" dirty="0"/>
-              <a:t>商品情報は楽天</a:t>
+              <a:rPr kumimoji="1" lang="ja-JP" altLang="en-US"/>
+              <a:t>商品情報を楽天</a:t>
             </a:r>
             <a:r>
               <a:rPr kumimoji="1" lang="en-US" altLang="ja-JP" dirty="0"/>
               <a:t>API</a:t>
             </a:r>
             <a:r>
-              <a:rPr kumimoji="1" lang="ja-JP" altLang="en-US" dirty="0"/>
-              <a:t>から取得して利用</a:t>
+              <a:rPr kumimoji="1" lang="ja-JP" altLang="en-US"/>
+              <a:t>から取得</a:t>
             </a:r>
             <a:endParaRPr lang="en-US" altLang="ja-JP" dirty="0"/>
           </a:p>
@@ -8626,7 +8586,19 @@
             </a:pPr>
             <a:r>
               <a:rPr lang="ja-JP" altLang="en-US" dirty="0"/>
-              <a:t>出品者が異なるが同じ商品であるものは、すべてまとめて１件として表示する</a:t>
+              <a:t>出品者が</a:t>
+            </a:r>
+            <a:r>
+              <a:rPr lang="ja-JP" altLang="en-US"/>
+              <a:t>異なるが商品は同じ場合，すべて</a:t>
+            </a:r>
+            <a:r>
+              <a:rPr lang="ja-JP" altLang="en-US" dirty="0"/>
+              <a:t>まとめて１件と</a:t>
+            </a:r>
+            <a:r>
+              <a:rPr lang="ja-JP" altLang="en-US"/>
+              <a:t>して表示</a:t>
             </a:r>
             <a:endParaRPr lang="en-US" altLang="ja-JP" dirty="0"/>
           </a:p>
@@ -8636,8 +8608,28 @@
               <a:buChar char="•"/>
             </a:pPr>
             <a:r>
+              <a:rPr kumimoji="1" lang="ja-JP" altLang="en-US"/>
+              <a:t>検索</a:t>
+            </a:r>
+            <a:r>
               <a:rPr kumimoji="1" lang="ja-JP" altLang="en-US" dirty="0"/>
-              <a:t>最初の検索結果では、商品の概要と概算額のみ表示し、詳細は次のページで</a:t>
+              <a:t>結果では、商品の概要と概算額</a:t>
+            </a:r>
+            <a:r>
+              <a:rPr kumimoji="1" lang="ja-JP" altLang="en-US"/>
+              <a:t>のみ表示</a:t>
+            </a:r>
+            <a:r>
+              <a:rPr lang="ja-JP" altLang="en-US"/>
+              <a:t>＆</a:t>
+            </a:r>
+            <a:r>
+              <a:rPr kumimoji="1" lang="ja-JP" altLang="en-US"/>
+              <a:t>詳細</a:t>
+            </a:r>
+            <a:r>
+              <a:rPr kumimoji="1" lang="ja-JP" altLang="en-US" dirty="0"/>
+              <a:t>は次のページで</a:t>
             </a:r>
             <a:endParaRPr kumimoji="1" lang="en-US" altLang="ja-JP" dirty="0"/>
           </a:p>
@@ -8648,7 +8640,11 @@
             </a:pPr>
             <a:r>
               <a:rPr lang="ja-JP" altLang="en-US" dirty="0"/>
-              <a:t>詳細ページではショップごとの比較をできるように</a:t>
+              <a:t>詳細ページでは</a:t>
+            </a:r>
+            <a:r>
+              <a:rPr lang="ja-JP" altLang="en-US"/>
+              <a:t>ショップごとに比較可能</a:t>
             </a:r>
             <a:endParaRPr kumimoji="1" lang="en-US" altLang="ja-JP" dirty="0"/>
           </a:p>

--- a/presentation/Presentation.pptx
+++ b/presentation/Presentation.pptx
@@ -2,23 +2,24 @@
 <file path=ppt/presentation.xml><?xml version="1.0" encoding="utf-8"?>
 <p:presentation xmlns:a="http://schemas.openxmlformats.org/drawingml/2006/main" xmlns:r="http://schemas.openxmlformats.org/officeDocument/2006/relationships" xmlns:p="http://schemas.openxmlformats.org/presentationml/2006/main" saveSubsetFonts="1">
   <p:sldMasterIdLst>
-    <p:sldMasterId id="2147483648" r:id="rId1"/>
+    <p:sldMasterId id="2147483660" r:id="rId1"/>
   </p:sldMasterIdLst>
   <p:sldIdLst>
     <p:sldId id="256" r:id="rId2"/>
-    <p:sldId id="259" r:id="rId3"/>
-    <p:sldId id="263" r:id="rId4"/>
-    <p:sldId id="258" r:id="rId5"/>
-    <p:sldId id="264" r:id="rId6"/>
-    <p:sldId id="257" r:id="rId7"/>
-    <p:sldId id="265" r:id="rId8"/>
-    <p:sldId id="266" r:id="rId9"/>
-    <p:sldId id="267" r:id="rId10"/>
-    <p:sldId id="268" r:id="rId11"/>
-    <p:sldId id="269" r:id="rId12"/>
-    <p:sldId id="260" r:id="rId13"/>
-    <p:sldId id="261" r:id="rId14"/>
-    <p:sldId id="262" r:id="rId15"/>
+    <p:sldId id="271" r:id="rId3"/>
+    <p:sldId id="259" r:id="rId4"/>
+    <p:sldId id="263" r:id="rId5"/>
+    <p:sldId id="258" r:id="rId6"/>
+    <p:sldId id="264" r:id="rId7"/>
+    <p:sldId id="257" r:id="rId8"/>
+    <p:sldId id="265" r:id="rId9"/>
+    <p:sldId id="266" r:id="rId10"/>
+    <p:sldId id="267" r:id="rId11"/>
+    <p:sldId id="268" r:id="rId12"/>
+    <p:sldId id="269" r:id="rId13"/>
+    <p:sldId id="260" r:id="rId14"/>
+    <p:sldId id="261" r:id="rId15"/>
+    <p:sldId id="262" r:id="rId16"/>
   </p:sldIdLst>
   <p:sldSz cx="12192000" cy="6858000"/>
   <p:notesSz cx="6858000" cy="9144000"/>
@@ -166,7 +167,7 @@
           <p:cNvPr id="2" name="タイトル 1">
             <a:extLst>
               <a:ext uri="{FF2B5EF4-FFF2-40B4-BE49-F238E27FC236}">
-                <a16:creationId xmlns:a16="http://schemas.microsoft.com/office/drawing/2014/main" id="{D1B426E1-8409-4ED8-91FA-3D721835D30F}"/>
+                <a16:creationId xmlns:a16="http://schemas.microsoft.com/office/drawing/2014/main" id="{69EE6AF9-B177-3547-AEF2-F87D8A592B09}"/>
               </a:ext>
             </a:extLst>
           </p:cNvPr>
@@ -203,7 +204,7 @@
           <p:cNvPr id="3" name="字幕 2">
             <a:extLst>
               <a:ext uri="{FF2B5EF4-FFF2-40B4-BE49-F238E27FC236}">
-                <a16:creationId xmlns:a16="http://schemas.microsoft.com/office/drawing/2014/main" id="{F93502BF-2521-4D71-A31A-4D1238D67D6E}"/>
+                <a16:creationId xmlns:a16="http://schemas.microsoft.com/office/drawing/2014/main" id="{4FF4A4FC-16A3-3B47-9DA5-73E080DDE2CB}"/>
               </a:ext>
             </a:extLst>
           </p:cNvPr>
@@ -273,7 +274,7 @@
           <p:cNvPr id="4" name="日付プレースホルダー 3">
             <a:extLst>
               <a:ext uri="{FF2B5EF4-FFF2-40B4-BE49-F238E27FC236}">
-                <a16:creationId xmlns:a16="http://schemas.microsoft.com/office/drawing/2014/main" id="{D1544572-545D-46F0-B7C1-F2006077E8A2}"/>
+                <a16:creationId xmlns:a16="http://schemas.microsoft.com/office/drawing/2014/main" id="{DF7796E2-9B34-1C4F-97E7-35B6FC65E24E}"/>
               </a:ext>
             </a:extLst>
           </p:cNvPr>
@@ -302,7 +303,7 @@
           <p:cNvPr id="5" name="フッター プレースホルダー 4">
             <a:extLst>
               <a:ext uri="{FF2B5EF4-FFF2-40B4-BE49-F238E27FC236}">
-                <a16:creationId xmlns:a16="http://schemas.microsoft.com/office/drawing/2014/main" id="{3A61872A-68EC-4E98-A027-35D08FFFC15A}"/>
+                <a16:creationId xmlns:a16="http://schemas.microsoft.com/office/drawing/2014/main" id="{0FC604E7-C09E-E446-B0DE-BB61E5D18F75}"/>
               </a:ext>
             </a:extLst>
           </p:cNvPr>
@@ -327,7 +328,7 @@
           <p:cNvPr id="6" name="スライド番号プレースホルダー 5">
             <a:extLst>
               <a:ext uri="{FF2B5EF4-FFF2-40B4-BE49-F238E27FC236}">
-                <a16:creationId xmlns:a16="http://schemas.microsoft.com/office/drawing/2014/main" id="{1C4E448F-A8EF-4BD8-9658-DDA0BEE8D387}"/>
+                <a16:creationId xmlns:a16="http://schemas.microsoft.com/office/drawing/2014/main" id="{863FE134-58A1-C142-88E4-E20223B4CA24}"/>
               </a:ext>
             </a:extLst>
           </p:cNvPr>
@@ -354,7 +355,7 @@
     </p:spTree>
     <p:extLst>
       <p:ext uri="{BB962C8B-B14F-4D97-AF65-F5344CB8AC3E}">
-        <p14:creationId xmlns:p14="http://schemas.microsoft.com/office/powerpoint/2010/main" val="1651549041"/>
+        <p14:creationId xmlns:p14="http://schemas.microsoft.com/office/powerpoint/2010/main" val="2574961885"/>
       </p:ext>
     </p:extLst>
   </p:cSld>
@@ -386,7 +387,7 @@
           <p:cNvPr id="2" name="タイトル 1">
             <a:extLst>
               <a:ext uri="{FF2B5EF4-FFF2-40B4-BE49-F238E27FC236}">
-                <a16:creationId xmlns:a16="http://schemas.microsoft.com/office/drawing/2014/main" id="{F6A09075-7436-4BB0-8B29-50E8ED52C769}"/>
+                <a16:creationId xmlns:a16="http://schemas.microsoft.com/office/drawing/2014/main" id="{EA37E908-A1CE-7043-A468-CE5B4A3B1323}"/>
               </a:ext>
             </a:extLst>
           </p:cNvPr>
@@ -414,7 +415,7 @@
           <p:cNvPr id="3" name="縦書きテキスト プレースホルダー 2">
             <a:extLst>
               <a:ext uri="{FF2B5EF4-FFF2-40B4-BE49-F238E27FC236}">
-                <a16:creationId xmlns:a16="http://schemas.microsoft.com/office/drawing/2014/main" id="{5E2706E8-1E74-470A-9258-D29525B4C482}"/>
+                <a16:creationId xmlns:a16="http://schemas.microsoft.com/office/drawing/2014/main" id="{0517E684-5DA9-D542-9B70-CD343D43B49D}"/>
               </a:ext>
             </a:extLst>
           </p:cNvPr>
@@ -430,17 +431,10 @@
           <a:bodyPr vert="eaVert"/>
           <a:lstStyle/>
           <a:p>
-            <a:pPr lvl="0"/>
             <a:r>
               <a:rPr kumimoji="1" lang="ja-JP" altLang="en-US"/>
-              <a:t>マスター テキストの書式設定</a:t>
-            </a:r>
-          </a:p>
-          <a:p>
-            <a:pPr lvl="1"/>
-            <a:r>
-              <a:rPr kumimoji="1" lang="ja-JP" altLang="en-US"/>
-              <a:t>第 </a:t>
+              <a:t>マスター テキストの書式設定
+第 </a:t>
             </a:r>
             <a:r>
               <a:rPr kumimoji="1" lang="en-US" altLang="ja-JP"/>
@@ -448,14 +442,8 @@
             </a:r>
             <a:r>
               <a:rPr kumimoji="1" lang="ja-JP" altLang="en-US"/>
-              <a:t>レベル</a:t>
-            </a:r>
-          </a:p>
-          <a:p>
-            <a:pPr lvl="2"/>
-            <a:r>
-              <a:rPr kumimoji="1" lang="ja-JP" altLang="en-US"/>
-              <a:t>第 </a:t>
+              <a:t>レベル
+第 </a:t>
             </a:r>
             <a:r>
               <a:rPr kumimoji="1" lang="en-US" altLang="ja-JP"/>
@@ -463,14 +451,8 @@
             </a:r>
             <a:r>
               <a:rPr kumimoji="1" lang="ja-JP" altLang="en-US"/>
-              <a:t>レベル</a:t>
-            </a:r>
-          </a:p>
-          <a:p>
-            <a:pPr lvl="3"/>
-            <a:r>
-              <a:rPr kumimoji="1" lang="ja-JP" altLang="en-US"/>
-              <a:t>第 </a:t>
+              <a:t>レベル
+第 </a:t>
             </a:r>
             <a:r>
               <a:rPr kumimoji="1" lang="en-US" altLang="ja-JP"/>
@@ -478,14 +460,8 @@
             </a:r>
             <a:r>
               <a:rPr kumimoji="1" lang="ja-JP" altLang="en-US"/>
-              <a:t>レベル</a:t>
-            </a:r>
-          </a:p>
-          <a:p>
-            <a:pPr lvl="4"/>
-            <a:r>
-              <a:rPr kumimoji="1" lang="ja-JP" altLang="en-US"/>
-              <a:t>第 </a:t>
+              <a:t>レベル
+第 </a:t>
             </a:r>
             <a:r>
               <a:rPr kumimoji="1" lang="en-US" altLang="ja-JP"/>
@@ -503,7 +479,7 @@
           <p:cNvPr id="4" name="日付プレースホルダー 3">
             <a:extLst>
               <a:ext uri="{FF2B5EF4-FFF2-40B4-BE49-F238E27FC236}">
-                <a16:creationId xmlns:a16="http://schemas.microsoft.com/office/drawing/2014/main" id="{20B7827B-EB1F-4827-AB7F-26E26DD913FA}"/>
+                <a16:creationId xmlns:a16="http://schemas.microsoft.com/office/drawing/2014/main" id="{2980CD03-5F19-CF4A-9426-31B2E75F4881}"/>
               </a:ext>
             </a:extLst>
           </p:cNvPr>
@@ -532,7 +508,7 @@
           <p:cNvPr id="5" name="フッター プレースホルダー 4">
             <a:extLst>
               <a:ext uri="{FF2B5EF4-FFF2-40B4-BE49-F238E27FC236}">
-                <a16:creationId xmlns:a16="http://schemas.microsoft.com/office/drawing/2014/main" id="{E77F2047-7944-405A-9723-AFEE1B4DB128}"/>
+                <a16:creationId xmlns:a16="http://schemas.microsoft.com/office/drawing/2014/main" id="{E1A56925-A8B2-B74A-92BE-5D8CEDEF8B6C}"/>
               </a:ext>
             </a:extLst>
           </p:cNvPr>
@@ -557,7 +533,7 @@
           <p:cNvPr id="6" name="スライド番号プレースホルダー 5">
             <a:extLst>
               <a:ext uri="{FF2B5EF4-FFF2-40B4-BE49-F238E27FC236}">
-                <a16:creationId xmlns:a16="http://schemas.microsoft.com/office/drawing/2014/main" id="{5AA02C6B-FD61-4E39-B4CD-EB271AE89532}"/>
+                <a16:creationId xmlns:a16="http://schemas.microsoft.com/office/drawing/2014/main" id="{7AC069E8-8FEF-7C41-A87F-3404E1F882FE}"/>
               </a:ext>
             </a:extLst>
           </p:cNvPr>
@@ -584,7 +560,7 @@
     </p:spTree>
     <p:extLst>
       <p:ext uri="{BB962C8B-B14F-4D97-AF65-F5344CB8AC3E}">
-        <p14:creationId xmlns:p14="http://schemas.microsoft.com/office/powerpoint/2010/main" val="1164239565"/>
+        <p14:creationId xmlns:p14="http://schemas.microsoft.com/office/powerpoint/2010/main" val="2210613531"/>
       </p:ext>
     </p:extLst>
   </p:cSld>
@@ -616,7 +592,7 @@
           <p:cNvPr id="2" name="縦書きタイトル 1">
             <a:extLst>
               <a:ext uri="{FF2B5EF4-FFF2-40B4-BE49-F238E27FC236}">
-                <a16:creationId xmlns:a16="http://schemas.microsoft.com/office/drawing/2014/main" id="{50576371-0306-47C8-A4F4-4717F9FF3896}"/>
+                <a16:creationId xmlns:a16="http://schemas.microsoft.com/office/drawing/2014/main" id="{9112AAC3-D816-5B48-A854-F2A1EB4487B1}"/>
               </a:ext>
             </a:extLst>
           </p:cNvPr>
@@ -649,7 +625,7 @@
           <p:cNvPr id="3" name="縦書きテキスト プレースホルダー 2">
             <a:extLst>
               <a:ext uri="{FF2B5EF4-FFF2-40B4-BE49-F238E27FC236}">
-                <a16:creationId xmlns:a16="http://schemas.microsoft.com/office/drawing/2014/main" id="{60CE69FD-79D4-4522-B3F8-392272681002}"/>
+                <a16:creationId xmlns:a16="http://schemas.microsoft.com/office/drawing/2014/main" id="{3A831FCC-15F2-264A-959C-8C3300F5913F}"/>
               </a:ext>
             </a:extLst>
           </p:cNvPr>
@@ -670,17 +646,10 @@
           <a:bodyPr vert="eaVert"/>
           <a:lstStyle/>
           <a:p>
-            <a:pPr lvl="0"/>
             <a:r>
               <a:rPr kumimoji="1" lang="ja-JP" altLang="en-US"/>
-              <a:t>マスター テキストの書式設定</a:t>
-            </a:r>
-          </a:p>
-          <a:p>
-            <a:pPr lvl="1"/>
-            <a:r>
-              <a:rPr kumimoji="1" lang="ja-JP" altLang="en-US"/>
-              <a:t>第 </a:t>
+              <a:t>マスター テキストの書式設定
+第 </a:t>
             </a:r>
             <a:r>
               <a:rPr kumimoji="1" lang="en-US" altLang="ja-JP"/>
@@ -688,14 +657,8 @@
             </a:r>
             <a:r>
               <a:rPr kumimoji="1" lang="ja-JP" altLang="en-US"/>
-              <a:t>レベル</a:t>
-            </a:r>
-          </a:p>
-          <a:p>
-            <a:pPr lvl="2"/>
-            <a:r>
-              <a:rPr kumimoji="1" lang="ja-JP" altLang="en-US"/>
-              <a:t>第 </a:t>
+              <a:t>レベル
+第 </a:t>
             </a:r>
             <a:r>
               <a:rPr kumimoji="1" lang="en-US" altLang="ja-JP"/>
@@ -703,14 +666,8 @@
             </a:r>
             <a:r>
               <a:rPr kumimoji="1" lang="ja-JP" altLang="en-US"/>
-              <a:t>レベル</a:t>
-            </a:r>
-          </a:p>
-          <a:p>
-            <a:pPr lvl="3"/>
-            <a:r>
-              <a:rPr kumimoji="1" lang="ja-JP" altLang="en-US"/>
-              <a:t>第 </a:t>
+              <a:t>レベル
+第 </a:t>
             </a:r>
             <a:r>
               <a:rPr kumimoji="1" lang="en-US" altLang="ja-JP"/>
@@ -718,14 +675,8 @@
             </a:r>
             <a:r>
               <a:rPr kumimoji="1" lang="ja-JP" altLang="en-US"/>
-              <a:t>レベル</a:t>
-            </a:r>
-          </a:p>
-          <a:p>
-            <a:pPr lvl="4"/>
-            <a:r>
-              <a:rPr kumimoji="1" lang="ja-JP" altLang="en-US"/>
-              <a:t>第 </a:t>
+              <a:t>レベル
+第 </a:t>
             </a:r>
             <a:r>
               <a:rPr kumimoji="1" lang="en-US" altLang="ja-JP"/>
@@ -743,7 +694,7 @@
           <p:cNvPr id="4" name="日付プレースホルダー 3">
             <a:extLst>
               <a:ext uri="{FF2B5EF4-FFF2-40B4-BE49-F238E27FC236}">
-                <a16:creationId xmlns:a16="http://schemas.microsoft.com/office/drawing/2014/main" id="{1713771F-68CA-43F6-B931-440E9B005CBB}"/>
+                <a16:creationId xmlns:a16="http://schemas.microsoft.com/office/drawing/2014/main" id="{8F912AFE-E61D-3D4C-A0ED-A846FEFF586D}"/>
               </a:ext>
             </a:extLst>
           </p:cNvPr>
@@ -772,7 +723,7 @@
           <p:cNvPr id="5" name="フッター プレースホルダー 4">
             <a:extLst>
               <a:ext uri="{FF2B5EF4-FFF2-40B4-BE49-F238E27FC236}">
-                <a16:creationId xmlns:a16="http://schemas.microsoft.com/office/drawing/2014/main" id="{568FABBA-74D2-46CD-9ED9-486419D762A9}"/>
+                <a16:creationId xmlns:a16="http://schemas.microsoft.com/office/drawing/2014/main" id="{6FF5675C-3B0C-F240-B5BC-5AB90BCA9222}"/>
               </a:ext>
             </a:extLst>
           </p:cNvPr>
@@ -797,7 +748,7 @@
           <p:cNvPr id="6" name="スライド番号プレースホルダー 5">
             <a:extLst>
               <a:ext uri="{FF2B5EF4-FFF2-40B4-BE49-F238E27FC236}">
-                <a16:creationId xmlns:a16="http://schemas.microsoft.com/office/drawing/2014/main" id="{D04C5125-50BC-4098-8022-F05F4A01C326}"/>
+                <a16:creationId xmlns:a16="http://schemas.microsoft.com/office/drawing/2014/main" id="{748B02D6-11A8-3348-A95A-F794F6E40F1D}"/>
               </a:ext>
             </a:extLst>
           </p:cNvPr>
@@ -824,7 +775,7 @@
     </p:spTree>
     <p:extLst>
       <p:ext uri="{BB962C8B-B14F-4D97-AF65-F5344CB8AC3E}">
-        <p14:creationId xmlns:p14="http://schemas.microsoft.com/office/powerpoint/2010/main" val="1476118943"/>
+        <p14:creationId xmlns:p14="http://schemas.microsoft.com/office/powerpoint/2010/main" val="3162901922"/>
       </p:ext>
     </p:extLst>
   </p:cSld>
@@ -856,7 +807,7 @@
           <p:cNvPr id="2" name="タイトル 1">
             <a:extLst>
               <a:ext uri="{FF2B5EF4-FFF2-40B4-BE49-F238E27FC236}">
-                <a16:creationId xmlns:a16="http://schemas.microsoft.com/office/drawing/2014/main" id="{5667DA68-996D-49A2-A9DC-9614FED45077}"/>
+                <a16:creationId xmlns:a16="http://schemas.microsoft.com/office/drawing/2014/main" id="{E653AA44-6434-D04D-B676-9DCAA9028412}"/>
               </a:ext>
             </a:extLst>
           </p:cNvPr>
@@ -884,7 +835,7 @@
           <p:cNvPr id="3" name="コンテンツ プレースホルダー 2">
             <a:extLst>
               <a:ext uri="{FF2B5EF4-FFF2-40B4-BE49-F238E27FC236}">
-                <a16:creationId xmlns:a16="http://schemas.microsoft.com/office/drawing/2014/main" id="{9B050208-FA99-45D3-BF47-D313CA0D6AD2}"/>
+                <a16:creationId xmlns:a16="http://schemas.microsoft.com/office/drawing/2014/main" id="{D4A9F434-3C0D-8041-8E55-B45290F647E0}"/>
               </a:ext>
             </a:extLst>
           </p:cNvPr>
@@ -900,17 +851,10 @@
           <a:bodyPr/>
           <a:lstStyle/>
           <a:p>
-            <a:pPr lvl="0"/>
             <a:r>
               <a:rPr kumimoji="1" lang="ja-JP" altLang="en-US"/>
-              <a:t>マスター テキストの書式設定</a:t>
-            </a:r>
-          </a:p>
-          <a:p>
-            <a:pPr lvl="1"/>
-            <a:r>
-              <a:rPr kumimoji="1" lang="ja-JP" altLang="en-US"/>
-              <a:t>第 </a:t>
+              <a:t>マスター テキストの書式設定
+第 </a:t>
             </a:r>
             <a:r>
               <a:rPr kumimoji="1" lang="en-US" altLang="ja-JP"/>
@@ -918,14 +862,8 @@
             </a:r>
             <a:r>
               <a:rPr kumimoji="1" lang="ja-JP" altLang="en-US"/>
-              <a:t>レベル</a:t>
-            </a:r>
-          </a:p>
-          <a:p>
-            <a:pPr lvl="2"/>
-            <a:r>
-              <a:rPr kumimoji="1" lang="ja-JP" altLang="en-US"/>
-              <a:t>第 </a:t>
+              <a:t>レベル
+第 </a:t>
             </a:r>
             <a:r>
               <a:rPr kumimoji="1" lang="en-US" altLang="ja-JP"/>
@@ -933,14 +871,8 @@
             </a:r>
             <a:r>
               <a:rPr kumimoji="1" lang="ja-JP" altLang="en-US"/>
-              <a:t>レベル</a:t>
-            </a:r>
-          </a:p>
-          <a:p>
-            <a:pPr lvl="3"/>
-            <a:r>
-              <a:rPr kumimoji="1" lang="ja-JP" altLang="en-US"/>
-              <a:t>第 </a:t>
+              <a:t>レベル
+第 </a:t>
             </a:r>
             <a:r>
               <a:rPr kumimoji="1" lang="en-US" altLang="ja-JP"/>
@@ -948,14 +880,8 @@
             </a:r>
             <a:r>
               <a:rPr kumimoji="1" lang="ja-JP" altLang="en-US"/>
-              <a:t>レベル</a:t>
-            </a:r>
-          </a:p>
-          <a:p>
-            <a:pPr lvl="4"/>
-            <a:r>
-              <a:rPr kumimoji="1" lang="ja-JP" altLang="en-US"/>
-              <a:t>第 </a:t>
+              <a:t>レベル
+第 </a:t>
             </a:r>
             <a:r>
               <a:rPr kumimoji="1" lang="en-US" altLang="ja-JP"/>
@@ -973,7 +899,7 @@
           <p:cNvPr id="4" name="日付プレースホルダー 3">
             <a:extLst>
               <a:ext uri="{FF2B5EF4-FFF2-40B4-BE49-F238E27FC236}">
-                <a16:creationId xmlns:a16="http://schemas.microsoft.com/office/drawing/2014/main" id="{6C395DCC-FAF5-47B6-B027-3F3E878E5392}"/>
+                <a16:creationId xmlns:a16="http://schemas.microsoft.com/office/drawing/2014/main" id="{D758F2A4-108A-7F4E-820E-1E64126A99CC}"/>
               </a:ext>
             </a:extLst>
           </p:cNvPr>
@@ -1002,7 +928,7 @@
           <p:cNvPr id="5" name="フッター プレースホルダー 4">
             <a:extLst>
               <a:ext uri="{FF2B5EF4-FFF2-40B4-BE49-F238E27FC236}">
-                <a16:creationId xmlns:a16="http://schemas.microsoft.com/office/drawing/2014/main" id="{E0ECF50B-B669-4E96-9088-B9308D4ED689}"/>
+                <a16:creationId xmlns:a16="http://schemas.microsoft.com/office/drawing/2014/main" id="{94E55FC3-2440-4E42-8FD4-76863504C8FE}"/>
               </a:ext>
             </a:extLst>
           </p:cNvPr>
@@ -1027,7 +953,7 @@
           <p:cNvPr id="6" name="スライド番号プレースホルダー 5">
             <a:extLst>
               <a:ext uri="{FF2B5EF4-FFF2-40B4-BE49-F238E27FC236}">
-                <a16:creationId xmlns:a16="http://schemas.microsoft.com/office/drawing/2014/main" id="{685B8865-5C93-4765-AA06-BC30C75D88C5}"/>
+                <a16:creationId xmlns:a16="http://schemas.microsoft.com/office/drawing/2014/main" id="{46E16D5E-6ECE-464D-8A9D-EABB1EF8673B}"/>
               </a:ext>
             </a:extLst>
           </p:cNvPr>
@@ -1054,7 +980,7 @@
     </p:spTree>
     <p:extLst>
       <p:ext uri="{BB962C8B-B14F-4D97-AF65-F5344CB8AC3E}">
-        <p14:creationId xmlns:p14="http://schemas.microsoft.com/office/powerpoint/2010/main" val="1921933997"/>
+        <p14:creationId xmlns:p14="http://schemas.microsoft.com/office/powerpoint/2010/main" val="3835519864"/>
       </p:ext>
     </p:extLst>
   </p:cSld>
@@ -1086,7 +1012,7 @@
           <p:cNvPr id="2" name="タイトル 1">
             <a:extLst>
               <a:ext uri="{FF2B5EF4-FFF2-40B4-BE49-F238E27FC236}">
-                <a16:creationId xmlns:a16="http://schemas.microsoft.com/office/drawing/2014/main" id="{1E84EE7E-5145-4C27-9B6D-019885E7AD6E}"/>
+                <a16:creationId xmlns:a16="http://schemas.microsoft.com/office/drawing/2014/main" id="{0722EBB9-997F-A84A-AB07-8C13A476B6C4}"/>
               </a:ext>
             </a:extLst>
           </p:cNvPr>
@@ -1099,28 +1025,20 @@
         </p:nvSpPr>
         <p:spPr>
           <a:xfrm>
-            <a:off x="142420" y="5786891"/>
-            <a:ext cx="10515600" cy="1002846"/>
+            <a:off x="831850" y="1709738"/>
+            <a:ext cx="10515600" cy="2852737"/>
           </a:xfrm>
         </p:spPr>
         <p:txBody>
           <a:bodyPr anchor="b"/>
           <a:lstStyle>
             <a:lvl1pPr>
-              <a:defRPr sz="6000" b="1">
-                <a:effectLst>
-                  <a:outerShdw blurRad="38100" dist="38100" dir="2700000" algn="tl">
-                    <a:srgbClr val="000000">
-                      <a:alpha val="43137"/>
-                    </a:srgbClr>
-                  </a:outerShdw>
-                </a:effectLst>
-              </a:defRPr>
+              <a:defRPr sz="6000"/>
             </a:lvl1pPr>
           </a:lstStyle>
           <a:p>
             <a:r>
-              <a:rPr kumimoji="1" lang="ja-JP" altLang="en-US" dirty="0"/>
+              <a:rPr kumimoji="1" lang="ja-JP" altLang="en-US"/>
               <a:t>マスター タイトルの書式設定</a:t>
             </a:r>
           </a:p>
@@ -1131,7 +1049,7 @@
           <p:cNvPr id="3" name="テキスト プレースホルダー 2">
             <a:extLst>
               <a:ext uri="{FF2B5EF4-FFF2-40B4-BE49-F238E27FC236}">
-                <a16:creationId xmlns:a16="http://schemas.microsoft.com/office/drawing/2014/main" id="{5BE6DFF1-CA31-40B7-ACA9-B2ED2C78CF9F}"/>
+                <a16:creationId xmlns:a16="http://schemas.microsoft.com/office/drawing/2014/main" id="{301C7314-3F6B-D04A-AFF9-BA30C7CE115D}"/>
               </a:ext>
             </a:extLst>
           </p:cNvPr>
@@ -1144,20 +1062,20 @@
         </p:nvSpPr>
         <p:spPr>
           <a:xfrm>
-            <a:off x="838200" y="917348"/>
+            <a:off x="831850" y="4589463"/>
             <a:ext cx="10515600" cy="1500187"/>
           </a:xfrm>
         </p:spPr>
         <p:txBody>
-          <a:bodyPr>
-            <a:normAutofit/>
-          </a:bodyPr>
+          <a:bodyPr/>
           <a:lstStyle>
             <a:lvl1pPr marL="0" indent="0">
               <a:buNone/>
-              <a:defRPr sz="3200">
+              <a:defRPr sz="2400">
                 <a:solidFill>
-                  <a:schemeClr val="tx1"/>
+                  <a:schemeClr val="tx1">
+                    <a:tint val="75000"/>
+                  </a:schemeClr>
                 </a:solidFill>
               </a:defRPr>
             </a:lvl1pPr>
@@ -1243,10 +1161,45 @@
             </a:lvl9pPr>
           </a:lstStyle>
           <a:p>
-            <a:pPr lvl="0"/>
-            <a:r>
-              <a:rPr kumimoji="1" lang="ja-JP" altLang="en-US" dirty="0"/>
-              <a:t>マスター テキストの書式設定</a:t>
+            <a:r>
+              <a:rPr kumimoji="1" lang="ja-JP" altLang="en-US"/>
+              <a:t>マスター テキストの書式設定
+第 </a:t>
+            </a:r>
+            <a:r>
+              <a:rPr kumimoji="1" lang="en-US" altLang="ja-JP"/>
+              <a:t>2 </a:t>
+            </a:r>
+            <a:r>
+              <a:rPr kumimoji="1" lang="ja-JP" altLang="en-US"/>
+              <a:t>レベル
+第 </a:t>
+            </a:r>
+            <a:r>
+              <a:rPr kumimoji="1" lang="en-US" altLang="ja-JP"/>
+              <a:t>3 </a:t>
+            </a:r>
+            <a:r>
+              <a:rPr kumimoji="1" lang="ja-JP" altLang="en-US"/>
+              <a:t>レベル
+第 </a:t>
+            </a:r>
+            <a:r>
+              <a:rPr kumimoji="1" lang="en-US" altLang="ja-JP"/>
+              <a:t>4 </a:t>
+            </a:r>
+            <a:r>
+              <a:rPr kumimoji="1" lang="ja-JP" altLang="en-US"/>
+              <a:t>レベル
+第 </a:t>
+            </a:r>
+            <a:r>
+              <a:rPr kumimoji="1" lang="en-US" altLang="ja-JP"/>
+              <a:t>5 </a:t>
+            </a:r>
+            <a:r>
+              <a:rPr kumimoji="1" lang="ja-JP" altLang="en-US"/>
+              <a:t>レベル</a:t>
             </a:r>
           </a:p>
         </p:txBody>
@@ -1256,7 +1209,7 @@
           <p:cNvPr id="4" name="日付プレースホルダー 3">
             <a:extLst>
               <a:ext uri="{FF2B5EF4-FFF2-40B4-BE49-F238E27FC236}">
-                <a16:creationId xmlns:a16="http://schemas.microsoft.com/office/drawing/2014/main" id="{EFEC9157-3FDE-4978-A433-02D894FF5135}"/>
+                <a16:creationId xmlns:a16="http://schemas.microsoft.com/office/drawing/2014/main" id="{64378B56-D4C2-7744-9506-90664ED7C5DB}"/>
               </a:ext>
             </a:extLst>
           </p:cNvPr>
@@ -1285,7 +1238,7 @@
           <p:cNvPr id="5" name="フッター プレースホルダー 4">
             <a:extLst>
               <a:ext uri="{FF2B5EF4-FFF2-40B4-BE49-F238E27FC236}">
-                <a16:creationId xmlns:a16="http://schemas.microsoft.com/office/drawing/2014/main" id="{F5A75736-C30B-475B-A5D2-781035F06FCF}"/>
+                <a16:creationId xmlns:a16="http://schemas.microsoft.com/office/drawing/2014/main" id="{B6746FA1-C1DF-6D45-977E-E1B0172B27F1}"/>
               </a:ext>
             </a:extLst>
           </p:cNvPr>
@@ -1310,7 +1263,7 @@
           <p:cNvPr id="6" name="スライド番号プレースホルダー 5">
             <a:extLst>
               <a:ext uri="{FF2B5EF4-FFF2-40B4-BE49-F238E27FC236}">
-                <a16:creationId xmlns:a16="http://schemas.microsoft.com/office/drawing/2014/main" id="{D28EE202-7358-484B-879D-24CAEE3D16DF}"/>
+                <a16:creationId xmlns:a16="http://schemas.microsoft.com/office/drawing/2014/main" id="{0F5175FF-EAEC-8F4C-A53B-F850D5407796}"/>
               </a:ext>
             </a:extLst>
           </p:cNvPr>
@@ -1339,7 +1292,7 @@
           <p:cNvPr id="7" name="正方形/長方形 6">
             <a:extLst>
               <a:ext uri="{FF2B5EF4-FFF2-40B4-BE49-F238E27FC236}">
-                <a16:creationId xmlns:a16="http://schemas.microsoft.com/office/drawing/2014/main" id="{6099FBA6-3693-42FE-A556-4B523B900BE7}"/>
+                <a16:creationId xmlns:a16="http://schemas.microsoft.com/office/drawing/2014/main" id="{80151F3C-C751-8E42-8BC9-58F5E572A355}"/>
               </a:ext>
             </a:extLst>
           </p:cNvPr>
@@ -1348,17 +1301,20 @@
         </p:nvSpPr>
         <p:spPr>
           <a:xfrm>
-            <a:off x="0" y="5718629"/>
+            <a:off x="0" y="5727672"/>
             <a:ext cx="12192000" cy="1139371"/>
           </a:xfrm>
           <a:prstGeom prst="rect">
             <a:avLst/>
           </a:prstGeom>
           <a:solidFill>
-            <a:schemeClr val="tx1">
+            <a:srgbClr val="FF9199">
               <a:alpha val="14000"/>
-            </a:schemeClr>
+            </a:srgbClr>
           </a:solidFill>
+          <a:ln>
+            <a:noFill/>
+          </a:ln>
         </p:spPr>
         <p:style>
           <a:lnRef idx="2">
@@ -1396,7 +1352,7 @@
     </p:spTree>
     <p:extLst>
       <p:ext uri="{BB962C8B-B14F-4D97-AF65-F5344CB8AC3E}">
-        <p14:creationId xmlns:p14="http://schemas.microsoft.com/office/powerpoint/2010/main" val="3497134423"/>
+        <p14:creationId xmlns:p14="http://schemas.microsoft.com/office/powerpoint/2010/main" val="2635709114"/>
       </p:ext>
     </p:extLst>
   </p:cSld>
@@ -1428,7 +1384,7 @@
           <p:cNvPr id="2" name="タイトル 1">
             <a:extLst>
               <a:ext uri="{FF2B5EF4-FFF2-40B4-BE49-F238E27FC236}">
-                <a16:creationId xmlns:a16="http://schemas.microsoft.com/office/drawing/2014/main" id="{D8BBE4E2-870E-4959-ADEC-0372FA2FAC2C}"/>
+                <a16:creationId xmlns:a16="http://schemas.microsoft.com/office/drawing/2014/main" id="{CF52B903-C8C2-6841-A927-E8D5DEA7E120}"/>
               </a:ext>
             </a:extLst>
           </p:cNvPr>
@@ -1456,7 +1412,7 @@
           <p:cNvPr id="3" name="コンテンツ プレースホルダー 2">
             <a:extLst>
               <a:ext uri="{FF2B5EF4-FFF2-40B4-BE49-F238E27FC236}">
-                <a16:creationId xmlns:a16="http://schemas.microsoft.com/office/drawing/2014/main" id="{F6E01A70-3328-4AD9-A75B-8BFDD2B1B0FF}"/>
+                <a16:creationId xmlns:a16="http://schemas.microsoft.com/office/drawing/2014/main" id="{93587373-309E-9A4F-B3D3-94CB4F000665}"/>
               </a:ext>
             </a:extLst>
           </p:cNvPr>
@@ -1477,17 +1433,10 @@
           <a:bodyPr/>
           <a:lstStyle/>
           <a:p>
-            <a:pPr lvl="0"/>
             <a:r>
               <a:rPr kumimoji="1" lang="ja-JP" altLang="en-US"/>
-              <a:t>マスター テキストの書式設定</a:t>
-            </a:r>
-          </a:p>
-          <a:p>
-            <a:pPr lvl="1"/>
-            <a:r>
-              <a:rPr kumimoji="1" lang="ja-JP" altLang="en-US"/>
-              <a:t>第 </a:t>
+              <a:t>マスター テキストの書式設定
+第 </a:t>
             </a:r>
             <a:r>
               <a:rPr kumimoji="1" lang="en-US" altLang="ja-JP"/>
@@ -1495,14 +1444,8 @@
             </a:r>
             <a:r>
               <a:rPr kumimoji="1" lang="ja-JP" altLang="en-US"/>
-              <a:t>レベル</a:t>
-            </a:r>
-          </a:p>
-          <a:p>
-            <a:pPr lvl="2"/>
-            <a:r>
-              <a:rPr kumimoji="1" lang="ja-JP" altLang="en-US"/>
-              <a:t>第 </a:t>
+              <a:t>レベル
+第 </a:t>
             </a:r>
             <a:r>
               <a:rPr kumimoji="1" lang="en-US" altLang="ja-JP"/>
@@ -1510,14 +1453,8 @@
             </a:r>
             <a:r>
               <a:rPr kumimoji="1" lang="ja-JP" altLang="en-US"/>
-              <a:t>レベル</a:t>
-            </a:r>
-          </a:p>
-          <a:p>
-            <a:pPr lvl="3"/>
-            <a:r>
-              <a:rPr kumimoji="1" lang="ja-JP" altLang="en-US"/>
-              <a:t>第 </a:t>
+              <a:t>レベル
+第 </a:t>
             </a:r>
             <a:r>
               <a:rPr kumimoji="1" lang="en-US" altLang="ja-JP"/>
@@ -1525,14 +1462,8 @@
             </a:r>
             <a:r>
               <a:rPr kumimoji="1" lang="ja-JP" altLang="en-US"/>
-              <a:t>レベル</a:t>
-            </a:r>
-          </a:p>
-          <a:p>
-            <a:pPr lvl="4"/>
-            <a:r>
-              <a:rPr kumimoji="1" lang="ja-JP" altLang="en-US"/>
-              <a:t>第 </a:t>
+              <a:t>レベル
+第 </a:t>
             </a:r>
             <a:r>
               <a:rPr kumimoji="1" lang="en-US" altLang="ja-JP"/>
@@ -1550,7 +1481,7 @@
           <p:cNvPr id="4" name="コンテンツ プレースホルダー 3">
             <a:extLst>
               <a:ext uri="{FF2B5EF4-FFF2-40B4-BE49-F238E27FC236}">
-                <a16:creationId xmlns:a16="http://schemas.microsoft.com/office/drawing/2014/main" id="{87C30628-0CF5-4ED0-951E-6ADE570E5600}"/>
+                <a16:creationId xmlns:a16="http://schemas.microsoft.com/office/drawing/2014/main" id="{306F78C8-CA85-B142-A7C9-7658150E239D}"/>
               </a:ext>
             </a:extLst>
           </p:cNvPr>
@@ -1571,17 +1502,10 @@
           <a:bodyPr/>
           <a:lstStyle/>
           <a:p>
-            <a:pPr lvl="0"/>
             <a:r>
               <a:rPr kumimoji="1" lang="ja-JP" altLang="en-US"/>
-              <a:t>マスター テキストの書式設定</a:t>
-            </a:r>
-          </a:p>
-          <a:p>
-            <a:pPr lvl="1"/>
-            <a:r>
-              <a:rPr kumimoji="1" lang="ja-JP" altLang="en-US"/>
-              <a:t>第 </a:t>
+              <a:t>マスター テキストの書式設定
+第 </a:t>
             </a:r>
             <a:r>
               <a:rPr kumimoji="1" lang="en-US" altLang="ja-JP"/>
@@ -1589,14 +1513,8 @@
             </a:r>
             <a:r>
               <a:rPr kumimoji="1" lang="ja-JP" altLang="en-US"/>
-              <a:t>レベル</a:t>
-            </a:r>
-          </a:p>
-          <a:p>
-            <a:pPr lvl="2"/>
-            <a:r>
-              <a:rPr kumimoji="1" lang="ja-JP" altLang="en-US"/>
-              <a:t>第 </a:t>
+              <a:t>レベル
+第 </a:t>
             </a:r>
             <a:r>
               <a:rPr kumimoji="1" lang="en-US" altLang="ja-JP"/>
@@ -1604,14 +1522,8 @@
             </a:r>
             <a:r>
               <a:rPr kumimoji="1" lang="ja-JP" altLang="en-US"/>
-              <a:t>レベル</a:t>
-            </a:r>
-          </a:p>
-          <a:p>
-            <a:pPr lvl="3"/>
-            <a:r>
-              <a:rPr kumimoji="1" lang="ja-JP" altLang="en-US"/>
-              <a:t>第 </a:t>
+              <a:t>レベル
+第 </a:t>
             </a:r>
             <a:r>
               <a:rPr kumimoji="1" lang="en-US" altLang="ja-JP"/>
@@ -1619,14 +1531,8 @@
             </a:r>
             <a:r>
               <a:rPr kumimoji="1" lang="ja-JP" altLang="en-US"/>
-              <a:t>レベル</a:t>
-            </a:r>
-          </a:p>
-          <a:p>
-            <a:pPr lvl="4"/>
-            <a:r>
-              <a:rPr kumimoji="1" lang="ja-JP" altLang="en-US"/>
-              <a:t>第 </a:t>
+              <a:t>レベル
+第 </a:t>
             </a:r>
             <a:r>
               <a:rPr kumimoji="1" lang="en-US" altLang="ja-JP"/>
@@ -1644,7 +1550,7 @@
           <p:cNvPr id="5" name="日付プレースホルダー 4">
             <a:extLst>
               <a:ext uri="{FF2B5EF4-FFF2-40B4-BE49-F238E27FC236}">
-                <a16:creationId xmlns:a16="http://schemas.microsoft.com/office/drawing/2014/main" id="{FD07B0A7-4AE1-4277-8BF2-11F8AEDA7E5A}"/>
+                <a16:creationId xmlns:a16="http://schemas.microsoft.com/office/drawing/2014/main" id="{41426717-4C6C-AE43-9EC2-5D92430D18CB}"/>
               </a:ext>
             </a:extLst>
           </p:cNvPr>
@@ -1673,7 +1579,7 @@
           <p:cNvPr id="6" name="フッター プレースホルダー 5">
             <a:extLst>
               <a:ext uri="{FF2B5EF4-FFF2-40B4-BE49-F238E27FC236}">
-                <a16:creationId xmlns:a16="http://schemas.microsoft.com/office/drawing/2014/main" id="{01ED10E4-58E5-4D4A-A010-2BF827AA64D8}"/>
+                <a16:creationId xmlns:a16="http://schemas.microsoft.com/office/drawing/2014/main" id="{EE3E6148-3FB5-494E-9C05-C6DD64262ECC}"/>
               </a:ext>
             </a:extLst>
           </p:cNvPr>
@@ -1698,7 +1604,7 @@
           <p:cNvPr id="7" name="スライド番号プレースホルダー 6">
             <a:extLst>
               <a:ext uri="{FF2B5EF4-FFF2-40B4-BE49-F238E27FC236}">
-                <a16:creationId xmlns:a16="http://schemas.microsoft.com/office/drawing/2014/main" id="{BF2DA817-8DB0-4A96-8C97-F76132E9DCF2}"/>
+                <a16:creationId xmlns:a16="http://schemas.microsoft.com/office/drawing/2014/main" id="{7BBE2307-A2D6-9645-A182-7C35FBD3E13E}"/>
               </a:ext>
             </a:extLst>
           </p:cNvPr>
@@ -1725,7 +1631,7 @@
     </p:spTree>
     <p:extLst>
       <p:ext uri="{BB962C8B-B14F-4D97-AF65-F5344CB8AC3E}">
-        <p14:creationId xmlns:p14="http://schemas.microsoft.com/office/powerpoint/2010/main" val="697329064"/>
+        <p14:creationId xmlns:p14="http://schemas.microsoft.com/office/powerpoint/2010/main" val="3653483892"/>
       </p:ext>
     </p:extLst>
   </p:cSld>
@@ -1757,7 +1663,7 @@
           <p:cNvPr id="2" name="タイトル 1">
             <a:extLst>
               <a:ext uri="{FF2B5EF4-FFF2-40B4-BE49-F238E27FC236}">
-                <a16:creationId xmlns:a16="http://schemas.microsoft.com/office/drawing/2014/main" id="{35DA0310-03E8-4295-B60F-88A49D547FA8}"/>
+                <a16:creationId xmlns:a16="http://schemas.microsoft.com/office/drawing/2014/main" id="{19F4204B-D469-9547-8A70-1E639738EBA7}"/>
               </a:ext>
             </a:extLst>
           </p:cNvPr>
@@ -1790,7 +1696,7 @@
           <p:cNvPr id="3" name="テキスト プレースホルダー 2">
             <a:extLst>
               <a:ext uri="{FF2B5EF4-FFF2-40B4-BE49-F238E27FC236}">
-                <a16:creationId xmlns:a16="http://schemas.microsoft.com/office/drawing/2014/main" id="{21A69B4E-D217-47C7-B983-33A0977A4BDA}"/>
+                <a16:creationId xmlns:a16="http://schemas.microsoft.com/office/drawing/2014/main" id="{3F0A26F0-3FC4-5C47-9E83-96884F71CFE3}"/>
               </a:ext>
             </a:extLst>
           </p:cNvPr>
@@ -1848,10 +1754,45 @@
             </a:lvl9pPr>
           </a:lstStyle>
           <a:p>
-            <a:pPr lvl="0"/>
             <a:r>
               <a:rPr kumimoji="1" lang="ja-JP" altLang="en-US"/>
-              <a:t>マスター テキストの書式設定</a:t>
+              <a:t>マスター テキストの書式設定
+第 </a:t>
+            </a:r>
+            <a:r>
+              <a:rPr kumimoji="1" lang="en-US" altLang="ja-JP"/>
+              <a:t>2 </a:t>
+            </a:r>
+            <a:r>
+              <a:rPr kumimoji="1" lang="ja-JP" altLang="en-US"/>
+              <a:t>レベル
+第 </a:t>
+            </a:r>
+            <a:r>
+              <a:rPr kumimoji="1" lang="en-US" altLang="ja-JP"/>
+              <a:t>3 </a:t>
+            </a:r>
+            <a:r>
+              <a:rPr kumimoji="1" lang="ja-JP" altLang="en-US"/>
+              <a:t>レベル
+第 </a:t>
+            </a:r>
+            <a:r>
+              <a:rPr kumimoji="1" lang="en-US" altLang="ja-JP"/>
+              <a:t>4 </a:t>
+            </a:r>
+            <a:r>
+              <a:rPr kumimoji="1" lang="ja-JP" altLang="en-US"/>
+              <a:t>レベル
+第 </a:t>
+            </a:r>
+            <a:r>
+              <a:rPr kumimoji="1" lang="en-US" altLang="ja-JP"/>
+              <a:t>5 </a:t>
+            </a:r>
+            <a:r>
+              <a:rPr kumimoji="1" lang="ja-JP" altLang="en-US"/>
+              <a:t>レベル</a:t>
             </a:r>
           </a:p>
         </p:txBody>
@@ -1861,7 +1802,7 @@
           <p:cNvPr id="4" name="コンテンツ プレースホルダー 3">
             <a:extLst>
               <a:ext uri="{FF2B5EF4-FFF2-40B4-BE49-F238E27FC236}">
-                <a16:creationId xmlns:a16="http://schemas.microsoft.com/office/drawing/2014/main" id="{D3FDDC35-6C0F-4647-81B3-A5EB1EABA06D}"/>
+                <a16:creationId xmlns:a16="http://schemas.microsoft.com/office/drawing/2014/main" id="{47051038-0375-7849-8BE2-6B89A0AEF543}"/>
               </a:ext>
             </a:extLst>
           </p:cNvPr>
@@ -1882,17 +1823,10 @@
           <a:bodyPr/>
           <a:lstStyle/>
           <a:p>
-            <a:pPr lvl="0"/>
             <a:r>
               <a:rPr kumimoji="1" lang="ja-JP" altLang="en-US"/>
-              <a:t>マスター テキストの書式設定</a:t>
-            </a:r>
-          </a:p>
-          <a:p>
-            <a:pPr lvl="1"/>
-            <a:r>
-              <a:rPr kumimoji="1" lang="ja-JP" altLang="en-US"/>
-              <a:t>第 </a:t>
+              <a:t>マスター テキストの書式設定
+第 </a:t>
             </a:r>
             <a:r>
               <a:rPr kumimoji="1" lang="en-US" altLang="ja-JP"/>
@@ -1900,14 +1834,8 @@
             </a:r>
             <a:r>
               <a:rPr kumimoji="1" lang="ja-JP" altLang="en-US"/>
-              <a:t>レベル</a:t>
-            </a:r>
-          </a:p>
-          <a:p>
-            <a:pPr lvl="2"/>
-            <a:r>
-              <a:rPr kumimoji="1" lang="ja-JP" altLang="en-US"/>
-              <a:t>第 </a:t>
+              <a:t>レベル
+第 </a:t>
             </a:r>
             <a:r>
               <a:rPr kumimoji="1" lang="en-US" altLang="ja-JP"/>
@@ -1915,14 +1843,8 @@
             </a:r>
             <a:r>
               <a:rPr kumimoji="1" lang="ja-JP" altLang="en-US"/>
-              <a:t>レベル</a:t>
-            </a:r>
-          </a:p>
-          <a:p>
-            <a:pPr lvl="3"/>
-            <a:r>
-              <a:rPr kumimoji="1" lang="ja-JP" altLang="en-US"/>
-              <a:t>第 </a:t>
+              <a:t>レベル
+第 </a:t>
             </a:r>
             <a:r>
               <a:rPr kumimoji="1" lang="en-US" altLang="ja-JP"/>
@@ -1930,14 +1852,8 @@
             </a:r>
             <a:r>
               <a:rPr kumimoji="1" lang="ja-JP" altLang="en-US"/>
-              <a:t>レベル</a:t>
-            </a:r>
-          </a:p>
-          <a:p>
-            <a:pPr lvl="4"/>
-            <a:r>
-              <a:rPr kumimoji="1" lang="ja-JP" altLang="en-US"/>
-              <a:t>第 </a:t>
+              <a:t>レベル
+第 </a:t>
             </a:r>
             <a:r>
               <a:rPr kumimoji="1" lang="en-US" altLang="ja-JP"/>
@@ -1955,7 +1871,7 @@
           <p:cNvPr id="5" name="テキスト プレースホルダー 4">
             <a:extLst>
               <a:ext uri="{FF2B5EF4-FFF2-40B4-BE49-F238E27FC236}">
-                <a16:creationId xmlns:a16="http://schemas.microsoft.com/office/drawing/2014/main" id="{339B8B17-E4D8-442D-A2A0-96830E2E31E5}"/>
+                <a16:creationId xmlns:a16="http://schemas.microsoft.com/office/drawing/2014/main" id="{DD49F0AA-7C2D-A24D-AD0E-81D7C3DF85E3}"/>
               </a:ext>
             </a:extLst>
           </p:cNvPr>
@@ -2013,10 +1929,45 @@
             </a:lvl9pPr>
           </a:lstStyle>
           <a:p>
-            <a:pPr lvl="0"/>
             <a:r>
               <a:rPr kumimoji="1" lang="ja-JP" altLang="en-US"/>
-              <a:t>マスター テキストの書式設定</a:t>
+              <a:t>マスター テキストの書式設定
+第 </a:t>
+            </a:r>
+            <a:r>
+              <a:rPr kumimoji="1" lang="en-US" altLang="ja-JP"/>
+              <a:t>2 </a:t>
+            </a:r>
+            <a:r>
+              <a:rPr kumimoji="1" lang="ja-JP" altLang="en-US"/>
+              <a:t>レベル
+第 </a:t>
+            </a:r>
+            <a:r>
+              <a:rPr kumimoji="1" lang="en-US" altLang="ja-JP"/>
+              <a:t>3 </a:t>
+            </a:r>
+            <a:r>
+              <a:rPr kumimoji="1" lang="ja-JP" altLang="en-US"/>
+              <a:t>レベル
+第 </a:t>
+            </a:r>
+            <a:r>
+              <a:rPr kumimoji="1" lang="en-US" altLang="ja-JP"/>
+              <a:t>4 </a:t>
+            </a:r>
+            <a:r>
+              <a:rPr kumimoji="1" lang="ja-JP" altLang="en-US"/>
+              <a:t>レベル
+第 </a:t>
+            </a:r>
+            <a:r>
+              <a:rPr kumimoji="1" lang="en-US" altLang="ja-JP"/>
+              <a:t>5 </a:t>
+            </a:r>
+            <a:r>
+              <a:rPr kumimoji="1" lang="ja-JP" altLang="en-US"/>
+              <a:t>レベル</a:t>
             </a:r>
           </a:p>
         </p:txBody>
@@ -2026,7 +1977,7 @@
           <p:cNvPr id="6" name="コンテンツ プレースホルダー 5">
             <a:extLst>
               <a:ext uri="{FF2B5EF4-FFF2-40B4-BE49-F238E27FC236}">
-                <a16:creationId xmlns:a16="http://schemas.microsoft.com/office/drawing/2014/main" id="{8988748B-AFD9-45FA-9EAB-0388EE641452}"/>
+                <a16:creationId xmlns:a16="http://schemas.microsoft.com/office/drawing/2014/main" id="{5D08A92B-3B30-6348-9F09-9D58367F7D93}"/>
               </a:ext>
             </a:extLst>
           </p:cNvPr>
@@ -2047,17 +1998,10 @@
           <a:bodyPr/>
           <a:lstStyle/>
           <a:p>
-            <a:pPr lvl="0"/>
             <a:r>
               <a:rPr kumimoji="1" lang="ja-JP" altLang="en-US"/>
-              <a:t>マスター テキストの書式設定</a:t>
-            </a:r>
-          </a:p>
-          <a:p>
-            <a:pPr lvl="1"/>
-            <a:r>
-              <a:rPr kumimoji="1" lang="ja-JP" altLang="en-US"/>
-              <a:t>第 </a:t>
+              <a:t>マスター テキストの書式設定
+第 </a:t>
             </a:r>
             <a:r>
               <a:rPr kumimoji="1" lang="en-US" altLang="ja-JP"/>
@@ -2065,14 +2009,8 @@
             </a:r>
             <a:r>
               <a:rPr kumimoji="1" lang="ja-JP" altLang="en-US"/>
-              <a:t>レベル</a:t>
-            </a:r>
-          </a:p>
-          <a:p>
-            <a:pPr lvl="2"/>
-            <a:r>
-              <a:rPr kumimoji="1" lang="ja-JP" altLang="en-US"/>
-              <a:t>第 </a:t>
+              <a:t>レベル
+第 </a:t>
             </a:r>
             <a:r>
               <a:rPr kumimoji="1" lang="en-US" altLang="ja-JP"/>
@@ -2080,14 +2018,8 @@
             </a:r>
             <a:r>
               <a:rPr kumimoji="1" lang="ja-JP" altLang="en-US"/>
-              <a:t>レベル</a:t>
-            </a:r>
-          </a:p>
-          <a:p>
-            <a:pPr lvl="3"/>
-            <a:r>
-              <a:rPr kumimoji="1" lang="ja-JP" altLang="en-US"/>
-              <a:t>第 </a:t>
+              <a:t>レベル
+第 </a:t>
             </a:r>
             <a:r>
               <a:rPr kumimoji="1" lang="en-US" altLang="ja-JP"/>
@@ -2095,14 +2027,8 @@
             </a:r>
             <a:r>
               <a:rPr kumimoji="1" lang="ja-JP" altLang="en-US"/>
-              <a:t>レベル</a:t>
-            </a:r>
-          </a:p>
-          <a:p>
-            <a:pPr lvl="4"/>
-            <a:r>
-              <a:rPr kumimoji="1" lang="ja-JP" altLang="en-US"/>
-              <a:t>第 </a:t>
+              <a:t>レベル
+第 </a:t>
             </a:r>
             <a:r>
               <a:rPr kumimoji="1" lang="en-US" altLang="ja-JP"/>
@@ -2120,7 +2046,7 @@
           <p:cNvPr id="7" name="日付プレースホルダー 6">
             <a:extLst>
               <a:ext uri="{FF2B5EF4-FFF2-40B4-BE49-F238E27FC236}">
-                <a16:creationId xmlns:a16="http://schemas.microsoft.com/office/drawing/2014/main" id="{A374E877-4622-43F2-A619-FAE53C92A055}"/>
+                <a16:creationId xmlns:a16="http://schemas.microsoft.com/office/drawing/2014/main" id="{2946382B-CFAA-C047-9768-DDEDF02FD33B}"/>
               </a:ext>
             </a:extLst>
           </p:cNvPr>
@@ -2149,7 +2075,7 @@
           <p:cNvPr id="8" name="フッター プレースホルダー 7">
             <a:extLst>
               <a:ext uri="{FF2B5EF4-FFF2-40B4-BE49-F238E27FC236}">
-                <a16:creationId xmlns:a16="http://schemas.microsoft.com/office/drawing/2014/main" id="{EDBECE39-AB5D-4C86-8053-E0F897E67A2A}"/>
+                <a16:creationId xmlns:a16="http://schemas.microsoft.com/office/drawing/2014/main" id="{39A258B2-468B-2948-A794-8F626C371679}"/>
               </a:ext>
             </a:extLst>
           </p:cNvPr>
@@ -2174,7 +2100,7 @@
           <p:cNvPr id="9" name="スライド番号プレースホルダー 8">
             <a:extLst>
               <a:ext uri="{FF2B5EF4-FFF2-40B4-BE49-F238E27FC236}">
-                <a16:creationId xmlns:a16="http://schemas.microsoft.com/office/drawing/2014/main" id="{5FA40693-832F-466F-BCB3-5D16CFD08E4B}"/>
+                <a16:creationId xmlns:a16="http://schemas.microsoft.com/office/drawing/2014/main" id="{C9E5DC4F-EC29-4F43-8DCB-B961406E509B}"/>
               </a:ext>
             </a:extLst>
           </p:cNvPr>
@@ -2201,7 +2127,7 @@
     </p:spTree>
     <p:extLst>
       <p:ext uri="{BB962C8B-B14F-4D97-AF65-F5344CB8AC3E}">
-        <p14:creationId xmlns:p14="http://schemas.microsoft.com/office/powerpoint/2010/main" val="3877213635"/>
+        <p14:creationId xmlns:p14="http://schemas.microsoft.com/office/powerpoint/2010/main" val="2575814516"/>
       </p:ext>
     </p:extLst>
   </p:cSld>
@@ -2233,7 +2159,7 @@
           <p:cNvPr id="2" name="タイトル 1">
             <a:extLst>
               <a:ext uri="{FF2B5EF4-FFF2-40B4-BE49-F238E27FC236}">
-                <a16:creationId xmlns:a16="http://schemas.microsoft.com/office/drawing/2014/main" id="{551D9655-CE40-43D7-92D4-C725F993849A}"/>
+                <a16:creationId xmlns:a16="http://schemas.microsoft.com/office/drawing/2014/main" id="{A45CA525-F13C-594F-A37A-DF3B8E378527}"/>
               </a:ext>
             </a:extLst>
           </p:cNvPr>
@@ -2261,7 +2187,7 @@
           <p:cNvPr id="3" name="日付プレースホルダー 2">
             <a:extLst>
               <a:ext uri="{FF2B5EF4-FFF2-40B4-BE49-F238E27FC236}">
-                <a16:creationId xmlns:a16="http://schemas.microsoft.com/office/drawing/2014/main" id="{C366C049-FFE7-4066-8977-291EAD9FCDC4}"/>
+                <a16:creationId xmlns:a16="http://schemas.microsoft.com/office/drawing/2014/main" id="{A226F5A8-0A7E-044D-AE3E-E085059B1E48}"/>
               </a:ext>
             </a:extLst>
           </p:cNvPr>
@@ -2290,7 +2216,7 @@
           <p:cNvPr id="4" name="フッター プレースホルダー 3">
             <a:extLst>
               <a:ext uri="{FF2B5EF4-FFF2-40B4-BE49-F238E27FC236}">
-                <a16:creationId xmlns:a16="http://schemas.microsoft.com/office/drawing/2014/main" id="{C9705C1B-714A-4402-945D-1F6C2C980B0B}"/>
+                <a16:creationId xmlns:a16="http://schemas.microsoft.com/office/drawing/2014/main" id="{0ADE7B61-FAD6-6040-AB22-2DA8363ECC5E}"/>
               </a:ext>
             </a:extLst>
           </p:cNvPr>
@@ -2315,7 +2241,7 @@
           <p:cNvPr id="5" name="スライド番号プレースホルダー 4">
             <a:extLst>
               <a:ext uri="{FF2B5EF4-FFF2-40B4-BE49-F238E27FC236}">
-                <a16:creationId xmlns:a16="http://schemas.microsoft.com/office/drawing/2014/main" id="{B652CFC3-3AFA-466D-85A9-05BB44107594}"/>
+                <a16:creationId xmlns:a16="http://schemas.microsoft.com/office/drawing/2014/main" id="{D322FB53-2C7F-2F47-8676-3F726D11D548}"/>
               </a:ext>
             </a:extLst>
           </p:cNvPr>
@@ -2342,7 +2268,7 @@
     </p:spTree>
     <p:extLst>
       <p:ext uri="{BB962C8B-B14F-4D97-AF65-F5344CB8AC3E}">
-        <p14:creationId xmlns:p14="http://schemas.microsoft.com/office/powerpoint/2010/main" val="2005050960"/>
+        <p14:creationId xmlns:p14="http://schemas.microsoft.com/office/powerpoint/2010/main" val="920106599"/>
       </p:ext>
     </p:extLst>
   </p:cSld>
@@ -2374,7 +2300,7 @@
           <p:cNvPr id="2" name="日付プレースホルダー 1">
             <a:extLst>
               <a:ext uri="{FF2B5EF4-FFF2-40B4-BE49-F238E27FC236}">
-                <a16:creationId xmlns:a16="http://schemas.microsoft.com/office/drawing/2014/main" id="{3D103759-32F7-454D-A0CE-C8D0E69F9311}"/>
+                <a16:creationId xmlns:a16="http://schemas.microsoft.com/office/drawing/2014/main" id="{D39C48FC-591D-7F46-9AD8-050788CC1C36}"/>
               </a:ext>
             </a:extLst>
           </p:cNvPr>
@@ -2403,7 +2329,7 @@
           <p:cNvPr id="3" name="フッター プレースホルダー 2">
             <a:extLst>
               <a:ext uri="{FF2B5EF4-FFF2-40B4-BE49-F238E27FC236}">
-                <a16:creationId xmlns:a16="http://schemas.microsoft.com/office/drawing/2014/main" id="{0C7726A8-2F02-483B-A861-29227D1C5602}"/>
+                <a16:creationId xmlns:a16="http://schemas.microsoft.com/office/drawing/2014/main" id="{FACE2E6B-025C-3E4F-BD3E-02224EE8C484}"/>
               </a:ext>
             </a:extLst>
           </p:cNvPr>
@@ -2428,7 +2354,7 @@
           <p:cNvPr id="4" name="スライド番号プレースホルダー 3">
             <a:extLst>
               <a:ext uri="{FF2B5EF4-FFF2-40B4-BE49-F238E27FC236}">
-                <a16:creationId xmlns:a16="http://schemas.microsoft.com/office/drawing/2014/main" id="{04762463-8955-474E-BF33-B5AD3EBAFB70}"/>
+                <a16:creationId xmlns:a16="http://schemas.microsoft.com/office/drawing/2014/main" id="{A04984D5-5230-B04C-BB89-AB7D8F8B790E}"/>
               </a:ext>
             </a:extLst>
           </p:cNvPr>
@@ -2455,7 +2381,7 @@
     </p:spTree>
     <p:extLst>
       <p:ext uri="{BB962C8B-B14F-4D97-AF65-F5344CB8AC3E}">
-        <p14:creationId xmlns:p14="http://schemas.microsoft.com/office/powerpoint/2010/main" val="3910858135"/>
+        <p14:creationId xmlns:p14="http://schemas.microsoft.com/office/powerpoint/2010/main" val="1839544200"/>
       </p:ext>
     </p:extLst>
   </p:cSld>
@@ -2487,7 +2413,7 @@
           <p:cNvPr id="2" name="タイトル 1">
             <a:extLst>
               <a:ext uri="{FF2B5EF4-FFF2-40B4-BE49-F238E27FC236}">
-                <a16:creationId xmlns:a16="http://schemas.microsoft.com/office/drawing/2014/main" id="{0A8B30CA-4AB1-42D2-9125-2E08E7240A90}"/>
+                <a16:creationId xmlns:a16="http://schemas.microsoft.com/office/drawing/2014/main" id="{04A22B6E-0931-6642-8F7E-F15C2AF665F8}"/>
               </a:ext>
             </a:extLst>
           </p:cNvPr>
@@ -2524,7 +2450,7 @@
           <p:cNvPr id="3" name="コンテンツ プレースホルダー 2">
             <a:extLst>
               <a:ext uri="{FF2B5EF4-FFF2-40B4-BE49-F238E27FC236}">
-                <a16:creationId xmlns:a16="http://schemas.microsoft.com/office/drawing/2014/main" id="{CFF91EC6-5C52-416C-BC4F-32ADACEF5743}"/>
+                <a16:creationId xmlns:a16="http://schemas.microsoft.com/office/drawing/2014/main" id="{288CD0C7-1B46-2C40-ADF2-717A1D426886}"/>
               </a:ext>
             </a:extLst>
           </p:cNvPr>
@@ -2573,17 +2499,10 @@
             </a:lvl9pPr>
           </a:lstStyle>
           <a:p>
-            <a:pPr lvl="0"/>
             <a:r>
               <a:rPr kumimoji="1" lang="ja-JP" altLang="en-US"/>
-              <a:t>マスター テキストの書式設定</a:t>
-            </a:r>
-          </a:p>
-          <a:p>
-            <a:pPr lvl="1"/>
-            <a:r>
-              <a:rPr kumimoji="1" lang="ja-JP" altLang="en-US"/>
-              <a:t>第 </a:t>
+              <a:t>マスター テキストの書式設定
+第 </a:t>
             </a:r>
             <a:r>
               <a:rPr kumimoji="1" lang="en-US" altLang="ja-JP"/>
@@ -2591,14 +2510,8 @@
             </a:r>
             <a:r>
               <a:rPr kumimoji="1" lang="ja-JP" altLang="en-US"/>
-              <a:t>レベル</a:t>
-            </a:r>
-          </a:p>
-          <a:p>
-            <a:pPr lvl="2"/>
-            <a:r>
-              <a:rPr kumimoji="1" lang="ja-JP" altLang="en-US"/>
-              <a:t>第 </a:t>
+              <a:t>レベル
+第 </a:t>
             </a:r>
             <a:r>
               <a:rPr kumimoji="1" lang="en-US" altLang="ja-JP"/>
@@ -2606,14 +2519,8 @@
             </a:r>
             <a:r>
               <a:rPr kumimoji="1" lang="ja-JP" altLang="en-US"/>
-              <a:t>レベル</a:t>
-            </a:r>
-          </a:p>
-          <a:p>
-            <a:pPr lvl="3"/>
-            <a:r>
-              <a:rPr kumimoji="1" lang="ja-JP" altLang="en-US"/>
-              <a:t>第 </a:t>
+              <a:t>レベル
+第 </a:t>
             </a:r>
             <a:r>
               <a:rPr kumimoji="1" lang="en-US" altLang="ja-JP"/>
@@ -2621,14 +2528,8 @@
             </a:r>
             <a:r>
               <a:rPr kumimoji="1" lang="ja-JP" altLang="en-US"/>
-              <a:t>レベル</a:t>
-            </a:r>
-          </a:p>
-          <a:p>
-            <a:pPr lvl="4"/>
-            <a:r>
-              <a:rPr kumimoji="1" lang="ja-JP" altLang="en-US"/>
-              <a:t>第 </a:t>
+              <a:t>レベル
+第 </a:t>
             </a:r>
             <a:r>
               <a:rPr kumimoji="1" lang="en-US" altLang="ja-JP"/>
@@ -2646,7 +2547,7 @@
           <p:cNvPr id="4" name="テキスト プレースホルダー 3">
             <a:extLst>
               <a:ext uri="{FF2B5EF4-FFF2-40B4-BE49-F238E27FC236}">
-                <a16:creationId xmlns:a16="http://schemas.microsoft.com/office/drawing/2014/main" id="{FF760433-97F1-4B76-8219-FA3FDD69434D}"/>
+                <a16:creationId xmlns:a16="http://schemas.microsoft.com/office/drawing/2014/main" id="{C5BDCE3D-9E84-D347-9CC8-BE19C8EFD274}"/>
               </a:ext>
             </a:extLst>
           </p:cNvPr>
@@ -2704,10 +2605,45 @@
             </a:lvl9pPr>
           </a:lstStyle>
           <a:p>
-            <a:pPr lvl="0"/>
             <a:r>
               <a:rPr kumimoji="1" lang="ja-JP" altLang="en-US"/>
-              <a:t>マスター テキストの書式設定</a:t>
+              <a:t>マスター テキストの書式設定
+第 </a:t>
+            </a:r>
+            <a:r>
+              <a:rPr kumimoji="1" lang="en-US" altLang="ja-JP"/>
+              <a:t>2 </a:t>
+            </a:r>
+            <a:r>
+              <a:rPr kumimoji="1" lang="ja-JP" altLang="en-US"/>
+              <a:t>レベル
+第 </a:t>
+            </a:r>
+            <a:r>
+              <a:rPr kumimoji="1" lang="en-US" altLang="ja-JP"/>
+              <a:t>3 </a:t>
+            </a:r>
+            <a:r>
+              <a:rPr kumimoji="1" lang="ja-JP" altLang="en-US"/>
+              <a:t>レベル
+第 </a:t>
+            </a:r>
+            <a:r>
+              <a:rPr kumimoji="1" lang="en-US" altLang="ja-JP"/>
+              <a:t>4 </a:t>
+            </a:r>
+            <a:r>
+              <a:rPr kumimoji="1" lang="ja-JP" altLang="en-US"/>
+              <a:t>レベル
+第 </a:t>
+            </a:r>
+            <a:r>
+              <a:rPr kumimoji="1" lang="en-US" altLang="ja-JP"/>
+              <a:t>5 </a:t>
+            </a:r>
+            <a:r>
+              <a:rPr kumimoji="1" lang="ja-JP" altLang="en-US"/>
+              <a:t>レベル</a:t>
             </a:r>
           </a:p>
         </p:txBody>
@@ -2717,7 +2653,7 @@
           <p:cNvPr id="5" name="日付プレースホルダー 4">
             <a:extLst>
               <a:ext uri="{FF2B5EF4-FFF2-40B4-BE49-F238E27FC236}">
-                <a16:creationId xmlns:a16="http://schemas.microsoft.com/office/drawing/2014/main" id="{7D1D7626-9256-4211-BCB7-C7E2F1C214C0}"/>
+                <a16:creationId xmlns:a16="http://schemas.microsoft.com/office/drawing/2014/main" id="{E6A3D33E-3AE7-1046-870C-756F6254B23A}"/>
               </a:ext>
             </a:extLst>
           </p:cNvPr>
@@ -2746,7 +2682,7 @@
           <p:cNvPr id="6" name="フッター プレースホルダー 5">
             <a:extLst>
               <a:ext uri="{FF2B5EF4-FFF2-40B4-BE49-F238E27FC236}">
-                <a16:creationId xmlns:a16="http://schemas.microsoft.com/office/drawing/2014/main" id="{6B997F9D-9351-486A-B6B3-D3E1192E1FCE}"/>
+                <a16:creationId xmlns:a16="http://schemas.microsoft.com/office/drawing/2014/main" id="{FFA1DAEE-F975-C448-A701-D3E77DBCFEA9}"/>
               </a:ext>
             </a:extLst>
           </p:cNvPr>
@@ -2771,7 +2707,7 @@
           <p:cNvPr id="7" name="スライド番号プレースホルダー 6">
             <a:extLst>
               <a:ext uri="{FF2B5EF4-FFF2-40B4-BE49-F238E27FC236}">
-                <a16:creationId xmlns:a16="http://schemas.microsoft.com/office/drawing/2014/main" id="{29B31057-9045-4370-854D-EF589DFE294B}"/>
+                <a16:creationId xmlns:a16="http://schemas.microsoft.com/office/drawing/2014/main" id="{D26E5E64-740F-A741-AD18-2B05C9F3F615}"/>
               </a:ext>
             </a:extLst>
           </p:cNvPr>
@@ -2798,7 +2734,7 @@
     </p:spTree>
     <p:extLst>
       <p:ext uri="{BB962C8B-B14F-4D97-AF65-F5344CB8AC3E}">
-        <p14:creationId xmlns:p14="http://schemas.microsoft.com/office/powerpoint/2010/main" val="3621407778"/>
+        <p14:creationId xmlns:p14="http://schemas.microsoft.com/office/powerpoint/2010/main" val="1547464560"/>
       </p:ext>
     </p:extLst>
   </p:cSld>
@@ -2830,7 +2766,7 @@
           <p:cNvPr id="2" name="タイトル 1">
             <a:extLst>
               <a:ext uri="{FF2B5EF4-FFF2-40B4-BE49-F238E27FC236}">
-                <a16:creationId xmlns:a16="http://schemas.microsoft.com/office/drawing/2014/main" id="{24CB8C75-1E92-4A78-86C6-86D24293F465}"/>
+                <a16:creationId xmlns:a16="http://schemas.microsoft.com/office/drawing/2014/main" id="{7DCDC6A9-2649-6A45-9E21-6FC327F018F9}"/>
               </a:ext>
             </a:extLst>
           </p:cNvPr>
@@ -2867,7 +2803,7 @@
           <p:cNvPr id="3" name="図プレースホルダー 2">
             <a:extLst>
               <a:ext uri="{FF2B5EF4-FFF2-40B4-BE49-F238E27FC236}">
-                <a16:creationId xmlns:a16="http://schemas.microsoft.com/office/drawing/2014/main" id="{93E51477-CA1F-486D-9352-E3CE4B82690A}"/>
+                <a16:creationId xmlns:a16="http://schemas.microsoft.com/office/drawing/2014/main" id="{9B9C79BC-CA30-DF46-AEB9-DD3A436CF8DF}"/>
               </a:ext>
             </a:extLst>
           </p:cNvPr>
@@ -2934,7 +2870,7 @@
           <p:cNvPr id="4" name="テキスト プレースホルダー 3">
             <a:extLst>
               <a:ext uri="{FF2B5EF4-FFF2-40B4-BE49-F238E27FC236}">
-                <a16:creationId xmlns:a16="http://schemas.microsoft.com/office/drawing/2014/main" id="{73BA3405-D9DB-42D2-9838-19DA9B61F2EB}"/>
+                <a16:creationId xmlns:a16="http://schemas.microsoft.com/office/drawing/2014/main" id="{93FBF937-E061-8242-B2D8-30EF9BB4118C}"/>
               </a:ext>
             </a:extLst>
           </p:cNvPr>
@@ -2992,10 +2928,45 @@
             </a:lvl9pPr>
           </a:lstStyle>
           <a:p>
-            <a:pPr lvl="0"/>
             <a:r>
               <a:rPr kumimoji="1" lang="ja-JP" altLang="en-US"/>
-              <a:t>マスター テキストの書式設定</a:t>
+              <a:t>マスター テキストの書式設定
+第 </a:t>
+            </a:r>
+            <a:r>
+              <a:rPr kumimoji="1" lang="en-US" altLang="ja-JP"/>
+              <a:t>2 </a:t>
+            </a:r>
+            <a:r>
+              <a:rPr kumimoji="1" lang="ja-JP" altLang="en-US"/>
+              <a:t>レベル
+第 </a:t>
+            </a:r>
+            <a:r>
+              <a:rPr kumimoji="1" lang="en-US" altLang="ja-JP"/>
+              <a:t>3 </a:t>
+            </a:r>
+            <a:r>
+              <a:rPr kumimoji="1" lang="ja-JP" altLang="en-US"/>
+              <a:t>レベル
+第 </a:t>
+            </a:r>
+            <a:r>
+              <a:rPr kumimoji="1" lang="en-US" altLang="ja-JP"/>
+              <a:t>4 </a:t>
+            </a:r>
+            <a:r>
+              <a:rPr kumimoji="1" lang="ja-JP" altLang="en-US"/>
+              <a:t>レベル
+第 </a:t>
+            </a:r>
+            <a:r>
+              <a:rPr kumimoji="1" lang="en-US" altLang="ja-JP"/>
+              <a:t>5 </a:t>
+            </a:r>
+            <a:r>
+              <a:rPr kumimoji="1" lang="ja-JP" altLang="en-US"/>
+              <a:t>レベル</a:t>
             </a:r>
           </a:p>
         </p:txBody>
@@ -3005,7 +2976,7 @@
           <p:cNvPr id="5" name="日付プレースホルダー 4">
             <a:extLst>
               <a:ext uri="{FF2B5EF4-FFF2-40B4-BE49-F238E27FC236}">
-                <a16:creationId xmlns:a16="http://schemas.microsoft.com/office/drawing/2014/main" id="{196B2407-07BF-4627-89F1-CD135A3F4150}"/>
+                <a16:creationId xmlns:a16="http://schemas.microsoft.com/office/drawing/2014/main" id="{74435852-9703-4347-8039-EBF6B8872515}"/>
               </a:ext>
             </a:extLst>
           </p:cNvPr>
@@ -3034,7 +3005,7 @@
           <p:cNvPr id="6" name="フッター プレースホルダー 5">
             <a:extLst>
               <a:ext uri="{FF2B5EF4-FFF2-40B4-BE49-F238E27FC236}">
-                <a16:creationId xmlns:a16="http://schemas.microsoft.com/office/drawing/2014/main" id="{7D49C1EC-35CB-4CE4-9AEF-E49CB164BFFE}"/>
+                <a16:creationId xmlns:a16="http://schemas.microsoft.com/office/drawing/2014/main" id="{5F1D5D46-A39D-5340-9D7F-947E256675CD}"/>
               </a:ext>
             </a:extLst>
           </p:cNvPr>
@@ -3059,7 +3030,7 @@
           <p:cNvPr id="7" name="スライド番号プレースホルダー 6">
             <a:extLst>
               <a:ext uri="{FF2B5EF4-FFF2-40B4-BE49-F238E27FC236}">
-                <a16:creationId xmlns:a16="http://schemas.microsoft.com/office/drawing/2014/main" id="{6D453E28-4755-46EC-99C6-1C6BA53CCBFA}"/>
+                <a16:creationId xmlns:a16="http://schemas.microsoft.com/office/drawing/2014/main" id="{74EB6628-4C28-EE41-B218-5A54B06DF30A}"/>
               </a:ext>
             </a:extLst>
           </p:cNvPr>
@@ -3086,7 +3057,7 @@
     </p:spTree>
     <p:extLst>
       <p:ext uri="{BB962C8B-B14F-4D97-AF65-F5344CB8AC3E}">
-        <p14:creationId xmlns:p14="http://schemas.microsoft.com/office/powerpoint/2010/main" val="3491231843"/>
+        <p14:creationId xmlns:p14="http://schemas.microsoft.com/office/powerpoint/2010/main" val="2230160636"/>
       </p:ext>
     </p:extLst>
   </p:cSld>
@@ -3100,34 +3071,9 @@
 <p:sldMaster xmlns:a="http://schemas.openxmlformats.org/drawingml/2006/main" xmlns:r="http://schemas.openxmlformats.org/officeDocument/2006/relationships" xmlns:p="http://schemas.openxmlformats.org/presentationml/2006/main">
   <p:cSld>
     <p:bg>
-      <p:bgPr>
-        <a:gradFill flip="none" rotWithShape="1">
-          <a:gsLst>
-            <a:gs pos="0">
-              <a:schemeClr val="accent3">
-                <a:lumMod val="0"/>
-                <a:lumOff val="100000"/>
-              </a:schemeClr>
-            </a:gs>
-            <a:gs pos="35000">
-              <a:schemeClr val="accent3">
-                <a:lumMod val="0"/>
-                <a:lumOff val="100000"/>
-              </a:schemeClr>
-            </a:gs>
-            <a:gs pos="100000">
-              <a:schemeClr val="bg1">
-                <a:lumMod val="50000"/>
-              </a:schemeClr>
-            </a:gs>
-          </a:gsLst>
-          <a:path path="circle">
-            <a:fillToRect l="50000" t="-80000" r="50000" b="180000"/>
-          </a:path>
-          <a:tileRect/>
-        </a:gradFill>
-        <a:effectLst/>
-      </p:bgPr>
+      <p:bgRef idx="1001">
+        <a:schemeClr val="bg1"/>
+      </p:bgRef>
     </p:bg>
     <p:spTree>
       <p:nvGrpSpPr>
@@ -3148,7 +3094,7 @@
           <p:cNvPr id="2" name="タイトル プレースホルダー 1">
             <a:extLst>
               <a:ext uri="{FF2B5EF4-FFF2-40B4-BE49-F238E27FC236}">
-                <a16:creationId xmlns:a16="http://schemas.microsoft.com/office/drawing/2014/main" id="{7FD5EC44-F03A-4884-86EE-D6F0688FB3A2}"/>
+                <a16:creationId xmlns:a16="http://schemas.microsoft.com/office/drawing/2014/main" id="{34F5645F-2D23-4243-B43E-B9328CD74808}"/>
               </a:ext>
             </a:extLst>
           </p:cNvPr>
@@ -3186,7 +3132,7 @@
           <p:cNvPr id="3" name="テキスト プレースホルダー 2">
             <a:extLst>
               <a:ext uri="{FF2B5EF4-FFF2-40B4-BE49-F238E27FC236}">
-                <a16:creationId xmlns:a16="http://schemas.microsoft.com/office/drawing/2014/main" id="{C4CCC137-F8D4-4934-8FB2-BD9C52B7944C}"/>
+                <a16:creationId xmlns:a16="http://schemas.microsoft.com/office/drawing/2014/main" id="{A83D9FA0-60A8-0D4B-973C-FC4902AA2C5B}"/>
               </a:ext>
             </a:extLst>
           </p:cNvPr>
@@ -3212,17 +3158,10 @@
           </a:bodyPr>
           <a:lstStyle/>
           <a:p>
-            <a:pPr lvl="0"/>
             <a:r>
               <a:rPr kumimoji="1" lang="ja-JP" altLang="en-US"/>
-              <a:t>マスター テキストの書式設定</a:t>
-            </a:r>
-          </a:p>
-          <a:p>
-            <a:pPr lvl="1"/>
-            <a:r>
-              <a:rPr kumimoji="1" lang="ja-JP" altLang="en-US"/>
-              <a:t>第 </a:t>
+              <a:t>マスター テキストの書式設定
+第 </a:t>
             </a:r>
             <a:r>
               <a:rPr kumimoji="1" lang="en-US" altLang="ja-JP"/>
@@ -3230,14 +3169,8 @@
             </a:r>
             <a:r>
               <a:rPr kumimoji="1" lang="ja-JP" altLang="en-US"/>
-              <a:t>レベル</a:t>
-            </a:r>
-          </a:p>
-          <a:p>
-            <a:pPr lvl="2"/>
-            <a:r>
-              <a:rPr kumimoji="1" lang="ja-JP" altLang="en-US"/>
-              <a:t>第 </a:t>
+              <a:t>レベル
+第 </a:t>
             </a:r>
             <a:r>
               <a:rPr kumimoji="1" lang="en-US" altLang="ja-JP"/>
@@ -3245,14 +3178,8 @@
             </a:r>
             <a:r>
               <a:rPr kumimoji="1" lang="ja-JP" altLang="en-US"/>
-              <a:t>レベル</a:t>
-            </a:r>
-          </a:p>
-          <a:p>
-            <a:pPr lvl="3"/>
-            <a:r>
-              <a:rPr kumimoji="1" lang="ja-JP" altLang="en-US"/>
-              <a:t>第 </a:t>
+              <a:t>レベル
+第 </a:t>
             </a:r>
             <a:r>
               <a:rPr kumimoji="1" lang="en-US" altLang="ja-JP"/>
@@ -3260,14 +3187,8 @@
             </a:r>
             <a:r>
               <a:rPr kumimoji="1" lang="ja-JP" altLang="en-US"/>
-              <a:t>レベル</a:t>
-            </a:r>
-          </a:p>
-          <a:p>
-            <a:pPr lvl="4"/>
-            <a:r>
-              <a:rPr kumimoji="1" lang="ja-JP" altLang="en-US"/>
-              <a:t>第 </a:t>
+              <a:t>レベル
+第 </a:t>
             </a:r>
             <a:r>
               <a:rPr kumimoji="1" lang="en-US" altLang="ja-JP"/>
@@ -3285,7 +3206,7 @@
           <p:cNvPr id="4" name="日付プレースホルダー 3">
             <a:extLst>
               <a:ext uri="{FF2B5EF4-FFF2-40B4-BE49-F238E27FC236}">
-                <a16:creationId xmlns:a16="http://schemas.microsoft.com/office/drawing/2014/main" id="{595C41C0-1744-4F53-910D-6510DFAF8A94}"/>
+                <a16:creationId xmlns:a16="http://schemas.microsoft.com/office/drawing/2014/main" id="{51EAB1DE-3376-C244-AFA4-F8DF955ECDF8}"/>
               </a:ext>
             </a:extLst>
           </p:cNvPr>
@@ -3332,7 +3253,7 @@
           <p:cNvPr id="5" name="フッター プレースホルダー 4">
             <a:extLst>
               <a:ext uri="{FF2B5EF4-FFF2-40B4-BE49-F238E27FC236}">
-                <a16:creationId xmlns:a16="http://schemas.microsoft.com/office/drawing/2014/main" id="{53364B94-F973-4078-AC28-79D835F72100}"/>
+                <a16:creationId xmlns:a16="http://schemas.microsoft.com/office/drawing/2014/main" id="{F5CEFFF3-8479-0146-A30E-750064BBDADE}"/>
               </a:ext>
             </a:extLst>
           </p:cNvPr>
@@ -3375,7 +3296,7 @@
           <p:cNvPr id="6" name="スライド番号プレースホルダー 5">
             <a:extLst>
               <a:ext uri="{FF2B5EF4-FFF2-40B4-BE49-F238E27FC236}">
-                <a16:creationId xmlns:a16="http://schemas.microsoft.com/office/drawing/2014/main" id="{71B71777-8C7B-468C-AF9E-5770B5D848CB}"/>
+                <a16:creationId xmlns:a16="http://schemas.microsoft.com/office/drawing/2014/main" id="{F7D75887-A3AB-CF4B-80F0-14781219D36C}"/>
               </a:ext>
             </a:extLst>
           </p:cNvPr>
@@ -3420,23 +3341,23 @@
     </p:spTree>
     <p:extLst>
       <p:ext uri="{BB962C8B-B14F-4D97-AF65-F5344CB8AC3E}">
-        <p14:creationId xmlns:p14="http://schemas.microsoft.com/office/powerpoint/2010/main" val="2928364237"/>
+        <p14:creationId xmlns:p14="http://schemas.microsoft.com/office/powerpoint/2010/main" val="314445680"/>
       </p:ext>
     </p:extLst>
   </p:cSld>
   <p:clrMap bg1="lt1" tx1="dk1" bg2="lt2" tx2="dk2" accent1="accent1" accent2="accent2" accent3="accent3" accent4="accent4" accent5="accent5" accent6="accent6" hlink="hlink" folHlink="folHlink"/>
   <p:sldLayoutIdLst>
-    <p:sldLayoutId id="2147483649" r:id="rId1"/>
-    <p:sldLayoutId id="2147483650" r:id="rId2"/>
-    <p:sldLayoutId id="2147483651" r:id="rId3"/>
-    <p:sldLayoutId id="2147483652" r:id="rId4"/>
-    <p:sldLayoutId id="2147483653" r:id="rId5"/>
-    <p:sldLayoutId id="2147483654" r:id="rId6"/>
-    <p:sldLayoutId id="2147483655" r:id="rId7"/>
-    <p:sldLayoutId id="2147483656" r:id="rId8"/>
-    <p:sldLayoutId id="2147483657" r:id="rId9"/>
-    <p:sldLayoutId id="2147483658" r:id="rId10"/>
-    <p:sldLayoutId id="2147483659" r:id="rId11"/>
+    <p:sldLayoutId id="2147483661" r:id="rId1"/>
+    <p:sldLayoutId id="2147483662" r:id="rId2"/>
+    <p:sldLayoutId id="2147483663" r:id="rId3"/>
+    <p:sldLayoutId id="2147483664" r:id="rId4"/>
+    <p:sldLayoutId id="2147483665" r:id="rId5"/>
+    <p:sldLayoutId id="2147483666" r:id="rId6"/>
+    <p:sldLayoutId id="2147483667" r:id="rId7"/>
+    <p:sldLayoutId id="2147483668" r:id="rId8"/>
+    <p:sldLayoutId id="2147483669" r:id="rId9"/>
+    <p:sldLayoutId id="2147483670" r:id="rId10"/>
+    <p:sldLayoutId id="2147483671" r:id="rId11"/>
   </p:sldLayoutIdLst>
   <p:txStyles>
     <p:titleStyle>
@@ -3924,8 +3845,8 @@
         </p:nvSpPr>
         <p:spPr>
           <a:xfrm>
-            <a:off x="838200" y="1548720"/>
-            <a:ext cx="10461171" cy="1753280"/>
+            <a:off x="838200" y="1548719"/>
+            <a:ext cx="10515600" cy="4097338"/>
           </a:xfrm>
         </p:spPr>
         <p:txBody>
@@ -3939,12 +3860,16 @@
               <a:buChar char="•"/>
             </a:pPr>
             <a:r>
-              <a:rPr lang="ja-JP" altLang="en-US" dirty="0"/>
-              <a:t>出品者が異なるが同じ商品であるものは、すべてまとめて１件と</a:t>
-            </a:r>
-            <a:r>
-              <a:rPr lang="ja-JP" altLang="en-US"/>
-              <a:t>して表示</a:t>
+              <a:rPr kumimoji="1" lang="ja-JP" altLang="en-US" dirty="0"/>
+              <a:t>商品情報は楽天</a:t>
+            </a:r>
+            <a:r>
+              <a:rPr kumimoji="1" lang="en-US" altLang="ja-JP" dirty="0"/>
+              <a:t>API</a:t>
+            </a:r>
+            <a:r>
+              <a:rPr kumimoji="1" lang="ja-JP" altLang="en-US" dirty="0"/>
+              <a:t>から取得して利用</a:t>
             </a:r>
             <a:endParaRPr lang="en-US" altLang="ja-JP" dirty="0"/>
           </a:p>
@@ -3970,6 +3895,9 @@
           <a:prstGeom prst="roundRect">
             <a:avLst/>
           </a:prstGeom>
+          <a:solidFill>
+            <a:srgbClr val="DC143C"/>
+          </a:solidFill>
         </p:spPr>
         <p:style>
           <a:lnRef idx="2">
@@ -4011,6 +3939,336 @@
           <p:cNvPr id="4" name="正方形/長方形 3">
             <a:extLst>
               <a:ext uri="{FF2B5EF4-FFF2-40B4-BE49-F238E27FC236}">
+                <a16:creationId xmlns:a16="http://schemas.microsoft.com/office/drawing/2014/main" id="{1A047B06-1490-4751-B24C-F54FB94DF584}"/>
+              </a:ext>
+            </a:extLst>
+          </p:cNvPr>
+          <p:cNvSpPr/>
+          <p:nvPr/>
+        </p:nvSpPr>
+        <p:spPr>
+          <a:xfrm>
+            <a:off x="1981199" y="2989943"/>
+            <a:ext cx="3236686" cy="1531257"/>
+          </a:xfrm>
+          <a:prstGeom prst="rect">
+            <a:avLst/>
+          </a:prstGeom>
+          <a:solidFill>
+            <a:srgbClr val="DC143C"/>
+          </a:solidFill>
+        </p:spPr>
+        <p:style>
+          <a:lnRef idx="2">
+            <a:schemeClr val="accent1">
+              <a:shade val="50000"/>
+            </a:schemeClr>
+          </a:lnRef>
+          <a:fillRef idx="1">
+            <a:schemeClr val="accent1"/>
+          </a:fillRef>
+          <a:effectRef idx="0">
+            <a:schemeClr val="accent1"/>
+          </a:effectRef>
+          <a:fontRef idx="minor">
+            <a:schemeClr val="lt1"/>
+          </a:fontRef>
+        </p:style>
+        <p:txBody>
+          <a:bodyPr rtlCol="0" anchor="ctr"/>
+          <a:lstStyle/>
+          <a:p>
+            <a:pPr algn="ctr"/>
+            <a:r>
+              <a:rPr kumimoji="1" lang="en-US" altLang="ja-JP" sz="3200" dirty="0"/>
+              <a:t>Rakuten API</a:t>
+            </a:r>
+            <a:endParaRPr kumimoji="1" lang="ja-JP" altLang="en-US" sz="3200" dirty="0"/>
+          </a:p>
+        </p:txBody>
+      </p:sp>
+      <p:sp>
+        <p:nvSpPr>
+          <p:cNvPr id="6" name="矢印: 右 5">
+            <a:extLst>
+              <a:ext uri="{FF2B5EF4-FFF2-40B4-BE49-F238E27FC236}">
+                <a16:creationId xmlns:a16="http://schemas.microsoft.com/office/drawing/2014/main" id="{EF8A027D-9760-4195-9581-95A5AACBA693}"/>
+              </a:ext>
+            </a:extLst>
+          </p:cNvPr>
+          <p:cNvSpPr/>
+          <p:nvPr/>
+        </p:nvSpPr>
+        <p:spPr>
+          <a:xfrm>
+            <a:off x="5660571" y="3260271"/>
+            <a:ext cx="1270000" cy="990600"/>
+          </a:xfrm>
+          <a:prstGeom prst="rightArrow">
+            <a:avLst/>
+          </a:prstGeom>
+          <a:solidFill>
+            <a:srgbClr val="DC143C"/>
+          </a:solidFill>
+        </p:spPr>
+        <p:style>
+          <a:lnRef idx="2">
+            <a:schemeClr val="accent1">
+              <a:shade val="50000"/>
+            </a:schemeClr>
+          </a:lnRef>
+          <a:fillRef idx="1">
+            <a:schemeClr val="accent1"/>
+          </a:fillRef>
+          <a:effectRef idx="0">
+            <a:schemeClr val="accent1"/>
+          </a:effectRef>
+          <a:fontRef idx="minor">
+            <a:schemeClr val="lt1"/>
+          </a:fontRef>
+        </p:style>
+        <p:txBody>
+          <a:bodyPr rtlCol="0" anchor="ctr"/>
+          <a:lstStyle/>
+          <a:p>
+            <a:pPr algn="ctr"/>
+            <a:r>
+              <a:rPr kumimoji="1" lang="en-US" altLang="ja-JP" sz="2400" dirty="0"/>
+              <a:t>GET</a:t>
+            </a:r>
+            <a:endParaRPr kumimoji="1" lang="ja-JP" altLang="en-US" sz="2400" dirty="0"/>
+          </a:p>
+        </p:txBody>
+      </p:sp>
+      <p:sp>
+        <p:nvSpPr>
+          <p:cNvPr id="7" name="スクロール: 縦 6">
+            <a:extLst>
+              <a:ext uri="{FF2B5EF4-FFF2-40B4-BE49-F238E27FC236}">
+                <a16:creationId xmlns:a16="http://schemas.microsoft.com/office/drawing/2014/main" id="{9D06AAA4-DA24-430E-B86E-AD294C182D3C}"/>
+              </a:ext>
+            </a:extLst>
+          </p:cNvPr>
+          <p:cNvSpPr/>
+          <p:nvPr/>
+        </p:nvSpPr>
+        <p:spPr>
+          <a:xfrm>
+            <a:off x="7300684" y="2423885"/>
+            <a:ext cx="2634343" cy="2663372"/>
+          </a:xfrm>
+          <a:prstGeom prst="verticalScroll">
+            <a:avLst/>
+          </a:prstGeom>
+          <a:solidFill>
+            <a:srgbClr val="DC143C"/>
+          </a:solidFill>
+        </p:spPr>
+        <p:style>
+          <a:lnRef idx="2">
+            <a:schemeClr val="accent1">
+              <a:shade val="50000"/>
+            </a:schemeClr>
+          </a:lnRef>
+          <a:fillRef idx="1">
+            <a:schemeClr val="accent1"/>
+          </a:fillRef>
+          <a:effectRef idx="0">
+            <a:schemeClr val="accent1"/>
+          </a:effectRef>
+          <a:fontRef idx="minor">
+            <a:schemeClr val="lt1"/>
+          </a:fontRef>
+        </p:style>
+        <p:txBody>
+          <a:bodyPr rtlCol="0" anchor="ctr"/>
+          <a:lstStyle/>
+          <a:p>
+            <a:pPr algn="ctr"/>
+            <a:r>
+              <a:rPr kumimoji="1" lang="en-US" altLang="ja-JP" sz="3200" dirty="0"/>
+              <a:t>Our </a:t>
+            </a:r>
+            <a:r>
+              <a:rPr kumimoji="1" lang="en-US" altLang="ja-JP" sz="3200" dirty="0" err="1"/>
+              <a:t>WebSite</a:t>
+            </a:r>
+            <a:endParaRPr kumimoji="1" lang="ja-JP" altLang="en-US" sz="3200" dirty="0"/>
+          </a:p>
+        </p:txBody>
+      </p:sp>
+    </p:spTree>
+    <p:extLst>
+      <p:ext uri="{BB962C8B-B14F-4D97-AF65-F5344CB8AC3E}">
+        <p14:creationId xmlns:p14="http://schemas.microsoft.com/office/powerpoint/2010/main" val="2433302557"/>
+      </p:ext>
+    </p:extLst>
+  </p:cSld>
+  <p:clrMapOvr>
+    <a:masterClrMapping/>
+  </p:clrMapOvr>
+</p:sld>
+</file>
+
+<file path=ppt/slides/slide11.xml><?xml version="1.0" encoding="utf-8"?>
+<p:sld xmlns:a="http://schemas.openxmlformats.org/drawingml/2006/main" xmlns:r="http://schemas.openxmlformats.org/officeDocument/2006/relationships" xmlns:p="http://schemas.openxmlformats.org/presentationml/2006/main">
+  <p:cSld>
+    <p:spTree>
+      <p:nvGrpSpPr>
+        <p:cNvPr id="1" name=""/>
+        <p:cNvGrpSpPr/>
+        <p:nvPr/>
+      </p:nvGrpSpPr>
+      <p:grpSpPr>
+        <a:xfrm>
+          <a:off x="0" y="0"/>
+          <a:ext cx="0" cy="0"/>
+          <a:chOff x="0" y="0"/>
+          <a:chExt cx="0" cy="0"/>
+        </a:xfrm>
+      </p:grpSpPr>
+      <p:sp>
+        <p:nvSpPr>
+          <p:cNvPr id="2" name="タイトル 1">
+            <a:extLst>
+              <a:ext uri="{FF2B5EF4-FFF2-40B4-BE49-F238E27FC236}">
+                <a16:creationId xmlns:a16="http://schemas.microsoft.com/office/drawing/2014/main" id="{162BB91B-3D5F-40D6-9780-4A263D504DF7}"/>
+              </a:ext>
+            </a:extLst>
+          </p:cNvPr>
+          <p:cNvSpPr>
+            <a:spLocks noGrp="1"/>
+          </p:cNvSpPr>
+          <p:nvPr>
+            <p:ph type="title"/>
+          </p:nvPr>
+        </p:nvSpPr>
+        <p:spPr>
+          <a:xfrm>
+            <a:off x="142420" y="5786891"/>
+            <a:ext cx="11211380" cy="1002846"/>
+          </a:xfrm>
+        </p:spPr>
+        <p:txBody>
+          <a:bodyPr/>
+          <a:lstStyle/>
+          <a:p>
+            <a:r>
+              <a:rPr kumimoji="1" lang="en-US" altLang="ja-JP" dirty="0"/>
+              <a:t>3. Challenges and Solutions</a:t>
+            </a:r>
+            <a:endParaRPr kumimoji="1" lang="ja-JP" altLang="en-US" dirty="0"/>
+          </a:p>
+        </p:txBody>
+      </p:sp>
+      <p:sp>
+        <p:nvSpPr>
+          <p:cNvPr id="3" name="テキスト プレースホルダー 2">
+            <a:extLst>
+              <a:ext uri="{FF2B5EF4-FFF2-40B4-BE49-F238E27FC236}">
+                <a16:creationId xmlns:a16="http://schemas.microsoft.com/office/drawing/2014/main" id="{3F1E7B7C-CCC0-400C-8A2D-D50BF4251EA6}"/>
+              </a:ext>
+            </a:extLst>
+          </p:cNvPr>
+          <p:cNvSpPr>
+            <a:spLocks noGrp="1"/>
+          </p:cNvSpPr>
+          <p:nvPr>
+            <p:ph type="body" idx="1"/>
+          </p:nvPr>
+        </p:nvSpPr>
+        <p:spPr>
+          <a:xfrm>
+            <a:off x="838200" y="1548720"/>
+            <a:ext cx="10461171" cy="1753280"/>
+          </a:xfrm>
+        </p:spPr>
+        <p:txBody>
+          <a:bodyPr>
+            <a:normAutofit/>
+          </a:bodyPr>
+          <a:lstStyle/>
+          <a:p>
+            <a:pPr marL="457200" indent="-457200">
+              <a:buFont typeface="Arial" panose="020B0604020202020204" pitchFamily="34" charset="0"/>
+              <a:buChar char="•"/>
+            </a:pPr>
+            <a:r>
+              <a:rPr lang="ja-JP" altLang="en-US" dirty="0"/>
+              <a:t>出品者が異なるが同じ商品であるものは、すべてまとめて１件と</a:t>
+            </a:r>
+            <a:r>
+              <a:rPr lang="ja-JP" altLang="en-US"/>
+              <a:t>して表示</a:t>
+            </a:r>
+            <a:endParaRPr lang="en-US" altLang="ja-JP" dirty="0"/>
+          </a:p>
+        </p:txBody>
+      </p:sp>
+      <p:sp>
+        <p:nvSpPr>
+          <p:cNvPr id="5" name="四角形: 角を丸くする 4">
+            <a:extLst>
+              <a:ext uri="{FF2B5EF4-FFF2-40B4-BE49-F238E27FC236}">
+                <a16:creationId xmlns:a16="http://schemas.microsoft.com/office/drawing/2014/main" id="{C007D137-227B-4352-9A52-4C5F8CE374DB}"/>
+              </a:ext>
+            </a:extLst>
+          </p:cNvPr>
+          <p:cNvSpPr/>
+          <p:nvPr/>
+        </p:nvSpPr>
+        <p:spPr>
+          <a:xfrm>
+            <a:off x="464457" y="420914"/>
+            <a:ext cx="6270171" cy="812800"/>
+          </a:xfrm>
+          <a:prstGeom prst="roundRect">
+            <a:avLst/>
+          </a:prstGeom>
+          <a:solidFill>
+            <a:srgbClr val="DC143C"/>
+          </a:solidFill>
+        </p:spPr>
+        <p:style>
+          <a:lnRef idx="2">
+            <a:schemeClr val="accent1">
+              <a:shade val="50000"/>
+            </a:schemeClr>
+          </a:lnRef>
+          <a:fillRef idx="1">
+            <a:schemeClr val="accent1"/>
+          </a:fillRef>
+          <a:effectRef idx="0">
+            <a:schemeClr val="accent1"/>
+          </a:effectRef>
+          <a:fontRef idx="minor">
+            <a:schemeClr val="lt1"/>
+          </a:fontRef>
+        </p:style>
+        <p:txBody>
+          <a:bodyPr rtlCol="0" anchor="ctr"/>
+          <a:lstStyle/>
+          <a:p>
+            <a:r>
+              <a:rPr lang="ja-JP" altLang="en-US" sz="3200" dirty="0">
+                <a:effectLst>
+                  <a:outerShdw blurRad="38100" dist="38100" dir="2700000" algn="tl">
+                    <a:srgbClr val="000000">
+                      <a:alpha val="43137"/>
+                    </a:srgbClr>
+                  </a:outerShdw>
+                </a:effectLst>
+              </a:rPr>
+              <a:t>同じ商品をまとめる機能の仕様</a:t>
+            </a:r>
+          </a:p>
+        </p:txBody>
+      </p:sp>
+      <p:sp>
+        <p:nvSpPr>
+          <p:cNvPr id="4" name="正方形/長方形 3">
+            <a:extLst>
+              <a:ext uri="{FF2B5EF4-FFF2-40B4-BE49-F238E27FC236}">
                 <a16:creationId xmlns:a16="http://schemas.microsoft.com/office/drawing/2014/main" id="{7E83A8C1-7475-4769-912A-5A99938F7FE3}"/>
               </a:ext>
             </a:extLst>
@@ -4026,6 +4284,9 @@
           <a:prstGeom prst="rect">
             <a:avLst/>
           </a:prstGeom>
+          <a:solidFill>
+            <a:srgbClr val="DC143C"/>
+          </a:solidFill>
         </p:spPr>
         <p:style>
           <a:lnRef idx="2">
@@ -4443,6 +4704,9 @@
           <a:prstGeom prst="rect">
             <a:avLst/>
           </a:prstGeom>
+          <a:solidFill>
+            <a:srgbClr val="DC143C"/>
+          </a:solidFill>
         </p:spPr>
         <p:style>
           <a:lnRef idx="2">
@@ -4871,7 +5135,7 @@
 </p:sld>
 </file>
 
-<file path=ppt/slides/slide11.xml><?xml version="1.0" encoding="utf-8"?>
+<file path=ppt/slides/slide12.xml><?xml version="1.0" encoding="utf-8"?>
 <p:sld xmlns:a="http://schemas.openxmlformats.org/drawingml/2006/main" xmlns:r="http://schemas.openxmlformats.org/officeDocument/2006/relationships" xmlns:p="http://schemas.openxmlformats.org/presentationml/2006/main">
   <p:cSld>
     <p:spTree>
@@ -4994,6 +5258,9 @@
           <a:prstGeom prst="roundRect">
             <a:avLst/>
           </a:prstGeom>
+          <a:solidFill>
+            <a:srgbClr val="DC143C"/>
+          </a:solidFill>
         </p:spPr>
         <p:style>
           <a:lnRef idx="2">
@@ -5050,6 +5317,9 @@
           <a:prstGeom prst="rect">
             <a:avLst/>
           </a:prstGeom>
+          <a:solidFill>
+            <a:srgbClr val="DC143C"/>
+          </a:solidFill>
         </p:spPr>
         <p:style>
           <a:lnRef idx="2">
@@ -5354,6 +5624,9 @@
           <a:prstGeom prst="roundRect">
             <a:avLst/>
           </a:prstGeom>
+          <a:solidFill>
+            <a:srgbClr val="DC143C"/>
+          </a:solidFill>
           <a:ln>
             <a:solidFill>
               <a:schemeClr val="bg1"/>
@@ -5426,6 +5699,9 @@
           <a:prstGeom prst="roundRect">
             <a:avLst/>
           </a:prstGeom>
+          <a:solidFill>
+            <a:srgbClr val="DC143C"/>
+          </a:solidFill>
           <a:ln>
             <a:solidFill>
               <a:schemeClr val="bg1"/>
@@ -5454,8 +5730,8 @@
           <a:p>
             <a:pPr algn="ctr"/>
             <a:r>
-              <a:rPr kumimoji="1" lang="ja-JP" altLang="en-US" dirty="0"/>
-              <a:t>ＸＹＺ</a:t>
+              <a:rPr lang="en-US" altLang="ja-JP" dirty="0"/>
+              <a:t>XYZ</a:t>
             </a:r>
             <a:r>
               <a:rPr kumimoji="1" lang="en-US" altLang="ja-JP" dirty="0"/>
@@ -5497,7 +5773,7 @@
         <p:spPr>
           <a:xfrm>
             <a:off x="4884054" y="5114612"/>
-            <a:ext cx="1050473" cy="338554"/>
+            <a:ext cx="1123045" cy="338553"/>
           </a:xfrm>
           <a:prstGeom prst="rect">
             <a:avLst/>
@@ -5548,8 +5824,8 @@
         </p:nvSpPr>
         <p:spPr>
           <a:xfrm>
-            <a:off x="6471555" y="5114611"/>
-            <a:ext cx="1050473" cy="338554"/>
+            <a:off x="6471555" y="5114610"/>
+            <a:ext cx="1143448" cy="338554"/>
           </a:xfrm>
           <a:prstGeom prst="rect">
             <a:avLst/>
@@ -5599,334 +5875,6 @@
 </p:sld>
 </file>
 
-<file path=ppt/slides/slide12.xml><?xml version="1.0" encoding="utf-8"?>
-<p:sld xmlns:a="http://schemas.openxmlformats.org/drawingml/2006/main" xmlns:r="http://schemas.openxmlformats.org/officeDocument/2006/relationships" xmlns:p="http://schemas.openxmlformats.org/presentationml/2006/main">
-  <p:cSld>
-    <p:spTree>
-      <p:nvGrpSpPr>
-        <p:cNvPr id="1" name=""/>
-        <p:cNvGrpSpPr/>
-        <p:nvPr/>
-      </p:nvGrpSpPr>
-      <p:grpSpPr>
-        <a:xfrm>
-          <a:off x="0" y="0"/>
-          <a:ext cx="0" cy="0"/>
-          <a:chOff x="0" y="0"/>
-          <a:chExt cx="0" cy="0"/>
-        </a:xfrm>
-      </p:grpSpPr>
-      <p:sp>
-        <p:nvSpPr>
-          <p:cNvPr id="2" name="タイトル 1">
-            <a:extLst>
-              <a:ext uri="{FF2B5EF4-FFF2-40B4-BE49-F238E27FC236}">
-                <a16:creationId xmlns:a16="http://schemas.microsoft.com/office/drawing/2014/main" id="{05FEC452-1FEB-44B5-B01B-55119DEEE2B7}"/>
-              </a:ext>
-            </a:extLst>
-          </p:cNvPr>
-          <p:cNvSpPr>
-            <a:spLocks noGrp="1"/>
-          </p:cNvSpPr>
-          <p:nvPr>
-            <p:ph type="ctrTitle"/>
-          </p:nvPr>
-        </p:nvSpPr>
-        <p:spPr>
-          <a:xfrm>
-            <a:off x="1052283" y="1117600"/>
-            <a:ext cx="10087429" cy="3649097"/>
-          </a:xfrm>
-        </p:spPr>
-        <p:txBody>
-          <a:bodyPr>
-            <a:normAutofit/>
-          </a:bodyPr>
-          <a:lstStyle/>
-          <a:p>
-            <a:r>
-              <a:rPr lang="ja-JP" altLang="en-US" sz="23900" b="1" dirty="0">
-                <a:effectLst>
-                  <a:outerShdw blurRad="38100" dist="38100" dir="2700000" algn="tl">
-                    <a:srgbClr val="000000">
-                      <a:alpha val="43137"/>
-                    </a:srgbClr>
-                  </a:outerShdw>
-                </a:effectLst>
-              </a:rPr>
-              <a:t>４</a:t>
-            </a:r>
-            <a:endParaRPr kumimoji="1" lang="ja-JP" altLang="en-US" sz="23900" b="1" dirty="0">
-              <a:effectLst>
-                <a:outerShdw blurRad="38100" dist="38100" dir="2700000" algn="tl">
-                  <a:srgbClr val="000000">
-                    <a:alpha val="43137"/>
-                  </a:srgbClr>
-                </a:outerShdw>
-              </a:effectLst>
-            </a:endParaRPr>
-          </a:p>
-        </p:txBody>
-      </p:sp>
-      <p:sp>
-        <p:nvSpPr>
-          <p:cNvPr id="3" name="字幕 2">
-            <a:extLst>
-              <a:ext uri="{FF2B5EF4-FFF2-40B4-BE49-F238E27FC236}">
-                <a16:creationId xmlns:a16="http://schemas.microsoft.com/office/drawing/2014/main" id="{3AD17563-60A4-43CF-93B1-B32B1F8944E9}"/>
-              </a:ext>
-            </a:extLst>
-          </p:cNvPr>
-          <p:cNvSpPr>
-            <a:spLocks noGrp="1"/>
-          </p:cNvSpPr>
-          <p:nvPr>
-            <p:ph type="subTitle" idx="1"/>
-          </p:nvPr>
-        </p:nvSpPr>
-        <p:spPr>
-          <a:xfrm>
-            <a:off x="1523997" y="4705123"/>
-            <a:ext cx="9144000" cy="1655762"/>
-          </a:xfrm>
-        </p:spPr>
-        <p:txBody>
-          <a:bodyPr>
-            <a:normAutofit/>
-          </a:bodyPr>
-          <a:lstStyle/>
-          <a:p>
-            <a:r>
-              <a:rPr kumimoji="1" lang="en-US" altLang="ja-JP" sz="4800" b="1" dirty="0">
-                <a:effectLst>
-                  <a:outerShdw blurRad="38100" dist="38100" dir="2700000" algn="tl">
-                    <a:srgbClr val="000000">
-                      <a:alpha val="43137"/>
-                    </a:srgbClr>
-                  </a:outerShdw>
-                </a:effectLst>
-              </a:rPr>
-              <a:t>Results</a:t>
-            </a:r>
-            <a:endParaRPr kumimoji="1" lang="ja-JP" altLang="en-US" sz="4800" b="1" dirty="0">
-              <a:effectLst>
-                <a:outerShdw blurRad="38100" dist="38100" dir="2700000" algn="tl">
-                  <a:srgbClr val="000000">
-                    <a:alpha val="43137"/>
-                  </a:srgbClr>
-                </a:outerShdw>
-              </a:effectLst>
-            </a:endParaRPr>
-          </a:p>
-        </p:txBody>
-      </p:sp>
-    </p:spTree>
-    <p:extLst>
-      <p:ext uri="{BB962C8B-B14F-4D97-AF65-F5344CB8AC3E}">
-        <p14:creationId xmlns:p14="http://schemas.microsoft.com/office/powerpoint/2010/main" val="3832769811"/>
-      </p:ext>
-    </p:extLst>
-  </p:cSld>
-  <p:clrMapOvr>
-    <a:masterClrMapping/>
-  </p:clrMapOvr>
-  <p:timing>
-    <p:tnLst>
-      <p:par>
-        <p:cTn id="1" dur="indefinite" restart="never" nodeType="tmRoot">
-          <p:childTnLst>
-            <p:seq concurrent="1" nextAc="seek">
-              <p:cTn id="2" dur="indefinite" nodeType="mainSeq">
-                <p:childTnLst>
-                  <p:par>
-                    <p:cTn id="3" fill="hold">
-                      <p:stCondLst>
-                        <p:cond delay="indefinite"/>
-                      </p:stCondLst>
-                      <p:childTnLst>
-                        <p:par>
-                          <p:cTn id="4" fill="hold">
-                            <p:stCondLst>
-                              <p:cond delay="0"/>
-                            </p:stCondLst>
-                            <p:childTnLst>
-                              <p:par>
-                                <p:cTn id="5" presetID="42" presetClass="entr" presetSubtype="0" fill="hold" grpId="0" nodeType="clickEffect">
-                                  <p:stCondLst>
-                                    <p:cond delay="0"/>
-                                  </p:stCondLst>
-                                  <p:childTnLst>
-                                    <p:set>
-                                      <p:cBhvr>
-                                        <p:cTn id="6" dur="1" fill="hold">
-                                          <p:stCondLst>
-                                            <p:cond delay="0"/>
-                                          </p:stCondLst>
-                                        </p:cTn>
-                                        <p:tgtEl>
-                                          <p:spTgt spid="2"/>
-                                        </p:tgtEl>
-                                        <p:attrNameLst>
-                                          <p:attrName>style.visibility</p:attrName>
-                                        </p:attrNameLst>
-                                      </p:cBhvr>
-                                      <p:to>
-                                        <p:strVal val="visible"/>
-                                      </p:to>
-                                    </p:set>
-                                    <p:animEffect transition="in" filter="fade">
-                                      <p:cBhvr>
-                                        <p:cTn id="7" dur="1000"/>
-                                        <p:tgtEl>
-                                          <p:spTgt spid="2"/>
-                                        </p:tgtEl>
-                                      </p:cBhvr>
-                                    </p:animEffect>
-                                    <p:anim calcmode="lin" valueType="num">
-                                      <p:cBhvr>
-                                        <p:cTn id="8" dur="1000" fill="hold"/>
-                                        <p:tgtEl>
-                                          <p:spTgt spid="2"/>
-                                        </p:tgtEl>
-                                        <p:attrNameLst>
-                                          <p:attrName>ppt_x</p:attrName>
-                                        </p:attrNameLst>
-                                      </p:cBhvr>
-                                      <p:tavLst>
-                                        <p:tav tm="0">
-                                          <p:val>
-                                            <p:strVal val="#ppt_x"/>
-                                          </p:val>
-                                        </p:tav>
-                                        <p:tav tm="100000">
-                                          <p:val>
-                                            <p:strVal val="#ppt_x"/>
-                                          </p:val>
-                                        </p:tav>
-                                      </p:tavLst>
-                                    </p:anim>
-                                    <p:anim calcmode="lin" valueType="num">
-                                      <p:cBhvr>
-                                        <p:cTn id="9" dur="1000" fill="hold"/>
-                                        <p:tgtEl>
-                                          <p:spTgt spid="2"/>
-                                        </p:tgtEl>
-                                        <p:attrNameLst>
-                                          <p:attrName>ppt_y</p:attrName>
-                                        </p:attrNameLst>
-                                      </p:cBhvr>
-                                      <p:tavLst>
-                                        <p:tav tm="0">
-                                          <p:val>
-                                            <p:strVal val="#ppt_y+.1"/>
-                                          </p:val>
-                                        </p:tav>
-                                        <p:tav tm="100000">
-                                          <p:val>
-                                            <p:strVal val="#ppt_y"/>
-                                          </p:val>
-                                        </p:tav>
-                                      </p:tavLst>
-                                    </p:anim>
-                                  </p:childTnLst>
-                                </p:cTn>
-                              </p:par>
-                            </p:childTnLst>
-                          </p:cTn>
-                        </p:par>
-                      </p:childTnLst>
-                    </p:cTn>
-                  </p:par>
-                  <p:par>
-                    <p:cTn id="10" fill="hold">
-                      <p:stCondLst>
-                        <p:cond delay="indefinite"/>
-                      </p:stCondLst>
-                      <p:childTnLst>
-                        <p:par>
-                          <p:cTn id="11" fill="hold">
-                            <p:stCondLst>
-                              <p:cond delay="0"/>
-                            </p:stCondLst>
-                            <p:childTnLst>
-                              <p:par>
-                                <p:cTn id="12" presetID="10" presetClass="entr" presetSubtype="0" fill="hold" grpId="0" nodeType="clickEffect">
-                                  <p:stCondLst>
-                                    <p:cond delay="0"/>
-                                  </p:stCondLst>
-                                  <p:childTnLst>
-                                    <p:set>
-                                      <p:cBhvr>
-                                        <p:cTn id="13" dur="1" fill="hold">
-                                          <p:stCondLst>
-                                            <p:cond delay="0"/>
-                                          </p:stCondLst>
-                                        </p:cTn>
-                                        <p:tgtEl>
-                                          <p:spTgt spid="3">
-                                            <p:txEl>
-                                              <p:pRg st="0" end="0"/>
-                                            </p:txEl>
-                                          </p:spTgt>
-                                        </p:tgtEl>
-                                        <p:attrNameLst>
-                                          <p:attrName>style.visibility</p:attrName>
-                                        </p:attrNameLst>
-                                      </p:cBhvr>
-                                      <p:to>
-                                        <p:strVal val="visible"/>
-                                      </p:to>
-                                    </p:set>
-                                    <p:animEffect transition="in" filter="fade">
-                                      <p:cBhvr>
-                                        <p:cTn id="14" dur="500"/>
-                                        <p:tgtEl>
-                                          <p:spTgt spid="3">
-                                            <p:txEl>
-                                              <p:pRg st="0" end="0"/>
-                                            </p:txEl>
-                                          </p:spTgt>
-                                        </p:tgtEl>
-                                      </p:cBhvr>
-                                    </p:animEffect>
-                                  </p:childTnLst>
-                                </p:cTn>
-                              </p:par>
-                            </p:childTnLst>
-                          </p:cTn>
-                        </p:par>
-                      </p:childTnLst>
-                    </p:cTn>
-                  </p:par>
-                </p:childTnLst>
-              </p:cTn>
-              <p:prevCondLst>
-                <p:cond evt="onPrev" delay="0">
-                  <p:tgtEl>
-                    <p:sldTgt/>
-                  </p:tgtEl>
-                </p:cond>
-              </p:prevCondLst>
-              <p:nextCondLst>
-                <p:cond evt="onNext" delay="0">
-                  <p:tgtEl>
-                    <p:sldTgt/>
-                  </p:tgtEl>
-                </p:cond>
-              </p:nextCondLst>
-            </p:seq>
-          </p:childTnLst>
-        </p:cTn>
-      </p:par>
-    </p:tnLst>
-    <p:bldLst>
-      <p:bldP spid="2" grpId="0"/>
-      <p:bldP spid="3" grpId="0" build="p"/>
-    </p:bldLst>
-  </p:timing>
-</p:sld>
-</file>
-
 <file path=ppt/slides/slide13.xml><?xml version="1.0" encoding="utf-8"?>
 <p:sld xmlns:a="http://schemas.openxmlformats.org/drawingml/2006/main" xmlns:r="http://schemas.openxmlformats.org/officeDocument/2006/relationships" xmlns:p="http://schemas.openxmlformats.org/presentationml/2006/main">
   <p:cSld>
@@ -5982,7 +5930,7 @@
                   </a:outerShdw>
                 </a:effectLst>
               </a:rPr>
-              <a:t>５</a:t>
+              <a:t>４</a:t>
             </a:r>
             <a:endParaRPr kumimoji="1" lang="ja-JP" altLang="en-US" sz="23900" b="1" dirty="0">
               <a:effectLst>
@@ -6034,7 +5982,7 @@
                   </a:outerShdw>
                 </a:effectLst>
               </a:rPr>
-              <a:t>How to make use of it after joining Rakuten?</a:t>
+              <a:t>Demo</a:t>
             </a:r>
             <a:endParaRPr kumimoji="1" lang="ja-JP" altLang="en-US" sz="4800" b="1" dirty="0">
               <a:effectLst>
@@ -6051,7 +5999,7 @@
     </p:spTree>
     <p:extLst>
       <p:ext uri="{BB962C8B-B14F-4D97-AF65-F5344CB8AC3E}">
-        <p14:creationId xmlns:p14="http://schemas.microsoft.com/office/powerpoint/2010/main" val="3291045787"/>
+        <p14:creationId xmlns:p14="http://schemas.microsoft.com/office/powerpoint/2010/main" val="3832769811"/>
       </p:ext>
     </p:extLst>
   </p:cSld>
@@ -6274,6 +6222,334 @@
       </p:grpSpPr>
       <p:sp>
         <p:nvSpPr>
+          <p:cNvPr id="2" name="タイトル 1">
+            <a:extLst>
+              <a:ext uri="{FF2B5EF4-FFF2-40B4-BE49-F238E27FC236}">
+                <a16:creationId xmlns:a16="http://schemas.microsoft.com/office/drawing/2014/main" id="{05FEC452-1FEB-44B5-B01B-55119DEEE2B7}"/>
+              </a:ext>
+            </a:extLst>
+          </p:cNvPr>
+          <p:cNvSpPr>
+            <a:spLocks noGrp="1"/>
+          </p:cNvSpPr>
+          <p:nvPr>
+            <p:ph type="ctrTitle"/>
+          </p:nvPr>
+        </p:nvSpPr>
+        <p:spPr>
+          <a:xfrm>
+            <a:off x="1052283" y="1117600"/>
+            <a:ext cx="10087429" cy="3649097"/>
+          </a:xfrm>
+        </p:spPr>
+        <p:txBody>
+          <a:bodyPr>
+            <a:normAutofit/>
+          </a:bodyPr>
+          <a:lstStyle/>
+          <a:p>
+            <a:r>
+              <a:rPr lang="ja-JP" altLang="en-US" sz="23900" b="1" dirty="0">
+                <a:effectLst>
+                  <a:outerShdw blurRad="38100" dist="38100" dir="2700000" algn="tl">
+                    <a:srgbClr val="000000">
+                      <a:alpha val="43137"/>
+                    </a:srgbClr>
+                  </a:outerShdw>
+                </a:effectLst>
+              </a:rPr>
+              <a:t>５</a:t>
+            </a:r>
+            <a:endParaRPr kumimoji="1" lang="ja-JP" altLang="en-US" sz="23900" b="1" dirty="0">
+              <a:effectLst>
+                <a:outerShdw blurRad="38100" dist="38100" dir="2700000" algn="tl">
+                  <a:srgbClr val="000000">
+                    <a:alpha val="43137"/>
+                  </a:srgbClr>
+                </a:outerShdw>
+              </a:effectLst>
+            </a:endParaRPr>
+          </a:p>
+        </p:txBody>
+      </p:sp>
+      <p:sp>
+        <p:nvSpPr>
+          <p:cNvPr id="3" name="字幕 2">
+            <a:extLst>
+              <a:ext uri="{FF2B5EF4-FFF2-40B4-BE49-F238E27FC236}">
+                <a16:creationId xmlns:a16="http://schemas.microsoft.com/office/drawing/2014/main" id="{3AD17563-60A4-43CF-93B1-B32B1F8944E9}"/>
+              </a:ext>
+            </a:extLst>
+          </p:cNvPr>
+          <p:cNvSpPr>
+            <a:spLocks noGrp="1"/>
+          </p:cNvSpPr>
+          <p:nvPr>
+            <p:ph type="subTitle" idx="1"/>
+          </p:nvPr>
+        </p:nvSpPr>
+        <p:spPr>
+          <a:xfrm>
+            <a:off x="1523997" y="4705123"/>
+            <a:ext cx="9144000" cy="1655762"/>
+          </a:xfrm>
+        </p:spPr>
+        <p:txBody>
+          <a:bodyPr>
+            <a:normAutofit/>
+          </a:bodyPr>
+          <a:lstStyle/>
+          <a:p>
+            <a:r>
+              <a:rPr lang="en-US" altLang="ja-JP" sz="4800" b="1" dirty="0">
+                <a:effectLst>
+                  <a:outerShdw blurRad="38100" dist="38100" dir="2700000" algn="tl">
+                    <a:srgbClr val="000000">
+                      <a:alpha val="43137"/>
+                    </a:srgbClr>
+                  </a:outerShdw>
+                </a:effectLst>
+              </a:rPr>
+              <a:t>How to make use of it after joining Rakuten?</a:t>
+            </a:r>
+            <a:endParaRPr kumimoji="1" lang="ja-JP" altLang="en-US" sz="4800" b="1" dirty="0">
+              <a:effectLst>
+                <a:outerShdw blurRad="38100" dist="38100" dir="2700000" algn="tl">
+                  <a:srgbClr val="000000">
+                    <a:alpha val="43137"/>
+                  </a:srgbClr>
+                </a:outerShdw>
+              </a:effectLst>
+            </a:endParaRPr>
+          </a:p>
+        </p:txBody>
+      </p:sp>
+    </p:spTree>
+    <p:extLst>
+      <p:ext uri="{BB962C8B-B14F-4D97-AF65-F5344CB8AC3E}">
+        <p14:creationId xmlns:p14="http://schemas.microsoft.com/office/powerpoint/2010/main" val="3291045787"/>
+      </p:ext>
+    </p:extLst>
+  </p:cSld>
+  <p:clrMapOvr>
+    <a:masterClrMapping/>
+  </p:clrMapOvr>
+  <p:timing>
+    <p:tnLst>
+      <p:par>
+        <p:cTn id="1" dur="indefinite" restart="never" nodeType="tmRoot">
+          <p:childTnLst>
+            <p:seq concurrent="1" nextAc="seek">
+              <p:cTn id="2" dur="indefinite" nodeType="mainSeq">
+                <p:childTnLst>
+                  <p:par>
+                    <p:cTn id="3" fill="hold">
+                      <p:stCondLst>
+                        <p:cond delay="indefinite"/>
+                      </p:stCondLst>
+                      <p:childTnLst>
+                        <p:par>
+                          <p:cTn id="4" fill="hold">
+                            <p:stCondLst>
+                              <p:cond delay="0"/>
+                            </p:stCondLst>
+                            <p:childTnLst>
+                              <p:par>
+                                <p:cTn id="5" presetID="42" presetClass="entr" presetSubtype="0" fill="hold" grpId="0" nodeType="clickEffect">
+                                  <p:stCondLst>
+                                    <p:cond delay="0"/>
+                                  </p:stCondLst>
+                                  <p:childTnLst>
+                                    <p:set>
+                                      <p:cBhvr>
+                                        <p:cTn id="6" dur="1" fill="hold">
+                                          <p:stCondLst>
+                                            <p:cond delay="0"/>
+                                          </p:stCondLst>
+                                        </p:cTn>
+                                        <p:tgtEl>
+                                          <p:spTgt spid="2"/>
+                                        </p:tgtEl>
+                                        <p:attrNameLst>
+                                          <p:attrName>style.visibility</p:attrName>
+                                        </p:attrNameLst>
+                                      </p:cBhvr>
+                                      <p:to>
+                                        <p:strVal val="visible"/>
+                                      </p:to>
+                                    </p:set>
+                                    <p:animEffect transition="in" filter="fade">
+                                      <p:cBhvr>
+                                        <p:cTn id="7" dur="1000"/>
+                                        <p:tgtEl>
+                                          <p:spTgt spid="2"/>
+                                        </p:tgtEl>
+                                      </p:cBhvr>
+                                    </p:animEffect>
+                                    <p:anim calcmode="lin" valueType="num">
+                                      <p:cBhvr>
+                                        <p:cTn id="8" dur="1000" fill="hold"/>
+                                        <p:tgtEl>
+                                          <p:spTgt spid="2"/>
+                                        </p:tgtEl>
+                                        <p:attrNameLst>
+                                          <p:attrName>ppt_x</p:attrName>
+                                        </p:attrNameLst>
+                                      </p:cBhvr>
+                                      <p:tavLst>
+                                        <p:tav tm="0">
+                                          <p:val>
+                                            <p:strVal val="#ppt_x"/>
+                                          </p:val>
+                                        </p:tav>
+                                        <p:tav tm="100000">
+                                          <p:val>
+                                            <p:strVal val="#ppt_x"/>
+                                          </p:val>
+                                        </p:tav>
+                                      </p:tavLst>
+                                    </p:anim>
+                                    <p:anim calcmode="lin" valueType="num">
+                                      <p:cBhvr>
+                                        <p:cTn id="9" dur="1000" fill="hold"/>
+                                        <p:tgtEl>
+                                          <p:spTgt spid="2"/>
+                                        </p:tgtEl>
+                                        <p:attrNameLst>
+                                          <p:attrName>ppt_y</p:attrName>
+                                        </p:attrNameLst>
+                                      </p:cBhvr>
+                                      <p:tavLst>
+                                        <p:tav tm="0">
+                                          <p:val>
+                                            <p:strVal val="#ppt_y+.1"/>
+                                          </p:val>
+                                        </p:tav>
+                                        <p:tav tm="100000">
+                                          <p:val>
+                                            <p:strVal val="#ppt_y"/>
+                                          </p:val>
+                                        </p:tav>
+                                      </p:tavLst>
+                                    </p:anim>
+                                  </p:childTnLst>
+                                </p:cTn>
+                              </p:par>
+                            </p:childTnLst>
+                          </p:cTn>
+                        </p:par>
+                      </p:childTnLst>
+                    </p:cTn>
+                  </p:par>
+                  <p:par>
+                    <p:cTn id="10" fill="hold">
+                      <p:stCondLst>
+                        <p:cond delay="indefinite"/>
+                      </p:stCondLst>
+                      <p:childTnLst>
+                        <p:par>
+                          <p:cTn id="11" fill="hold">
+                            <p:stCondLst>
+                              <p:cond delay="0"/>
+                            </p:stCondLst>
+                            <p:childTnLst>
+                              <p:par>
+                                <p:cTn id="12" presetID="10" presetClass="entr" presetSubtype="0" fill="hold" grpId="0" nodeType="clickEffect">
+                                  <p:stCondLst>
+                                    <p:cond delay="0"/>
+                                  </p:stCondLst>
+                                  <p:childTnLst>
+                                    <p:set>
+                                      <p:cBhvr>
+                                        <p:cTn id="13" dur="1" fill="hold">
+                                          <p:stCondLst>
+                                            <p:cond delay="0"/>
+                                          </p:stCondLst>
+                                        </p:cTn>
+                                        <p:tgtEl>
+                                          <p:spTgt spid="3">
+                                            <p:txEl>
+                                              <p:pRg st="0" end="0"/>
+                                            </p:txEl>
+                                          </p:spTgt>
+                                        </p:tgtEl>
+                                        <p:attrNameLst>
+                                          <p:attrName>style.visibility</p:attrName>
+                                        </p:attrNameLst>
+                                      </p:cBhvr>
+                                      <p:to>
+                                        <p:strVal val="visible"/>
+                                      </p:to>
+                                    </p:set>
+                                    <p:animEffect transition="in" filter="fade">
+                                      <p:cBhvr>
+                                        <p:cTn id="14" dur="500"/>
+                                        <p:tgtEl>
+                                          <p:spTgt spid="3">
+                                            <p:txEl>
+                                              <p:pRg st="0" end="0"/>
+                                            </p:txEl>
+                                          </p:spTgt>
+                                        </p:tgtEl>
+                                      </p:cBhvr>
+                                    </p:animEffect>
+                                  </p:childTnLst>
+                                </p:cTn>
+                              </p:par>
+                            </p:childTnLst>
+                          </p:cTn>
+                        </p:par>
+                      </p:childTnLst>
+                    </p:cTn>
+                  </p:par>
+                </p:childTnLst>
+              </p:cTn>
+              <p:prevCondLst>
+                <p:cond evt="onPrev" delay="0">
+                  <p:tgtEl>
+                    <p:sldTgt/>
+                  </p:tgtEl>
+                </p:cond>
+              </p:prevCondLst>
+              <p:nextCondLst>
+                <p:cond evt="onNext" delay="0">
+                  <p:tgtEl>
+                    <p:sldTgt/>
+                  </p:tgtEl>
+                </p:cond>
+              </p:nextCondLst>
+            </p:seq>
+          </p:childTnLst>
+        </p:cTn>
+      </p:par>
+    </p:tnLst>
+    <p:bldLst>
+      <p:bldP spid="2" grpId="0"/>
+      <p:bldP spid="3" grpId="0" build="p"/>
+    </p:bldLst>
+  </p:timing>
+</p:sld>
+</file>
+
+<file path=ppt/slides/slide15.xml><?xml version="1.0" encoding="utf-8"?>
+<p:sld xmlns:a="http://schemas.openxmlformats.org/drawingml/2006/main" xmlns:r="http://schemas.openxmlformats.org/officeDocument/2006/relationships" xmlns:p="http://schemas.openxmlformats.org/presentationml/2006/main">
+  <p:cSld>
+    <p:spTree>
+      <p:nvGrpSpPr>
+        <p:cNvPr id="1" name=""/>
+        <p:cNvGrpSpPr/>
+        <p:nvPr/>
+      </p:nvGrpSpPr>
+      <p:grpSpPr>
+        <a:xfrm>
+          <a:off x="0" y="0"/>
+          <a:ext cx="0" cy="0"/>
+          <a:chOff x="0" y="0"/>
+          <a:chExt cx="0" cy="0"/>
+        </a:xfrm>
+      </p:grpSpPr>
+      <p:sp>
+        <p:nvSpPr>
           <p:cNvPr id="3" name="字幕 2">
             <a:extLst>
               <a:ext uri="{FF2B5EF4-FFF2-40B4-BE49-F238E27FC236}">
@@ -6338,6 +6614,107 @@
 </file>
 
 <file path=ppt/slides/slide2.xml><?xml version="1.0" encoding="utf-8"?>
+<p:sld xmlns:a="http://schemas.openxmlformats.org/drawingml/2006/main" xmlns:r="http://schemas.openxmlformats.org/officeDocument/2006/relationships" xmlns:p="http://schemas.openxmlformats.org/presentationml/2006/main">
+  <p:cSld>
+    <p:spTree>
+      <p:nvGrpSpPr>
+        <p:cNvPr id="1" name=""/>
+        <p:cNvGrpSpPr/>
+        <p:nvPr/>
+      </p:nvGrpSpPr>
+      <p:grpSpPr>
+        <a:xfrm>
+          <a:off x="0" y="0"/>
+          <a:ext cx="0" cy="0"/>
+          <a:chOff x="0" y="0"/>
+          <a:chExt cx="0" cy="0"/>
+        </a:xfrm>
+      </p:grpSpPr>
+      <p:sp>
+        <p:nvSpPr>
+          <p:cNvPr id="2" name="タイトル 1">
+            <a:extLst>
+              <a:ext uri="{FF2B5EF4-FFF2-40B4-BE49-F238E27FC236}">
+                <a16:creationId xmlns:a16="http://schemas.microsoft.com/office/drawing/2014/main" id="{8F0BC7D3-F200-9E40-932E-AA2CDDB120C3}"/>
+              </a:ext>
+            </a:extLst>
+          </p:cNvPr>
+          <p:cNvSpPr>
+            <a:spLocks noGrp="1"/>
+          </p:cNvSpPr>
+          <p:nvPr>
+            <p:ph type="title"/>
+          </p:nvPr>
+        </p:nvSpPr>
+        <p:spPr/>
+        <p:txBody>
+          <a:bodyPr/>
+          <a:lstStyle/>
+          <a:p>
+            <a:r>
+              <a:rPr lang="en-US" altLang="ja-JP" dirty="0"/>
+              <a:t>Main goal</a:t>
+            </a:r>
+            <a:endParaRPr kumimoji="1" lang="ja-JP" altLang="en-US"/>
+          </a:p>
+        </p:txBody>
+      </p:sp>
+      <p:sp>
+        <p:nvSpPr>
+          <p:cNvPr id="3" name="コンテンツ プレースホルダー 2">
+            <a:extLst>
+              <a:ext uri="{FF2B5EF4-FFF2-40B4-BE49-F238E27FC236}">
+                <a16:creationId xmlns:a16="http://schemas.microsoft.com/office/drawing/2014/main" id="{12066FFD-5BE0-4C48-90B3-E083D8895882}"/>
+              </a:ext>
+            </a:extLst>
+          </p:cNvPr>
+          <p:cNvSpPr>
+            <a:spLocks noGrp="1"/>
+          </p:cNvSpPr>
+          <p:nvPr>
+            <p:ph idx="1"/>
+          </p:nvPr>
+        </p:nvSpPr>
+        <p:spPr/>
+        <p:txBody>
+          <a:bodyPr/>
+          <a:lstStyle/>
+          <a:p>
+            <a:r>
+              <a:rPr lang="en" altLang="ja-JP" dirty="0"/>
+              <a:t>When you look for products in Rakuten </a:t>
+            </a:r>
+            <a:r>
+              <a:rPr lang="en" altLang="ja-JP" dirty="0" err="1"/>
+              <a:t>Ichiba</a:t>
+            </a:r>
+            <a:r>
+              <a:rPr lang="en" altLang="ja-JP" dirty="0"/>
+              <a:t>, products of various stores come up and the price is different so it takes time to find that you really want.</a:t>
+            </a:r>
+          </a:p>
+          <a:p>
+            <a:r>
+              <a:rPr lang="en" altLang="ja-JP" dirty="0"/>
+              <a:t>Create a prototype of website that you can find products in a shortest way</a:t>
+            </a:r>
+          </a:p>
+        </p:txBody>
+      </p:sp>
+    </p:spTree>
+    <p:extLst>
+      <p:ext uri="{BB962C8B-B14F-4D97-AF65-F5344CB8AC3E}">
+        <p14:creationId xmlns:p14="http://schemas.microsoft.com/office/powerpoint/2010/main" val="1759941264"/>
+      </p:ext>
+    </p:extLst>
+  </p:cSld>
+  <p:clrMapOvr>
+    <a:masterClrMapping/>
+  </p:clrMapOvr>
+</p:sld>
+</file>
+
+<file path=ppt/slides/slide3.xml><?xml version="1.0" encoding="utf-8"?>
 <p:sld xmlns:a="http://schemas.openxmlformats.org/drawingml/2006/main" xmlns:r="http://schemas.openxmlformats.org/officeDocument/2006/relationships" xmlns:p="http://schemas.openxmlformats.org/presentationml/2006/main">
   <p:cSld>
     <p:spTree>
@@ -6656,7 +7033,7 @@
 </p:sld>
 </file>
 
-<file path=ppt/slides/slide3.xml><?xml version="1.0" encoding="utf-8"?>
+<file path=ppt/slides/slide4.xml><?xml version="1.0" encoding="utf-8"?>
 <p:sld xmlns:a="http://schemas.openxmlformats.org/drawingml/2006/main" xmlns:r="http://schemas.openxmlformats.org/officeDocument/2006/relationships" xmlns:p="http://schemas.openxmlformats.org/presentationml/2006/main">
   <p:cSld>
     <p:spTree>
@@ -6890,7 +7267,10 @@
             <a:avLst/>
           </a:prstGeom>
           <a:solidFill>
-            <a:srgbClr val="FF9199"/>
+            <a:schemeClr val="accent4">
+              <a:lumMod val="60000"/>
+              <a:lumOff val="40000"/>
+            </a:schemeClr>
           </a:solidFill>
         </p:spPr>
         <p:style>
@@ -7040,6 +7420,30 @@
           </a:p>
           <a:p>
             <a:pPr lvl="1"/>
+            <a:r>
+              <a:rPr lang="ja-JP" altLang="en-US" sz="2400">
+                <a:solidFill>
+                  <a:schemeClr val="tx1"/>
+                </a:solidFill>
+              </a:rPr>
+              <a:t>表示する</a:t>
+            </a:r>
+            <a:r>
+              <a:rPr lang="en-US" altLang="ja-JP" sz="2400" dirty="0">
+                <a:solidFill>
+                  <a:schemeClr val="tx1"/>
+                </a:solidFill>
+              </a:rPr>
+              <a:t>Web</a:t>
+            </a:r>
+            <a:r>
+              <a:rPr lang="ja-JP" altLang="en-US" sz="2400">
+                <a:solidFill>
+                  <a:schemeClr val="tx1"/>
+                </a:solidFill>
+              </a:rPr>
+              <a:t>ページの作成</a:t>
+            </a:r>
             <a:endParaRPr lang="en-US" altLang="ja-JP" sz="2400" dirty="0">
               <a:solidFill>
                 <a:schemeClr val="tx1"/>
@@ -7079,15 +7483,7 @@
                   <a:schemeClr val="tx1"/>
                 </a:solidFill>
               </a:rPr>
-              <a:t>HTML </a:t>
-            </a:r>
-            <a:r>
-              <a:rPr lang="ja-JP" altLang="en-US" sz="2400" dirty="0">
-                <a:solidFill>
-                  <a:schemeClr val="tx1"/>
-                </a:solidFill>
-              </a:rPr>
-              <a:t>・</a:t>
+              <a:t>HTML , </a:t>
             </a:r>
             <a:r>
               <a:rPr lang="en-US" altLang="ja-JP" sz="2400" dirty="0" err="1">
@@ -7103,23 +7499,7 @@
                   <a:schemeClr val="tx1"/>
                 </a:solidFill>
               </a:rPr>
-              <a:t> </a:t>
-            </a:r>
-            <a:r>
-              <a:rPr lang="ja-JP" altLang="en-US" sz="2400" dirty="0">
-                <a:solidFill>
-                  <a:schemeClr val="tx1"/>
-                </a:solidFill>
-              </a:rPr>
-              <a:t>・</a:t>
-            </a:r>
-            <a:r>
-              <a:rPr lang="en-US" altLang="ja-JP" sz="2400" dirty="0">
-                <a:solidFill>
-                  <a:schemeClr val="tx1"/>
-                </a:solidFill>
-              </a:rPr>
-              <a:t>CSS</a:t>
+              <a:t> , CSS</a:t>
             </a:r>
           </a:p>
         </p:txBody>
@@ -7142,8 +7522,8 @@
         </p:nvSpPr>
         <p:spPr>
           <a:xfrm>
-            <a:off x="142420" y="5786891"/>
-            <a:ext cx="10515600" cy="1002846"/>
+            <a:off x="63054" y="5791199"/>
+            <a:ext cx="10515600" cy="1066801"/>
           </a:xfrm>
         </p:spPr>
         <p:txBody>
@@ -7178,6 +7558,9 @@
           <a:prstGeom prst="rect">
             <a:avLst/>
           </a:prstGeom>
+          <a:solidFill>
+            <a:srgbClr val="DC143C"/>
+          </a:solidFill>
         </p:spPr>
         <p:style>
           <a:lnRef idx="2">
@@ -7228,6 +7611,9 @@
           <a:prstGeom prst="rect">
             <a:avLst/>
           </a:prstGeom>
+          <a:solidFill>
+            <a:srgbClr val="DC143C"/>
+          </a:solidFill>
         </p:spPr>
         <p:style>
           <a:lnRef idx="2">
@@ -7271,7 +7657,7 @@
 </p:sld>
 </file>
 
-<file path=ppt/slides/slide4.xml><?xml version="1.0" encoding="utf-8"?>
+<file path=ppt/slides/slide5.xml><?xml version="1.0" encoding="utf-8"?>
 <p:sld xmlns:a="http://schemas.openxmlformats.org/drawingml/2006/main" xmlns:r="http://schemas.openxmlformats.org/officeDocument/2006/relationships" xmlns:p="http://schemas.openxmlformats.org/presentationml/2006/main">
   <p:cSld>
     <p:spTree>
@@ -7360,7 +7746,31 @@
           <a:lstStyle/>
           <a:p>
             <a:r>
-              <a:rPr kumimoji="1" lang="en-US" altLang="ja-JP" sz="4800" b="1" dirty="0">
+              <a:rPr kumimoji="1" lang="en-US" altLang="ja-JP" sz="4800" b="1">
+                <a:effectLst>
+                  <a:outerShdw blurRad="38100" dist="38100" dir="2700000" algn="tl">
+                    <a:srgbClr val="000000">
+                      <a:alpha val="43137"/>
+                    </a:srgbClr>
+                  </a:outerShdw>
+                </a:effectLst>
+              </a:rPr>
+              <a:t>Curre</a:t>
+            </a:r>
+            <a:r>
+              <a:rPr lang="en-US" altLang="ja-JP" sz="4800" b="1">
+                <a:effectLst>
+                  <a:outerShdw blurRad="38100" dist="38100" dir="2700000" algn="tl">
+                    <a:srgbClr val="000000">
+                      <a:alpha val="43137"/>
+                    </a:srgbClr>
+                  </a:outerShdw>
+                </a:effectLst>
+              </a:rPr>
+              <a:t>nt </a:t>
+            </a:r>
+            <a:r>
+              <a:rPr kumimoji="1" lang="en-US" altLang="ja-JP" sz="4800" b="1">
                 <a:effectLst>
                   <a:outerShdw blurRad="38100" dist="38100" dir="2700000" algn="tl">
                     <a:srgbClr val="000000">
@@ -7590,7 +8000,7 @@
 </p:sld>
 </file>
 
-<file path=ppt/slides/slide5.xml><?xml version="1.0" encoding="utf-8"?>
+<file path=ppt/slides/slide6.xml><?xml version="1.0" encoding="utf-8"?>
 <p:sld xmlns:a="http://schemas.openxmlformats.org/drawingml/2006/main" xmlns:r="http://schemas.openxmlformats.org/officeDocument/2006/relationships" xmlns:p="http://schemas.openxmlformats.org/presentationml/2006/main">
   <p:cSld>
     <p:spTree>
@@ -7623,7 +8033,12 @@
             <p:ph type="title"/>
           </p:nvPr>
         </p:nvSpPr>
-        <p:spPr/>
+        <p:spPr>
+          <a:xfrm>
+            <a:off x="202263" y="5831174"/>
+            <a:ext cx="10515600" cy="1026826"/>
+          </a:xfrm>
+        </p:spPr>
         <p:txBody>
           <a:bodyPr/>
           <a:lstStyle/>
@@ -7722,12 +8137,15 @@
         </p:nvSpPr>
         <p:spPr>
           <a:xfrm>
-            <a:off x="464458" y="420914"/>
-            <a:ext cx="4310744" cy="812800"/>
+            <a:off x="464457" y="420914"/>
+            <a:ext cx="4527267" cy="812800"/>
           </a:xfrm>
           <a:prstGeom prst="roundRect">
             <a:avLst/>
           </a:prstGeom>
+          <a:solidFill>
+            <a:srgbClr val="DC143C"/>
+          </a:solidFill>
         </p:spPr>
         <p:style>
           <a:lnRef idx="2">
@@ -7750,7 +8168,7 @@
           <a:lstStyle/>
           <a:p>
             <a:r>
-              <a:rPr lang="en-US" altLang="ja-JP" sz="2400">
+              <a:rPr lang="en-US" altLang="ja-JP" sz="2400" dirty="0">
                 <a:effectLst>
                   <a:outerShdw blurRad="38100" dist="38100" dir="2700000" algn="tl">
                     <a:srgbClr val="000000">
@@ -7759,7 +8177,31 @@
                   </a:outerShdw>
                 </a:effectLst>
               </a:rPr>
-              <a:t>Problems of “Rakuten Ichiba”</a:t>
+              <a:t>Problems of “Rakuten </a:t>
+            </a:r>
+            <a:r>
+              <a:rPr lang="en-US" altLang="ja-JP" sz="2400" dirty="0" err="1">
+                <a:effectLst>
+                  <a:outerShdw blurRad="38100" dist="38100" dir="2700000" algn="tl">
+                    <a:srgbClr val="000000">
+                      <a:alpha val="43137"/>
+                    </a:srgbClr>
+                  </a:outerShdw>
+                </a:effectLst>
+              </a:rPr>
+              <a:t>Ichiba</a:t>
+            </a:r>
+            <a:r>
+              <a:rPr lang="en-US" altLang="ja-JP" sz="2400" dirty="0">
+                <a:effectLst>
+                  <a:outerShdw blurRad="38100" dist="38100" dir="2700000" algn="tl">
+                    <a:srgbClr val="000000">
+                      <a:alpha val="43137"/>
+                    </a:srgbClr>
+                  </a:outerShdw>
+                </a:effectLst>
+              </a:rPr>
+              <a:t>”</a:t>
             </a:r>
             <a:endParaRPr lang="ja-JP" altLang="en-US" sz="2400" dirty="0">
               <a:effectLst>
@@ -7786,7 +8228,7 @@
 </p:sld>
 </file>
 
-<file path=ppt/slides/slide6.xml><?xml version="1.0" encoding="utf-8"?>
+<file path=ppt/slides/slide7.xml><?xml version="1.0" encoding="utf-8"?>
 <p:sld xmlns:a="http://schemas.openxmlformats.org/drawingml/2006/main" xmlns:r="http://schemas.openxmlformats.org/officeDocument/2006/relationships" xmlns:p="http://schemas.openxmlformats.org/presentationml/2006/main">
   <p:cSld>
     <p:spTree>
@@ -8105,7 +8547,7 @@
 </p:sld>
 </file>
 
-<file path=ppt/slides/slide7.xml><?xml version="1.0" encoding="utf-8"?>
+<file path=ppt/slides/slide8.xml><?xml version="1.0" encoding="utf-8"?>
 <p:sld xmlns:a="http://schemas.openxmlformats.org/drawingml/2006/main" xmlns:r="http://schemas.openxmlformats.org/officeDocument/2006/relationships" xmlns:p="http://schemas.openxmlformats.org/presentationml/2006/main">
   <p:cSld>
     <p:spTree>
@@ -8253,6 +8695,9 @@
           <a:prstGeom prst="roundRect">
             <a:avLst/>
           </a:prstGeom>
+          <a:solidFill>
+            <a:srgbClr val="DC143C"/>
+          </a:solidFill>
         </p:spPr>
         <p:style>
           <a:lnRef idx="2">
@@ -8482,7 +8927,7 @@
 </p:sld>
 </file>
 
-<file path=ppt/slides/slide8.xml><?xml version="1.0" encoding="utf-8"?>
+<file path=ppt/slides/slide9.xml><?xml version="1.0" encoding="utf-8"?>
 <p:sld xmlns:a="http://schemas.openxmlformats.org/drawingml/2006/main" xmlns:r="http://schemas.openxmlformats.org/officeDocument/2006/relationships" xmlns:p="http://schemas.openxmlformats.org/presentationml/2006/main">
   <p:cSld>
     <p:spTree>
@@ -8670,6 +9115,9 @@
           <a:prstGeom prst="roundRect">
             <a:avLst/>
           </a:prstGeom>
+          <a:solidFill>
+            <a:srgbClr val="DC143C"/>
+          </a:solidFill>
         </p:spPr>
         <p:style>
           <a:lnRef idx="2">
@@ -8719,332 +9167,10 @@
 </p:sld>
 </file>
 
-<file path=ppt/slides/slide9.xml><?xml version="1.0" encoding="utf-8"?>
-<p:sld xmlns:a="http://schemas.openxmlformats.org/drawingml/2006/main" xmlns:r="http://schemas.openxmlformats.org/officeDocument/2006/relationships" xmlns:p="http://schemas.openxmlformats.org/presentationml/2006/main">
-  <p:cSld>
-    <p:spTree>
-      <p:nvGrpSpPr>
-        <p:cNvPr id="1" name=""/>
-        <p:cNvGrpSpPr/>
-        <p:nvPr/>
-      </p:nvGrpSpPr>
-      <p:grpSpPr>
-        <a:xfrm>
-          <a:off x="0" y="0"/>
-          <a:ext cx="0" cy="0"/>
-          <a:chOff x="0" y="0"/>
-          <a:chExt cx="0" cy="0"/>
-        </a:xfrm>
-      </p:grpSpPr>
-      <p:sp>
-        <p:nvSpPr>
-          <p:cNvPr id="2" name="タイトル 1">
-            <a:extLst>
-              <a:ext uri="{FF2B5EF4-FFF2-40B4-BE49-F238E27FC236}">
-                <a16:creationId xmlns:a16="http://schemas.microsoft.com/office/drawing/2014/main" id="{162BB91B-3D5F-40D6-9780-4A263D504DF7}"/>
-              </a:ext>
-            </a:extLst>
-          </p:cNvPr>
-          <p:cNvSpPr>
-            <a:spLocks noGrp="1"/>
-          </p:cNvSpPr>
-          <p:nvPr>
-            <p:ph type="title"/>
-          </p:nvPr>
-        </p:nvSpPr>
-        <p:spPr>
-          <a:xfrm>
-            <a:off x="142420" y="5786891"/>
-            <a:ext cx="11211380" cy="1002846"/>
-          </a:xfrm>
-        </p:spPr>
-        <p:txBody>
-          <a:bodyPr/>
-          <a:lstStyle/>
-          <a:p>
-            <a:r>
-              <a:rPr kumimoji="1" lang="en-US" altLang="ja-JP" dirty="0"/>
-              <a:t>3. Challenges and Solutions</a:t>
-            </a:r>
-            <a:endParaRPr kumimoji="1" lang="ja-JP" altLang="en-US" dirty="0"/>
-          </a:p>
-        </p:txBody>
-      </p:sp>
-      <p:sp>
-        <p:nvSpPr>
-          <p:cNvPr id="3" name="テキスト プレースホルダー 2">
-            <a:extLst>
-              <a:ext uri="{FF2B5EF4-FFF2-40B4-BE49-F238E27FC236}">
-                <a16:creationId xmlns:a16="http://schemas.microsoft.com/office/drawing/2014/main" id="{3F1E7B7C-CCC0-400C-8A2D-D50BF4251EA6}"/>
-              </a:ext>
-            </a:extLst>
-          </p:cNvPr>
-          <p:cNvSpPr>
-            <a:spLocks noGrp="1"/>
-          </p:cNvSpPr>
-          <p:nvPr>
-            <p:ph type="body" idx="1"/>
-          </p:nvPr>
-        </p:nvSpPr>
-        <p:spPr>
-          <a:xfrm>
-            <a:off x="838200" y="1548719"/>
-            <a:ext cx="10515600" cy="4097338"/>
-          </a:xfrm>
-        </p:spPr>
-        <p:txBody>
-          <a:bodyPr>
-            <a:normAutofit/>
-          </a:bodyPr>
-          <a:lstStyle/>
-          <a:p>
-            <a:pPr marL="457200" indent="-457200">
-              <a:buFont typeface="Arial" panose="020B0604020202020204" pitchFamily="34" charset="0"/>
-              <a:buChar char="•"/>
-            </a:pPr>
-            <a:r>
-              <a:rPr kumimoji="1" lang="ja-JP" altLang="en-US" dirty="0"/>
-              <a:t>商品情報は楽天</a:t>
-            </a:r>
-            <a:r>
-              <a:rPr kumimoji="1" lang="en-US" altLang="ja-JP" dirty="0"/>
-              <a:t>API</a:t>
-            </a:r>
-            <a:r>
-              <a:rPr kumimoji="1" lang="ja-JP" altLang="en-US" dirty="0"/>
-              <a:t>から取得して利用</a:t>
-            </a:r>
-            <a:endParaRPr lang="en-US" altLang="ja-JP" dirty="0"/>
-          </a:p>
-        </p:txBody>
-      </p:sp>
-      <p:sp>
-        <p:nvSpPr>
-          <p:cNvPr id="5" name="四角形: 角を丸くする 4">
-            <a:extLst>
-              <a:ext uri="{FF2B5EF4-FFF2-40B4-BE49-F238E27FC236}">
-                <a16:creationId xmlns:a16="http://schemas.microsoft.com/office/drawing/2014/main" id="{C007D137-227B-4352-9A52-4C5F8CE374DB}"/>
-              </a:ext>
-            </a:extLst>
-          </p:cNvPr>
-          <p:cNvSpPr/>
-          <p:nvPr/>
-        </p:nvSpPr>
-        <p:spPr>
-          <a:xfrm>
-            <a:off x="464457" y="420914"/>
-            <a:ext cx="6270171" cy="812800"/>
-          </a:xfrm>
-          <a:prstGeom prst="roundRect">
-            <a:avLst/>
-          </a:prstGeom>
-        </p:spPr>
-        <p:style>
-          <a:lnRef idx="2">
-            <a:schemeClr val="accent1">
-              <a:shade val="50000"/>
-            </a:schemeClr>
-          </a:lnRef>
-          <a:fillRef idx="1">
-            <a:schemeClr val="accent1"/>
-          </a:fillRef>
-          <a:effectRef idx="0">
-            <a:schemeClr val="accent1"/>
-          </a:effectRef>
-          <a:fontRef idx="minor">
-            <a:schemeClr val="lt1"/>
-          </a:fontRef>
-        </p:style>
-        <p:txBody>
-          <a:bodyPr rtlCol="0" anchor="ctr"/>
-          <a:lstStyle/>
-          <a:p>
-            <a:r>
-              <a:rPr lang="ja-JP" altLang="en-US" sz="3200" dirty="0">
-                <a:effectLst>
-                  <a:outerShdw blurRad="38100" dist="38100" dir="2700000" algn="tl">
-                    <a:srgbClr val="000000">
-                      <a:alpha val="43137"/>
-                    </a:srgbClr>
-                  </a:outerShdw>
-                </a:effectLst>
-              </a:rPr>
-              <a:t>同じ商品をまとめる機能の仕様</a:t>
-            </a:r>
-          </a:p>
-        </p:txBody>
-      </p:sp>
-      <p:sp>
-        <p:nvSpPr>
-          <p:cNvPr id="4" name="正方形/長方形 3">
-            <a:extLst>
-              <a:ext uri="{FF2B5EF4-FFF2-40B4-BE49-F238E27FC236}">
-                <a16:creationId xmlns:a16="http://schemas.microsoft.com/office/drawing/2014/main" id="{1A047B06-1490-4751-B24C-F54FB94DF584}"/>
-              </a:ext>
-            </a:extLst>
-          </p:cNvPr>
-          <p:cNvSpPr/>
-          <p:nvPr/>
-        </p:nvSpPr>
-        <p:spPr>
-          <a:xfrm>
-            <a:off x="1981199" y="2989943"/>
-            <a:ext cx="3236686" cy="1531257"/>
-          </a:xfrm>
-          <a:prstGeom prst="rect">
-            <a:avLst/>
-          </a:prstGeom>
-        </p:spPr>
-        <p:style>
-          <a:lnRef idx="2">
-            <a:schemeClr val="accent1">
-              <a:shade val="50000"/>
-            </a:schemeClr>
-          </a:lnRef>
-          <a:fillRef idx="1">
-            <a:schemeClr val="accent1"/>
-          </a:fillRef>
-          <a:effectRef idx="0">
-            <a:schemeClr val="accent1"/>
-          </a:effectRef>
-          <a:fontRef idx="minor">
-            <a:schemeClr val="lt1"/>
-          </a:fontRef>
-        </p:style>
-        <p:txBody>
-          <a:bodyPr rtlCol="0" anchor="ctr"/>
-          <a:lstStyle/>
-          <a:p>
-            <a:pPr algn="ctr"/>
-            <a:r>
-              <a:rPr kumimoji="1" lang="en-US" altLang="ja-JP" sz="3200" dirty="0"/>
-              <a:t>Rakuten API</a:t>
-            </a:r>
-            <a:endParaRPr kumimoji="1" lang="ja-JP" altLang="en-US" sz="3200" dirty="0"/>
-          </a:p>
-        </p:txBody>
-      </p:sp>
-      <p:sp>
-        <p:nvSpPr>
-          <p:cNvPr id="6" name="矢印: 右 5">
-            <a:extLst>
-              <a:ext uri="{FF2B5EF4-FFF2-40B4-BE49-F238E27FC236}">
-                <a16:creationId xmlns:a16="http://schemas.microsoft.com/office/drawing/2014/main" id="{EF8A027D-9760-4195-9581-95A5AACBA693}"/>
-              </a:ext>
-            </a:extLst>
-          </p:cNvPr>
-          <p:cNvSpPr/>
-          <p:nvPr/>
-        </p:nvSpPr>
-        <p:spPr>
-          <a:xfrm>
-            <a:off x="5660571" y="3260271"/>
-            <a:ext cx="1270000" cy="990600"/>
-          </a:xfrm>
-          <a:prstGeom prst="rightArrow">
-            <a:avLst/>
-          </a:prstGeom>
-        </p:spPr>
-        <p:style>
-          <a:lnRef idx="2">
-            <a:schemeClr val="accent1">
-              <a:shade val="50000"/>
-            </a:schemeClr>
-          </a:lnRef>
-          <a:fillRef idx="1">
-            <a:schemeClr val="accent1"/>
-          </a:fillRef>
-          <a:effectRef idx="0">
-            <a:schemeClr val="accent1"/>
-          </a:effectRef>
-          <a:fontRef idx="minor">
-            <a:schemeClr val="lt1"/>
-          </a:fontRef>
-        </p:style>
-        <p:txBody>
-          <a:bodyPr rtlCol="0" anchor="ctr"/>
-          <a:lstStyle/>
-          <a:p>
-            <a:pPr algn="ctr"/>
-            <a:r>
-              <a:rPr kumimoji="1" lang="en-US" altLang="ja-JP" sz="2400" dirty="0"/>
-              <a:t>GET</a:t>
-            </a:r>
-            <a:endParaRPr kumimoji="1" lang="ja-JP" altLang="en-US" sz="2400" dirty="0"/>
-          </a:p>
-        </p:txBody>
-      </p:sp>
-      <p:sp>
-        <p:nvSpPr>
-          <p:cNvPr id="7" name="スクロール: 縦 6">
-            <a:extLst>
-              <a:ext uri="{FF2B5EF4-FFF2-40B4-BE49-F238E27FC236}">
-                <a16:creationId xmlns:a16="http://schemas.microsoft.com/office/drawing/2014/main" id="{9D06AAA4-DA24-430E-B86E-AD294C182D3C}"/>
-              </a:ext>
-            </a:extLst>
-          </p:cNvPr>
-          <p:cNvSpPr/>
-          <p:nvPr/>
-        </p:nvSpPr>
-        <p:spPr>
-          <a:xfrm>
-            <a:off x="7300684" y="2423885"/>
-            <a:ext cx="2634343" cy="2663372"/>
-          </a:xfrm>
-          <a:prstGeom prst="verticalScroll">
-            <a:avLst/>
-          </a:prstGeom>
-        </p:spPr>
-        <p:style>
-          <a:lnRef idx="2">
-            <a:schemeClr val="accent1">
-              <a:shade val="50000"/>
-            </a:schemeClr>
-          </a:lnRef>
-          <a:fillRef idx="1">
-            <a:schemeClr val="accent1"/>
-          </a:fillRef>
-          <a:effectRef idx="0">
-            <a:schemeClr val="accent1"/>
-          </a:effectRef>
-          <a:fontRef idx="minor">
-            <a:schemeClr val="lt1"/>
-          </a:fontRef>
-        </p:style>
-        <p:txBody>
-          <a:bodyPr rtlCol="0" anchor="ctr"/>
-          <a:lstStyle/>
-          <a:p>
-            <a:pPr algn="ctr"/>
-            <a:r>
-              <a:rPr kumimoji="1" lang="en-US" altLang="ja-JP" sz="3200" dirty="0"/>
-              <a:t>Our </a:t>
-            </a:r>
-            <a:r>
-              <a:rPr kumimoji="1" lang="en-US" altLang="ja-JP" sz="3200" dirty="0" err="1"/>
-              <a:t>WebSite</a:t>
-            </a:r>
-            <a:endParaRPr kumimoji="1" lang="ja-JP" altLang="en-US" sz="3200" dirty="0"/>
-          </a:p>
-        </p:txBody>
-      </p:sp>
-    </p:spTree>
-    <p:extLst>
-      <p:ext uri="{BB962C8B-B14F-4D97-AF65-F5344CB8AC3E}">
-        <p14:creationId xmlns:p14="http://schemas.microsoft.com/office/powerpoint/2010/main" val="2433302557"/>
-      </p:ext>
-    </p:extLst>
-  </p:cSld>
-  <p:clrMapOvr>
-    <a:masterClrMapping/>
-  </p:clrMapOvr>
-</p:sld>
-</file>
-
 <file path=ppt/theme/theme1.xml><?xml version="1.0" encoding="utf-8"?>
 <a:theme xmlns:a="http://schemas.openxmlformats.org/drawingml/2006/main" name="Office テーマ">
   <a:themeElements>
-    <a:clrScheme name="ユーザー定義 1">
+    <a:clrScheme name="Office">
       <a:dk1>
         <a:sysClr val="windowText" lastClr="000000"/>
       </a:dk1>
@@ -9058,7 +9184,7 @@
         <a:srgbClr val="E7E6E6"/>
       </a:lt2>
       <a:accent1>
-        <a:srgbClr val="DC143C"/>
+        <a:srgbClr val="4472C4"/>
       </a:accent1>
       <a:accent2>
         <a:srgbClr val="ED7D31"/>
@@ -9082,15 +9208,67 @@
         <a:srgbClr val="954F72"/>
       </a:folHlink>
     </a:clrScheme>
-    <a:fontScheme name="Arial">
+    <a:fontScheme name="Office">
       <a:majorFont>
-        <a:latin typeface="Arial" panose="020B0604020202020204"/>
+        <a:latin typeface="游ゴシック Light" panose="020F0302020204030204"/>
         <a:ea typeface=""/>
         <a:cs typeface=""/>
-        <a:font script="Jpan" typeface="ＭＳ Ｐゴシック"/>
-        <a:font script="Hang" typeface="굴림"/>
-        <a:font script="Hans" typeface="黑体"/>
-        <a:font script="Hant" typeface="微軟正黑體"/>
+        <a:font script="Jpan" typeface="游ゴシック Light"/>
+        <a:font script="Hang" typeface="맑은 고딕"/>
+        <a:font script="Hans" typeface="等线 Light"/>
+        <a:font script="Hant" typeface="新細明體"/>
+        <a:font script="Arab" typeface="Times New Roman"/>
+        <a:font script="Hebr" typeface="Times New Roman"/>
+        <a:font script="Thai" typeface="Angsana New"/>
+        <a:font script="Ethi" typeface="Nyala"/>
+        <a:font script="Beng" typeface="Vrinda"/>
+        <a:font script="Gujr" typeface="Shruti"/>
+        <a:font script="Khmr" typeface="MoolBoran"/>
+        <a:font script="Knda" typeface="Tunga"/>
+        <a:font script="Guru" typeface="Raavi"/>
+        <a:font script="Cans" typeface="Euphemia"/>
+        <a:font script="Cher" typeface="Plantagenet Cherokee"/>
+        <a:font script="Yiii" typeface="Microsoft Yi Baiti"/>
+        <a:font script="Tibt" typeface="Microsoft Himalaya"/>
+        <a:font script="Thaa" typeface="MV Boli"/>
+        <a:font script="Deva" typeface="Mangal"/>
+        <a:font script="Telu" typeface="Gautami"/>
+        <a:font script="Taml" typeface="Latha"/>
+        <a:font script="Syrc" typeface="Estrangelo Edessa"/>
+        <a:font script="Orya" typeface="Kalinga"/>
+        <a:font script="Mlym" typeface="Kartika"/>
+        <a:font script="Laoo" typeface="DokChampa"/>
+        <a:font script="Sinh" typeface="Iskoola Pota"/>
+        <a:font script="Mong" typeface="Mongolian Baiti"/>
+        <a:font script="Viet" typeface="Times New Roman"/>
+        <a:font script="Uigh" typeface="Microsoft Uighur"/>
+        <a:font script="Geor" typeface="Sylfaen"/>
+        <a:font script="Armn" typeface="Arial"/>
+        <a:font script="Bugi" typeface="Leelawadee UI"/>
+        <a:font script="Bopo" typeface="Microsoft JhengHei"/>
+        <a:font script="Java" typeface="Javanese Text"/>
+        <a:font script="Lisu" typeface="Segoe UI"/>
+        <a:font script="Mymr" typeface="Myanmar Text"/>
+        <a:font script="Nkoo" typeface="Ebrima"/>
+        <a:font script="Olck" typeface="Nirmala UI"/>
+        <a:font script="Osma" typeface="Ebrima"/>
+        <a:font script="Phag" typeface="Phagspa"/>
+        <a:font script="Syrn" typeface="Estrangelo Edessa"/>
+        <a:font script="Syrj" typeface="Estrangelo Edessa"/>
+        <a:font script="Syre" typeface="Estrangelo Edessa"/>
+        <a:font script="Sora" typeface="Nirmala UI"/>
+        <a:font script="Tale" typeface="Microsoft Tai Le"/>
+        <a:font script="Talu" typeface="Microsoft New Tai Lue"/>
+        <a:font script="Tfng" typeface="Ebrima"/>
+      </a:majorFont>
+      <a:minorFont>
+        <a:latin typeface="游ゴシック" panose="020F0502020204030204"/>
+        <a:ea typeface=""/>
+        <a:cs typeface=""/>
+        <a:font script="Jpan" typeface="游ゴシック"/>
+        <a:font script="Hang" typeface="맑은 고딕"/>
+        <a:font script="Hans" typeface="等线"/>
+        <a:font script="Hant" typeface="新細明體"/>
         <a:font script="Arab" typeface="Arial"/>
         <a:font script="Hebr" typeface="Arial"/>
         <a:font script="Thai" typeface="Cordia New"/>
@@ -9117,41 +9295,23 @@
         <a:font script="Viet" typeface="Arial"/>
         <a:font script="Uigh" typeface="Microsoft Uighur"/>
         <a:font script="Geor" typeface="Sylfaen"/>
-      </a:majorFont>
-      <a:minorFont>
-        <a:latin typeface="Arial" panose="020B0604020202020204"/>
-        <a:ea typeface=""/>
-        <a:cs typeface=""/>
-        <a:font script="Jpan" typeface="ＭＳ Ｐゴシック"/>
-        <a:font script="Hang" typeface="굴림"/>
-        <a:font script="Hans" typeface="黑体"/>
-        <a:font script="Hant" typeface="微軟正黑體"/>
-        <a:font script="Arab" typeface="Arial"/>
-        <a:font script="Hebr" typeface="Arial"/>
-        <a:font script="Thai" typeface="Cordia New"/>
-        <a:font script="Ethi" typeface="Nyala"/>
-        <a:font script="Beng" typeface="Vrinda"/>
-        <a:font script="Gujr" typeface="Shruti"/>
-        <a:font script="Khmr" typeface="DaunPenh"/>
-        <a:font script="Knda" typeface="Tunga"/>
-        <a:font script="Guru" typeface="Raavi"/>
-        <a:font script="Cans" typeface="Euphemia"/>
-        <a:font script="Cher" typeface="Plantagenet Cherokee"/>
-        <a:font script="Yiii" typeface="Microsoft Yi Baiti"/>
-        <a:font script="Tibt" typeface="Microsoft Himalaya"/>
-        <a:font script="Thaa" typeface="MV Boli"/>
-        <a:font script="Deva" typeface="Mangal"/>
-        <a:font script="Telu" typeface="Gautami"/>
-        <a:font script="Taml" typeface="Latha"/>
-        <a:font script="Syrc" typeface="Estrangelo Edessa"/>
-        <a:font script="Orya" typeface="Kalinga"/>
-        <a:font script="Mlym" typeface="Kartika"/>
-        <a:font script="Laoo" typeface="DokChampa"/>
-        <a:font script="Sinh" typeface="Iskoola Pota"/>
-        <a:font script="Mong" typeface="Mongolian Baiti"/>
-        <a:font script="Viet" typeface="Arial"/>
-        <a:font script="Uigh" typeface="Microsoft Uighur"/>
-        <a:font script="Geor" typeface="Sylfaen"/>
+        <a:font script="Armn" typeface="Arial"/>
+        <a:font script="Bugi" typeface="Leelawadee UI"/>
+        <a:font script="Bopo" typeface="Microsoft JhengHei"/>
+        <a:font script="Java" typeface="Javanese Text"/>
+        <a:font script="Lisu" typeface="Segoe UI"/>
+        <a:font script="Mymr" typeface="Myanmar Text"/>
+        <a:font script="Nkoo" typeface="Ebrima"/>
+        <a:font script="Olck" typeface="Nirmala UI"/>
+        <a:font script="Osma" typeface="Ebrima"/>
+        <a:font script="Phag" typeface="Phagspa"/>
+        <a:font script="Syrn" typeface="Estrangelo Edessa"/>
+        <a:font script="Syrj" typeface="Estrangelo Edessa"/>
+        <a:font script="Syre" typeface="Estrangelo Edessa"/>
+        <a:font script="Sora" typeface="Nirmala UI"/>
+        <a:font script="Tale" typeface="Microsoft Tai Le"/>
+        <a:font script="Talu" typeface="Microsoft New Tai Lue"/>
+        <a:font script="Tfng" typeface="Ebrima"/>
       </a:minorFont>
     </a:fontScheme>
     <a:fmtScheme name="Office">

--- a/presentation/Presentation.pptx
+++ b/presentation/Presentation.pptx
@@ -4,6 +4,9 @@
   <p:sldMasterIdLst>
     <p:sldMasterId id="2147483660" r:id="rId1"/>
   </p:sldMasterIdLst>
+  <p:notesMasterIdLst>
+    <p:notesMasterId r:id="rId18"/>
+  </p:notesMasterIdLst>
   <p:sldIdLst>
     <p:sldId id="256" r:id="rId2"/>
     <p:sldId id="271" r:id="rId3"/>
@@ -11,15 +14,16 @@
     <p:sldId id="263" r:id="rId5"/>
     <p:sldId id="258" r:id="rId6"/>
     <p:sldId id="264" r:id="rId7"/>
-    <p:sldId id="257" r:id="rId8"/>
-    <p:sldId id="265" r:id="rId9"/>
-    <p:sldId id="266" r:id="rId10"/>
-    <p:sldId id="267" r:id="rId11"/>
-    <p:sldId id="268" r:id="rId12"/>
-    <p:sldId id="269" r:id="rId13"/>
-    <p:sldId id="260" r:id="rId14"/>
-    <p:sldId id="261" r:id="rId15"/>
-    <p:sldId id="262" r:id="rId16"/>
+    <p:sldId id="272" r:id="rId8"/>
+    <p:sldId id="257" r:id="rId9"/>
+    <p:sldId id="265" r:id="rId10"/>
+    <p:sldId id="266" r:id="rId11"/>
+    <p:sldId id="267" r:id="rId12"/>
+    <p:sldId id="268" r:id="rId13"/>
+    <p:sldId id="269" r:id="rId14"/>
+    <p:sldId id="260" r:id="rId15"/>
+    <p:sldId id="261" r:id="rId16"/>
+    <p:sldId id="262" r:id="rId17"/>
   </p:sldIdLst>
   <p:sldSz cx="12192000" cy="6858000"/>
   <p:notesSz cx="6858000" cy="9144000"/>
@@ -143,6 +147,613 @@
     <p1510:client id="{74841F24-896D-4DDF-9458-F981C2A11ABF}" v="565" dt="2019-09-10T04:20:31.459"/>
   </p1510:revLst>
 </p1510:revInfo>
+</file>
+
+<file path=ppt/notesMasters/notesMaster1.xml><?xml version="1.0" encoding="utf-8"?>
+<p:notesMaster xmlns:a="http://schemas.openxmlformats.org/drawingml/2006/main" xmlns:r="http://schemas.openxmlformats.org/officeDocument/2006/relationships" xmlns:p="http://schemas.openxmlformats.org/presentationml/2006/main">
+  <p:cSld>
+    <p:bg>
+      <p:bgRef idx="1001">
+        <a:schemeClr val="bg1"/>
+      </p:bgRef>
+    </p:bg>
+    <p:spTree>
+      <p:nvGrpSpPr>
+        <p:cNvPr id="1" name=""/>
+        <p:cNvGrpSpPr/>
+        <p:nvPr/>
+      </p:nvGrpSpPr>
+      <p:grpSpPr>
+        <a:xfrm>
+          <a:off x="0" y="0"/>
+          <a:ext cx="0" cy="0"/>
+          <a:chOff x="0" y="0"/>
+          <a:chExt cx="0" cy="0"/>
+        </a:xfrm>
+      </p:grpSpPr>
+      <p:sp>
+        <p:nvSpPr>
+          <p:cNvPr id="2" name="ヘッダー プレースホルダー 1"/>
+          <p:cNvSpPr>
+            <a:spLocks noGrp="1"/>
+          </p:cNvSpPr>
+          <p:nvPr>
+            <p:ph type="hdr" sz="quarter"/>
+          </p:nvPr>
+        </p:nvSpPr>
+        <p:spPr>
+          <a:xfrm>
+            <a:off x="0" y="0"/>
+            <a:ext cx="2971800" cy="458788"/>
+          </a:xfrm>
+          <a:prstGeom prst="rect">
+            <a:avLst/>
+          </a:prstGeom>
+        </p:spPr>
+        <p:txBody>
+          <a:bodyPr vert="horz" lIns="91440" tIns="45720" rIns="91440" bIns="45720" rtlCol="0"/>
+          <a:lstStyle>
+            <a:lvl1pPr algn="l">
+              <a:defRPr sz="1200"/>
+            </a:lvl1pPr>
+          </a:lstStyle>
+          <a:p>
+            <a:endParaRPr kumimoji="1" lang="ja-JP" altLang="en-US"/>
+          </a:p>
+        </p:txBody>
+      </p:sp>
+      <p:sp>
+        <p:nvSpPr>
+          <p:cNvPr id="3" name="日付プレースホルダー 2"/>
+          <p:cNvSpPr>
+            <a:spLocks noGrp="1"/>
+          </p:cNvSpPr>
+          <p:nvPr>
+            <p:ph type="dt" idx="1"/>
+          </p:nvPr>
+        </p:nvSpPr>
+        <p:spPr>
+          <a:xfrm>
+            <a:off x="3884613" y="0"/>
+            <a:ext cx="2971800" cy="458788"/>
+          </a:xfrm>
+          <a:prstGeom prst="rect">
+            <a:avLst/>
+          </a:prstGeom>
+        </p:spPr>
+        <p:txBody>
+          <a:bodyPr vert="horz" lIns="91440" tIns="45720" rIns="91440" bIns="45720" rtlCol="0"/>
+          <a:lstStyle>
+            <a:lvl1pPr algn="r">
+              <a:defRPr sz="1200"/>
+            </a:lvl1pPr>
+          </a:lstStyle>
+          <a:p>
+            <a:fld id="{B8F3EA05-54FC-C543-BBD4-91E4D89EF432}" type="datetimeFigureOut">
+              <a:rPr kumimoji="1" lang="ja-JP" altLang="en-US" smtClean="0"/>
+              <a:t>2019/9/11</a:t>
+            </a:fld>
+            <a:endParaRPr kumimoji="1" lang="ja-JP" altLang="en-US"/>
+          </a:p>
+        </p:txBody>
+      </p:sp>
+      <p:sp>
+        <p:nvSpPr>
+          <p:cNvPr id="4" name="スライド イメージ プレースホルダー 3"/>
+          <p:cNvSpPr>
+            <a:spLocks noGrp="1" noRot="1" noChangeAspect="1"/>
+          </p:cNvSpPr>
+          <p:nvPr>
+            <p:ph type="sldImg" idx="2"/>
+          </p:nvPr>
+        </p:nvSpPr>
+        <p:spPr>
+          <a:xfrm>
+            <a:off x="685800" y="1143000"/>
+            <a:ext cx="5486400" cy="3086100"/>
+          </a:xfrm>
+          <a:prstGeom prst="rect">
+            <a:avLst/>
+          </a:prstGeom>
+          <a:noFill/>
+          <a:ln w="12700">
+            <a:solidFill>
+              <a:prstClr val="black"/>
+            </a:solidFill>
+          </a:ln>
+        </p:spPr>
+        <p:txBody>
+          <a:bodyPr vert="horz" lIns="91440" tIns="45720" rIns="91440" bIns="45720" rtlCol="0" anchor="ctr"/>
+          <a:lstStyle/>
+          <a:p>
+            <a:endParaRPr lang="ja-JP" altLang="en-US"/>
+          </a:p>
+        </p:txBody>
+      </p:sp>
+      <p:sp>
+        <p:nvSpPr>
+          <p:cNvPr id="5" name="ノート プレースホルダー 4"/>
+          <p:cNvSpPr>
+            <a:spLocks noGrp="1"/>
+          </p:cNvSpPr>
+          <p:nvPr>
+            <p:ph type="body" sz="quarter" idx="3"/>
+          </p:nvPr>
+        </p:nvSpPr>
+        <p:spPr>
+          <a:xfrm>
+            <a:off x="685800" y="4400550"/>
+            <a:ext cx="5486400" cy="3600450"/>
+          </a:xfrm>
+          <a:prstGeom prst="rect">
+            <a:avLst/>
+          </a:prstGeom>
+        </p:spPr>
+        <p:txBody>
+          <a:bodyPr vert="horz" lIns="91440" tIns="45720" rIns="91440" bIns="45720" rtlCol="0"/>
+          <a:lstStyle/>
+          <a:p>
+            <a:r>
+              <a:rPr kumimoji="1" lang="ja-JP" altLang="en-US"/>
+              <a:t>マスター テキストの書式設定
+第 </a:t>
+            </a:r>
+            <a:r>
+              <a:rPr kumimoji="1" lang="en-US" altLang="ja-JP"/>
+              <a:t>2 </a:t>
+            </a:r>
+            <a:r>
+              <a:rPr kumimoji="1" lang="ja-JP" altLang="en-US"/>
+              <a:t>レベル
+第 </a:t>
+            </a:r>
+            <a:r>
+              <a:rPr kumimoji="1" lang="en-US" altLang="ja-JP"/>
+              <a:t>3 </a:t>
+            </a:r>
+            <a:r>
+              <a:rPr kumimoji="1" lang="ja-JP" altLang="en-US"/>
+              <a:t>レベル
+第 </a:t>
+            </a:r>
+            <a:r>
+              <a:rPr kumimoji="1" lang="en-US" altLang="ja-JP"/>
+              <a:t>4 </a:t>
+            </a:r>
+            <a:r>
+              <a:rPr kumimoji="1" lang="ja-JP" altLang="en-US"/>
+              <a:t>レベル
+第 </a:t>
+            </a:r>
+            <a:r>
+              <a:rPr kumimoji="1" lang="en-US" altLang="ja-JP"/>
+              <a:t>5 </a:t>
+            </a:r>
+            <a:r>
+              <a:rPr kumimoji="1" lang="ja-JP" altLang="en-US"/>
+              <a:t>レベル</a:t>
+            </a:r>
+          </a:p>
+        </p:txBody>
+      </p:sp>
+      <p:sp>
+        <p:nvSpPr>
+          <p:cNvPr id="6" name="フッター プレースホルダー 5"/>
+          <p:cNvSpPr>
+            <a:spLocks noGrp="1"/>
+          </p:cNvSpPr>
+          <p:nvPr>
+            <p:ph type="ftr" sz="quarter" idx="4"/>
+          </p:nvPr>
+        </p:nvSpPr>
+        <p:spPr>
+          <a:xfrm>
+            <a:off x="0" y="8685213"/>
+            <a:ext cx="2971800" cy="458787"/>
+          </a:xfrm>
+          <a:prstGeom prst="rect">
+            <a:avLst/>
+          </a:prstGeom>
+        </p:spPr>
+        <p:txBody>
+          <a:bodyPr vert="horz" lIns="91440" tIns="45720" rIns="91440" bIns="45720" rtlCol="0" anchor="b"/>
+          <a:lstStyle>
+            <a:lvl1pPr algn="l">
+              <a:defRPr sz="1200"/>
+            </a:lvl1pPr>
+          </a:lstStyle>
+          <a:p>
+            <a:endParaRPr kumimoji="1" lang="ja-JP" altLang="en-US"/>
+          </a:p>
+        </p:txBody>
+      </p:sp>
+      <p:sp>
+        <p:nvSpPr>
+          <p:cNvPr id="7" name="スライド番号プレースホルダー 6"/>
+          <p:cNvSpPr>
+            <a:spLocks noGrp="1"/>
+          </p:cNvSpPr>
+          <p:nvPr>
+            <p:ph type="sldNum" sz="quarter" idx="5"/>
+          </p:nvPr>
+        </p:nvSpPr>
+        <p:spPr>
+          <a:xfrm>
+            <a:off x="3884613" y="8685213"/>
+            <a:ext cx="2971800" cy="458787"/>
+          </a:xfrm>
+          <a:prstGeom prst="rect">
+            <a:avLst/>
+          </a:prstGeom>
+        </p:spPr>
+        <p:txBody>
+          <a:bodyPr vert="horz" lIns="91440" tIns="45720" rIns="91440" bIns="45720" rtlCol="0" anchor="b"/>
+          <a:lstStyle>
+            <a:lvl1pPr algn="r">
+              <a:defRPr sz="1200"/>
+            </a:lvl1pPr>
+          </a:lstStyle>
+          <a:p>
+            <a:fld id="{9E1C67F3-BA0B-B442-BA23-A3194F4E98B9}" type="slidenum">
+              <a:rPr kumimoji="1" lang="ja-JP" altLang="en-US" smtClean="0"/>
+              <a:t>‹#›</a:t>
+            </a:fld>
+            <a:endParaRPr kumimoji="1" lang="ja-JP" altLang="en-US"/>
+          </a:p>
+        </p:txBody>
+      </p:sp>
+    </p:spTree>
+    <p:extLst>
+      <p:ext uri="{BB962C8B-B14F-4D97-AF65-F5344CB8AC3E}">
+        <p14:creationId xmlns:p14="http://schemas.microsoft.com/office/powerpoint/2010/main" val="3762377537"/>
+      </p:ext>
+    </p:extLst>
+  </p:cSld>
+  <p:clrMap bg1="lt1" tx1="dk1" bg2="lt2" tx2="dk2" accent1="accent1" accent2="accent2" accent3="accent3" accent4="accent4" accent5="accent5" accent6="accent6" hlink="hlink" folHlink="folHlink"/>
+  <p:notesStyle>
+    <a:lvl1pPr marL="0" algn="l" defTabSz="914400" rtl="0" eaLnBrk="1" latinLnBrk="0" hangingPunct="1">
+      <a:defRPr kumimoji="1" sz="1200" kern="1200">
+        <a:solidFill>
+          <a:schemeClr val="tx1"/>
+        </a:solidFill>
+        <a:latin typeface="+mn-lt"/>
+        <a:ea typeface="+mn-ea"/>
+        <a:cs typeface="+mn-cs"/>
+      </a:defRPr>
+    </a:lvl1pPr>
+    <a:lvl2pPr marL="457200" algn="l" defTabSz="914400" rtl="0" eaLnBrk="1" latinLnBrk="0" hangingPunct="1">
+      <a:defRPr kumimoji="1" sz="1200" kern="1200">
+        <a:solidFill>
+          <a:schemeClr val="tx1"/>
+        </a:solidFill>
+        <a:latin typeface="+mn-lt"/>
+        <a:ea typeface="+mn-ea"/>
+        <a:cs typeface="+mn-cs"/>
+      </a:defRPr>
+    </a:lvl2pPr>
+    <a:lvl3pPr marL="914400" algn="l" defTabSz="914400" rtl="0" eaLnBrk="1" latinLnBrk="0" hangingPunct="1">
+      <a:defRPr kumimoji="1" sz="1200" kern="1200">
+        <a:solidFill>
+          <a:schemeClr val="tx1"/>
+        </a:solidFill>
+        <a:latin typeface="+mn-lt"/>
+        <a:ea typeface="+mn-ea"/>
+        <a:cs typeface="+mn-cs"/>
+      </a:defRPr>
+    </a:lvl3pPr>
+    <a:lvl4pPr marL="1371600" algn="l" defTabSz="914400" rtl="0" eaLnBrk="1" latinLnBrk="0" hangingPunct="1">
+      <a:defRPr kumimoji="1" sz="1200" kern="1200">
+        <a:solidFill>
+          <a:schemeClr val="tx1"/>
+        </a:solidFill>
+        <a:latin typeface="+mn-lt"/>
+        <a:ea typeface="+mn-ea"/>
+        <a:cs typeface="+mn-cs"/>
+      </a:defRPr>
+    </a:lvl4pPr>
+    <a:lvl5pPr marL="1828800" algn="l" defTabSz="914400" rtl="0" eaLnBrk="1" latinLnBrk="0" hangingPunct="1">
+      <a:defRPr kumimoji="1" sz="1200" kern="1200">
+        <a:solidFill>
+          <a:schemeClr val="tx1"/>
+        </a:solidFill>
+        <a:latin typeface="+mn-lt"/>
+        <a:ea typeface="+mn-ea"/>
+        <a:cs typeface="+mn-cs"/>
+      </a:defRPr>
+    </a:lvl5pPr>
+    <a:lvl6pPr marL="2286000" algn="l" defTabSz="914400" rtl="0" eaLnBrk="1" latinLnBrk="0" hangingPunct="1">
+      <a:defRPr kumimoji="1" sz="1200" kern="1200">
+        <a:solidFill>
+          <a:schemeClr val="tx1"/>
+        </a:solidFill>
+        <a:latin typeface="+mn-lt"/>
+        <a:ea typeface="+mn-ea"/>
+        <a:cs typeface="+mn-cs"/>
+      </a:defRPr>
+    </a:lvl6pPr>
+    <a:lvl7pPr marL="2743200" algn="l" defTabSz="914400" rtl="0" eaLnBrk="1" latinLnBrk="0" hangingPunct="1">
+      <a:defRPr kumimoji="1" sz="1200" kern="1200">
+        <a:solidFill>
+          <a:schemeClr val="tx1"/>
+        </a:solidFill>
+        <a:latin typeface="+mn-lt"/>
+        <a:ea typeface="+mn-ea"/>
+        <a:cs typeface="+mn-cs"/>
+      </a:defRPr>
+    </a:lvl7pPr>
+    <a:lvl8pPr marL="3200400" algn="l" defTabSz="914400" rtl="0" eaLnBrk="1" latinLnBrk="0" hangingPunct="1">
+      <a:defRPr kumimoji="1" sz="1200" kern="1200">
+        <a:solidFill>
+          <a:schemeClr val="tx1"/>
+        </a:solidFill>
+        <a:latin typeface="+mn-lt"/>
+        <a:ea typeface="+mn-ea"/>
+        <a:cs typeface="+mn-cs"/>
+      </a:defRPr>
+    </a:lvl8pPr>
+    <a:lvl9pPr marL="3657600" algn="l" defTabSz="914400" rtl="0" eaLnBrk="1" latinLnBrk="0" hangingPunct="1">
+      <a:defRPr kumimoji="1" sz="1200" kern="1200">
+        <a:solidFill>
+          <a:schemeClr val="tx1"/>
+        </a:solidFill>
+        <a:latin typeface="+mn-lt"/>
+        <a:ea typeface="+mn-ea"/>
+        <a:cs typeface="+mn-cs"/>
+      </a:defRPr>
+    </a:lvl9pPr>
+  </p:notesStyle>
+</p:notesMaster>
+</file>
+
+<file path=ppt/notesSlides/notesSlide1.xml><?xml version="1.0" encoding="utf-8"?>
+<p:notes xmlns:a="http://schemas.openxmlformats.org/drawingml/2006/main" xmlns:r="http://schemas.openxmlformats.org/officeDocument/2006/relationships" xmlns:p="http://schemas.openxmlformats.org/presentationml/2006/main">
+  <p:cSld>
+    <p:spTree>
+      <p:nvGrpSpPr>
+        <p:cNvPr id="1" name=""/>
+        <p:cNvGrpSpPr/>
+        <p:nvPr/>
+      </p:nvGrpSpPr>
+      <p:grpSpPr>
+        <a:xfrm>
+          <a:off x="0" y="0"/>
+          <a:ext cx="0" cy="0"/>
+          <a:chOff x="0" y="0"/>
+          <a:chExt cx="0" cy="0"/>
+        </a:xfrm>
+      </p:grpSpPr>
+      <p:sp>
+        <p:nvSpPr>
+          <p:cNvPr id="2" name="スライド イメージ プレースホルダー 1"/>
+          <p:cNvSpPr>
+            <a:spLocks noGrp="1" noRot="1" noChangeAspect="1"/>
+          </p:cNvSpPr>
+          <p:nvPr>
+            <p:ph type="sldImg"/>
+          </p:nvPr>
+        </p:nvSpPr>
+        <p:spPr/>
+      </p:sp>
+      <p:sp>
+        <p:nvSpPr>
+          <p:cNvPr id="3" name="ノート プレースホルダー 2"/>
+          <p:cNvSpPr>
+            <a:spLocks noGrp="1"/>
+          </p:cNvSpPr>
+          <p:nvPr>
+            <p:ph type="body" idx="1"/>
+          </p:nvPr>
+        </p:nvSpPr>
+        <p:spPr/>
+        <p:txBody>
+          <a:bodyPr/>
+          <a:lstStyle/>
+          <a:p>
+            <a:pPr marL="0" marR="0" lvl="0" indent="0" algn="l" defTabSz="914400" rtl="0" eaLnBrk="1" fontAlgn="auto" latinLnBrk="0" hangingPunct="1">
+              <a:lnSpc>
+                <a:spcPct val="100000"/>
+              </a:lnSpc>
+              <a:spcBef>
+                <a:spcPts val="0"/>
+              </a:spcBef>
+              <a:spcAft>
+                <a:spcPts val="0"/>
+              </a:spcAft>
+              <a:buClrTx/>
+              <a:buSzTx/>
+              <a:buFontTx/>
+              <a:buNone/>
+              <a:tabLst/>
+              <a:defRPr/>
+            </a:pPr>
+            <a:r>
+              <a:rPr kumimoji="1" lang="ja-JP" altLang="en-US"/>
+              <a:t>同じ商品が何度も表示され、比較するのが大変</a:t>
+            </a:r>
+            <a:endParaRPr kumimoji="1" lang="en-US" altLang="ja-JP" dirty="0"/>
+          </a:p>
+          <a:p>
+            <a:endParaRPr kumimoji="1" lang="ja-JP" altLang="en-US"/>
+          </a:p>
+        </p:txBody>
+      </p:sp>
+      <p:sp>
+        <p:nvSpPr>
+          <p:cNvPr id="4" name="スライド番号プレースホルダー 3"/>
+          <p:cNvSpPr>
+            <a:spLocks noGrp="1"/>
+          </p:cNvSpPr>
+          <p:nvPr>
+            <p:ph type="sldNum" sz="quarter" idx="5"/>
+          </p:nvPr>
+        </p:nvSpPr>
+        <p:spPr/>
+        <p:txBody>
+          <a:bodyPr/>
+          <a:lstStyle/>
+          <a:p>
+            <a:fld id="{9E1C67F3-BA0B-B442-BA23-A3194F4E98B9}" type="slidenum">
+              <a:rPr kumimoji="1" lang="ja-JP" altLang="en-US" smtClean="0"/>
+              <a:t>6</a:t>
+            </a:fld>
+            <a:endParaRPr kumimoji="1" lang="ja-JP" altLang="en-US"/>
+          </a:p>
+        </p:txBody>
+      </p:sp>
+    </p:spTree>
+    <p:extLst>
+      <p:ext uri="{BB962C8B-B14F-4D97-AF65-F5344CB8AC3E}">
+        <p14:creationId xmlns:p14="http://schemas.microsoft.com/office/powerpoint/2010/main" val="3506396389"/>
+      </p:ext>
+    </p:extLst>
+  </p:cSld>
+  <p:clrMapOvr>
+    <a:masterClrMapping/>
+  </p:clrMapOvr>
+</p:notes>
+</file>
+
+<file path=ppt/notesSlides/notesSlide2.xml><?xml version="1.0" encoding="utf-8"?>
+<p:notes xmlns:a="http://schemas.openxmlformats.org/drawingml/2006/main" xmlns:r="http://schemas.openxmlformats.org/officeDocument/2006/relationships" xmlns:p="http://schemas.openxmlformats.org/presentationml/2006/main">
+  <p:cSld>
+    <p:spTree>
+      <p:nvGrpSpPr>
+        <p:cNvPr id="1" name=""/>
+        <p:cNvGrpSpPr/>
+        <p:nvPr/>
+      </p:nvGrpSpPr>
+      <p:grpSpPr>
+        <a:xfrm>
+          <a:off x="0" y="0"/>
+          <a:ext cx="0" cy="0"/>
+          <a:chOff x="0" y="0"/>
+          <a:chExt cx="0" cy="0"/>
+        </a:xfrm>
+      </p:grpSpPr>
+      <p:sp>
+        <p:nvSpPr>
+          <p:cNvPr id="2" name="スライド イメージ プレースホルダー 1"/>
+          <p:cNvSpPr>
+            <a:spLocks noGrp="1" noRot="1" noChangeAspect="1"/>
+          </p:cNvSpPr>
+          <p:nvPr>
+            <p:ph type="sldImg"/>
+          </p:nvPr>
+        </p:nvSpPr>
+        <p:spPr/>
+      </p:sp>
+      <p:sp>
+        <p:nvSpPr>
+          <p:cNvPr id="3" name="ノート プレースホルダー 2"/>
+          <p:cNvSpPr>
+            <a:spLocks noGrp="1"/>
+          </p:cNvSpPr>
+          <p:nvPr>
+            <p:ph type="body" idx="1"/>
+          </p:nvPr>
+        </p:nvSpPr>
+        <p:spPr/>
+        <p:txBody>
+          <a:bodyPr/>
+          <a:lstStyle/>
+          <a:p>
+            <a:pPr marL="0" marR="0" lvl="0" indent="0" algn="l" defTabSz="914400" rtl="0" eaLnBrk="1" fontAlgn="auto" latinLnBrk="0" hangingPunct="1">
+              <a:lnSpc>
+                <a:spcPct val="100000"/>
+              </a:lnSpc>
+              <a:spcBef>
+                <a:spcPts val="0"/>
+              </a:spcBef>
+              <a:spcAft>
+                <a:spcPts val="0"/>
+              </a:spcAft>
+              <a:buClrTx/>
+              <a:buSzTx/>
+              <a:buFontTx/>
+              <a:buNone/>
+              <a:tabLst/>
+              <a:defRPr/>
+            </a:pPr>
+            <a:r>
+              <a:rPr kumimoji="1" lang="ja-JP" altLang="en-US"/>
+              <a:t>同じ商品が何度も表示され、比較するのが大変</a:t>
+            </a:r>
+            <a:endParaRPr kumimoji="1" lang="en-US" altLang="ja-JP" dirty="0"/>
+          </a:p>
+          <a:p>
+            <a:endParaRPr kumimoji="1" lang="en-US" altLang="ja-JP" dirty="0"/>
+          </a:p>
+          <a:p>
+            <a:r>
+              <a:rPr kumimoji="1" lang="en" altLang="ja-JP" dirty="0"/>
+              <a:t>https://</a:t>
+            </a:r>
+            <a:r>
+              <a:rPr kumimoji="1" lang="en" altLang="ja-JP" dirty="0" err="1"/>
+              <a:t>search.rakuten.co.jp</a:t>
+            </a:r>
+            <a:r>
+              <a:rPr kumimoji="1" lang="en" altLang="ja-JP" dirty="0"/>
+              <a:t>/search/mall/</a:t>
+            </a:r>
+            <a:r>
+              <a:rPr kumimoji="1" lang="en" altLang="ja-JP" dirty="0" err="1"/>
+              <a:t>nike</a:t>
+            </a:r>
+            <a:r>
+              <a:rPr kumimoji="1" lang="en" altLang="ja-JP" dirty="0"/>
+              <a:t>+</a:t>
+            </a:r>
+            <a:r>
+              <a:rPr kumimoji="1" lang="ja-JP" altLang="en-US"/>
+              <a:t>スニーカー</a:t>
+            </a:r>
+            <a:r>
+              <a:rPr kumimoji="1" lang="en-US" altLang="ja-JP" dirty="0"/>
+              <a:t>/?</a:t>
+            </a:r>
+            <a:r>
+              <a:rPr kumimoji="1" lang="en" altLang="ja-JP" dirty="0"/>
+              <a:t>p=2</a:t>
+            </a:r>
+            <a:endParaRPr kumimoji="1" lang="ja-JP" altLang="en-US"/>
+          </a:p>
+        </p:txBody>
+      </p:sp>
+      <p:sp>
+        <p:nvSpPr>
+          <p:cNvPr id="4" name="スライド番号プレースホルダー 3"/>
+          <p:cNvSpPr>
+            <a:spLocks noGrp="1"/>
+          </p:cNvSpPr>
+          <p:nvPr>
+            <p:ph type="sldNum" sz="quarter" idx="5"/>
+          </p:nvPr>
+        </p:nvSpPr>
+        <p:spPr/>
+        <p:txBody>
+          <a:bodyPr/>
+          <a:lstStyle/>
+          <a:p>
+            <a:fld id="{9E1C67F3-BA0B-B442-BA23-A3194F4E98B9}" type="slidenum">
+              <a:rPr kumimoji="1" lang="ja-JP" altLang="en-US" smtClean="0"/>
+              <a:t>7</a:t>
+            </a:fld>
+            <a:endParaRPr kumimoji="1" lang="ja-JP" altLang="en-US"/>
+          </a:p>
+        </p:txBody>
+      </p:sp>
+    </p:spTree>
+    <p:extLst>
+      <p:ext uri="{BB962C8B-B14F-4D97-AF65-F5344CB8AC3E}">
+        <p14:creationId xmlns:p14="http://schemas.microsoft.com/office/powerpoint/2010/main" val="1078682702"/>
+      </p:ext>
+    </p:extLst>
+  </p:cSld>
+  <p:clrMapOvr>
+    <a:masterClrMapping/>
+  </p:clrMapOvr>
+</p:notes>
 </file>
 
 <file path=ppt/slideLayouts/slideLayout1.xml><?xml version="1.0" encoding="utf-8"?>
@@ -3860,18 +4471,87 @@
               <a:buChar char="•"/>
             </a:pPr>
             <a:r>
-              <a:rPr kumimoji="1" lang="ja-JP" altLang="en-US" dirty="0"/>
-              <a:t>商品情報は楽天</a:t>
+              <a:rPr kumimoji="1" lang="ja-JP" altLang="en-US"/>
+              <a:t>商品情報を楽天</a:t>
             </a:r>
             <a:r>
               <a:rPr kumimoji="1" lang="en-US" altLang="ja-JP" dirty="0"/>
               <a:t>API</a:t>
             </a:r>
             <a:r>
+              <a:rPr kumimoji="1" lang="ja-JP" altLang="en-US"/>
+              <a:t>から取得</a:t>
+            </a:r>
+            <a:endParaRPr lang="en-US" altLang="ja-JP" dirty="0"/>
+          </a:p>
+          <a:p>
+            <a:pPr marL="457200" indent="-457200">
+              <a:buFont typeface="Arial" panose="020B0604020202020204" pitchFamily="34" charset="0"/>
+              <a:buChar char="•"/>
+            </a:pPr>
+            <a:r>
+              <a:rPr lang="ja-JP" altLang="en-US" dirty="0"/>
+              <a:t>出品者が</a:t>
+            </a:r>
+            <a:r>
+              <a:rPr lang="ja-JP" altLang="en-US"/>
+              <a:t>異なるが商品は同じ場合，すべて</a:t>
+            </a:r>
+            <a:r>
+              <a:rPr lang="ja-JP" altLang="en-US" dirty="0"/>
+              <a:t>まとめて１件と</a:t>
+            </a:r>
+            <a:r>
+              <a:rPr lang="ja-JP" altLang="en-US"/>
+              <a:t>して表示</a:t>
+            </a:r>
+            <a:endParaRPr lang="en-US" altLang="ja-JP" dirty="0"/>
+          </a:p>
+          <a:p>
+            <a:pPr marL="457200" indent="-457200">
+              <a:buFont typeface="Arial" panose="020B0604020202020204" pitchFamily="34" charset="0"/>
+              <a:buChar char="•"/>
+            </a:pPr>
+            <a:r>
+              <a:rPr kumimoji="1" lang="ja-JP" altLang="en-US"/>
+              <a:t>検索</a:t>
+            </a:r>
+            <a:r>
               <a:rPr kumimoji="1" lang="ja-JP" altLang="en-US" dirty="0"/>
-              <a:t>から取得して利用</a:t>
-            </a:r>
-            <a:endParaRPr lang="en-US" altLang="ja-JP" dirty="0"/>
+              <a:t>結果では、商品の概要と概算額</a:t>
+            </a:r>
+            <a:r>
+              <a:rPr kumimoji="1" lang="ja-JP" altLang="en-US"/>
+              <a:t>のみ表示</a:t>
+            </a:r>
+            <a:r>
+              <a:rPr lang="ja-JP" altLang="en-US"/>
+              <a:t>＆</a:t>
+            </a:r>
+            <a:r>
+              <a:rPr kumimoji="1" lang="ja-JP" altLang="en-US"/>
+              <a:t>詳細</a:t>
+            </a:r>
+            <a:r>
+              <a:rPr kumimoji="1" lang="ja-JP" altLang="en-US" dirty="0"/>
+              <a:t>は次のページで</a:t>
+            </a:r>
+            <a:endParaRPr kumimoji="1" lang="en-US" altLang="ja-JP" dirty="0"/>
+          </a:p>
+          <a:p>
+            <a:pPr marL="457200" indent="-457200">
+              <a:buFont typeface="Arial" panose="020B0604020202020204" pitchFamily="34" charset="0"/>
+              <a:buChar char="•"/>
+            </a:pPr>
+            <a:r>
+              <a:rPr lang="ja-JP" altLang="en-US" dirty="0"/>
+              <a:t>詳細ページでは</a:t>
+            </a:r>
+            <a:r>
+              <a:rPr lang="ja-JP" altLang="en-US"/>
+              <a:t>ショップごとに比較可能</a:t>
+            </a:r>
+            <a:endParaRPr kumimoji="1" lang="en-US" altLang="ja-JP" dirty="0"/>
           </a:p>
         </p:txBody>
       </p:sp>
@@ -3934,6 +4614,177 @@
           </a:p>
         </p:txBody>
       </p:sp>
+    </p:spTree>
+    <p:extLst>
+      <p:ext uri="{BB962C8B-B14F-4D97-AF65-F5344CB8AC3E}">
+        <p14:creationId xmlns:p14="http://schemas.microsoft.com/office/powerpoint/2010/main" val="2750315736"/>
+      </p:ext>
+    </p:extLst>
+  </p:cSld>
+  <p:clrMapOvr>
+    <a:masterClrMapping/>
+  </p:clrMapOvr>
+</p:sld>
+</file>
+
+<file path=ppt/slides/slide11.xml><?xml version="1.0" encoding="utf-8"?>
+<p:sld xmlns:a="http://schemas.openxmlformats.org/drawingml/2006/main" xmlns:r="http://schemas.openxmlformats.org/officeDocument/2006/relationships" xmlns:p="http://schemas.openxmlformats.org/presentationml/2006/main">
+  <p:cSld>
+    <p:spTree>
+      <p:nvGrpSpPr>
+        <p:cNvPr id="1" name=""/>
+        <p:cNvGrpSpPr/>
+        <p:nvPr/>
+      </p:nvGrpSpPr>
+      <p:grpSpPr>
+        <a:xfrm>
+          <a:off x="0" y="0"/>
+          <a:ext cx="0" cy="0"/>
+          <a:chOff x="0" y="0"/>
+          <a:chExt cx="0" cy="0"/>
+        </a:xfrm>
+      </p:grpSpPr>
+      <p:sp>
+        <p:nvSpPr>
+          <p:cNvPr id="2" name="タイトル 1">
+            <a:extLst>
+              <a:ext uri="{FF2B5EF4-FFF2-40B4-BE49-F238E27FC236}">
+                <a16:creationId xmlns:a16="http://schemas.microsoft.com/office/drawing/2014/main" id="{162BB91B-3D5F-40D6-9780-4A263D504DF7}"/>
+              </a:ext>
+            </a:extLst>
+          </p:cNvPr>
+          <p:cNvSpPr>
+            <a:spLocks noGrp="1"/>
+          </p:cNvSpPr>
+          <p:nvPr>
+            <p:ph type="title"/>
+          </p:nvPr>
+        </p:nvSpPr>
+        <p:spPr>
+          <a:xfrm>
+            <a:off x="142420" y="5786891"/>
+            <a:ext cx="11211380" cy="1002846"/>
+          </a:xfrm>
+        </p:spPr>
+        <p:txBody>
+          <a:bodyPr/>
+          <a:lstStyle/>
+          <a:p>
+            <a:r>
+              <a:rPr kumimoji="1" lang="en-US" altLang="ja-JP" dirty="0"/>
+              <a:t>3. Challenges and Solutions</a:t>
+            </a:r>
+            <a:endParaRPr kumimoji="1" lang="ja-JP" altLang="en-US" dirty="0"/>
+          </a:p>
+        </p:txBody>
+      </p:sp>
+      <p:sp>
+        <p:nvSpPr>
+          <p:cNvPr id="3" name="テキスト プレースホルダー 2">
+            <a:extLst>
+              <a:ext uri="{FF2B5EF4-FFF2-40B4-BE49-F238E27FC236}">
+                <a16:creationId xmlns:a16="http://schemas.microsoft.com/office/drawing/2014/main" id="{3F1E7B7C-CCC0-400C-8A2D-D50BF4251EA6}"/>
+              </a:ext>
+            </a:extLst>
+          </p:cNvPr>
+          <p:cNvSpPr>
+            <a:spLocks noGrp="1"/>
+          </p:cNvSpPr>
+          <p:nvPr>
+            <p:ph type="body" idx="1"/>
+          </p:nvPr>
+        </p:nvSpPr>
+        <p:spPr>
+          <a:xfrm>
+            <a:off x="838200" y="1548719"/>
+            <a:ext cx="10515600" cy="4097338"/>
+          </a:xfrm>
+        </p:spPr>
+        <p:txBody>
+          <a:bodyPr>
+            <a:normAutofit/>
+          </a:bodyPr>
+          <a:lstStyle/>
+          <a:p>
+            <a:pPr marL="457200" indent="-457200">
+              <a:buFont typeface="Arial" panose="020B0604020202020204" pitchFamily="34" charset="0"/>
+              <a:buChar char="•"/>
+            </a:pPr>
+            <a:r>
+              <a:rPr kumimoji="1" lang="ja-JP" altLang="en-US"/>
+              <a:t>商品情報を楽天</a:t>
+            </a:r>
+            <a:r>
+              <a:rPr kumimoji="1" lang="en-US" altLang="ja-JP" dirty="0"/>
+              <a:t>API</a:t>
+            </a:r>
+            <a:r>
+              <a:rPr kumimoji="1" lang="ja-JP" altLang="en-US"/>
+              <a:t>から取得</a:t>
+            </a:r>
+            <a:endParaRPr lang="en-US" altLang="ja-JP" dirty="0"/>
+          </a:p>
+        </p:txBody>
+      </p:sp>
+      <p:sp>
+        <p:nvSpPr>
+          <p:cNvPr id="5" name="四角形: 角を丸くする 4">
+            <a:extLst>
+              <a:ext uri="{FF2B5EF4-FFF2-40B4-BE49-F238E27FC236}">
+                <a16:creationId xmlns:a16="http://schemas.microsoft.com/office/drawing/2014/main" id="{C007D137-227B-4352-9A52-4C5F8CE374DB}"/>
+              </a:ext>
+            </a:extLst>
+          </p:cNvPr>
+          <p:cNvSpPr/>
+          <p:nvPr/>
+        </p:nvSpPr>
+        <p:spPr>
+          <a:xfrm>
+            <a:off x="464457" y="420914"/>
+            <a:ext cx="6270171" cy="812800"/>
+          </a:xfrm>
+          <a:prstGeom prst="roundRect">
+            <a:avLst/>
+          </a:prstGeom>
+          <a:solidFill>
+            <a:srgbClr val="DC143C"/>
+          </a:solidFill>
+        </p:spPr>
+        <p:style>
+          <a:lnRef idx="2">
+            <a:schemeClr val="accent1">
+              <a:shade val="50000"/>
+            </a:schemeClr>
+          </a:lnRef>
+          <a:fillRef idx="1">
+            <a:schemeClr val="accent1"/>
+          </a:fillRef>
+          <a:effectRef idx="0">
+            <a:schemeClr val="accent1"/>
+          </a:effectRef>
+          <a:fontRef idx="minor">
+            <a:schemeClr val="lt1"/>
+          </a:fontRef>
+        </p:style>
+        <p:txBody>
+          <a:bodyPr rtlCol="0" anchor="ctr"/>
+          <a:lstStyle/>
+          <a:p>
+            <a:r>
+              <a:rPr lang="ja-JP" altLang="en-US" sz="3200" dirty="0">
+                <a:effectLst>
+                  <a:outerShdw blurRad="38100" dist="38100" dir="2700000" algn="tl">
+                    <a:srgbClr val="000000">
+                      <a:alpha val="43137"/>
+                    </a:srgbClr>
+                  </a:outerShdw>
+                </a:effectLst>
+              </a:rPr>
+              <a:t>同じ商品をまとめる機能の仕様</a:t>
+            </a:r>
+          </a:p>
+        </p:txBody>
+      </p:sp>
       <p:sp>
         <p:nvSpPr>
           <p:cNvPr id="4" name="正方形/長方形 3">
@@ -4110,7 +4961,7 @@
 </p:sld>
 </file>
 
-<file path=ppt/slides/slide11.xml><?xml version="1.0" encoding="utf-8"?>
+<file path=ppt/slides/slide12.xml><?xml version="1.0" encoding="utf-8"?>
 <p:sld xmlns:a="http://schemas.openxmlformats.org/drawingml/2006/main" xmlns:r="http://schemas.openxmlformats.org/officeDocument/2006/relationships" xmlns:p="http://schemas.openxmlformats.org/presentationml/2006/main">
   <p:cSld>
     <p:spTree>
@@ -5135,7 +5986,7 @@
 </p:sld>
 </file>
 
-<file path=ppt/slides/slide12.xml><?xml version="1.0" encoding="utf-8"?>
+<file path=ppt/slides/slide13.xml><?xml version="1.0" encoding="utf-8"?>
 <p:sld xmlns:a="http://schemas.openxmlformats.org/drawingml/2006/main" xmlns:r="http://schemas.openxmlformats.org/officeDocument/2006/relationships" xmlns:p="http://schemas.openxmlformats.org/presentationml/2006/main">
   <p:cSld>
     <p:spTree>
@@ -5875,7 +6726,7 @@
 </p:sld>
 </file>
 
-<file path=ppt/slides/slide13.xml><?xml version="1.0" encoding="utf-8"?>
+<file path=ppt/slides/slide14.xml><?xml version="1.0" encoding="utf-8"?>
 <p:sld xmlns:a="http://schemas.openxmlformats.org/drawingml/2006/main" xmlns:r="http://schemas.openxmlformats.org/officeDocument/2006/relationships" xmlns:p="http://schemas.openxmlformats.org/presentationml/2006/main">
   <p:cSld>
     <p:spTree>
@@ -6203,7 +7054,7 @@
 </p:sld>
 </file>
 
-<file path=ppt/slides/slide14.xml><?xml version="1.0" encoding="utf-8"?>
+<file path=ppt/slides/slide15.xml><?xml version="1.0" encoding="utf-8"?>
 <p:sld xmlns:a="http://schemas.openxmlformats.org/drawingml/2006/main" xmlns:r="http://schemas.openxmlformats.org/officeDocument/2006/relationships" xmlns:p="http://schemas.openxmlformats.org/presentationml/2006/main">
   <p:cSld>
     <p:spTree>
@@ -6531,7 +7382,7 @@
 </p:sld>
 </file>
 
-<file path=ppt/slides/slide15.xml><?xml version="1.0" encoding="utf-8"?>
+<file path=ppt/slides/slide16.xml><?xml version="1.0" encoding="utf-8"?>
 <p:sld xmlns:a="http://schemas.openxmlformats.org/drawingml/2006/main" xmlns:r="http://schemas.openxmlformats.org/officeDocument/2006/relationships" xmlns:p="http://schemas.openxmlformats.org/presentationml/2006/main">
   <p:cSld>
     <p:spTree>
@@ -7179,7 +8030,7 @@
           <a:p>
             <a:pPr lvl="1"/>
             <a:r>
-              <a:rPr lang="ja-JP" altLang="en-US" sz="2400" dirty="0">
+              <a:rPr lang="ja-JP" altLang="en-US" sz="2400">
                 <a:solidFill>
                   <a:schemeClr val="tx1"/>
                 </a:solidFill>
@@ -7192,21 +8043,8 @@
                   <a:schemeClr val="tx1"/>
                 </a:solidFill>
               </a:rPr>
-              <a:t>API</a:t>
-            </a:r>
-            <a:r>
-              <a:rPr lang="ja-JP" altLang="en-US" sz="2400" dirty="0">
-                <a:solidFill>
-                  <a:schemeClr val="tx1"/>
-                </a:solidFill>
-              </a:rPr>
-              <a:t>を利用して必要な商品データを取得</a:t>
-            </a:r>
-            <a:endParaRPr lang="en-US" altLang="ja-JP" sz="2400" dirty="0">
-              <a:solidFill>
-                <a:schemeClr val="tx1"/>
-              </a:solidFill>
-            </a:endParaRPr>
+              <a:t>get necessary item data from “Rakuten API”</a:t>
+            </a:r>
           </a:p>
           <a:p>
             <a:r>
@@ -7228,7 +8066,7 @@
           <a:p>
             <a:pPr lvl="1"/>
             <a:r>
-              <a:rPr lang="ja-JP" altLang="en-US" sz="2400" dirty="0">
+              <a:rPr lang="ja-JP" altLang="en-US" sz="2400">
                 <a:solidFill>
                   <a:schemeClr val="tx1"/>
                 </a:solidFill>
@@ -7421,34 +8259,13 @@
           <a:p>
             <a:pPr lvl="1"/>
             <a:r>
-              <a:rPr lang="ja-JP" altLang="en-US" sz="2400">
-                <a:solidFill>
-                  <a:schemeClr val="tx1"/>
-                </a:solidFill>
-              </a:rPr>
-              <a:t>表示する</a:t>
-            </a:r>
-            <a:r>
               <a:rPr lang="en-US" altLang="ja-JP" sz="2400" dirty="0">
                 <a:solidFill>
                   <a:schemeClr val="tx1"/>
                 </a:solidFill>
               </a:rPr>
-              <a:t>Web</a:t>
-            </a:r>
-            <a:r>
-              <a:rPr lang="ja-JP" altLang="en-US" sz="2400">
-                <a:solidFill>
-                  <a:schemeClr val="tx1"/>
-                </a:solidFill>
-              </a:rPr>
-              <a:t>ページの作成</a:t>
-            </a:r>
-            <a:endParaRPr lang="en-US" altLang="ja-JP" sz="2400" dirty="0">
-              <a:solidFill>
-                <a:schemeClr val="tx1"/>
-              </a:solidFill>
-            </a:endParaRPr>
+              <a:t>Make Web pages</a:t>
+            </a:r>
           </a:p>
           <a:p>
             <a:r>
@@ -7746,7 +8563,7 @@
           <a:lstStyle/>
           <a:p>
             <a:r>
-              <a:rPr kumimoji="1" lang="en-US" altLang="ja-JP" sz="4800" b="1">
+              <a:rPr kumimoji="1" lang="en-US" altLang="ja-JP" sz="4800" b="1" dirty="0">
                 <a:effectLst>
                   <a:outerShdw blurRad="38100" dist="38100" dir="2700000" algn="tl">
                     <a:srgbClr val="000000">
@@ -7758,7 +8575,7 @@
               <a:t>Curre</a:t>
             </a:r>
             <a:r>
-              <a:rPr lang="en-US" altLang="ja-JP" sz="4800" b="1">
+              <a:rPr lang="en-US" altLang="ja-JP" sz="4800" b="1" dirty="0">
                 <a:effectLst>
                   <a:outerShdw blurRad="38100" dist="38100" dir="2700000" algn="tl">
                     <a:srgbClr val="000000">
@@ -7770,7 +8587,7 @@
               <a:t>nt </a:t>
             </a:r>
             <a:r>
-              <a:rPr kumimoji="1" lang="en-US" altLang="ja-JP" sz="4800" b="1">
+              <a:rPr kumimoji="1" lang="en-US" altLang="ja-JP" sz="4800" b="1" dirty="0">
                 <a:effectLst>
                   <a:outerShdw blurRad="38100" dist="38100" dir="2700000" algn="tl">
                     <a:srgbClr val="000000">
@@ -8045,7 +8862,7 @@
           <a:p>
             <a:r>
               <a:rPr kumimoji="1" lang="en-US" altLang="ja-JP" dirty="0"/>
-              <a:t>2. Proble</a:t>
+              <a:t>2. Current Proble</a:t>
             </a:r>
             <a:r>
               <a:rPr lang="en-US" altLang="ja-JP" dirty="0"/>
@@ -8138,7 +8955,7 @@
         <p:spPr>
           <a:xfrm>
             <a:off x="464457" y="420914"/>
-            <a:ext cx="4527267" cy="812800"/>
+            <a:ext cx="5651530" cy="812800"/>
           </a:xfrm>
           <a:prstGeom prst="roundRect">
             <a:avLst/>
@@ -8177,7 +8994,7 @@
                   </a:outerShdw>
                 </a:effectLst>
               </a:rPr>
-              <a:t>Problems of “Rakuten </a:t>
+              <a:t>Current Problems of “Rakuten </a:t>
             </a:r>
             <a:r>
               <a:rPr lang="en-US" altLang="ja-JP" sz="2400" dirty="0" err="1">
@@ -8229,6 +9046,454 @@
 </file>
 
 <file path=ppt/slides/slide7.xml><?xml version="1.0" encoding="utf-8"?>
+<p:sld xmlns:a="http://schemas.openxmlformats.org/drawingml/2006/main" xmlns:r="http://schemas.openxmlformats.org/officeDocument/2006/relationships" xmlns:p="http://schemas.openxmlformats.org/presentationml/2006/main">
+  <p:cSld>
+    <p:spTree>
+      <p:nvGrpSpPr>
+        <p:cNvPr id="1" name=""/>
+        <p:cNvGrpSpPr/>
+        <p:nvPr/>
+      </p:nvGrpSpPr>
+      <p:grpSpPr>
+        <a:xfrm>
+          <a:off x="0" y="0"/>
+          <a:ext cx="0" cy="0"/>
+          <a:chOff x="0" y="0"/>
+          <a:chExt cx="0" cy="0"/>
+        </a:xfrm>
+      </p:grpSpPr>
+      <p:sp>
+        <p:nvSpPr>
+          <p:cNvPr id="2" name="タイトル 1">
+            <a:extLst>
+              <a:ext uri="{FF2B5EF4-FFF2-40B4-BE49-F238E27FC236}">
+                <a16:creationId xmlns:a16="http://schemas.microsoft.com/office/drawing/2014/main" id="{1C8C6BC2-548D-4F60-8CE8-798B20A81282}"/>
+              </a:ext>
+            </a:extLst>
+          </p:cNvPr>
+          <p:cNvSpPr>
+            <a:spLocks noGrp="1"/>
+          </p:cNvSpPr>
+          <p:nvPr>
+            <p:ph type="title"/>
+          </p:nvPr>
+        </p:nvSpPr>
+        <p:spPr>
+          <a:xfrm>
+            <a:off x="202263" y="5831174"/>
+            <a:ext cx="10515600" cy="1026826"/>
+          </a:xfrm>
+        </p:spPr>
+        <p:txBody>
+          <a:bodyPr/>
+          <a:lstStyle/>
+          <a:p>
+            <a:r>
+              <a:rPr kumimoji="1" lang="en-US" altLang="ja-JP" dirty="0"/>
+              <a:t>2. Current Proble</a:t>
+            </a:r>
+            <a:r>
+              <a:rPr lang="en-US" altLang="ja-JP" dirty="0"/>
+              <a:t>ms</a:t>
+            </a:r>
+            <a:endParaRPr kumimoji="1" lang="ja-JP" altLang="en-US" dirty="0"/>
+          </a:p>
+        </p:txBody>
+      </p:sp>
+      <p:sp>
+        <p:nvSpPr>
+          <p:cNvPr id="5" name="四角形: 角を丸くする 4">
+            <a:extLst>
+              <a:ext uri="{FF2B5EF4-FFF2-40B4-BE49-F238E27FC236}">
+                <a16:creationId xmlns:a16="http://schemas.microsoft.com/office/drawing/2014/main" id="{2B582CD8-62CF-4588-B6C7-4F43ABC16112}"/>
+              </a:ext>
+            </a:extLst>
+          </p:cNvPr>
+          <p:cNvSpPr/>
+          <p:nvPr/>
+        </p:nvSpPr>
+        <p:spPr>
+          <a:xfrm>
+            <a:off x="464457" y="420914"/>
+            <a:ext cx="5651530" cy="812800"/>
+          </a:xfrm>
+          <a:prstGeom prst="roundRect">
+            <a:avLst/>
+          </a:prstGeom>
+          <a:solidFill>
+            <a:srgbClr val="DC143C"/>
+          </a:solidFill>
+        </p:spPr>
+        <p:style>
+          <a:lnRef idx="2">
+            <a:schemeClr val="accent1">
+              <a:shade val="50000"/>
+            </a:schemeClr>
+          </a:lnRef>
+          <a:fillRef idx="1">
+            <a:schemeClr val="accent1"/>
+          </a:fillRef>
+          <a:effectRef idx="0">
+            <a:schemeClr val="accent1"/>
+          </a:effectRef>
+          <a:fontRef idx="minor">
+            <a:schemeClr val="lt1"/>
+          </a:fontRef>
+        </p:style>
+        <p:txBody>
+          <a:bodyPr rtlCol="0" anchor="ctr"/>
+          <a:lstStyle/>
+          <a:p>
+            <a:r>
+              <a:rPr lang="en-US" altLang="ja-JP" sz="2400" dirty="0">
+                <a:effectLst>
+                  <a:outerShdw blurRad="38100" dist="38100" dir="2700000" algn="tl">
+                    <a:srgbClr val="000000">
+                      <a:alpha val="43137"/>
+                    </a:srgbClr>
+                  </a:outerShdw>
+                </a:effectLst>
+              </a:rPr>
+              <a:t>Current Problems of “Rakuten </a:t>
+            </a:r>
+            <a:r>
+              <a:rPr lang="en-US" altLang="ja-JP" sz="2400" dirty="0" err="1">
+                <a:effectLst>
+                  <a:outerShdw blurRad="38100" dist="38100" dir="2700000" algn="tl">
+                    <a:srgbClr val="000000">
+                      <a:alpha val="43137"/>
+                    </a:srgbClr>
+                  </a:outerShdw>
+                </a:effectLst>
+              </a:rPr>
+              <a:t>Ichiba</a:t>
+            </a:r>
+            <a:r>
+              <a:rPr lang="en-US" altLang="ja-JP" sz="2400" dirty="0">
+                <a:effectLst>
+                  <a:outerShdw blurRad="38100" dist="38100" dir="2700000" algn="tl">
+                    <a:srgbClr val="000000">
+                      <a:alpha val="43137"/>
+                    </a:srgbClr>
+                  </a:outerShdw>
+                </a:effectLst>
+              </a:rPr>
+              <a:t>”</a:t>
+            </a:r>
+            <a:endParaRPr lang="ja-JP" altLang="en-US" sz="2400" dirty="0">
+              <a:effectLst>
+                <a:outerShdw blurRad="38100" dist="38100" dir="2700000" algn="tl">
+                  <a:srgbClr val="000000">
+                    <a:alpha val="43137"/>
+                  </a:srgbClr>
+                </a:outerShdw>
+              </a:effectLst>
+            </a:endParaRPr>
+          </a:p>
+        </p:txBody>
+      </p:sp>
+      <p:pic>
+        <p:nvPicPr>
+          <p:cNvPr id="6" name="図 5">
+            <a:extLst>
+              <a:ext uri="{FF2B5EF4-FFF2-40B4-BE49-F238E27FC236}">
+                <a16:creationId xmlns:a16="http://schemas.microsoft.com/office/drawing/2014/main" id="{87300DA0-39B7-AC4F-B809-1A9C1C30DCA6}"/>
+              </a:ext>
+            </a:extLst>
+          </p:cNvPr>
+          <p:cNvPicPr>
+            <a:picLocks noChangeAspect="1"/>
+          </p:cNvPicPr>
+          <p:nvPr/>
+        </p:nvPicPr>
+        <p:blipFill rotWithShape="1">
+          <a:blip r:embed="rId3">
+            <a:extLst>
+              <a:ext uri="{28A0092B-C50C-407E-A947-70E740481C1C}">
+                <a14:useLocalDpi xmlns:a14="http://schemas.microsoft.com/office/drawing/2010/main" val="0"/>
+              </a:ext>
+            </a:extLst>
+          </a:blip>
+          <a:srcRect t="4292"/>
+          <a:stretch/>
+        </p:blipFill>
+        <p:spPr>
+          <a:xfrm>
+            <a:off x="2078636" y="1663907"/>
+            <a:ext cx="6540708" cy="3912507"/>
+          </a:xfrm>
+          <a:prstGeom prst="rect">
+            <a:avLst/>
+          </a:prstGeom>
+        </p:spPr>
+      </p:pic>
+      <p:sp>
+        <p:nvSpPr>
+          <p:cNvPr id="7" name="正方形/長方形 6">
+            <a:extLst>
+              <a:ext uri="{FF2B5EF4-FFF2-40B4-BE49-F238E27FC236}">
+                <a16:creationId xmlns:a16="http://schemas.microsoft.com/office/drawing/2014/main" id="{E69E4926-9417-CA4C-B310-158D119B7B55}"/>
+              </a:ext>
+            </a:extLst>
+          </p:cNvPr>
+          <p:cNvSpPr/>
+          <p:nvPr/>
+        </p:nvSpPr>
+        <p:spPr>
+          <a:xfrm>
+            <a:off x="4137285" y="1663907"/>
+            <a:ext cx="1124262" cy="1903752"/>
+          </a:xfrm>
+          <a:prstGeom prst="rect">
+            <a:avLst/>
+          </a:prstGeom>
+          <a:noFill/>
+          <a:ln w="28575">
+            <a:solidFill>
+              <a:srgbClr val="FF0000"/>
+            </a:solidFill>
+          </a:ln>
+        </p:spPr>
+        <p:style>
+          <a:lnRef idx="2">
+            <a:schemeClr val="accent1">
+              <a:shade val="50000"/>
+            </a:schemeClr>
+          </a:lnRef>
+          <a:fillRef idx="1">
+            <a:schemeClr val="accent1"/>
+          </a:fillRef>
+          <a:effectRef idx="0">
+            <a:schemeClr val="accent1"/>
+          </a:effectRef>
+          <a:fontRef idx="minor">
+            <a:schemeClr val="lt1"/>
+          </a:fontRef>
+        </p:style>
+        <p:txBody>
+          <a:bodyPr rtlCol="0" anchor="ctr"/>
+          <a:lstStyle/>
+          <a:p>
+            <a:pPr algn="ctr"/>
+            <a:endParaRPr kumimoji="1" lang="ja-JP" altLang="en-US"/>
+          </a:p>
+        </p:txBody>
+      </p:sp>
+      <p:sp>
+        <p:nvSpPr>
+          <p:cNvPr id="8" name="正方形/長方形 7">
+            <a:extLst>
+              <a:ext uri="{FF2B5EF4-FFF2-40B4-BE49-F238E27FC236}">
+                <a16:creationId xmlns:a16="http://schemas.microsoft.com/office/drawing/2014/main" id="{936248FC-8A65-5E46-B9F5-C06F3C8817EB}"/>
+              </a:ext>
+            </a:extLst>
+          </p:cNvPr>
+          <p:cNvSpPr/>
+          <p:nvPr/>
+        </p:nvSpPr>
+        <p:spPr>
+          <a:xfrm>
+            <a:off x="3031656" y="3567659"/>
+            <a:ext cx="1124262" cy="1903752"/>
+          </a:xfrm>
+          <a:prstGeom prst="rect">
+            <a:avLst/>
+          </a:prstGeom>
+          <a:noFill/>
+          <a:ln w="28575">
+            <a:solidFill>
+              <a:srgbClr val="FF0000"/>
+            </a:solidFill>
+          </a:ln>
+        </p:spPr>
+        <p:style>
+          <a:lnRef idx="2">
+            <a:schemeClr val="accent1">
+              <a:shade val="50000"/>
+            </a:schemeClr>
+          </a:lnRef>
+          <a:fillRef idx="1">
+            <a:schemeClr val="accent1"/>
+          </a:fillRef>
+          <a:effectRef idx="0">
+            <a:schemeClr val="accent1"/>
+          </a:effectRef>
+          <a:fontRef idx="minor">
+            <a:schemeClr val="lt1"/>
+          </a:fontRef>
+        </p:style>
+        <p:txBody>
+          <a:bodyPr rtlCol="0" anchor="ctr"/>
+          <a:lstStyle/>
+          <a:p>
+            <a:pPr algn="ctr"/>
+            <a:endParaRPr kumimoji="1" lang="ja-JP" altLang="en-US"/>
+          </a:p>
+        </p:txBody>
+      </p:sp>
+      <p:sp>
+        <p:nvSpPr>
+          <p:cNvPr id="9" name="テキスト ボックス 8">
+            <a:extLst>
+              <a:ext uri="{FF2B5EF4-FFF2-40B4-BE49-F238E27FC236}">
+                <a16:creationId xmlns:a16="http://schemas.microsoft.com/office/drawing/2014/main" id="{3BB27038-4659-224D-88AF-CCD5740C9EC1}"/>
+              </a:ext>
+            </a:extLst>
+          </p:cNvPr>
+          <p:cNvSpPr txBox="1"/>
+          <p:nvPr/>
+        </p:nvSpPr>
+        <p:spPr>
+          <a:xfrm>
+            <a:off x="7152597" y="992025"/>
+            <a:ext cx="1319592" cy="369332"/>
+          </a:xfrm>
+          <a:prstGeom prst="rect">
+            <a:avLst/>
+          </a:prstGeom>
+          <a:noFill/>
+          <a:ln w="28575">
+            <a:solidFill>
+              <a:srgbClr val="FF0000"/>
+            </a:solidFill>
+          </a:ln>
+        </p:spPr>
+        <p:txBody>
+          <a:bodyPr wrap="none" rtlCol="0">
+            <a:spAutoFit/>
+          </a:bodyPr>
+          <a:lstStyle/>
+          <a:p>
+            <a:r>
+              <a:rPr kumimoji="1" lang="en-US" altLang="ja-JP" dirty="0"/>
+              <a:t>Same item</a:t>
+            </a:r>
+            <a:endParaRPr kumimoji="1" lang="ja-JP" altLang="en-US"/>
+          </a:p>
+        </p:txBody>
+      </p:sp>
+      <p:sp>
+        <p:nvSpPr>
+          <p:cNvPr id="10" name="円弧 9">
+            <a:extLst>
+              <a:ext uri="{FF2B5EF4-FFF2-40B4-BE49-F238E27FC236}">
+                <a16:creationId xmlns:a16="http://schemas.microsoft.com/office/drawing/2014/main" id="{6A880F04-1007-5349-9345-F58CA1CA2674}"/>
+              </a:ext>
+            </a:extLst>
+          </p:cNvPr>
+          <p:cNvSpPr/>
+          <p:nvPr/>
+        </p:nvSpPr>
+        <p:spPr>
+          <a:xfrm flipH="1">
+            <a:off x="5108938" y="1176691"/>
+            <a:ext cx="4087319" cy="2878183"/>
+          </a:xfrm>
+          <a:prstGeom prst="arc">
+            <a:avLst>
+              <a:gd name="adj1" fmla="val 16200000"/>
+              <a:gd name="adj2" fmla="val 20632644"/>
+            </a:avLst>
+          </a:prstGeom>
+          <a:ln w="28575">
+            <a:solidFill>
+              <a:srgbClr val="FF0000"/>
+            </a:solidFill>
+            <a:headEnd type="none" w="med" len="med"/>
+            <a:tailEnd type="triangle" w="med" len="med"/>
+          </a:ln>
+        </p:spPr>
+        <p:style>
+          <a:lnRef idx="1">
+            <a:schemeClr val="accent1"/>
+          </a:lnRef>
+          <a:fillRef idx="0">
+            <a:schemeClr val="accent1"/>
+          </a:fillRef>
+          <a:effectRef idx="0">
+            <a:schemeClr val="accent1"/>
+          </a:effectRef>
+          <a:fontRef idx="minor">
+            <a:schemeClr val="tx1"/>
+          </a:fontRef>
+        </p:style>
+        <p:txBody>
+          <a:bodyPr rtlCol="0" anchor="ctr"/>
+          <a:lstStyle/>
+          <a:p>
+            <a:pPr algn="ctr"/>
+            <a:endParaRPr kumimoji="1" lang="ja-JP" altLang="en-US"/>
+          </a:p>
+        </p:txBody>
+      </p:sp>
+      <p:sp>
+        <p:nvSpPr>
+          <p:cNvPr id="11" name="円弧 10">
+            <a:extLst>
+              <a:ext uri="{FF2B5EF4-FFF2-40B4-BE49-F238E27FC236}">
+                <a16:creationId xmlns:a16="http://schemas.microsoft.com/office/drawing/2014/main" id="{BD96791B-7E1F-F24C-844E-A1FFA52BA8B1}"/>
+              </a:ext>
+            </a:extLst>
+          </p:cNvPr>
+          <p:cNvSpPr/>
+          <p:nvPr/>
+        </p:nvSpPr>
+        <p:spPr>
+          <a:xfrm rot="16200000" flipH="1" flipV="1">
+            <a:off x="236908" y="-2669430"/>
+            <a:ext cx="6106628" cy="7692242"/>
+          </a:xfrm>
+          <a:prstGeom prst="arc">
+            <a:avLst>
+              <a:gd name="adj1" fmla="val 16200000"/>
+              <a:gd name="adj2" fmla="val 20632644"/>
+            </a:avLst>
+          </a:prstGeom>
+          <a:ln w="28575">
+            <a:solidFill>
+              <a:srgbClr val="FF0000"/>
+            </a:solidFill>
+            <a:headEnd type="none" w="med" len="med"/>
+            <a:tailEnd type="triangle" w="med" len="med"/>
+          </a:ln>
+        </p:spPr>
+        <p:style>
+          <a:lnRef idx="1">
+            <a:schemeClr val="accent1"/>
+          </a:lnRef>
+          <a:fillRef idx="0">
+            <a:schemeClr val="accent1"/>
+          </a:fillRef>
+          <a:effectRef idx="0">
+            <a:schemeClr val="accent1"/>
+          </a:effectRef>
+          <a:fontRef idx="minor">
+            <a:schemeClr val="tx1"/>
+          </a:fontRef>
+        </p:style>
+        <p:txBody>
+          <a:bodyPr rtlCol="0" anchor="ctr"/>
+          <a:lstStyle/>
+          <a:p>
+            <a:pPr algn="ctr"/>
+            <a:endParaRPr kumimoji="1" lang="ja-JP" altLang="en-US"/>
+          </a:p>
+        </p:txBody>
+      </p:sp>
+    </p:spTree>
+    <p:extLst>
+      <p:ext uri="{BB962C8B-B14F-4D97-AF65-F5344CB8AC3E}">
+        <p14:creationId xmlns:p14="http://schemas.microsoft.com/office/powerpoint/2010/main" val="988520874"/>
+      </p:ext>
+    </p:extLst>
+  </p:cSld>
+  <p:clrMapOvr>
+    <a:masterClrMapping/>
+  </p:clrMapOvr>
+</p:sld>
+</file>
+
+<file path=ppt/slides/slide8.xml><?xml version="1.0" encoding="utf-8"?>
 <p:sld xmlns:a="http://schemas.openxmlformats.org/drawingml/2006/main" xmlns:r="http://schemas.openxmlformats.org/officeDocument/2006/relationships" xmlns:p="http://schemas.openxmlformats.org/presentationml/2006/main">
   <p:cSld>
     <p:spTree>
@@ -8547,7 +9812,7 @@
 </p:sld>
 </file>
 
-<file path=ppt/slides/slide8.xml><?xml version="1.0" encoding="utf-8"?>
+<file path=ppt/slides/slide9.xml><?xml version="1.0" encoding="utf-8"?>
 <p:sld xmlns:a="http://schemas.openxmlformats.org/drawingml/2006/main" xmlns:r="http://schemas.openxmlformats.org/officeDocument/2006/relationships" xmlns:p="http://schemas.openxmlformats.org/presentationml/2006/main">
   <p:cSld>
     <p:spTree>
@@ -8642,23 +9907,12 @@
               <a:buChar char="•"/>
             </a:pPr>
             <a:r>
-              <a:rPr kumimoji="1" lang="ja-JP" altLang="en-US" dirty="0"/>
+              <a:rPr kumimoji="1" lang="ja-JP" altLang="en-US"/>
               <a:t>タグ</a:t>
             </a:r>
             <a:r>
-              <a:rPr lang="ja-JP" altLang="en-US" dirty="0"/>
+              <a:rPr lang="ja-JP" altLang="en-US"/>
               <a:t>検索</a:t>
-            </a:r>
-            <a:endParaRPr lang="en-US" altLang="ja-JP" dirty="0"/>
-          </a:p>
-          <a:p>
-            <a:pPr marL="457200" indent="-457200">
-              <a:buFont typeface="Arial" panose="020B0604020202020204" pitchFamily="34" charset="0"/>
-              <a:buChar char="•"/>
-            </a:pPr>
-            <a:r>
-              <a:rPr kumimoji="1" lang="ja-JP" altLang="en-US" dirty="0"/>
-              <a:t>目的別検索</a:t>
             </a:r>
             <a:endParaRPr kumimoji="1" lang="en-US" altLang="ja-JP" dirty="0"/>
           </a:p>
@@ -8850,49 +10104,6 @@
                                   </p:childTnLst>
                                 </p:cTn>
                               </p:par>
-                              <p:par>
-                                <p:cTn id="11" presetID="10" presetClass="exit" presetSubtype="0" fill="hold" grpId="0" nodeType="withEffect">
-                                  <p:stCondLst>
-                                    <p:cond delay="0"/>
-                                  </p:stCondLst>
-                                  <p:childTnLst>
-                                    <p:animEffect transition="out" filter="fade">
-                                      <p:cBhvr>
-                                        <p:cTn id="12" dur="500"/>
-                                        <p:tgtEl>
-                                          <p:spTgt spid="3">
-                                            <p:txEl>
-                                              <p:pRg st="3" end="3"/>
-                                            </p:txEl>
-                                          </p:spTgt>
-                                        </p:tgtEl>
-                                      </p:cBhvr>
-                                    </p:animEffect>
-                                    <p:set>
-                                      <p:cBhvr>
-                                        <p:cTn id="13" dur="1" fill="hold">
-                                          <p:stCondLst>
-                                            <p:cond delay="499"/>
-                                          </p:stCondLst>
-                                        </p:cTn>
-                                        <p:tgtEl>
-                                          <p:spTgt spid="3">
-                                            <p:txEl>
-                                              <p:pRg st="3" end="3"/>
-                                            </p:txEl>
-                                          </p:spTgt>
-                                        </p:tgtEl>
-                                        <p:attrNameLst>
-                                          <p:attrName>style.visibility</p:attrName>
-                                        </p:attrNameLst>
-                                      </p:cBhvr>
-                                      <p:to>
-                                        <p:strVal val="hidden"/>
-                                      </p:to>
-                                    </p:set>
-                                  </p:childTnLst>
-                                </p:cTn>
-                              </p:par>
                             </p:childTnLst>
                           </p:cTn>
                         </p:par>
@@ -8924,246 +10135,6 @@
       <p:bldP spid="3" grpId="0" uiExpand="1" build="allAtOnce"/>
     </p:bldLst>
   </p:timing>
-</p:sld>
-</file>
-
-<file path=ppt/slides/slide9.xml><?xml version="1.0" encoding="utf-8"?>
-<p:sld xmlns:a="http://schemas.openxmlformats.org/drawingml/2006/main" xmlns:r="http://schemas.openxmlformats.org/officeDocument/2006/relationships" xmlns:p="http://schemas.openxmlformats.org/presentationml/2006/main">
-  <p:cSld>
-    <p:spTree>
-      <p:nvGrpSpPr>
-        <p:cNvPr id="1" name=""/>
-        <p:cNvGrpSpPr/>
-        <p:nvPr/>
-      </p:nvGrpSpPr>
-      <p:grpSpPr>
-        <a:xfrm>
-          <a:off x="0" y="0"/>
-          <a:ext cx="0" cy="0"/>
-          <a:chOff x="0" y="0"/>
-          <a:chExt cx="0" cy="0"/>
-        </a:xfrm>
-      </p:grpSpPr>
-      <p:sp>
-        <p:nvSpPr>
-          <p:cNvPr id="2" name="タイトル 1">
-            <a:extLst>
-              <a:ext uri="{FF2B5EF4-FFF2-40B4-BE49-F238E27FC236}">
-                <a16:creationId xmlns:a16="http://schemas.microsoft.com/office/drawing/2014/main" id="{162BB91B-3D5F-40D6-9780-4A263D504DF7}"/>
-              </a:ext>
-            </a:extLst>
-          </p:cNvPr>
-          <p:cNvSpPr>
-            <a:spLocks noGrp="1"/>
-          </p:cNvSpPr>
-          <p:nvPr>
-            <p:ph type="title"/>
-          </p:nvPr>
-        </p:nvSpPr>
-        <p:spPr>
-          <a:xfrm>
-            <a:off x="142420" y="5786891"/>
-            <a:ext cx="11211380" cy="1002846"/>
-          </a:xfrm>
-        </p:spPr>
-        <p:txBody>
-          <a:bodyPr/>
-          <a:lstStyle/>
-          <a:p>
-            <a:r>
-              <a:rPr kumimoji="1" lang="en-US" altLang="ja-JP" dirty="0"/>
-              <a:t>3. Challenges and Solutions</a:t>
-            </a:r>
-            <a:endParaRPr kumimoji="1" lang="ja-JP" altLang="en-US" dirty="0"/>
-          </a:p>
-        </p:txBody>
-      </p:sp>
-      <p:sp>
-        <p:nvSpPr>
-          <p:cNvPr id="3" name="テキスト プレースホルダー 2">
-            <a:extLst>
-              <a:ext uri="{FF2B5EF4-FFF2-40B4-BE49-F238E27FC236}">
-                <a16:creationId xmlns:a16="http://schemas.microsoft.com/office/drawing/2014/main" id="{3F1E7B7C-CCC0-400C-8A2D-D50BF4251EA6}"/>
-              </a:ext>
-            </a:extLst>
-          </p:cNvPr>
-          <p:cNvSpPr>
-            <a:spLocks noGrp="1"/>
-          </p:cNvSpPr>
-          <p:nvPr>
-            <p:ph type="body" idx="1"/>
-          </p:nvPr>
-        </p:nvSpPr>
-        <p:spPr>
-          <a:xfrm>
-            <a:off x="838200" y="1548719"/>
-            <a:ext cx="10515600" cy="4097338"/>
-          </a:xfrm>
-        </p:spPr>
-        <p:txBody>
-          <a:bodyPr>
-            <a:normAutofit/>
-          </a:bodyPr>
-          <a:lstStyle/>
-          <a:p>
-            <a:pPr marL="457200" indent="-457200">
-              <a:buFont typeface="Arial" panose="020B0604020202020204" pitchFamily="34" charset="0"/>
-              <a:buChar char="•"/>
-            </a:pPr>
-            <a:r>
-              <a:rPr kumimoji="1" lang="ja-JP" altLang="en-US"/>
-              <a:t>商品情報を楽天</a:t>
-            </a:r>
-            <a:r>
-              <a:rPr kumimoji="1" lang="en-US" altLang="ja-JP" dirty="0"/>
-              <a:t>API</a:t>
-            </a:r>
-            <a:r>
-              <a:rPr kumimoji="1" lang="ja-JP" altLang="en-US"/>
-              <a:t>から取得</a:t>
-            </a:r>
-            <a:endParaRPr lang="en-US" altLang="ja-JP" dirty="0"/>
-          </a:p>
-          <a:p>
-            <a:pPr marL="457200" indent="-457200">
-              <a:buFont typeface="Arial" panose="020B0604020202020204" pitchFamily="34" charset="0"/>
-              <a:buChar char="•"/>
-            </a:pPr>
-            <a:r>
-              <a:rPr lang="ja-JP" altLang="en-US" dirty="0"/>
-              <a:t>出品者が</a:t>
-            </a:r>
-            <a:r>
-              <a:rPr lang="ja-JP" altLang="en-US"/>
-              <a:t>異なるが商品は同じ場合，すべて</a:t>
-            </a:r>
-            <a:r>
-              <a:rPr lang="ja-JP" altLang="en-US" dirty="0"/>
-              <a:t>まとめて１件と</a:t>
-            </a:r>
-            <a:r>
-              <a:rPr lang="ja-JP" altLang="en-US"/>
-              <a:t>して表示</a:t>
-            </a:r>
-            <a:endParaRPr lang="en-US" altLang="ja-JP" dirty="0"/>
-          </a:p>
-          <a:p>
-            <a:pPr marL="457200" indent="-457200">
-              <a:buFont typeface="Arial" panose="020B0604020202020204" pitchFamily="34" charset="0"/>
-              <a:buChar char="•"/>
-            </a:pPr>
-            <a:r>
-              <a:rPr kumimoji="1" lang="ja-JP" altLang="en-US"/>
-              <a:t>検索</a:t>
-            </a:r>
-            <a:r>
-              <a:rPr kumimoji="1" lang="ja-JP" altLang="en-US" dirty="0"/>
-              <a:t>結果では、商品の概要と概算額</a:t>
-            </a:r>
-            <a:r>
-              <a:rPr kumimoji="1" lang="ja-JP" altLang="en-US"/>
-              <a:t>のみ表示</a:t>
-            </a:r>
-            <a:r>
-              <a:rPr lang="ja-JP" altLang="en-US"/>
-              <a:t>＆</a:t>
-            </a:r>
-            <a:r>
-              <a:rPr kumimoji="1" lang="ja-JP" altLang="en-US"/>
-              <a:t>詳細</a:t>
-            </a:r>
-            <a:r>
-              <a:rPr kumimoji="1" lang="ja-JP" altLang="en-US" dirty="0"/>
-              <a:t>は次のページで</a:t>
-            </a:r>
-            <a:endParaRPr kumimoji="1" lang="en-US" altLang="ja-JP" dirty="0"/>
-          </a:p>
-          <a:p>
-            <a:pPr marL="457200" indent="-457200">
-              <a:buFont typeface="Arial" panose="020B0604020202020204" pitchFamily="34" charset="0"/>
-              <a:buChar char="•"/>
-            </a:pPr>
-            <a:r>
-              <a:rPr lang="ja-JP" altLang="en-US" dirty="0"/>
-              <a:t>詳細ページでは</a:t>
-            </a:r>
-            <a:r>
-              <a:rPr lang="ja-JP" altLang="en-US"/>
-              <a:t>ショップごとに比較可能</a:t>
-            </a:r>
-            <a:endParaRPr kumimoji="1" lang="en-US" altLang="ja-JP" dirty="0"/>
-          </a:p>
-        </p:txBody>
-      </p:sp>
-      <p:sp>
-        <p:nvSpPr>
-          <p:cNvPr id="5" name="四角形: 角を丸くする 4">
-            <a:extLst>
-              <a:ext uri="{FF2B5EF4-FFF2-40B4-BE49-F238E27FC236}">
-                <a16:creationId xmlns:a16="http://schemas.microsoft.com/office/drawing/2014/main" id="{C007D137-227B-4352-9A52-4C5F8CE374DB}"/>
-              </a:ext>
-            </a:extLst>
-          </p:cNvPr>
-          <p:cNvSpPr/>
-          <p:nvPr/>
-        </p:nvSpPr>
-        <p:spPr>
-          <a:xfrm>
-            <a:off x="464457" y="420914"/>
-            <a:ext cx="6270171" cy="812800"/>
-          </a:xfrm>
-          <a:prstGeom prst="roundRect">
-            <a:avLst/>
-          </a:prstGeom>
-          <a:solidFill>
-            <a:srgbClr val="DC143C"/>
-          </a:solidFill>
-        </p:spPr>
-        <p:style>
-          <a:lnRef idx="2">
-            <a:schemeClr val="accent1">
-              <a:shade val="50000"/>
-            </a:schemeClr>
-          </a:lnRef>
-          <a:fillRef idx="1">
-            <a:schemeClr val="accent1"/>
-          </a:fillRef>
-          <a:effectRef idx="0">
-            <a:schemeClr val="accent1"/>
-          </a:effectRef>
-          <a:fontRef idx="minor">
-            <a:schemeClr val="lt1"/>
-          </a:fontRef>
-        </p:style>
-        <p:txBody>
-          <a:bodyPr rtlCol="0" anchor="ctr"/>
-          <a:lstStyle/>
-          <a:p>
-            <a:r>
-              <a:rPr lang="ja-JP" altLang="en-US" sz="3200" dirty="0">
-                <a:effectLst>
-                  <a:outerShdw blurRad="38100" dist="38100" dir="2700000" algn="tl">
-                    <a:srgbClr val="000000">
-                      <a:alpha val="43137"/>
-                    </a:srgbClr>
-                  </a:outerShdw>
-                </a:effectLst>
-              </a:rPr>
-              <a:t>同じ商品をまとめる機能の仕様</a:t>
-            </a:r>
-          </a:p>
-        </p:txBody>
-      </p:sp>
-    </p:spTree>
-    <p:extLst>
-      <p:ext uri="{BB962C8B-B14F-4D97-AF65-F5344CB8AC3E}">
-        <p14:creationId xmlns:p14="http://schemas.microsoft.com/office/powerpoint/2010/main" val="2750315736"/>
-      </p:ext>
-    </p:extLst>
-  </p:cSld>
-  <p:clrMapOvr>
-    <a:masterClrMapping/>
-  </p:clrMapOvr>
 </p:sld>
 </file>
 
@@ -9460,4 +10431,299 @@
     </a:ext>
   </a:extLst>
 </a:theme>
+</file>
+
+<file path=ppt/theme/theme2.xml><?xml version="1.0" encoding="utf-8"?>
+<a:theme xmlns:a="http://schemas.openxmlformats.org/drawingml/2006/main" name="Office テーマ">
+  <a:themeElements>
+    <a:clrScheme name="Office">
+      <a:dk1>
+        <a:sysClr val="windowText" lastClr="000000"/>
+      </a:dk1>
+      <a:lt1>
+        <a:sysClr val="window" lastClr="FFFFFF"/>
+      </a:lt1>
+      <a:dk2>
+        <a:srgbClr val="44546A"/>
+      </a:dk2>
+      <a:lt2>
+        <a:srgbClr val="E7E6E6"/>
+      </a:lt2>
+      <a:accent1>
+        <a:srgbClr val="4472C4"/>
+      </a:accent1>
+      <a:accent2>
+        <a:srgbClr val="ED7D31"/>
+      </a:accent2>
+      <a:accent3>
+        <a:srgbClr val="A5A5A5"/>
+      </a:accent3>
+      <a:accent4>
+        <a:srgbClr val="FFC000"/>
+      </a:accent4>
+      <a:accent5>
+        <a:srgbClr val="5B9BD5"/>
+      </a:accent5>
+      <a:accent6>
+        <a:srgbClr val="70AD47"/>
+      </a:accent6>
+      <a:hlink>
+        <a:srgbClr val="0563C1"/>
+      </a:hlink>
+      <a:folHlink>
+        <a:srgbClr val="954F72"/>
+      </a:folHlink>
+    </a:clrScheme>
+    <a:fontScheme name="Office">
+      <a:majorFont>
+        <a:latin typeface="游ゴシック Light" panose="020F0302020204030204"/>
+        <a:ea typeface=""/>
+        <a:cs typeface=""/>
+        <a:font script="Jpan" typeface="游ゴシック Light"/>
+        <a:font script="Hang" typeface="맑은 고딕"/>
+        <a:font script="Hans" typeface="等线 Light"/>
+        <a:font script="Hant" typeface="新細明體"/>
+        <a:font script="Arab" typeface="Times New Roman"/>
+        <a:font script="Hebr" typeface="Times New Roman"/>
+        <a:font script="Thai" typeface="Angsana New"/>
+        <a:font script="Ethi" typeface="Nyala"/>
+        <a:font script="Beng" typeface="Vrinda"/>
+        <a:font script="Gujr" typeface="Shruti"/>
+        <a:font script="Khmr" typeface="MoolBoran"/>
+        <a:font script="Knda" typeface="Tunga"/>
+        <a:font script="Guru" typeface="Raavi"/>
+        <a:font script="Cans" typeface="Euphemia"/>
+        <a:font script="Cher" typeface="Plantagenet Cherokee"/>
+        <a:font script="Yiii" typeface="Microsoft Yi Baiti"/>
+        <a:font script="Tibt" typeface="Microsoft Himalaya"/>
+        <a:font script="Thaa" typeface="MV Boli"/>
+        <a:font script="Deva" typeface="Mangal"/>
+        <a:font script="Telu" typeface="Gautami"/>
+        <a:font script="Taml" typeface="Latha"/>
+        <a:font script="Syrc" typeface="Estrangelo Edessa"/>
+        <a:font script="Orya" typeface="Kalinga"/>
+        <a:font script="Mlym" typeface="Kartika"/>
+        <a:font script="Laoo" typeface="DokChampa"/>
+        <a:font script="Sinh" typeface="Iskoola Pota"/>
+        <a:font script="Mong" typeface="Mongolian Baiti"/>
+        <a:font script="Viet" typeface="Times New Roman"/>
+        <a:font script="Uigh" typeface="Microsoft Uighur"/>
+        <a:font script="Geor" typeface="Sylfaen"/>
+        <a:font script="Armn" typeface="Arial"/>
+        <a:font script="Bugi" typeface="Leelawadee UI"/>
+        <a:font script="Bopo" typeface="Microsoft JhengHei"/>
+        <a:font script="Java" typeface="Javanese Text"/>
+        <a:font script="Lisu" typeface="Segoe UI"/>
+        <a:font script="Mymr" typeface="Myanmar Text"/>
+        <a:font script="Nkoo" typeface="Ebrima"/>
+        <a:font script="Olck" typeface="Nirmala UI"/>
+        <a:font script="Osma" typeface="Ebrima"/>
+        <a:font script="Phag" typeface="Phagspa"/>
+        <a:font script="Syrn" typeface="Estrangelo Edessa"/>
+        <a:font script="Syrj" typeface="Estrangelo Edessa"/>
+        <a:font script="Syre" typeface="Estrangelo Edessa"/>
+        <a:font script="Sora" typeface="Nirmala UI"/>
+        <a:font script="Tale" typeface="Microsoft Tai Le"/>
+        <a:font script="Talu" typeface="Microsoft New Tai Lue"/>
+        <a:font script="Tfng" typeface="Ebrima"/>
+      </a:majorFont>
+      <a:minorFont>
+        <a:latin typeface="游ゴシック" panose="020F0502020204030204"/>
+        <a:ea typeface=""/>
+        <a:cs typeface=""/>
+        <a:font script="Jpan" typeface="游ゴシック"/>
+        <a:font script="Hang" typeface="맑은 고딕"/>
+        <a:font script="Hans" typeface="等线"/>
+        <a:font script="Hant" typeface="新細明體"/>
+        <a:font script="Arab" typeface="Arial"/>
+        <a:font script="Hebr" typeface="Arial"/>
+        <a:font script="Thai" typeface="Cordia New"/>
+        <a:font script="Ethi" typeface="Nyala"/>
+        <a:font script="Beng" typeface="Vrinda"/>
+        <a:font script="Gujr" typeface="Shruti"/>
+        <a:font script="Khmr" typeface="DaunPenh"/>
+        <a:font script="Knda" typeface="Tunga"/>
+        <a:font script="Guru" typeface="Raavi"/>
+        <a:font script="Cans" typeface="Euphemia"/>
+        <a:font script="Cher" typeface="Plantagenet Cherokee"/>
+        <a:font script="Yiii" typeface="Microsoft Yi Baiti"/>
+        <a:font script="Tibt" typeface="Microsoft Himalaya"/>
+        <a:font script="Thaa" typeface="MV Boli"/>
+        <a:font script="Deva" typeface="Mangal"/>
+        <a:font script="Telu" typeface="Gautami"/>
+        <a:font script="Taml" typeface="Latha"/>
+        <a:font script="Syrc" typeface="Estrangelo Edessa"/>
+        <a:font script="Orya" typeface="Kalinga"/>
+        <a:font script="Mlym" typeface="Kartika"/>
+        <a:font script="Laoo" typeface="DokChampa"/>
+        <a:font script="Sinh" typeface="Iskoola Pota"/>
+        <a:font script="Mong" typeface="Mongolian Baiti"/>
+        <a:font script="Viet" typeface="Arial"/>
+        <a:font script="Uigh" typeface="Microsoft Uighur"/>
+        <a:font script="Geor" typeface="Sylfaen"/>
+        <a:font script="Armn" typeface="Arial"/>
+        <a:font script="Bugi" typeface="Leelawadee UI"/>
+        <a:font script="Bopo" typeface="Microsoft JhengHei"/>
+        <a:font script="Java" typeface="Javanese Text"/>
+        <a:font script="Lisu" typeface="Segoe UI"/>
+        <a:font script="Mymr" typeface="Myanmar Text"/>
+        <a:font script="Nkoo" typeface="Ebrima"/>
+        <a:font script="Olck" typeface="Nirmala UI"/>
+        <a:font script="Osma" typeface="Ebrima"/>
+        <a:font script="Phag" typeface="Phagspa"/>
+        <a:font script="Syrn" typeface="Estrangelo Edessa"/>
+        <a:font script="Syrj" typeface="Estrangelo Edessa"/>
+        <a:font script="Syre" typeface="Estrangelo Edessa"/>
+        <a:font script="Sora" typeface="Nirmala UI"/>
+        <a:font script="Tale" typeface="Microsoft Tai Le"/>
+        <a:font script="Talu" typeface="Microsoft New Tai Lue"/>
+        <a:font script="Tfng" typeface="Ebrima"/>
+      </a:minorFont>
+    </a:fontScheme>
+    <a:fmtScheme name="Office">
+      <a:fillStyleLst>
+        <a:solidFill>
+          <a:schemeClr val="phClr"/>
+        </a:solidFill>
+        <a:gradFill rotWithShape="1">
+          <a:gsLst>
+            <a:gs pos="0">
+              <a:schemeClr val="phClr">
+                <a:lumMod val="110000"/>
+                <a:satMod val="105000"/>
+                <a:tint val="67000"/>
+              </a:schemeClr>
+            </a:gs>
+            <a:gs pos="50000">
+              <a:schemeClr val="phClr">
+                <a:lumMod val="105000"/>
+                <a:satMod val="103000"/>
+                <a:tint val="73000"/>
+              </a:schemeClr>
+            </a:gs>
+            <a:gs pos="100000">
+              <a:schemeClr val="phClr">
+                <a:lumMod val="105000"/>
+                <a:satMod val="109000"/>
+                <a:tint val="81000"/>
+              </a:schemeClr>
+            </a:gs>
+          </a:gsLst>
+          <a:lin ang="5400000" scaled="0"/>
+        </a:gradFill>
+        <a:gradFill rotWithShape="1">
+          <a:gsLst>
+            <a:gs pos="0">
+              <a:schemeClr val="phClr">
+                <a:satMod val="103000"/>
+                <a:lumMod val="102000"/>
+                <a:tint val="94000"/>
+              </a:schemeClr>
+            </a:gs>
+            <a:gs pos="50000">
+              <a:schemeClr val="phClr">
+                <a:satMod val="110000"/>
+                <a:lumMod val="100000"/>
+                <a:shade val="100000"/>
+              </a:schemeClr>
+            </a:gs>
+            <a:gs pos="100000">
+              <a:schemeClr val="phClr">
+                <a:lumMod val="99000"/>
+                <a:satMod val="120000"/>
+                <a:shade val="78000"/>
+              </a:schemeClr>
+            </a:gs>
+          </a:gsLst>
+          <a:lin ang="5400000" scaled="0"/>
+        </a:gradFill>
+      </a:fillStyleLst>
+      <a:lnStyleLst>
+        <a:ln w="6350" cap="flat" cmpd="sng" algn="ctr">
+          <a:solidFill>
+            <a:schemeClr val="phClr"/>
+          </a:solidFill>
+          <a:prstDash val="solid"/>
+          <a:miter lim="800000"/>
+        </a:ln>
+        <a:ln w="12700" cap="flat" cmpd="sng" algn="ctr">
+          <a:solidFill>
+            <a:schemeClr val="phClr"/>
+          </a:solidFill>
+          <a:prstDash val="solid"/>
+          <a:miter lim="800000"/>
+        </a:ln>
+        <a:ln w="19050" cap="flat" cmpd="sng" algn="ctr">
+          <a:solidFill>
+            <a:schemeClr val="phClr"/>
+          </a:solidFill>
+          <a:prstDash val="solid"/>
+          <a:miter lim="800000"/>
+        </a:ln>
+      </a:lnStyleLst>
+      <a:effectStyleLst>
+        <a:effectStyle>
+          <a:effectLst/>
+        </a:effectStyle>
+        <a:effectStyle>
+          <a:effectLst/>
+        </a:effectStyle>
+        <a:effectStyle>
+          <a:effectLst>
+            <a:outerShdw blurRad="57150" dist="19050" dir="5400000" algn="ctr" rotWithShape="0">
+              <a:srgbClr val="000000">
+                <a:alpha val="63000"/>
+              </a:srgbClr>
+            </a:outerShdw>
+          </a:effectLst>
+        </a:effectStyle>
+      </a:effectStyleLst>
+      <a:bgFillStyleLst>
+        <a:solidFill>
+          <a:schemeClr val="phClr"/>
+        </a:solidFill>
+        <a:solidFill>
+          <a:schemeClr val="phClr">
+            <a:tint val="95000"/>
+            <a:satMod val="170000"/>
+          </a:schemeClr>
+        </a:solidFill>
+        <a:gradFill rotWithShape="1">
+          <a:gsLst>
+            <a:gs pos="0">
+              <a:schemeClr val="phClr">
+                <a:tint val="93000"/>
+                <a:satMod val="150000"/>
+                <a:shade val="98000"/>
+                <a:lumMod val="102000"/>
+              </a:schemeClr>
+            </a:gs>
+            <a:gs pos="50000">
+              <a:schemeClr val="phClr">
+                <a:tint val="98000"/>
+                <a:satMod val="130000"/>
+                <a:shade val="90000"/>
+                <a:lumMod val="103000"/>
+              </a:schemeClr>
+            </a:gs>
+            <a:gs pos="100000">
+              <a:schemeClr val="phClr">
+                <a:shade val="63000"/>
+                <a:satMod val="120000"/>
+              </a:schemeClr>
+            </a:gs>
+          </a:gsLst>
+          <a:lin ang="5400000" scaled="0"/>
+        </a:gradFill>
+      </a:bgFillStyleLst>
+    </a:fmtScheme>
+  </a:themeElements>
+  <a:objectDefaults/>
+  <a:extraClrSchemeLst/>
+  <a:extLst>
+    <a:ext uri="{05A4C25C-085E-4340-85A3-A5531E510DB2}">
+      <thm15:themeFamily xmlns:thm15="http://schemas.microsoft.com/office/thememl/2012/main" name="Office Theme" id="{62F939B6-93AF-4DB8-9C6B-D6C7DFDC589F}" vid="{4A3C46E8-61CC-4603-A589-7422A47A8E4A}"/>
+    </a:ext>
+  </a:extLst>
+</a:theme>
 </file>
--- a/presentation/Presentation.pptx
+++ b/presentation/Presentation.pptx
@@ -6039,58 +6039,6 @@
       </p:sp>
       <p:sp>
         <p:nvSpPr>
-          <p:cNvPr id="3" name="テキスト プレースホルダー 2">
-            <a:extLst>
-              <a:ext uri="{FF2B5EF4-FFF2-40B4-BE49-F238E27FC236}">
-                <a16:creationId xmlns:a16="http://schemas.microsoft.com/office/drawing/2014/main" id="{3F1E7B7C-CCC0-400C-8A2D-D50BF4251EA6}"/>
-              </a:ext>
-            </a:extLst>
-          </p:cNvPr>
-          <p:cNvSpPr>
-            <a:spLocks noGrp="1"/>
-          </p:cNvSpPr>
-          <p:nvPr>
-            <p:ph type="body" idx="1"/>
-          </p:nvPr>
-        </p:nvSpPr>
-        <p:spPr>
-          <a:xfrm>
-            <a:off x="838200" y="1548719"/>
-            <a:ext cx="10515600" cy="812800"/>
-          </a:xfrm>
-        </p:spPr>
-        <p:txBody>
-          <a:bodyPr>
-            <a:normAutofit/>
-          </a:bodyPr>
-          <a:lstStyle/>
-          <a:p>
-            <a:pPr marL="457200" indent="-457200">
-              <a:buFont typeface="Arial" panose="020B0604020202020204" pitchFamily="34" charset="0"/>
-              <a:buChar char="•"/>
-            </a:pPr>
-            <a:r>
-              <a:rPr lang="ja-JP" altLang="en-US" dirty="0"/>
-              <a:t>詳細</a:t>
-            </a:r>
-            <a:r>
-              <a:rPr lang="ja-JP" altLang="en-US"/>
-              <a:t>ページでショップ</a:t>
-            </a:r>
-            <a:r>
-              <a:rPr lang="ja-JP" altLang="en-US" dirty="0"/>
-              <a:t>ごと</a:t>
-            </a:r>
-            <a:r>
-              <a:rPr lang="ja-JP" altLang="en-US"/>
-              <a:t>の比較可能</a:t>
-            </a:r>
-            <a:endParaRPr kumimoji="1" lang="en-US" altLang="ja-JP" dirty="0"/>
-          </a:p>
-        </p:txBody>
-      </p:sp>
-      <p:sp>
-        <p:nvSpPr>
           <p:cNvPr id="5" name="四角形: 角を丸くする 4">
             <a:extLst>
               <a:ext uri="{FF2B5EF4-FFF2-40B4-BE49-F238E27FC236}">
@@ -6148,255 +6096,319 @@
           </a:p>
         </p:txBody>
       </p:sp>
-      <p:sp>
-        <p:nvSpPr>
-          <p:cNvPr id="6" name="正方形/長方形 5">
-            <a:extLst>
-              <a:ext uri="{FF2B5EF4-FFF2-40B4-BE49-F238E27FC236}">
-                <a16:creationId xmlns:a16="http://schemas.microsoft.com/office/drawing/2014/main" id="{C4AE471A-49E2-4E82-ABFA-CCD02D851D8D}"/>
-              </a:ext>
-            </a:extLst>
-          </p:cNvPr>
-          <p:cNvSpPr/>
+      <p:grpSp>
+        <p:nvGrpSpPr>
+          <p:cNvPr id="16" name="グループ化 15">
+            <a:extLst>
+              <a:ext uri="{FF2B5EF4-FFF2-40B4-BE49-F238E27FC236}">
+                <a16:creationId xmlns:a16="http://schemas.microsoft.com/office/drawing/2014/main" id="{0FEDEE4B-76B8-F04E-A419-EDDD59234143}"/>
+              </a:ext>
+            </a:extLst>
+          </p:cNvPr>
+          <p:cNvGrpSpPr/>
           <p:nvPr/>
-        </p:nvSpPr>
-        <p:spPr>
+        </p:nvGrpSpPr>
+        <p:grpSpPr>
           <a:xfrm>
-            <a:off x="4486728" y="2165576"/>
+            <a:off x="4439432" y="2103832"/>
             <a:ext cx="3409043" cy="3487738"/>
+            <a:chOff x="4486728" y="2165576"/>
+            <a:chExt cx="3409043" cy="3487738"/>
           </a:xfrm>
-          <a:prstGeom prst="rect">
-            <a:avLst/>
-          </a:prstGeom>
-          <a:solidFill>
-            <a:srgbClr val="DC143C"/>
-          </a:solidFill>
-        </p:spPr>
-        <p:style>
-          <a:lnRef idx="2">
-            <a:schemeClr val="accent1">
-              <a:shade val="50000"/>
-            </a:schemeClr>
-          </a:lnRef>
-          <a:fillRef idx="1">
-            <a:schemeClr val="accent1"/>
-          </a:fillRef>
-          <a:effectRef idx="0">
-            <a:schemeClr val="accent1"/>
-          </a:effectRef>
-          <a:fontRef idx="minor">
-            <a:schemeClr val="lt1"/>
-          </a:fontRef>
-        </p:style>
-        <p:txBody>
-          <a:bodyPr rtlCol="0" anchor="ctr"/>
-          <a:lstStyle/>
-          <a:p>
-            <a:pPr algn="ctr"/>
-            <a:endParaRPr kumimoji="1" lang="ja-JP" altLang="en-US"/>
-          </a:p>
-        </p:txBody>
-      </p:sp>
-      <p:pic>
-        <p:nvPicPr>
-          <p:cNvPr id="7" name="グラフィックス 6" descr="靴">
-            <a:extLst>
-              <a:ext uri="{FF2B5EF4-FFF2-40B4-BE49-F238E27FC236}">
-                <a16:creationId xmlns:a16="http://schemas.microsoft.com/office/drawing/2014/main" id="{561055A1-0859-484B-8C86-03EC182E777A}"/>
-              </a:ext>
-            </a:extLst>
-          </p:cNvPr>
-          <p:cNvPicPr>
-            <a:picLocks noChangeAspect="1"/>
-          </p:cNvPicPr>
-          <p:nvPr/>
-        </p:nvPicPr>
-        <p:blipFill>
-          <a:blip r:embed="rId2">
-            <a:extLst>
-              <a:ext uri="{28A0092B-C50C-407E-A947-70E740481C1C}">
-                <a14:useLocalDpi xmlns:a14="http://schemas.microsoft.com/office/drawing/2010/main" val="0"/>
-              </a:ext>
-              <a:ext uri="{96DAC541-7B7A-43D3-8B79-37D633B846F1}">
-                <asvg:svgBlip xmlns:asvg="http://schemas.microsoft.com/office/drawing/2016/SVG/main" r:embed="rId3"/>
-              </a:ext>
-            </a:extLst>
-          </a:blip>
-          <a:stretch>
-            <a:fillRect/>
-          </a:stretch>
-        </p:blipFill>
-        <p:spPr>
-          <a:xfrm>
-            <a:off x="4827813" y="2788751"/>
-            <a:ext cx="914400" cy="914400"/>
-          </a:xfrm>
-          <a:prstGeom prst="rect">
-            <a:avLst/>
-          </a:prstGeom>
-        </p:spPr>
-      </p:pic>
-      <p:sp>
-        <p:nvSpPr>
-          <p:cNvPr id="8" name="正方形/長方形 7">
-            <a:extLst>
-              <a:ext uri="{FF2B5EF4-FFF2-40B4-BE49-F238E27FC236}">
-                <a16:creationId xmlns:a16="http://schemas.microsoft.com/office/drawing/2014/main" id="{73C27828-A4C7-470C-BD91-803E87B48407}"/>
-              </a:ext>
-            </a:extLst>
-          </p:cNvPr>
-          <p:cNvSpPr/>
-          <p:nvPr/>
-        </p:nvSpPr>
-        <p:spPr>
-          <a:xfrm>
-            <a:off x="4635498" y="2700588"/>
-            <a:ext cx="1299029" cy="1090726"/>
-          </a:xfrm>
-          <a:prstGeom prst="rect">
-            <a:avLst/>
-          </a:prstGeom>
-          <a:noFill/>
-          <a:ln>
+        </p:grpSpPr>
+        <p:sp>
+          <p:nvSpPr>
+            <p:cNvPr id="6" name="正方形/長方形 5">
+              <a:extLst>
+                <a:ext uri="{FF2B5EF4-FFF2-40B4-BE49-F238E27FC236}">
+                  <a16:creationId xmlns:a16="http://schemas.microsoft.com/office/drawing/2014/main" id="{C4AE471A-49E2-4E82-ABFA-CCD02D851D8D}"/>
+                </a:ext>
+              </a:extLst>
+            </p:cNvPr>
+            <p:cNvSpPr/>
+            <p:nvPr/>
+          </p:nvSpPr>
+          <p:spPr>
+            <a:xfrm>
+              <a:off x="4486728" y="2165576"/>
+              <a:ext cx="3409043" cy="3487738"/>
+            </a:xfrm>
+            <a:prstGeom prst="rect">
+              <a:avLst/>
+            </a:prstGeom>
             <a:solidFill>
-              <a:schemeClr val="bg1"/>
+              <a:srgbClr val="DC143C"/>
             </a:solidFill>
-          </a:ln>
-        </p:spPr>
-        <p:style>
-          <a:lnRef idx="2">
-            <a:schemeClr val="accent1">
-              <a:shade val="50000"/>
-            </a:schemeClr>
-          </a:lnRef>
-          <a:fillRef idx="1">
-            <a:schemeClr val="accent1"/>
-          </a:fillRef>
-          <a:effectRef idx="0">
-            <a:schemeClr val="accent1"/>
-          </a:effectRef>
-          <a:fontRef idx="minor">
-            <a:schemeClr val="lt1"/>
-          </a:fontRef>
-        </p:style>
-        <p:txBody>
-          <a:bodyPr rtlCol="0" anchor="ctr"/>
-          <a:lstStyle/>
-          <a:p>
-            <a:pPr algn="ctr"/>
-            <a:endParaRPr kumimoji="1" lang="ja-JP" altLang="en-US"/>
-          </a:p>
-        </p:txBody>
-      </p:sp>
-      <p:sp>
-        <p:nvSpPr>
-          <p:cNvPr id="9" name="テキスト ボックス 8">
-            <a:extLst>
-              <a:ext uri="{FF2B5EF4-FFF2-40B4-BE49-F238E27FC236}">
-                <a16:creationId xmlns:a16="http://schemas.microsoft.com/office/drawing/2014/main" id="{7A3CCCFE-9C16-40D5-A2FE-727E12FDAB22}"/>
-              </a:ext>
-            </a:extLst>
-          </p:cNvPr>
-          <p:cNvSpPr txBox="1"/>
-          <p:nvPr/>
-        </p:nvSpPr>
-        <p:spPr>
-          <a:xfrm>
-            <a:off x="6007099" y="2567011"/>
-            <a:ext cx="1770742" cy="1323439"/>
-          </a:xfrm>
-          <a:prstGeom prst="rect">
-            <a:avLst/>
-          </a:prstGeom>
-          <a:noFill/>
-        </p:spPr>
-        <p:txBody>
-          <a:bodyPr wrap="square" rtlCol="0">
-            <a:spAutoFit/>
-          </a:bodyPr>
-          <a:lstStyle/>
-          <a:p>
-            <a:r>
-              <a:rPr kumimoji="1" lang="en-US" altLang="ja-JP" sz="2000" dirty="0">
+          </p:spPr>
+          <p:style>
+            <a:lnRef idx="2">
+              <a:schemeClr val="accent1">
+                <a:shade val="50000"/>
+              </a:schemeClr>
+            </a:lnRef>
+            <a:fillRef idx="1">
+              <a:schemeClr val="accent1"/>
+            </a:fillRef>
+            <a:effectRef idx="0">
+              <a:schemeClr val="accent1"/>
+            </a:effectRef>
+            <a:fontRef idx="minor">
+              <a:schemeClr val="lt1"/>
+            </a:fontRef>
+          </p:style>
+          <p:txBody>
+            <a:bodyPr rtlCol="0" anchor="ctr"/>
+            <a:lstStyle/>
+            <a:p>
+              <a:pPr algn="ctr"/>
+              <a:endParaRPr kumimoji="1" lang="ja-JP" altLang="en-US"/>
+            </a:p>
+          </p:txBody>
+        </p:sp>
+        <p:pic>
+          <p:nvPicPr>
+            <p:cNvPr id="7" name="グラフィックス 6" descr="靴">
+              <a:extLst>
+                <a:ext uri="{FF2B5EF4-FFF2-40B4-BE49-F238E27FC236}">
+                  <a16:creationId xmlns:a16="http://schemas.microsoft.com/office/drawing/2014/main" id="{561055A1-0859-484B-8C86-03EC182E777A}"/>
+                </a:ext>
+              </a:extLst>
+            </p:cNvPr>
+            <p:cNvPicPr>
+              <a:picLocks noChangeAspect="1"/>
+            </p:cNvPicPr>
+            <p:nvPr/>
+          </p:nvPicPr>
+          <p:blipFill>
+            <a:blip r:embed="rId2">
+              <a:extLst>
+                <a:ext uri="{28A0092B-C50C-407E-A947-70E740481C1C}">
+                  <a14:useLocalDpi xmlns:a14="http://schemas.microsoft.com/office/drawing/2010/main" val="0"/>
+                </a:ext>
+                <a:ext uri="{96DAC541-7B7A-43D3-8B79-37D633B846F1}">
+                  <asvg:svgBlip xmlns:asvg="http://schemas.microsoft.com/office/drawing/2016/SVG/main" r:embed="rId3"/>
+                </a:ext>
+              </a:extLst>
+            </a:blip>
+            <a:stretch>
+              <a:fillRect/>
+            </a:stretch>
+          </p:blipFill>
+          <p:spPr>
+            <a:xfrm>
+              <a:off x="4827813" y="2788751"/>
+              <a:ext cx="914400" cy="914400"/>
+            </a:xfrm>
+            <a:prstGeom prst="rect">
+              <a:avLst/>
+            </a:prstGeom>
+          </p:spPr>
+        </p:pic>
+        <p:sp>
+          <p:nvSpPr>
+            <p:cNvPr id="8" name="正方形/長方形 7">
+              <a:extLst>
+                <a:ext uri="{FF2B5EF4-FFF2-40B4-BE49-F238E27FC236}">
+                  <a16:creationId xmlns:a16="http://schemas.microsoft.com/office/drawing/2014/main" id="{73C27828-A4C7-470C-BD91-803E87B48407}"/>
+                </a:ext>
+              </a:extLst>
+            </p:cNvPr>
+            <p:cNvSpPr/>
+            <p:nvPr/>
+          </p:nvSpPr>
+          <p:spPr>
+            <a:xfrm>
+              <a:off x="4635498" y="2700588"/>
+              <a:ext cx="1299029" cy="1090726"/>
+            </a:xfrm>
+            <a:prstGeom prst="rect">
+              <a:avLst/>
+            </a:prstGeom>
+            <a:noFill/>
+            <a:ln>
+              <a:solidFill>
+                <a:schemeClr val="bg1"/>
+              </a:solidFill>
+            </a:ln>
+          </p:spPr>
+          <p:style>
+            <a:lnRef idx="2">
+              <a:schemeClr val="accent1">
+                <a:shade val="50000"/>
+              </a:schemeClr>
+            </a:lnRef>
+            <a:fillRef idx="1">
+              <a:schemeClr val="accent1"/>
+            </a:fillRef>
+            <a:effectRef idx="0">
+              <a:schemeClr val="accent1"/>
+            </a:effectRef>
+            <a:fontRef idx="minor">
+              <a:schemeClr val="lt1"/>
+            </a:fontRef>
+          </p:style>
+          <p:txBody>
+            <a:bodyPr rtlCol="0" anchor="ctr"/>
+            <a:lstStyle/>
+            <a:p>
+              <a:pPr algn="ctr"/>
+              <a:endParaRPr kumimoji="1" lang="ja-JP" altLang="en-US"/>
+            </a:p>
+          </p:txBody>
+        </p:sp>
+        <p:sp>
+          <p:nvSpPr>
+            <p:cNvPr id="9" name="テキスト ボックス 8">
+              <a:extLst>
+                <a:ext uri="{FF2B5EF4-FFF2-40B4-BE49-F238E27FC236}">
+                  <a16:creationId xmlns:a16="http://schemas.microsoft.com/office/drawing/2014/main" id="{7A3CCCFE-9C16-40D5-A2FE-727E12FDAB22}"/>
+                </a:ext>
+              </a:extLst>
+            </p:cNvPr>
+            <p:cNvSpPr txBox="1"/>
+            <p:nvPr/>
+          </p:nvSpPr>
+          <p:spPr>
+            <a:xfrm>
+              <a:off x="6007099" y="2567011"/>
+              <a:ext cx="1770742" cy="1323439"/>
+            </a:xfrm>
+            <a:prstGeom prst="rect">
+              <a:avLst/>
+            </a:prstGeom>
+            <a:noFill/>
+          </p:spPr>
+          <p:txBody>
+            <a:bodyPr wrap="square" rtlCol="0">
+              <a:spAutoFit/>
+            </a:bodyPr>
+            <a:lstStyle/>
+            <a:p>
+              <a:r>
+                <a:rPr kumimoji="1" lang="en-US" altLang="ja-JP" sz="2000" dirty="0">
+                  <a:solidFill>
+                    <a:schemeClr val="bg1"/>
+                  </a:solidFill>
+                </a:rPr>
+                <a:t>Shoes A</a:t>
+              </a:r>
+              <a:endParaRPr lang="en-US" altLang="ja-JP" sz="2000" dirty="0">
                 <a:solidFill>
                   <a:schemeClr val="bg1"/>
                 </a:solidFill>
-              </a:rPr>
-              <a:t>Shoes A</a:t>
-            </a:r>
-            <a:endParaRPr lang="en-US" altLang="ja-JP" sz="2000" dirty="0">
-              <a:solidFill>
-                <a:schemeClr val="bg1"/>
-              </a:solidFill>
-            </a:endParaRPr>
-          </a:p>
-          <a:p>
-            <a:r>
-              <a:rPr kumimoji="1" lang="en-US" altLang="ja-JP" sz="2000" dirty="0">
+              </a:endParaRPr>
+            </a:p>
+            <a:p>
+              <a:r>
+                <a:rPr kumimoji="1" lang="en-US" altLang="ja-JP" sz="2000" dirty="0">
+                  <a:solidFill>
+                    <a:schemeClr val="bg1"/>
+                  </a:solidFill>
+                </a:rPr>
+                <a:t>$30 - $40</a:t>
+              </a:r>
+            </a:p>
+            <a:p>
+              <a:r>
+                <a:rPr kumimoji="1" lang="en-US" altLang="ja-JP" sz="2000" dirty="0">
+                  <a:solidFill>
+                    <a:schemeClr val="bg1"/>
+                  </a:solidFill>
+                </a:rPr>
+                <a:t>White</a:t>
+              </a:r>
+            </a:p>
+            <a:p>
+              <a:r>
+                <a:rPr lang="en-US" altLang="ja-JP" sz="2000" dirty="0">
+                  <a:solidFill>
+                    <a:schemeClr val="bg1"/>
+                  </a:solidFill>
+                </a:rPr>
+                <a:t>24.0 – 28.0</a:t>
+              </a:r>
+              <a:endParaRPr kumimoji="1" lang="en-US" altLang="ja-JP" sz="2000" dirty="0">
                 <a:solidFill>
                   <a:schemeClr val="bg1"/>
                 </a:solidFill>
-              </a:rPr>
-              <a:t>$30 - $40</a:t>
-            </a:r>
-          </a:p>
-          <a:p>
-            <a:r>
-              <a:rPr kumimoji="1" lang="en-US" altLang="ja-JP" sz="2000" dirty="0">
-                <a:solidFill>
-                  <a:schemeClr val="bg1"/>
-                </a:solidFill>
-              </a:rPr>
-              <a:t>White</a:t>
-            </a:r>
-          </a:p>
-          <a:p>
-            <a:r>
-              <a:rPr lang="en-US" altLang="ja-JP" sz="2000" dirty="0">
-                <a:solidFill>
-                  <a:schemeClr val="bg1"/>
-                </a:solidFill>
-              </a:rPr>
-              <a:t>24.0 – 28.0</a:t>
-            </a:r>
-            <a:endParaRPr kumimoji="1" lang="en-US" altLang="ja-JP" sz="2000" dirty="0">
-              <a:solidFill>
-                <a:schemeClr val="bg1"/>
-              </a:solidFill>
-            </a:endParaRPr>
-          </a:p>
-        </p:txBody>
-      </p:sp>
-      <p:sp>
-        <p:nvSpPr>
-          <p:cNvPr id="10" name="テキスト ボックス 9">
-            <a:extLst>
-              <a:ext uri="{FF2B5EF4-FFF2-40B4-BE49-F238E27FC236}">
-                <a16:creationId xmlns:a16="http://schemas.microsoft.com/office/drawing/2014/main" id="{575BD086-C3FE-4C7A-9FD2-618C570393E0}"/>
-              </a:ext>
-            </a:extLst>
-          </p:cNvPr>
-          <p:cNvSpPr txBox="1"/>
-          <p:nvPr/>
-        </p:nvSpPr>
-        <p:spPr>
-          <a:xfrm>
-            <a:off x="4530272" y="2197679"/>
-            <a:ext cx="3233057" cy="369332"/>
-          </a:xfrm>
-          <a:prstGeom prst="rect">
-            <a:avLst/>
-          </a:prstGeom>
-          <a:noFill/>
-        </p:spPr>
-        <p:txBody>
-          <a:bodyPr wrap="square" rtlCol="0">
-            <a:spAutoFit/>
-          </a:bodyPr>
-          <a:lstStyle/>
-          <a:p>
-            <a:r>
-              <a:rPr kumimoji="1" lang="en-US" altLang="ja-JP" b="1" dirty="0">
+              </a:endParaRPr>
+            </a:p>
+          </p:txBody>
+        </p:sp>
+        <p:sp>
+          <p:nvSpPr>
+            <p:cNvPr id="10" name="テキスト ボックス 9">
+              <a:extLst>
+                <a:ext uri="{FF2B5EF4-FFF2-40B4-BE49-F238E27FC236}">
+                  <a16:creationId xmlns:a16="http://schemas.microsoft.com/office/drawing/2014/main" id="{575BD086-C3FE-4C7A-9FD2-618C570393E0}"/>
+                </a:ext>
+              </a:extLst>
+            </p:cNvPr>
+            <p:cNvSpPr txBox="1"/>
+            <p:nvPr/>
+          </p:nvSpPr>
+          <p:spPr>
+            <a:xfrm>
+              <a:off x="4530272" y="2197679"/>
+              <a:ext cx="3233057" cy="369332"/>
+            </a:xfrm>
+            <a:prstGeom prst="rect">
+              <a:avLst/>
+            </a:prstGeom>
+            <a:noFill/>
+          </p:spPr>
+          <p:txBody>
+            <a:bodyPr wrap="square" rtlCol="0">
+              <a:spAutoFit/>
+            </a:bodyPr>
+            <a:lstStyle/>
+            <a:p>
+              <a:r>
+                <a:rPr kumimoji="1" lang="en-US" altLang="ja-JP" b="1" dirty="0">
+                  <a:solidFill>
+                    <a:schemeClr val="bg1"/>
+                  </a:solidFill>
+                  <a:effectLst>
+                    <a:outerShdw blurRad="38100" dist="38100" dir="2700000" algn="tl">
+                      <a:srgbClr val="000000">
+                        <a:alpha val="43137"/>
+                      </a:srgbClr>
+                    </a:outerShdw>
+                  </a:effectLst>
+                </a:rPr>
+                <a:t>Our </a:t>
+              </a:r>
+              <a:r>
+                <a:rPr kumimoji="1" lang="en-US" altLang="ja-JP" b="1" dirty="0" err="1">
+                  <a:solidFill>
+                    <a:schemeClr val="bg1"/>
+                  </a:solidFill>
+                  <a:effectLst>
+                    <a:outerShdw blurRad="38100" dist="38100" dir="2700000" algn="tl">
+                      <a:srgbClr val="000000">
+                        <a:alpha val="43137"/>
+                      </a:srgbClr>
+                    </a:outerShdw>
+                  </a:effectLst>
+                </a:rPr>
+                <a:t>WebSite</a:t>
+              </a:r>
+              <a:r>
+                <a:rPr lang="en-US" altLang="ja-JP" b="1" dirty="0">
+                  <a:solidFill>
+                    <a:schemeClr val="bg1"/>
+                  </a:solidFill>
+                  <a:effectLst>
+                    <a:outerShdw blurRad="38100" dist="38100" dir="2700000" algn="tl">
+                      <a:srgbClr val="000000">
+                        <a:alpha val="43137"/>
+                      </a:srgbClr>
+                    </a:outerShdw>
+                  </a:effectLst>
+                </a:rPr>
+                <a:t> (Detail)</a:t>
+              </a:r>
+              <a:endParaRPr kumimoji="1" lang="ja-JP" altLang="en-US" b="1" dirty="0">
                 <a:solidFill>
                   <a:schemeClr val="bg1"/>
                 </a:solidFill>
@@ -6407,309 +6419,308 @@
                     </a:srgbClr>
                   </a:outerShdw>
                 </a:effectLst>
-              </a:rPr>
-              <a:t>Our </a:t>
-            </a:r>
-            <a:r>
-              <a:rPr kumimoji="1" lang="en-US" altLang="ja-JP" b="1" dirty="0" err="1">
-                <a:solidFill>
-                  <a:schemeClr val="bg1"/>
-                </a:solidFill>
-                <a:effectLst>
-                  <a:outerShdw blurRad="38100" dist="38100" dir="2700000" algn="tl">
-                    <a:srgbClr val="000000">
-                      <a:alpha val="43137"/>
-                    </a:srgbClr>
-                  </a:outerShdw>
-                </a:effectLst>
-              </a:rPr>
-              <a:t>WebSite</a:t>
-            </a:r>
-            <a:r>
-              <a:rPr lang="en-US" altLang="ja-JP" b="1" dirty="0">
-                <a:solidFill>
-                  <a:schemeClr val="bg1"/>
-                </a:solidFill>
-                <a:effectLst>
-                  <a:outerShdw blurRad="38100" dist="38100" dir="2700000" algn="tl">
-                    <a:srgbClr val="000000">
-                      <a:alpha val="43137"/>
-                    </a:srgbClr>
-                  </a:outerShdw>
-                </a:effectLst>
-              </a:rPr>
-              <a:t> (Detail)</a:t>
-            </a:r>
-            <a:endParaRPr kumimoji="1" lang="ja-JP" altLang="en-US" b="1" dirty="0">
+              </a:endParaRPr>
+            </a:p>
+          </p:txBody>
+        </p:sp>
+        <p:sp>
+          <p:nvSpPr>
+            <p:cNvPr id="4" name="四角形: 角を丸くする 3">
+              <a:extLst>
+                <a:ext uri="{FF2B5EF4-FFF2-40B4-BE49-F238E27FC236}">
+                  <a16:creationId xmlns:a16="http://schemas.microsoft.com/office/drawing/2014/main" id="{3C0D8D33-8640-4249-9BD6-54833707FE3D}"/>
+                </a:ext>
+              </a:extLst>
+            </p:cNvPr>
+            <p:cNvSpPr/>
+            <p:nvPr/>
+          </p:nvSpPr>
+          <p:spPr>
+            <a:xfrm>
+              <a:off x="4620986" y="4024028"/>
+              <a:ext cx="1533073" cy="1567543"/>
+            </a:xfrm>
+            <a:prstGeom prst="roundRect">
+              <a:avLst/>
+            </a:prstGeom>
+            <a:solidFill>
+              <a:srgbClr val="DC143C"/>
+            </a:solidFill>
+            <a:ln>
               <a:solidFill>
                 <a:schemeClr val="bg1"/>
               </a:solidFill>
-              <a:effectLst>
-                <a:outerShdw blurRad="38100" dist="38100" dir="2700000" algn="tl">
-                  <a:srgbClr val="000000">
-                    <a:alpha val="43137"/>
-                  </a:srgbClr>
-                </a:outerShdw>
-              </a:effectLst>
-            </a:endParaRPr>
-          </a:p>
-        </p:txBody>
-      </p:sp>
-      <p:sp>
-        <p:nvSpPr>
-          <p:cNvPr id="4" name="四角形: 角を丸くする 3">
-            <a:extLst>
-              <a:ext uri="{FF2B5EF4-FFF2-40B4-BE49-F238E27FC236}">
-                <a16:creationId xmlns:a16="http://schemas.microsoft.com/office/drawing/2014/main" id="{3C0D8D33-8640-4249-9BD6-54833707FE3D}"/>
-              </a:ext>
-            </a:extLst>
-          </p:cNvPr>
-          <p:cNvSpPr/>
-          <p:nvPr/>
+            </a:ln>
+          </p:spPr>
+          <p:style>
+            <a:lnRef idx="2">
+              <a:schemeClr val="accent1">
+                <a:shade val="50000"/>
+              </a:schemeClr>
+            </a:lnRef>
+            <a:fillRef idx="1">
+              <a:schemeClr val="accent1"/>
+            </a:fillRef>
+            <a:effectRef idx="0">
+              <a:schemeClr val="accent1"/>
+            </a:effectRef>
+            <a:fontRef idx="minor">
+              <a:schemeClr val="lt1"/>
+            </a:fontRef>
+          </p:style>
+          <p:txBody>
+            <a:bodyPr rtlCol="0" anchor="ctr"/>
+            <a:lstStyle/>
+            <a:p>
+              <a:pPr algn="ctr"/>
+              <a:r>
+                <a:rPr kumimoji="1" lang="en-US" altLang="ja-JP" dirty="0"/>
+                <a:t>ABC Shop</a:t>
+              </a:r>
+            </a:p>
+            <a:p>
+              <a:pPr algn="ctr"/>
+              <a:r>
+                <a:rPr lang="en-US" altLang="ja-JP" dirty="0"/>
+                <a:t>$30</a:t>
+              </a:r>
+            </a:p>
+            <a:p>
+              <a:pPr algn="ctr"/>
+              <a:r>
+                <a:rPr lang="en-US" altLang="ja-JP" dirty="0"/>
+                <a:t>10 Point</a:t>
+              </a:r>
+            </a:p>
+            <a:p>
+              <a:pPr algn="ctr"/>
+              <a:endParaRPr lang="en-US" altLang="ja-JP" dirty="0"/>
+            </a:p>
+          </p:txBody>
+        </p:sp>
+        <p:sp>
+          <p:nvSpPr>
+            <p:cNvPr id="12" name="四角形: 角を丸くする 11">
+              <a:extLst>
+                <a:ext uri="{FF2B5EF4-FFF2-40B4-BE49-F238E27FC236}">
+                  <a16:creationId xmlns:a16="http://schemas.microsoft.com/office/drawing/2014/main" id="{B3754BD5-C1E7-44C5-8265-9BCAAA3BD54F}"/>
+                </a:ext>
+              </a:extLst>
+            </p:cNvPr>
+            <p:cNvSpPr/>
+            <p:nvPr/>
+          </p:nvSpPr>
+          <p:spPr>
+            <a:xfrm>
+              <a:off x="6230256" y="4024027"/>
+              <a:ext cx="1533073" cy="1567543"/>
+            </a:xfrm>
+            <a:prstGeom prst="roundRect">
+              <a:avLst/>
+            </a:prstGeom>
+            <a:solidFill>
+              <a:srgbClr val="DC143C"/>
+            </a:solidFill>
+            <a:ln>
+              <a:solidFill>
+                <a:schemeClr val="bg1"/>
+              </a:solidFill>
+            </a:ln>
+          </p:spPr>
+          <p:style>
+            <a:lnRef idx="2">
+              <a:schemeClr val="accent1">
+                <a:shade val="50000"/>
+              </a:schemeClr>
+            </a:lnRef>
+            <a:fillRef idx="1">
+              <a:schemeClr val="accent1"/>
+            </a:fillRef>
+            <a:effectRef idx="0">
+              <a:schemeClr val="accent1"/>
+            </a:effectRef>
+            <a:fontRef idx="minor">
+              <a:schemeClr val="lt1"/>
+            </a:fontRef>
+          </p:style>
+          <p:txBody>
+            <a:bodyPr rtlCol="0" anchor="ctr"/>
+            <a:lstStyle/>
+            <a:p>
+              <a:pPr algn="ctr"/>
+              <a:r>
+                <a:rPr lang="en-US" altLang="ja-JP" dirty="0"/>
+                <a:t>XYZ</a:t>
+              </a:r>
+              <a:r>
+                <a:rPr kumimoji="1" lang="en-US" altLang="ja-JP" dirty="0"/>
+                <a:t> Shop</a:t>
+              </a:r>
+            </a:p>
+            <a:p>
+              <a:pPr algn="ctr"/>
+              <a:r>
+                <a:rPr lang="en-US" altLang="ja-JP" dirty="0"/>
+                <a:t>$40</a:t>
+              </a:r>
+            </a:p>
+            <a:p>
+              <a:pPr algn="ctr"/>
+              <a:r>
+                <a:rPr lang="en-US" altLang="ja-JP" dirty="0"/>
+                <a:t>20 Point</a:t>
+              </a:r>
+            </a:p>
+            <a:p>
+              <a:pPr algn="ctr"/>
+              <a:endParaRPr lang="en-US" altLang="ja-JP" dirty="0"/>
+            </a:p>
+          </p:txBody>
+        </p:sp>
+        <p:sp>
+          <p:nvSpPr>
+            <p:cNvPr id="13" name="正方形/長方形 12">
+              <a:extLst>
+                <a:ext uri="{FF2B5EF4-FFF2-40B4-BE49-F238E27FC236}">
+                  <a16:creationId xmlns:a16="http://schemas.microsoft.com/office/drawing/2014/main" id="{0C3C4A66-9F74-4B5B-B1EC-95A310A39ECC}"/>
+                </a:ext>
+              </a:extLst>
+            </p:cNvPr>
+            <p:cNvSpPr/>
+            <p:nvPr/>
+          </p:nvSpPr>
+          <p:spPr>
+            <a:xfrm>
+              <a:off x="4884054" y="5114612"/>
+              <a:ext cx="1123045" cy="338553"/>
+            </a:xfrm>
+            <a:prstGeom prst="rect">
+              <a:avLst/>
+            </a:prstGeom>
+            <a:solidFill>
+              <a:schemeClr val="bg1">
+                <a:lumMod val="95000"/>
+              </a:schemeClr>
+            </a:solidFill>
+            <a:ln>
+              <a:solidFill>
+                <a:schemeClr val="bg1"/>
+              </a:solidFill>
+            </a:ln>
+            <a:effectLst>
+              <a:outerShdw blurRad="50800" dist="38100" dir="2700000" algn="tl" rotWithShape="0">
+                <a:prstClr val="black">
+                  <a:alpha val="40000"/>
+                </a:prstClr>
+              </a:outerShdw>
+            </a:effectLst>
+          </p:spPr>
+          <p:txBody>
+            <a:bodyPr wrap="square">
+              <a:spAutoFit/>
+            </a:bodyPr>
+            <a:lstStyle/>
+            <a:p>
+              <a:r>
+                <a:rPr lang="en-US" altLang="ja-JP" sz="1600" dirty="0"/>
+                <a:t>Purchase</a:t>
+              </a:r>
+              <a:endParaRPr lang="ja-JP" altLang="en-US" sz="1600" dirty="0"/>
+            </a:p>
+          </p:txBody>
+        </p:sp>
+        <p:sp>
+          <p:nvSpPr>
+            <p:cNvPr id="14" name="正方形/長方形 13">
+              <a:extLst>
+                <a:ext uri="{FF2B5EF4-FFF2-40B4-BE49-F238E27FC236}">
+                  <a16:creationId xmlns:a16="http://schemas.microsoft.com/office/drawing/2014/main" id="{3EDD67C2-0E45-4A87-9D80-DB50F2B71658}"/>
+                </a:ext>
+              </a:extLst>
+            </p:cNvPr>
+            <p:cNvSpPr/>
+            <p:nvPr/>
+          </p:nvSpPr>
+          <p:spPr>
+            <a:xfrm>
+              <a:off x="6471555" y="5114610"/>
+              <a:ext cx="1143448" cy="338554"/>
+            </a:xfrm>
+            <a:prstGeom prst="rect">
+              <a:avLst/>
+            </a:prstGeom>
+            <a:solidFill>
+              <a:schemeClr val="bg1">
+                <a:lumMod val="95000"/>
+              </a:schemeClr>
+            </a:solidFill>
+            <a:ln>
+              <a:solidFill>
+                <a:schemeClr val="bg1"/>
+              </a:solidFill>
+            </a:ln>
+            <a:effectLst>
+              <a:outerShdw blurRad="50800" dist="38100" dir="2700000" algn="tl" rotWithShape="0">
+                <a:prstClr val="black">
+                  <a:alpha val="40000"/>
+                </a:prstClr>
+              </a:outerShdw>
+            </a:effectLst>
+          </p:spPr>
+          <p:txBody>
+            <a:bodyPr wrap="square">
+              <a:spAutoFit/>
+            </a:bodyPr>
+            <a:lstStyle/>
+            <a:p>
+              <a:r>
+                <a:rPr lang="en-US" altLang="ja-JP" sz="1600" dirty="0"/>
+                <a:t>Purchase</a:t>
+              </a:r>
+              <a:endParaRPr lang="ja-JP" altLang="en-US" sz="1600" dirty="0"/>
+            </a:p>
+          </p:txBody>
+        </p:sp>
+      </p:grpSp>
+      <p:sp>
+        <p:nvSpPr>
+          <p:cNvPr id="15" name="テキスト プレースホルダー 14">
+            <a:extLst>
+              <a:ext uri="{FF2B5EF4-FFF2-40B4-BE49-F238E27FC236}">
+                <a16:creationId xmlns:a16="http://schemas.microsoft.com/office/drawing/2014/main" id="{114B8B5B-C400-D045-B970-E777705AA76A}"/>
+              </a:ext>
+            </a:extLst>
+          </p:cNvPr>
+          <p:cNvSpPr>
+            <a:spLocks noGrp="1"/>
+          </p:cNvSpPr>
+          <p:nvPr>
+            <p:ph type="body" idx="1"/>
+          </p:nvPr>
         </p:nvSpPr>
         <p:spPr>
           <a:xfrm>
-            <a:off x="4620986" y="4024028"/>
-            <a:ext cx="1533073" cy="1567543"/>
+            <a:off x="702003" y="1616767"/>
+            <a:ext cx="10515600" cy="1500187"/>
           </a:xfrm>
-          <a:prstGeom prst="roundRect">
-            <a:avLst/>
-          </a:prstGeom>
-          <a:solidFill>
-            <a:srgbClr val="DC143C"/>
-          </a:solidFill>
-          <a:ln>
-            <a:solidFill>
-              <a:schemeClr val="bg1"/>
-            </a:solidFill>
-          </a:ln>
         </p:spPr>
-        <p:style>
-          <a:lnRef idx="2">
-            <a:schemeClr val="accent1">
-              <a:shade val="50000"/>
-            </a:schemeClr>
-          </a:lnRef>
-          <a:fillRef idx="1">
-            <a:schemeClr val="accent1"/>
-          </a:fillRef>
-          <a:effectRef idx="0">
-            <a:schemeClr val="accent1"/>
-          </a:effectRef>
-          <a:fontRef idx="minor">
-            <a:schemeClr val="lt1"/>
-          </a:fontRef>
-        </p:style>
-        <p:txBody>
-          <a:bodyPr rtlCol="0" anchor="ctr"/>
-          <a:lstStyle/>
-          <a:p>
-            <a:pPr algn="ctr"/>
-            <a:r>
-              <a:rPr kumimoji="1" lang="en-US" altLang="ja-JP" dirty="0"/>
-              <a:t>ABC Shop</a:t>
-            </a:r>
-          </a:p>
-          <a:p>
-            <a:pPr algn="ctr"/>
-            <a:r>
-              <a:rPr lang="en-US" altLang="ja-JP" dirty="0"/>
-              <a:t>$30</a:t>
-            </a:r>
-          </a:p>
-          <a:p>
-            <a:pPr algn="ctr"/>
-            <a:r>
-              <a:rPr lang="en-US" altLang="ja-JP" dirty="0"/>
-              <a:t>10 Point</a:t>
-            </a:r>
-          </a:p>
-          <a:p>
-            <a:pPr algn="ctr"/>
-            <a:endParaRPr lang="en-US" altLang="ja-JP" dirty="0"/>
-          </a:p>
-        </p:txBody>
-      </p:sp>
-      <p:sp>
-        <p:nvSpPr>
-          <p:cNvPr id="12" name="四角形: 角を丸くする 11">
-            <a:extLst>
-              <a:ext uri="{FF2B5EF4-FFF2-40B4-BE49-F238E27FC236}">
-                <a16:creationId xmlns:a16="http://schemas.microsoft.com/office/drawing/2014/main" id="{B3754BD5-C1E7-44C5-8265-9BCAAA3BD54F}"/>
-              </a:ext>
-            </a:extLst>
-          </p:cNvPr>
-          <p:cNvSpPr/>
-          <p:nvPr/>
-        </p:nvSpPr>
-        <p:spPr>
-          <a:xfrm>
-            <a:off x="6230256" y="4024027"/>
-            <a:ext cx="1533073" cy="1567543"/>
-          </a:xfrm>
-          <a:prstGeom prst="roundRect">
-            <a:avLst/>
-          </a:prstGeom>
-          <a:solidFill>
-            <a:srgbClr val="DC143C"/>
-          </a:solidFill>
-          <a:ln>
-            <a:solidFill>
-              <a:schemeClr val="bg1"/>
-            </a:solidFill>
-          </a:ln>
-        </p:spPr>
-        <p:style>
-          <a:lnRef idx="2">
-            <a:schemeClr val="accent1">
-              <a:shade val="50000"/>
-            </a:schemeClr>
-          </a:lnRef>
-          <a:fillRef idx="1">
-            <a:schemeClr val="accent1"/>
-          </a:fillRef>
-          <a:effectRef idx="0">
-            <a:schemeClr val="accent1"/>
-          </a:effectRef>
-          <a:fontRef idx="minor">
-            <a:schemeClr val="lt1"/>
-          </a:fontRef>
-        </p:style>
-        <p:txBody>
-          <a:bodyPr rtlCol="0" anchor="ctr"/>
-          <a:lstStyle/>
-          <a:p>
-            <a:pPr algn="ctr"/>
-            <a:r>
-              <a:rPr lang="en-US" altLang="ja-JP" dirty="0"/>
-              <a:t>XYZ</a:t>
-            </a:r>
-            <a:r>
-              <a:rPr kumimoji="1" lang="en-US" altLang="ja-JP" dirty="0"/>
-              <a:t> Shop</a:t>
-            </a:r>
-          </a:p>
-          <a:p>
-            <a:pPr algn="ctr"/>
-            <a:r>
-              <a:rPr lang="en-US" altLang="ja-JP" dirty="0"/>
-              <a:t>$40</a:t>
-            </a:r>
-          </a:p>
-          <a:p>
-            <a:pPr algn="ctr"/>
-            <a:r>
-              <a:rPr lang="en-US" altLang="ja-JP" dirty="0"/>
-              <a:t>20 Point</a:t>
-            </a:r>
-          </a:p>
-          <a:p>
-            <a:pPr algn="ctr"/>
-            <a:endParaRPr lang="en-US" altLang="ja-JP" dirty="0"/>
-          </a:p>
-        </p:txBody>
-      </p:sp>
-      <p:sp>
-        <p:nvSpPr>
-          <p:cNvPr id="13" name="正方形/長方形 12">
-            <a:extLst>
-              <a:ext uri="{FF2B5EF4-FFF2-40B4-BE49-F238E27FC236}">
-                <a16:creationId xmlns:a16="http://schemas.microsoft.com/office/drawing/2014/main" id="{0C3C4A66-9F74-4B5B-B1EC-95A310A39ECC}"/>
-              </a:ext>
-            </a:extLst>
-          </p:cNvPr>
-          <p:cNvSpPr/>
-          <p:nvPr/>
-        </p:nvSpPr>
-        <p:spPr>
-          <a:xfrm>
-            <a:off x="4884054" y="5114612"/>
-            <a:ext cx="1123045" cy="338553"/>
-          </a:xfrm>
-          <a:prstGeom prst="rect">
-            <a:avLst/>
-          </a:prstGeom>
-          <a:solidFill>
-            <a:schemeClr val="bg1">
-              <a:lumMod val="95000"/>
-            </a:schemeClr>
-          </a:solidFill>
-          <a:ln>
-            <a:solidFill>
-              <a:schemeClr val="bg1"/>
-            </a:solidFill>
-          </a:ln>
-          <a:effectLst>
-            <a:outerShdw blurRad="50800" dist="38100" dir="2700000" algn="tl" rotWithShape="0">
-              <a:prstClr val="black">
-                <a:alpha val="40000"/>
-              </a:prstClr>
-            </a:outerShdw>
-          </a:effectLst>
-        </p:spPr>
-        <p:txBody>
-          <a:bodyPr wrap="square">
-            <a:spAutoFit/>
-          </a:bodyPr>
-          <a:lstStyle/>
-          <a:p>
-            <a:r>
-              <a:rPr lang="en-US" altLang="ja-JP" sz="1600" dirty="0"/>
-              <a:t>Purchase</a:t>
-            </a:r>
-            <a:endParaRPr lang="ja-JP" altLang="en-US" sz="1600" dirty="0"/>
-          </a:p>
-        </p:txBody>
-      </p:sp>
-      <p:sp>
-        <p:nvSpPr>
-          <p:cNvPr id="14" name="正方形/長方形 13">
-            <a:extLst>
-              <a:ext uri="{FF2B5EF4-FFF2-40B4-BE49-F238E27FC236}">
-                <a16:creationId xmlns:a16="http://schemas.microsoft.com/office/drawing/2014/main" id="{3EDD67C2-0E45-4A87-9D80-DB50F2B71658}"/>
-              </a:ext>
-            </a:extLst>
-          </p:cNvPr>
-          <p:cNvSpPr/>
-          <p:nvPr/>
-        </p:nvSpPr>
-        <p:spPr>
-          <a:xfrm>
-            <a:off x="6471555" y="5114610"/>
-            <a:ext cx="1143448" cy="338554"/>
-          </a:xfrm>
-          <a:prstGeom prst="rect">
-            <a:avLst/>
-          </a:prstGeom>
-          <a:solidFill>
-            <a:schemeClr val="bg1">
-              <a:lumMod val="95000"/>
-            </a:schemeClr>
-          </a:solidFill>
-          <a:ln>
-            <a:solidFill>
-              <a:schemeClr val="bg1"/>
-            </a:solidFill>
-          </a:ln>
-          <a:effectLst>
-            <a:outerShdw blurRad="50800" dist="38100" dir="2700000" algn="tl" rotWithShape="0">
-              <a:prstClr val="black">
-                <a:alpha val="40000"/>
-              </a:prstClr>
-            </a:outerShdw>
-          </a:effectLst>
-        </p:spPr>
-        <p:txBody>
-          <a:bodyPr wrap="square">
-            <a:spAutoFit/>
-          </a:bodyPr>
-          <a:lstStyle/>
-          <a:p>
-            <a:r>
-              <a:rPr lang="en-US" altLang="ja-JP" sz="1600" dirty="0"/>
-              <a:t>Purchase</a:t>
-            </a:r>
-            <a:endParaRPr lang="ja-JP" altLang="en-US" sz="1600" dirty="0"/>
+        <p:txBody>
+          <a:bodyPr/>
+          <a:lstStyle/>
+          <a:p>
+            <a:r>
+              <a:rPr lang="en-US" altLang="ja-JP" dirty="0">
+                <a:solidFill>
+                  <a:schemeClr val="tx1"/>
+                </a:solidFill>
+              </a:rPr>
+              <a:t>Compare the price by shops</a:t>
+            </a:r>
+            <a:endParaRPr lang="ja-JP" altLang="en-US">
+              <a:solidFill>
+                <a:schemeClr val="tx1"/>
+              </a:solidFill>
+            </a:endParaRPr>
           </a:p>
         </p:txBody>
       </p:sp>
@@ -8004,6 +8015,14 @@
               </a:rPr>
               <a:t>Oe</a:t>
             </a:r>
+            <a:endParaRPr lang="en-US" altLang="ja-JP" sz="2400" dirty="0">
+              <a:solidFill>
+                <a:schemeClr val="tx1"/>
+              </a:solidFill>
+            </a:endParaRPr>
+          </a:p>
+          <a:p>
+            <a:pPr lvl="1"/>
             <a:endParaRPr lang="en-US" altLang="ja-JP" dirty="0">
               <a:solidFill>
                 <a:schemeClr val="tx1"/>
@@ -8045,6 +8064,14 @@
               </a:rPr>
               <a:t>get necessary item data from “Rakuten API”</a:t>
             </a:r>
+          </a:p>
+          <a:p>
+            <a:pPr lvl="1"/>
+            <a:endParaRPr lang="en-US" altLang="ja-JP" sz="2400" dirty="0">
+              <a:solidFill>
+                <a:schemeClr val="tx1"/>
+              </a:solidFill>
+            </a:endParaRPr>
           </a:p>
           <a:p>
             <a:r>
@@ -8233,6 +8260,9 @@
               </a:rPr>
               <a:t> Kasai</a:t>
             </a:r>
+          </a:p>
+          <a:p>
+            <a:pPr lvl="1"/>
             <a:endParaRPr lang="en-US" altLang="ja-JP" dirty="0">
               <a:solidFill>
                 <a:schemeClr val="tx1"/>
@@ -8268,6 +8298,14 @@
             </a:r>
           </a:p>
           <a:p>
+            <a:pPr lvl="1"/>
+            <a:endParaRPr lang="en-US" altLang="ja-JP" sz="2400" dirty="0">
+              <a:solidFill>
+                <a:schemeClr val="tx1"/>
+              </a:solidFill>
+            </a:endParaRPr>
+          </a:p>
+          <a:p>
             <a:r>
               <a:rPr lang="en-US" altLang="ja-JP" sz="2800" b="1" dirty="0">
                 <a:solidFill>
@@ -8369,7 +8407,7 @@
         </p:nvSpPr>
         <p:spPr>
           <a:xfrm>
-            <a:off x="892629" y="304800"/>
+            <a:off x="876864" y="206828"/>
             <a:ext cx="4122057" cy="892629"/>
           </a:xfrm>
           <a:prstGeom prst="rect">
@@ -8422,7 +8460,7 @@
         </p:nvSpPr>
         <p:spPr>
           <a:xfrm>
-            <a:off x="7177314" y="312058"/>
+            <a:off x="7177313" y="206827"/>
             <a:ext cx="4122057" cy="892629"/>
           </a:xfrm>
           <a:prstGeom prst="rect">

--- a/presentation/Presentation.pptx
+++ b/presentation/Presentation.pptx
@@ -747,6 +747,127 @@
     <p:extLst>
       <p:ext uri="{BB962C8B-B14F-4D97-AF65-F5344CB8AC3E}">
         <p14:creationId xmlns:p14="http://schemas.microsoft.com/office/powerpoint/2010/main" val="1078682702"/>
+      </p:ext>
+    </p:extLst>
+  </p:cSld>
+  <p:clrMapOvr>
+    <a:masterClrMapping/>
+  </p:clrMapOvr>
+</p:notes>
+</file>
+
+<file path=ppt/notesSlides/notesSlide3.xml><?xml version="1.0" encoding="utf-8"?>
+<p:notes xmlns:a="http://schemas.openxmlformats.org/drawingml/2006/main" xmlns:r="http://schemas.openxmlformats.org/officeDocument/2006/relationships" xmlns:p="http://schemas.openxmlformats.org/presentationml/2006/main">
+  <p:cSld>
+    <p:spTree>
+      <p:nvGrpSpPr>
+        <p:cNvPr id="1" name=""/>
+        <p:cNvGrpSpPr/>
+        <p:nvPr/>
+      </p:nvGrpSpPr>
+      <p:grpSpPr>
+        <a:xfrm>
+          <a:off x="0" y="0"/>
+          <a:ext cx="0" cy="0"/>
+          <a:chOff x="0" y="0"/>
+          <a:chExt cx="0" cy="0"/>
+        </a:xfrm>
+      </p:grpSpPr>
+      <p:sp>
+        <p:nvSpPr>
+          <p:cNvPr id="2" name="スライド イメージ プレースホルダー 1"/>
+          <p:cNvSpPr>
+            <a:spLocks noGrp="1" noRot="1" noChangeAspect="1"/>
+          </p:cNvSpPr>
+          <p:nvPr>
+            <p:ph type="sldImg"/>
+          </p:nvPr>
+        </p:nvSpPr>
+        <p:spPr/>
+      </p:sp>
+      <p:sp>
+        <p:nvSpPr>
+          <p:cNvPr id="3" name="ノート プレースホルダー 2"/>
+          <p:cNvSpPr>
+            <a:spLocks noGrp="1"/>
+          </p:cNvSpPr>
+          <p:nvPr>
+            <p:ph type="body" idx="1"/>
+          </p:nvPr>
+        </p:nvSpPr>
+        <p:spPr/>
+        <p:txBody>
+          <a:bodyPr/>
+          <a:lstStyle/>
+          <a:p>
+            <a:pPr marL="457200" indent="-457200">
+              <a:buFont typeface="Arial" panose="020B0604020202020204" pitchFamily="34" charset="0"/>
+              <a:buChar char="•"/>
+            </a:pPr>
+            <a:r>
+              <a:rPr lang="ja-JP" altLang="en-US"/>
+              <a:t>同じ商品をまとめて表示する機能</a:t>
+            </a:r>
+            <a:endParaRPr lang="en-US" altLang="ja-JP" dirty="0"/>
+          </a:p>
+          <a:p>
+            <a:pPr marL="457200" indent="-457200">
+              <a:buFont typeface="Arial" panose="020B0604020202020204" pitchFamily="34" charset="0"/>
+              <a:buChar char="•"/>
+            </a:pPr>
+            <a:r>
+              <a:rPr kumimoji="1" lang="ja-JP" altLang="en-US"/>
+              <a:t>タグ</a:t>
+            </a:r>
+            <a:r>
+              <a:rPr lang="ja-JP" altLang="en-US"/>
+              <a:t>検索</a:t>
+            </a:r>
+            <a:endParaRPr kumimoji="1" lang="en-US" altLang="ja-JP" dirty="0"/>
+          </a:p>
+          <a:p>
+            <a:pPr marL="457200" indent="-457200">
+              <a:buFont typeface="Arial" panose="020B0604020202020204" pitchFamily="34" charset="0"/>
+              <a:buChar char="•"/>
+            </a:pPr>
+            <a:r>
+              <a:rPr lang="ja-JP" altLang="en-US"/>
+              <a:t>ユーザごとに表示項目をカスタマイズできるようにする機能</a:t>
+            </a:r>
+            <a:endParaRPr kumimoji="1" lang="ja-JP" altLang="en-US"/>
+          </a:p>
+          <a:p>
+            <a:endParaRPr kumimoji="1" lang="ja-JP" altLang="en-US"/>
+          </a:p>
+        </p:txBody>
+      </p:sp>
+      <p:sp>
+        <p:nvSpPr>
+          <p:cNvPr id="4" name="スライド番号プレースホルダー 3"/>
+          <p:cNvSpPr>
+            <a:spLocks noGrp="1"/>
+          </p:cNvSpPr>
+          <p:nvPr>
+            <p:ph type="sldNum" sz="quarter" idx="5"/>
+          </p:nvPr>
+        </p:nvSpPr>
+        <p:spPr/>
+        <p:txBody>
+          <a:bodyPr/>
+          <a:lstStyle/>
+          <a:p>
+            <a:fld id="{9E1C67F3-BA0B-B442-BA23-A3194F4E98B9}" type="slidenum">
+              <a:rPr kumimoji="1" lang="ja-JP" altLang="en-US" smtClean="0"/>
+              <a:t>9</a:t>
+            </a:fld>
+            <a:endParaRPr kumimoji="1" lang="ja-JP" altLang="en-US"/>
+          </a:p>
+        </p:txBody>
+      </p:sp>
+    </p:spTree>
+    <p:extLst>
+      <p:ext uri="{BB962C8B-B14F-4D97-AF65-F5344CB8AC3E}">
+        <p14:creationId xmlns:p14="http://schemas.microsoft.com/office/powerpoint/2010/main" val="4269479119"/>
       </p:ext>
     </p:extLst>
   </p:cSld>
@@ -4711,18 +4832,13 @@
               <a:buChar char="•"/>
             </a:pPr>
             <a:r>
-              <a:rPr kumimoji="1" lang="ja-JP" altLang="en-US"/>
-              <a:t>商品情報を楽天</a:t>
-            </a:r>
-            <a:r>
-              <a:rPr kumimoji="1" lang="en-US" altLang="ja-JP" dirty="0"/>
-              <a:t>API</a:t>
-            </a:r>
-            <a:r>
-              <a:rPr kumimoji="1" lang="ja-JP" altLang="en-US"/>
-              <a:t>から取得</a:t>
-            </a:r>
-            <a:endParaRPr lang="en-US" altLang="ja-JP" dirty="0"/>
+              <a:rPr lang="en-US" altLang="ja-JP" dirty="0">
+                <a:solidFill>
+                  <a:schemeClr val="tx1"/>
+                </a:solidFill>
+              </a:rPr>
+              <a:t>Get from item information from “Rakuten API”</a:t>
+            </a:r>
           </a:p>
         </p:txBody>
       </p:sp>
@@ -5512,12 +5628,20 @@
           </a:p>
           <a:p>
             <a:r>
-              <a:rPr lang="ja-JP" altLang="en-US" sz="2400" dirty="0">
+              <a:rPr lang="en-US" altLang="ja-JP" sz="2400" dirty="0">
                 <a:solidFill>
                   <a:schemeClr val="bg1"/>
                 </a:solidFill>
               </a:rPr>
-              <a:t>ＸＹＺ </a:t>
+              <a:t>XYZ</a:t>
+            </a:r>
+            <a:r>
+              <a:rPr lang="ja-JP" altLang="en-US" sz="2400">
+                <a:solidFill>
+                  <a:schemeClr val="bg1"/>
+                </a:solidFill>
+              </a:rPr>
+              <a:t> </a:t>
             </a:r>
             <a:r>
               <a:rPr lang="en-US" altLang="ja-JP" sz="2400" dirty="0">
@@ -6700,7 +6824,7 @@
         </p:nvSpPr>
         <p:spPr>
           <a:xfrm>
-            <a:off x="702003" y="1616767"/>
+            <a:off x="702003" y="1488787"/>
             <a:ext cx="10515600" cy="1500187"/>
           </a:xfrm>
         </p:spPr>
@@ -7515,7 +7639,7 @@
           <a:p>
             <a:r>
               <a:rPr lang="en-US" altLang="ja-JP" dirty="0"/>
-              <a:t>Main goal</a:t>
+              <a:t>Our goal</a:t>
             </a:r>
             <a:endParaRPr kumimoji="1" lang="ja-JP" altLang="en-US"/>
           </a:p>
@@ -9934,8 +10058,12 @@
               <a:buChar char="•"/>
             </a:pPr>
             <a:r>
-              <a:rPr lang="ja-JP" altLang="en-US" dirty="0"/>
-              <a:t>同じ商品をまとめて表示する機能</a:t>
+              <a:rPr lang="en-US" altLang="ja-JP" dirty="0"/>
+              <a:t>Put them </a:t>
+            </a:r>
+            <a:r>
+              <a:rPr lang="en-US" altLang="ja-JP" dirty="0" err="1"/>
+              <a:t>togather</a:t>
             </a:r>
             <a:endParaRPr lang="en-US" altLang="ja-JP" dirty="0"/>
           </a:p>
@@ -9982,7 +10110,7 @@
         <p:spPr>
           <a:xfrm>
             <a:off x="464458" y="420914"/>
-            <a:ext cx="4310742" cy="812800"/>
+            <a:ext cx="2688645" cy="812800"/>
           </a:xfrm>
           <a:prstGeom prst="roundRect">
             <a:avLst/>
@@ -10012,7 +10140,7 @@
           <a:lstStyle/>
           <a:p>
             <a:r>
-              <a:rPr lang="ja-JP" altLang="en-US" sz="3200" dirty="0">
+              <a:rPr lang="en-US" altLang="ja-JP" sz="3200" dirty="0">
                 <a:effectLst>
                   <a:outerShdw blurRad="38100" dist="38100" dir="2700000" algn="tl">
                     <a:srgbClr val="000000">
@@ -10021,8 +10149,17 @@
                   </a:outerShdw>
                 </a:effectLst>
               </a:rPr>
-              <a:t>考えた解決策</a:t>
-            </a:r>
+              <a:t>Our solution</a:t>
+            </a:r>
+            <a:endParaRPr lang="ja-JP" altLang="en-US" sz="3200" dirty="0">
+              <a:effectLst>
+                <a:outerShdw blurRad="38100" dist="38100" dir="2700000" algn="tl">
+                  <a:srgbClr val="000000">
+                    <a:alpha val="43137"/>
+                  </a:srgbClr>
+                </a:outerShdw>
+              </a:effectLst>
+            </a:endParaRPr>
           </a:p>
         </p:txBody>
       </p:sp>
@@ -10068,7 +10205,7 @@
                                         <p:tgtEl>
                                           <p:spTgt spid="3">
                                             <p:txEl>
-                                              <p:pRg st="1" end="1"/>
+                                              <p:pRg st="0" end="0"/>
                                             </p:txEl>
                                           </p:spTgt>
                                         </p:tgtEl>
@@ -10084,7 +10221,7 @@
                                         <p:tgtEl>
                                           <p:spTgt spid="3">
                                             <p:txEl>
-                                              <p:pRg st="1" end="1"/>
+                                              <p:pRg st="0" end="0"/>
                                             </p:txEl>
                                           </p:spTgt>
                                         </p:tgtEl>
@@ -10111,6 +10248,49 @@
                                         <p:tgtEl>
                                           <p:spTgt spid="3">
                                             <p:txEl>
+                                              <p:pRg st="1" end="1"/>
+                                            </p:txEl>
+                                          </p:spTgt>
+                                        </p:tgtEl>
+                                      </p:cBhvr>
+                                    </p:animEffect>
+                                    <p:set>
+                                      <p:cBhvr>
+                                        <p:cTn id="10" dur="1" fill="hold">
+                                          <p:stCondLst>
+                                            <p:cond delay="499"/>
+                                          </p:stCondLst>
+                                        </p:cTn>
+                                        <p:tgtEl>
+                                          <p:spTgt spid="3">
+                                            <p:txEl>
+                                              <p:pRg st="1" end="1"/>
+                                            </p:txEl>
+                                          </p:spTgt>
+                                        </p:tgtEl>
+                                        <p:attrNameLst>
+                                          <p:attrName>style.visibility</p:attrName>
+                                        </p:attrNameLst>
+                                      </p:cBhvr>
+                                      <p:to>
+                                        <p:strVal val="hidden"/>
+                                      </p:to>
+                                    </p:set>
+                                  </p:childTnLst>
+                                </p:cTn>
+                              </p:par>
+                              <p:par>
+                                <p:cTn id="11" presetID="10" presetClass="exit" presetSubtype="0" fill="hold" grpId="0" nodeType="withEffect">
+                                  <p:stCondLst>
+                                    <p:cond delay="0"/>
+                                  </p:stCondLst>
+                                  <p:childTnLst>
+                                    <p:animEffect transition="out" filter="fade">
+                                      <p:cBhvr>
+                                        <p:cTn id="12" dur="500"/>
+                                        <p:tgtEl>
+                                          <p:spTgt spid="3">
+                                            <p:txEl>
                                               <p:pRg st="2" end="2"/>
                                             </p:txEl>
                                           </p:spTgt>
@@ -10119,7 +10299,7 @@
                                     </p:animEffect>
                                     <p:set>
                                       <p:cBhvr>
-                                        <p:cTn id="10" dur="1" fill="hold">
+                                        <p:cTn id="13" dur="1" fill="hold">
                                           <p:stCondLst>
                                             <p:cond delay="499"/>
                                           </p:stCondLst>

--- a/presentation/Presentation.pptx
+++ b/presentation/Presentation.pptx
@@ -137,16 +137,11 @@
         </p15:guide>
       </p15:sldGuideLst>
     </p:ext>
+    <p:ext uri="{2D200454-40CA-4A62-9FC3-DE9A4176ACB9}">
+      <p15:notesGuideLst xmlns:p15="http://schemas.microsoft.com/office/powerpoint/2012/main"/>
+    </p:ext>
   </p:extLst>
 </p:presentation>
-</file>
-
-<file path=ppt/revisionInfo.xml><?xml version="1.0" encoding="utf-8"?>
-<p1510:revInfo xmlns:a="http://schemas.openxmlformats.org/drawingml/2006/main" xmlns:r="http://schemas.openxmlformats.org/officeDocument/2006/relationships" xmlns:p1510="http://schemas.microsoft.com/office/powerpoint/2015/10/main">
-  <p1510:revLst>
-    <p1510:client id="{74841F24-896D-4DDF-9458-F981C2A11ABF}" v="565" dt="2019-09-10T04:20:31.459"/>
-  </p1510:revLst>
-</p1510:revInfo>
 </file>
 
 <file path=ppt/notesMasters/notesMaster1.xml><?xml version="1.0" encoding="utf-8"?>
@@ -573,6 +568,37 @@
             <a:endParaRPr kumimoji="1" lang="en-US" altLang="ja-JP" dirty="0"/>
           </a:p>
           <a:p>
+            <a:pPr marL="0" marR="0" lvl="0" indent="0" algn="l" defTabSz="914400" rtl="0" eaLnBrk="1" fontAlgn="auto" latinLnBrk="0" hangingPunct="1">
+              <a:lnSpc>
+                <a:spcPct val="100000"/>
+              </a:lnSpc>
+              <a:spcBef>
+                <a:spcPts val="0"/>
+              </a:spcBef>
+              <a:spcAft>
+                <a:spcPts val="0"/>
+              </a:spcAft>
+              <a:buClrTx/>
+              <a:buSzTx/>
+              <a:buFontTx/>
+              <a:buNone/>
+              <a:tabLst/>
+              <a:defRPr/>
+            </a:pPr>
+            <a:r>
+              <a:rPr lang="en" altLang="ja-JP" dirty="0"/>
+              <a:t>When you look for products in Rakuten </a:t>
+            </a:r>
+            <a:r>
+              <a:rPr lang="en" altLang="ja-JP" dirty="0" err="1"/>
+              <a:t>Ichiba</a:t>
+            </a:r>
+            <a:r>
+              <a:rPr lang="en" altLang="ja-JP" dirty="0"/>
+              <a:t>, products of various stores come up and the price is different so it takes time to find that you really want.</a:t>
+            </a:r>
+          </a:p>
+          <a:p>
             <a:endParaRPr kumimoji="1" lang="ja-JP" altLang="en-US"/>
           </a:p>
         </p:txBody>
@@ -868,6 +894,258 @@
     <p:extLst>
       <p:ext uri="{BB962C8B-B14F-4D97-AF65-F5344CB8AC3E}">
         <p14:creationId xmlns:p14="http://schemas.microsoft.com/office/powerpoint/2010/main" val="4269479119"/>
+      </p:ext>
+    </p:extLst>
+  </p:cSld>
+  <p:clrMapOvr>
+    <a:masterClrMapping/>
+  </p:clrMapOvr>
+</p:notes>
+</file>
+
+<file path=ppt/notesSlides/notesSlide4.xml><?xml version="1.0" encoding="utf-8"?>
+<p:notes xmlns:a="http://schemas.openxmlformats.org/drawingml/2006/main" xmlns:r="http://schemas.openxmlformats.org/officeDocument/2006/relationships" xmlns:p="http://schemas.openxmlformats.org/presentationml/2006/main">
+  <p:cSld>
+    <p:spTree>
+      <p:nvGrpSpPr>
+        <p:cNvPr id="1" name=""/>
+        <p:cNvGrpSpPr/>
+        <p:nvPr/>
+      </p:nvGrpSpPr>
+      <p:grpSpPr>
+        <a:xfrm>
+          <a:off x="0" y="0"/>
+          <a:ext cx="0" cy="0"/>
+          <a:chOff x="0" y="0"/>
+          <a:chExt cx="0" cy="0"/>
+        </a:xfrm>
+      </p:grpSpPr>
+      <p:sp>
+        <p:nvSpPr>
+          <p:cNvPr id="2" name="スライド イメージ プレースホルダー 1"/>
+          <p:cNvSpPr>
+            <a:spLocks noGrp="1" noRot="1" noChangeAspect="1"/>
+          </p:cNvSpPr>
+          <p:nvPr>
+            <p:ph type="sldImg"/>
+          </p:nvPr>
+        </p:nvSpPr>
+        <p:spPr/>
+      </p:sp>
+      <p:sp>
+        <p:nvSpPr>
+          <p:cNvPr id="3" name="ノート プレースホルダー 2"/>
+          <p:cNvSpPr>
+            <a:spLocks noGrp="1"/>
+          </p:cNvSpPr>
+          <p:nvPr>
+            <p:ph type="body" idx="1"/>
+          </p:nvPr>
+        </p:nvSpPr>
+        <p:spPr/>
+        <p:txBody>
+          <a:bodyPr/>
+          <a:lstStyle/>
+          <a:p>
+            <a:pPr marL="457200" indent="-457200">
+              <a:buFont typeface="Arial" panose="020B0604020202020204" pitchFamily="34" charset="0"/>
+              <a:buChar char="•"/>
+            </a:pPr>
+            <a:r>
+              <a:rPr kumimoji="1" lang="ja-JP" altLang="en-US"/>
+              <a:t>商品情報を楽天</a:t>
+            </a:r>
+            <a:r>
+              <a:rPr kumimoji="1" lang="en-US" altLang="ja-JP" dirty="0"/>
+              <a:t>API</a:t>
+            </a:r>
+            <a:r>
+              <a:rPr kumimoji="1" lang="ja-JP" altLang="en-US"/>
+              <a:t>から取得</a:t>
+            </a:r>
+            <a:endParaRPr lang="en-US" altLang="ja-JP" dirty="0"/>
+          </a:p>
+          <a:p>
+            <a:pPr marL="457200" indent="-457200">
+              <a:buFont typeface="Arial" panose="020B0604020202020204" pitchFamily="34" charset="0"/>
+              <a:buChar char="•"/>
+            </a:pPr>
+            <a:r>
+              <a:rPr lang="ja-JP" altLang="en-US"/>
+              <a:t>出品者が異なるが商品は同じ場合，すべてまとめて１件として表示</a:t>
+            </a:r>
+            <a:endParaRPr lang="en-US" altLang="ja-JP" dirty="0"/>
+          </a:p>
+          <a:p>
+            <a:pPr marL="457200" indent="-457200">
+              <a:buFont typeface="Arial" panose="020B0604020202020204" pitchFamily="34" charset="0"/>
+              <a:buChar char="•"/>
+            </a:pPr>
+            <a:r>
+              <a:rPr kumimoji="1" lang="ja-JP" altLang="en-US"/>
+              <a:t>検索結果では、商品の概要と概算額のみ表示</a:t>
+            </a:r>
+            <a:r>
+              <a:rPr lang="ja-JP" altLang="en-US"/>
+              <a:t>＆</a:t>
+            </a:r>
+            <a:r>
+              <a:rPr kumimoji="1" lang="ja-JP" altLang="en-US"/>
+              <a:t>詳細は次のページで</a:t>
+            </a:r>
+            <a:endParaRPr kumimoji="1" lang="en-US" altLang="ja-JP" dirty="0"/>
+          </a:p>
+          <a:p>
+            <a:pPr marL="457200" indent="-457200">
+              <a:buFont typeface="Arial" panose="020B0604020202020204" pitchFamily="34" charset="0"/>
+              <a:buChar char="•"/>
+            </a:pPr>
+            <a:r>
+              <a:rPr lang="ja-JP" altLang="en-US"/>
+              <a:t>詳細ページではショップごとに比較可能</a:t>
+            </a:r>
+            <a:endParaRPr kumimoji="1" lang="en-US" altLang="ja-JP" dirty="0"/>
+          </a:p>
+          <a:p>
+            <a:endParaRPr kumimoji="1" lang="ja-JP" altLang="en-US"/>
+          </a:p>
+        </p:txBody>
+      </p:sp>
+      <p:sp>
+        <p:nvSpPr>
+          <p:cNvPr id="4" name="スライド番号プレースホルダー 3"/>
+          <p:cNvSpPr>
+            <a:spLocks noGrp="1"/>
+          </p:cNvSpPr>
+          <p:nvPr>
+            <p:ph type="sldNum" sz="quarter" idx="5"/>
+          </p:nvPr>
+        </p:nvSpPr>
+        <p:spPr/>
+        <p:txBody>
+          <a:bodyPr/>
+          <a:lstStyle/>
+          <a:p>
+            <a:fld id="{9E1C67F3-BA0B-B442-BA23-A3194F4E98B9}" type="slidenum">
+              <a:rPr kumimoji="1" lang="ja-JP" altLang="en-US" smtClean="0"/>
+              <a:t>10</a:t>
+            </a:fld>
+            <a:endParaRPr kumimoji="1" lang="ja-JP" altLang="en-US"/>
+          </a:p>
+        </p:txBody>
+      </p:sp>
+    </p:spTree>
+    <p:extLst>
+      <p:ext uri="{BB962C8B-B14F-4D97-AF65-F5344CB8AC3E}">
+        <p14:creationId xmlns:p14="http://schemas.microsoft.com/office/powerpoint/2010/main" val="3425496502"/>
+      </p:ext>
+    </p:extLst>
+  </p:cSld>
+  <p:clrMapOvr>
+    <a:masterClrMapping/>
+  </p:clrMapOvr>
+</p:notes>
+</file>
+
+<file path=ppt/notesSlides/notesSlide5.xml><?xml version="1.0" encoding="utf-8"?>
+<p:notes xmlns:a="http://schemas.openxmlformats.org/drawingml/2006/main" xmlns:r="http://schemas.openxmlformats.org/officeDocument/2006/relationships" xmlns:p="http://schemas.openxmlformats.org/presentationml/2006/main">
+  <p:cSld>
+    <p:spTree>
+      <p:nvGrpSpPr>
+        <p:cNvPr id="1" name=""/>
+        <p:cNvGrpSpPr/>
+        <p:nvPr/>
+      </p:nvGrpSpPr>
+      <p:grpSpPr>
+        <a:xfrm>
+          <a:off x="0" y="0"/>
+          <a:ext cx="0" cy="0"/>
+          <a:chOff x="0" y="0"/>
+          <a:chExt cx="0" cy="0"/>
+        </a:xfrm>
+      </p:grpSpPr>
+      <p:sp>
+        <p:nvSpPr>
+          <p:cNvPr id="2" name="スライド イメージ プレースホルダー 1"/>
+          <p:cNvSpPr>
+            <a:spLocks noGrp="1" noRot="1" noChangeAspect="1"/>
+          </p:cNvSpPr>
+          <p:nvPr>
+            <p:ph type="sldImg"/>
+          </p:nvPr>
+        </p:nvSpPr>
+        <p:spPr/>
+      </p:sp>
+      <p:sp>
+        <p:nvSpPr>
+          <p:cNvPr id="3" name="ノート プレースホルダー 2"/>
+          <p:cNvSpPr>
+            <a:spLocks noGrp="1"/>
+          </p:cNvSpPr>
+          <p:nvPr>
+            <p:ph type="body" idx="1"/>
+          </p:nvPr>
+        </p:nvSpPr>
+        <p:spPr/>
+        <p:txBody>
+          <a:bodyPr/>
+          <a:lstStyle/>
+          <a:p>
+            <a:pPr marL="0" marR="0" lvl="0" indent="0" algn="l" defTabSz="914400" rtl="0" eaLnBrk="1" fontAlgn="auto" latinLnBrk="0" hangingPunct="1">
+              <a:lnSpc>
+                <a:spcPct val="100000"/>
+              </a:lnSpc>
+              <a:spcBef>
+                <a:spcPts val="0"/>
+              </a:spcBef>
+              <a:spcAft>
+                <a:spcPts val="0"/>
+              </a:spcAft>
+              <a:buClrTx/>
+              <a:buSzTx/>
+              <a:buFontTx/>
+              <a:buNone/>
+              <a:tabLst/>
+              <a:defRPr/>
+            </a:pPr>
+            <a:r>
+              <a:rPr lang="ja-JP" altLang="en-US"/>
+              <a:t>出品者が異なるが同じ商品であるものは、すべてまとめて１件として表示</a:t>
+            </a:r>
+            <a:endParaRPr lang="en-US" altLang="ja-JP" dirty="0"/>
+          </a:p>
+          <a:p>
+            <a:endParaRPr kumimoji="1" lang="ja-JP" altLang="en-US"/>
+          </a:p>
+        </p:txBody>
+      </p:sp>
+      <p:sp>
+        <p:nvSpPr>
+          <p:cNvPr id="4" name="スライド番号プレースホルダー 3"/>
+          <p:cNvSpPr>
+            <a:spLocks noGrp="1"/>
+          </p:cNvSpPr>
+          <p:nvPr>
+            <p:ph type="sldNum" sz="quarter" idx="5"/>
+          </p:nvPr>
+        </p:nvSpPr>
+        <p:spPr/>
+        <p:txBody>
+          <a:bodyPr/>
+          <a:lstStyle/>
+          <a:p>
+            <a:fld id="{9E1C67F3-BA0B-B442-BA23-A3194F4E98B9}" type="slidenum">
+              <a:rPr kumimoji="1" lang="ja-JP" altLang="en-US" smtClean="0"/>
+              <a:t>12</a:t>
+            </a:fld>
+            <a:endParaRPr kumimoji="1" lang="ja-JP" altLang="en-US"/>
+          </a:p>
+        </p:txBody>
+      </p:sp>
+    </p:spTree>
+    <p:extLst>
+      <p:ext uri="{BB962C8B-B14F-4D97-AF65-F5344CB8AC3E}">
+        <p14:creationId xmlns:p14="http://schemas.microsoft.com/office/powerpoint/2010/main" val="2265652488"/>
       </p:ext>
     </p:extLst>
   </p:cSld>
@@ -5130,50 +5408,6 @@
       </p:sp>
       <p:sp>
         <p:nvSpPr>
-          <p:cNvPr id="3" name="テキスト プレースホルダー 2">
-            <a:extLst>
-              <a:ext uri="{FF2B5EF4-FFF2-40B4-BE49-F238E27FC236}">
-                <a16:creationId xmlns:a16="http://schemas.microsoft.com/office/drawing/2014/main" id="{3F1E7B7C-CCC0-400C-8A2D-D50BF4251EA6}"/>
-              </a:ext>
-            </a:extLst>
-          </p:cNvPr>
-          <p:cNvSpPr>
-            <a:spLocks noGrp="1"/>
-          </p:cNvSpPr>
-          <p:nvPr>
-            <p:ph type="body" idx="1"/>
-          </p:nvPr>
-        </p:nvSpPr>
-        <p:spPr>
-          <a:xfrm>
-            <a:off x="838200" y="1548720"/>
-            <a:ext cx="10461171" cy="1753280"/>
-          </a:xfrm>
-        </p:spPr>
-        <p:txBody>
-          <a:bodyPr>
-            <a:normAutofit/>
-          </a:bodyPr>
-          <a:lstStyle/>
-          <a:p>
-            <a:pPr marL="457200" indent="-457200">
-              <a:buFont typeface="Arial" panose="020B0604020202020204" pitchFamily="34" charset="0"/>
-              <a:buChar char="•"/>
-            </a:pPr>
-            <a:r>
-              <a:rPr lang="ja-JP" altLang="en-US" dirty="0"/>
-              <a:t>出品者が異なるが同じ商品であるものは、すべてまとめて１件と</a:t>
-            </a:r>
-            <a:r>
-              <a:rPr lang="ja-JP" altLang="en-US"/>
-              <a:t>して表示</a:t>
-            </a:r>
-            <a:endParaRPr lang="en-US" altLang="ja-JP" dirty="0"/>
-          </a:p>
-        </p:txBody>
-      </p:sp>
-      <p:sp>
-        <p:nvSpPr>
           <p:cNvPr id="5" name="四角形: 角を丸くする 4">
             <a:extLst>
               <a:ext uri="{FF2B5EF4-FFF2-40B4-BE49-F238E27FC236}">
@@ -5217,7 +5451,7 @@
           <a:lstStyle/>
           <a:p>
             <a:r>
-              <a:rPr lang="ja-JP" altLang="en-US" sz="3200" dirty="0">
+              <a:rPr lang="en-US" altLang="ja-JP" sz="3200" dirty="0">
                 <a:effectLst>
                   <a:outerShdw blurRad="38100" dist="38100" dir="2700000" algn="tl">
                     <a:srgbClr val="000000">
@@ -5226,663 +5460,539 @@
                   </a:outerShdw>
                 </a:effectLst>
               </a:rPr>
-              <a:t>同じ商品をまとめる機能の仕様</a:t>
-            </a:r>
-          </a:p>
-        </p:txBody>
-      </p:sp>
-      <p:sp>
-        <p:nvSpPr>
-          <p:cNvPr id="4" name="正方形/長方形 3">
-            <a:extLst>
-              <a:ext uri="{FF2B5EF4-FFF2-40B4-BE49-F238E27FC236}">
-                <a16:creationId xmlns:a16="http://schemas.microsoft.com/office/drawing/2014/main" id="{7E83A8C1-7475-4769-912A-5A99938F7FE3}"/>
-              </a:ext>
-            </a:extLst>
-          </p:cNvPr>
-          <p:cNvSpPr/>
+              <a:t>Grouping </a:t>
+            </a:r>
+            <a:r>
+              <a:rPr lang="en-US" altLang="ja-JP" sz="3200">
+                <a:effectLst>
+                  <a:outerShdw blurRad="38100" dist="38100" dir="2700000" algn="tl">
+                    <a:srgbClr val="000000">
+                      <a:alpha val="43137"/>
+                    </a:srgbClr>
+                  </a:outerShdw>
+                </a:effectLst>
+              </a:rPr>
+              <a:t>one item</a:t>
+            </a:r>
+            <a:endParaRPr lang="ja-JP" altLang="en-US" sz="3200" dirty="0">
+              <a:effectLst>
+                <a:outerShdw blurRad="38100" dist="38100" dir="2700000" algn="tl">
+                  <a:srgbClr val="000000">
+                    <a:alpha val="43137"/>
+                  </a:srgbClr>
+                </a:outerShdw>
+              </a:effectLst>
+            </a:endParaRPr>
+          </a:p>
+        </p:txBody>
+      </p:sp>
+      <p:grpSp>
+        <p:nvGrpSpPr>
+          <p:cNvPr id="6" name="グループ化 5">
+            <a:extLst>
+              <a:ext uri="{FF2B5EF4-FFF2-40B4-BE49-F238E27FC236}">
+                <a16:creationId xmlns:a16="http://schemas.microsoft.com/office/drawing/2014/main" id="{A8C8DE38-85FE-3A4C-A531-0E466EF29618}"/>
+              </a:ext>
+            </a:extLst>
+          </p:cNvPr>
+          <p:cNvGrpSpPr/>
           <p:nvPr/>
-        </p:nvSpPr>
-        <p:spPr>
+        </p:nvGrpSpPr>
+        <p:grpSpPr>
           <a:xfrm>
-            <a:off x="1687286" y="2540000"/>
+            <a:off x="1687286" y="2098554"/>
             <a:ext cx="3363685" cy="3026230"/>
+            <a:chOff x="1687286" y="2540000"/>
+            <a:chExt cx="3363685" cy="3026230"/>
           </a:xfrm>
-          <a:prstGeom prst="rect">
-            <a:avLst/>
-          </a:prstGeom>
-          <a:solidFill>
-            <a:srgbClr val="DC143C"/>
-          </a:solidFill>
-        </p:spPr>
-        <p:style>
-          <a:lnRef idx="2">
-            <a:schemeClr val="accent1">
-              <a:shade val="50000"/>
-            </a:schemeClr>
-          </a:lnRef>
-          <a:fillRef idx="1">
-            <a:schemeClr val="accent1"/>
-          </a:fillRef>
-          <a:effectRef idx="0">
-            <a:schemeClr val="accent1"/>
-          </a:effectRef>
-          <a:fontRef idx="minor">
-            <a:schemeClr val="lt1"/>
-          </a:fontRef>
-        </p:style>
-        <p:txBody>
-          <a:bodyPr rtlCol="0" anchor="ctr"/>
-          <a:lstStyle/>
-          <a:p>
-            <a:pPr algn="ctr"/>
-            <a:endParaRPr kumimoji="1" lang="ja-JP" altLang="en-US"/>
-          </a:p>
-        </p:txBody>
-      </p:sp>
-      <p:pic>
-        <p:nvPicPr>
-          <p:cNvPr id="9" name="グラフィックス 8" descr="靴">
-            <a:extLst>
-              <a:ext uri="{FF2B5EF4-FFF2-40B4-BE49-F238E27FC236}">
-                <a16:creationId xmlns:a16="http://schemas.microsoft.com/office/drawing/2014/main" id="{801F29B4-589E-4A80-9369-F3054DEE38A5}"/>
-              </a:ext>
-            </a:extLst>
-          </p:cNvPr>
-          <p:cNvPicPr>
-            <a:picLocks noChangeAspect="1"/>
-          </p:cNvPicPr>
-          <p:nvPr/>
-        </p:nvPicPr>
-        <p:blipFill>
-          <a:blip r:embed="rId2">
-            <a:extLst>
-              <a:ext uri="{28A0092B-C50C-407E-A947-70E740481C1C}">
-                <a14:useLocalDpi xmlns:a14="http://schemas.microsoft.com/office/drawing/2010/main" val="0"/>
-              </a:ext>
-              <a:ext uri="{96DAC541-7B7A-43D3-8B79-37D633B846F1}">
-                <asvg:svgBlip xmlns:asvg="http://schemas.microsoft.com/office/drawing/2016/SVG/main" r:embed="rId3"/>
-              </a:ext>
-            </a:extLst>
-          </a:blip>
-          <a:stretch>
-            <a:fillRect/>
-          </a:stretch>
-        </p:blipFill>
-        <p:spPr>
-          <a:xfrm>
-            <a:off x="2068285" y="3055498"/>
-            <a:ext cx="914400" cy="914400"/>
-          </a:xfrm>
-          <a:prstGeom prst="rect">
-            <a:avLst/>
-          </a:prstGeom>
-        </p:spPr>
-      </p:pic>
-      <p:sp>
-        <p:nvSpPr>
-          <p:cNvPr id="10" name="正方形/長方形 9">
-            <a:extLst>
-              <a:ext uri="{FF2B5EF4-FFF2-40B4-BE49-F238E27FC236}">
-                <a16:creationId xmlns:a16="http://schemas.microsoft.com/office/drawing/2014/main" id="{15E4DD49-D9FE-4D30-A73F-0F732EC9FEAC}"/>
-              </a:ext>
-            </a:extLst>
-          </p:cNvPr>
-          <p:cNvSpPr/>
-          <p:nvPr/>
-        </p:nvSpPr>
-        <p:spPr>
-          <a:xfrm>
-            <a:off x="1875970" y="2967335"/>
-            <a:ext cx="1299029" cy="1090726"/>
-          </a:xfrm>
-          <a:prstGeom prst="rect">
-            <a:avLst/>
-          </a:prstGeom>
-          <a:noFill/>
-          <a:ln>
+        </p:grpSpPr>
+        <p:sp>
+          <p:nvSpPr>
+            <p:cNvPr id="4" name="正方形/長方形 3">
+              <a:extLst>
+                <a:ext uri="{FF2B5EF4-FFF2-40B4-BE49-F238E27FC236}">
+                  <a16:creationId xmlns:a16="http://schemas.microsoft.com/office/drawing/2014/main" id="{7E83A8C1-7475-4769-912A-5A99938F7FE3}"/>
+                </a:ext>
+              </a:extLst>
+            </p:cNvPr>
+            <p:cNvSpPr/>
+            <p:nvPr/>
+          </p:nvSpPr>
+          <p:spPr>
+            <a:xfrm>
+              <a:off x="1687286" y="2540000"/>
+              <a:ext cx="3363685" cy="3026230"/>
+            </a:xfrm>
+            <a:prstGeom prst="rect">
+              <a:avLst/>
+            </a:prstGeom>
             <a:solidFill>
-              <a:schemeClr val="bg1"/>
+              <a:srgbClr val="DC143C"/>
             </a:solidFill>
-          </a:ln>
-        </p:spPr>
-        <p:style>
-          <a:lnRef idx="2">
-            <a:schemeClr val="accent1">
-              <a:shade val="50000"/>
-            </a:schemeClr>
-          </a:lnRef>
-          <a:fillRef idx="1">
-            <a:schemeClr val="accent1"/>
-          </a:fillRef>
-          <a:effectRef idx="0">
-            <a:schemeClr val="accent1"/>
-          </a:effectRef>
-          <a:fontRef idx="minor">
-            <a:schemeClr val="lt1"/>
-          </a:fontRef>
-        </p:style>
-        <p:txBody>
-          <a:bodyPr rtlCol="0" anchor="ctr"/>
-          <a:lstStyle/>
-          <a:p>
-            <a:pPr algn="ctr"/>
-            <a:endParaRPr kumimoji="1" lang="ja-JP" altLang="en-US"/>
-          </a:p>
-        </p:txBody>
-      </p:sp>
-      <p:cxnSp>
-        <p:nvCxnSpPr>
-          <p:cNvPr id="12" name="直線コネクタ 11">
-            <a:extLst>
-              <a:ext uri="{FF2B5EF4-FFF2-40B4-BE49-F238E27FC236}">
-                <a16:creationId xmlns:a16="http://schemas.microsoft.com/office/drawing/2014/main" id="{48BDA307-E1C3-4FF7-9395-192A67C1A641}"/>
-              </a:ext>
-            </a:extLst>
-          </p:cNvPr>
-          <p:cNvCxnSpPr>
-            <a:cxnSpLocks/>
-          </p:cNvCxnSpPr>
-          <p:nvPr/>
-        </p:nvCxnSpPr>
-        <p:spPr>
-          <a:xfrm>
-            <a:off x="1875970" y="4199724"/>
-            <a:ext cx="2964544" cy="0"/>
-          </a:xfrm>
-          <a:prstGeom prst="line">
-            <a:avLst/>
-          </a:prstGeom>
-          <a:ln w="12700">
-            <a:solidFill>
-              <a:schemeClr val="bg1"/>
-            </a:solidFill>
-          </a:ln>
-        </p:spPr>
-        <p:style>
-          <a:lnRef idx="1">
-            <a:schemeClr val="accent1"/>
-          </a:lnRef>
-          <a:fillRef idx="0">
-            <a:schemeClr val="accent1"/>
-          </a:fillRef>
-          <a:effectRef idx="0">
-            <a:schemeClr val="accent1"/>
-          </a:effectRef>
-          <a:fontRef idx="minor">
-            <a:schemeClr val="tx1"/>
-          </a:fontRef>
-        </p:style>
-      </p:cxnSp>
-      <p:sp>
-        <p:nvSpPr>
-          <p:cNvPr id="13" name="テキスト ボックス 12">
-            <a:extLst>
-              <a:ext uri="{FF2B5EF4-FFF2-40B4-BE49-F238E27FC236}">
-                <a16:creationId xmlns:a16="http://schemas.microsoft.com/office/drawing/2014/main" id="{70CD35EC-023A-4274-B5D0-133943F89ADA}"/>
-              </a:ext>
-            </a:extLst>
-          </p:cNvPr>
-          <p:cNvSpPr txBox="1"/>
-          <p:nvPr/>
-        </p:nvSpPr>
-        <p:spPr>
-          <a:xfrm>
-            <a:off x="3236685" y="2921237"/>
-            <a:ext cx="1770742" cy="1200329"/>
-          </a:xfrm>
-          <a:prstGeom prst="rect">
-            <a:avLst/>
-          </a:prstGeom>
-          <a:noFill/>
-        </p:spPr>
-        <p:txBody>
-          <a:bodyPr wrap="square" rtlCol="0">
-            <a:spAutoFit/>
-          </a:bodyPr>
-          <a:lstStyle/>
-          <a:p>
-            <a:r>
-              <a:rPr kumimoji="1" lang="en-US" altLang="ja-JP" sz="2400" dirty="0">
+          </p:spPr>
+          <p:style>
+            <a:lnRef idx="2">
+              <a:schemeClr val="accent1">
+                <a:shade val="50000"/>
+              </a:schemeClr>
+            </a:lnRef>
+            <a:fillRef idx="1">
+              <a:schemeClr val="accent1"/>
+            </a:fillRef>
+            <a:effectRef idx="0">
+              <a:schemeClr val="accent1"/>
+            </a:effectRef>
+            <a:fontRef idx="minor">
+              <a:schemeClr val="lt1"/>
+            </a:fontRef>
+          </p:style>
+          <p:txBody>
+            <a:bodyPr rtlCol="0" anchor="ctr"/>
+            <a:lstStyle/>
+            <a:p>
+              <a:pPr algn="ctr"/>
+              <a:endParaRPr kumimoji="1" lang="ja-JP" altLang="en-US"/>
+            </a:p>
+          </p:txBody>
+        </p:sp>
+        <p:pic>
+          <p:nvPicPr>
+            <p:cNvPr id="9" name="グラフィックス 8" descr="靴">
+              <a:extLst>
+                <a:ext uri="{FF2B5EF4-FFF2-40B4-BE49-F238E27FC236}">
+                  <a16:creationId xmlns:a16="http://schemas.microsoft.com/office/drawing/2014/main" id="{801F29B4-589E-4A80-9369-F3054DEE38A5}"/>
+                </a:ext>
+              </a:extLst>
+            </p:cNvPr>
+            <p:cNvPicPr>
+              <a:picLocks noChangeAspect="1"/>
+            </p:cNvPicPr>
+            <p:nvPr/>
+          </p:nvPicPr>
+          <p:blipFill>
+            <a:blip r:embed="rId3">
+              <a:extLst>
+                <a:ext uri="{28A0092B-C50C-407E-A947-70E740481C1C}">
+                  <a14:useLocalDpi xmlns:a14="http://schemas.microsoft.com/office/drawing/2010/main" val="0"/>
+                </a:ext>
+                <a:ext uri="{96DAC541-7B7A-43D3-8B79-37D633B846F1}">
+                  <asvg:svgBlip xmlns:asvg="http://schemas.microsoft.com/office/drawing/2016/SVG/main" r:embed="rId4"/>
+                </a:ext>
+              </a:extLst>
+            </a:blip>
+            <a:stretch>
+              <a:fillRect/>
+            </a:stretch>
+          </p:blipFill>
+          <p:spPr>
+            <a:xfrm>
+              <a:off x="2068285" y="3055498"/>
+              <a:ext cx="914400" cy="914400"/>
+            </a:xfrm>
+            <a:prstGeom prst="rect">
+              <a:avLst/>
+            </a:prstGeom>
+          </p:spPr>
+        </p:pic>
+        <p:sp>
+          <p:nvSpPr>
+            <p:cNvPr id="10" name="正方形/長方形 9">
+              <a:extLst>
+                <a:ext uri="{FF2B5EF4-FFF2-40B4-BE49-F238E27FC236}">
+                  <a16:creationId xmlns:a16="http://schemas.microsoft.com/office/drawing/2014/main" id="{15E4DD49-D9FE-4D30-A73F-0F732EC9FEAC}"/>
+                </a:ext>
+              </a:extLst>
+            </p:cNvPr>
+            <p:cNvSpPr/>
+            <p:nvPr/>
+          </p:nvSpPr>
+          <p:spPr>
+            <a:xfrm>
+              <a:off x="1875970" y="2967335"/>
+              <a:ext cx="1299029" cy="1090726"/>
+            </a:xfrm>
+            <a:prstGeom prst="rect">
+              <a:avLst/>
+            </a:prstGeom>
+            <a:noFill/>
+            <a:ln>
+              <a:solidFill>
+                <a:schemeClr val="bg1"/>
+              </a:solidFill>
+            </a:ln>
+          </p:spPr>
+          <p:style>
+            <a:lnRef idx="2">
+              <a:schemeClr val="accent1">
+                <a:shade val="50000"/>
+              </a:schemeClr>
+            </a:lnRef>
+            <a:fillRef idx="1">
+              <a:schemeClr val="accent1"/>
+            </a:fillRef>
+            <a:effectRef idx="0">
+              <a:schemeClr val="accent1"/>
+            </a:effectRef>
+            <a:fontRef idx="minor">
+              <a:schemeClr val="lt1"/>
+            </a:fontRef>
+          </p:style>
+          <p:txBody>
+            <a:bodyPr rtlCol="0" anchor="ctr"/>
+            <a:lstStyle/>
+            <a:p>
+              <a:pPr algn="ctr"/>
+              <a:endParaRPr kumimoji="1" lang="ja-JP" altLang="en-US"/>
+            </a:p>
+          </p:txBody>
+        </p:sp>
+        <p:cxnSp>
+          <p:nvCxnSpPr>
+            <p:cNvPr id="12" name="直線コネクタ 11">
+              <a:extLst>
+                <a:ext uri="{FF2B5EF4-FFF2-40B4-BE49-F238E27FC236}">
+                  <a16:creationId xmlns:a16="http://schemas.microsoft.com/office/drawing/2014/main" id="{48BDA307-E1C3-4FF7-9395-192A67C1A641}"/>
+                </a:ext>
+              </a:extLst>
+            </p:cNvPr>
+            <p:cNvCxnSpPr>
+              <a:cxnSpLocks/>
+            </p:cNvCxnSpPr>
+            <p:nvPr/>
+          </p:nvCxnSpPr>
+          <p:spPr>
+            <a:xfrm>
+              <a:off x="1875970" y="4199724"/>
+              <a:ext cx="2964544" cy="0"/>
+            </a:xfrm>
+            <a:prstGeom prst="line">
+              <a:avLst/>
+            </a:prstGeom>
+            <a:ln w="12700">
+              <a:solidFill>
+                <a:schemeClr val="bg1"/>
+              </a:solidFill>
+            </a:ln>
+          </p:spPr>
+          <p:style>
+            <a:lnRef idx="1">
+              <a:schemeClr val="accent1"/>
+            </a:lnRef>
+            <a:fillRef idx="0">
+              <a:schemeClr val="accent1"/>
+            </a:fillRef>
+            <a:effectRef idx="0">
+              <a:schemeClr val="accent1"/>
+            </a:effectRef>
+            <a:fontRef idx="minor">
+              <a:schemeClr val="tx1"/>
+            </a:fontRef>
+          </p:style>
+        </p:cxnSp>
+        <p:sp>
+          <p:nvSpPr>
+            <p:cNvPr id="13" name="テキスト ボックス 12">
+              <a:extLst>
+                <a:ext uri="{FF2B5EF4-FFF2-40B4-BE49-F238E27FC236}">
+                  <a16:creationId xmlns:a16="http://schemas.microsoft.com/office/drawing/2014/main" id="{70CD35EC-023A-4274-B5D0-133943F89ADA}"/>
+                </a:ext>
+              </a:extLst>
+            </p:cNvPr>
+            <p:cNvSpPr txBox="1"/>
+            <p:nvPr/>
+          </p:nvSpPr>
+          <p:spPr>
+            <a:xfrm>
+              <a:off x="3236685" y="2921237"/>
+              <a:ext cx="1770742" cy="1200329"/>
+            </a:xfrm>
+            <a:prstGeom prst="rect">
+              <a:avLst/>
+            </a:prstGeom>
+            <a:noFill/>
+          </p:spPr>
+          <p:txBody>
+            <a:bodyPr wrap="square" rtlCol="0">
+              <a:spAutoFit/>
+            </a:bodyPr>
+            <a:lstStyle/>
+            <a:p>
+              <a:r>
+                <a:rPr kumimoji="1" lang="en-US" altLang="ja-JP" sz="2400" dirty="0">
+                  <a:solidFill>
+                    <a:schemeClr val="bg1"/>
+                  </a:solidFill>
+                </a:rPr>
+                <a:t>Shoes A</a:t>
+              </a:r>
+              <a:endParaRPr lang="en-US" altLang="ja-JP" sz="2400" dirty="0">
                 <a:solidFill>
                   <a:schemeClr val="bg1"/>
                 </a:solidFill>
-              </a:rPr>
-              <a:t>Shoes A</a:t>
-            </a:r>
-            <a:endParaRPr lang="en-US" altLang="ja-JP" sz="2400" dirty="0">
+              </a:endParaRPr>
+            </a:p>
+            <a:p>
+              <a:r>
+                <a:rPr kumimoji="1" lang="en-US" altLang="ja-JP" sz="2400" dirty="0">
+                  <a:solidFill>
+                    <a:schemeClr val="bg1"/>
+                  </a:solidFill>
+                </a:rPr>
+                <a:t>$30</a:t>
+              </a:r>
+            </a:p>
+            <a:p>
+              <a:r>
+                <a:rPr kumimoji="1" lang="en-US" altLang="ja-JP" sz="2400" dirty="0">
+                  <a:solidFill>
+                    <a:schemeClr val="bg1"/>
+                  </a:solidFill>
+                </a:rPr>
+                <a:t>ABC shop</a:t>
+              </a:r>
+              <a:endParaRPr kumimoji="1" lang="ja-JP" altLang="en-US" sz="2400" dirty="0">
+                <a:solidFill>
+                  <a:schemeClr val="bg1"/>
+                </a:solidFill>
+              </a:endParaRPr>
+            </a:p>
+          </p:txBody>
+        </p:sp>
+        <p:pic>
+          <p:nvPicPr>
+            <p:cNvPr id="14" name="グラフィックス 13" descr="靴">
+              <a:extLst>
+                <a:ext uri="{FF2B5EF4-FFF2-40B4-BE49-F238E27FC236}">
+                  <a16:creationId xmlns:a16="http://schemas.microsoft.com/office/drawing/2014/main" id="{DC70E702-72FE-4C10-9B37-F583AD1B7479}"/>
+                </a:ext>
+              </a:extLst>
+            </p:cNvPr>
+            <p:cNvPicPr>
+              <a:picLocks noChangeAspect="1"/>
+            </p:cNvPicPr>
+            <p:nvPr/>
+          </p:nvPicPr>
+          <p:blipFill>
+            <a:blip r:embed="rId3">
+              <a:extLst>
+                <a:ext uri="{28A0092B-C50C-407E-A947-70E740481C1C}">
+                  <a14:useLocalDpi xmlns:a14="http://schemas.microsoft.com/office/drawing/2010/main" val="0"/>
+                </a:ext>
+                <a:ext uri="{96DAC541-7B7A-43D3-8B79-37D633B846F1}">
+                  <asvg:svgBlip xmlns:asvg="http://schemas.microsoft.com/office/drawing/2016/SVG/main" r:embed="rId4"/>
+                </a:ext>
+              </a:extLst>
+            </a:blip>
+            <a:stretch>
+              <a:fillRect/>
+            </a:stretch>
+          </p:blipFill>
+          <p:spPr>
+            <a:xfrm>
+              <a:off x="2068285" y="4425777"/>
+              <a:ext cx="914400" cy="914400"/>
+            </a:xfrm>
+            <a:prstGeom prst="rect">
+              <a:avLst/>
+            </a:prstGeom>
+          </p:spPr>
+        </p:pic>
+        <p:sp>
+          <p:nvSpPr>
+            <p:cNvPr id="15" name="正方形/長方形 14">
+              <a:extLst>
+                <a:ext uri="{FF2B5EF4-FFF2-40B4-BE49-F238E27FC236}">
+                  <a16:creationId xmlns:a16="http://schemas.microsoft.com/office/drawing/2014/main" id="{4963F8C0-2858-41A2-9BDE-AAA222046028}"/>
+                </a:ext>
+              </a:extLst>
+            </p:cNvPr>
+            <p:cNvSpPr/>
+            <p:nvPr/>
+          </p:nvSpPr>
+          <p:spPr>
+            <a:xfrm>
+              <a:off x="1875970" y="4337614"/>
+              <a:ext cx="1299029" cy="1090726"/>
+            </a:xfrm>
+            <a:prstGeom prst="rect">
+              <a:avLst/>
+            </a:prstGeom>
+            <a:noFill/>
+            <a:ln>
               <a:solidFill>
                 <a:schemeClr val="bg1"/>
               </a:solidFill>
-            </a:endParaRPr>
-          </a:p>
-          <a:p>
-            <a:r>
-              <a:rPr kumimoji="1" lang="en-US" altLang="ja-JP" sz="2400" dirty="0">
+            </a:ln>
+          </p:spPr>
+          <p:style>
+            <a:lnRef idx="2">
+              <a:schemeClr val="accent1">
+                <a:shade val="50000"/>
+              </a:schemeClr>
+            </a:lnRef>
+            <a:fillRef idx="1">
+              <a:schemeClr val="accent1"/>
+            </a:fillRef>
+            <a:effectRef idx="0">
+              <a:schemeClr val="accent1"/>
+            </a:effectRef>
+            <a:fontRef idx="minor">
+              <a:schemeClr val="lt1"/>
+            </a:fontRef>
+          </p:style>
+          <p:txBody>
+            <a:bodyPr rtlCol="0" anchor="ctr"/>
+            <a:lstStyle/>
+            <a:p>
+              <a:pPr algn="ctr"/>
+              <a:endParaRPr kumimoji="1" lang="ja-JP" altLang="en-US"/>
+            </a:p>
+          </p:txBody>
+        </p:sp>
+        <p:sp>
+          <p:nvSpPr>
+            <p:cNvPr id="16" name="テキスト ボックス 15">
+              <a:extLst>
+                <a:ext uri="{FF2B5EF4-FFF2-40B4-BE49-F238E27FC236}">
+                  <a16:creationId xmlns:a16="http://schemas.microsoft.com/office/drawing/2014/main" id="{CB40319C-8270-4391-9189-39D70EA9ED53}"/>
+                </a:ext>
+              </a:extLst>
+            </p:cNvPr>
+            <p:cNvSpPr txBox="1"/>
+            <p:nvPr/>
+          </p:nvSpPr>
+          <p:spPr>
+            <a:xfrm>
+              <a:off x="3280229" y="4293280"/>
+              <a:ext cx="1770742" cy="1200329"/>
+            </a:xfrm>
+            <a:prstGeom prst="rect">
+              <a:avLst/>
+            </a:prstGeom>
+            <a:noFill/>
+          </p:spPr>
+          <p:txBody>
+            <a:bodyPr wrap="square" rtlCol="0">
+              <a:spAutoFit/>
+            </a:bodyPr>
+            <a:lstStyle/>
+            <a:p>
+              <a:r>
+                <a:rPr kumimoji="1" lang="en-US" altLang="ja-JP" sz="2400" dirty="0">
+                  <a:solidFill>
+                    <a:schemeClr val="bg1"/>
+                  </a:solidFill>
+                </a:rPr>
+                <a:t>Shoes A</a:t>
+              </a:r>
+              <a:endParaRPr lang="en-US" altLang="ja-JP" sz="2400" dirty="0">
                 <a:solidFill>
                   <a:schemeClr val="bg1"/>
                 </a:solidFill>
-              </a:rPr>
-              <a:t>$30</a:t>
-            </a:r>
-          </a:p>
-          <a:p>
-            <a:r>
-              <a:rPr kumimoji="1" lang="en-US" altLang="ja-JP" sz="2400" dirty="0">
+              </a:endParaRPr>
+            </a:p>
+            <a:p>
+              <a:r>
+                <a:rPr kumimoji="1" lang="en-US" altLang="ja-JP" sz="2400" dirty="0">
+                  <a:solidFill>
+                    <a:schemeClr val="bg1"/>
+                  </a:solidFill>
+                </a:rPr>
+                <a:t>$40</a:t>
+              </a:r>
+            </a:p>
+            <a:p>
+              <a:r>
+                <a:rPr lang="en-US" altLang="ja-JP" sz="2400" dirty="0">
+                  <a:solidFill>
+                    <a:schemeClr val="bg1"/>
+                  </a:solidFill>
+                </a:rPr>
+                <a:t>XYZ</a:t>
+              </a:r>
+              <a:r>
+                <a:rPr lang="ja-JP" altLang="en-US" sz="2400">
+                  <a:solidFill>
+                    <a:schemeClr val="bg1"/>
+                  </a:solidFill>
+                </a:rPr>
+                <a:t> </a:t>
+              </a:r>
+              <a:r>
+                <a:rPr lang="en-US" altLang="ja-JP" sz="2400" dirty="0">
+                  <a:solidFill>
+                    <a:schemeClr val="bg1"/>
+                  </a:solidFill>
+                </a:rPr>
+                <a:t>shop</a:t>
+              </a:r>
+              <a:endParaRPr kumimoji="1" lang="ja-JP" altLang="en-US" sz="2400" dirty="0">
                 <a:solidFill>
                   <a:schemeClr val="bg1"/>
                 </a:solidFill>
-              </a:rPr>
-              <a:t>ABC shop</a:t>
-            </a:r>
-            <a:endParaRPr kumimoji="1" lang="ja-JP" altLang="en-US" sz="2400" dirty="0">
-              <a:solidFill>
-                <a:schemeClr val="bg1"/>
-              </a:solidFill>
-            </a:endParaRPr>
-          </a:p>
-        </p:txBody>
-      </p:sp>
-      <p:pic>
-        <p:nvPicPr>
-          <p:cNvPr id="14" name="グラフィックス 13" descr="靴">
-            <a:extLst>
-              <a:ext uri="{FF2B5EF4-FFF2-40B4-BE49-F238E27FC236}">
-                <a16:creationId xmlns:a16="http://schemas.microsoft.com/office/drawing/2014/main" id="{DC70E702-72FE-4C10-9B37-F583AD1B7479}"/>
-              </a:ext>
-            </a:extLst>
-          </p:cNvPr>
-          <p:cNvPicPr>
-            <a:picLocks noChangeAspect="1"/>
-          </p:cNvPicPr>
-          <p:nvPr/>
-        </p:nvPicPr>
-        <p:blipFill>
-          <a:blip r:embed="rId2">
-            <a:extLst>
-              <a:ext uri="{28A0092B-C50C-407E-A947-70E740481C1C}">
-                <a14:useLocalDpi xmlns:a14="http://schemas.microsoft.com/office/drawing/2010/main" val="0"/>
-              </a:ext>
-              <a:ext uri="{96DAC541-7B7A-43D3-8B79-37D633B846F1}">
-                <asvg:svgBlip xmlns:asvg="http://schemas.microsoft.com/office/drawing/2016/SVG/main" r:embed="rId3"/>
-              </a:ext>
-            </a:extLst>
-          </a:blip>
-          <a:stretch>
-            <a:fillRect/>
-          </a:stretch>
-        </p:blipFill>
-        <p:spPr>
-          <a:xfrm>
-            <a:off x="2068285" y="4425777"/>
-            <a:ext cx="914400" cy="914400"/>
-          </a:xfrm>
-          <a:prstGeom prst="rect">
-            <a:avLst/>
-          </a:prstGeom>
-        </p:spPr>
-      </p:pic>
-      <p:sp>
-        <p:nvSpPr>
-          <p:cNvPr id="15" name="正方形/長方形 14">
-            <a:extLst>
-              <a:ext uri="{FF2B5EF4-FFF2-40B4-BE49-F238E27FC236}">
-                <a16:creationId xmlns:a16="http://schemas.microsoft.com/office/drawing/2014/main" id="{4963F8C0-2858-41A2-9BDE-AAA222046028}"/>
-              </a:ext>
-            </a:extLst>
-          </p:cNvPr>
-          <p:cNvSpPr/>
-          <p:nvPr/>
-        </p:nvSpPr>
-        <p:spPr>
-          <a:xfrm>
-            <a:off x="1875970" y="4337614"/>
-            <a:ext cx="1299029" cy="1090726"/>
-          </a:xfrm>
-          <a:prstGeom prst="rect">
-            <a:avLst/>
-          </a:prstGeom>
-          <a:noFill/>
-          <a:ln>
-            <a:solidFill>
-              <a:schemeClr val="bg1"/>
-            </a:solidFill>
-          </a:ln>
-        </p:spPr>
-        <p:style>
-          <a:lnRef idx="2">
-            <a:schemeClr val="accent1">
-              <a:shade val="50000"/>
-            </a:schemeClr>
-          </a:lnRef>
-          <a:fillRef idx="1">
-            <a:schemeClr val="accent1"/>
-          </a:fillRef>
-          <a:effectRef idx="0">
-            <a:schemeClr val="accent1"/>
-          </a:effectRef>
-          <a:fontRef idx="minor">
-            <a:schemeClr val="lt1"/>
-          </a:fontRef>
-        </p:style>
-        <p:txBody>
-          <a:bodyPr rtlCol="0" anchor="ctr"/>
-          <a:lstStyle/>
-          <a:p>
-            <a:pPr algn="ctr"/>
-            <a:endParaRPr kumimoji="1" lang="ja-JP" altLang="en-US"/>
-          </a:p>
-        </p:txBody>
-      </p:sp>
-      <p:sp>
-        <p:nvSpPr>
-          <p:cNvPr id="16" name="テキスト ボックス 15">
-            <a:extLst>
-              <a:ext uri="{FF2B5EF4-FFF2-40B4-BE49-F238E27FC236}">
-                <a16:creationId xmlns:a16="http://schemas.microsoft.com/office/drawing/2014/main" id="{CB40319C-8270-4391-9189-39D70EA9ED53}"/>
-              </a:ext>
-            </a:extLst>
-          </p:cNvPr>
-          <p:cNvSpPr txBox="1"/>
-          <p:nvPr/>
-        </p:nvSpPr>
-        <p:spPr>
-          <a:xfrm>
-            <a:off x="3280229" y="4293280"/>
-            <a:ext cx="1770742" cy="1200329"/>
-          </a:xfrm>
-          <a:prstGeom prst="rect">
-            <a:avLst/>
-          </a:prstGeom>
-          <a:noFill/>
-        </p:spPr>
-        <p:txBody>
-          <a:bodyPr wrap="square" rtlCol="0">
-            <a:spAutoFit/>
-          </a:bodyPr>
-          <a:lstStyle/>
-          <a:p>
-            <a:r>
-              <a:rPr kumimoji="1" lang="en-US" altLang="ja-JP" sz="2400" dirty="0">
-                <a:solidFill>
-                  <a:schemeClr val="bg1"/>
-                </a:solidFill>
-              </a:rPr>
-              <a:t>Shoes A</a:t>
-            </a:r>
-            <a:endParaRPr lang="en-US" altLang="ja-JP" sz="2400" dirty="0">
-              <a:solidFill>
-                <a:schemeClr val="bg1"/>
-              </a:solidFill>
-            </a:endParaRPr>
-          </a:p>
-          <a:p>
-            <a:r>
-              <a:rPr kumimoji="1" lang="en-US" altLang="ja-JP" sz="2400" dirty="0">
-                <a:solidFill>
-                  <a:schemeClr val="bg1"/>
-                </a:solidFill>
-              </a:rPr>
-              <a:t>$40</a:t>
-            </a:r>
-          </a:p>
-          <a:p>
-            <a:r>
-              <a:rPr lang="en-US" altLang="ja-JP" sz="2400" dirty="0">
-                <a:solidFill>
-                  <a:schemeClr val="bg1"/>
-                </a:solidFill>
-              </a:rPr>
-              <a:t>XYZ</a:t>
-            </a:r>
-            <a:r>
-              <a:rPr lang="ja-JP" altLang="en-US" sz="2400">
-                <a:solidFill>
-                  <a:schemeClr val="bg1"/>
-                </a:solidFill>
-              </a:rPr>
-              <a:t> </a:t>
-            </a:r>
-            <a:r>
-              <a:rPr lang="en-US" altLang="ja-JP" sz="2400" dirty="0">
-                <a:solidFill>
-                  <a:schemeClr val="bg1"/>
-                </a:solidFill>
-              </a:rPr>
-              <a:t>shop</a:t>
-            </a:r>
-            <a:endParaRPr kumimoji="1" lang="ja-JP" altLang="en-US" sz="2400" dirty="0">
-              <a:solidFill>
-                <a:schemeClr val="bg1"/>
-              </a:solidFill>
-            </a:endParaRPr>
-          </a:p>
-        </p:txBody>
-      </p:sp>
-      <p:sp>
-        <p:nvSpPr>
-          <p:cNvPr id="18" name="正方形/長方形 17">
-            <a:extLst>
-              <a:ext uri="{FF2B5EF4-FFF2-40B4-BE49-F238E27FC236}">
-                <a16:creationId xmlns:a16="http://schemas.microsoft.com/office/drawing/2014/main" id="{23581DD2-0247-4C46-8AE9-2C9C09D87588}"/>
-              </a:ext>
-            </a:extLst>
-          </p:cNvPr>
-          <p:cNvSpPr/>
-          <p:nvPr/>
-        </p:nvSpPr>
-        <p:spPr>
-          <a:xfrm>
-            <a:off x="6854372" y="2540000"/>
-            <a:ext cx="3363685" cy="3026230"/>
-          </a:xfrm>
-          <a:prstGeom prst="rect">
-            <a:avLst/>
-          </a:prstGeom>
-          <a:solidFill>
-            <a:srgbClr val="DC143C"/>
-          </a:solidFill>
-        </p:spPr>
-        <p:style>
-          <a:lnRef idx="2">
-            <a:schemeClr val="accent1">
-              <a:shade val="50000"/>
-            </a:schemeClr>
-          </a:lnRef>
-          <a:fillRef idx="1">
-            <a:schemeClr val="accent1"/>
-          </a:fillRef>
-          <a:effectRef idx="0">
-            <a:schemeClr val="accent1"/>
-          </a:effectRef>
-          <a:fontRef idx="minor">
-            <a:schemeClr val="lt1"/>
-          </a:fontRef>
-        </p:style>
-        <p:txBody>
-          <a:bodyPr rtlCol="0" anchor="ctr"/>
-          <a:lstStyle/>
-          <a:p>
-            <a:pPr algn="ctr"/>
-            <a:endParaRPr kumimoji="1" lang="ja-JP" altLang="en-US"/>
-          </a:p>
-        </p:txBody>
-      </p:sp>
-      <p:pic>
-        <p:nvPicPr>
-          <p:cNvPr id="19" name="グラフィックス 18" descr="靴">
-            <a:extLst>
-              <a:ext uri="{FF2B5EF4-FFF2-40B4-BE49-F238E27FC236}">
-                <a16:creationId xmlns:a16="http://schemas.microsoft.com/office/drawing/2014/main" id="{DE69AC5E-7E42-43B1-8CC2-37082DF56302}"/>
-              </a:ext>
-            </a:extLst>
-          </p:cNvPr>
-          <p:cNvPicPr>
-            <a:picLocks noChangeAspect="1"/>
-          </p:cNvPicPr>
-          <p:nvPr/>
-        </p:nvPicPr>
-        <p:blipFill>
-          <a:blip r:embed="rId2">
-            <a:extLst>
-              <a:ext uri="{28A0092B-C50C-407E-A947-70E740481C1C}">
-                <a14:useLocalDpi xmlns:a14="http://schemas.microsoft.com/office/drawing/2010/main" val="0"/>
-              </a:ext>
-              <a:ext uri="{96DAC541-7B7A-43D3-8B79-37D633B846F1}">
-                <asvg:svgBlip xmlns:asvg="http://schemas.microsoft.com/office/drawing/2016/SVG/main" r:embed="rId3"/>
-              </a:ext>
-            </a:extLst>
-          </a:blip>
-          <a:stretch>
-            <a:fillRect/>
-          </a:stretch>
-        </p:blipFill>
-        <p:spPr>
-          <a:xfrm>
-            <a:off x="7333344" y="3690027"/>
-            <a:ext cx="914400" cy="914400"/>
-          </a:xfrm>
-          <a:prstGeom prst="rect">
-            <a:avLst/>
-          </a:prstGeom>
-        </p:spPr>
-      </p:pic>
-      <p:sp>
-        <p:nvSpPr>
-          <p:cNvPr id="20" name="正方形/長方形 19">
-            <a:extLst>
-              <a:ext uri="{FF2B5EF4-FFF2-40B4-BE49-F238E27FC236}">
-                <a16:creationId xmlns:a16="http://schemas.microsoft.com/office/drawing/2014/main" id="{2A52B458-5E9C-4F96-963D-CD312DC67E61}"/>
-              </a:ext>
-            </a:extLst>
-          </p:cNvPr>
-          <p:cNvSpPr/>
-          <p:nvPr/>
-        </p:nvSpPr>
-        <p:spPr>
-          <a:xfrm>
-            <a:off x="7141029" y="3601864"/>
-            <a:ext cx="1299029" cy="1090726"/>
-          </a:xfrm>
-          <a:prstGeom prst="rect">
-            <a:avLst/>
-          </a:prstGeom>
-          <a:noFill/>
-          <a:ln>
-            <a:solidFill>
-              <a:schemeClr val="bg1"/>
-            </a:solidFill>
-          </a:ln>
-        </p:spPr>
-        <p:style>
-          <a:lnRef idx="2">
-            <a:schemeClr val="accent1">
-              <a:shade val="50000"/>
-            </a:schemeClr>
-          </a:lnRef>
-          <a:fillRef idx="1">
-            <a:schemeClr val="accent1"/>
-          </a:fillRef>
-          <a:effectRef idx="0">
-            <a:schemeClr val="accent1"/>
-          </a:effectRef>
-          <a:fontRef idx="minor">
-            <a:schemeClr val="lt1"/>
-          </a:fontRef>
-        </p:style>
-        <p:txBody>
-          <a:bodyPr rtlCol="0" anchor="ctr"/>
-          <a:lstStyle/>
-          <a:p>
-            <a:pPr algn="ctr"/>
-            <a:endParaRPr kumimoji="1" lang="ja-JP" altLang="en-US"/>
-          </a:p>
-        </p:txBody>
-      </p:sp>
-      <p:sp>
-        <p:nvSpPr>
-          <p:cNvPr id="22" name="テキスト ボックス 21">
-            <a:extLst>
-              <a:ext uri="{FF2B5EF4-FFF2-40B4-BE49-F238E27FC236}">
-                <a16:creationId xmlns:a16="http://schemas.microsoft.com/office/drawing/2014/main" id="{26538693-8BBD-4E40-B479-777374F4094B}"/>
-              </a:ext>
-            </a:extLst>
-          </p:cNvPr>
-          <p:cNvSpPr txBox="1"/>
-          <p:nvPr/>
-        </p:nvSpPr>
-        <p:spPr>
-          <a:xfrm>
-            <a:off x="8514444" y="3521401"/>
-            <a:ext cx="1770742" cy="830997"/>
-          </a:xfrm>
-          <a:prstGeom prst="rect">
-            <a:avLst/>
-          </a:prstGeom>
-          <a:noFill/>
-        </p:spPr>
-        <p:txBody>
-          <a:bodyPr wrap="square" rtlCol="0">
-            <a:spAutoFit/>
-          </a:bodyPr>
-          <a:lstStyle/>
-          <a:p>
-            <a:r>
-              <a:rPr kumimoji="1" lang="en-US" altLang="ja-JP" sz="2400" dirty="0">
-                <a:solidFill>
-                  <a:schemeClr val="bg1"/>
-                </a:solidFill>
-              </a:rPr>
-              <a:t>Shoes A</a:t>
-            </a:r>
-            <a:endParaRPr lang="en-US" altLang="ja-JP" sz="2400" dirty="0">
-              <a:solidFill>
-                <a:schemeClr val="bg1"/>
-              </a:solidFill>
-            </a:endParaRPr>
-          </a:p>
-          <a:p>
-            <a:r>
-              <a:rPr kumimoji="1" lang="en-US" altLang="ja-JP" sz="2400" dirty="0">
-                <a:solidFill>
-                  <a:schemeClr val="bg1"/>
-                </a:solidFill>
-              </a:rPr>
-              <a:t>$30 - $40</a:t>
-            </a:r>
-          </a:p>
-        </p:txBody>
-      </p:sp>
-      <p:sp>
-        <p:nvSpPr>
-          <p:cNvPr id="26" name="テキスト ボックス 25">
-            <a:extLst>
-              <a:ext uri="{FF2B5EF4-FFF2-40B4-BE49-F238E27FC236}">
-                <a16:creationId xmlns:a16="http://schemas.microsoft.com/office/drawing/2014/main" id="{75CF6355-5134-4CCB-A31E-88EF7B6B4D3F}"/>
-              </a:ext>
-            </a:extLst>
-          </p:cNvPr>
-          <p:cNvSpPr txBox="1"/>
-          <p:nvPr/>
-        </p:nvSpPr>
-        <p:spPr>
-          <a:xfrm>
-            <a:off x="1752599" y="2576286"/>
-            <a:ext cx="3233057" cy="369332"/>
-          </a:xfrm>
-          <a:prstGeom prst="rect">
-            <a:avLst/>
-          </a:prstGeom>
-          <a:noFill/>
-        </p:spPr>
-        <p:txBody>
-          <a:bodyPr wrap="square" rtlCol="0">
-            <a:spAutoFit/>
-          </a:bodyPr>
-          <a:lstStyle/>
-          <a:p>
-            <a:r>
-              <a:rPr kumimoji="1" lang="en-US" altLang="ja-JP" b="1" dirty="0">
+              </a:endParaRPr>
+            </a:p>
+          </p:txBody>
+        </p:sp>
+        <p:sp>
+          <p:nvSpPr>
+            <p:cNvPr id="26" name="テキスト ボックス 25">
+              <a:extLst>
+                <a:ext uri="{FF2B5EF4-FFF2-40B4-BE49-F238E27FC236}">
+                  <a16:creationId xmlns:a16="http://schemas.microsoft.com/office/drawing/2014/main" id="{75CF6355-5134-4CCB-A31E-88EF7B6B4D3F}"/>
+                </a:ext>
+              </a:extLst>
+            </p:cNvPr>
+            <p:cNvSpPr txBox="1"/>
+            <p:nvPr/>
+          </p:nvSpPr>
+          <p:spPr>
+            <a:xfrm>
+              <a:off x="1752599" y="2576286"/>
+              <a:ext cx="3233057" cy="369332"/>
+            </a:xfrm>
+            <a:prstGeom prst="rect">
+              <a:avLst/>
+            </a:prstGeom>
+            <a:noFill/>
+          </p:spPr>
+          <p:txBody>
+            <a:bodyPr wrap="square" rtlCol="0">
+              <a:spAutoFit/>
+            </a:bodyPr>
+            <a:lstStyle/>
+            <a:p>
+              <a:r>
+                <a:rPr kumimoji="1" lang="en-US" altLang="ja-JP" b="1" dirty="0">
+                  <a:solidFill>
+                    <a:schemeClr val="bg1"/>
+                  </a:solidFill>
+                  <a:effectLst>
+                    <a:outerShdw blurRad="38100" dist="38100" dir="2700000" algn="tl">
+                      <a:srgbClr val="000000">
+                        <a:alpha val="43137"/>
+                      </a:srgbClr>
+                    </a:outerShdw>
+                  </a:effectLst>
+                </a:rPr>
+                <a:t>Rakuten </a:t>
+              </a:r>
+              <a:r>
+                <a:rPr kumimoji="1" lang="en-US" altLang="ja-JP" b="1" dirty="0" err="1">
+                  <a:solidFill>
+                    <a:schemeClr val="bg1"/>
+                  </a:solidFill>
+                  <a:effectLst>
+                    <a:outerShdw blurRad="38100" dist="38100" dir="2700000" algn="tl">
+                      <a:srgbClr val="000000">
+                        <a:alpha val="43137"/>
+                      </a:srgbClr>
+                    </a:outerShdw>
+                  </a:effectLst>
+                </a:rPr>
+                <a:t>Ichiba</a:t>
+              </a:r>
+              <a:endParaRPr kumimoji="1" lang="ja-JP" altLang="en-US" b="1" dirty="0">
                 <a:solidFill>
                   <a:schemeClr val="bg1"/>
                 </a:solidFill>
@@ -5893,127 +6003,26 @@
                     </a:srgbClr>
                   </a:outerShdw>
                 </a:effectLst>
-              </a:rPr>
-              <a:t>Rakuten </a:t>
-            </a:r>
-            <a:r>
-              <a:rPr kumimoji="1" lang="en-US" altLang="ja-JP" b="1" dirty="0" err="1">
-                <a:solidFill>
-                  <a:schemeClr val="bg1"/>
-                </a:solidFill>
-                <a:effectLst>
-                  <a:outerShdw blurRad="38100" dist="38100" dir="2700000" algn="tl">
-                    <a:srgbClr val="000000">
-                      <a:alpha val="43137"/>
-                    </a:srgbClr>
-                  </a:outerShdw>
-                </a:effectLst>
-              </a:rPr>
-              <a:t>Ichiba</a:t>
-            </a:r>
-            <a:endParaRPr kumimoji="1" lang="ja-JP" altLang="en-US" b="1" dirty="0">
-              <a:solidFill>
-                <a:schemeClr val="bg1"/>
-              </a:solidFill>
-              <a:effectLst>
-                <a:outerShdw blurRad="38100" dist="38100" dir="2700000" algn="tl">
-                  <a:srgbClr val="000000">
-                    <a:alpha val="43137"/>
-                  </a:srgbClr>
-                </a:outerShdw>
-              </a:effectLst>
-            </a:endParaRPr>
-          </a:p>
-        </p:txBody>
-      </p:sp>
-      <p:sp>
-        <p:nvSpPr>
-          <p:cNvPr id="27" name="テキスト ボックス 26">
-            <a:extLst>
-              <a:ext uri="{FF2B5EF4-FFF2-40B4-BE49-F238E27FC236}">
-                <a16:creationId xmlns:a16="http://schemas.microsoft.com/office/drawing/2014/main" id="{C82CF734-BA99-4EAA-9742-4F17B6DB9EF4}"/>
-              </a:ext>
-            </a:extLst>
-          </p:cNvPr>
-          <p:cNvSpPr txBox="1"/>
+              </a:endParaRPr>
+            </a:p>
+          </p:txBody>
+        </p:sp>
+      </p:grpSp>
+      <p:sp>
+        <p:nvSpPr>
+          <p:cNvPr id="30" name="矢印: ストライプ 29">
+            <a:extLst>
+              <a:ext uri="{FF2B5EF4-FFF2-40B4-BE49-F238E27FC236}">
+                <a16:creationId xmlns:a16="http://schemas.microsoft.com/office/drawing/2014/main" id="{68CCA664-0EAB-4428-8772-93E13AFED482}"/>
+              </a:ext>
+            </a:extLst>
+          </p:cNvPr>
+          <p:cNvSpPr/>
           <p:nvPr/>
         </p:nvSpPr>
         <p:spPr>
           <a:xfrm>
-            <a:off x="6897916" y="2572103"/>
-            <a:ext cx="3233057" cy="369332"/>
-          </a:xfrm>
-          <a:prstGeom prst="rect">
-            <a:avLst/>
-          </a:prstGeom>
-          <a:noFill/>
-        </p:spPr>
-        <p:txBody>
-          <a:bodyPr wrap="square" rtlCol="0">
-            <a:spAutoFit/>
-          </a:bodyPr>
-          <a:lstStyle/>
-          <a:p>
-            <a:r>
-              <a:rPr kumimoji="1" lang="en-US" altLang="ja-JP" b="1" dirty="0">
-                <a:solidFill>
-                  <a:schemeClr val="bg1"/>
-                </a:solidFill>
-                <a:effectLst>
-                  <a:outerShdw blurRad="38100" dist="38100" dir="2700000" algn="tl">
-                    <a:srgbClr val="000000">
-                      <a:alpha val="43137"/>
-                    </a:srgbClr>
-                  </a:outerShdw>
-                </a:effectLst>
-              </a:rPr>
-              <a:t>Our </a:t>
-            </a:r>
-            <a:r>
-              <a:rPr kumimoji="1" lang="en-US" altLang="ja-JP" b="1" dirty="0" err="1">
-                <a:solidFill>
-                  <a:schemeClr val="bg1"/>
-                </a:solidFill>
-                <a:effectLst>
-                  <a:outerShdw blurRad="38100" dist="38100" dir="2700000" algn="tl">
-                    <a:srgbClr val="000000">
-                      <a:alpha val="43137"/>
-                    </a:srgbClr>
-                  </a:outerShdw>
-                </a:effectLst>
-              </a:rPr>
-              <a:t>WebSite</a:t>
-            </a:r>
-            <a:endParaRPr kumimoji="1" lang="ja-JP" altLang="en-US" b="1" dirty="0">
-              <a:solidFill>
-                <a:schemeClr val="bg1"/>
-              </a:solidFill>
-              <a:effectLst>
-                <a:outerShdw blurRad="38100" dist="38100" dir="2700000" algn="tl">
-                  <a:srgbClr val="000000">
-                    <a:alpha val="43137"/>
-                  </a:srgbClr>
-                </a:outerShdw>
-              </a:effectLst>
-            </a:endParaRPr>
-          </a:p>
-        </p:txBody>
-      </p:sp>
-      <p:sp>
-        <p:nvSpPr>
-          <p:cNvPr id="30" name="矢印: ストライプ 29">
-            <a:extLst>
-              <a:ext uri="{FF2B5EF4-FFF2-40B4-BE49-F238E27FC236}">
-                <a16:creationId xmlns:a16="http://schemas.microsoft.com/office/drawing/2014/main" id="{68CCA664-0EAB-4428-8772-93E13AFED482}"/>
-              </a:ext>
-            </a:extLst>
-          </p:cNvPr>
-          <p:cNvSpPr/>
-          <p:nvPr/>
-        </p:nvSpPr>
-        <p:spPr>
-          <a:xfrm>
-            <a:off x="5312229" y="3585188"/>
+            <a:off x="5312229" y="3143742"/>
             <a:ext cx="1309913" cy="1002563"/>
           </a:xfrm>
           <a:prstGeom prst="stripedRightArrow">
@@ -6045,58 +6054,346 @@
           </a:p>
         </p:txBody>
       </p:sp>
-      <p:sp>
-        <p:nvSpPr>
-          <p:cNvPr id="32" name="正方形/長方形 31">
-            <a:extLst>
-              <a:ext uri="{FF2B5EF4-FFF2-40B4-BE49-F238E27FC236}">
-                <a16:creationId xmlns:a16="http://schemas.microsoft.com/office/drawing/2014/main" id="{E3BCBE46-51D0-4BC6-96C3-56DFBCD5BEB7}"/>
-              </a:ext>
-            </a:extLst>
-          </p:cNvPr>
-          <p:cNvSpPr/>
+      <p:grpSp>
+        <p:nvGrpSpPr>
+          <p:cNvPr id="7" name="グループ化 6">
+            <a:extLst>
+              <a:ext uri="{FF2B5EF4-FFF2-40B4-BE49-F238E27FC236}">
+                <a16:creationId xmlns:a16="http://schemas.microsoft.com/office/drawing/2014/main" id="{18F70D7F-DBF3-0143-A920-AFA37841D3EE}"/>
+              </a:ext>
+            </a:extLst>
+          </p:cNvPr>
+          <p:cNvGrpSpPr/>
           <p:nvPr/>
-        </p:nvSpPr>
-        <p:spPr>
+        </p:nvGrpSpPr>
+        <p:grpSpPr>
           <a:xfrm>
-            <a:off x="8632373" y="4337614"/>
-            <a:ext cx="1351652" cy="369332"/>
+            <a:off x="6854372" y="2098554"/>
+            <a:ext cx="3430814" cy="3026230"/>
+            <a:chOff x="6854372" y="2540000"/>
+            <a:chExt cx="3430814" cy="3026230"/>
           </a:xfrm>
-          <a:prstGeom prst="rect">
-            <a:avLst/>
-          </a:prstGeom>
-          <a:solidFill>
-            <a:schemeClr val="bg1">
-              <a:lumMod val="95000"/>
-            </a:schemeClr>
-          </a:solidFill>
-          <a:ln>
+        </p:grpSpPr>
+        <p:sp>
+          <p:nvSpPr>
+            <p:cNvPr id="18" name="正方形/長方形 17">
+              <a:extLst>
+                <a:ext uri="{FF2B5EF4-FFF2-40B4-BE49-F238E27FC236}">
+                  <a16:creationId xmlns:a16="http://schemas.microsoft.com/office/drawing/2014/main" id="{23581DD2-0247-4C46-8AE9-2C9C09D87588}"/>
+                </a:ext>
+              </a:extLst>
+            </p:cNvPr>
+            <p:cNvSpPr/>
+            <p:nvPr/>
+          </p:nvSpPr>
+          <p:spPr>
+            <a:xfrm>
+              <a:off x="6854372" y="2540000"/>
+              <a:ext cx="3363685" cy="3026230"/>
+            </a:xfrm>
+            <a:prstGeom prst="rect">
+              <a:avLst/>
+            </a:prstGeom>
             <a:solidFill>
-              <a:schemeClr val="bg1"/>
+              <a:srgbClr val="DC143C"/>
             </a:solidFill>
-          </a:ln>
-          <a:effectLst>
-            <a:outerShdw blurRad="50800" dist="38100" dir="2700000" algn="tl" rotWithShape="0">
-              <a:prstClr val="black">
-                <a:alpha val="40000"/>
-              </a:prstClr>
-            </a:outerShdw>
-          </a:effectLst>
-        </p:spPr>
-        <p:txBody>
-          <a:bodyPr wrap="none">
-            <a:spAutoFit/>
-          </a:bodyPr>
-          <a:lstStyle/>
-          <a:p>
-            <a:r>
-              <a:rPr lang="en-US" altLang="ja-JP" dirty="0" err="1"/>
-              <a:t>ShowDetail</a:t>
-            </a:r>
-            <a:endParaRPr lang="ja-JP" altLang="en-US" dirty="0"/>
-          </a:p>
-        </p:txBody>
-      </p:sp>
+          </p:spPr>
+          <p:style>
+            <a:lnRef idx="2">
+              <a:schemeClr val="accent1">
+                <a:shade val="50000"/>
+              </a:schemeClr>
+            </a:lnRef>
+            <a:fillRef idx="1">
+              <a:schemeClr val="accent1"/>
+            </a:fillRef>
+            <a:effectRef idx="0">
+              <a:schemeClr val="accent1"/>
+            </a:effectRef>
+            <a:fontRef idx="minor">
+              <a:schemeClr val="lt1"/>
+            </a:fontRef>
+          </p:style>
+          <p:txBody>
+            <a:bodyPr rtlCol="0" anchor="ctr"/>
+            <a:lstStyle/>
+            <a:p>
+              <a:pPr algn="ctr"/>
+              <a:endParaRPr kumimoji="1" lang="ja-JP" altLang="en-US"/>
+            </a:p>
+          </p:txBody>
+        </p:sp>
+        <p:pic>
+          <p:nvPicPr>
+            <p:cNvPr id="19" name="グラフィックス 18" descr="靴">
+              <a:extLst>
+                <a:ext uri="{FF2B5EF4-FFF2-40B4-BE49-F238E27FC236}">
+                  <a16:creationId xmlns:a16="http://schemas.microsoft.com/office/drawing/2014/main" id="{DE69AC5E-7E42-43B1-8CC2-37082DF56302}"/>
+                </a:ext>
+              </a:extLst>
+            </p:cNvPr>
+            <p:cNvPicPr>
+              <a:picLocks noChangeAspect="1"/>
+            </p:cNvPicPr>
+            <p:nvPr/>
+          </p:nvPicPr>
+          <p:blipFill>
+            <a:blip r:embed="rId3">
+              <a:extLst>
+                <a:ext uri="{28A0092B-C50C-407E-A947-70E740481C1C}">
+                  <a14:useLocalDpi xmlns:a14="http://schemas.microsoft.com/office/drawing/2010/main" val="0"/>
+                </a:ext>
+                <a:ext uri="{96DAC541-7B7A-43D3-8B79-37D633B846F1}">
+                  <asvg:svgBlip xmlns:asvg="http://schemas.microsoft.com/office/drawing/2016/SVG/main" r:embed="rId4"/>
+                </a:ext>
+              </a:extLst>
+            </a:blip>
+            <a:stretch>
+              <a:fillRect/>
+            </a:stretch>
+          </p:blipFill>
+          <p:spPr>
+            <a:xfrm>
+              <a:off x="7333344" y="3690027"/>
+              <a:ext cx="914400" cy="914400"/>
+            </a:xfrm>
+            <a:prstGeom prst="rect">
+              <a:avLst/>
+            </a:prstGeom>
+          </p:spPr>
+        </p:pic>
+        <p:sp>
+          <p:nvSpPr>
+            <p:cNvPr id="20" name="正方形/長方形 19">
+              <a:extLst>
+                <a:ext uri="{FF2B5EF4-FFF2-40B4-BE49-F238E27FC236}">
+                  <a16:creationId xmlns:a16="http://schemas.microsoft.com/office/drawing/2014/main" id="{2A52B458-5E9C-4F96-963D-CD312DC67E61}"/>
+                </a:ext>
+              </a:extLst>
+            </p:cNvPr>
+            <p:cNvSpPr/>
+            <p:nvPr/>
+          </p:nvSpPr>
+          <p:spPr>
+            <a:xfrm>
+              <a:off x="7141029" y="3601864"/>
+              <a:ext cx="1299029" cy="1090726"/>
+            </a:xfrm>
+            <a:prstGeom prst="rect">
+              <a:avLst/>
+            </a:prstGeom>
+            <a:noFill/>
+            <a:ln>
+              <a:solidFill>
+                <a:schemeClr val="bg1"/>
+              </a:solidFill>
+            </a:ln>
+          </p:spPr>
+          <p:style>
+            <a:lnRef idx="2">
+              <a:schemeClr val="accent1">
+                <a:shade val="50000"/>
+              </a:schemeClr>
+            </a:lnRef>
+            <a:fillRef idx="1">
+              <a:schemeClr val="accent1"/>
+            </a:fillRef>
+            <a:effectRef idx="0">
+              <a:schemeClr val="accent1"/>
+            </a:effectRef>
+            <a:fontRef idx="minor">
+              <a:schemeClr val="lt1"/>
+            </a:fontRef>
+          </p:style>
+          <p:txBody>
+            <a:bodyPr rtlCol="0" anchor="ctr"/>
+            <a:lstStyle/>
+            <a:p>
+              <a:pPr algn="ctr"/>
+              <a:endParaRPr kumimoji="1" lang="ja-JP" altLang="en-US"/>
+            </a:p>
+          </p:txBody>
+        </p:sp>
+        <p:sp>
+          <p:nvSpPr>
+            <p:cNvPr id="22" name="テキスト ボックス 21">
+              <a:extLst>
+                <a:ext uri="{FF2B5EF4-FFF2-40B4-BE49-F238E27FC236}">
+                  <a16:creationId xmlns:a16="http://schemas.microsoft.com/office/drawing/2014/main" id="{26538693-8BBD-4E40-B479-777374F4094B}"/>
+                </a:ext>
+              </a:extLst>
+            </p:cNvPr>
+            <p:cNvSpPr txBox="1"/>
+            <p:nvPr/>
+          </p:nvSpPr>
+          <p:spPr>
+            <a:xfrm>
+              <a:off x="8514444" y="3521401"/>
+              <a:ext cx="1770742" cy="830997"/>
+            </a:xfrm>
+            <a:prstGeom prst="rect">
+              <a:avLst/>
+            </a:prstGeom>
+            <a:noFill/>
+          </p:spPr>
+          <p:txBody>
+            <a:bodyPr wrap="square" rtlCol="0">
+              <a:spAutoFit/>
+            </a:bodyPr>
+            <a:lstStyle/>
+            <a:p>
+              <a:r>
+                <a:rPr kumimoji="1" lang="en-US" altLang="ja-JP" sz="2400" dirty="0">
+                  <a:solidFill>
+                    <a:schemeClr val="bg1"/>
+                  </a:solidFill>
+                </a:rPr>
+                <a:t>Shoes A</a:t>
+              </a:r>
+              <a:endParaRPr lang="en-US" altLang="ja-JP" sz="2400" dirty="0">
+                <a:solidFill>
+                  <a:schemeClr val="bg1"/>
+                </a:solidFill>
+              </a:endParaRPr>
+            </a:p>
+            <a:p>
+              <a:r>
+                <a:rPr kumimoji="1" lang="en-US" altLang="ja-JP" sz="2400" dirty="0">
+                  <a:solidFill>
+                    <a:schemeClr val="bg1"/>
+                  </a:solidFill>
+                </a:rPr>
+                <a:t>$30 - $40</a:t>
+              </a:r>
+            </a:p>
+          </p:txBody>
+        </p:sp>
+        <p:sp>
+          <p:nvSpPr>
+            <p:cNvPr id="27" name="テキスト ボックス 26">
+              <a:extLst>
+                <a:ext uri="{FF2B5EF4-FFF2-40B4-BE49-F238E27FC236}">
+                  <a16:creationId xmlns:a16="http://schemas.microsoft.com/office/drawing/2014/main" id="{C82CF734-BA99-4EAA-9742-4F17B6DB9EF4}"/>
+                </a:ext>
+              </a:extLst>
+            </p:cNvPr>
+            <p:cNvSpPr txBox="1"/>
+            <p:nvPr/>
+          </p:nvSpPr>
+          <p:spPr>
+            <a:xfrm>
+              <a:off x="6897916" y="2572103"/>
+              <a:ext cx="3233057" cy="369332"/>
+            </a:xfrm>
+            <a:prstGeom prst="rect">
+              <a:avLst/>
+            </a:prstGeom>
+            <a:noFill/>
+          </p:spPr>
+          <p:txBody>
+            <a:bodyPr wrap="square" rtlCol="0">
+              <a:spAutoFit/>
+            </a:bodyPr>
+            <a:lstStyle/>
+            <a:p>
+              <a:r>
+                <a:rPr kumimoji="1" lang="en-US" altLang="ja-JP" b="1" dirty="0">
+                  <a:solidFill>
+                    <a:schemeClr val="bg1"/>
+                  </a:solidFill>
+                  <a:effectLst>
+                    <a:outerShdw blurRad="38100" dist="38100" dir="2700000" algn="tl">
+                      <a:srgbClr val="000000">
+                        <a:alpha val="43137"/>
+                      </a:srgbClr>
+                    </a:outerShdw>
+                  </a:effectLst>
+                </a:rPr>
+                <a:t>Our </a:t>
+              </a:r>
+              <a:r>
+                <a:rPr kumimoji="1" lang="en-US" altLang="ja-JP" b="1" dirty="0" err="1">
+                  <a:solidFill>
+                    <a:schemeClr val="bg1"/>
+                  </a:solidFill>
+                  <a:effectLst>
+                    <a:outerShdw blurRad="38100" dist="38100" dir="2700000" algn="tl">
+                      <a:srgbClr val="000000">
+                        <a:alpha val="43137"/>
+                      </a:srgbClr>
+                    </a:outerShdw>
+                  </a:effectLst>
+                </a:rPr>
+                <a:t>WebSite</a:t>
+              </a:r>
+              <a:endParaRPr kumimoji="1" lang="ja-JP" altLang="en-US" b="1" dirty="0">
+                <a:solidFill>
+                  <a:schemeClr val="bg1"/>
+                </a:solidFill>
+                <a:effectLst>
+                  <a:outerShdw blurRad="38100" dist="38100" dir="2700000" algn="tl">
+                    <a:srgbClr val="000000">
+                      <a:alpha val="43137"/>
+                    </a:srgbClr>
+                  </a:outerShdw>
+                </a:effectLst>
+              </a:endParaRPr>
+            </a:p>
+          </p:txBody>
+        </p:sp>
+        <p:sp>
+          <p:nvSpPr>
+            <p:cNvPr id="32" name="正方形/長方形 31">
+              <a:extLst>
+                <a:ext uri="{FF2B5EF4-FFF2-40B4-BE49-F238E27FC236}">
+                  <a16:creationId xmlns:a16="http://schemas.microsoft.com/office/drawing/2014/main" id="{E3BCBE46-51D0-4BC6-96C3-56DFBCD5BEB7}"/>
+                </a:ext>
+              </a:extLst>
+            </p:cNvPr>
+            <p:cNvSpPr/>
+            <p:nvPr/>
+          </p:nvSpPr>
+          <p:spPr>
+            <a:xfrm>
+              <a:off x="8632373" y="4337614"/>
+              <a:ext cx="1351652" cy="369332"/>
+            </a:xfrm>
+            <a:prstGeom prst="rect">
+              <a:avLst/>
+            </a:prstGeom>
+            <a:solidFill>
+              <a:schemeClr val="bg1">
+                <a:lumMod val="95000"/>
+              </a:schemeClr>
+            </a:solidFill>
+            <a:ln>
+              <a:solidFill>
+                <a:schemeClr val="bg1"/>
+              </a:solidFill>
+            </a:ln>
+            <a:effectLst>
+              <a:outerShdw blurRad="50800" dist="38100" dir="2700000" algn="tl" rotWithShape="0">
+                <a:prstClr val="black">
+                  <a:alpha val="40000"/>
+                </a:prstClr>
+              </a:outerShdw>
+            </a:effectLst>
+          </p:spPr>
+          <p:txBody>
+            <a:bodyPr wrap="none">
+              <a:spAutoFit/>
+            </a:bodyPr>
+            <a:lstStyle/>
+            <a:p>
+              <a:r>
+                <a:rPr lang="en-US" altLang="ja-JP" dirty="0" err="1"/>
+                <a:t>ShowDetail</a:t>
+              </a:r>
+              <a:endParaRPr lang="ja-JP" altLang="en-US" dirty="0"/>
+            </a:p>
+          </p:txBody>
+        </p:sp>
+      </p:grpSp>
     </p:spTree>
     <p:extLst>
       <p:ext uri="{BB962C8B-B14F-4D97-AF65-F5344CB8AC3E}">
@@ -6824,23 +7121,25 @@
         </p:nvSpPr>
         <p:spPr>
           <a:xfrm>
-            <a:off x="702003" y="1488787"/>
+            <a:off x="702003" y="1385841"/>
             <a:ext cx="10515600" cy="1500187"/>
           </a:xfrm>
         </p:spPr>
         <p:txBody>
-          <a:bodyPr/>
+          <a:bodyPr>
+            <a:normAutofit/>
+          </a:bodyPr>
           <a:lstStyle/>
           <a:p>
             <a:r>
-              <a:rPr lang="en-US" altLang="ja-JP" dirty="0">
+              <a:rPr lang="en-US" altLang="ja-JP" sz="3200" dirty="0">
                 <a:solidFill>
                   <a:schemeClr val="tx1"/>
                 </a:solidFill>
               </a:rPr>
               <a:t>Compare the price by shops</a:t>
             </a:r>
-            <a:endParaRPr lang="ja-JP" altLang="en-US">
+            <a:endParaRPr lang="ja-JP" altLang="en-US" sz="3200">
               <a:solidFill>
                 <a:schemeClr val="tx1"/>
               </a:solidFill>
@@ -7668,22 +7967,444 @@
           <a:p>
             <a:r>
               <a:rPr lang="en" altLang="ja-JP" dirty="0"/>
-              <a:t>When you look for products in Rakuten </a:t>
-            </a:r>
-            <a:r>
-              <a:rPr lang="en" altLang="ja-JP" dirty="0" err="1"/>
-              <a:t>Ichiba</a:t>
-            </a:r>
-            <a:r>
-              <a:rPr lang="en" altLang="ja-JP" dirty="0"/>
-              <a:t>, products of various stores come up and the price is different so it takes time to find that you really want.</a:t>
-            </a:r>
-          </a:p>
-          <a:p>
-            <a:r>
-              <a:rPr lang="en" altLang="ja-JP" dirty="0"/>
               <a:t>Create a prototype of website that you can find products in a shortest way</a:t>
             </a:r>
+          </a:p>
+        </p:txBody>
+      </p:sp>
+      <p:grpSp>
+        <p:nvGrpSpPr>
+          <p:cNvPr id="8" name="グループ化 7">
+            <a:extLst>
+              <a:ext uri="{FF2B5EF4-FFF2-40B4-BE49-F238E27FC236}">
+                <a16:creationId xmlns:a16="http://schemas.microsoft.com/office/drawing/2014/main" id="{6CE6F50A-73DE-8549-BE8C-9A54DCCDCAF5}"/>
+              </a:ext>
+            </a:extLst>
+          </p:cNvPr>
+          <p:cNvGrpSpPr/>
+          <p:nvPr/>
+        </p:nvGrpSpPr>
+        <p:grpSpPr>
+          <a:xfrm>
+            <a:off x="8274746" y="3898421"/>
+            <a:ext cx="1299029" cy="1090726"/>
+            <a:chOff x="8274746" y="3898421"/>
+            <a:chExt cx="1299029" cy="1090726"/>
+          </a:xfrm>
+        </p:grpSpPr>
+        <p:pic>
+          <p:nvPicPr>
+            <p:cNvPr id="6" name="グラフィックス 5" descr="靴">
+              <a:extLst>
+                <a:ext uri="{FF2B5EF4-FFF2-40B4-BE49-F238E27FC236}">
+                  <a16:creationId xmlns:a16="http://schemas.microsoft.com/office/drawing/2014/main" id="{F82A0D11-5030-0946-A04D-8B25DC6C8310}"/>
+                </a:ext>
+              </a:extLst>
+            </p:cNvPr>
+            <p:cNvPicPr>
+              <a:picLocks noChangeAspect="1"/>
+            </p:cNvPicPr>
+            <p:nvPr/>
+          </p:nvPicPr>
+          <p:blipFill>
+            <a:blip r:embed="rId2">
+              <a:extLst>
+                <a:ext uri="{28A0092B-C50C-407E-A947-70E740481C1C}">
+                  <a14:useLocalDpi xmlns:a14="http://schemas.microsoft.com/office/drawing/2010/main" val="0"/>
+                </a:ext>
+                <a:ext uri="{96DAC541-7B7A-43D3-8B79-37D633B846F1}">
+                  <asvg:svgBlip xmlns:asvg="http://schemas.microsoft.com/office/drawing/2016/SVG/main" r:embed="rId3"/>
+                </a:ext>
+              </a:extLst>
+            </a:blip>
+            <a:stretch>
+              <a:fillRect/>
+            </a:stretch>
+          </p:blipFill>
+          <p:spPr>
+            <a:xfrm>
+              <a:off x="8467061" y="3940951"/>
+              <a:ext cx="914400" cy="914400"/>
+            </a:xfrm>
+            <a:prstGeom prst="rect">
+              <a:avLst/>
+            </a:prstGeom>
+          </p:spPr>
+        </p:pic>
+        <p:sp>
+          <p:nvSpPr>
+            <p:cNvPr id="7" name="正方形/長方形 6">
+              <a:extLst>
+                <a:ext uri="{FF2B5EF4-FFF2-40B4-BE49-F238E27FC236}">
+                  <a16:creationId xmlns:a16="http://schemas.microsoft.com/office/drawing/2014/main" id="{13E14FC7-D6FC-8847-AE26-E9D251A5EB4E}"/>
+                </a:ext>
+              </a:extLst>
+            </p:cNvPr>
+            <p:cNvSpPr/>
+            <p:nvPr/>
+          </p:nvSpPr>
+          <p:spPr>
+            <a:xfrm>
+              <a:off x="8274746" y="3898421"/>
+              <a:ext cx="1299029" cy="1090726"/>
+            </a:xfrm>
+            <a:prstGeom prst="rect">
+              <a:avLst/>
+            </a:prstGeom>
+            <a:noFill/>
+            <a:ln/>
+          </p:spPr>
+          <p:style>
+            <a:lnRef idx="2">
+              <a:schemeClr val="dk1"/>
+            </a:lnRef>
+            <a:fillRef idx="1">
+              <a:schemeClr val="lt1"/>
+            </a:fillRef>
+            <a:effectRef idx="0">
+              <a:schemeClr val="dk1"/>
+            </a:effectRef>
+            <a:fontRef idx="minor">
+              <a:schemeClr val="dk1"/>
+            </a:fontRef>
+          </p:style>
+          <p:txBody>
+            <a:bodyPr rtlCol="0" anchor="ctr"/>
+            <a:lstStyle/>
+            <a:p>
+              <a:pPr algn="ctr"/>
+              <a:endParaRPr kumimoji="1" lang="ja-JP" altLang="en-US"/>
+            </a:p>
+          </p:txBody>
+        </p:sp>
+      </p:grpSp>
+      <p:pic>
+        <p:nvPicPr>
+          <p:cNvPr id="9" name="図 8">
+            <a:extLst>
+              <a:ext uri="{FF2B5EF4-FFF2-40B4-BE49-F238E27FC236}">
+                <a16:creationId xmlns:a16="http://schemas.microsoft.com/office/drawing/2014/main" id="{EE91AF21-4D09-4C4F-901E-621ECF206FDF}"/>
+              </a:ext>
+            </a:extLst>
+          </p:cNvPr>
+          <p:cNvPicPr>
+            <a:picLocks noChangeAspect="1"/>
+          </p:cNvPicPr>
+          <p:nvPr/>
+        </p:nvPicPr>
+        <p:blipFill>
+          <a:blip r:embed="rId4"/>
+          <a:stretch>
+            <a:fillRect/>
+          </a:stretch>
+        </p:blipFill>
+        <p:spPr>
+          <a:xfrm flipH="1">
+            <a:off x="1628976" y="3629801"/>
+            <a:ext cx="2540000" cy="2451100"/>
+          </a:xfrm>
+          <a:prstGeom prst="rect">
+            <a:avLst/>
+          </a:prstGeom>
+        </p:spPr>
+      </p:pic>
+      <p:sp>
+        <p:nvSpPr>
+          <p:cNvPr id="11" name="フリーフォーム 10">
+            <a:extLst>
+              <a:ext uri="{FF2B5EF4-FFF2-40B4-BE49-F238E27FC236}">
+                <a16:creationId xmlns:a16="http://schemas.microsoft.com/office/drawing/2014/main" id="{10B4F90C-D7F1-244D-90FC-E38B0A581D0A}"/>
+              </a:ext>
+            </a:extLst>
+          </p:cNvPr>
+          <p:cNvSpPr/>
+          <p:nvPr/>
+        </p:nvSpPr>
+        <p:spPr>
+          <a:xfrm>
+            <a:off x="4339771" y="3898421"/>
+            <a:ext cx="3742661" cy="851103"/>
+          </a:xfrm>
+          <a:custGeom>
+            <a:avLst/>
+            <a:gdLst>
+              <a:gd name="connsiteX0" fmla="*/ 0 w 3742661"/>
+              <a:gd name="connsiteY0" fmla="*/ 616995 h 851103"/>
+              <a:gd name="connsiteX1" fmla="*/ 680484 w 3742661"/>
+              <a:gd name="connsiteY1" fmla="*/ 42837 h 851103"/>
+              <a:gd name="connsiteX2" fmla="*/ 1127051 w 3742661"/>
+              <a:gd name="connsiteY2" fmla="*/ 744586 h 851103"/>
+              <a:gd name="connsiteX3" fmla="*/ 1552354 w 3742661"/>
+              <a:gd name="connsiteY3" fmla="*/ 307 h 851103"/>
+              <a:gd name="connsiteX4" fmla="*/ 2020186 w 3742661"/>
+              <a:gd name="connsiteY4" fmla="*/ 850912 h 851103"/>
+              <a:gd name="connsiteX5" fmla="*/ 2381693 w 3742661"/>
+              <a:gd name="connsiteY5" fmla="*/ 85368 h 851103"/>
+              <a:gd name="connsiteX6" fmla="*/ 2828261 w 3742661"/>
+              <a:gd name="connsiteY6" fmla="*/ 829647 h 851103"/>
+              <a:gd name="connsiteX7" fmla="*/ 3125972 w 3742661"/>
+              <a:gd name="connsiteY7" fmla="*/ 85368 h 851103"/>
+              <a:gd name="connsiteX8" fmla="*/ 3742661 w 3742661"/>
+              <a:gd name="connsiteY8" fmla="*/ 383079 h 851103"/>
+            </a:gdLst>
+            <a:ahLst/>
+            <a:cxnLst>
+              <a:cxn ang="0">
+                <a:pos x="connsiteX0" y="connsiteY0"/>
+              </a:cxn>
+              <a:cxn ang="0">
+                <a:pos x="connsiteX1" y="connsiteY1"/>
+              </a:cxn>
+              <a:cxn ang="0">
+                <a:pos x="connsiteX2" y="connsiteY2"/>
+              </a:cxn>
+              <a:cxn ang="0">
+                <a:pos x="connsiteX3" y="connsiteY3"/>
+              </a:cxn>
+              <a:cxn ang="0">
+                <a:pos x="connsiteX4" y="connsiteY4"/>
+              </a:cxn>
+              <a:cxn ang="0">
+                <a:pos x="connsiteX5" y="connsiteY5"/>
+              </a:cxn>
+              <a:cxn ang="0">
+                <a:pos x="connsiteX6" y="connsiteY6"/>
+              </a:cxn>
+              <a:cxn ang="0">
+                <a:pos x="connsiteX7" y="connsiteY7"/>
+              </a:cxn>
+              <a:cxn ang="0">
+                <a:pos x="connsiteX8" y="connsiteY8"/>
+              </a:cxn>
+            </a:cxnLst>
+            <a:rect l="l" t="t" r="r" b="b"/>
+            <a:pathLst>
+              <a:path w="3742661" h="851103">
+                <a:moveTo>
+                  <a:pt x="0" y="616995"/>
+                </a:moveTo>
+                <a:cubicBezTo>
+                  <a:pt x="246321" y="319283"/>
+                  <a:pt x="492642" y="21572"/>
+                  <a:pt x="680484" y="42837"/>
+                </a:cubicBezTo>
+                <a:cubicBezTo>
+                  <a:pt x="868326" y="64102"/>
+                  <a:pt x="981739" y="751674"/>
+                  <a:pt x="1127051" y="744586"/>
+                </a:cubicBezTo>
+                <a:cubicBezTo>
+                  <a:pt x="1272363" y="737498"/>
+                  <a:pt x="1403498" y="-17414"/>
+                  <a:pt x="1552354" y="307"/>
+                </a:cubicBezTo>
+                <a:cubicBezTo>
+                  <a:pt x="1701210" y="18028"/>
+                  <a:pt x="1881963" y="836735"/>
+                  <a:pt x="2020186" y="850912"/>
+                </a:cubicBezTo>
+                <a:cubicBezTo>
+                  <a:pt x="2158409" y="865089"/>
+                  <a:pt x="2247014" y="88912"/>
+                  <a:pt x="2381693" y="85368"/>
+                </a:cubicBezTo>
+                <a:cubicBezTo>
+                  <a:pt x="2516372" y="81824"/>
+                  <a:pt x="2704215" y="829647"/>
+                  <a:pt x="2828261" y="829647"/>
+                </a:cubicBezTo>
+                <a:cubicBezTo>
+                  <a:pt x="2952307" y="829647"/>
+                  <a:pt x="2973572" y="159796"/>
+                  <a:pt x="3125972" y="85368"/>
+                </a:cubicBezTo>
+                <a:cubicBezTo>
+                  <a:pt x="3278372" y="10940"/>
+                  <a:pt x="3510516" y="197009"/>
+                  <a:pt x="3742661" y="383079"/>
+                </a:cubicBezTo>
+              </a:path>
+            </a:pathLst>
+          </a:custGeom>
+          <a:noFill/>
+          <a:ln w="57150">
+            <a:headEnd type="none" w="med" len="med"/>
+            <a:tailEnd type="triangle" w="med" len="med"/>
+          </a:ln>
+        </p:spPr>
+        <p:style>
+          <a:lnRef idx="2">
+            <a:schemeClr val="accent1">
+              <a:shade val="50000"/>
+            </a:schemeClr>
+          </a:lnRef>
+          <a:fillRef idx="1">
+            <a:schemeClr val="accent1"/>
+          </a:fillRef>
+          <a:effectRef idx="0">
+            <a:schemeClr val="accent1"/>
+          </a:effectRef>
+          <a:fontRef idx="minor">
+            <a:schemeClr val="lt1"/>
+          </a:fontRef>
+        </p:style>
+        <p:txBody>
+          <a:bodyPr rtlCol="0" anchor="ctr"/>
+          <a:lstStyle/>
+          <a:p>
+            <a:pPr algn="ctr"/>
+            <a:endParaRPr kumimoji="1" lang="ja-JP" altLang="en-US"/>
+          </a:p>
+        </p:txBody>
+      </p:sp>
+      <p:cxnSp>
+        <p:nvCxnSpPr>
+          <p:cNvPr id="13" name="直線矢印コネクタ 12">
+            <a:extLst>
+              <a:ext uri="{FF2B5EF4-FFF2-40B4-BE49-F238E27FC236}">
+                <a16:creationId xmlns:a16="http://schemas.microsoft.com/office/drawing/2014/main" id="{40796090-3A10-3940-A728-285E31C8B96D}"/>
+              </a:ext>
+            </a:extLst>
+          </p:cNvPr>
+          <p:cNvCxnSpPr/>
+          <p:nvPr/>
+        </p:nvCxnSpPr>
+        <p:spPr>
+          <a:xfrm flipV="1">
+            <a:off x="4339771" y="4855351"/>
+            <a:ext cx="3742661" cy="460928"/>
+          </a:xfrm>
+          <a:prstGeom prst="straightConnector1">
+            <a:avLst/>
+          </a:prstGeom>
+          <a:ln w="57150">
+            <a:tailEnd type="triangle"/>
+          </a:ln>
+        </p:spPr>
+        <p:style>
+          <a:lnRef idx="1">
+            <a:schemeClr val="accent1"/>
+          </a:lnRef>
+          <a:fillRef idx="0">
+            <a:schemeClr val="accent1"/>
+          </a:fillRef>
+          <a:effectRef idx="0">
+            <a:schemeClr val="accent1"/>
+          </a:effectRef>
+          <a:fontRef idx="minor">
+            <a:schemeClr val="tx1"/>
+          </a:fontRef>
+        </p:style>
+      </p:cxnSp>
+      <p:sp>
+        <p:nvSpPr>
+          <p:cNvPr id="14" name="乗算記号 13">
+            <a:extLst>
+              <a:ext uri="{FF2B5EF4-FFF2-40B4-BE49-F238E27FC236}">
+                <a16:creationId xmlns:a16="http://schemas.microsoft.com/office/drawing/2014/main" id="{122BDB4F-EE6F-0D40-A5D9-DBC310B8EAFB}"/>
+              </a:ext>
+            </a:extLst>
+          </p:cNvPr>
+          <p:cNvSpPr/>
+          <p:nvPr/>
+        </p:nvSpPr>
+        <p:spPr>
+          <a:xfrm>
+            <a:off x="5699051" y="3629801"/>
+            <a:ext cx="1637414" cy="1119723"/>
+          </a:xfrm>
+          <a:prstGeom prst="mathMultiply">
+            <a:avLst>
+              <a:gd name="adj1" fmla="val 8327"/>
+            </a:avLst>
+          </a:prstGeom>
+          <a:solidFill>
+            <a:srgbClr val="FF0000"/>
+          </a:solidFill>
+          <a:ln>
+            <a:noFill/>
+          </a:ln>
+        </p:spPr>
+        <p:style>
+          <a:lnRef idx="2">
+            <a:schemeClr val="accent1">
+              <a:shade val="50000"/>
+            </a:schemeClr>
+          </a:lnRef>
+          <a:fillRef idx="1">
+            <a:schemeClr val="accent1"/>
+          </a:fillRef>
+          <a:effectRef idx="0">
+            <a:schemeClr val="accent1"/>
+          </a:effectRef>
+          <a:fontRef idx="minor">
+            <a:schemeClr val="lt1"/>
+          </a:fontRef>
+        </p:style>
+        <p:txBody>
+          <a:bodyPr rtlCol="0" anchor="ctr"/>
+          <a:lstStyle/>
+          <a:p>
+            <a:pPr algn="ctr"/>
+            <a:endParaRPr kumimoji="1" lang="ja-JP" altLang="en-US"/>
+          </a:p>
+        </p:txBody>
+      </p:sp>
+      <p:sp>
+        <p:nvSpPr>
+          <p:cNvPr id="15" name="ドーナツ 14">
+            <a:extLst>
+              <a:ext uri="{FF2B5EF4-FFF2-40B4-BE49-F238E27FC236}">
+                <a16:creationId xmlns:a16="http://schemas.microsoft.com/office/drawing/2014/main" id="{B81DEF1A-4DE6-5444-B0F6-F1B0F4408948}"/>
+              </a:ext>
+            </a:extLst>
+          </p:cNvPr>
+          <p:cNvSpPr/>
+          <p:nvPr/>
+        </p:nvSpPr>
+        <p:spPr>
+          <a:xfrm>
+            <a:off x="5506736" y="4596718"/>
+            <a:ext cx="987985" cy="978194"/>
+          </a:xfrm>
+          <a:prstGeom prst="donut">
+            <a:avLst>
+              <a:gd name="adj" fmla="val 7289"/>
+            </a:avLst>
+          </a:prstGeom>
+          <a:solidFill>
+            <a:srgbClr val="FF0000"/>
+          </a:solidFill>
+          <a:ln>
+            <a:noFill/>
+          </a:ln>
+        </p:spPr>
+        <p:style>
+          <a:lnRef idx="2">
+            <a:schemeClr val="accent1">
+              <a:shade val="50000"/>
+            </a:schemeClr>
+          </a:lnRef>
+          <a:fillRef idx="1">
+            <a:schemeClr val="accent1"/>
+          </a:fillRef>
+          <a:effectRef idx="0">
+            <a:schemeClr val="accent1"/>
+          </a:effectRef>
+          <a:fontRef idx="minor">
+            <a:schemeClr val="lt1"/>
+          </a:fontRef>
+        </p:style>
+        <p:txBody>
+          <a:bodyPr rtlCol="0" anchor="ctr"/>
+          <a:lstStyle/>
+          <a:p>
+            <a:pPr algn="ctr"/>
+            <a:endParaRPr kumimoji="1" lang="ja-JP" altLang="en-US">
+              <a:solidFill>
+                <a:schemeClr val="tx1"/>
+              </a:solidFill>
+            </a:endParaRPr>
           </a:p>
         </p:txBody>
       </p:sp>
@@ -8173,14 +8894,6 @@
           <a:p>
             <a:pPr lvl="1"/>
             <a:r>
-              <a:rPr lang="ja-JP" altLang="en-US" sz="2400">
-                <a:solidFill>
-                  <a:schemeClr val="tx1"/>
-                </a:solidFill>
-              </a:rPr>
-              <a:t>・</a:t>
-            </a:r>
-            <a:r>
               <a:rPr lang="en-US" altLang="ja-JP" sz="2400" dirty="0">
                 <a:solidFill>
                   <a:schemeClr val="tx1"/>
@@ -8217,20 +8930,12 @@
           <a:p>
             <a:pPr lvl="1"/>
             <a:r>
-              <a:rPr lang="ja-JP" altLang="en-US" sz="2400">
-                <a:solidFill>
-                  <a:schemeClr val="tx1"/>
-                </a:solidFill>
-              </a:rPr>
-              <a:t>・</a:t>
-            </a:r>
-            <a:r>
               <a:rPr lang="en-US" altLang="ja-JP" sz="2400" dirty="0">
                 <a:solidFill>
                   <a:schemeClr val="tx1"/>
                 </a:solidFill>
               </a:rPr>
-              <a:t>PHP</a:t>
+              <a:t>PHP, Rakuten API</a:t>
             </a:r>
           </a:p>
         </p:txBody>
@@ -8448,14 +9153,6 @@
           </a:p>
           <a:p>
             <a:pPr lvl="1"/>
-            <a:r>
-              <a:rPr lang="ja-JP" altLang="en-US" sz="2400" dirty="0">
-                <a:solidFill>
-                  <a:schemeClr val="tx1"/>
-                </a:solidFill>
-              </a:rPr>
-              <a:t>・</a:t>
-            </a:r>
             <a:r>
               <a:rPr lang="en-US" altLang="ja-JP" sz="2400" dirty="0">
                 <a:solidFill>
@@ -10058,29 +10755,24 @@
               <a:buChar char="•"/>
             </a:pPr>
             <a:r>
-              <a:rPr lang="en-US" altLang="ja-JP" dirty="0"/>
-              <a:t>Put them </a:t>
-            </a:r>
-            <a:r>
-              <a:rPr lang="en-US" altLang="ja-JP" dirty="0" err="1"/>
-              <a:t>togather</a:t>
-            </a:r>
-            <a:endParaRPr lang="en-US" altLang="ja-JP" dirty="0"/>
+              <a:rPr lang="en-US" altLang="ja-JP" sz="3200" dirty="0">
+                <a:solidFill>
+                  <a:schemeClr val="tx1"/>
+                </a:solidFill>
+              </a:rPr>
+              <a:t>Put together the same item from various shops</a:t>
+            </a:r>
           </a:p>
           <a:p>
             <a:pPr marL="457200" indent="-457200">
               <a:buFont typeface="Arial" panose="020B0604020202020204" pitchFamily="34" charset="0"/>
               <a:buChar char="•"/>
             </a:pPr>
-            <a:r>
-              <a:rPr kumimoji="1" lang="ja-JP" altLang="en-US"/>
-              <a:t>タグ</a:t>
-            </a:r>
-            <a:r>
-              <a:rPr lang="ja-JP" altLang="en-US"/>
-              <a:t>検索</a:t>
-            </a:r>
-            <a:endParaRPr kumimoji="1" lang="en-US" altLang="ja-JP" dirty="0"/>
+            <a:endParaRPr lang="en-US" altLang="ja-JP" sz="3200" dirty="0">
+              <a:solidFill>
+                <a:schemeClr val="tx1"/>
+              </a:solidFill>
+            </a:endParaRPr>
           </a:p>
           <a:p>
             <a:pPr marL="457200" indent="-457200">
@@ -10088,10 +10780,13 @@
               <a:buChar char="•"/>
             </a:pPr>
             <a:r>
-              <a:rPr lang="ja-JP" altLang="en-US" dirty="0"/>
-              <a:t>ユーザごとに表示項目をカスタマイズできるようにする機能</a:t>
-            </a:r>
-            <a:endParaRPr kumimoji="1" lang="ja-JP" altLang="en-US" dirty="0"/>
+              <a:rPr lang="en-US" altLang="ja-JP" sz="3200" dirty="0">
+                <a:solidFill>
+                  <a:schemeClr val="tx1"/>
+                </a:solidFill>
+              </a:rPr>
+              <a:t>Enable to search with tags</a:t>
+            </a:r>
           </a:p>
         </p:txBody>
       </p:sp>
@@ -10248,7 +10943,7 @@
                                         <p:tgtEl>
                                           <p:spTgt spid="3">
                                             <p:txEl>
-                                              <p:pRg st="1" end="1"/>
+                                              <p:pRg st="2" end="2"/>
                                             </p:txEl>
                                           </p:spTgt>
                                         </p:tgtEl>
@@ -10257,49 +10952,6 @@
                                     <p:set>
                                       <p:cBhvr>
                                         <p:cTn id="10" dur="1" fill="hold">
-                                          <p:stCondLst>
-                                            <p:cond delay="499"/>
-                                          </p:stCondLst>
-                                        </p:cTn>
-                                        <p:tgtEl>
-                                          <p:spTgt spid="3">
-                                            <p:txEl>
-                                              <p:pRg st="1" end="1"/>
-                                            </p:txEl>
-                                          </p:spTgt>
-                                        </p:tgtEl>
-                                        <p:attrNameLst>
-                                          <p:attrName>style.visibility</p:attrName>
-                                        </p:attrNameLst>
-                                      </p:cBhvr>
-                                      <p:to>
-                                        <p:strVal val="hidden"/>
-                                      </p:to>
-                                    </p:set>
-                                  </p:childTnLst>
-                                </p:cTn>
-                              </p:par>
-                              <p:par>
-                                <p:cTn id="11" presetID="10" presetClass="exit" presetSubtype="0" fill="hold" grpId="0" nodeType="withEffect">
-                                  <p:stCondLst>
-                                    <p:cond delay="0"/>
-                                  </p:stCondLst>
-                                  <p:childTnLst>
-                                    <p:animEffect transition="out" filter="fade">
-                                      <p:cBhvr>
-                                        <p:cTn id="12" dur="500"/>
-                                        <p:tgtEl>
-                                          <p:spTgt spid="3">
-                                            <p:txEl>
-                                              <p:pRg st="2" end="2"/>
-                                            </p:txEl>
-                                          </p:spTgt>
-                                        </p:tgtEl>
-                                      </p:cBhvr>
-                                    </p:animEffect>
-                                    <p:set>
-                                      <p:cBhvr>
-                                        <p:cTn id="13" dur="1" fill="hold">
                                           <p:stCondLst>
                                             <p:cond delay="499"/>
                                           </p:stCondLst>

--- a/presentation/Presentation.pptx
+++ b/presentation/Presentation.pptx
@@ -5,7 +5,7 @@
     <p:sldMasterId id="2147483660" r:id="rId1"/>
   </p:sldMasterIdLst>
   <p:notesMasterIdLst>
-    <p:notesMasterId r:id="rId18"/>
+    <p:notesMasterId r:id="rId17"/>
   </p:notesMasterIdLst>
   <p:sldIdLst>
     <p:sldId id="256" r:id="rId2"/>
@@ -13,17 +13,16 @@
     <p:sldId id="259" r:id="rId4"/>
     <p:sldId id="263" r:id="rId5"/>
     <p:sldId id="258" r:id="rId6"/>
-    <p:sldId id="264" r:id="rId7"/>
-    <p:sldId id="272" r:id="rId8"/>
-    <p:sldId id="257" r:id="rId9"/>
-    <p:sldId id="265" r:id="rId10"/>
-    <p:sldId id="266" r:id="rId11"/>
-    <p:sldId id="267" r:id="rId12"/>
-    <p:sldId id="268" r:id="rId13"/>
-    <p:sldId id="269" r:id="rId14"/>
-    <p:sldId id="260" r:id="rId15"/>
-    <p:sldId id="261" r:id="rId16"/>
-    <p:sldId id="262" r:id="rId17"/>
+    <p:sldId id="272" r:id="rId7"/>
+    <p:sldId id="257" r:id="rId8"/>
+    <p:sldId id="265" r:id="rId9"/>
+    <p:sldId id="266" r:id="rId10"/>
+    <p:sldId id="267" r:id="rId11"/>
+    <p:sldId id="268" r:id="rId12"/>
+    <p:sldId id="269" r:id="rId13"/>
+    <p:sldId id="260" r:id="rId14"/>
+    <p:sldId id="261" r:id="rId15"/>
+    <p:sldId id="262" r:id="rId16"/>
   </p:sldIdLst>
   <p:sldSz cx="12192000" cy="6858000"/>
   <p:notesSz cx="6858000" cy="9144000"/>
@@ -544,22 +543,20 @@
           <a:bodyPr/>
           <a:lstStyle/>
           <a:p>
-            <a:pPr marL="0" marR="0" lvl="0" indent="0" algn="l" defTabSz="914400" rtl="0" eaLnBrk="1" fontAlgn="auto" latinLnBrk="0" hangingPunct="1">
-              <a:lnSpc>
-                <a:spcPct val="100000"/>
-              </a:lnSpc>
-              <a:spcBef>
-                <a:spcPts val="0"/>
-              </a:spcBef>
-              <a:spcAft>
-                <a:spcPts val="0"/>
-              </a:spcAft>
-              <a:buClrTx/>
-              <a:buSzTx/>
-              <a:buFontTx/>
-              <a:buNone/>
-              <a:tabLst/>
-              <a:defRPr/>
+            <a:pPr marL="457200" indent="-457200">
+              <a:buFont typeface="Arial" panose="020B0604020202020204" pitchFamily="34" charset="0"/>
+              <a:buChar char="•"/>
+            </a:pPr>
+            <a:r>
+              <a:rPr kumimoji="1" lang="ja-JP" altLang="en-US"/>
+              <a:t>欲しい商品になかなかたどり着けない</a:t>
+            </a:r>
+            <a:endParaRPr kumimoji="1" lang="en-US" altLang="ja-JP" dirty="0"/>
+          </a:p>
+          <a:p>
+            <a:pPr marL="457200" indent="-457200">
+              <a:buFont typeface="Arial" panose="020B0604020202020204" pitchFamily="34" charset="0"/>
+              <a:buChar char="•"/>
             </a:pPr>
             <a:r>
               <a:rPr kumimoji="1" lang="ja-JP" altLang="en-US"/>
@@ -568,37 +565,58 @@
             <a:endParaRPr kumimoji="1" lang="en-US" altLang="ja-JP" dirty="0"/>
           </a:p>
           <a:p>
-            <a:pPr marL="0" marR="0" lvl="0" indent="0" algn="l" defTabSz="914400" rtl="0" eaLnBrk="1" fontAlgn="auto" latinLnBrk="0" hangingPunct="1">
-              <a:lnSpc>
-                <a:spcPct val="100000"/>
-              </a:lnSpc>
-              <a:spcBef>
-                <a:spcPts val="0"/>
-              </a:spcBef>
-              <a:spcAft>
-                <a:spcPts val="0"/>
-              </a:spcAft>
-              <a:buClrTx/>
-              <a:buSzTx/>
-              <a:buFontTx/>
-              <a:buNone/>
-              <a:tabLst/>
-              <a:defRPr/>
+            <a:pPr marL="457200" indent="-457200">
+              <a:buFont typeface="Arial" panose="020B0604020202020204" pitchFamily="34" charset="0"/>
+              <a:buChar char="•"/>
             </a:pPr>
-            <a:r>
-              <a:rPr lang="en" altLang="ja-JP" dirty="0"/>
-              <a:t>When you look for products in Rakuten </a:t>
-            </a:r>
-            <a:r>
-              <a:rPr lang="en" altLang="ja-JP" dirty="0" err="1"/>
-              <a:t>Ichiba</a:t>
-            </a:r>
-            <a:r>
-              <a:rPr lang="en" altLang="ja-JP" dirty="0"/>
-              <a:t>, products of various stores come up and the price is different so it takes time to find that you really want.</a:t>
-            </a:r>
-          </a:p>
-          <a:p>
+            <a:endParaRPr kumimoji="1" lang="en-US" altLang="ja-JP" dirty="0"/>
+          </a:p>
+          <a:p>
+            <a:pPr marL="457200" indent="-457200">
+              <a:buFont typeface="Arial" panose="020B0604020202020204" pitchFamily="34" charset="0"/>
+              <a:buChar char="•"/>
+            </a:pPr>
+            <a:r>
+              <a:rPr kumimoji="1" lang="ja-JP" altLang="en-US"/>
+              <a:t>などなど、既存サイトへの不満をここでぶちまける</a:t>
+            </a:r>
+          </a:p>
+          <a:p>
+            <a:endParaRPr kumimoji="1" lang="en-US" altLang="ja-JP" dirty="0"/>
+          </a:p>
+          <a:p>
+            <a:r>
+              <a:rPr kumimoji="1" lang="en" altLang="ja-JP" dirty="0"/>
+              <a:t>https://</a:t>
+            </a:r>
+            <a:r>
+              <a:rPr kumimoji="1" lang="en" altLang="ja-JP" dirty="0" err="1"/>
+              <a:t>search.rakuten.co.jp</a:t>
+            </a:r>
+            <a:r>
+              <a:rPr kumimoji="1" lang="en" altLang="ja-JP" dirty="0"/>
+              <a:t>/search/mall/</a:t>
+            </a:r>
+            <a:r>
+              <a:rPr kumimoji="1" lang="en" altLang="ja-JP" dirty="0" err="1"/>
+              <a:t>nike</a:t>
+            </a:r>
+            <a:r>
+              <a:rPr kumimoji="1" lang="en" altLang="ja-JP" dirty="0"/>
+              <a:t>+</a:t>
+            </a:r>
+            <a:r>
+              <a:rPr kumimoji="1" lang="ja-JP" altLang="en-US"/>
+              <a:t>スニーカー</a:t>
+            </a:r>
+            <a:r>
+              <a:rPr kumimoji="1" lang="en-US" altLang="ja-JP" dirty="0"/>
+              <a:t>/?</a:t>
+            </a:r>
+            <a:r>
+              <a:rPr kumimoji="1" lang="en" altLang="ja-JP" dirty="0"/>
+              <a:t>p=2</a:t>
+            </a:r>
             <a:endParaRPr kumimoji="1" lang="ja-JP" altLang="en-US"/>
           </a:p>
         </p:txBody>
@@ -629,7 +647,7 @@
     </p:spTree>
     <p:extLst>
       <p:ext uri="{BB962C8B-B14F-4D97-AF65-F5344CB8AC3E}">
-        <p14:creationId xmlns:p14="http://schemas.microsoft.com/office/powerpoint/2010/main" val="3506396389"/>
+        <p14:creationId xmlns:p14="http://schemas.microsoft.com/office/powerpoint/2010/main" val="1078682702"/>
       </p:ext>
     </p:extLst>
   </p:cSld>
@@ -683,65 +701,43 @@
           <a:bodyPr/>
           <a:lstStyle/>
           <a:p>
-            <a:pPr marL="0" marR="0" lvl="0" indent="0" algn="l" defTabSz="914400" rtl="0" eaLnBrk="1" fontAlgn="auto" latinLnBrk="0" hangingPunct="1">
-              <a:lnSpc>
-                <a:spcPct val="100000"/>
-              </a:lnSpc>
-              <a:spcBef>
-                <a:spcPts val="0"/>
-              </a:spcBef>
-              <a:spcAft>
-                <a:spcPts val="0"/>
-              </a:spcAft>
-              <a:buClrTx/>
-              <a:buSzTx/>
-              <a:buFontTx/>
-              <a:buNone/>
-              <a:tabLst/>
-              <a:defRPr/>
+            <a:pPr marL="457200" indent="-457200">
+              <a:buFont typeface="Arial" panose="020B0604020202020204" pitchFamily="34" charset="0"/>
+              <a:buChar char="•"/>
             </a:pPr>
             <a:r>
+              <a:rPr lang="ja-JP" altLang="en-US"/>
+              <a:t>同じ商品をまとめて表示する機能</a:t>
+            </a:r>
+            <a:endParaRPr lang="en-US" altLang="ja-JP" dirty="0"/>
+          </a:p>
+          <a:p>
+            <a:pPr marL="457200" indent="-457200">
+              <a:buFont typeface="Arial" panose="020B0604020202020204" pitchFamily="34" charset="0"/>
+              <a:buChar char="•"/>
+            </a:pPr>
+            <a:r>
               <a:rPr kumimoji="1" lang="ja-JP" altLang="en-US"/>
-              <a:t>同じ商品が何度も表示され、比較するのが大変</a:t>
+              <a:t>タグ</a:t>
+            </a:r>
+            <a:r>
+              <a:rPr lang="ja-JP" altLang="en-US"/>
+              <a:t>検索</a:t>
             </a:r>
             <a:endParaRPr kumimoji="1" lang="en-US" altLang="ja-JP" dirty="0"/>
           </a:p>
           <a:p>
-            <a:endParaRPr kumimoji="1" lang="en-US" altLang="ja-JP" dirty="0"/>
-          </a:p>
-          <a:p>
-            <a:r>
-              <a:rPr kumimoji="1" lang="en" altLang="ja-JP" dirty="0"/>
-              <a:t>https://</a:t>
-            </a:r>
-            <a:r>
-              <a:rPr kumimoji="1" lang="en" altLang="ja-JP" dirty="0" err="1"/>
-              <a:t>search.rakuten.co.jp</a:t>
-            </a:r>
-            <a:r>
-              <a:rPr kumimoji="1" lang="en" altLang="ja-JP" dirty="0"/>
-              <a:t>/search/mall/</a:t>
-            </a:r>
-            <a:r>
-              <a:rPr kumimoji="1" lang="en" altLang="ja-JP" dirty="0" err="1"/>
-              <a:t>nike</a:t>
-            </a:r>
-            <a:r>
-              <a:rPr kumimoji="1" lang="en" altLang="ja-JP" dirty="0"/>
-              <a:t>+</a:t>
-            </a:r>
-            <a:r>
-              <a:rPr kumimoji="1" lang="ja-JP" altLang="en-US"/>
-              <a:t>スニーカー</a:t>
-            </a:r>
-            <a:r>
-              <a:rPr kumimoji="1" lang="en-US" altLang="ja-JP" dirty="0"/>
-              <a:t>/?</a:t>
-            </a:r>
-            <a:r>
-              <a:rPr kumimoji="1" lang="en" altLang="ja-JP" dirty="0"/>
-              <a:t>p=2</a:t>
-            </a:r>
+            <a:pPr marL="457200" indent="-457200">
+              <a:buFont typeface="Arial" panose="020B0604020202020204" pitchFamily="34" charset="0"/>
+              <a:buChar char="•"/>
+            </a:pPr>
+            <a:r>
+              <a:rPr lang="ja-JP" altLang="en-US"/>
+              <a:t>ユーザごとに表示項目をカスタマイズできるようにする機能</a:t>
+            </a:r>
+            <a:endParaRPr kumimoji="1" lang="ja-JP" altLang="en-US"/>
+          </a:p>
+          <a:p>
             <a:endParaRPr kumimoji="1" lang="ja-JP" altLang="en-US"/>
           </a:p>
         </p:txBody>
@@ -763,7 +759,7 @@
           <a:p>
             <a:fld id="{9E1C67F3-BA0B-B442-BA23-A3194F4E98B9}" type="slidenum">
               <a:rPr kumimoji="1" lang="ja-JP" altLang="en-US" smtClean="0"/>
-              <a:t>7</a:t>
+              <a:t>8</a:t>
             </a:fld>
             <a:endParaRPr kumimoji="1" lang="ja-JP" altLang="en-US"/>
           </a:p>
@@ -772,7 +768,7 @@
     </p:spTree>
     <p:extLst>
       <p:ext uri="{BB962C8B-B14F-4D97-AF65-F5344CB8AC3E}">
-        <p14:creationId xmlns:p14="http://schemas.microsoft.com/office/powerpoint/2010/main" val="1078682702"/>
+        <p14:creationId xmlns:p14="http://schemas.microsoft.com/office/powerpoint/2010/main" val="4269479119"/>
       </p:ext>
     </p:extLst>
   </p:cSld>
@@ -831,8 +827,16 @@
               <a:buChar char="•"/>
             </a:pPr>
             <a:r>
-              <a:rPr lang="ja-JP" altLang="en-US"/>
-              <a:t>同じ商品をまとめて表示する機能</a:t>
+              <a:rPr kumimoji="1" lang="ja-JP" altLang="en-US"/>
+              <a:t>商品情報を楽天</a:t>
+            </a:r>
+            <a:r>
+              <a:rPr kumimoji="1" lang="en-US" altLang="ja-JP" dirty="0"/>
+              <a:t>API</a:t>
+            </a:r>
+            <a:r>
+              <a:rPr kumimoji="1" lang="ja-JP" altLang="en-US"/>
+              <a:t>から取得</a:t>
             </a:r>
             <a:endParaRPr lang="en-US" altLang="ja-JP" dirty="0"/>
           </a:p>
@@ -842,14 +846,10 @@
               <a:buChar char="•"/>
             </a:pPr>
             <a:r>
-              <a:rPr kumimoji="1" lang="ja-JP" altLang="en-US"/>
-              <a:t>タグ</a:t>
-            </a:r>
-            <a:r>
               <a:rPr lang="ja-JP" altLang="en-US"/>
-              <a:t>検索</a:t>
-            </a:r>
-            <a:endParaRPr kumimoji="1" lang="en-US" altLang="ja-JP" dirty="0"/>
+              <a:t>出品者が異なるが商品は同じ場合，すべてまとめて１件として表示</a:t>
+            </a:r>
+            <a:endParaRPr lang="en-US" altLang="ja-JP" dirty="0"/>
           </a:p>
           <a:p>
             <a:pPr marL="457200" indent="-457200">
@@ -857,10 +857,29 @@
               <a:buChar char="•"/>
             </a:pPr>
             <a:r>
+              <a:rPr kumimoji="1" lang="ja-JP" altLang="en-US"/>
+              <a:t>検索結果では、商品の概要と概算額のみ表示</a:t>
+            </a:r>
+            <a:r>
               <a:rPr lang="ja-JP" altLang="en-US"/>
-              <a:t>ユーザごとに表示項目をカスタマイズできるようにする機能</a:t>
-            </a:r>
-            <a:endParaRPr kumimoji="1" lang="ja-JP" altLang="en-US"/>
+              <a:t>＆</a:t>
+            </a:r>
+            <a:r>
+              <a:rPr kumimoji="1" lang="ja-JP" altLang="en-US"/>
+              <a:t>詳細は次のページで</a:t>
+            </a:r>
+            <a:endParaRPr kumimoji="1" lang="en-US" altLang="ja-JP" dirty="0"/>
+          </a:p>
+          <a:p>
+            <a:pPr marL="457200" indent="-457200">
+              <a:buFont typeface="Arial" panose="020B0604020202020204" pitchFamily="34" charset="0"/>
+              <a:buChar char="•"/>
+            </a:pPr>
+            <a:r>
+              <a:rPr lang="ja-JP" altLang="en-US"/>
+              <a:t>詳細ページではショップごとに比較可能</a:t>
+            </a:r>
+            <a:endParaRPr kumimoji="1" lang="en-US" altLang="ja-JP" dirty="0"/>
           </a:p>
           <a:p>
             <a:endParaRPr kumimoji="1" lang="ja-JP" altLang="en-US"/>
@@ -893,7 +912,7 @@
     </p:spTree>
     <p:extLst>
       <p:ext uri="{BB962C8B-B14F-4D97-AF65-F5344CB8AC3E}">
-        <p14:creationId xmlns:p14="http://schemas.microsoft.com/office/powerpoint/2010/main" val="4269479119"/>
+        <p14:creationId xmlns:p14="http://schemas.microsoft.com/office/powerpoint/2010/main" val="3425496502"/>
       </p:ext>
     </p:extLst>
   </p:cSld>
@@ -947,150 +966,6 @@
           <a:bodyPr/>
           <a:lstStyle/>
           <a:p>
-            <a:pPr marL="457200" indent="-457200">
-              <a:buFont typeface="Arial" panose="020B0604020202020204" pitchFamily="34" charset="0"/>
-              <a:buChar char="•"/>
-            </a:pPr>
-            <a:r>
-              <a:rPr kumimoji="1" lang="ja-JP" altLang="en-US"/>
-              <a:t>商品情報を楽天</a:t>
-            </a:r>
-            <a:r>
-              <a:rPr kumimoji="1" lang="en-US" altLang="ja-JP" dirty="0"/>
-              <a:t>API</a:t>
-            </a:r>
-            <a:r>
-              <a:rPr kumimoji="1" lang="ja-JP" altLang="en-US"/>
-              <a:t>から取得</a:t>
-            </a:r>
-            <a:endParaRPr lang="en-US" altLang="ja-JP" dirty="0"/>
-          </a:p>
-          <a:p>
-            <a:pPr marL="457200" indent="-457200">
-              <a:buFont typeface="Arial" panose="020B0604020202020204" pitchFamily="34" charset="0"/>
-              <a:buChar char="•"/>
-            </a:pPr>
-            <a:r>
-              <a:rPr lang="ja-JP" altLang="en-US"/>
-              <a:t>出品者が異なるが商品は同じ場合，すべてまとめて１件として表示</a:t>
-            </a:r>
-            <a:endParaRPr lang="en-US" altLang="ja-JP" dirty="0"/>
-          </a:p>
-          <a:p>
-            <a:pPr marL="457200" indent="-457200">
-              <a:buFont typeface="Arial" panose="020B0604020202020204" pitchFamily="34" charset="0"/>
-              <a:buChar char="•"/>
-            </a:pPr>
-            <a:r>
-              <a:rPr kumimoji="1" lang="ja-JP" altLang="en-US"/>
-              <a:t>検索結果では、商品の概要と概算額のみ表示</a:t>
-            </a:r>
-            <a:r>
-              <a:rPr lang="ja-JP" altLang="en-US"/>
-              <a:t>＆</a:t>
-            </a:r>
-            <a:r>
-              <a:rPr kumimoji="1" lang="ja-JP" altLang="en-US"/>
-              <a:t>詳細は次のページで</a:t>
-            </a:r>
-            <a:endParaRPr kumimoji="1" lang="en-US" altLang="ja-JP" dirty="0"/>
-          </a:p>
-          <a:p>
-            <a:pPr marL="457200" indent="-457200">
-              <a:buFont typeface="Arial" panose="020B0604020202020204" pitchFamily="34" charset="0"/>
-              <a:buChar char="•"/>
-            </a:pPr>
-            <a:r>
-              <a:rPr lang="ja-JP" altLang="en-US"/>
-              <a:t>詳細ページではショップごとに比較可能</a:t>
-            </a:r>
-            <a:endParaRPr kumimoji="1" lang="en-US" altLang="ja-JP" dirty="0"/>
-          </a:p>
-          <a:p>
-            <a:endParaRPr kumimoji="1" lang="ja-JP" altLang="en-US"/>
-          </a:p>
-        </p:txBody>
-      </p:sp>
-      <p:sp>
-        <p:nvSpPr>
-          <p:cNvPr id="4" name="スライド番号プレースホルダー 3"/>
-          <p:cNvSpPr>
-            <a:spLocks noGrp="1"/>
-          </p:cNvSpPr>
-          <p:nvPr>
-            <p:ph type="sldNum" sz="quarter" idx="5"/>
-          </p:nvPr>
-        </p:nvSpPr>
-        <p:spPr/>
-        <p:txBody>
-          <a:bodyPr/>
-          <a:lstStyle/>
-          <a:p>
-            <a:fld id="{9E1C67F3-BA0B-B442-BA23-A3194F4E98B9}" type="slidenum">
-              <a:rPr kumimoji="1" lang="ja-JP" altLang="en-US" smtClean="0"/>
-              <a:t>10</a:t>
-            </a:fld>
-            <a:endParaRPr kumimoji="1" lang="ja-JP" altLang="en-US"/>
-          </a:p>
-        </p:txBody>
-      </p:sp>
-    </p:spTree>
-    <p:extLst>
-      <p:ext uri="{BB962C8B-B14F-4D97-AF65-F5344CB8AC3E}">
-        <p14:creationId xmlns:p14="http://schemas.microsoft.com/office/powerpoint/2010/main" val="3425496502"/>
-      </p:ext>
-    </p:extLst>
-  </p:cSld>
-  <p:clrMapOvr>
-    <a:masterClrMapping/>
-  </p:clrMapOvr>
-</p:notes>
-</file>
-
-<file path=ppt/notesSlides/notesSlide5.xml><?xml version="1.0" encoding="utf-8"?>
-<p:notes xmlns:a="http://schemas.openxmlformats.org/drawingml/2006/main" xmlns:r="http://schemas.openxmlformats.org/officeDocument/2006/relationships" xmlns:p="http://schemas.openxmlformats.org/presentationml/2006/main">
-  <p:cSld>
-    <p:spTree>
-      <p:nvGrpSpPr>
-        <p:cNvPr id="1" name=""/>
-        <p:cNvGrpSpPr/>
-        <p:nvPr/>
-      </p:nvGrpSpPr>
-      <p:grpSpPr>
-        <a:xfrm>
-          <a:off x="0" y="0"/>
-          <a:ext cx="0" cy="0"/>
-          <a:chOff x="0" y="0"/>
-          <a:chExt cx="0" cy="0"/>
-        </a:xfrm>
-      </p:grpSpPr>
-      <p:sp>
-        <p:nvSpPr>
-          <p:cNvPr id="2" name="スライド イメージ プレースホルダー 1"/>
-          <p:cNvSpPr>
-            <a:spLocks noGrp="1" noRot="1" noChangeAspect="1"/>
-          </p:cNvSpPr>
-          <p:nvPr>
-            <p:ph type="sldImg"/>
-          </p:nvPr>
-        </p:nvSpPr>
-        <p:spPr/>
-      </p:sp>
-      <p:sp>
-        <p:nvSpPr>
-          <p:cNvPr id="3" name="ノート プレースホルダー 2"/>
-          <p:cNvSpPr>
-            <a:spLocks noGrp="1"/>
-          </p:cNvSpPr>
-          <p:nvPr>
-            <p:ph type="body" idx="1"/>
-          </p:nvPr>
-        </p:nvSpPr>
-        <p:spPr/>
-        <p:txBody>
-          <a:bodyPr/>
-          <a:lstStyle/>
-          <a:p>
             <a:pPr marL="0" marR="0" lvl="0" indent="0" algn="l" defTabSz="914400" rtl="0" eaLnBrk="1" fontAlgn="auto" latinLnBrk="0" hangingPunct="1">
               <a:lnSpc>
                 <a:spcPct val="100000"/>
@@ -1136,7 +1011,7 @@
           <a:p>
             <a:fld id="{9E1C67F3-BA0B-B442-BA23-A3194F4E98B9}" type="slidenum">
               <a:rPr kumimoji="1" lang="ja-JP" altLang="en-US" smtClean="0"/>
-              <a:t>12</a:t>
+              <a:t>11</a:t>
             </a:fld>
             <a:endParaRPr kumimoji="1" lang="ja-JP" altLang="en-US"/>
           </a:p>
@@ -4865,250 +4740,6 @@
           </a:bodyPr>
           <a:lstStyle/>
           <a:p>
-            <a:pPr marL="457200" indent="-457200">
-              <a:buFont typeface="Arial" panose="020B0604020202020204" pitchFamily="34" charset="0"/>
-              <a:buChar char="•"/>
-            </a:pPr>
-            <a:r>
-              <a:rPr kumimoji="1" lang="ja-JP" altLang="en-US"/>
-              <a:t>商品情報を楽天</a:t>
-            </a:r>
-            <a:r>
-              <a:rPr kumimoji="1" lang="en-US" altLang="ja-JP" dirty="0"/>
-              <a:t>API</a:t>
-            </a:r>
-            <a:r>
-              <a:rPr kumimoji="1" lang="ja-JP" altLang="en-US"/>
-              <a:t>から取得</a:t>
-            </a:r>
-            <a:endParaRPr lang="en-US" altLang="ja-JP" dirty="0"/>
-          </a:p>
-          <a:p>
-            <a:pPr marL="457200" indent="-457200">
-              <a:buFont typeface="Arial" panose="020B0604020202020204" pitchFamily="34" charset="0"/>
-              <a:buChar char="•"/>
-            </a:pPr>
-            <a:r>
-              <a:rPr lang="ja-JP" altLang="en-US" dirty="0"/>
-              <a:t>出品者が</a:t>
-            </a:r>
-            <a:r>
-              <a:rPr lang="ja-JP" altLang="en-US"/>
-              <a:t>異なるが商品は同じ場合，すべて</a:t>
-            </a:r>
-            <a:r>
-              <a:rPr lang="ja-JP" altLang="en-US" dirty="0"/>
-              <a:t>まとめて１件と</a:t>
-            </a:r>
-            <a:r>
-              <a:rPr lang="ja-JP" altLang="en-US"/>
-              <a:t>して表示</a:t>
-            </a:r>
-            <a:endParaRPr lang="en-US" altLang="ja-JP" dirty="0"/>
-          </a:p>
-          <a:p>
-            <a:pPr marL="457200" indent="-457200">
-              <a:buFont typeface="Arial" panose="020B0604020202020204" pitchFamily="34" charset="0"/>
-              <a:buChar char="•"/>
-            </a:pPr>
-            <a:r>
-              <a:rPr kumimoji="1" lang="ja-JP" altLang="en-US"/>
-              <a:t>検索</a:t>
-            </a:r>
-            <a:r>
-              <a:rPr kumimoji="1" lang="ja-JP" altLang="en-US" dirty="0"/>
-              <a:t>結果では、商品の概要と概算額</a:t>
-            </a:r>
-            <a:r>
-              <a:rPr kumimoji="1" lang="ja-JP" altLang="en-US"/>
-              <a:t>のみ表示</a:t>
-            </a:r>
-            <a:r>
-              <a:rPr lang="ja-JP" altLang="en-US"/>
-              <a:t>＆</a:t>
-            </a:r>
-            <a:r>
-              <a:rPr kumimoji="1" lang="ja-JP" altLang="en-US"/>
-              <a:t>詳細</a:t>
-            </a:r>
-            <a:r>
-              <a:rPr kumimoji="1" lang="ja-JP" altLang="en-US" dirty="0"/>
-              <a:t>は次のページで</a:t>
-            </a:r>
-            <a:endParaRPr kumimoji="1" lang="en-US" altLang="ja-JP" dirty="0"/>
-          </a:p>
-          <a:p>
-            <a:pPr marL="457200" indent="-457200">
-              <a:buFont typeface="Arial" panose="020B0604020202020204" pitchFamily="34" charset="0"/>
-              <a:buChar char="•"/>
-            </a:pPr>
-            <a:r>
-              <a:rPr lang="ja-JP" altLang="en-US" dirty="0"/>
-              <a:t>詳細ページでは</a:t>
-            </a:r>
-            <a:r>
-              <a:rPr lang="ja-JP" altLang="en-US"/>
-              <a:t>ショップごとに比較可能</a:t>
-            </a:r>
-            <a:endParaRPr kumimoji="1" lang="en-US" altLang="ja-JP" dirty="0"/>
-          </a:p>
-        </p:txBody>
-      </p:sp>
-      <p:sp>
-        <p:nvSpPr>
-          <p:cNvPr id="5" name="四角形: 角を丸くする 4">
-            <a:extLst>
-              <a:ext uri="{FF2B5EF4-FFF2-40B4-BE49-F238E27FC236}">
-                <a16:creationId xmlns:a16="http://schemas.microsoft.com/office/drawing/2014/main" id="{C007D137-227B-4352-9A52-4C5F8CE374DB}"/>
-              </a:ext>
-            </a:extLst>
-          </p:cNvPr>
-          <p:cNvSpPr/>
-          <p:nvPr/>
-        </p:nvSpPr>
-        <p:spPr>
-          <a:xfrm>
-            <a:off x="464457" y="420914"/>
-            <a:ext cx="6270171" cy="812800"/>
-          </a:xfrm>
-          <a:prstGeom prst="roundRect">
-            <a:avLst/>
-          </a:prstGeom>
-          <a:solidFill>
-            <a:srgbClr val="DC143C"/>
-          </a:solidFill>
-        </p:spPr>
-        <p:style>
-          <a:lnRef idx="2">
-            <a:schemeClr val="accent1">
-              <a:shade val="50000"/>
-            </a:schemeClr>
-          </a:lnRef>
-          <a:fillRef idx="1">
-            <a:schemeClr val="accent1"/>
-          </a:fillRef>
-          <a:effectRef idx="0">
-            <a:schemeClr val="accent1"/>
-          </a:effectRef>
-          <a:fontRef idx="minor">
-            <a:schemeClr val="lt1"/>
-          </a:fontRef>
-        </p:style>
-        <p:txBody>
-          <a:bodyPr rtlCol="0" anchor="ctr"/>
-          <a:lstStyle/>
-          <a:p>
-            <a:r>
-              <a:rPr lang="ja-JP" altLang="en-US" sz="3200" dirty="0">
-                <a:effectLst>
-                  <a:outerShdw blurRad="38100" dist="38100" dir="2700000" algn="tl">
-                    <a:srgbClr val="000000">
-                      <a:alpha val="43137"/>
-                    </a:srgbClr>
-                  </a:outerShdw>
-                </a:effectLst>
-              </a:rPr>
-              <a:t>同じ商品をまとめる機能の仕様</a:t>
-            </a:r>
-          </a:p>
-        </p:txBody>
-      </p:sp>
-    </p:spTree>
-    <p:extLst>
-      <p:ext uri="{BB962C8B-B14F-4D97-AF65-F5344CB8AC3E}">
-        <p14:creationId xmlns:p14="http://schemas.microsoft.com/office/powerpoint/2010/main" val="2750315736"/>
-      </p:ext>
-    </p:extLst>
-  </p:cSld>
-  <p:clrMapOvr>
-    <a:masterClrMapping/>
-  </p:clrMapOvr>
-</p:sld>
-</file>
-
-<file path=ppt/slides/slide11.xml><?xml version="1.0" encoding="utf-8"?>
-<p:sld xmlns:a="http://schemas.openxmlformats.org/drawingml/2006/main" xmlns:r="http://schemas.openxmlformats.org/officeDocument/2006/relationships" xmlns:p="http://schemas.openxmlformats.org/presentationml/2006/main">
-  <p:cSld>
-    <p:spTree>
-      <p:nvGrpSpPr>
-        <p:cNvPr id="1" name=""/>
-        <p:cNvGrpSpPr/>
-        <p:nvPr/>
-      </p:nvGrpSpPr>
-      <p:grpSpPr>
-        <a:xfrm>
-          <a:off x="0" y="0"/>
-          <a:ext cx="0" cy="0"/>
-          <a:chOff x="0" y="0"/>
-          <a:chExt cx="0" cy="0"/>
-        </a:xfrm>
-      </p:grpSpPr>
-      <p:sp>
-        <p:nvSpPr>
-          <p:cNvPr id="2" name="タイトル 1">
-            <a:extLst>
-              <a:ext uri="{FF2B5EF4-FFF2-40B4-BE49-F238E27FC236}">
-                <a16:creationId xmlns:a16="http://schemas.microsoft.com/office/drawing/2014/main" id="{162BB91B-3D5F-40D6-9780-4A263D504DF7}"/>
-              </a:ext>
-            </a:extLst>
-          </p:cNvPr>
-          <p:cNvSpPr>
-            <a:spLocks noGrp="1"/>
-          </p:cNvSpPr>
-          <p:nvPr>
-            <p:ph type="title"/>
-          </p:nvPr>
-        </p:nvSpPr>
-        <p:spPr>
-          <a:xfrm>
-            <a:off x="142420" y="5786891"/>
-            <a:ext cx="11211380" cy="1002846"/>
-          </a:xfrm>
-        </p:spPr>
-        <p:txBody>
-          <a:bodyPr/>
-          <a:lstStyle/>
-          <a:p>
-            <a:r>
-              <a:rPr kumimoji="1" lang="en-US" altLang="ja-JP" dirty="0"/>
-              <a:t>3. Challenges and Solutions</a:t>
-            </a:r>
-            <a:endParaRPr kumimoji="1" lang="ja-JP" altLang="en-US" dirty="0"/>
-          </a:p>
-        </p:txBody>
-      </p:sp>
-      <p:sp>
-        <p:nvSpPr>
-          <p:cNvPr id="3" name="テキスト プレースホルダー 2">
-            <a:extLst>
-              <a:ext uri="{FF2B5EF4-FFF2-40B4-BE49-F238E27FC236}">
-                <a16:creationId xmlns:a16="http://schemas.microsoft.com/office/drawing/2014/main" id="{3F1E7B7C-CCC0-400C-8A2D-D50BF4251EA6}"/>
-              </a:ext>
-            </a:extLst>
-          </p:cNvPr>
-          <p:cNvSpPr>
-            <a:spLocks noGrp="1"/>
-          </p:cNvSpPr>
-          <p:nvPr>
-            <p:ph type="body" idx="1"/>
-          </p:nvPr>
-        </p:nvSpPr>
-        <p:spPr>
-          <a:xfrm>
-            <a:off x="838200" y="1548719"/>
-            <a:ext cx="10515600" cy="4097338"/>
-          </a:xfrm>
-        </p:spPr>
-        <p:txBody>
-          <a:bodyPr>
-            <a:normAutofit/>
-          </a:bodyPr>
-          <a:lstStyle/>
-          <a:p>
-            <a:pPr marL="457200" indent="-457200">
-              <a:buFont typeface="Arial" panose="020B0604020202020204" pitchFamily="34" charset="0"/>
-              <a:buChar char="•"/>
-            </a:pPr>
             <a:r>
               <a:rPr lang="en-US" altLang="ja-JP" dirty="0">
                 <a:solidFill>
@@ -5116,65 +4747,6 @@
                 </a:solidFill>
               </a:rPr>
               <a:t>Get from item information from “Rakuten API”</a:t>
-            </a:r>
-          </a:p>
-        </p:txBody>
-      </p:sp>
-      <p:sp>
-        <p:nvSpPr>
-          <p:cNvPr id="5" name="四角形: 角を丸くする 4">
-            <a:extLst>
-              <a:ext uri="{FF2B5EF4-FFF2-40B4-BE49-F238E27FC236}">
-                <a16:creationId xmlns:a16="http://schemas.microsoft.com/office/drawing/2014/main" id="{C007D137-227B-4352-9A52-4C5F8CE374DB}"/>
-              </a:ext>
-            </a:extLst>
-          </p:cNvPr>
-          <p:cNvSpPr/>
-          <p:nvPr/>
-        </p:nvSpPr>
-        <p:spPr>
-          <a:xfrm>
-            <a:off x="464457" y="420914"/>
-            <a:ext cx="6270171" cy="812800"/>
-          </a:xfrm>
-          <a:prstGeom prst="roundRect">
-            <a:avLst/>
-          </a:prstGeom>
-          <a:solidFill>
-            <a:srgbClr val="DC143C"/>
-          </a:solidFill>
-        </p:spPr>
-        <p:style>
-          <a:lnRef idx="2">
-            <a:schemeClr val="accent1">
-              <a:shade val="50000"/>
-            </a:schemeClr>
-          </a:lnRef>
-          <a:fillRef idx="1">
-            <a:schemeClr val="accent1"/>
-          </a:fillRef>
-          <a:effectRef idx="0">
-            <a:schemeClr val="accent1"/>
-          </a:effectRef>
-          <a:fontRef idx="minor">
-            <a:schemeClr val="lt1"/>
-          </a:fontRef>
-        </p:style>
-        <p:txBody>
-          <a:bodyPr rtlCol="0" anchor="ctr"/>
-          <a:lstStyle/>
-          <a:p>
-            <a:r>
-              <a:rPr lang="ja-JP" altLang="en-US" sz="3200" dirty="0">
-                <a:effectLst>
-                  <a:outerShdw blurRad="38100" dist="38100" dir="2700000" algn="tl">
-                    <a:srgbClr val="000000">
-                      <a:alpha val="43137"/>
-                    </a:srgbClr>
-                  </a:outerShdw>
-                </a:effectLst>
-              </a:rPr>
-              <a:t>同じ商品をまとめる機能の仕様</a:t>
             </a:r>
           </a:p>
         </p:txBody>
@@ -5342,86 +4914,22 @@
           </a:p>
         </p:txBody>
       </p:sp>
-    </p:spTree>
-    <p:extLst>
-      <p:ext uri="{BB962C8B-B14F-4D97-AF65-F5344CB8AC3E}">
-        <p14:creationId xmlns:p14="http://schemas.microsoft.com/office/powerpoint/2010/main" val="2433302557"/>
-      </p:ext>
-    </p:extLst>
-  </p:cSld>
-  <p:clrMapOvr>
-    <a:masterClrMapping/>
-  </p:clrMapOvr>
-</p:sld>
-</file>
-
-<file path=ppt/slides/slide12.xml><?xml version="1.0" encoding="utf-8"?>
-<p:sld xmlns:a="http://schemas.openxmlformats.org/drawingml/2006/main" xmlns:r="http://schemas.openxmlformats.org/officeDocument/2006/relationships" xmlns:p="http://schemas.openxmlformats.org/presentationml/2006/main">
-  <p:cSld>
-    <p:spTree>
-      <p:nvGrpSpPr>
-        <p:cNvPr id="1" name=""/>
-        <p:cNvGrpSpPr/>
-        <p:nvPr/>
-      </p:nvGrpSpPr>
-      <p:grpSpPr>
-        <a:xfrm>
-          <a:off x="0" y="0"/>
-          <a:ext cx="0" cy="0"/>
-          <a:chOff x="0" y="0"/>
-          <a:chExt cx="0" cy="0"/>
-        </a:xfrm>
-      </p:grpSpPr>
-      <p:sp>
-        <p:nvSpPr>
-          <p:cNvPr id="2" name="タイトル 1">
-            <a:extLst>
-              <a:ext uri="{FF2B5EF4-FFF2-40B4-BE49-F238E27FC236}">
-                <a16:creationId xmlns:a16="http://schemas.microsoft.com/office/drawing/2014/main" id="{162BB91B-3D5F-40D6-9780-4A263D504DF7}"/>
-              </a:ext>
-            </a:extLst>
-          </p:cNvPr>
-          <p:cNvSpPr>
-            <a:spLocks noGrp="1"/>
-          </p:cNvSpPr>
-          <p:nvPr>
-            <p:ph type="title"/>
-          </p:nvPr>
+      <p:sp>
+        <p:nvSpPr>
+          <p:cNvPr id="8" name="四角形: 角を丸くする 4">
+            <a:extLst>
+              <a:ext uri="{FF2B5EF4-FFF2-40B4-BE49-F238E27FC236}">
+                <a16:creationId xmlns:a16="http://schemas.microsoft.com/office/drawing/2014/main" id="{41FED42A-0513-7A42-8CD3-D437C96B35CE}"/>
+              </a:ext>
+            </a:extLst>
+          </p:cNvPr>
+          <p:cNvSpPr/>
+          <p:nvPr/>
         </p:nvSpPr>
         <p:spPr>
           <a:xfrm>
-            <a:off x="142420" y="5786891"/>
-            <a:ext cx="11211380" cy="1002846"/>
-          </a:xfrm>
-        </p:spPr>
-        <p:txBody>
-          <a:bodyPr/>
-          <a:lstStyle/>
-          <a:p>
-            <a:r>
-              <a:rPr kumimoji="1" lang="en-US" altLang="ja-JP" dirty="0"/>
-              <a:t>3. Challenges and Solutions</a:t>
-            </a:r>
-            <a:endParaRPr kumimoji="1" lang="ja-JP" altLang="en-US" dirty="0"/>
-          </a:p>
-        </p:txBody>
-      </p:sp>
-      <p:sp>
-        <p:nvSpPr>
-          <p:cNvPr id="5" name="四角形: 角を丸くする 4">
-            <a:extLst>
-              <a:ext uri="{FF2B5EF4-FFF2-40B4-BE49-F238E27FC236}">
-                <a16:creationId xmlns:a16="http://schemas.microsoft.com/office/drawing/2014/main" id="{C007D137-227B-4352-9A52-4C5F8CE374DB}"/>
-              </a:ext>
-            </a:extLst>
-          </p:cNvPr>
-          <p:cNvSpPr/>
-          <p:nvPr/>
-        </p:nvSpPr>
-        <p:spPr>
-          <a:xfrm>
-            <a:off x="464457" y="420914"/>
-            <a:ext cx="6270171" cy="812800"/>
+            <a:off x="464458" y="420914"/>
+            <a:ext cx="3886826" cy="812800"/>
           </a:xfrm>
           <a:prstGeom prst="roundRect">
             <a:avLst/>
@@ -5460,10 +4968,130 @@
                   </a:outerShdw>
                 </a:effectLst>
               </a:rPr>
-              <a:t>Grouping </a:t>
-            </a:r>
-            <a:r>
-              <a:rPr lang="en-US" altLang="ja-JP" sz="3200">
+              <a:t>Grouping one item</a:t>
+            </a:r>
+            <a:endParaRPr lang="ja-JP" altLang="en-US" sz="3200" dirty="0">
+              <a:effectLst>
+                <a:outerShdw blurRad="38100" dist="38100" dir="2700000" algn="tl">
+                  <a:srgbClr val="000000">
+                    <a:alpha val="43137"/>
+                  </a:srgbClr>
+                </a:outerShdw>
+              </a:effectLst>
+            </a:endParaRPr>
+          </a:p>
+        </p:txBody>
+      </p:sp>
+    </p:spTree>
+    <p:extLst>
+      <p:ext uri="{BB962C8B-B14F-4D97-AF65-F5344CB8AC3E}">
+        <p14:creationId xmlns:p14="http://schemas.microsoft.com/office/powerpoint/2010/main" val="2433302557"/>
+      </p:ext>
+    </p:extLst>
+  </p:cSld>
+  <p:clrMapOvr>
+    <a:masterClrMapping/>
+  </p:clrMapOvr>
+</p:sld>
+</file>
+
+<file path=ppt/slides/slide11.xml><?xml version="1.0" encoding="utf-8"?>
+<p:sld xmlns:a="http://schemas.openxmlformats.org/drawingml/2006/main" xmlns:r="http://schemas.openxmlformats.org/officeDocument/2006/relationships" xmlns:p="http://schemas.openxmlformats.org/presentationml/2006/main">
+  <p:cSld>
+    <p:spTree>
+      <p:nvGrpSpPr>
+        <p:cNvPr id="1" name=""/>
+        <p:cNvGrpSpPr/>
+        <p:nvPr/>
+      </p:nvGrpSpPr>
+      <p:grpSpPr>
+        <a:xfrm>
+          <a:off x="0" y="0"/>
+          <a:ext cx="0" cy="0"/>
+          <a:chOff x="0" y="0"/>
+          <a:chExt cx="0" cy="0"/>
+        </a:xfrm>
+      </p:grpSpPr>
+      <p:sp>
+        <p:nvSpPr>
+          <p:cNvPr id="2" name="タイトル 1">
+            <a:extLst>
+              <a:ext uri="{FF2B5EF4-FFF2-40B4-BE49-F238E27FC236}">
+                <a16:creationId xmlns:a16="http://schemas.microsoft.com/office/drawing/2014/main" id="{162BB91B-3D5F-40D6-9780-4A263D504DF7}"/>
+              </a:ext>
+            </a:extLst>
+          </p:cNvPr>
+          <p:cNvSpPr>
+            <a:spLocks noGrp="1"/>
+          </p:cNvSpPr>
+          <p:nvPr>
+            <p:ph type="title"/>
+          </p:nvPr>
+        </p:nvSpPr>
+        <p:spPr>
+          <a:xfrm>
+            <a:off x="142420" y="5786891"/>
+            <a:ext cx="11211380" cy="1002846"/>
+          </a:xfrm>
+        </p:spPr>
+        <p:txBody>
+          <a:bodyPr/>
+          <a:lstStyle/>
+          <a:p>
+            <a:r>
+              <a:rPr kumimoji="1" lang="en-US" altLang="ja-JP" dirty="0"/>
+              <a:t>3. Challenges and Solutions</a:t>
+            </a:r>
+            <a:endParaRPr kumimoji="1" lang="ja-JP" altLang="en-US" dirty="0"/>
+          </a:p>
+        </p:txBody>
+      </p:sp>
+      <p:sp>
+        <p:nvSpPr>
+          <p:cNvPr id="5" name="四角形: 角を丸くする 4">
+            <a:extLst>
+              <a:ext uri="{FF2B5EF4-FFF2-40B4-BE49-F238E27FC236}">
+                <a16:creationId xmlns:a16="http://schemas.microsoft.com/office/drawing/2014/main" id="{C007D137-227B-4352-9A52-4C5F8CE374DB}"/>
+              </a:ext>
+            </a:extLst>
+          </p:cNvPr>
+          <p:cNvSpPr/>
+          <p:nvPr/>
+        </p:nvSpPr>
+        <p:spPr>
+          <a:xfrm>
+            <a:off x="464458" y="420914"/>
+            <a:ext cx="3886826" cy="812800"/>
+          </a:xfrm>
+          <a:prstGeom prst="roundRect">
+            <a:avLst/>
+          </a:prstGeom>
+          <a:solidFill>
+            <a:srgbClr val="DC143C"/>
+          </a:solidFill>
+        </p:spPr>
+        <p:style>
+          <a:lnRef idx="2">
+            <a:schemeClr val="accent1">
+              <a:shade val="50000"/>
+            </a:schemeClr>
+          </a:lnRef>
+          <a:fillRef idx="1">
+            <a:schemeClr val="accent1"/>
+          </a:fillRef>
+          <a:effectRef idx="0">
+            <a:schemeClr val="accent1"/>
+          </a:effectRef>
+          <a:fontRef idx="minor">
+            <a:schemeClr val="lt1"/>
+          </a:fontRef>
+        </p:style>
+        <p:txBody>
+          <a:bodyPr rtlCol="0" anchor="ctr"/>
+          <a:lstStyle/>
+          <a:p>
+            <a:r>
+              <a:rPr lang="en-US" altLang="ja-JP" sz="3200" dirty="0">
                 <a:effectLst>
                   <a:outerShdw blurRad="38100" dist="38100" dir="2700000" algn="tl">
                     <a:srgbClr val="000000">
@@ -5472,7 +5100,7 @@
                   </a:outerShdw>
                 </a:effectLst>
               </a:rPr>
-              <a:t>one item</a:t>
+              <a:t>Grouping one item</a:t>
             </a:r>
             <a:endParaRPr lang="ja-JP" altLang="en-US" sz="3200" dirty="0">
               <a:effectLst>
@@ -6407,7 +6035,7 @@
 </p:sld>
 </file>
 
-<file path=ppt/slides/slide13.xml><?xml version="1.0" encoding="utf-8"?>
+<file path=ppt/slides/slide12.xml><?xml version="1.0" encoding="utf-8"?>
 <p:sld xmlns:a="http://schemas.openxmlformats.org/drawingml/2006/main" xmlns:r="http://schemas.openxmlformats.org/officeDocument/2006/relationships" xmlns:p="http://schemas.openxmlformats.org/presentationml/2006/main">
   <p:cSld>
     <p:spTree>
@@ -6455,65 +6083,6 @@
               <a:t>3. Challenges and Solutions</a:t>
             </a:r>
             <a:endParaRPr kumimoji="1" lang="ja-JP" altLang="en-US" dirty="0"/>
-          </a:p>
-        </p:txBody>
-      </p:sp>
-      <p:sp>
-        <p:nvSpPr>
-          <p:cNvPr id="5" name="四角形: 角を丸くする 4">
-            <a:extLst>
-              <a:ext uri="{FF2B5EF4-FFF2-40B4-BE49-F238E27FC236}">
-                <a16:creationId xmlns:a16="http://schemas.microsoft.com/office/drawing/2014/main" id="{C007D137-227B-4352-9A52-4C5F8CE374DB}"/>
-              </a:ext>
-            </a:extLst>
-          </p:cNvPr>
-          <p:cNvSpPr/>
-          <p:nvPr/>
-        </p:nvSpPr>
-        <p:spPr>
-          <a:xfrm>
-            <a:off x="464457" y="420914"/>
-            <a:ext cx="6270171" cy="812800"/>
-          </a:xfrm>
-          <a:prstGeom prst="roundRect">
-            <a:avLst/>
-          </a:prstGeom>
-          <a:solidFill>
-            <a:srgbClr val="DC143C"/>
-          </a:solidFill>
-        </p:spPr>
-        <p:style>
-          <a:lnRef idx="2">
-            <a:schemeClr val="accent1">
-              <a:shade val="50000"/>
-            </a:schemeClr>
-          </a:lnRef>
-          <a:fillRef idx="1">
-            <a:schemeClr val="accent1"/>
-          </a:fillRef>
-          <a:effectRef idx="0">
-            <a:schemeClr val="accent1"/>
-          </a:effectRef>
-          <a:fontRef idx="minor">
-            <a:schemeClr val="lt1"/>
-          </a:fontRef>
-        </p:style>
-        <p:txBody>
-          <a:bodyPr rtlCol="0" anchor="ctr"/>
-          <a:lstStyle/>
-          <a:p>
-            <a:r>
-              <a:rPr lang="ja-JP" altLang="en-US" sz="3200" dirty="0">
-                <a:effectLst>
-                  <a:outerShdw blurRad="38100" dist="38100" dir="2700000" algn="tl">
-                    <a:srgbClr val="000000">
-                      <a:alpha val="43137"/>
-                    </a:srgbClr>
-                  </a:outerShdw>
-                </a:effectLst>
-              </a:rPr>
-              <a:t>同じ商品をまとめる機能の仕様</a:t>
-            </a:r>
           </a:p>
         </p:txBody>
       </p:sp>
@@ -7147,6 +6716,74 @@
           </a:p>
         </p:txBody>
       </p:sp>
+      <p:sp>
+        <p:nvSpPr>
+          <p:cNvPr id="17" name="四角形: 角を丸くする 4">
+            <a:extLst>
+              <a:ext uri="{FF2B5EF4-FFF2-40B4-BE49-F238E27FC236}">
+                <a16:creationId xmlns:a16="http://schemas.microsoft.com/office/drawing/2014/main" id="{C2782496-20F8-9148-9E48-51D1F80E9ADB}"/>
+              </a:ext>
+            </a:extLst>
+          </p:cNvPr>
+          <p:cNvSpPr/>
+          <p:nvPr/>
+        </p:nvSpPr>
+        <p:spPr>
+          <a:xfrm>
+            <a:off x="464458" y="420914"/>
+            <a:ext cx="3886826" cy="812800"/>
+          </a:xfrm>
+          <a:prstGeom prst="roundRect">
+            <a:avLst/>
+          </a:prstGeom>
+          <a:solidFill>
+            <a:srgbClr val="DC143C"/>
+          </a:solidFill>
+        </p:spPr>
+        <p:style>
+          <a:lnRef idx="2">
+            <a:schemeClr val="accent1">
+              <a:shade val="50000"/>
+            </a:schemeClr>
+          </a:lnRef>
+          <a:fillRef idx="1">
+            <a:schemeClr val="accent1"/>
+          </a:fillRef>
+          <a:effectRef idx="0">
+            <a:schemeClr val="accent1"/>
+          </a:effectRef>
+          <a:fontRef idx="minor">
+            <a:schemeClr val="lt1"/>
+          </a:fontRef>
+        </p:style>
+        <p:txBody>
+          <a:bodyPr rtlCol="0" anchor="ctr"/>
+          <a:lstStyle/>
+          <a:p>
+            <a:r>
+              <a:rPr lang="en-US" altLang="ja-JP" sz="3200" dirty="0">
+                <a:effectLst>
+                  <a:outerShdw blurRad="38100" dist="38100" dir="2700000" algn="tl">
+                    <a:srgbClr val="000000">
+                      <a:alpha val="43137"/>
+                    </a:srgbClr>
+                  </a:outerShdw>
+                </a:effectLst>
+              </a:rPr>
+              <a:t>Grouping one item</a:t>
+            </a:r>
+            <a:endParaRPr lang="ja-JP" altLang="en-US" sz="3200" dirty="0">
+              <a:effectLst>
+                <a:outerShdw blurRad="38100" dist="38100" dir="2700000" algn="tl">
+                  <a:srgbClr val="000000">
+                    <a:alpha val="43137"/>
+                  </a:srgbClr>
+                </a:outerShdw>
+              </a:effectLst>
+            </a:endParaRPr>
+          </a:p>
+        </p:txBody>
+      </p:sp>
     </p:spTree>
     <p:extLst>
       <p:ext uri="{BB962C8B-B14F-4D97-AF65-F5344CB8AC3E}">
@@ -7160,7 +6797,7 @@
 </p:sld>
 </file>
 
-<file path=ppt/slides/slide14.xml><?xml version="1.0" encoding="utf-8"?>
+<file path=ppt/slides/slide13.xml><?xml version="1.0" encoding="utf-8"?>
 <p:sld xmlns:a="http://schemas.openxmlformats.org/drawingml/2006/main" xmlns:r="http://schemas.openxmlformats.org/officeDocument/2006/relationships" xmlns:p="http://schemas.openxmlformats.org/presentationml/2006/main">
   <p:cSld>
     <p:spTree>
@@ -7488,7 +7125,7 @@
 </p:sld>
 </file>
 
-<file path=ppt/slides/slide15.xml><?xml version="1.0" encoding="utf-8"?>
+<file path=ppt/slides/slide14.xml><?xml version="1.0" encoding="utf-8"?>
 <p:sld xmlns:a="http://schemas.openxmlformats.org/drawingml/2006/main" xmlns:r="http://schemas.openxmlformats.org/officeDocument/2006/relationships" xmlns:p="http://schemas.openxmlformats.org/presentationml/2006/main">
   <p:cSld>
     <p:spTree>
@@ -7816,7 +7453,7 @@
 </p:sld>
 </file>
 
-<file path=ppt/slides/slide16.xml><?xml version="1.0" encoding="utf-8"?>
+<file path=ppt/slides/slide15.xml><?xml version="1.0" encoding="utf-8"?>
 <p:sld xmlns:a="http://schemas.openxmlformats.org/drawingml/2006/main" xmlns:r="http://schemas.openxmlformats.org/officeDocument/2006/relationships" xmlns:p="http://schemas.openxmlformats.org/presentationml/2006/main">
   <p:cSld>
     <p:spTree>
@@ -9733,234 +9370,6 @@
       </p:sp>
       <p:sp>
         <p:nvSpPr>
-          <p:cNvPr id="3" name="テキスト プレースホルダー 2">
-            <a:extLst>
-              <a:ext uri="{FF2B5EF4-FFF2-40B4-BE49-F238E27FC236}">
-                <a16:creationId xmlns:a16="http://schemas.microsoft.com/office/drawing/2014/main" id="{D7C19707-BCBB-4406-B350-D556AD5699DC}"/>
-              </a:ext>
-            </a:extLst>
-          </p:cNvPr>
-          <p:cNvSpPr>
-            <a:spLocks noGrp="1"/>
-          </p:cNvSpPr>
-          <p:nvPr>
-            <p:ph type="body" idx="1"/>
-          </p:nvPr>
-        </p:nvSpPr>
-        <p:spPr>
-          <a:xfrm>
-            <a:off x="1266371" y="1490662"/>
-            <a:ext cx="10515600" cy="3487738"/>
-          </a:xfrm>
-        </p:spPr>
-        <p:txBody>
-          <a:bodyPr>
-            <a:normAutofit/>
-          </a:bodyPr>
-          <a:lstStyle/>
-          <a:p>
-            <a:pPr marL="457200" indent="-457200">
-              <a:buFont typeface="Arial" panose="020B0604020202020204" pitchFamily="34" charset="0"/>
-              <a:buChar char="•"/>
-            </a:pPr>
-            <a:r>
-              <a:rPr kumimoji="1" lang="ja-JP" altLang="en-US" dirty="0"/>
-              <a:t>欲しい商品になかなかたどり着けない</a:t>
-            </a:r>
-            <a:endParaRPr kumimoji="1" lang="en-US" altLang="ja-JP" dirty="0"/>
-          </a:p>
-          <a:p>
-            <a:pPr marL="457200" indent="-457200">
-              <a:buFont typeface="Arial" panose="020B0604020202020204" pitchFamily="34" charset="0"/>
-              <a:buChar char="•"/>
-            </a:pPr>
-            <a:r>
-              <a:rPr kumimoji="1" lang="ja-JP" altLang="en-US" dirty="0"/>
-              <a:t>同じ商品が何度も表示され、比較するのが大変</a:t>
-            </a:r>
-            <a:endParaRPr kumimoji="1" lang="en-US" altLang="ja-JP" dirty="0"/>
-          </a:p>
-          <a:p>
-            <a:pPr marL="457200" indent="-457200">
-              <a:buFont typeface="Arial" panose="020B0604020202020204" pitchFamily="34" charset="0"/>
-              <a:buChar char="•"/>
-            </a:pPr>
-            <a:endParaRPr kumimoji="1" lang="en-US" altLang="ja-JP" dirty="0"/>
-          </a:p>
-          <a:p>
-            <a:pPr marL="457200" indent="-457200">
-              <a:buFont typeface="Arial" panose="020B0604020202020204" pitchFamily="34" charset="0"/>
-              <a:buChar char="•"/>
-            </a:pPr>
-            <a:r>
-              <a:rPr kumimoji="1" lang="ja-JP" altLang="en-US" dirty="0"/>
-              <a:t>などなど、既存サイトへの不満をここでぶちまける</a:t>
-            </a:r>
-          </a:p>
-        </p:txBody>
-      </p:sp>
-      <p:sp>
-        <p:nvSpPr>
-          <p:cNvPr id="5" name="四角形: 角を丸くする 4">
-            <a:extLst>
-              <a:ext uri="{FF2B5EF4-FFF2-40B4-BE49-F238E27FC236}">
-                <a16:creationId xmlns:a16="http://schemas.microsoft.com/office/drawing/2014/main" id="{2B582CD8-62CF-4588-B6C7-4F43ABC16112}"/>
-              </a:ext>
-            </a:extLst>
-          </p:cNvPr>
-          <p:cNvSpPr/>
-          <p:nvPr/>
-        </p:nvSpPr>
-        <p:spPr>
-          <a:xfrm>
-            <a:off x="464457" y="420914"/>
-            <a:ext cx="5651530" cy="812800"/>
-          </a:xfrm>
-          <a:prstGeom prst="roundRect">
-            <a:avLst/>
-          </a:prstGeom>
-          <a:solidFill>
-            <a:srgbClr val="DC143C"/>
-          </a:solidFill>
-        </p:spPr>
-        <p:style>
-          <a:lnRef idx="2">
-            <a:schemeClr val="accent1">
-              <a:shade val="50000"/>
-            </a:schemeClr>
-          </a:lnRef>
-          <a:fillRef idx="1">
-            <a:schemeClr val="accent1"/>
-          </a:fillRef>
-          <a:effectRef idx="0">
-            <a:schemeClr val="accent1"/>
-          </a:effectRef>
-          <a:fontRef idx="minor">
-            <a:schemeClr val="lt1"/>
-          </a:fontRef>
-        </p:style>
-        <p:txBody>
-          <a:bodyPr rtlCol="0" anchor="ctr"/>
-          <a:lstStyle/>
-          <a:p>
-            <a:r>
-              <a:rPr lang="en-US" altLang="ja-JP" sz="2400" dirty="0">
-                <a:effectLst>
-                  <a:outerShdw blurRad="38100" dist="38100" dir="2700000" algn="tl">
-                    <a:srgbClr val="000000">
-                      <a:alpha val="43137"/>
-                    </a:srgbClr>
-                  </a:outerShdw>
-                </a:effectLst>
-              </a:rPr>
-              <a:t>Current Problems of “Rakuten </a:t>
-            </a:r>
-            <a:r>
-              <a:rPr lang="en-US" altLang="ja-JP" sz="2400" dirty="0" err="1">
-                <a:effectLst>
-                  <a:outerShdw blurRad="38100" dist="38100" dir="2700000" algn="tl">
-                    <a:srgbClr val="000000">
-                      <a:alpha val="43137"/>
-                    </a:srgbClr>
-                  </a:outerShdw>
-                </a:effectLst>
-              </a:rPr>
-              <a:t>Ichiba</a:t>
-            </a:r>
-            <a:r>
-              <a:rPr lang="en-US" altLang="ja-JP" sz="2400" dirty="0">
-                <a:effectLst>
-                  <a:outerShdw blurRad="38100" dist="38100" dir="2700000" algn="tl">
-                    <a:srgbClr val="000000">
-                      <a:alpha val="43137"/>
-                    </a:srgbClr>
-                  </a:outerShdw>
-                </a:effectLst>
-              </a:rPr>
-              <a:t>”</a:t>
-            </a:r>
-            <a:endParaRPr lang="ja-JP" altLang="en-US" sz="2400" dirty="0">
-              <a:effectLst>
-                <a:outerShdw blurRad="38100" dist="38100" dir="2700000" algn="tl">
-                  <a:srgbClr val="000000">
-                    <a:alpha val="43137"/>
-                  </a:srgbClr>
-                </a:outerShdw>
-              </a:effectLst>
-            </a:endParaRPr>
-          </a:p>
-        </p:txBody>
-      </p:sp>
-    </p:spTree>
-    <p:extLst>
-      <p:ext uri="{BB962C8B-B14F-4D97-AF65-F5344CB8AC3E}">
-        <p14:creationId xmlns:p14="http://schemas.microsoft.com/office/powerpoint/2010/main" val="2468881417"/>
-      </p:ext>
-    </p:extLst>
-  </p:cSld>
-  <p:clrMapOvr>
-    <a:masterClrMapping/>
-  </p:clrMapOvr>
-</p:sld>
-</file>
-
-<file path=ppt/slides/slide7.xml><?xml version="1.0" encoding="utf-8"?>
-<p:sld xmlns:a="http://schemas.openxmlformats.org/drawingml/2006/main" xmlns:r="http://schemas.openxmlformats.org/officeDocument/2006/relationships" xmlns:p="http://schemas.openxmlformats.org/presentationml/2006/main">
-  <p:cSld>
-    <p:spTree>
-      <p:nvGrpSpPr>
-        <p:cNvPr id="1" name=""/>
-        <p:cNvGrpSpPr/>
-        <p:nvPr/>
-      </p:nvGrpSpPr>
-      <p:grpSpPr>
-        <a:xfrm>
-          <a:off x="0" y="0"/>
-          <a:ext cx="0" cy="0"/>
-          <a:chOff x="0" y="0"/>
-          <a:chExt cx="0" cy="0"/>
-        </a:xfrm>
-      </p:grpSpPr>
-      <p:sp>
-        <p:nvSpPr>
-          <p:cNvPr id="2" name="タイトル 1">
-            <a:extLst>
-              <a:ext uri="{FF2B5EF4-FFF2-40B4-BE49-F238E27FC236}">
-                <a16:creationId xmlns:a16="http://schemas.microsoft.com/office/drawing/2014/main" id="{1C8C6BC2-548D-4F60-8CE8-798B20A81282}"/>
-              </a:ext>
-            </a:extLst>
-          </p:cNvPr>
-          <p:cNvSpPr>
-            <a:spLocks noGrp="1"/>
-          </p:cNvSpPr>
-          <p:nvPr>
-            <p:ph type="title"/>
-          </p:nvPr>
-        </p:nvSpPr>
-        <p:spPr>
-          <a:xfrm>
-            <a:off x="202263" y="5831174"/>
-            <a:ext cx="10515600" cy="1026826"/>
-          </a:xfrm>
-        </p:spPr>
-        <p:txBody>
-          <a:bodyPr/>
-          <a:lstStyle/>
-          <a:p>
-            <a:r>
-              <a:rPr kumimoji="1" lang="en-US" altLang="ja-JP" dirty="0"/>
-              <a:t>2. Current Proble</a:t>
-            </a:r>
-            <a:r>
-              <a:rPr lang="en-US" altLang="ja-JP" dirty="0"/>
-              <a:t>ms</a:t>
-            </a:r>
-            <a:endParaRPr kumimoji="1" lang="ja-JP" altLang="en-US" dirty="0"/>
-          </a:p>
-        </p:txBody>
-      </p:sp>
-      <p:sp>
-        <p:nvSpPr>
           <p:cNvPr id="5" name="四角形: 角を丸くする 4">
             <a:extLst>
               <a:ext uri="{FF2B5EF4-FFF2-40B4-BE49-F238E27FC236}">
@@ -10352,7 +9761,7 @@
 </p:sld>
 </file>
 
-<file path=ppt/slides/slide8.xml><?xml version="1.0" encoding="utf-8"?>
+<file path=ppt/slides/slide7.xml><?xml version="1.0" encoding="utf-8"?>
 <p:sld xmlns:a="http://schemas.openxmlformats.org/drawingml/2006/main" xmlns:r="http://schemas.openxmlformats.org/officeDocument/2006/relationships" xmlns:p="http://schemas.openxmlformats.org/presentationml/2006/main">
   <p:cSld>
     <p:spTree>
@@ -10671,7 +10080,7 @@
 </p:sld>
 </file>
 
-<file path=ppt/slides/slide9.xml><?xml version="1.0" encoding="utf-8"?>
+<file path=ppt/slides/slide8.xml><?xml version="1.0" encoding="utf-8"?>
 <p:sld xmlns:a="http://schemas.openxmlformats.org/drawingml/2006/main" xmlns:r="http://schemas.openxmlformats.org/officeDocument/2006/relationships" xmlns:p="http://schemas.openxmlformats.org/presentationml/2006/main">
   <p:cSld>
     <p:spTree>
@@ -11005,6 +10414,282 @@
       <p:bldP spid="3" grpId="0" uiExpand="1" build="allAtOnce"/>
     </p:bldLst>
   </p:timing>
+</p:sld>
+</file>
+
+<file path=ppt/slides/slide9.xml><?xml version="1.0" encoding="utf-8"?>
+<p:sld xmlns:a="http://schemas.openxmlformats.org/drawingml/2006/main" xmlns:r="http://schemas.openxmlformats.org/officeDocument/2006/relationships" xmlns:p="http://schemas.openxmlformats.org/presentationml/2006/main">
+  <p:cSld>
+    <p:spTree>
+      <p:nvGrpSpPr>
+        <p:cNvPr id="1" name=""/>
+        <p:cNvGrpSpPr/>
+        <p:nvPr/>
+      </p:nvGrpSpPr>
+      <p:grpSpPr>
+        <a:xfrm>
+          <a:off x="0" y="0"/>
+          <a:ext cx="0" cy="0"/>
+          <a:chOff x="0" y="0"/>
+          <a:chExt cx="0" cy="0"/>
+        </a:xfrm>
+      </p:grpSpPr>
+      <p:sp>
+        <p:nvSpPr>
+          <p:cNvPr id="2" name="タイトル 1">
+            <a:extLst>
+              <a:ext uri="{FF2B5EF4-FFF2-40B4-BE49-F238E27FC236}">
+                <a16:creationId xmlns:a16="http://schemas.microsoft.com/office/drawing/2014/main" id="{162BB91B-3D5F-40D6-9780-4A263D504DF7}"/>
+              </a:ext>
+            </a:extLst>
+          </p:cNvPr>
+          <p:cNvSpPr>
+            <a:spLocks noGrp="1"/>
+          </p:cNvSpPr>
+          <p:nvPr>
+            <p:ph type="title"/>
+          </p:nvPr>
+        </p:nvSpPr>
+        <p:spPr>
+          <a:xfrm>
+            <a:off x="142420" y="5786891"/>
+            <a:ext cx="11211380" cy="1002846"/>
+          </a:xfrm>
+        </p:spPr>
+        <p:txBody>
+          <a:bodyPr/>
+          <a:lstStyle/>
+          <a:p>
+            <a:r>
+              <a:rPr kumimoji="1" lang="en-US" altLang="ja-JP" dirty="0"/>
+              <a:t>3. Challenges and Solutions</a:t>
+            </a:r>
+            <a:endParaRPr kumimoji="1" lang="ja-JP" altLang="en-US" dirty="0"/>
+          </a:p>
+        </p:txBody>
+      </p:sp>
+      <p:sp>
+        <p:nvSpPr>
+          <p:cNvPr id="3" name="テキスト プレースホルダー 2">
+            <a:extLst>
+              <a:ext uri="{FF2B5EF4-FFF2-40B4-BE49-F238E27FC236}">
+                <a16:creationId xmlns:a16="http://schemas.microsoft.com/office/drawing/2014/main" id="{3F1E7B7C-CCC0-400C-8A2D-D50BF4251EA6}"/>
+              </a:ext>
+            </a:extLst>
+          </p:cNvPr>
+          <p:cNvSpPr>
+            <a:spLocks noGrp="1"/>
+          </p:cNvSpPr>
+          <p:nvPr>
+            <p:ph type="body" idx="1"/>
+          </p:nvPr>
+        </p:nvSpPr>
+        <p:spPr>
+          <a:xfrm>
+            <a:off x="838200" y="1548719"/>
+            <a:ext cx="10515600" cy="4097338"/>
+          </a:xfrm>
+        </p:spPr>
+        <p:txBody>
+          <a:bodyPr>
+            <a:normAutofit/>
+          </a:bodyPr>
+          <a:lstStyle/>
+          <a:p>
+            <a:pPr marL="457200" indent="-457200">
+              <a:buFont typeface="+mj-lt"/>
+              <a:buAutoNum type="arabicPeriod"/>
+            </a:pPr>
+            <a:r>
+              <a:rPr lang="en-US" altLang="ja-JP" dirty="0">
+                <a:solidFill>
+                  <a:schemeClr val="tx1"/>
+                </a:solidFill>
+              </a:rPr>
+              <a:t>Get item information from ”Rakuten API”</a:t>
+            </a:r>
+            <a:endParaRPr kumimoji="1" lang="en-US" altLang="ja-JP" dirty="0">
+              <a:solidFill>
+                <a:schemeClr val="tx1"/>
+              </a:solidFill>
+            </a:endParaRPr>
+          </a:p>
+          <a:p>
+            <a:pPr marL="457200" indent="-457200">
+              <a:buFont typeface="+mj-lt"/>
+              <a:buAutoNum type="arabicPeriod"/>
+            </a:pPr>
+            <a:endParaRPr lang="en-US" altLang="ja-JP" dirty="0">
+              <a:solidFill>
+                <a:schemeClr val="tx1"/>
+              </a:solidFill>
+            </a:endParaRPr>
+          </a:p>
+          <a:p>
+            <a:pPr marL="457200" indent="-457200">
+              <a:buFont typeface="+mj-lt"/>
+              <a:buAutoNum type="arabicPeriod"/>
+            </a:pPr>
+            <a:r>
+              <a:rPr kumimoji="1" lang="en-US" altLang="ja-JP" dirty="0">
+                <a:solidFill>
+                  <a:schemeClr val="tx1"/>
+                </a:solidFill>
+              </a:rPr>
+              <a:t>Group the same item from different shops</a:t>
+            </a:r>
+          </a:p>
+          <a:p>
+            <a:pPr marL="457200" indent="-457200">
+              <a:buFont typeface="+mj-lt"/>
+              <a:buAutoNum type="arabicPeriod"/>
+            </a:pPr>
+            <a:endParaRPr kumimoji="1" lang="en-US" altLang="ja-JP" dirty="0">
+              <a:solidFill>
+                <a:schemeClr val="tx1"/>
+              </a:solidFill>
+            </a:endParaRPr>
+          </a:p>
+          <a:p>
+            <a:pPr marL="457200" indent="-457200">
+              <a:buFont typeface="+mj-lt"/>
+              <a:buAutoNum type="arabicPeriod"/>
+            </a:pPr>
+            <a:r>
+              <a:rPr lang="en-US" altLang="ja-JP" dirty="0">
+                <a:solidFill>
+                  <a:schemeClr val="tx1"/>
+                </a:solidFill>
+              </a:rPr>
+              <a:t>Show the </a:t>
+            </a:r>
+            <a:r>
+              <a:rPr lang="en-US" altLang="ja-JP" dirty="0" err="1">
+                <a:solidFill>
+                  <a:schemeClr val="tx1"/>
+                </a:solidFill>
+              </a:rPr>
+              <a:t>abstruct</a:t>
+            </a:r>
+            <a:r>
+              <a:rPr lang="en-US" altLang="ja-JP" dirty="0">
+                <a:solidFill>
+                  <a:schemeClr val="tx1"/>
+                </a:solidFill>
+              </a:rPr>
+              <a:t> of item and the range of price in search result page</a:t>
+            </a:r>
+            <a:endParaRPr kumimoji="1" lang="en-US" altLang="ja-JP" dirty="0">
+              <a:solidFill>
+                <a:schemeClr val="tx1"/>
+              </a:solidFill>
+            </a:endParaRPr>
+          </a:p>
+          <a:p>
+            <a:pPr marL="457200" indent="-457200">
+              <a:buFont typeface="+mj-lt"/>
+              <a:buAutoNum type="arabicPeriod"/>
+            </a:pPr>
+            <a:endParaRPr lang="en-US" altLang="ja-JP" dirty="0">
+              <a:solidFill>
+                <a:schemeClr val="tx1"/>
+              </a:solidFill>
+            </a:endParaRPr>
+          </a:p>
+          <a:p>
+            <a:pPr marL="457200" indent="-457200">
+              <a:buFont typeface="+mj-lt"/>
+              <a:buAutoNum type="arabicPeriod"/>
+            </a:pPr>
+            <a:r>
+              <a:rPr lang="en-US" altLang="ja-JP" dirty="0">
+                <a:solidFill>
+                  <a:schemeClr val="tx1"/>
+                </a:solidFill>
+              </a:rPr>
+              <a:t>Compare the price by shops in detail page</a:t>
+            </a:r>
+          </a:p>
+        </p:txBody>
+      </p:sp>
+      <p:sp>
+        <p:nvSpPr>
+          <p:cNvPr id="6" name="四角形: 角を丸くする 4">
+            <a:extLst>
+              <a:ext uri="{FF2B5EF4-FFF2-40B4-BE49-F238E27FC236}">
+                <a16:creationId xmlns:a16="http://schemas.microsoft.com/office/drawing/2014/main" id="{2C3D01C3-4FDD-E54A-BF64-92856A191F4A}"/>
+              </a:ext>
+            </a:extLst>
+          </p:cNvPr>
+          <p:cNvSpPr/>
+          <p:nvPr/>
+        </p:nvSpPr>
+        <p:spPr>
+          <a:xfrm>
+            <a:off x="464458" y="420914"/>
+            <a:ext cx="3886826" cy="812800"/>
+          </a:xfrm>
+          <a:prstGeom prst="roundRect">
+            <a:avLst/>
+          </a:prstGeom>
+          <a:solidFill>
+            <a:srgbClr val="DC143C"/>
+          </a:solidFill>
+        </p:spPr>
+        <p:style>
+          <a:lnRef idx="2">
+            <a:schemeClr val="accent1">
+              <a:shade val="50000"/>
+            </a:schemeClr>
+          </a:lnRef>
+          <a:fillRef idx="1">
+            <a:schemeClr val="accent1"/>
+          </a:fillRef>
+          <a:effectRef idx="0">
+            <a:schemeClr val="accent1"/>
+          </a:effectRef>
+          <a:fontRef idx="minor">
+            <a:schemeClr val="lt1"/>
+          </a:fontRef>
+        </p:style>
+        <p:txBody>
+          <a:bodyPr rtlCol="0" anchor="ctr"/>
+          <a:lstStyle/>
+          <a:p>
+            <a:r>
+              <a:rPr lang="en-US" altLang="ja-JP" sz="3200" dirty="0">
+                <a:effectLst>
+                  <a:outerShdw blurRad="38100" dist="38100" dir="2700000" algn="tl">
+                    <a:srgbClr val="000000">
+                      <a:alpha val="43137"/>
+                    </a:srgbClr>
+                  </a:outerShdw>
+                </a:effectLst>
+              </a:rPr>
+              <a:t>Grouping one item</a:t>
+            </a:r>
+            <a:endParaRPr lang="ja-JP" altLang="en-US" sz="3200" dirty="0">
+              <a:effectLst>
+                <a:outerShdw blurRad="38100" dist="38100" dir="2700000" algn="tl">
+                  <a:srgbClr val="000000">
+                    <a:alpha val="43137"/>
+                  </a:srgbClr>
+                </a:outerShdw>
+              </a:effectLst>
+            </a:endParaRPr>
+          </a:p>
+        </p:txBody>
+      </p:sp>
+    </p:spTree>
+    <p:extLst>
+      <p:ext uri="{BB962C8B-B14F-4D97-AF65-F5344CB8AC3E}">
+        <p14:creationId xmlns:p14="http://schemas.microsoft.com/office/powerpoint/2010/main" val="2750315736"/>
+      </p:ext>
+    </p:extLst>
+  </p:cSld>
+  <p:clrMapOvr>
+    <a:masterClrMapping/>
+  </p:clrMapOvr>
 </p:sld>
 </file>
 

--- a/presentation/Presentation.pptx
+++ b/presentation/Presentation.pptx
@@ -5,7 +5,7 @@
     <p:sldMasterId id="2147483660" r:id="rId1"/>
   </p:sldMasterIdLst>
   <p:notesMasterIdLst>
-    <p:notesMasterId r:id="rId17"/>
+    <p:notesMasterId r:id="rId18"/>
   </p:notesMasterIdLst>
   <p:sldIdLst>
     <p:sldId id="256" r:id="rId2"/>
@@ -22,7 +22,8 @@
     <p:sldId id="269" r:id="rId13"/>
     <p:sldId id="260" r:id="rId14"/>
     <p:sldId id="261" r:id="rId15"/>
-    <p:sldId id="262" r:id="rId16"/>
+    <p:sldId id="273" r:id="rId16"/>
+    <p:sldId id="262" r:id="rId17"/>
   </p:sldIdLst>
   <p:sldSz cx="12192000" cy="6858000"/>
   <p:notesSz cx="6858000" cy="9144000"/>
@@ -7472,6 +7473,71 @@
       </p:grpSpPr>
       <p:sp>
         <p:nvSpPr>
+          <p:cNvPr id="4" name="テキスト ボックス 3">
+            <a:extLst>
+              <a:ext uri="{FF2B5EF4-FFF2-40B4-BE49-F238E27FC236}">
+                <a16:creationId xmlns:a16="http://schemas.microsoft.com/office/drawing/2014/main" id="{AF4F2501-65FF-7D4F-8C99-7B591C9E87BA}"/>
+              </a:ext>
+            </a:extLst>
+          </p:cNvPr>
+          <p:cNvSpPr txBox="1"/>
+          <p:nvPr/>
+        </p:nvSpPr>
+        <p:spPr>
+          <a:xfrm>
+            <a:off x="0" y="5975131"/>
+            <a:ext cx="12393136" cy="769441"/>
+          </a:xfrm>
+          <a:prstGeom prst="rect">
+            <a:avLst/>
+          </a:prstGeom>
+          <a:noFill/>
+        </p:spPr>
+        <p:txBody>
+          <a:bodyPr wrap="none" rtlCol="0">
+            <a:spAutoFit/>
+          </a:bodyPr>
+          <a:lstStyle/>
+          <a:p>
+            <a:r>
+              <a:rPr lang="en" altLang="ja-JP" sz="4400" dirty="0"/>
+              <a:t>5. How to make use of it after joining Rakuten?</a:t>
+            </a:r>
+          </a:p>
+        </p:txBody>
+      </p:sp>
+    </p:spTree>
+    <p:extLst>
+      <p:ext uri="{BB962C8B-B14F-4D97-AF65-F5344CB8AC3E}">
+        <p14:creationId xmlns:p14="http://schemas.microsoft.com/office/powerpoint/2010/main" val="2886799227"/>
+      </p:ext>
+    </p:extLst>
+  </p:cSld>
+  <p:clrMapOvr>
+    <a:masterClrMapping/>
+  </p:clrMapOvr>
+</p:sld>
+</file>
+
+<file path=ppt/slides/slide16.xml><?xml version="1.0" encoding="utf-8"?>
+<p:sld xmlns:a="http://schemas.openxmlformats.org/drawingml/2006/main" xmlns:r="http://schemas.openxmlformats.org/officeDocument/2006/relationships" xmlns:p="http://schemas.openxmlformats.org/presentationml/2006/main">
+  <p:cSld>
+    <p:spTree>
+      <p:nvGrpSpPr>
+        <p:cNvPr id="1" name=""/>
+        <p:cNvGrpSpPr/>
+        <p:nvPr/>
+      </p:nvGrpSpPr>
+      <p:grpSpPr>
+        <a:xfrm>
+          <a:off x="0" y="0"/>
+          <a:ext cx="0" cy="0"/>
+          <a:chOff x="0" y="0"/>
+          <a:chExt cx="0" cy="0"/>
+        </a:xfrm>
+      </p:grpSpPr>
+      <p:sp>
+        <p:nvSpPr>
           <p:cNvPr id="3" name="字幕 2">
             <a:extLst>
               <a:ext uri="{FF2B5EF4-FFF2-40B4-BE49-F238E27FC236}">
@@ -10277,143 +10343,6 @@
   <p:clrMapOvr>
     <a:masterClrMapping/>
   </p:clrMapOvr>
-  <p:timing>
-    <p:tnLst>
-      <p:par>
-        <p:cTn id="1" dur="indefinite" restart="never" nodeType="tmRoot">
-          <p:childTnLst>
-            <p:seq concurrent="1" nextAc="seek">
-              <p:cTn id="2" dur="indefinite" nodeType="mainSeq">
-                <p:childTnLst>
-                  <p:par>
-                    <p:cTn id="3" fill="hold">
-                      <p:stCondLst>
-                        <p:cond delay="indefinite"/>
-                      </p:stCondLst>
-                      <p:childTnLst>
-                        <p:par>
-                          <p:cTn id="4" fill="hold">
-                            <p:stCondLst>
-                              <p:cond delay="0"/>
-                            </p:stCondLst>
-                            <p:childTnLst>
-                              <p:par>
-                                <p:cTn id="5" presetID="10" presetClass="exit" presetSubtype="0" fill="hold" grpId="0" nodeType="clickEffect">
-                                  <p:stCondLst>
-                                    <p:cond delay="0"/>
-                                  </p:stCondLst>
-                                  <p:childTnLst>
-                                    <p:animEffect transition="out" filter="fade">
-                                      <p:cBhvr>
-                                        <p:cTn id="6" dur="500"/>
-                                        <p:tgtEl>
-                                          <p:spTgt spid="3">
-                                            <p:txEl>
-                                              <p:pRg st="0" end="0"/>
-                                            </p:txEl>
-                                          </p:spTgt>
-                                        </p:tgtEl>
-                                      </p:cBhvr>
-                                    </p:animEffect>
-                                    <p:set>
-                                      <p:cBhvr>
-                                        <p:cTn id="7" dur="1" fill="hold">
-                                          <p:stCondLst>
-                                            <p:cond delay="499"/>
-                                          </p:stCondLst>
-                                        </p:cTn>
-                                        <p:tgtEl>
-                                          <p:spTgt spid="3">
-                                            <p:txEl>
-                                              <p:pRg st="0" end="0"/>
-                                            </p:txEl>
-                                          </p:spTgt>
-                                        </p:tgtEl>
-                                        <p:attrNameLst>
-                                          <p:attrName>style.visibility</p:attrName>
-                                        </p:attrNameLst>
-                                      </p:cBhvr>
-                                      <p:to>
-                                        <p:strVal val="hidden"/>
-                                      </p:to>
-                                    </p:set>
-                                  </p:childTnLst>
-                                </p:cTn>
-                              </p:par>
-                              <p:par>
-                                <p:cTn id="8" presetID="10" presetClass="exit" presetSubtype="0" fill="hold" grpId="0" nodeType="withEffect">
-                                  <p:stCondLst>
-                                    <p:cond delay="0"/>
-                                  </p:stCondLst>
-                                  <p:childTnLst>
-                                    <p:animEffect transition="out" filter="fade">
-                                      <p:cBhvr>
-                                        <p:cTn id="9" dur="500"/>
-                                        <p:tgtEl>
-                                          <p:spTgt spid="3">
-                                            <p:txEl>
-                                              <p:pRg st="2" end="2"/>
-                                            </p:txEl>
-                                          </p:spTgt>
-                                        </p:tgtEl>
-                                      </p:cBhvr>
-                                    </p:animEffect>
-                                    <p:set>
-                                      <p:cBhvr>
-                                        <p:cTn id="10" dur="1" fill="hold">
-                                          <p:stCondLst>
-                                            <p:cond delay="499"/>
-                                          </p:stCondLst>
-                                        </p:cTn>
-                                        <p:tgtEl>
-                                          <p:spTgt spid="3">
-                                            <p:txEl>
-                                              <p:pRg st="2" end="2"/>
-                                            </p:txEl>
-                                          </p:spTgt>
-                                        </p:tgtEl>
-                                        <p:attrNameLst>
-                                          <p:attrName>style.visibility</p:attrName>
-                                        </p:attrNameLst>
-                                      </p:cBhvr>
-                                      <p:to>
-                                        <p:strVal val="hidden"/>
-                                      </p:to>
-                                    </p:set>
-                                  </p:childTnLst>
-                                </p:cTn>
-                              </p:par>
-                            </p:childTnLst>
-                          </p:cTn>
-                        </p:par>
-                      </p:childTnLst>
-                    </p:cTn>
-                  </p:par>
-                </p:childTnLst>
-              </p:cTn>
-              <p:prevCondLst>
-                <p:cond evt="onPrev" delay="0">
-                  <p:tgtEl>
-                    <p:sldTgt/>
-                  </p:tgtEl>
-                </p:cond>
-              </p:prevCondLst>
-              <p:nextCondLst>
-                <p:cond evt="onNext" delay="0">
-                  <p:tgtEl>
-                    <p:sldTgt/>
-                  </p:tgtEl>
-                </p:cond>
-              </p:nextCondLst>
-            </p:seq>
-          </p:childTnLst>
-        </p:cTn>
-      </p:par>
-    </p:tnLst>
-    <p:bldLst>
-      <p:bldP spid="3" grpId="0" uiExpand="1" build="allAtOnce"/>
-    </p:bldLst>
-  </p:timing>
 </p:sld>
 </file>
 

--- a/presentation/Presentation.pptx
+++ b/presentation/Presentation.pptx
@@ -10235,7 +10235,7 @@
                   <a:schemeClr val="tx1"/>
                 </a:solidFill>
               </a:rPr>
-              <a:t>Put together the same item from various shops</a:t>
+              <a:t>Group the same item from various shops</a:t>
             </a:r>
           </a:p>
           <a:p>

--- a/presentation/Presentation.pptx
+++ b/presentation/Presentation.pptx
@@ -226,7 +226,7 @@
           <a:p>
             <a:fld id="{B8F3EA05-54FC-C543-BBD4-91E4D89EF432}" type="datetimeFigureOut">
               <a:rPr kumimoji="1" lang="ja-JP" altLang="en-US" smtClean="0"/>
-              <a:t>2019/9/11</a:t>
+              <a:t>2019/9/12</a:t>
             </a:fld>
             <a:endParaRPr kumimoji="1" lang="ja-JP" altLang="en-US"/>
           </a:p>
@@ -1178,7 +1178,7 @@
           <a:p>
             <a:fld id="{BD0278C9-95CB-4376-8F0E-620384947EDC}" type="datetimeFigureOut">
               <a:rPr kumimoji="1" lang="ja-JP" altLang="en-US" smtClean="0"/>
-              <a:t>2019/9/11</a:t>
+              <a:t>2019/9/12</a:t>
             </a:fld>
             <a:endParaRPr kumimoji="1" lang="ja-JP" altLang="en-US"/>
           </a:p>
@@ -1383,7 +1383,7 @@
           <a:p>
             <a:fld id="{BD0278C9-95CB-4376-8F0E-620384947EDC}" type="datetimeFigureOut">
               <a:rPr kumimoji="1" lang="ja-JP" altLang="en-US" smtClean="0"/>
-              <a:t>2019/9/11</a:t>
+              <a:t>2019/9/12</a:t>
             </a:fld>
             <a:endParaRPr kumimoji="1" lang="ja-JP" altLang="en-US"/>
           </a:p>
@@ -1598,7 +1598,7 @@
           <a:p>
             <a:fld id="{BD0278C9-95CB-4376-8F0E-620384947EDC}" type="datetimeFigureOut">
               <a:rPr kumimoji="1" lang="ja-JP" altLang="en-US" smtClean="0"/>
-              <a:t>2019/9/11</a:t>
+              <a:t>2019/9/12</a:t>
             </a:fld>
             <a:endParaRPr kumimoji="1" lang="ja-JP" altLang="en-US"/>
           </a:p>
@@ -1803,7 +1803,7 @@
           <a:p>
             <a:fld id="{BD0278C9-95CB-4376-8F0E-620384947EDC}" type="datetimeFigureOut">
               <a:rPr kumimoji="1" lang="ja-JP" altLang="en-US" smtClean="0"/>
-              <a:t>2019/9/11</a:t>
+              <a:t>2019/9/12</a:t>
             </a:fld>
             <a:endParaRPr kumimoji="1" lang="ja-JP" altLang="en-US"/>
           </a:p>
@@ -2113,7 +2113,7 @@
           <a:p>
             <a:fld id="{BD0278C9-95CB-4376-8F0E-620384947EDC}" type="datetimeFigureOut">
               <a:rPr kumimoji="1" lang="ja-JP" altLang="en-US" smtClean="0"/>
-              <a:t>2019/9/11</a:t>
+              <a:t>2019/9/12</a:t>
             </a:fld>
             <a:endParaRPr kumimoji="1" lang="ja-JP" altLang="en-US"/>
           </a:p>
@@ -2454,7 +2454,7 @@
           <a:p>
             <a:fld id="{BD0278C9-95CB-4376-8F0E-620384947EDC}" type="datetimeFigureOut">
               <a:rPr kumimoji="1" lang="ja-JP" altLang="en-US" smtClean="0"/>
-              <a:t>2019/9/11</a:t>
+              <a:t>2019/9/12</a:t>
             </a:fld>
             <a:endParaRPr kumimoji="1" lang="ja-JP" altLang="en-US"/>
           </a:p>
@@ -2950,7 +2950,7 @@
           <a:p>
             <a:fld id="{BD0278C9-95CB-4376-8F0E-620384947EDC}" type="datetimeFigureOut">
               <a:rPr kumimoji="1" lang="ja-JP" altLang="en-US" smtClean="0"/>
-              <a:t>2019/9/11</a:t>
+              <a:t>2019/9/12</a:t>
             </a:fld>
             <a:endParaRPr kumimoji="1" lang="ja-JP" altLang="en-US"/>
           </a:p>
@@ -3091,7 +3091,7 @@
           <a:p>
             <a:fld id="{BD0278C9-95CB-4376-8F0E-620384947EDC}" type="datetimeFigureOut">
               <a:rPr kumimoji="1" lang="ja-JP" altLang="en-US" smtClean="0"/>
-              <a:t>2019/9/11</a:t>
+              <a:t>2019/9/12</a:t>
             </a:fld>
             <a:endParaRPr kumimoji="1" lang="ja-JP" altLang="en-US"/>
           </a:p>
@@ -3204,7 +3204,7 @@
           <a:p>
             <a:fld id="{BD0278C9-95CB-4376-8F0E-620384947EDC}" type="datetimeFigureOut">
               <a:rPr kumimoji="1" lang="ja-JP" altLang="en-US" smtClean="0"/>
-              <a:t>2019/9/11</a:t>
+              <a:t>2019/9/12</a:t>
             </a:fld>
             <a:endParaRPr kumimoji="1" lang="ja-JP" altLang="en-US"/>
           </a:p>
@@ -3557,7 +3557,7 @@
           <a:p>
             <a:fld id="{BD0278C9-95CB-4376-8F0E-620384947EDC}" type="datetimeFigureOut">
               <a:rPr kumimoji="1" lang="ja-JP" altLang="en-US" smtClean="0"/>
-              <a:t>2019/9/11</a:t>
+              <a:t>2019/9/12</a:t>
             </a:fld>
             <a:endParaRPr kumimoji="1" lang="ja-JP" altLang="en-US"/>
           </a:p>
@@ -3880,7 +3880,7 @@
           <a:p>
             <a:fld id="{BD0278C9-95CB-4376-8F0E-620384947EDC}" type="datetimeFigureOut">
               <a:rPr kumimoji="1" lang="ja-JP" altLang="en-US" smtClean="0"/>
-              <a:t>2019/9/11</a:t>
+              <a:t>2019/9/12</a:t>
             </a:fld>
             <a:endParaRPr kumimoji="1" lang="ja-JP" altLang="en-US"/>
           </a:p>
@@ -4128,7 +4128,7 @@
           <a:p>
             <a:fld id="{BD0278C9-95CB-4376-8F0E-620384947EDC}" type="datetimeFigureOut">
               <a:rPr kumimoji="1" lang="ja-JP" altLang="en-US" smtClean="0"/>
-              <a:t>2019/9/11</a:t>
+              <a:t>2019/9/12</a:t>
             </a:fld>
             <a:endParaRPr kumimoji="1" lang="ja-JP" altLang="en-US"/>
           </a:p>
@@ -4742,12 +4742,12 @@
           <a:lstStyle/>
           <a:p>
             <a:r>
-              <a:rPr lang="en-US" altLang="ja-JP" dirty="0">
+              <a:rPr lang="en-US" altLang="ja-JP" sz="3200" dirty="0">
                 <a:solidFill>
                   <a:schemeClr val="tx1"/>
                 </a:solidFill>
               </a:rPr>
-              <a:t>Get from item information from “Rakuten API”</a:t>
+              <a:t>Get item information from “Rakuten API”</a:t>
             </a:r>
           </a:p>
         </p:txBody>
@@ -6023,6 +6023,45 @@
           </p:txBody>
         </p:sp>
       </p:grpSp>
+      <p:sp>
+        <p:nvSpPr>
+          <p:cNvPr id="23" name="テキスト プレースホルダー 2">
+            <a:extLst>
+              <a:ext uri="{FF2B5EF4-FFF2-40B4-BE49-F238E27FC236}">
+                <a16:creationId xmlns:a16="http://schemas.microsoft.com/office/drawing/2014/main" id="{75277D2D-4E85-48BA-AB81-96A4B27E4E8D}"/>
+              </a:ext>
+            </a:extLst>
+          </p:cNvPr>
+          <p:cNvSpPr>
+            <a:spLocks noGrp="1"/>
+          </p:cNvSpPr>
+          <p:nvPr>
+            <p:ph type="body" idx="1"/>
+          </p:nvPr>
+        </p:nvSpPr>
+        <p:spPr>
+          <a:xfrm>
+            <a:off x="838200" y="1479783"/>
+            <a:ext cx="10515600" cy="4097338"/>
+          </a:xfrm>
+        </p:spPr>
+        <p:txBody>
+          <a:bodyPr>
+            <a:normAutofit/>
+          </a:bodyPr>
+          <a:lstStyle/>
+          <a:p>
+            <a:r>
+              <a:rPr lang="en-US" altLang="ja-JP" sz="3200" dirty="0">
+                <a:solidFill>
+                  <a:schemeClr val="tx1"/>
+                </a:solidFill>
+              </a:rPr>
+              <a:t>Group the same item from different shops</a:t>
+            </a:r>
+          </a:p>
+        </p:txBody>
+      </p:sp>
     </p:spTree>
     <p:extLst>
       <p:ext uri="{BB962C8B-B14F-4D97-AF65-F5344CB8AC3E}">
@@ -6709,7 +6748,7 @@
               </a:rPr>
               <a:t>Compare the price by shops</a:t>
             </a:r>
-            <a:endParaRPr lang="ja-JP" altLang="en-US" sz="3200">
+            <a:endParaRPr lang="ja-JP" altLang="en-US" sz="3200" dirty="0">
               <a:solidFill>
                 <a:schemeClr val="tx1"/>
               </a:solidFill>
@@ -7506,6 +7545,79 @@
           </a:p>
         </p:txBody>
       </p:sp>
+      <p:sp>
+        <p:nvSpPr>
+          <p:cNvPr id="5" name="テキスト プレースホルダー 14">
+            <a:extLst>
+              <a:ext uri="{FF2B5EF4-FFF2-40B4-BE49-F238E27FC236}">
+                <a16:creationId xmlns:a16="http://schemas.microsoft.com/office/drawing/2014/main" id="{C12B8531-B5CE-4C80-9F95-85DD1FC30D40}"/>
+              </a:ext>
+            </a:extLst>
+          </p:cNvPr>
+          <p:cNvSpPr>
+            <a:spLocks noGrp="1"/>
+          </p:cNvSpPr>
+          <p:nvPr>
+            <p:ph type="body" idx="1"/>
+          </p:nvPr>
+        </p:nvSpPr>
+        <p:spPr>
+          <a:xfrm>
+            <a:off x="737861" y="1600994"/>
+            <a:ext cx="11161291" cy="2510818"/>
+          </a:xfrm>
+        </p:spPr>
+        <p:txBody>
+          <a:bodyPr>
+            <a:normAutofit/>
+          </a:bodyPr>
+          <a:lstStyle/>
+          <a:p>
+            <a:pPr marL="457200" indent="-457200">
+              <a:buFont typeface="Arial" panose="020B0604020202020204" pitchFamily="34" charset="0"/>
+              <a:buChar char="•"/>
+            </a:pPr>
+            <a:r>
+              <a:rPr lang="en-US" altLang="ja-JP" sz="3600" dirty="0">
+                <a:solidFill>
+                  <a:schemeClr val="tx1"/>
+                </a:solidFill>
+              </a:rPr>
+              <a:t>Experience of pair programming</a:t>
+            </a:r>
+          </a:p>
+          <a:p>
+            <a:pPr marL="457200" indent="-457200">
+              <a:buFont typeface="Arial" panose="020B0604020202020204" pitchFamily="34" charset="0"/>
+              <a:buChar char="•"/>
+            </a:pPr>
+            <a:endParaRPr lang="en-US" altLang="ja-JP" sz="3600" dirty="0">
+              <a:solidFill>
+                <a:schemeClr val="tx1"/>
+              </a:solidFill>
+            </a:endParaRPr>
+          </a:p>
+          <a:p>
+            <a:pPr marL="457200" indent="-457200">
+              <a:buFont typeface="Arial" panose="020B0604020202020204" pitchFamily="34" charset="0"/>
+              <a:buChar char="•"/>
+            </a:pPr>
+            <a:r>
+              <a:rPr lang="en-US" altLang="ja-JP" sz="3600" dirty="0">
+                <a:solidFill>
+                  <a:schemeClr val="tx1"/>
+                </a:solidFill>
+              </a:rPr>
+              <a:t>Use learned “HTML/JavaScript/PHP/API”  knowledge</a:t>
+            </a:r>
+            <a:endParaRPr lang="ja-JP" altLang="en-US" sz="3600" dirty="0">
+              <a:solidFill>
+                <a:schemeClr val="tx1"/>
+              </a:solidFill>
+            </a:endParaRPr>
+          </a:p>
+        </p:txBody>
+      </p:sp>
     </p:spTree>
     <p:extLst>
       <p:ext uri="{BB962C8B-B14F-4D97-AF65-F5344CB8AC3E}">
@@ -7689,7 +7801,7 @@
         </p:nvGrpSpPr>
         <p:grpSpPr>
           <a:xfrm>
-            <a:off x="8274746" y="3898421"/>
+            <a:off x="8419086" y="3940257"/>
             <a:ext cx="1299029" cy="1090726"/>
             <a:chOff x="8274746" y="3898421"/>
             <a:chExt cx="1299029" cy="1090726"/>
@@ -7781,36 +7893,6 @@
           </p:txBody>
         </p:sp>
       </p:grpSp>
-      <p:pic>
-        <p:nvPicPr>
-          <p:cNvPr id="9" name="図 8">
-            <a:extLst>
-              <a:ext uri="{FF2B5EF4-FFF2-40B4-BE49-F238E27FC236}">
-                <a16:creationId xmlns:a16="http://schemas.microsoft.com/office/drawing/2014/main" id="{EE91AF21-4D09-4C4F-901E-621ECF206FDF}"/>
-              </a:ext>
-            </a:extLst>
-          </p:cNvPr>
-          <p:cNvPicPr>
-            <a:picLocks noChangeAspect="1"/>
-          </p:cNvPicPr>
-          <p:nvPr/>
-        </p:nvPicPr>
-        <p:blipFill>
-          <a:blip r:embed="rId4"/>
-          <a:stretch>
-            <a:fillRect/>
-          </a:stretch>
-        </p:blipFill>
-        <p:spPr>
-          <a:xfrm flipH="1">
-            <a:off x="1628976" y="3629801"/>
-            <a:ext cx="2540000" cy="2451100"/>
-          </a:xfrm>
-          <a:prstGeom prst="rect">
-            <a:avLst/>
-          </a:prstGeom>
-        </p:spPr>
-      </p:pic>
       <p:sp>
         <p:nvSpPr>
           <p:cNvPr id="11" name="フリーフォーム 10">
@@ -8111,6 +8193,45 @@
           </a:p>
         </p:txBody>
       </p:sp>
+      <p:pic>
+        <p:nvPicPr>
+          <p:cNvPr id="5" name="グラフィックス 4" descr="インターネット">
+            <a:extLst>
+              <a:ext uri="{FF2B5EF4-FFF2-40B4-BE49-F238E27FC236}">
+                <a16:creationId xmlns:a16="http://schemas.microsoft.com/office/drawing/2014/main" id="{F2374A25-A271-48CB-98DC-4700E5DDCAF4}"/>
+              </a:ext>
+            </a:extLst>
+          </p:cNvPr>
+          <p:cNvPicPr>
+            <a:picLocks noChangeAspect="1"/>
+          </p:cNvPicPr>
+          <p:nvPr/>
+        </p:nvPicPr>
+        <p:blipFill>
+          <a:blip r:embed="rId4">
+            <a:extLst>
+              <a:ext uri="{28A0092B-C50C-407E-A947-70E740481C1C}">
+                <a14:useLocalDpi xmlns:a14="http://schemas.microsoft.com/office/drawing/2010/main" val="0"/>
+              </a:ext>
+              <a:ext uri="{96DAC541-7B7A-43D3-8B79-37D633B846F1}">
+                <asvg:svgBlip xmlns:asvg="http://schemas.microsoft.com/office/drawing/2016/SVG/main" r:embed="rId5"/>
+              </a:ext>
+            </a:extLst>
+          </a:blip>
+          <a:stretch>
+            <a:fillRect/>
+          </a:stretch>
+        </p:blipFill>
+        <p:spPr>
+          <a:xfrm>
+            <a:off x="2276127" y="4053482"/>
+            <a:ext cx="1871330" cy="1871330"/>
+          </a:xfrm>
+          <a:prstGeom prst="rect">
+            <a:avLst/>
+          </a:prstGeom>
+        </p:spPr>
+      </p:pic>
     </p:spTree>
     <p:extLst>
       <p:ext uri="{BB962C8B-B14F-4D97-AF65-F5344CB8AC3E}">

--- a/presentation/Presentation.pptx
+++ b/presentation/Presentation.pptx
@@ -5,7 +5,7 @@
     <p:sldMasterId id="2147483660" r:id="rId1"/>
   </p:sldMasterIdLst>
   <p:notesMasterIdLst>
-    <p:notesMasterId r:id="rId18"/>
+    <p:notesMasterId r:id="rId19"/>
   </p:notesMasterIdLst>
   <p:sldIdLst>
     <p:sldId id="256" r:id="rId2"/>
@@ -13,17 +13,18 @@
     <p:sldId id="259" r:id="rId4"/>
     <p:sldId id="263" r:id="rId5"/>
     <p:sldId id="258" r:id="rId6"/>
-    <p:sldId id="272" r:id="rId7"/>
-    <p:sldId id="257" r:id="rId8"/>
-    <p:sldId id="265" r:id="rId9"/>
-    <p:sldId id="266" r:id="rId10"/>
-    <p:sldId id="267" r:id="rId11"/>
-    <p:sldId id="268" r:id="rId12"/>
-    <p:sldId id="269" r:id="rId13"/>
-    <p:sldId id="260" r:id="rId14"/>
-    <p:sldId id="261" r:id="rId15"/>
-    <p:sldId id="273" r:id="rId16"/>
-    <p:sldId id="262" r:id="rId17"/>
+    <p:sldId id="274" r:id="rId7"/>
+    <p:sldId id="272" r:id="rId8"/>
+    <p:sldId id="257" r:id="rId9"/>
+    <p:sldId id="265" r:id="rId10"/>
+    <p:sldId id="266" r:id="rId11"/>
+    <p:sldId id="267" r:id="rId12"/>
+    <p:sldId id="268" r:id="rId13"/>
+    <p:sldId id="269" r:id="rId14"/>
+    <p:sldId id="260" r:id="rId15"/>
+    <p:sldId id="261" r:id="rId16"/>
+    <p:sldId id="273" r:id="rId17"/>
+    <p:sldId id="262" r:id="rId18"/>
   </p:sldIdLst>
   <p:sldSz cx="12192000" cy="6858000"/>
   <p:notesSz cx="6858000" cy="9144000"/>
@@ -549,7 +550,7 @@
               <a:buChar char="•"/>
             </a:pPr>
             <a:r>
-              <a:rPr kumimoji="1" lang="ja-JP" altLang="en-US"/>
+              <a:rPr kumimoji="1" lang="ja-JP" altLang="en-US" dirty="0"/>
               <a:t>欲しい商品になかなかたどり着けない</a:t>
             </a:r>
             <a:endParaRPr kumimoji="1" lang="en-US" altLang="ja-JP" dirty="0"/>
@@ -560,7 +561,7 @@
               <a:buChar char="•"/>
             </a:pPr>
             <a:r>
-              <a:rPr kumimoji="1" lang="ja-JP" altLang="en-US"/>
+              <a:rPr kumimoji="1" lang="ja-JP" altLang="en-US" dirty="0"/>
               <a:t>同じ商品が何度も表示され、比較するのが大変</a:t>
             </a:r>
             <a:endParaRPr kumimoji="1" lang="en-US" altLang="ja-JP" dirty="0"/>
@@ -578,7 +579,7 @@
               <a:buChar char="•"/>
             </a:pPr>
             <a:r>
-              <a:rPr kumimoji="1" lang="ja-JP" altLang="en-US"/>
+              <a:rPr kumimoji="1" lang="ja-JP" altLang="en-US" dirty="0"/>
               <a:t>などなど、既存サイトへの不満をここでぶちまける</a:t>
             </a:r>
           </a:p>
@@ -607,7 +608,7 @@
               <a:t>+</a:t>
             </a:r>
             <a:r>
-              <a:rPr kumimoji="1" lang="ja-JP" altLang="en-US"/>
+              <a:rPr kumimoji="1" lang="ja-JP" altLang="en-US" dirty="0"/>
               <a:t>スニーカー</a:t>
             </a:r>
             <a:r>
@@ -618,7 +619,7 @@
               <a:rPr kumimoji="1" lang="en" altLang="ja-JP" dirty="0"/>
               <a:t>p=2</a:t>
             </a:r>
-            <a:endParaRPr kumimoji="1" lang="ja-JP" altLang="en-US"/>
+            <a:endParaRPr kumimoji="1" lang="ja-JP" altLang="en-US" dirty="0"/>
           </a:p>
         </p:txBody>
       </p:sp>
@@ -648,7 +649,7 @@
     </p:spTree>
     <p:extLst>
       <p:ext uri="{BB962C8B-B14F-4D97-AF65-F5344CB8AC3E}">
-        <p14:creationId xmlns:p14="http://schemas.microsoft.com/office/powerpoint/2010/main" val="1078682702"/>
+        <p14:creationId xmlns:p14="http://schemas.microsoft.com/office/powerpoint/2010/main" val="3256105136"/>
       </p:ext>
     </p:extLst>
   </p:cSld>
@@ -707,10 +708,10 @@
               <a:buChar char="•"/>
             </a:pPr>
             <a:r>
-              <a:rPr lang="ja-JP" altLang="en-US"/>
-              <a:t>同じ商品をまとめて表示する機能</a:t>
-            </a:r>
-            <a:endParaRPr lang="en-US" altLang="ja-JP" dirty="0"/>
+              <a:rPr kumimoji="1" lang="ja-JP" altLang="en-US" dirty="0"/>
+              <a:t>欲しい商品になかなかたどり着けない</a:t>
+            </a:r>
+            <a:endParaRPr kumimoji="1" lang="en-US" altLang="ja-JP" dirty="0"/>
           </a:p>
           <a:p>
             <a:pPr marL="457200" indent="-457200">
@@ -718,12 +719,8 @@
               <a:buChar char="•"/>
             </a:pPr>
             <a:r>
-              <a:rPr kumimoji="1" lang="ja-JP" altLang="en-US"/>
-              <a:t>タグ</a:t>
-            </a:r>
-            <a:r>
-              <a:rPr lang="ja-JP" altLang="en-US"/>
-              <a:t>検索</a:t>
+              <a:rPr kumimoji="1" lang="ja-JP" altLang="en-US" dirty="0"/>
+              <a:t>同じ商品が何度も表示され、比較するのが大変</a:t>
             </a:r>
             <a:endParaRPr kumimoji="1" lang="en-US" altLang="ja-JP" dirty="0"/>
           </a:p>
@@ -732,14 +729,55 @@
               <a:buFont typeface="Arial" panose="020B0604020202020204" pitchFamily="34" charset="0"/>
               <a:buChar char="•"/>
             </a:pPr>
-            <a:r>
-              <a:rPr lang="ja-JP" altLang="en-US"/>
-              <a:t>ユーザごとに表示項目をカスタマイズできるようにする機能</a:t>
-            </a:r>
-            <a:endParaRPr kumimoji="1" lang="ja-JP" altLang="en-US"/>
-          </a:p>
-          <a:p>
-            <a:endParaRPr kumimoji="1" lang="ja-JP" altLang="en-US"/>
+            <a:endParaRPr kumimoji="1" lang="en-US" altLang="ja-JP" dirty="0"/>
+          </a:p>
+          <a:p>
+            <a:pPr marL="457200" indent="-457200">
+              <a:buFont typeface="Arial" panose="020B0604020202020204" pitchFamily="34" charset="0"/>
+              <a:buChar char="•"/>
+            </a:pPr>
+            <a:r>
+              <a:rPr kumimoji="1" lang="ja-JP" altLang="en-US" dirty="0"/>
+              <a:t>などなど、既存サイトへの不満をここでぶちまける</a:t>
+            </a:r>
+          </a:p>
+          <a:p>
+            <a:endParaRPr kumimoji="1" lang="en-US" altLang="ja-JP" dirty="0"/>
+          </a:p>
+          <a:p>
+            <a:r>
+              <a:rPr kumimoji="1" lang="en" altLang="ja-JP" dirty="0"/>
+              <a:t>https://</a:t>
+            </a:r>
+            <a:r>
+              <a:rPr kumimoji="1" lang="en" altLang="ja-JP" dirty="0" err="1"/>
+              <a:t>search.rakuten.co.jp</a:t>
+            </a:r>
+            <a:r>
+              <a:rPr kumimoji="1" lang="en" altLang="ja-JP" dirty="0"/>
+              <a:t>/search/mall/</a:t>
+            </a:r>
+            <a:r>
+              <a:rPr kumimoji="1" lang="en" altLang="ja-JP" dirty="0" err="1"/>
+              <a:t>nike</a:t>
+            </a:r>
+            <a:r>
+              <a:rPr kumimoji="1" lang="en" altLang="ja-JP" dirty="0"/>
+              <a:t>+</a:t>
+            </a:r>
+            <a:r>
+              <a:rPr kumimoji="1" lang="ja-JP" altLang="en-US" dirty="0"/>
+              <a:t>スニーカー</a:t>
+            </a:r>
+            <a:r>
+              <a:rPr kumimoji="1" lang="en-US" altLang="ja-JP" dirty="0"/>
+              <a:t>/?</a:t>
+            </a:r>
+            <a:r>
+              <a:rPr kumimoji="1" lang="en" altLang="ja-JP" dirty="0"/>
+              <a:t>p=2</a:t>
+            </a:r>
+            <a:endParaRPr kumimoji="1" lang="ja-JP" altLang="en-US" dirty="0"/>
           </a:p>
         </p:txBody>
       </p:sp>
@@ -760,7 +798,7 @@
           <a:p>
             <a:fld id="{9E1C67F3-BA0B-B442-BA23-A3194F4E98B9}" type="slidenum">
               <a:rPr kumimoji="1" lang="ja-JP" altLang="en-US" smtClean="0"/>
-              <a:t>8</a:t>
+              <a:t>7</a:t>
             </a:fld>
             <a:endParaRPr kumimoji="1" lang="ja-JP" altLang="en-US"/>
           </a:p>
@@ -769,7 +807,7 @@
     </p:spTree>
     <p:extLst>
       <p:ext uri="{BB962C8B-B14F-4D97-AF65-F5344CB8AC3E}">
-        <p14:creationId xmlns:p14="http://schemas.microsoft.com/office/powerpoint/2010/main" val="4269479119"/>
+        <p14:creationId xmlns:p14="http://schemas.microsoft.com/office/powerpoint/2010/main" val="1078682702"/>
       </p:ext>
     </p:extLst>
   </p:cSld>
@@ -828,16 +866,8 @@
               <a:buChar char="•"/>
             </a:pPr>
             <a:r>
-              <a:rPr kumimoji="1" lang="ja-JP" altLang="en-US"/>
-              <a:t>商品情報を楽天</a:t>
-            </a:r>
-            <a:r>
-              <a:rPr kumimoji="1" lang="en-US" altLang="ja-JP" dirty="0"/>
-              <a:t>API</a:t>
-            </a:r>
-            <a:r>
-              <a:rPr kumimoji="1" lang="ja-JP" altLang="en-US"/>
-              <a:t>から取得</a:t>
+              <a:rPr lang="ja-JP" altLang="en-US"/>
+              <a:t>同じ商品をまとめて表示する機能</a:t>
             </a:r>
             <a:endParaRPr lang="en-US" altLang="ja-JP" dirty="0"/>
           </a:p>
@@ -847,10 +877,14 @@
               <a:buChar char="•"/>
             </a:pPr>
             <a:r>
+              <a:rPr kumimoji="1" lang="ja-JP" altLang="en-US"/>
+              <a:t>タグ</a:t>
+            </a:r>
+            <a:r>
               <a:rPr lang="ja-JP" altLang="en-US"/>
-              <a:t>出品者が異なるが商品は同じ場合，すべてまとめて１件として表示</a:t>
-            </a:r>
-            <a:endParaRPr lang="en-US" altLang="ja-JP" dirty="0"/>
+              <a:t>検索</a:t>
+            </a:r>
+            <a:endParaRPr kumimoji="1" lang="en-US" altLang="ja-JP" dirty="0"/>
           </a:p>
           <a:p>
             <a:pPr marL="457200" indent="-457200">
@@ -858,29 +892,10 @@
               <a:buChar char="•"/>
             </a:pPr>
             <a:r>
-              <a:rPr kumimoji="1" lang="ja-JP" altLang="en-US"/>
-              <a:t>検索結果では、商品の概要と概算額のみ表示</a:t>
-            </a:r>
-            <a:r>
               <a:rPr lang="ja-JP" altLang="en-US"/>
-              <a:t>＆</a:t>
-            </a:r>
-            <a:r>
-              <a:rPr kumimoji="1" lang="ja-JP" altLang="en-US"/>
-              <a:t>詳細は次のページで</a:t>
-            </a:r>
-            <a:endParaRPr kumimoji="1" lang="en-US" altLang="ja-JP" dirty="0"/>
-          </a:p>
-          <a:p>
-            <a:pPr marL="457200" indent="-457200">
-              <a:buFont typeface="Arial" panose="020B0604020202020204" pitchFamily="34" charset="0"/>
-              <a:buChar char="•"/>
-            </a:pPr>
-            <a:r>
-              <a:rPr lang="ja-JP" altLang="en-US"/>
-              <a:t>詳細ページではショップごとに比較可能</a:t>
-            </a:r>
-            <a:endParaRPr kumimoji="1" lang="en-US" altLang="ja-JP" dirty="0"/>
+              <a:t>ユーザごとに表示項目をカスタマイズできるようにする機能</a:t>
+            </a:r>
+            <a:endParaRPr kumimoji="1" lang="ja-JP" altLang="en-US"/>
           </a:p>
           <a:p>
             <a:endParaRPr kumimoji="1" lang="ja-JP" altLang="en-US"/>
@@ -913,7 +928,7 @@
     </p:spTree>
     <p:extLst>
       <p:ext uri="{BB962C8B-B14F-4D97-AF65-F5344CB8AC3E}">
-        <p14:creationId xmlns:p14="http://schemas.microsoft.com/office/powerpoint/2010/main" val="3425496502"/>
+        <p14:creationId xmlns:p14="http://schemas.microsoft.com/office/powerpoint/2010/main" val="4269479119"/>
       </p:ext>
     </p:extLst>
   </p:cSld>
@@ -967,6 +982,150 @@
           <a:bodyPr/>
           <a:lstStyle/>
           <a:p>
+            <a:pPr marL="457200" indent="-457200">
+              <a:buFont typeface="Arial" panose="020B0604020202020204" pitchFamily="34" charset="0"/>
+              <a:buChar char="•"/>
+            </a:pPr>
+            <a:r>
+              <a:rPr kumimoji="1" lang="ja-JP" altLang="en-US"/>
+              <a:t>商品情報を楽天</a:t>
+            </a:r>
+            <a:r>
+              <a:rPr kumimoji="1" lang="en-US" altLang="ja-JP" dirty="0"/>
+              <a:t>API</a:t>
+            </a:r>
+            <a:r>
+              <a:rPr kumimoji="1" lang="ja-JP" altLang="en-US"/>
+              <a:t>から取得</a:t>
+            </a:r>
+            <a:endParaRPr lang="en-US" altLang="ja-JP" dirty="0"/>
+          </a:p>
+          <a:p>
+            <a:pPr marL="457200" indent="-457200">
+              <a:buFont typeface="Arial" panose="020B0604020202020204" pitchFamily="34" charset="0"/>
+              <a:buChar char="•"/>
+            </a:pPr>
+            <a:r>
+              <a:rPr lang="ja-JP" altLang="en-US"/>
+              <a:t>出品者が異なるが商品は同じ場合，すべてまとめて１件として表示</a:t>
+            </a:r>
+            <a:endParaRPr lang="en-US" altLang="ja-JP" dirty="0"/>
+          </a:p>
+          <a:p>
+            <a:pPr marL="457200" indent="-457200">
+              <a:buFont typeface="Arial" panose="020B0604020202020204" pitchFamily="34" charset="0"/>
+              <a:buChar char="•"/>
+            </a:pPr>
+            <a:r>
+              <a:rPr kumimoji="1" lang="ja-JP" altLang="en-US"/>
+              <a:t>検索結果では、商品の概要と概算額のみ表示</a:t>
+            </a:r>
+            <a:r>
+              <a:rPr lang="ja-JP" altLang="en-US"/>
+              <a:t>＆</a:t>
+            </a:r>
+            <a:r>
+              <a:rPr kumimoji="1" lang="ja-JP" altLang="en-US"/>
+              <a:t>詳細は次のページで</a:t>
+            </a:r>
+            <a:endParaRPr kumimoji="1" lang="en-US" altLang="ja-JP" dirty="0"/>
+          </a:p>
+          <a:p>
+            <a:pPr marL="457200" indent="-457200">
+              <a:buFont typeface="Arial" panose="020B0604020202020204" pitchFamily="34" charset="0"/>
+              <a:buChar char="•"/>
+            </a:pPr>
+            <a:r>
+              <a:rPr lang="ja-JP" altLang="en-US"/>
+              <a:t>詳細ページではショップごとに比較可能</a:t>
+            </a:r>
+            <a:endParaRPr kumimoji="1" lang="en-US" altLang="ja-JP" dirty="0"/>
+          </a:p>
+          <a:p>
+            <a:endParaRPr kumimoji="1" lang="ja-JP" altLang="en-US"/>
+          </a:p>
+        </p:txBody>
+      </p:sp>
+      <p:sp>
+        <p:nvSpPr>
+          <p:cNvPr id="4" name="スライド番号プレースホルダー 3"/>
+          <p:cNvSpPr>
+            <a:spLocks noGrp="1"/>
+          </p:cNvSpPr>
+          <p:nvPr>
+            <p:ph type="sldNum" sz="quarter" idx="5"/>
+          </p:nvPr>
+        </p:nvSpPr>
+        <p:spPr/>
+        <p:txBody>
+          <a:bodyPr/>
+          <a:lstStyle/>
+          <a:p>
+            <a:fld id="{9E1C67F3-BA0B-B442-BA23-A3194F4E98B9}" type="slidenum">
+              <a:rPr kumimoji="1" lang="ja-JP" altLang="en-US" smtClean="0"/>
+              <a:t>10</a:t>
+            </a:fld>
+            <a:endParaRPr kumimoji="1" lang="ja-JP" altLang="en-US"/>
+          </a:p>
+        </p:txBody>
+      </p:sp>
+    </p:spTree>
+    <p:extLst>
+      <p:ext uri="{BB962C8B-B14F-4D97-AF65-F5344CB8AC3E}">
+        <p14:creationId xmlns:p14="http://schemas.microsoft.com/office/powerpoint/2010/main" val="3425496502"/>
+      </p:ext>
+    </p:extLst>
+  </p:cSld>
+  <p:clrMapOvr>
+    <a:masterClrMapping/>
+  </p:clrMapOvr>
+</p:notes>
+</file>
+
+<file path=ppt/notesSlides/notesSlide5.xml><?xml version="1.0" encoding="utf-8"?>
+<p:notes xmlns:a="http://schemas.openxmlformats.org/drawingml/2006/main" xmlns:r="http://schemas.openxmlformats.org/officeDocument/2006/relationships" xmlns:p="http://schemas.openxmlformats.org/presentationml/2006/main">
+  <p:cSld>
+    <p:spTree>
+      <p:nvGrpSpPr>
+        <p:cNvPr id="1" name=""/>
+        <p:cNvGrpSpPr/>
+        <p:nvPr/>
+      </p:nvGrpSpPr>
+      <p:grpSpPr>
+        <a:xfrm>
+          <a:off x="0" y="0"/>
+          <a:ext cx="0" cy="0"/>
+          <a:chOff x="0" y="0"/>
+          <a:chExt cx="0" cy="0"/>
+        </a:xfrm>
+      </p:grpSpPr>
+      <p:sp>
+        <p:nvSpPr>
+          <p:cNvPr id="2" name="スライド イメージ プレースホルダー 1"/>
+          <p:cNvSpPr>
+            <a:spLocks noGrp="1" noRot="1" noChangeAspect="1"/>
+          </p:cNvSpPr>
+          <p:nvPr>
+            <p:ph type="sldImg"/>
+          </p:nvPr>
+        </p:nvSpPr>
+        <p:spPr/>
+      </p:sp>
+      <p:sp>
+        <p:nvSpPr>
+          <p:cNvPr id="3" name="ノート プレースホルダー 2"/>
+          <p:cNvSpPr>
+            <a:spLocks noGrp="1"/>
+          </p:cNvSpPr>
+          <p:nvPr>
+            <p:ph type="body" idx="1"/>
+          </p:nvPr>
+        </p:nvSpPr>
+        <p:spPr/>
+        <p:txBody>
+          <a:bodyPr/>
+          <a:lstStyle/>
+          <a:p>
             <a:pPr marL="0" marR="0" lvl="0" indent="0" algn="l" defTabSz="914400" rtl="0" eaLnBrk="1" fontAlgn="auto" latinLnBrk="0" hangingPunct="1">
               <a:lnSpc>
                 <a:spcPct val="100000"/>
@@ -1012,7 +1171,7 @@
           <a:p>
             <a:fld id="{9E1C67F3-BA0B-B442-BA23-A3194F4E98B9}" type="slidenum">
               <a:rPr kumimoji="1" lang="ja-JP" altLang="en-US" smtClean="0"/>
-              <a:t>11</a:t>
+              <a:t>12</a:t>
             </a:fld>
             <a:endParaRPr kumimoji="1" lang="ja-JP" altLang="en-US"/>
           </a:p>
@@ -4741,6 +4900,282 @@
           </a:bodyPr>
           <a:lstStyle/>
           <a:p>
+            <a:pPr marL="457200" indent="-457200">
+              <a:buFont typeface="+mj-lt"/>
+              <a:buAutoNum type="arabicPeriod"/>
+            </a:pPr>
+            <a:r>
+              <a:rPr lang="en-US" altLang="ja-JP" dirty="0">
+                <a:solidFill>
+                  <a:schemeClr val="tx1"/>
+                </a:solidFill>
+              </a:rPr>
+              <a:t>Get item information from ”Rakuten API”</a:t>
+            </a:r>
+            <a:endParaRPr kumimoji="1" lang="en-US" altLang="ja-JP" dirty="0">
+              <a:solidFill>
+                <a:schemeClr val="tx1"/>
+              </a:solidFill>
+            </a:endParaRPr>
+          </a:p>
+          <a:p>
+            <a:pPr marL="457200" indent="-457200">
+              <a:buFont typeface="+mj-lt"/>
+              <a:buAutoNum type="arabicPeriod"/>
+            </a:pPr>
+            <a:endParaRPr lang="en-US" altLang="ja-JP" dirty="0">
+              <a:solidFill>
+                <a:schemeClr val="tx1"/>
+              </a:solidFill>
+            </a:endParaRPr>
+          </a:p>
+          <a:p>
+            <a:pPr marL="457200" indent="-457200">
+              <a:buFont typeface="+mj-lt"/>
+              <a:buAutoNum type="arabicPeriod"/>
+            </a:pPr>
+            <a:r>
+              <a:rPr kumimoji="1" lang="en-US" altLang="ja-JP" dirty="0">
+                <a:solidFill>
+                  <a:schemeClr val="tx1"/>
+                </a:solidFill>
+              </a:rPr>
+              <a:t>Group the same item from different shops</a:t>
+            </a:r>
+          </a:p>
+          <a:p>
+            <a:pPr marL="457200" indent="-457200">
+              <a:buFont typeface="+mj-lt"/>
+              <a:buAutoNum type="arabicPeriod"/>
+            </a:pPr>
+            <a:endParaRPr kumimoji="1" lang="en-US" altLang="ja-JP" dirty="0">
+              <a:solidFill>
+                <a:schemeClr val="tx1"/>
+              </a:solidFill>
+            </a:endParaRPr>
+          </a:p>
+          <a:p>
+            <a:pPr marL="457200" indent="-457200">
+              <a:buFont typeface="+mj-lt"/>
+              <a:buAutoNum type="arabicPeriod"/>
+            </a:pPr>
+            <a:r>
+              <a:rPr lang="en-US" altLang="ja-JP" dirty="0">
+                <a:solidFill>
+                  <a:schemeClr val="tx1"/>
+                </a:solidFill>
+              </a:rPr>
+              <a:t>Show the </a:t>
+            </a:r>
+            <a:r>
+              <a:rPr lang="en-US" altLang="ja-JP" dirty="0" err="1">
+                <a:solidFill>
+                  <a:schemeClr val="tx1"/>
+                </a:solidFill>
+              </a:rPr>
+              <a:t>abstruct</a:t>
+            </a:r>
+            <a:r>
+              <a:rPr lang="en-US" altLang="ja-JP" dirty="0">
+                <a:solidFill>
+                  <a:schemeClr val="tx1"/>
+                </a:solidFill>
+              </a:rPr>
+              <a:t> of item and the range of price in search result page</a:t>
+            </a:r>
+            <a:endParaRPr kumimoji="1" lang="en-US" altLang="ja-JP" dirty="0">
+              <a:solidFill>
+                <a:schemeClr val="tx1"/>
+              </a:solidFill>
+            </a:endParaRPr>
+          </a:p>
+          <a:p>
+            <a:pPr marL="457200" indent="-457200">
+              <a:buFont typeface="+mj-lt"/>
+              <a:buAutoNum type="arabicPeriod"/>
+            </a:pPr>
+            <a:endParaRPr lang="en-US" altLang="ja-JP" dirty="0">
+              <a:solidFill>
+                <a:schemeClr val="tx1"/>
+              </a:solidFill>
+            </a:endParaRPr>
+          </a:p>
+          <a:p>
+            <a:pPr marL="457200" indent="-457200">
+              <a:buFont typeface="+mj-lt"/>
+              <a:buAutoNum type="arabicPeriod"/>
+            </a:pPr>
+            <a:r>
+              <a:rPr lang="en-US" altLang="ja-JP" dirty="0">
+                <a:solidFill>
+                  <a:schemeClr val="tx1"/>
+                </a:solidFill>
+              </a:rPr>
+              <a:t>Compare the price by shops in detail page</a:t>
+            </a:r>
+          </a:p>
+        </p:txBody>
+      </p:sp>
+      <p:sp>
+        <p:nvSpPr>
+          <p:cNvPr id="6" name="四角形: 角を丸くする 4">
+            <a:extLst>
+              <a:ext uri="{FF2B5EF4-FFF2-40B4-BE49-F238E27FC236}">
+                <a16:creationId xmlns:a16="http://schemas.microsoft.com/office/drawing/2014/main" id="{2C3D01C3-4FDD-E54A-BF64-92856A191F4A}"/>
+              </a:ext>
+            </a:extLst>
+          </p:cNvPr>
+          <p:cNvSpPr/>
+          <p:nvPr/>
+        </p:nvSpPr>
+        <p:spPr>
+          <a:xfrm>
+            <a:off x="464458" y="420914"/>
+            <a:ext cx="3886826" cy="812800"/>
+          </a:xfrm>
+          <a:prstGeom prst="roundRect">
+            <a:avLst/>
+          </a:prstGeom>
+          <a:solidFill>
+            <a:srgbClr val="DC143C"/>
+          </a:solidFill>
+        </p:spPr>
+        <p:style>
+          <a:lnRef idx="2">
+            <a:schemeClr val="accent1">
+              <a:shade val="50000"/>
+            </a:schemeClr>
+          </a:lnRef>
+          <a:fillRef idx="1">
+            <a:schemeClr val="accent1"/>
+          </a:fillRef>
+          <a:effectRef idx="0">
+            <a:schemeClr val="accent1"/>
+          </a:effectRef>
+          <a:fontRef idx="minor">
+            <a:schemeClr val="lt1"/>
+          </a:fontRef>
+        </p:style>
+        <p:txBody>
+          <a:bodyPr rtlCol="0" anchor="ctr"/>
+          <a:lstStyle/>
+          <a:p>
+            <a:r>
+              <a:rPr lang="en-US" altLang="ja-JP" sz="3200" dirty="0">
+                <a:effectLst>
+                  <a:outerShdw blurRad="38100" dist="38100" dir="2700000" algn="tl">
+                    <a:srgbClr val="000000">
+                      <a:alpha val="43137"/>
+                    </a:srgbClr>
+                  </a:outerShdw>
+                </a:effectLst>
+              </a:rPr>
+              <a:t>Grouping one item</a:t>
+            </a:r>
+            <a:endParaRPr lang="ja-JP" altLang="en-US" sz="3200" dirty="0">
+              <a:effectLst>
+                <a:outerShdw blurRad="38100" dist="38100" dir="2700000" algn="tl">
+                  <a:srgbClr val="000000">
+                    <a:alpha val="43137"/>
+                  </a:srgbClr>
+                </a:outerShdw>
+              </a:effectLst>
+            </a:endParaRPr>
+          </a:p>
+        </p:txBody>
+      </p:sp>
+    </p:spTree>
+    <p:extLst>
+      <p:ext uri="{BB962C8B-B14F-4D97-AF65-F5344CB8AC3E}">
+        <p14:creationId xmlns:p14="http://schemas.microsoft.com/office/powerpoint/2010/main" val="2750315736"/>
+      </p:ext>
+    </p:extLst>
+  </p:cSld>
+  <p:clrMapOvr>
+    <a:masterClrMapping/>
+  </p:clrMapOvr>
+</p:sld>
+</file>
+
+<file path=ppt/slides/slide11.xml><?xml version="1.0" encoding="utf-8"?>
+<p:sld xmlns:a="http://schemas.openxmlformats.org/drawingml/2006/main" xmlns:r="http://schemas.openxmlformats.org/officeDocument/2006/relationships" xmlns:p="http://schemas.openxmlformats.org/presentationml/2006/main">
+  <p:cSld>
+    <p:spTree>
+      <p:nvGrpSpPr>
+        <p:cNvPr id="1" name=""/>
+        <p:cNvGrpSpPr/>
+        <p:nvPr/>
+      </p:nvGrpSpPr>
+      <p:grpSpPr>
+        <a:xfrm>
+          <a:off x="0" y="0"/>
+          <a:ext cx="0" cy="0"/>
+          <a:chOff x="0" y="0"/>
+          <a:chExt cx="0" cy="0"/>
+        </a:xfrm>
+      </p:grpSpPr>
+      <p:sp>
+        <p:nvSpPr>
+          <p:cNvPr id="2" name="タイトル 1">
+            <a:extLst>
+              <a:ext uri="{FF2B5EF4-FFF2-40B4-BE49-F238E27FC236}">
+                <a16:creationId xmlns:a16="http://schemas.microsoft.com/office/drawing/2014/main" id="{162BB91B-3D5F-40D6-9780-4A263D504DF7}"/>
+              </a:ext>
+            </a:extLst>
+          </p:cNvPr>
+          <p:cNvSpPr>
+            <a:spLocks noGrp="1"/>
+          </p:cNvSpPr>
+          <p:nvPr>
+            <p:ph type="title"/>
+          </p:nvPr>
+        </p:nvSpPr>
+        <p:spPr>
+          <a:xfrm>
+            <a:off x="142420" y="5786891"/>
+            <a:ext cx="11211380" cy="1002846"/>
+          </a:xfrm>
+        </p:spPr>
+        <p:txBody>
+          <a:bodyPr/>
+          <a:lstStyle/>
+          <a:p>
+            <a:r>
+              <a:rPr kumimoji="1" lang="en-US" altLang="ja-JP" dirty="0"/>
+              <a:t>3. Challenges and Solutions</a:t>
+            </a:r>
+            <a:endParaRPr kumimoji="1" lang="ja-JP" altLang="en-US" dirty="0"/>
+          </a:p>
+        </p:txBody>
+      </p:sp>
+      <p:sp>
+        <p:nvSpPr>
+          <p:cNvPr id="3" name="テキスト プレースホルダー 2">
+            <a:extLst>
+              <a:ext uri="{FF2B5EF4-FFF2-40B4-BE49-F238E27FC236}">
+                <a16:creationId xmlns:a16="http://schemas.microsoft.com/office/drawing/2014/main" id="{3F1E7B7C-CCC0-400C-8A2D-D50BF4251EA6}"/>
+              </a:ext>
+            </a:extLst>
+          </p:cNvPr>
+          <p:cNvSpPr>
+            <a:spLocks noGrp="1"/>
+          </p:cNvSpPr>
+          <p:nvPr>
+            <p:ph type="body" idx="1"/>
+          </p:nvPr>
+        </p:nvSpPr>
+        <p:spPr>
+          <a:xfrm>
+            <a:off x="838200" y="1548719"/>
+            <a:ext cx="10515600" cy="4097338"/>
+          </a:xfrm>
+        </p:spPr>
+        <p:txBody>
+          <a:bodyPr>
+            <a:normAutofit/>
+          </a:bodyPr>
+          <a:lstStyle/>
+          <a:p>
             <a:r>
               <a:rPr lang="en-US" altLang="ja-JP" sz="3200" dirty="0">
                 <a:solidFill>
@@ -4996,7 +5431,7 @@
 </p:sld>
 </file>
 
-<file path=ppt/slides/slide11.xml><?xml version="1.0" encoding="utf-8"?>
+<file path=ppt/slides/slide12.xml><?xml version="1.0" encoding="utf-8"?>
 <p:sld xmlns:a="http://schemas.openxmlformats.org/drawingml/2006/main" xmlns:r="http://schemas.openxmlformats.org/officeDocument/2006/relationships" xmlns:p="http://schemas.openxmlformats.org/presentationml/2006/main">
   <p:cSld>
     <p:spTree>
@@ -6075,7 +6510,7 @@
 </p:sld>
 </file>
 
-<file path=ppt/slides/slide12.xml><?xml version="1.0" encoding="utf-8"?>
+<file path=ppt/slides/slide13.xml><?xml version="1.0" encoding="utf-8"?>
 <p:sld xmlns:a="http://schemas.openxmlformats.org/drawingml/2006/main" xmlns:r="http://schemas.openxmlformats.org/officeDocument/2006/relationships" xmlns:p="http://schemas.openxmlformats.org/presentationml/2006/main">
   <p:cSld>
     <p:spTree>
@@ -6837,7 +7272,7 @@
 </p:sld>
 </file>
 
-<file path=ppt/slides/slide13.xml><?xml version="1.0" encoding="utf-8"?>
+<file path=ppt/slides/slide14.xml><?xml version="1.0" encoding="utf-8"?>
 <p:sld xmlns:a="http://schemas.openxmlformats.org/drawingml/2006/main" xmlns:r="http://schemas.openxmlformats.org/officeDocument/2006/relationships" xmlns:p="http://schemas.openxmlformats.org/presentationml/2006/main">
   <p:cSld>
     <p:spTree>
@@ -6980,6 +7415,9 @@
                     <p:cTn id="3" fill="hold">
                       <p:stCondLst>
                         <p:cond delay="indefinite"/>
+                        <p:cond evt="onBegin" delay="0">
+                          <p:tn val="2"/>
+                        </p:cond>
                       </p:stCondLst>
                       <p:childTnLst>
                         <p:par>
@@ -6989,7 +7427,7 @@
                             </p:stCondLst>
                             <p:childTnLst>
                               <p:par>
-                                <p:cTn id="5" presetID="42" presetClass="entr" presetSubtype="0" fill="hold" grpId="0" nodeType="clickEffect">
+                                <p:cTn id="5" presetID="42" presetClass="entr" presetSubtype="0" fill="hold" grpId="0" nodeType="withEffect">
                                   <p:stCondLst>
                                     <p:cond delay="0"/>
                                   </p:stCondLst>
@@ -7072,30 +7510,21 @@
                             </p:childTnLst>
                           </p:cTn>
                         </p:par>
-                      </p:childTnLst>
-                    </p:cTn>
-                  </p:par>
-                  <p:par>
-                    <p:cTn id="10" fill="hold">
-                      <p:stCondLst>
-                        <p:cond delay="indefinite"/>
-                      </p:stCondLst>
-                      <p:childTnLst>
                         <p:par>
-                          <p:cTn id="11" fill="hold">
+                          <p:cTn id="10" fill="hold">
                             <p:stCondLst>
-                              <p:cond delay="0"/>
+                              <p:cond delay="1000"/>
                             </p:stCondLst>
                             <p:childTnLst>
                               <p:par>
-                                <p:cTn id="12" presetID="10" presetClass="entr" presetSubtype="0" fill="hold" grpId="0" nodeType="clickEffect">
+                                <p:cTn id="11" presetID="10" presetClass="entr" presetSubtype="0" fill="hold" grpId="0" nodeType="afterEffect">
                                   <p:stCondLst>
                                     <p:cond delay="0"/>
                                   </p:stCondLst>
                                   <p:childTnLst>
                                     <p:set>
                                       <p:cBhvr>
-                                        <p:cTn id="13" dur="1" fill="hold">
+                                        <p:cTn id="12" dur="1" fill="hold">
                                           <p:stCondLst>
                                             <p:cond delay="0"/>
                                           </p:stCondLst>
@@ -7117,7 +7546,7 @@
                                     </p:set>
                                     <p:animEffect transition="in" filter="fade">
                                       <p:cBhvr>
-                                        <p:cTn id="14" dur="500"/>
+                                        <p:cTn id="13" dur="1000"/>
                                         <p:tgtEl>
                                           <p:spTgt spid="3">
                                             <p:txEl>
@@ -7165,7 +7594,7 @@
 </p:sld>
 </file>
 
-<file path=ppt/slides/slide14.xml><?xml version="1.0" encoding="utf-8"?>
+<file path=ppt/slides/slide15.xml><?xml version="1.0" encoding="utf-8"?>
 <p:sld xmlns:a="http://schemas.openxmlformats.org/drawingml/2006/main" xmlns:r="http://schemas.openxmlformats.org/officeDocument/2006/relationships" xmlns:p="http://schemas.openxmlformats.org/presentationml/2006/main">
   <p:cSld>
     <p:spTree>
@@ -7308,6 +7737,9 @@
                     <p:cTn id="3" fill="hold">
                       <p:stCondLst>
                         <p:cond delay="indefinite"/>
+                        <p:cond evt="onBegin" delay="0">
+                          <p:tn val="2"/>
+                        </p:cond>
                       </p:stCondLst>
                       <p:childTnLst>
                         <p:par>
@@ -7317,7 +7749,7 @@
                             </p:stCondLst>
                             <p:childTnLst>
                               <p:par>
-                                <p:cTn id="5" presetID="42" presetClass="entr" presetSubtype="0" fill="hold" grpId="0" nodeType="clickEffect">
+                                <p:cTn id="5" presetID="42" presetClass="entr" presetSubtype="0" fill="hold" grpId="0" nodeType="withEffect">
                                   <p:stCondLst>
                                     <p:cond delay="0"/>
                                   </p:stCondLst>
@@ -7400,30 +7832,21 @@
                             </p:childTnLst>
                           </p:cTn>
                         </p:par>
-                      </p:childTnLst>
-                    </p:cTn>
-                  </p:par>
-                  <p:par>
-                    <p:cTn id="10" fill="hold">
-                      <p:stCondLst>
-                        <p:cond delay="indefinite"/>
-                      </p:stCondLst>
-                      <p:childTnLst>
                         <p:par>
-                          <p:cTn id="11" fill="hold">
+                          <p:cTn id="10" fill="hold">
                             <p:stCondLst>
-                              <p:cond delay="0"/>
+                              <p:cond delay="1000"/>
                             </p:stCondLst>
                             <p:childTnLst>
                               <p:par>
-                                <p:cTn id="12" presetID="10" presetClass="entr" presetSubtype="0" fill="hold" grpId="0" nodeType="clickEffect">
+                                <p:cTn id="11" presetID="10" presetClass="entr" presetSubtype="0" fill="hold" grpId="0" nodeType="afterEffect">
                                   <p:stCondLst>
                                     <p:cond delay="0"/>
                                   </p:stCondLst>
                                   <p:childTnLst>
                                     <p:set>
                                       <p:cBhvr>
-                                        <p:cTn id="13" dur="1" fill="hold">
+                                        <p:cTn id="12" dur="1" fill="hold">
                                           <p:stCondLst>
                                             <p:cond delay="0"/>
                                           </p:stCondLst>
@@ -7445,7 +7868,7 @@
                                     </p:set>
                                     <p:animEffect transition="in" filter="fade">
                                       <p:cBhvr>
-                                        <p:cTn id="14" dur="500"/>
+                                        <p:cTn id="13" dur="1000"/>
                                         <p:tgtEl>
                                           <p:spTgt spid="3">
                                             <p:txEl>
@@ -7493,7 +7916,7 @@
 </p:sld>
 </file>
 
-<file path=ppt/slides/slide15.xml><?xml version="1.0" encoding="utf-8"?>
+<file path=ppt/slides/slide16.xml><?xml version="1.0" encoding="utf-8"?>
 <p:sld xmlns:a="http://schemas.openxmlformats.org/drawingml/2006/main" xmlns:r="http://schemas.openxmlformats.org/officeDocument/2006/relationships" xmlns:p="http://schemas.openxmlformats.org/presentationml/2006/main">
   <p:cSld>
     <p:spTree>
@@ -7524,8 +7947,8 @@
         </p:nvSpPr>
         <p:spPr>
           <a:xfrm>
-            <a:off x="0" y="5975131"/>
-            <a:ext cx="12393136" cy="769441"/>
+            <a:off x="207653" y="5928474"/>
+            <a:ext cx="11487440" cy="769441"/>
           </a:xfrm>
           <a:prstGeom prst="rect">
             <a:avLst/>
@@ -7539,7 +7962,10 @@
           <a:lstStyle/>
           <a:p>
             <a:r>
-              <a:rPr lang="en" altLang="ja-JP" sz="4400" dirty="0"/>
+              <a:rPr lang="en" altLang="ja-JP" sz="4400" dirty="0">
+                <a:latin typeface="游ゴシック Light" panose="020B0300000000000000" pitchFamily="50" charset="-128"/>
+                <a:ea typeface="游ゴシック Light" panose="020B0300000000000000" pitchFamily="50" charset="-128"/>
+              </a:rPr>
               <a:t>5. How to make use of it after joining Rakuten?</a:t>
             </a:r>
           </a:p>
@@ -7563,13 +7989,13 @@
         </p:nvSpPr>
         <p:spPr>
           <a:xfrm>
-            <a:off x="737861" y="1600994"/>
-            <a:ext cx="11161291" cy="2510818"/>
+            <a:off x="725420" y="1209107"/>
+            <a:ext cx="11161291" cy="3537064"/>
           </a:xfrm>
         </p:spPr>
         <p:txBody>
           <a:bodyPr>
-            <a:normAutofit/>
+            <a:normAutofit lnSpcReduction="10000"/>
           </a:bodyPr>
           <a:lstStyle/>
           <a:p>
@@ -7583,7 +8009,7 @@
                   <a:schemeClr val="tx1"/>
                 </a:solidFill>
               </a:rPr>
-              <a:t>Experience of pair programming</a:t>
+              <a:t>Experience of Team Development</a:t>
             </a:r>
           </a:p>
           <a:p>
@@ -7608,13 +8034,33 @@
                   <a:schemeClr val="tx1"/>
                 </a:solidFill>
               </a:rPr>
-              <a:t>Use learned “HTML/JavaScript/PHP/API”  knowledge</a:t>
-            </a:r>
-            <a:endParaRPr lang="ja-JP" altLang="en-US" sz="3600" dirty="0">
+              <a:t>Use learned knowledge of “HTML/JavaScript/PHP/API”</a:t>
+            </a:r>
+          </a:p>
+          <a:p>
+            <a:pPr marL="457200" indent="-457200">
+              <a:buFont typeface="Arial" panose="020B0604020202020204" pitchFamily="34" charset="0"/>
+              <a:buChar char="•"/>
+            </a:pPr>
+            <a:endParaRPr lang="en-US" altLang="ja-JP" sz="3600" dirty="0">
               <a:solidFill>
                 <a:schemeClr val="tx1"/>
               </a:solidFill>
             </a:endParaRPr>
+          </a:p>
+          <a:p>
+            <a:pPr marL="457200" indent="-457200">
+              <a:buFont typeface="Arial" panose="020B0604020202020204" pitchFamily="34" charset="0"/>
+              <a:buChar char="•"/>
+            </a:pPr>
+            <a:r>
+              <a:rPr lang="en-US" altLang="ja-JP" sz="3600" dirty="0">
+                <a:solidFill>
+                  <a:schemeClr val="tx1"/>
+                </a:solidFill>
+              </a:rPr>
+              <a:t>We learned what service is useful for Users</a:t>
+            </a:r>
           </a:p>
         </p:txBody>
       </p:sp>
@@ -7631,7 +8077,7 @@
 </p:sld>
 </file>
 
-<file path=ppt/slides/slide16.xml><?xml version="1.0" encoding="utf-8"?>
+<file path=ppt/slides/slide17.xml><?xml version="1.0" encoding="utf-8"?>
 <p:sld xmlns:a="http://schemas.openxmlformats.org/drawingml/2006/main" xmlns:r="http://schemas.openxmlformats.org/officeDocument/2006/relationships" xmlns:p="http://schemas.openxmlformats.org/presentationml/2006/main">
   <p:cSld>
     <p:spTree>
@@ -8379,6 +8825,9 @@
                     <p:cTn id="3" fill="hold">
                       <p:stCondLst>
                         <p:cond delay="indefinite"/>
+                        <p:cond evt="onBegin" delay="0">
+                          <p:tn val="2"/>
+                        </p:cond>
                       </p:stCondLst>
                       <p:childTnLst>
                         <p:par>
@@ -8388,7 +8837,7 @@
                             </p:stCondLst>
                             <p:childTnLst>
                               <p:par>
-                                <p:cTn id="5" presetID="42" presetClass="entr" presetSubtype="0" fill="hold" grpId="0" nodeType="clickEffect">
+                                <p:cTn id="5" presetID="42" presetClass="entr" presetSubtype="0" fill="hold" grpId="0" nodeType="withEffect">
                                   <p:stCondLst>
                                     <p:cond delay="0"/>
                                   </p:stCondLst>
@@ -8471,30 +8920,21 @@
                             </p:childTnLst>
                           </p:cTn>
                         </p:par>
-                      </p:childTnLst>
-                    </p:cTn>
-                  </p:par>
-                  <p:par>
-                    <p:cTn id="10" fill="hold">
-                      <p:stCondLst>
-                        <p:cond delay="indefinite"/>
-                      </p:stCondLst>
-                      <p:childTnLst>
                         <p:par>
-                          <p:cTn id="11" fill="hold">
+                          <p:cTn id="10" fill="hold">
                             <p:stCondLst>
-                              <p:cond delay="0"/>
+                              <p:cond delay="1000"/>
                             </p:stCondLst>
                             <p:childTnLst>
                               <p:par>
-                                <p:cTn id="12" presetID="10" presetClass="entr" presetSubtype="0" fill="hold" grpId="0" nodeType="clickEffect">
+                                <p:cTn id="11" presetID="10" presetClass="entr" presetSubtype="0" fill="hold" grpId="0" nodeType="afterEffect">
                                   <p:stCondLst>
                                     <p:cond delay="0"/>
                                   </p:stCondLst>
                                   <p:childTnLst>
                                     <p:set>
                                       <p:cBhvr>
-                                        <p:cTn id="13" dur="1" fill="hold">
+                                        <p:cTn id="12" dur="1" fill="hold">
                                           <p:stCondLst>
                                             <p:cond delay="0"/>
                                           </p:stCondLst>
@@ -8516,7 +8956,7 @@
                                     </p:set>
                                     <p:animEffect transition="in" filter="fade">
                                       <p:cBhvr>
-                                        <p:cTn id="14" dur="500"/>
+                                        <p:cTn id="13" dur="1000"/>
                                         <p:tgtEl>
                                           <p:spTgt spid="3">
                                             <p:txEl>
@@ -9315,6 +9755,9 @@
                     <p:cTn id="3" fill="hold">
                       <p:stCondLst>
                         <p:cond delay="indefinite"/>
+                        <p:cond evt="onBegin" delay="0">
+                          <p:tn val="2"/>
+                        </p:cond>
                       </p:stCondLst>
                       <p:childTnLst>
                         <p:par>
@@ -9324,7 +9767,7 @@
                             </p:stCondLst>
                             <p:childTnLst>
                               <p:par>
-                                <p:cTn id="5" presetID="42" presetClass="entr" presetSubtype="0" fill="hold" grpId="0" nodeType="clickEffect">
+                                <p:cTn id="5" presetID="42" presetClass="entr" presetSubtype="0" fill="hold" grpId="0" nodeType="withEffect">
                                   <p:stCondLst>
                                     <p:cond delay="0"/>
                                   </p:stCondLst>
@@ -9407,30 +9850,21 @@
                             </p:childTnLst>
                           </p:cTn>
                         </p:par>
-                      </p:childTnLst>
-                    </p:cTn>
-                  </p:par>
-                  <p:par>
-                    <p:cTn id="10" fill="hold">
-                      <p:stCondLst>
-                        <p:cond delay="indefinite"/>
-                      </p:stCondLst>
-                      <p:childTnLst>
                         <p:par>
-                          <p:cTn id="11" fill="hold">
+                          <p:cTn id="10" fill="hold">
                             <p:stCondLst>
-                              <p:cond delay="0"/>
+                              <p:cond delay="1000"/>
                             </p:stCondLst>
                             <p:childTnLst>
                               <p:par>
-                                <p:cTn id="12" presetID="10" presetClass="entr" presetSubtype="0" fill="hold" grpId="0" nodeType="clickEffect">
+                                <p:cTn id="11" presetID="10" presetClass="entr" presetSubtype="0" fill="hold" grpId="0" nodeType="afterEffect">
                                   <p:stCondLst>
                                     <p:cond delay="0"/>
                                   </p:stCondLst>
                                   <p:childTnLst>
                                     <p:set>
                                       <p:cBhvr>
-                                        <p:cTn id="13" dur="1" fill="hold">
+                                        <p:cTn id="12" dur="1" fill="hold">
                                           <p:stCondLst>
                                             <p:cond delay="0"/>
                                           </p:stCondLst>
@@ -9452,7 +9886,7 @@
                                     </p:set>
                                     <p:animEffect transition="in" filter="fade">
                                       <p:cBhvr>
-                                        <p:cTn id="14" dur="500"/>
+                                        <p:cTn id="13" dur="1000"/>
                                         <p:tgtEl>
                                           <p:spTgt spid="3">
                                             <p:txEl>
@@ -9557,10 +9991,10 @@
       </p:sp>
       <p:sp>
         <p:nvSpPr>
-          <p:cNvPr id="5" name="四角形: 角を丸くする 4">
-            <a:extLst>
-              <a:ext uri="{FF2B5EF4-FFF2-40B4-BE49-F238E27FC236}">
-                <a16:creationId xmlns:a16="http://schemas.microsoft.com/office/drawing/2014/main" id="{2B582CD8-62CF-4588-B6C7-4F43ABC16112}"/>
+          <p:cNvPr id="3" name="正方形/長方形 2">
+            <a:extLst>
+              <a:ext uri="{FF2B5EF4-FFF2-40B4-BE49-F238E27FC236}">
+                <a16:creationId xmlns:a16="http://schemas.microsoft.com/office/drawing/2014/main" id="{1AE60E65-20E1-43F8-A6BE-254C12258F5F}"/>
               </a:ext>
             </a:extLst>
           </p:cNvPr>
@@ -9569,8 +10003,781 @@
         </p:nvSpPr>
         <p:spPr>
           <a:xfrm>
-            <a:off x="464457" y="420914"/>
-            <a:ext cx="5651530" cy="812800"/>
+            <a:off x="522514" y="236376"/>
+            <a:ext cx="4771053" cy="5218922"/>
+          </a:xfrm>
+          <a:prstGeom prst="rect">
+            <a:avLst/>
+          </a:prstGeom>
+          <a:solidFill>
+            <a:schemeClr val="bg1"/>
+          </a:solidFill>
+          <a:ln>
+            <a:solidFill>
+              <a:srgbClr val="EA2D3D"/>
+            </a:solidFill>
+          </a:ln>
+        </p:spPr>
+        <p:style>
+          <a:lnRef idx="2">
+            <a:schemeClr val="accent1">
+              <a:shade val="50000"/>
+            </a:schemeClr>
+          </a:lnRef>
+          <a:fillRef idx="1">
+            <a:schemeClr val="accent1"/>
+          </a:fillRef>
+          <a:effectRef idx="0">
+            <a:schemeClr val="accent1"/>
+          </a:effectRef>
+          <a:fontRef idx="minor">
+            <a:schemeClr val="lt1"/>
+          </a:fontRef>
+        </p:style>
+        <p:txBody>
+          <a:bodyPr rtlCol="0" anchor="ctr"/>
+          <a:lstStyle/>
+          <a:p>
+            <a:pPr algn="ctr"/>
+            <a:endParaRPr kumimoji="1" lang="ja-JP" altLang="en-US"/>
+          </a:p>
+        </p:txBody>
+      </p:sp>
+      <p:sp>
+        <p:nvSpPr>
+          <p:cNvPr id="4" name="四角形: 角を丸くする 3">
+            <a:extLst>
+              <a:ext uri="{FF2B5EF4-FFF2-40B4-BE49-F238E27FC236}">
+                <a16:creationId xmlns:a16="http://schemas.microsoft.com/office/drawing/2014/main" id="{1EF1C6BB-F8E5-4125-95CA-B359A9B54BCA}"/>
+              </a:ext>
+            </a:extLst>
+          </p:cNvPr>
+          <p:cNvSpPr/>
+          <p:nvPr/>
+        </p:nvSpPr>
+        <p:spPr>
+          <a:xfrm>
+            <a:off x="1710613" y="4354286"/>
+            <a:ext cx="2457061" cy="765110"/>
+          </a:xfrm>
+          <a:prstGeom prst="roundRect">
+            <a:avLst/>
+          </a:prstGeom>
+        </p:spPr>
+        <p:style>
+          <a:lnRef idx="2">
+            <a:schemeClr val="accent1">
+              <a:shade val="50000"/>
+            </a:schemeClr>
+          </a:lnRef>
+          <a:fillRef idx="1">
+            <a:schemeClr val="accent1"/>
+          </a:fillRef>
+          <a:effectRef idx="0">
+            <a:schemeClr val="accent1"/>
+          </a:effectRef>
+          <a:fontRef idx="minor">
+            <a:schemeClr val="lt1"/>
+          </a:fontRef>
+        </p:style>
+        <p:txBody>
+          <a:bodyPr rtlCol="0" anchor="ctr"/>
+          <a:lstStyle/>
+          <a:p>
+            <a:pPr algn="ctr"/>
+            <a:r>
+              <a:rPr kumimoji="1" lang="en-US" altLang="ja-JP" sz="3200" dirty="0"/>
+              <a:t>PUSH</a:t>
+            </a:r>
+            <a:endParaRPr kumimoji="1" lang="ja-JP" altLang="en-US" sz="3200" dirty="0"/>
+          </a:p>
+        </p:txBody>
+      </p:sp>
+      <p:sp>
+        <p:nvSpPr>
+          <p:cNvPr id="12" name="四角形: 角を丸くする 11">
+            <a:extLst>
+              <a:ext uri="{FF2B5EF4-FFF2-40B4-BE49-F238E27FC236}">
+                <a16:creationId xmlns:a16="http://schemas.microsoft.com/office/drawing/2014/main" id="{0F66DD5A-15E4-47F5-9606-63F730378432}"/>
+              </a:ext>
+            </a:extLst>
+          </p:cNvPr>
+          <p:cNvSpPr/>
+          <p:nvPr/>
+        </p:nvSpPr>
+        <p:spPr>
+          <a:xfrm rot="19970948">
+            <a:off x="1103592" y="2128716"/>
+            <a:ext cx="1245141" cy="605784"/>
+          </a:xfrm>
+          <a:prstGeom prst="roundRect">
+            <a:avLst/>
+          </a:prstGeom>
+          <a:solidFill>
+            <a:srgbClr val="B3202C"/>
+          </a:solidFill>
+        </p:spPr>
+        <p:style>
+          <a:lnRef idx="2">
+            <a:schemeClr val="accent1">
+              <a:shade val="50000"/>
+            </a:schemeClr>
+          </a:lnRef>
+          <a:fillRef idx="1">
+            <a:schemeClr val="accent1"/>
+          </a:fillRef>
+          <a:effectRef idx="0">
+            <a:schemeClr val="accent1"/>
+          </a:effectRef>
+          <a:fontRef idx="minor">
+            <a:schemeClr val="lt1"/>
+          </a:fontRef>
+        </p:style>
+        <p:txBody>
+          <a:bodyPr rtlCol="0" anchor="ctr"/>
+          <a:lstStyle/>
+          <a:p>
+            <a:pPr algn="ctr"/>
+            <a:r>
+              <a:rPr kumimoji="1" lang="en-US" altLang="ja-JP" sz="2800" dirty="0"/>
+              <a:t>PUSH</a:t>
+            </a:r>
+            <a:endParaRPr kumimoji="1" lang="ja-JP" altLang="en-US" sz="2800" dirty="0"/>
+          </a:p>
+        </p:txBody>
+      </p:sp>
+      <p:sp>
+        <p:nvSpPr>
+          <p:cNvPr id="13" name="四角形: 角を丸くする 12">
+            <a:extLst>
+              <a:ext uri="{FF2B5EF4-FFF2-40B4-BE49-F238E27FC236}">
+                <a16:creationId xmlns:a16="http://schemas.microsoft.com/office/drawing/2014/main" id="{BA252179-5539-409E-9D8B-3B6023DEA8A7}"/>
+              </a:ext>
+            </a:extLst>
+          </p:cNvPr>
+          <p:cNvSpPr/>
+          <p:nvPr/>
+        </p:nvSpPr>
+        <p:spPr>
+          <a:xfrm rot="1132723">
+            <a:off x="3455436" y="690467"/>
+            <a:ext cx="1601755" cy="640702"/>
+          </a:xfrm>
+          <a:prstGeom prst="roundRect">
+            <a:avLst/>
+          </a:prstGeom>
+          <a:solidFill>
+            <a:schemeClr val="accent2"/>
+          </a:solidFill>
+        </p:spPr>
+        <p:style>
+          <a:lnRef idx="2">
+            <a:schemeClr val="accent1">
+              <a:shade val="50000"/>
+            </a:schemeClr>
+          </a:lnRef>
+          <a:fillRef idx="1">
+            <a:schemeClr val="accent1"/>
+          </a:fillRef>
+          <a:effectRef idx="0">
+            <a:schemeClr val="accent1"/>
+          </a:effectRef>
+          <a:fontRef idx="minor">
+            <a:schemeClr val="lt1"/>
+          </a:fontRef>
+        </p:style>
+        <p:txBody>
+          <a:bodyPr rtlCol="0" anchor="ctr"/>
+          <a:lstStyle/>
+          <a:p>
+            <a:pPr algn="ctr"/>
+            <a:r>
+              <a:rPr kumimoji="1" lang="en-US" altLang="ja-JP" sz="3200" dirty="0"/>
+              <a:t>PUSH</a:t>
+            </a:r>
+            <a:endParaRPr kumimoji="1" lang="ja-JP" altLang="en-US" sz="3200" dirty="0"/>
+          </a:p>
+        </p:txBody>
+      </p:sp>
+      <p:sp>
+        <p:nvSpPr>
+          <p:cNvPr id="14" name="正方形/長方形 13">
+            <a:extLst>
+              <a:ext uri="{FF2B5EF4-FFF2-40B4-BE49-F238E27FC236}">
+                <a16:creationId xmlns:a16="http://schemas.microsoft.com/office/drawing/2014/main" id="{C13906B0-E9BB-481C-8C3F-FB3CEAE6559C}"/>
+              </a:ext>
+            </a:extLst>
+          </p:cNvPr>
+          <p:cNvSpPr/>
+          <p:nvPr/>
+        </p:nvSpPr>
+        <p:spPr>
+          <a:xfrm>
+            <a:off x="933062" y="753765"/>
+            <a:ext cx="1384377" cy="615821"/>
+          </a:xfrm>
+          <a:prstGeom prst="rect">
+            <a:avLst/>
+          </a:prstGeom>
+          <a:solidFill>
+            <a:srgbClr val="7030A0"/>
+          </a:solidFill>
+        </p:spPr>
+        <p:style>
+          <a:lnRef idx="2">
+            <a:schemeClr val="accent1">
+              <a:shade val="50000"/>
+            </a:schemeClr>
+          </a:lnRef>
+          <a:fillRef idx="1">
+            <a:schemeClr val="accent1"/>
+          </a:fillRef>
+          <a:effectRef idx="0">
+            <a:schemeClr val="accent1"/>
+          </a:effectRef>
+          <a:fontRef idx="minor">
+            <a:schemeClr val="lt1"/>
+          </a:fontRef>
+        </p:style>
+        <p:txBody>
+          <a:bodyPr rtlCol="0" anchor="ctr"/>
+          <a:lstStyle/>
+          <a:p>
+            <a:pPr algn="ctr"/>
+            <a:r>
+              <a:rPr kumimoji="1" lang="en-US" altLang="ja-JP" sz="2400" dirty="0"/>
+              <a:t>PUSH</a:t>
+            </a:r>
+            <a:endParaRPr kumimoji="1" lang="ja-JP" altLang="en-US" sz="2400" dirty="0"/>
+          </a:p>
+        </p:txBody>
+      </p:sp>
+      <p:sp>
+        <p:nvSpPr>
+          <p:cNvPr id="15" name="楕円 14">
+            <a:extLst>
+              <a:ext uri="{FF2B5EF4-FFF2-40B4-BE49-F238E27FC236}">
+                <a16:creationId xmlns:a16="http://schemas.microsoft.com/office/drawing/2014/main" id="{24712809-39AB-4280-947F-A59C3810DDBE}"/>
+              </a:ext>
+            </a:extLst>
+          </p:cNvPr>
+          <p:cNvSpPr/>
+          <p:nvPr/>
+        </p:nvSpPr>
+        <p:spPr>
+          <a:xfrm>
+            <a:off x="3331029" y="1944225"/>
+            <a:ext cx="1673290" cy="765110"/>
+          </a:xfrm>
+          <a:prstGeom prst="ellipse">
+            <a:avLst/>
+          </a:prstGeom>
+          <a:solidFill>
+            <a:srgbClr val="00B050"/>
+          </a:solidFill>
+        </p:spPr>
+        <p:style>
+          <a:lnRef idx="2">
+            <a:schemeClr val="accent1">
+              <a:shade val="50000"/>
+            </a:schemeClr>
+          </a:lnRef>
+          <a:fillRef idx="1">
+            <a:schemeClr val="accent1"/>
+          </a:fillRef>
+          <a:effectRef idx="0">
+            <a:schemeClr val="accent1"/>
+          </a:effectRef>
+          <a:fontRef idx="minor">
+            <a:schemeClr val="lt1"/>
+          </a:fontRef>
+        </p:style>
+        <p:txBody>
+          <a:bodyPr rtlCol="0" anchor="ctr"/>
+          <a:lstStyle/>
+          <a:p>
+            <a:pPr algn="ctr"/>
+            <a:r>
+              <a:rPr kumimoji="1" lang="en-US" altLang="ja-JP" sz="2400" dirty="0"/>
+              <a:t>PUSH</a:t>
+            </a:r>
+          </a:p>
+        </p:txBody>
+      </p:sp>
+      <p:sp>
+        <p:nvSpPr>
+          <p:cNvPr id="16" name="テキスト ボックス 15">
+            <a:extLst>
+              <a:ext uri="{FF2B5EF4-FFF2-40B4-BE49-F238E27FC236}">
+                <a16:creationId xmlns:a16="http://schemas.microsoft.com/office/drawing/2014/main" id="{FC25952E-1DD2-48F6-A505-243D11516271}"/>
+              </a:ext>
+            </a:extLst>
+          </p:cNvPr>
+          <p:cNvSpPr txBox="1"/>
+          <p:nvPr/>
+        </p:nvSpPr>
+        <p:spPr>
+          <a:xfrm>
+            <a:off x="1472062" y="3269060"/>
+            <a:ext cx="3149702" cy="830997"/>
+          </a:xfrm>
+          <a:prstGeom prst="rect">
+            <a:avLst/>
+          </a:prstGeom>
+          <a:noFill/>
+          <a:ln>
+            <a:solidFill>
+              <a:srgbClr val="DC143C"/>
+            </a:solidFill>
+          </a:ln>
+        </p:spPr>
+        <p:txBody>
+          <a:bodyPr wrap="square" rtlCol="0">
+            <a:spAutoFit/>
+          </a:bodyPr>
+          <a:lstStyle/>
+          <a:p>
+            <a:pPr algn="ctr"/>
+            <a:r>
+              <a:rPr kumimoji="1" lang="en-US" altLang="ja-JP" sz="2400" dirty="0"/>
+              <a:t>Press the button above of red button</a:t>
+            </a:r>
+            <a:endParaRPr kumimoji="1" lang="ja-JP" altLang="en-US" sz="2400" dirty="0"/>
+          </a:p>
+        </p:txBody>
+      </p:sp>
+      <p:sp>
+        <p:nvSpPr>
+          <p:cNvPr id="17" name="正方形/長方形 16">
+            <a:extLst>
+              <a:ext uri="{FF2B5EF4-FFF2-40B4-BE49-F238E27FC236}">
+                <a16:creationId xmlns:a16="http://schemas.microsoft.com/office/drawing/2014/main" id="{DAE5068D-0516-4E93-89AE-91F47141B746}"/>
+              </a:ext>
+            </a:extLst>
+          </p:cNvPr>
+          <p:cNvSpPr/>
+          <p:nvPr/>
+        </p:nvSpPr>
+        <p:spPr>
+          <a:xfrm>
+            <a:off x="6898433" y="236376"/>
+            <a:ext cx="4771053" cy="5218922"/>
+          </a:xfrm>
+          <a:prstGeom prst="rect">
+            <a:avLst/>
+          </a:prstGeom>
+          <a:solidFill>
+            <a:schemeClr val="bg1"/>
+          </a:solidFill>
+          <a:ln>
+            <a:solidFill>
+              <a:srgbClr val="EA2D3D"/>
+            </a:solidFill>
+          </a:ln>
+        </p:spPr>
+        <p:style>
+          <a:lnRef idx="2">
+            <a:schemeClr val="accent1">
+              <a:shade val="50000"/>
+            </a:schemeClr>
+          </a:lnRef>
+          <a:fillRef idx="1">
+            <a:schemeClr val="accent1"/>
+          </a:fillRef>
+          <a:effectRef idx="0">
+            <a:schemeClr val="accent1"/>
+          </a:effectRef>
+          <a:fontRef idx="minor">
+            <a:schemeClr val="lt1"/>
+          </a:fontRef>
+        </p:style>
+        <p:txBody>
+          <a:bodyPr rtlCol="0" anchor="ctr"/>
+          <a:lstStyle/>
+          <a:p>
+            <a:pPr algn="ctr"/>
+            <a:endParaRPr kumimoji="1" lang="ja-JP" altLang="en-US"/>
+          </a:p>
+        </p:txBody>
+      </p:sp>
+      <p:sp>
+        <p:nvSpPr>
+          <p:cNvPr id="18" name="四角形: 角を丸くする 17">
+            <a:extLst>
+              <a:ext uri="{FF2B5EF4-FFF2-40B4-BE49-F238E27FC236}">
+                <a16:creationId xmlns:a16="http://schemas.microsoft.com/office/drawing/2014/main" id="{B8D1667F-A930-48D0-8687-D83273E2F91F}"/>
+              </a:ext>
+            </a:extLst>
+          </p:cNvPr>
+          <p:cNvSpPr/>
+          <p:nvPr/>
+        </p:nvSpPr>
+        <p:spPr>
+          <a:xfrm>
+            <a:off x="8086532" y="4354286"/>
+            <a:ext cx="2457061" cy="765110"/>
+          </a:xfrm>
+          <a:prstGeom prst="roundRect">
+            <a:avLst/>
+          </a:prstGeom>
+        </p:spPr>
+        <p:style>
+          <a:lnRef idx="2">
+            <a:schemeClr val="accent1">
+              <a:shade val="50000"/>
+            </a:schemeClr>
+          </a:lnRef>
+          <a:fillRef idx="1">
+            <a:schemeClr val="accent1"/>
+          </a:fillRef>
+          <a:effectRef idx="0">
+            <a:schemeClr val="accent1"/>
+          </a:effectRef>
+          <a:fontRef idx="minor">
+            <a:schemeClr val="lt1"/>
+          </a:fontRef>
+        </p:style>
+        <p:txBody>
+          <a:bodyPr rtlCol="0" anchor="ctr"/>
+          <a:lstStyle/>
+          <a:p>
+            <a:pPr algn="ctr"/>
+            <a:r>
+              <a:rPr kumimoji="1" lang="en-US" altLang="ja-JP" sz="3200" dirty="0"/>
+              <a:t>PUSH</a:t>
+            </a:r>
+            <a:endParaRPr kumimoji="1" lang="ja-JP" altLang="en-US" sz="3200" dirty="0"/>
+          </a:p>
+        </p:txBody>
+      </p:sp>
+      <p:sp>
+        <p:nvSpPr>
+          <p:cNvPr id="23" name="テキスト ボックス 22">
+            <a:extLst>
+              <a:ext uri="{FF2B5EF4-FFF2-40B4-BE49-F238E27FC236}">
+                <a16:creationId xmlns:a16="http://schemas.microsoft.com/office/drawing/2014/main" id="{411B6065-7C97-4ACF-86B3-91341668D892}"/>
+              </a:ext>
+            </a:extLst>
+          </p:cNvPr>
+          <p:cNvSpPr txBox="1"/>
+          <p:nvPr/>
+        </p:nvSpPr>
+        <p:spPr>
+          <a:xfrm>
+            <a:off x="7816879" y="3638392"/>
+            <a:ext cx="3149702" cy="461665"/>
+          </a:xfrm>
+          <a:prstGeom prst="rect">
+            <a:avLst/>
+          </a:prstGeom>
+          <a:noFill/>
+          <a:ln>
+            <a:solidFill>
+              <a:srgbClr val="DC143C"/>
+            </a:solidFill>
+          </a:ln>
+        </p:spPr>
+        <p:txBody>
+          <a:bodyPr wrap="square" rtlCol="0">
+            <a:spAutoFit/>
+          </a:bodyPr>
+          <a:lstStyle/>
+          <a:p>
+            <a:pPr algn="ctr"/>
+            <a:r>
+              <a:rPr kumimoji="1" lang="en-US" altLang="ja-JP" sz="2400" dirty="0"/>
+              <a:t>Press the button</a:t>
+            </a:r>
+            <a:endParaRPr kumimoji="1" lang="ja-JP" altLang="en-US" sz="2400" dirty="0"/>
+          </a:p>
+        </p:txBody>
+      </p:sp>
+      <p:sp>
+        <p:nvSpPr>
+          <p:cNvPr id="24" name="楕円 23">
+            <a:extLst>
+              <a:ext uri="{FF2B5EF4-FFF2-40B4-BE49-F238E27FC236}">
+                <a16:creationId xmlns:a16="http://schemas.microsoft.com/office/drawing/2014/main" id="{DC023382-BD96-4B99-B4CE-FF709E763E06}"/>
+              </a:ext>
+            </a:extLst>
+          </p:cNvPr>
+          <p:cNvSpPr/>
+          <p:nvPr/>
+        </p:nvSpPr>
+        <p:spPr>
+          <a:xfrm>
+            <a:off x="2475243" y="1326962"/>
+            <a:ext cx="1289257" cy="615821"/>
+          </a:xfrm>
+          <a:prstGeom prst="ellipse">
+            <a:avLst/>
+          </a:prstGeom>
+          <a:solidFill>
+            <a:schemeClr val="accent6">
+              <a:lumMod val="50000"/>
+            </a:schemeClr>
+          </a:solidFill>
+        </p:spPr>
+        <p:style>
+          <a:lnRef idx="2">
+            <a:schemeClr val="accent1">
+              <a:shade val="50000"/>
+            </a:schemeClr>
+          </a:lnRef>
+          <a:fillRef idx="1">
+            <a:schemeClr val="accent1"/>
+          </a:fillRef>
+          <a:effectRef idx="0">
+            <a:schemeClr val="accent1"/>
+          </a:effectRef>
+          <a:fontRef idx="minor">
+            <a:schemeClr val="lt1"/>
+          </a:fontRef>
+        </p:style>
+        <p:txBody>
+          <a:bodyPr rtlCol="0" anchor="ctr"/>
+          <a:lstStyle/>
+          <a:p>
+            <a:pPr algn="ctr"/>
+            <a:r>
+              <a:rPr kumimoji="1" lang="en-US" altLang="ja-JP" sz="2000" dirty="0"/>
+              <a:t>PUSH</a:t>
+            </a:r>
+          </a:p>
+        </p:txBody>
+      </p:sp>
+      <p:sp>
+        <p:nvSpPr>
+          <p:cNvPr id="25" name="正方形/長方形 24">
+            <a:extLst>
+              <a:ext uri="{FF2B5EF4-FFF2-40B4-BE49-F238E27FC236}">
+                <a16:creationId xmlns:a16="http://schemas.microsoft.com/office/drawing/2014/main" id="{C2B965DC-1ACC-4A99-8C7C-3AA5A6523EE9}"/>
+              </a:ext>
+            </a:extLst>
+          </p:cNvPr>
+          <p:cNvSpPr/>
+          <p:nvPr/>
+        </p:nvSpPr>
+        <p:spPr>
+          <a:xfrm>
+            <a:off x="3651861" y="1524000"/>
+            <a:ext cx="5112694" cy="1978153"/>
+          </a:xfrm>
+          <a:prstGeom prst="rect">
+            <a:avLst/>
+          </a:prstGeom>
+          <a:solidFill>
+            <a:srgbClr val="EA2D3D">
+              <a:alpha val="91000"/>
+            </a:srgbClr>
+          </a:solidFill>
+        </p:spPr>
+        <p:style>
+          <a:lnRef idx="2">
+            <a:schemeClr val="accent1">
+              <a:shade val="50000"/>
+            </a:schemeClr>
+          </a:lnRef>
+          <a:fillRef idx="1">
+            <a:schemeClr val="accent1"/>
+          </a:fillRef>
+          <a:effectRef idx="0">
+            <a:schemeClr val="accent1"/>
+          </a:effectRef>
+          <a:fontRef idx="minor">
+            <a:schemeClr val="lt1"/>
+          </a:fontRef>
+        </p:style>
+        <p:txBody>
+          <a:bodyPr rtlCol="0" anchor="ctr"/>
+          <a:lstStyle/>
+          <a:p>
+            <a:pPr algn="ctr"/>
+            <a:r>
+              <a:rPr lang="en-US" altLang="ja-JP" sz="3600" dirty="0"/>
+              <a:t>Which design is</a:t>
+            </a:r>
+          </a:p>
+          <a:p>
+            <a:pPr algn="ctr"/>
+            <a:r>
+              <a:rPr lang="en-US" altLang="ja-JP" sz="3600" dirty="0"/>
+              <a:t>User Friendly?</a:t>
+            </a:r>
+            <a:endParaRPr kumimoji="1" lang="ja-JP" altLang="en-US" sz="3600" dirty="0"/>
+          </a:p>
+        </p:txBody>
+      </p:sp>
+    </p:spTree>
+    <p:extLst>
+      <p:ext uri="{BB962C8B-B14F-4D97-AF65-F5344CB8AC3E}">
+        <p14:creationId xmlns:p14="http://schemas.microsoft.com/office/powerpoint/2010/main" val="1940908106"/>
+      </p:ext>
+    </p:extLst>
+  </p:cSld>
+  <p:clrMapOvr>
+    <a:masterClrMapping/>
+  </p:clrMapOvr>
+  <p:timing>
+    <p:tnLst>
+      <p:par>
+        <p:cTn id="1" dur="indefinite" restart="never" nodeType="tmRoot">
+          <p:childTnLst>
+            <p:seq concurrent="1" nextAc="seek">
+              <p:cTn id="2" dur="indefinite" nodeType="mainSeq">
+                <p:childTnLst>
+                  <p:par>
+                    <p:cTn id="3" fill="hold">
+                      <p:stCondLst>
+                        <p:cond delay="indefinite"/>
+                      </p:stCondLst>
+                      <p:childTnLst>
+                        <p:par>
+                          <p:cTn id="4" fill="hold">
+                            <p:stCondLst>
+                              <p:cond delay="0"/>
+                            </p:stCondLst>
+                            <p:childTnLst>
+                              <p:par>
+                                <p:cTn id="5" presetID="10" presetClass="entr" presetSubtype="0" fill="hold" grpId="0" nodeType="clickEffect">
+                                  <p:stCondLst>
+                                    <p:cond delay="0"/>
+                                  </p:stCondLst>
+                                  <p:childTnLst>
+                                    <p:set>
+                                      <p:cBhvr>
+                                        <p:cTn id="6" dur="1" fill="hold">
+                                          <p:stCondLst>
+                                            <p:cond delay="0"/>
+                                          </p:stCondLst>
+                                        </p:cTn>
+                                        <p:tgtEl>
+                                          <p:spTgt spid="25"/>
+                                        </p:tgtEl>
+                                        <p:attrNameLst>
+                                          <p:attrName>style.visibility</p:attrName>
+                                        </p:attrNameLst>
+                                      </p:cBhvr>
+                                      <p:to>
+                                        <p:strVal val="visible"/>
+                                      </p:to>
+                                    </p:set>
+                                    <p:animEffect transition="in" filter="fade">
+                                      <p:cBhvr>
+                                        <p:cTn id="7" dur="500"/>
+                                        <p:tgtEl>
+                                          <p:spTgt spid="25"/>
+                                        </p:tgtEl>
+                                      </p:cBhvr>
+                                    </p:animEffect>
+                                  </p:childTnLst>
+                                </p:cTn>
+                              </p:par>
+                            </p:childTnLst>
+                          </p:cTn>
+                        </p:par>
+                      </p:childTnLst>
+                    </p:cTn>
+                  </p:par>
+                </p:childTnLst>
+              </p:cTn>
+              <p:prevCondLst>
+                <p:cond evt="onPrev" delay="0">
+                  <p:tgtEl>
+                    <p:sldTgt/>
+                  </p:tgtEl>
+                </p:cond>
+              </p:prevCondLst>
+              <p:nextCondLst>
+                <p:cond evt="onNext" delay="0">
+                  <p:tgtEl>
+                    <p:sldTgt/>
+                  </p:tgtEl>
+                </p:cond>
+              </p:nextCondLst>
+            </p:seq>
+          </p:childTnLst>
+        </p:cTn>
+      </p:par>
+    </p:tnLst>
+    <p:bldLst>
+      <p:bldP spid="25" grpId="0" animBg="1"/>
+    </p:bldLst>
+  </p:timing>
+</p:sld>
+</file>
+
+<file path=ppt/slides/slide7.xml><?xml version="1.0" encoding="utf-8"?>
+<p:sld xmlns:a="http://schemas.openxmlformats.org/drawingml/2006/main" xmlns:r="http://schemas.openxmlformats.org/officeDocument/2006/relationships" xmlns:p="http://schemas.openxmlformats.org/presentationml/2006/main">
+  <p:cSld>
+    <p:spTree>
+      <p:nvGrpSpPr>
+        <p:cNvPr id="1" name=""/>
+        <p:cNvGrpSpPr/>
+        <p:nvPr/>
+      </p:nvGrpSpPr>
+      <p:grpSpPr>
+        <a:xfrm>
+          <a:off x="0" y="0"/>
+          <a:ext cx="0" cy="0"/>
+          <a:chOff x="0" y="0"/>
+          <a:chExt cx="0" cy="0"/>
+        </a:xfrm>
+      </p:grpSpPr>
+      <p:sp>
+        <p:nvSpPr>
+          <p:cNvPr id="2" name="タイトル 1">
+            <a:extLst>
+              <a:ext uri="{FF2B5EF4-FFF2-40B4-BE49-F238E27FC236}">
+                <a16:creationId xmlns:a16="http://schemas.microsoft.com/office/drawing/2014/main" id="{1C8C6BC2-548D-4F60-8CE8-798B20A81282}"/>
+              </a:ext>
+            </a:extLst>
+          </p:cNvPr>
+          <p:cNvSpPr>
+            <a:spLocks noGrp="1"/>
+          </p:cNvSpPr>
+          <p:nvPr>
+            <p:ph type="title"/>
+          </p:nvPr>
+        </p:nvSpPr>
+        <p:spPr>
+          <a:xfrm>
+            <a:off x="202263" y="5831174"/>
+            <a:ext cx="10515600" cy="1026826"/>
+          </a:xfrm>
+        </p:spPr>
+        <p:txBody>
+          <a:bodyPr/>
+          <a:lstStyle/>
+          <a:p>
+            <a:r>
+              <a:rPr kumimoji="1" lang="en-US" altLang="ja-JP" dirty="0"/>
+              <a:t>2. Current Proble</a:t>
+            </a:r>
+            <a:r>
+              <a:rPr lang="en-US" altLang="ja-JP" dirty="0"/>
+              <a:t>ms</a:t>
+            </a:r>
+            <a:endParaRPr kumimoji="1" lang="ja-JP" altLang="en-US" dirty="0"/>
+          </a:p>
+        </p:txBody>
+      </p:sp>
+      <p:sp>
+        <p:nvSpPr>
+          <p:cNvPr id="5" name="四角形: 角を丸くする 4">
+            <a:extLst>
+              <a:ext uri="{FF2B5EF4-FFF2-40B4-BE49-F238E27FC236}">
+                <a16:creationId xmlns:a16="http://schemas.microsoft.com/office/drawing/2014/main" id="{2B582CD8-62CF-4588-B6C7-4F43ABC16112}"/>
+              </a:ext>
+            </a:extLst>
+          </p:cNvPr>
+          <p:cNvSpPr/>
+          <p:nvPr/>
+        </p:nvSpPr>
+        <p:spPr>
+          <a:xfrm>
+            <a:off x="386762" y="305631"/>
+            <a:ext cx="6498132" cy="812800"/>
           </a:xfrm>
           <a:prstGeom prst="roundRect">
             <a:avLst/>
@@ -9600,7 +10807,7 @@
           <a:lstStyle/>
           <a:p>
             <a:r>
-              <a:rPr lang="en-US" altLang="ja-JP" sz="2400" dirty="0">
+              <a:rPr lang="en-US" altLang="ja-JP" sz="2800" dirty="0">
                 <a:effectLst>
                   <a:outerShdw blurRad="38100" dist="38100" dir="2700000" algn="tl">
                     <a:srgbClr val="000000">
@@ -9612,7 +10819,7 @@
               <a:t>Current Problems of “Rakuten </a:t>
             </a:r>
             <a:r>
-              <a:rPr lang="en-US" altLang="ja-JP" sz="2400" dirty="0" err="1">
+              <a:rPr lang="en-US" altLang="ja-JP" sz="2800" dirty="0" err="1">
                 <a:effectLst>
                   <a:outerShdw blurRad="38100" dist="38100" dir="2700000" algn="tl">
                     <a:srgbClr val="000000">
@@ -9624,7 +10831,7 @@
               <a:t>Ichiba</a:t>
             </a:r>
             <a:r>
-              <a:rPr lang="en-US" altLang="ja-JP" sz="2400" dirty="0">
+              <a:rPr lang="en-US" altLang="ja-JP" sz="2800" dirty="0">
                 <a:effectLst>
                   <a:outerShdw blurRad="38100" dist="38100" dir="2700000" algn="tl">
                     <a:srgbClr val="000000">
@@ -9635,7 +10842,7 @@
               </a:rPr>
               <a:t>”</a:t>
             </a:r>
-            <a:endParaRPr lang="ja-JP" altLang="en-US" sz="2400" dirty="0">
+            <a:endParaRPr lang="ja-JP" altLang="en-US" sz="2800" dirty="0">
               <a:effectLst>
                 <a:outerShdw blurRad="38100" dist="38100" dir="2700000" algn="tl">
                   <a:srgbClr val="000000">
@@ -9800,8 +11007,8 @@
         </p:nvSpPr>
         <p:spPr>
           <a:xfrm>
-            <a:off x="7152597" y="992025"/>
-            <a:ext cx="1319592" cy="369332"/>
+            <a:off x="7152597" y="916729"/>
+            <a:ext cx="1699504" cy="461665"/>
           </a:xfrm>
           <a:prstGeom prst="rect">
             <a:avLst/>
@@ -9820,10 +11027,10 @@
           <a:lstStyle/>
           <a:p>
             <a:r>
-              <a:rPr kumimoji="1" lang="en-US" altLang="ja-JP" dirty="0"/>
+              <a:rPr kumimoji="1" lang="en-US" altLang="ja-JP" sz="2400" dirty="0"/>
               <a:t>Same item</a:t>
             </a:r>
-            <a:endParaRPr kumimoji="1" lang="ja-JP" altLang="en-US"/>
+            <a:endParaRPr kumimoji="1" lang="ja-JP" altLang="en-US" sz="2400" dirty="0"/>
           </a:p>
         </p:txBody>
       </p:sp>
@@ -9948,7 +11155,7 @@
 </p:sld>
 </file>
 
-<file path=ppt/slides/slide7.xml><?xml version="1.0" encoding="utf-8"?>
+<file path=ppt/slides/slide8.xml><?xml version="1.0" encoding="utf-8"?>
 <p:sld xmlns:a="http://schemas.openxmlformats.org/drawingml/2006/main" xmlns:r="http://schemas.openxmlformats.org/officeDocument/2006/relationships" xmlns:p="http://schemas.openxmlformats.org/presentationml/2006/main">
   <p:cSld>
     <p:spTree>
@@ -10082,6 +11289,9 @@
                     <p:cTn id="3" fill="hold">
                       <p:stCondLst>
                         <p:cond delay="indefinite"/>
+                        <p:cond evt="onBegin" delay="0">
+                          <p:tn val="2"/>
+                        </p:cond>
                       </p:stCondLst>
                       <p:childTnLst>
                         <p:par>
@@ -10091,7 +11301,7 @@
                             </p:stCondLst>
                             <p:childTnLst>
                               <p:par>
-                                <p:cTn id="5" presetID="42" presetClass="entr" presetSubtype="0" fill="hold" grpId="0" nodeType="clickEffect">
+                                <p:cTn id="5" presetID="42" presetClass="entr" presetSubtype="0" fill="hold" grpId="0" nodeType="withEffect">
                                   <p:stCondLst>
                                     <p:cond delay="0"/>
                                   </p:stCondLst>
@@ -10174,30 +11384,21 @@
                             </p:childTnLst>
                           </p:cTn>
                         </p:par>
-                      </p:childTnLst>
-                    </p:cTn>
-                  </p:par>
-                  <p:par>
-                    <p:cTn id="10" fill="hold">
-                      <p:stCondLst>
-                        <p:cond delay="indefinite"/>
-                      </p:stCondLst>
-                      <p:childTnLst>
                         <p:par>
-                          <p:cTn id="11" fill="hold">
+                          <p:cTn id="10" fill="hold">
                             <p:stCondLst>
-                              <p:cond delay="0"/>
+                              <p:cond delay="1000"/>
                             </p:stCondLst>
                             <p:childTnLst>
                               <p:par>
-                                <p:cTn id="12" presetID="10" presetClass="entr" presetSubtype="0" fill="hold" grpId="0" nodeType="clickEffect">
+                                <p:cTn id="11" presetID="10" presetClass="entr" presetSubtype="0" fill="hold" grpId="0" nodeType="afterEffect">
                                   <p:stCondLst>
                                     <p:cond delay="0"/>
                                   </p:stCondLst>
                                   <p:childTnLst>
                                     <p:set>
                                       <p:cBhvr>
-                                        <p:cTn id="13" dur="1" fill="hold">
+                                        <p:cTn id="12" dur="1" fill="hold">
                                           <p:stCondLst>
                                             <p:cond delay="0"/>
                                           </p:stCondLst>
@@ -10219,7 +11420,7 @@
                                     </p:set>
                                     <p:animEffect transition="in" filter="fade">
                                       <p:cBhvr>
-                                        <p:cTn id="14" dur="500"/>
+                                        <p:cTn id="13" dur="1000"/>
                                         <p:tgtEl>
                                           <p:spTgt spid="3">
                                             <p:txEl>
@@ -10267,7 +11468,7 @@
 </p:sld>
 </file>
 
-<file path=ppt/slides/slide8.xml><?xml version="1.0" encoding="utf-8"?>
+<file path=ppt/slides/slide9.xml><?xml version="1.0" encoding="utf-8"?>
 <p:sld xmlns:a="http://schemas.openxmlformats.org/drawingml/2006/main" xmlns:r="http://schemas.openxmlformats.org/officeDocument/2006/relationships" xmlns:p="http://schemas.openxmlformats.org/presentationml/2006/main">
   <p:cSld>
     <p:spTree>
@@ -10458,282 +11659,6 @@
     <p:extLst>
       <p:ext uri="{BB962C8B-B14F-4D97-AF65-F5344CB8AC3E}">
         <p14:creationId xmlns:p14="http://schemas.microsoft.com/office/powerpoint/2010/main" val="2162047428"/>
-      </p:ext>
-    </p:extLst>
-  </p:cSld>
-  <p:clrMapOvr>
-    <a:masterClrMapping/>
-  </p:clrMapOvr>
-</p:sld>
-</file>
-
-<file path=ppt/slides/slide9.xml><?xml version="1.0" encoding="utf-8"?>
-<p:sld xmlns:a="http://schemas.openxmlformats.org/drawingml/2006/main" xmlns:r="http://schemas.openxmlformats.org/officeDocument/2006/relationships" xmlns:p="http://schemas.openxmlformats.org/presentationml/2006/main">
-  <p:cSld>
-    <p:spTree>
-      <p:nvGrpSpPr>
-        <p:cNvPr id="1" name=""/>
-        <p:cNvGrpSpPr/>
-        <p:nvPr/>
-      </p:nvGrpSpPr>
-      <p:grpSpPr>
-        <a:xfrm>
-          <a:off x="0" y="0"/>
-          <a:ext cx="0" cy="0"/>
-          <a:chOff x="0" y="0"/>
-          <a:chExt cx="0" cy="0"/>
-        </a:xfrm>
-      </p:grpSpPr>
-      <p:sp>
-        <p:nvSpPr>
-          <p:cNvPr id="2" name="タイトル 1">
-            <a:extLst>
-              <a:ext uri="{FF2B5EF4-FFF2-40B4-BE49-F238E27FC236}">
-                <a16:creationId xmlns:a16="http://schemas.microsoft.com/office/drawing/2014/main" id="{162BB91B-3D5F-40D6-9780-4A263D504DF7}"/>
-              </a:ext>
-            </a:extLst>
-          </p:cNvPr>
-          <p:cNvSpPr>
-            <a:spLocks noGrp="1"/>
-          </p:cNvSpPr>
-          <p:nvPr>
-            <p:ph type="title"/>
-          </p:nvPr>
-        </p:nvSpPr>
-        <p:spPr>
-          <a:xfrm>
-            <a:off x="142420" y="5786891"/>
-            <a:ext cx="11211380" cy="1002846"/>
-          </a:xfrm>
-        </p:spPr>
-        <p:txBody>
-          <a:bodyPr/>
-          <a:lstStyle/>
-          <a:p>
-            <a:r>
-              <a:rPr kumimoji="1" lang="en-US" altLang="ja-JP" dirty="0"/>
-              <a:t>3. Challenges and Solutions</a:t>
-            </a:r>
-            <a:endParaRPr kumimoji="1" lang="ja-JP" altLang="en-US" dirty="0"/>
-          </a:p>
-        </p:txBody>
-      </p:sp>
-      <p:sp>
-        <p:nvSpPr>
-          <p:cNvPr id="3" name="テキスト プレースホルダー 2">
-            <a:extLst>
-              <a:ext uri="{FF2B5EF4-FFF2-40B4-BE49-F238E27FC236}">
-                <a16:creationId xmlns:a16="http://schemas.microsoft.com/office/drawing/2014/main" id="{3F1E7B7C-CCC0-400C-8A2D-D50BF4251EA6}"/>
-              </a:ext>
-            </a:extLst>
-          </p:cNvPr>
-          <p:cNvSpPr>
-            <a:spLocks noGrp="1"/>
-          </p:cNvSpPr>
-          <p:nvPr>
-            <p:ph type="body" idx="1"/>
-          </p:nvPr>
-        </p:nvSpPr>
-        <p:spPr>
-          <a:xfrm>
-            <a:off x="838200" y="1548719"/>
-            <a:ext cx="10515600" cy="4097338"/>
-          </a:xfrm>
-        </p:spPr>
-        <p:txBody>
-          <a:bodyPr>
-            <a:normAutofit/>
-          </a:bodyPr>
-          <a:lstStyle/>
-          <a:p>
-            <a:pPr marL="457200" indent="-457200">
-              <a:buFont typeface="+mj-lt"/>
-              <a:buAutoNum type="arabicPeriod"/>
-            </a:pPr>
-            <a:r>
-              <a:rPr lang="en-US" altLang="ja-JP" dirty="0">
-                <a:solidFill>
-                  <a:schemeClr val="tx1"/>
-                </a:solidFill>
-              </a:rPr>
-              <a:t>Get item information from ”Rakuten API”</a:t>
-            </a:r>
-            <a:endParaRPr kumimoji="1" lang="en-US" altLang="ja-JP" dirty="0">
-              <a:solidFill>
-                <a:schemeClr val="tx1"/>
-              </a:solidFill>
-            </a:endParaRPr>
-          </a:p>
-          <a:p>
-            <a:pPr marL="457200" indent="-457200">
-              <a:buFont typeface="+mj-lt"/>
-              <a:buAutoNum type="arabicPeriod"/>
-            </a:pPr>
-            <a:endParaRPr lang="en-US" altLang="ja-JP" dirty="0">
-              <a:solidFill>
-                <a:schemeClr val="tx1"/>
-              </a:solidFill>
-            </a:endParaRPr>
-          </a:p>
-          <a:p>
-            <a:pPr marL="457200" indent="-457200">
-              <a:buFont typeface="+mj-lt"/>
-              <a:buAutoNum type="arabicPeriod"/>
-            </a:pPr>
-            <a:r>
-              <a:rPr kumimoji="1" lang="en-US" altLang="ja-JP" dirty="0">
-                <a:solidFill>
-                  <a:schemeClr val="tx1"/>
-                </a:solidFill>
-              </a:rPr>
-              <a:t>Group the same item from different shops</a:t>
-            </a:r>
-          </a:p>
-          <a:p>
-            <a:pPr marL="457200" indent="-457200">
-              <a:buFont typeface="+mj-lt"/>
-              <a:buAutoNum type="arabicPeriod"/>
-            </a:pPr>
-            <a:endParaRPr kumimoji="1" lang="en-US" altLang="ja-JP" dirty="0">
-              <a:solidFill>
-                <a:schemeClr val="tx1"/>
-              </a:solidFill>
-            </a:endParaRPr>
-          </a:p>
-          <a:p>
-            <a:pPr marL="457200" indent="-457200">
-              <a:buFont typeface="+mj-lt"/>
-              <a:buAutoNum type="arabicPeriod"/>
-            </a:pPr>
-            <a:r>
-              <a:rPr lang="en-US" altLang="ja-JP" dirty="0">
-                <a:solidFill>
-                  <a:schemeClr val="tx1"/>
-                </a:solidFill>
-              </a:rPr>
-              <a:t>Show the </a:t>
-            </a:r>
-            <a:r>
-              <a:rPr lang="en-US" altLang="ja-JP" dirty="0" err="1">
-                <a:solidFill>
-                  <a:schemeClr val="tx1"/>
-                </a:solidFill>
-              </a:rPr>
-              <a:t>abstruct</a:t>
-            </a:r>
-            <a:r>
-              <a:rPr lang="en-US" altLang="ja-JP" dirty="0">
-                <a:solidFill>
-                  <a:schemeClr val="tx1"/>
-                </a:solidFill>
-              </a:rPr>
-              <a:t> of item and the range of price in search result page</a:t>
-            </a:r>
-            <a:endParaRPr kumimoji="1" lang="en-US" altLang="ja-JP" dirty="0">
-              <a:solidFill>
-                <a:schemeClr val="tx1"/>
-              </a:solidFill>
-            </a:endParaRPr>
-          </a:p>
-          <a:p>
-            <a:pPr marL="457200" indent="-457200">
-              <a:buFont typeface="+mj-lt"/>
-              <a:buAutoNum type="arabicPeriod"/>
-            </a:pPr>
-            <a:endParaRPr lang="en-US" altLang="ja-JP" dirty="0">
-              <a:solidFill>
-                <a:schemeClr val="tx1"/>
-              </a:solidFill>
-            </a:endParaRPr>
-          </a:p>
-          <a:p>
-            <a:pPr marL="457200" indent="-457200">
-              <a:buFont typeface="+mj-lt"/>
-              <a:buAutoNum type="arabicPeriod"/>
-            </a:pPr>
-            <a:r>
-              <a:rPr lang="en-US" altLang="ja-JP" dirty="0">
-                <a:solidFill>
-                  <a:schemeClr val="tx1"/>
-                </a:solidFill>
-              </a:rPr>
-              <a:t>Compare the price by shops in detail page</a:t>
-            </a:r>
-          </a:p>
-        </p:txBody>
-      </p:sp>
-      <p:sp>
-        <p:nvSpPr>
-          <p:cNvPr id="6" name="四角形: 角を丸くする 4">
-            <a:extLst>
-              <a:ext uri="{FF2B5EF4-FFF2-40B4-BE49-F238E27FC236}">
-                <a16:creationId xmlns:a16="http://schemas.microsoft.com/office/drawing/2014/main" id="{2C3D01C3-4FDD-E54A-BF64-92856A191F4A}"/>
-              </a:ext>
-            </a:extLst>
-          </p:cNvPr>
-          <p:cNvSpPr/>
-          <p:nvPr/>
-        </p:nvSpPr>
-        <p:spPr>
-          <a:xfrm>
-            <a:off x="464458" y="420914"/>
-            <a:ext cx="3886826" cy="812800"/>
-          </a:xfrm>
-          <a:prstGeom prst="roundRect">
-            <a:avLst/>
-          </a:prstGeom>
-          <a:solidFill>
-            <a:srgbClr val="DC143C"/>
-          </a:solidFill>
-        </p:spPr>
-        <p:style>
-          <a:lnRef idx="2">
-            <a:schemeClr val="accent1">
-              <a:shade val="50000"/>
-            </a:schemeClr>
-          </a:lnRef>
-          <a:fillRef idx="1">
-            <a:schemeClr val="accent1"/>
-          </a:fillRef>
-          <a:effectRef idx="0">
-            <a:schemeClr val="accent1"/>
-          </a:effectRef>
-          <a:fontRef idx="minor">
-            <a:schemeClr val="lt1"/>
-          </a:fontRef>
-        </p:style>
-        <p:txBody>
-          <a:bodyPr rtlCol="0" anchor="ctr"/>
-          <a:lstStyle/>
-          <a:p>
-            <a:r>
-              <a:rPr lang="en-US" altLang="ja-JP" sz="3200" dirty="0">
-                <a:effectLst>
-                  <a:outerShdw blurRad="38100" dist="38100" dir="2700000" algn="tl">
-                    <a:srgbClr val="000000">
-                      <a:alpha val="43137"/>
-                    </a:srgbClr>
-                  </a:outerShdw>
-                </a:effectLst>
-              </a:rPr>
-              <a:t>Grouping one item</a:t>
-            </a:r>
-            <a:endParaRPr lang="ja-JP" altLang="en-US" sz="3200" dirty="0">
-              <a:effectLst>
-                <a:outerShdw blurRad="38100" dist="38100" dir="2700000" algn="tl">
-                  <a:srgbClr val="000000">
-                    <a:alpha val="43137"/>
-                  </a:srgbClr>
-                </a:outerShdw>
-              </a:effectLst>
-            </a:endParaRPr>
-          </a:p>
-        </p:txBody>
-      </p:sp>
-    </p:spTree>
-    <p:extLst>
-      <p:ext uri="{BB962C8B-B14F-4D97-AF65-F5344CB8AC3E}">
-        <p14:creationId xmlns:p14="http://schemas.microsoft.com/office/powerpoint/2010/main" val="2750315736"/>
       </p:ext>
     </p:extLst>
   </p:cSld>

--- a/presentation/Presentation.pptx
+++ b/presentation/Presentation.pptx
@@ -5,25 +5,30 @@
     <p:sldMasterId id="2147483660" r:id="rId1"/>
   </p:sldMasterIdLst>
   <p:notesMasterIdLst>
-    <p:notesMasterId r:id="rId18"/>
+    <p:notesMasterId r:id="rId23"/>
   </p:notesMasterIdLst>
   <p:sldIdLst>
     <p:sldId id="256" r:id="rId2"/>
-    <p:sldId id="271" r:id="rId3"/>
-    <p:sldId id="259" r:id="rId4"/>
+    <p:sldId id="259" r:id="rId3"/>
+    <p:sldId id="276" r:id="rId4"/>
     <p:sldId id="263" r:id="rId5"/>
     <p:sldId id="258" r:id="rId6"/>
-    <p:sldId id="272" r:id="rId7"/>
-    <p:sldId id="257" r:id="rId8"/>
-    <p:sldId id="265" r:id="rId9"/>
-    <p:sldId id="266" r:id="rId10"/>
-    <p:sldId id="267" r:id="rId11"/>
-    <p:sldId id="268" r:id="rId12"/>
-    <p:sldId id="269" r:id="rId13"/>
-    <p:sldId id="260" r:id="rId14"/>
-    <p:sldId id="261" r:id="rId15"/>
-    <p:sldId id="273" r:id="rId16"/>
-    <p:sldId id="262" r:id="rId17"/>
+    <p:sldId id="274" r:id="rId7"/>
+    <p:sldId id="272" r:id="rId8"/>
+    <p:sldId id="257" r:id="rId9"/>
+    <p:sldId id="265" r:id="rId10"/>
+    <p:sldId id="275" r:id="rId11"/>
+    <p:sldId id="266" r:id="rId12"/>
+    <p:sldId id="267" r:id="rId13"/>
+    <p:sldId id="278" r:id="rId14"/>
+    <p:sldId id="268" r:id="rId15"/>
+    <p:sldId id="279" r:id="rId16"/>
+    <p:sldId id="269" r:id="rId17"/>
+    <p:sldId id="260" r:id="rId18"/>
+    <p:sldId id="261" r:id="rId19"/>
+    <p:sldId id="273" r:id="rId20"/>
+    <p:sldId id="262" r:id="rId21"/>
+    <p:sldId id="277" r:id="rId22"/>
   </p:sldIdLst>
   <p:sldSz cx="12192000" cy="6858000"/>
   <p:notesSz cx="6858000" cy="9144000"/>
@@ -226,7 +231,7 @@
           <a:p>
             <a:fld id="{B8F3EA05-54FC-C543-BBD4-91E4D89EF432}" type="datetimeFigureOut">
               <a:rPr kumimoji="1" lang="ja-JP" altLang="en-US" smtClean="0"/>
-              <a:t>2019/9/12</a:t>
+              <a:t>2019/9/13</a:t>
             </a:fld>
             <a:endParaRPr kumimoji="1" lang="ja-JP" altLang="en-US"/>
           </a:p>
@@ -549,7 +554,7 @@
               <a:buChar char="•"/>
             </a:pPr>
             <a:r>
-              <a:rPr kumimoji="1" lang="ja-JP" altLang="en-US"/>
+              <a:rPr kumimoji="1" lang="ja-JP" altLang="en-US" dirty="0"/>
               <a:t>欲しい商品になかなかたどり着けない</a:t>
             </a:r>
             <a:endParaRPr kumimoji="1" lang="en-US" altLang="ja-JP" dirty="0"/>
@@ -560,7 +565,7 @@
               <a:buChar char="•"/>
             </a:pPr>
             <a:r>
-              <a:rPr kumimoji="1" lang="ja-JP" altLang="en-US"/>
+              <a:rPr kumimoji="1" lang="ja-JP" altLang="en-US" dirty="0"/>
               <a:t>同じ商品が何度も表示され、比較するのが大変</a:t>
             </a:r>
             <a:endParaRPr kumimoji="1" lang="en-US" altLang="ja-JP" dirty="0"/>
@@ -578,7 +583,7 @@
               <a:buChar char="•"/>
             </a:pPr>
             <a:r>
-              <a:rPr kumimoji="1" lang="ja-JP" altLang="en-US"/>
+              <a:rPr kumimoji="1" lang="ja-JP" altLang="en-US" dirty="0"/>
               <a:t>などなど、既存サイトへの不満をここでぶちまける</a:t>
             </a:r>
           </a:p>
@@ -607,7 +612,7 @@
               <a:t>+</a:t>
             </a:r>
             <a:r>
-              <a:rPr kumimoji="1" lang="ja-JP" altLang="en-US"/>
+              <a:rPr kumimoji="1" lang="ja-JP" altLang="en-US" dirty="0"/>
               <a:t>スニーカー</a:t>
             </a:r>
             <a:r>
@@ -618,7 +623,7 @@
               <a:rPr kumimoji="1" lang="en" altLang="ja-JP" dirty="0"/>
               <a:t>p=2</a:t>
             </a:r>
-            <a:endParaRPr kumimoji="1" lang="ja-JP" altLang="en-US"/>
+            <a:endParaRPr kumimoji="1" lang="ja-JP" altLang="en-US" dirty="0"/>
           </a:p>
         </p:txBody>
       </p:sp>
@@ -648,7 +653,101 @@
     </p:spTree>
     <p:extLst>
       <p:ext uri="{BB962C8B-B14F-4D97-AF65-F5344CB8AC3E}">
-        <p14:creationId xmlns:p14="http://schemas.microsoft.com/office/powerpoint/2010/main" val="1078682702"/>
+        <p14:creationId xmlns:p14="http://schemas.microsoft.com/office/powerpoint/2010/main" val="3256105136"/>
+      </p:ext>
+    </p:extLst>
+  </p:cSld>
+  <p:clrMapOvr>
+    <a:masterClrMapping/>
+  </p:clrMapOvr>
+</p:notes>
+</file>
+
+<file path=ppt/notesSlides/notesSlide10.xml><?xml version="1.0" encoding="utf-8"?>
+<p:notes xmlns:a="http://schemas.openxmlformats.org/drawingml/2006/main" xmlns:r="http://schemas.openxmlformats.org/officeDocument/2006/relationships" xmlns:p="http://schemas.openxmlformats.org/presentationml/2006/main">
+  <p:cSld>
+    <p:spTree>
+      <p:nvGrpSpPr>
+        <p:cNvPr id="1" name=""/>
+        <p:cNvGrpSpPr/>
+        <p:nvPr/>
+      </p:nvGrpSpPr>
+      <p:grpSpPr>
+        <a:xfrm>
+          <a:off x="0" y="0"/>
+          <a:ext cx="0" cy="0"/>
+          <a:chOff x="0" y="0"/>
+          <a:chExt cx="0" cy="0"/>
+        </a:xfrm>
+      </p:grpSpPr>
+      <p:sp>
+        <p:nvSpPr>
+          <p:cNvPr id="2" name="スライド イメージ プレースホルダー 1"/>
+          <p:cNvSpPr>
+            <a:spLocks noGrp="1" noRot="1" noChangeAspect="1"/>
+          </p:cNvSpPr>
+          <p:nvPr>
+            <p:ph type="sldImg"/>
+          </p:nvPr>
+        </p:nvSpPr>
+        <p:spPr/>
+      </p:sp>
+      <p:sp>
+        <p:nvSpPr>
+          <p:cNvPr id="3" name="ノート プレースホルダー 2"/>
+          <p:cNvSpPr>
+            <a:spLocks noGrp="1"/>
+          </p:cNvSpPr>
+          <p:nvPr>
+            <p:ph type="body" idx="1"/>
+          </p:nvPr>
+        </p:nvSpPr>
+        <p:spPr/>
+        <p:txBody>
+          <a:bodyPr/>
+          <a:lstStyle/>
+          <a:p>
+            <a:r>
+              <a:rPr kumimoji="1" lang="en-US" altLang="ja-JP" dirty="0"/>
+              <a:t>In detail page, we show one item, and we can compare the price and points by shops in one page.</a:t>
+            </a:r>
+          </a:p>
+          <a:p>
+            <a:r>
+              <a:rPr kumimoji="1" lang="en-US" altLang="ja-JP" dirty="0"/>
+              <a:t>In this case, its one item but seller is different. So our website show all of shops which sell same item.</a:t>
+            </a:r>
+            <a:endParaRPr kumimoji="1" lang="ja-JP" altLang="en-US" dirty="0"/>
+          </a:p>
+        </p:txBody>
+      </p:sp>
+      <p:sp>
+        <p:nvSpPr>
+          <p:cNvPr id="4" name="スライド番号プレースホルダー 3"/>
+          <p:cNvSpPr>
+            <a:spLocks noGrp="1"/>
+          </p:cNvSpPr>
+          <p:nvPr>
+            <p:ph type="sldNum" sz="quarter" idx="5"/>
+          </p:nvPr>
+        </p:nvSpPr>
+        <p:spPr/>
+        <p:txBody>
+          <a:bodyPr/>
+          <a:lstStyle/>
+          <a:p>
+            <a:fld id="{9E1C67F3-BA0B-B442-BA23-A3194F4E98B9}" type="slidenum">
+              <a:rPr kumimoji="1" lang="ja-JP" altLang="en-US" smtClean="0"/>
+              <a:t>16</a:t>
+            </a:fld>
+            <a:endParaRPr kumimoji="1" lang="ja-JP" altLang="en-US"/>
+          </a:p>
+        </p:txBody>
+      </p:sp>
+    </p:spTree>
+    <p:extLst>
+      <p:ext uri="{BB962C8B-B14F-4D97-AF65-F5344CB8AC3E}">
+        <p14:creationId xmlns:p14="http://schemas.microsoft.com/office/powerpoint/2010/main" val="2397382566"/>
       </p:ext>
     </p:extLst>
   </p:cSld>
@@ -707,10 +806,10 @@
               <a:buChar char="•"/>
             </a:pPr>
             <a:r>
-              <a:rPr lang="ja-JP" altLang="en-US"/>
-              <a:t>同じ商品をまとめて表示する機能</a:t>
-            </a:r>
-            <a:endParaRPr lang="en-US" altLang="ja-JP" dirty="0"/>
+              <a:rPr kumimoji="1" lang="ja-JP" altLang="en-US" dirty="0"/>
+              <a:t>欲しい商品になかなかたどり着けない</a:t>
+            </a:r>
+            <a:endParaRPr kumimoji="1" lang="en-US" altLang="ja-JP" dirty="0"/>
           </a:p>
           <a:p>
             <a:pPr marL="457200" indent="-457200">
@@ -718,12 +817,8 @@
               <a:buChar char="•"/>
             </a:pPr>
             <a:r>
-              <a:rPr kumimoji="1" lang="ja-JP" altLang="en-US"/>
-              <a:t>タグ</a:t>
-            </a:r>
-            <a:r>
-              <a:rPr lang="ja-JP" altLang="en-US"/>
-              <a:t>検索</a:t>
+              <a:rPr kumimoji="1" lang="ja-JP" altLang="en-US" dirty="0"/>
+              <a:t>同じ商品が何度も表示され、比較するのが大変</a:t>
             </a:r>
             <a:endParaRPr kumimoji="1" lang="en-US" altLang="ja-JP" dirty="0"/>
           </a:p>
@@ -732,14 +827,55 @@
               <a:buFont typeface="Arial" panose="020B0604020202020204" pitchFamily="34" charset="0"/>
               <a:buChar char="•"/>
             </a:pPr>
-            <a:r>
-              <a:rPr lang="ja-JP" altLang="en-US"/>
-              <a:t>ユーザごとに表示項目をカスタマイズできるようにする機能</a:t>
-            </a:r>
-            <a:endParaRPr kumimoji="1" lang="ja-JP" altLang="en-US"/>
-          </a:p>
-          <a:p>
-            <a:endParaRPr kumimoji="1" lang="ja-JP" altLang="en-US"/>
+            <a:endParaRPr kumimoji="1" lang="en-US" altLang="ja-JP" dirty="0"/>
+          </a:p>
+          <a:p>
+            <a:pPr marL="457200" indent="-457200">
+              <a:buFont typeface="Arial" panose="020B0604020202020204" pitchFamily="34" charset="0"/>
+              <a:buChar char="•"/>
+            </a:pPr>
+            <a:r>
+              <a:rPr kumimoji="1" lang="ja-JP" altLang="en-US" dirty="0"/>
+              <a:t>などなど、既存サイトへの不満をここでぶちまける</a:t>
+            </a:r>
+          </a:p>
+          <a:p>
+            <a:endParaRPr kumimoji="1" lang="en-US" altLang="ja-JP" dirty="0"/>
+          </a:p>
+          <a:p>
+            <a:r>
+              <a:rPr kumimoji="1" lang="en" altLang="ja-JP" dirty="0"/>
+              <a:t>https://</a:t>
+            </a:r>
+            <a:r>
+              <a:rPr kumimoji="1" lang="en" altLang="ja-JP" dirty="0" err="1"/>
+              <a:t>search.rakuten.co.jp</a:t>
+            </a:r>
+            <a:r>
+              <a:rPr kumimoji="1" lang="en" altLang="ja-JP" dirty="0"/>
+              <a:t>/search/mall/</a:t>
+            </a:r>
+            <a:r>
+              <a:rPr kumimoji="1" lang="en" altLang="ja-JP" dirty="0" err="1"/>
+              <a:t>nike</a:t>
+            </a:r>
+            <a:r>
+              <a:rPr kumimoji="1" lang="en" altLang="ja-JP" dirty="0"/>
+              <a:t>+</a:t>
+            </a:r>
+            <a:r>
+              <a:rPr kumimoji="1" lang="ja-JP" altLang="en-US" dirty="0"/>
+              <a:t>スニーカー</a:t>
+            </a:r>
+            <a:r>
+              <a:rPr kumimoji="1" lang="en-US" altLang="ja-JP" dirty="0"/>
+              <a:t>/?</a:t>
+            </a:r>
+            <a:r>
+              <a:rPr kumimoji="1" lang="en" altLang="ja-JP" dirty="0"/>
+              <a:t>p=2</a:t>
+            </a:r>
+            <a:endParaRPr kumimoji="1" lang="ja-JP" altLang="en-US" dirty="0"/>
           </a:p>
         </p:txBody>
       </p:sp>
@@ -760,7 +896,7 @@
           <a:p>
             <a:fld id="{9E1C67F3-BA0B-B442-BA23-A3194F4E98B9}" type="slidenum">
               <a:rPr kumimoji="1" lang="ja-JP" altLang="en-US" smtClean="0"/>
-              <a:t>8</a:t>
+              <a:t>7</a:t>
             </a:fld>
             <a:endParaRPr kumimoji="1" lang="ja-JP" altLang="en-US"/>
           </a:p>
@@ -769,7 +905,7 @@
     </p:spTree>
     <p:extLst>
       <p:ext uri="{BB962C8B-B14F-4D97-AF65-F5344CB8AC3E}">
-        <p14:creationId xmlns:p14="http://schemas.microsoft.com/office/powerpoint/2010/main" val="4269479119"/>
+        <p14:creationId xmlns:p14="http://schemas.microsoft.com/office/powerpoint/2010/main" val="1078682702"/>
       </p:ext>
     </p:extLst>
   </p:cSld>
@@ -828,16 +964,8 @@
               <a:buChar char="•"/>
             </a:pPr>
             <a:r>
-              <a:rPr kumimoji="1" lang="ja-JP" altLang="en-US"/>
-              <a:t>商品情報を楽天</a:t>
-            </a:r>
-            <a:r>
-              <a:rPr kumimoji="1" lang="en-US" altLang="ja-JP" dirty="0"/>
-              <a:t>API</a:t>
-            </a:r>
-            <a:r>
-              <a:rPr kumimoji="1" lang="ja-JP" altLang="en-US"/>
-              <a:t>から取得</a:t>
+              <a:rPr lang="ja-JP" altLang="en-US"/>
+              <a:t>同じ商品をまとめて表示する機能</a:t>
             </a:r>
             <a:endParaRPr lang="en-US" altLang="ja-JP" dirty="0"/>
           </a:p>
@@ -847,10 +975,14 @@
               <a:buChar char="•"/>
             </a:pPr>
             <a:r>
+              <a:rPr kumimoji="1" lang="ja-JP" altLang="en-US"/>
+              <a:t>タグ</a:t>
+            </a:r>
+            <a:r>
               <a:rPr lang="ja-JP" altLang="en-US"/>
-              <a:t>出品者が異なるが商品は同じ場合，すべてまとめて１件として表示</a:t>
-            </a:r>
-            <a:endParaRPr lang="en-US" altLang="ja-JP" dirty="0"/>
+              <a:t>検索</a:t>
+            </a:r>
+            <a:endParaRPr kumimoji="1" lang="en-US" altLang="ja-JP" dirty="0"/>
           </a:p>
           <a:p>
             <a:pPr marL="457200" indent="-457200">
@@ -858,29 +990,10 @@
               <a:buChar char="•"/>
             </a:pPr>
             <a:r>
-              <a:rPr kumimoji="1" lang="ja-JP" altLang="en-US"/>
-              <a:t>検索結果では、商品の概要と概算額のみ表示</a:t>
-            </a:r>
-            <a:r>
               <a:rPr lang="ja-JP" altLang="en-US"/>
-              <a:t>＆</a:t>
-            </a:r>
-            <a:r>
-              <a:rPr kumimoji="1" lang="ja-JP" altLang="en-US"/>
-              <a:t>詳細は次のページで</a:t>
-            </a:r>
-            <a:endParaRPr kumimoji="1" lang="en-US" altLang="ja-JP" dirty="0"/>
-          </a:p>
-          <a:p>
-            <a:pPr marL="457200" indent="-457200">
-              <a:buFont typeface="Arial" panose="020B0604020202020204" pitchFamily="34" charset="0"/>
-              <a:buChar char="•"/>
-            </a:pPr>
-            <a:r>
-              <a:rPr lang="ja-JP" altLang="en-US"/>
-              <a:t>詳細ページではショップごとに比較可能</a:t>
-            </a:r>
-            <a:endParaRPr kumimoji="1" lang="en-US" altLang="ja-JP" dirty="0"/>
+              <a:t>ユーザごとに表示項目をカスタマイズできるようにする機能</a:t>
+            </a:r>
+            <a:endParaRPr kumimoji="1" lang="ja-JP" altLang="en-US"/>
           </a:p>
           <a:p>
             <a:endParaRPr kumimoji="1" lang="ja-JP" altLang="en-US"/>
@@ -913,7 +1026,7 @@
     </p:spTree>
     <p:extLst>
       <p:ext uri="{BB962C8B-B14F-4D97-AF65-F5344CB8AC3E}">
-        <p14:creationId xmlns:p14="http://schemas.microsoft.com/office/powerpoint/2010/main" val="3425496502"/>
+        <p14:creationId xmlns:p14="http://schemas.microsoft.com/office/powerpoint/2010/main" val="4269479119"/>
       </p:ext>
     </p:extLst>
   </p:cSld>
@@ -967,6 +1080,293 @@
           <a:bodyPr/>
           <a:lstStyle/>
           <a:p>
+            <a:endParaRPr kumimoji="1" lang="ja-JP" altLang="en-US" dirty="0"/>
+          </a:p>
+        </p:txBody>
+      </p:sp>
+      <p:sp>
+        <p:nvSpPr>
+          <p:cNvPr id="4" name="スライド番号プレースホルダー 3"/>
+          <p:cNvSpPr>
+            <a:spLocks noGrp="1"/>
+          </p:cNvSpPr>
+          <p:nvPr>
+            <p:ph type="sldNum" sz="quarter" idx="5"/>
+          </p:nvPr>
+        </p:nvSpPr>
+        <p:spPr/>
+        <p:txBody>
+          <a:bodyPr/>
+          <a:lstStyle/>
+          <a:p>
+            <a:fld id="{9E1C67F3-BA0B-B442-BA23-A3194F4E98B9}" type="slidenum">
+              <a:rPr kumimoji="1" lang="ja-JP" altLang="en-US" smtClean="0"/>
+              <a:t>10</a:t>
+            </a:fld>
+            <a:endParaRPr kumimoji="1" lang="ja-JP" altLang="en-US"/>
+          </a:p>
+        </p:txBody>
+      </p:sp>
+    </p:spTree>
+    <p:extLst>
+      <p:ext uri="{BB962C8B-B14F-4D97-AF65-F5344CB8AC3E}">
+        <p14:creationId xmlns:p14="http://schemas.microsoft.com/office/powerpoint/2010/main" val="785682287"/>
+      </p:ext>
+    </p:extLst>
+  </p:cSld>
+  <p:clrMapOvr>
+    <a:masterClrMapping/>
+  </p:clrMapOvr>
+</p:notes>
+</file>
+
+<file path=ppt/notesSlides/notesSlide5.xml><?xml version="1.0" encoding="utf-8"?>
+<p:notes xmlns:a="http://schemas.openxmlformats.org/drawingml/2006/main" xmlns:r="http://schemas.openxmlformats.org/officeDocument/2006/relationships" xmlns:p="http://schemas.openxmlformats.org/presentationml/2006/main">
+  <p:cSld>
+    <p:spTree>
+      <p:nvGrpSpPr>
+        <p:cNvPr id="1" name=""/>
+        <p:cNvGrpSpPr/>
+        <p:nvPr/>
+      </p:nvGrpSpPr>
+      <p:grpSpPr>
+        <a:xfrm>
+          <a:off x="0" y="0"/>
+          <a:ext cx="0" cy="0"/>
+          <a:chOff x="0" y="0"/>
+          <a:chExt cx="0" cy="0"/>
+        </a:xfrm>
+      </p:grpSpPr>
+      <p:sp>
+        <p:nvSpPr>
+          <p:cNvPr id="2" name="スライド イメージ プレースホルダー 1"/>
+          <p:cNvSpPr>
+            <a:spLocks noGrp="1" noRot="1" noChangeAspect="1"/>
+          </p:cNvSpPr>
+          <p:nvPr>
+            <p:ph type="sldImg"/>
+          </p:nvPr>
+        </p:nvSpPr>
+        <p:spPr/>
+      </p:sp>
+      <p:sp>
+        <p:nvSpPr>
+          <p:cNvPr id="3" name="ノート プレースホルダー 2"/>
+          <p:cNvSpPr>
+            <a:spLocks noGrp="1"/>
+          </p:cNvSpPr>
+          <p:nvPr>
+            <p:ph type="body" idx="1"/>
+          </p:nvPr>
+        </p:nvSpPr>
+        <p:spPr/>
+        <p:txBody>
+          <a:bodyPr/>
+          <a:lstStyle/>
+          <a:p>
+            <a:r>
+              <a:rPr kumimoji="1" lang="en-US" altLang="ja-JP" dirty="0"/>
+              <a:t>I will explain our clustering method in this flow.</a:t>
+            </a:r>
+            <a:endParaRPr kumimoji="1" lang="ja-JP" altLang="en-US" dirty="0"/>
+          </a:p>
+        </p:txBody>
+      </p:sp>
+      <p:sp>
+        <p:nvSpPr>
+          <p:cNvPr id="4" name="スライド番号プレースホルダー 3"/>
+          <p:cNvSpPr>
+            <a:spLocks noGrp="1"/>
+          </p:cNvSpPr>
+          <p:nvPr>
+            <p:ph type="sldNum" sz="quarter" idx="5"/>
+          </p:nvPr>
+        </p:nvSpPr>
+        <p:spPr/>
+        <p:txBody>
+          <a:bodyPr/>
+          <a:lstStyle/>
+          <a:p>
+            <a:fld id="{9E1C67F3-BA0B-B442-BA23-A3194F4E98B9}" type="slidenum">
+              <a:rPr kumimoji="1" lang="ja-JP" altLang="en-US" smtClean="0"/>
+              <a:t>11</a:t>
+            </a:fld>
+            <a:endParaRPr kumimoji="1" lang="ja-JP" altLang="en-US"/>
+          </a:p>
+        </p:txBody>
+      </p:sp>
+    </p:spTree>
+    <p:extLst>
+      <p:ext uri="{BB962C8B-B14F-4D97-AF65-F5344CB8AC3E}">
+        <p14:creationId xmlns:p14="http://schemas.microsoft.com/office/powerpoint/2010/main" val="3425496502"/>
+      </p:ext>
+    </p:extLst>
+  </p:cSld>
+  <p:clrMapOvr>
+    <a:masterClrMapping/>
+  </p:clrMapOvr>
+</p:notes>
+</file>
+
+<file path=ppt/notesSlides/notesSlide6.xml><?xml version="1.0" encoding="utf-8"?>
+<p:notes xmlns:a="http://schemas.openxmlformats.org/drawingml/2006/main" xmlns:r="http://schemas.openxmlformats.org/officeDocument/2006/relationships" xmlns:p="http://schemas.openxmlformats.org/presentationml/2006/main">
+  <p:cSld>
+    <p:spTree>
+      <p:nvGrpSpPr>
+        <p:cNvPr id="1" name=""/>
+        <p:cNvGrpSpPr/>
+        <p:nvPr/>
+      </p:nvGrpSpPr>
+      <p:grpSpPr>
+        <a:xfrm>
+          <a:off x="0" y="0"/>
+          <a:ext cx="0" cy="0"/>
+          <a:chOff x="0" y="0"/>
+          <a:chExt cx="0" cy="0"/>
+        </a:xfrm>
+      </p:grpSpPr>
+      <p:sp>
+        <p:nvSpPr>
+          <p:cNvPr id="2" name="スライド イメージ プレースホルダー 1"/>
+          <p:cNvSpPr>
+            <a:spLocks noGrp="1" noRot="1" noChangeAspect="1"/>
+          </p:cNvSpPr>
+          <p:nvPr>
+            <p:ph type="sldImg"/>
+          </p:nvPr>
+        </p:nvSpPr>
+        <p:spPr/>
+      </p:sp>
+      <p:sp>
+        <p:nvSpPr>
+          <p:cNvPr id="3" name="ノート プレースホルダー 2"/>
+          <p:cNvSpPr>
+            <a:spLocks noGrp="1"/>
+          </p:cNvSpPr>
+          <p:nvPr>
+            <p:ph type="body" idx="1"/>
+          </p:nvPr>
+        </p:nvSpPr>
+        <p:spPr/>
+        <p:txBody>
+          <a:bodyPr/>
+          <a:lstStyle/>
+          <a:p>
+            <a:r>
+              <a:rPr kumimoji="1" lang="en-US" altLang="ja-JP" dirty="0"/>
+              <a:t>First, Rakuten API is a function that we can get item information from “</a:t>
+            </a:r>
+            <a:r>
+              <a:rPr kumimoji="1" lang="en-US" altLang="ja-JP" dirty="0" err="1"/>
+              <a:t>rakuten</a:t>
+            </a:r>
+            <a:r>
+              <a:rPr kumimoji="1" lang="en-US" altLang="ja-JP" dirty="0"/>
+              <a:t> </a:t>
+            </a:r>
+            <a:r>
+              <a:rPr kumimoji="1" lang="en-US" altLang="ja-JP" dirty="0" err="1"/>
+              <a:t>ichiba</a:t>
+            </a:r>
+            <a:r>
+              <a:rPr kumimoji="1" lang="en-US" altLang="ja-JP" dirty="0"/>
+              <a:t>".</a:t>
+            </a:r>
+          </a:p>
+          <a:p>
+            <a:r>
+              <a:rPr kumimoji="1" lang="en-US" altLang="ja-JP" dirty="0"/>
+              <a:t>When you search some items, our site use search keyword as key of API, and call Rakuten API.</a:t>
+            </a:r>
+          </a:p>
+          <a:p>
+            <a:r>
+              <a:rPr kumimoji="1" lang="en-US" altLang="ja-JP" dirty="0"/>
+              <a:t>Then our web site get item information as JSON data.</a:t>
+            </a:r>
+          </a:p>
+        </p:txBody>
+      </p:sp>
+      <p:sp>
+        <p:nvSpPr>
+          <p:cNvPr id="4" name="スライド番号プレースホルダー 3"/>
+          <p:cNvSpPr>
+            <a:spLocks noGrp="1"/>
+          </p:cNvSpPr>
+          <p:nvPr>
+            <p:ph type="sldNum" sz="quarter" idx="5"/>
+          </p:nvPr>
+        </p:nvSpPr>
+        <p:spPr/>
+        <p:txBody>
+          <a:bodyPr/>
+          <a:lstStyle/>
+          <a:p>
+            <a:fld id="{9E1C67F3-BA0B-B442-BA23-A3194F4E98B9}" type="slidenum">
+              <a:rPr kumimoji="1" lang="ja-JP" altLang="en-US" smtClean="0"/>
+              <a:t>12</a:t>
+            </a:fld>
+            <a:endParaRPr kumimoji="1" lang="ja-JP" altLang="en-US"/>
+          </a:p>
+        </p:txBody>
+      </p:sp>
+    </p:spTree>
+    <p:extLst>
+      <p:ext uri="{BB962C8B-B14F-4D97-AF65-F5344CB8AC3E}">
+        <p14:creationId xmlns:p14="http://schemas.microsoft.com/office/powerpoint/2010/main" val="3946457793"/>
+      </p:ext>
+    </p:extLst>
+  </p:cSld>
+  <p:clrMapOvr>
+    <a:masterClrMapping/>
+  </p:clrMapOvr>
+</p:notes>
+</file>
+
+<file path=ppt/notesSlides/notesSlide7.xml><?xml version="1.0" encoding="utf-8"?>
+<p:notes xmlns:a="http://schemas.openxmlformats.org/drawingml/2006/main" xmlns:r="http://schemas.openxmlformats.org/officeDocument/2006/relationships" xmlns:p="http://schemas.openxmlformats.org/presentationml/2006/main">
+  <p:cSld>
+    <p:spTree>
+      <p:nvGrpSpPr>
+        <p:cNvPr id="1" name=""/>
+        <p:cNvGrpSpPr/>
+        <p:nvPr/>
+      </p:nvGrpSpPr>
+      <p:grpSpPr>
+        <a:xfrm>
+          <a:off x="0" y="0"/>
+          <a:ext cx="0" cy="0"/>
+          <a:chOff x="0" y="0"/>
+          <a:chExt cx="0" cy="0"/>
+        </a:xfrm>
+      </p:grpSpPr>
+      <p:sp>
+        <p:nvSpPr>
+          <p:cNvPr id="2" name="スライド イメージ プレースホルダー 1"/>
+          <p:cNvSpPr>
+            <a:spLocks noGrp="1" noRot="1" noChangeAspect="1"/>
+          </p:cNvSpPr>
+          <p:nvPr>
+            <p:ph type="sldImg"/>
+          </p:nvPr>
+        </p:nvSpPr>
+        <p:spPr/>
+      </p:sp>
+      <p:sp>
+        <p:nvSpPr>
+          <p:cNvPr id="3" name="ノート プレースホルダー 2"/>
+          <p:cNvSpPr>
+            <a:spLocks noGrp="1"/>
+          </p:cNvSpPr>
+          <p:nvPr>
+            <p:ph type="body" idx="1"/>
+          </p:nvPr>
+        </p:nvSpPr>
+        <p:spPr/>
+        <p:txBody>
+          <a:bodyPr/>
+          <a:lstStyle/>
+          <a:p>
             <a:pPr marL="0" marR="0" lvl="0" indent="0" algn="l" defTabSz="914400" rtl="0" eaLnBrk="1" fontAlgn="auto" latinLnBrk="0" hangingPunct="1">
               <a:lnSpc>
                 <a:spcPct val="100000"/>
@@ -985,13 +1385,13 @@
               <a:defRPr/>
             </a:pPr>
             <a:r>
-              <a:rPr lang="ja-JP" altLang="en-US"/>
-              <a:t>出品者が異なるが同じ商品であるものは、すべてまとめて１件として表示</a:t>
-            </a:r>
-            <a:endParaRPr lang="en-US" altLang="ja-JP" dirty="0"/>
-          </a:p>
-          <a:p>
-            <a:endParaRPr kumimoji="1" lang="ja-JP" altLang="en-US"/>
+              <a:rPr kumimoji="1" lang="en-US" altLang="ja-JP" dirty="0"/>
+              <a:t>I will explain our clustering procedure in this flow.</a:t>
+            </a:r>
+            <a:endParaRPr kumimoji="1" lang="ja-JP" altLang="en-US" dirty="0"/>
+          </a:p>
+          <a:p>
+            <a:endParaRPr kumimoji="1" lang="ja-JP" altLang="en-US" dirty="0"/>
           </a:p>
         </p:txBody>
       </p:sp>
@@ -1012,7 +1412,134 @@
           <a:p>
             <a:fld id="{9E1C67F3-BA0B-B442-BA23-A3194F4E98B9}" type="slidenum">
               <a:rPr kumimoji="1" lang="ja-JP" altLang="en-US" smtClean="0"/>
-              <a:t>11</a:t>
+              <a:t>13</a:t>
+            </a:fld>
+            <a:endParaRPr kumimoji="1" lang="ja-JP" altLang="en-US"/>
+          </a:p>
+        </p:txBody>
+      </p:sp>
+    </p:spTree>
+    <p:extLst>
+      <p:ext uri="{BB962C8B-B14F-4D97-AF65-F5344CB8AC3E}">
+        <p14:creationId xmlns:p14="http://schemas.microsoft.com/office/powerpoint/2010/main" val="357052130"/>
+      </p:ext>
+    </p:extLst>
+  </p:cSld>
+  <p:clrMapOvr>
+    <a:masterClrMapping/>
+  </p:clrMapOvr>
+</p:notes>
+</file>
+
+<file path=ppt/notesSlides/notesSlide8.xml><?xml version="1.0" encoding="utf-8"?>
+<p:notes xmlns:a="http://schemas.openxmlformats.org/drawingml/2006/main" xmlns:r="http://schemas.openxmlformats.org/officeDocument/2006/relationships" xmlns:p="http://schemas.openxmlformats.org/presentationml/2006/main">
+  <p:cSld>
+    <p:spTree>
+      <p:nvGrpSpPr>
+        <p:cNvPr id="1" name=""/>
+        <p:cNvGrpSpPr/>
+        <p:nvPr/>
+      </p:nvGrpSpPr>
+      <p:grpSpPr>
+        <a:xfrm>
+          <a:off x="0" y="0"/>
+          <a:ext cx="0" cy="0"/>
+          <a:chOff x="0" y="0"/>
+          <a:chExt cx="0" cy="0"/>
+        </a:xfrm>
+      </p:grpSpPr>
+      <p:sp>
+        <p:nvSpPr>
+          <p:cNvPr id="2" name="スライド イメージ プレースホルダー 1"/>
+          <p:cNvSpPr>
+            <a:spLocks noGrp="1" noRot="1" noChangeAspect="1"/>
+          </p:cNvSpPr>
+          <p:nvPr>
+            <p:ph type="sldImg"/>
+          </p:nvPr>
+        </p:nvSpPr>
+        <p:spPr/>
+      </p:sp>
+      <p:sp>
+        <p:nvSpPr>
+          <p:cNvPr id="3" name="ノート プレースホルダー 2"/>
+          <p:cNvSpPr>
+            <a:spLocks noGrp="1"/>
+          </p:cNvSpPr>
+          <p:nvPr>
+            <p:ph type="body" idx="1"/>
+          </p:nvPr>
+        </p:nvSpPr>
+        <p:spPr/>
+        <p:txBody>
+          <a:bodyPr/>
+          <a:lstStyle/>
+          <a:p>
+            <a:pPr marL="0" marR="0" lvl="0" indent="0" algn="l" defTabSz="914400" rtl="0" eaLnBrk="1" fontAlgn="auto" latinLnBrk="0" hangingPunct="1">
+              <a:lnSpc>
+                <a:spcPct val="100000"/>
+              </a:lnSpc>
+              <a:spcBef>
+                <a:spcPts val="0"/>
+              </a:spcBef>
+              <a:spcAft>
+                <a:spcPts val="0"/>
+              </a:spcAft>
+              <a:buClrTx/>
+              <a:buSzTx/>
+              <a:buFontTx/>
+              <a:buNone/>
+              <a:tabLst/>
+              <a:defRPr/>
+            </a:pPr>
+            <a:r>
+              <a:rPr lang="en-US" altLang="ja-JP" dirty="0"/>
+              <a:t>For example, current website show the same item but different seller. So we want to show as one item in our web site.</a:t>
+            </a:r>
+          </a:p>
+          <a:p>
+            <a:pPr marL="0" marR="0" lvl="0" indent="0" algn="l" defTabSz="914400" rtl="0" eaLnBrk="1" fontAlgn="auto" latinLnBrk="0" hangingPunct="1">
+              <a:lnSpc>
+                <a:spcPct val="100000"/>
+              </a:lnSpc>
+              <a:spcBef>
+                <a:spcPts val="0"/>
+              </a:spcBef>
+              <a:spcAft>
+                <a:spcPts val="0"/>
+              </a:spcAft>
+              <a:buClrTx/>
+              <a:buSzTx/>
+              <a:buFontTx/>
+              <a:buNone/>
+              <a:tabLst/>
+              <a:defRPr/>
+            </a:pPr>
+            <a:r>
+              <a:rPr lang="en-US" altLang="ja-JP" dirty="0"/>
+              <a:t>(And summarize as price range.)</a:t>
+            </a:r>
+          </a:p>
+        </p:txBody>
+      </p:sp>
+      <p:sp>
+        <p:nvSpPr>
+          <p:cNvPr id="4" name="スライド番号プレースホルダー 3"/>
+          <p:cNvSpPr>
+            <a:spLocks noGrp="1"/>
+          </p:cNvSpPr>
+          <p:nvPr>
+            <p:ph type="sldNum" sz="quarter" idx="5"/>
+          </p:nvPr>
+        </p:nvSpPr>
+        <p:spPr/>
+        <p:txBody>
+          <a:bodyPr/>
+          <a:lstStyle/>
+          <a:p>
+            <a:fld id="{9E1C67F3-BA0B-B442-BA23-A3194F4E98B9}" type="slidenum">
+              <a:rPr kumimoji="1" lang="ja-JP" altLang="en-US" smtClean="0"/>
+              <a:t>14</a:t>
             </a:fld>
             <a:endParaRPr kumimoji="1" lang="ja-JP" altLang="en-US"/>
           </a:p>
@@ -1022,6 +1549,94 @@
     <p:extLst>
       <p:ext uri="{BB962C8B-B14F-4D97-AF65-F5344CB8AC3E}">
         <p14:creationId xmlns:p14="http://schemas.microsoft.com/office/powerpoint/2010/main" val="2265652488"/>
+      </p:ext>
+    </p:extLst>
+  </p:cSld>
+  <p:clrMapOvr>
+    <a:masterClrMapping/>
+  </p:clrMapOvr>
+</p:notes>
+</file>
+
+<file path=ppt/notesSlides/notesSlide9.xml><?xml version="1.0" encoding="utf-8"?>
+<p:notes xmlns:a="http://schemas.openxmlformats.org/drawingml/2006/main" xmlns:r="http://schemas.openxmlformats.org/officeDocument/2006/relationships" xmlns:p="http://schemas.openxmlformats.org/presentationml/2006/main">
+  <p:cSld>
+    <p:spTree>
+      <p:nvGrpSpPr>
+        <p:cNvPr id="1" name=""/>
+        <p:cNvGrpSpPr/>
+        <p:nvPr/>
+      </p:nvGrpSpPr>
+      <p:grpSpPr>
+        <a:xfrm>
+          <a:off x="0" y="0"/>
+          <a:ext cx="0" cy="0"/>
+          <a:chOff x="0" y="0"/>
+          <a:chExt cx="0" cy="0"/>
+        </a:xfrm>
+      </p:grpSpPr>
+      <p:sp>
+        <p:nvSpPr>
+          <p:cNvPr id="2" name="スライド イメージ プレースホルダー 1"/>
+          <p:cNvSpPr>
+            <a:spLocks noGrp="1" noRot="1" noChangeAspect="1"/>
+          </p:cNvSpPr>
+          <p:nvPr>
+            <p:ph type="sldImg"/>
+          </p:nvPr>
+        </p:nvSpPr>
+        <p:spPr/>
+      </p:sp>
+      <p:sp>
+        <p:nvSpPr>
+          <p:cNvPr id="3" name="ノート プレースホルダー 2"/>
+          <p:cNvSpPr>
+            <a:spLocks noGrp="1"/>
+          </p:cNvSpPr>
+          <p:nvPr>
+            <p:ph type="body" idx="1"/>
+          </p:nvPr>
+        </p:nvSpPr>
+        <p:spPr/>
+        <p:txBody>
+          <a:bodyPr/>
+          <a:lstStyle/>
+          <a:p>
+            <a:r>
+              <a:rPr kumimoji="1" lang="en-US" altLang="ja-JP" dirty="0"/>
+              <a:t>I will explain our clustering method in this flow.</a:t>
+            </a:r>
+            <a:endParaRPr kumimoji="1" lang="ja-JP" altLang="en-US" dirty="0"/>
+          </a:p>
+        </p:txBody>
+      </p:sp>
+      <p:sp>
+        <p:nvSpPr>
+          <p:cNvPr id="4" name="スライド番号プレースホルダー 3"/>
+          <p:cNvSpPr>
+            <a:spLocks noGrp="1"/>
+          </p:cNvSpPr>
+          <p:nvPr>
+            <p:ph type="sldNum" sz="quarter" idx="5"/>
+          </p:nvPr>
+        </p:nvSpPr>
+        <p:spPr/>
+        <p:txBody>
+          <a:bodyPr/>
+          <a:lstStyle/>
+          <a:p>
+            <a:fld id="{9E1C67F3-BA0B-B442-BA23-A3194F4E98B9}" type="slidenum">
+              <a:rPr kumimoji="1" lang="ja-JP" altLang="en-US" smtClean="0"/>
+              <a:t>15</a:t>
+            </a:fld>
+            <a:endParaRPr kumimoji="1" lang="ja-JP" altLang="en-US"/>
+          </a:p>
+        </p:txBody>
+      </p:sp>
+    </p:spTree>
+    <p:extLst>
+      <p:ext uri="{BB962C8B-B14F-4D97-AF65-F5344CB8AC3E}">
+        <p14:creationId xmlns:p14="http://schemas.microsoft.com/office/powerpoint/2010/main" val="1987002808"/>
       </p:ext>
     </p:extLst>
   </p:cSld>
@@ -1178,7 +1793,7 @@
           <a:p>
             <a:fld id="{BD0278C9-95CB-4376-8F0E-620384947EDC}" type="datetimeFigureOut">
               <a:rPr kumimoji="1" lang="ja-JP" altLang="en-US" smtClean="0"/>
-              <a:t>2019/9/12</a:t>
+              <a:t>2019/9/13</a:t>
             </a:fld>
             <a:endParaRPr kumimoji="1" lang="ja-JP" altLang="en-US"/>
           </a:p>
@@ -1383,7 +1998,7 @@
           <a:p>
             <a:fld id="{BD0278C9-95CB-4376-8F0E-620384947EDC}" type="datetimeFigureOut">
               <a:rPr kumimoji="1" lang="ja-JP" altLang="en-US" smtClean="0"/>
-              <a:t>2019/9/12</a:t>
+              <a:t>2019/9/13</a:t>
             </a:fld>
             <a:endParaRPr kumimoji="1" lang="ja-JP" altLang="en-US"/>
           </a:p>
@@ -1598,7 +2213,7 @@
           <a:p>
             <a:fld id="{BD0278C9-95CB-4376-8F0E-620384947EDC}" type="datetimeFigureOut">
               <a:rPr kumimoji="1" lang="ja-JP" altLang="en-US" smtClean="0"/>
-              <a:t>2019/9/12</a:t>
+              <a:t>2019/9/13</a:t>
             </a:fld>
             <a:endParaRPr kumimoji="1" lang="ja-JP" altLang="en-US"/>
           </a:p>
@@ -1803,7 +2418,7 @@
           <a:p>
             <a:fld id="{BD0278C9-95CB-4376-8F0E-620384947EDC}" type="datetimeFigureOut">
               <a:rPr kumimoji="1" lang="ja-JP" altLang="en-US" smtClean="0"/>
-              <a:t>2019/9/12</a:t>
+              <a:t>2019/9/13</a:t>
             </a:fld>
             <a:endParaRPr kumimoji="1" lang="ja-JP" altLang="en-US"/>
           </a:p>
@@ -2113,7 +2728,7 @@
           <a:p>
             <a:fld id="{BD0278C9-95CB-4376-8F0E-620384947EDC}" type="datetimeFigureOut">
               <a:rPr kumimoji="1" lang="ja-JP" altLang="en-US" smtClean="0"/>
-              <a:t>2019/9/12</a:t>
+              <a:t>2019/9/13</a:t>
             </a:fld>
             <a:endParaRPr kumimoji="1" lang="ja-JP" altLang="en-US"/>
           </a:p>
@@ -2454,7 +3069,7 @@
           <a:p>
             <a:fld id="{BD0278C9-95CB-4376-8F0E-620384947EDC}" type="datetimeFigureOut">
               <a:rPr kumimoji="1" lang="ja-JP" altLang="en-US" smtClean="0"/>
-              <a:t>2019/9/12</a:t>
+              <a:t>2019/9/13</a:t>
             </a:fld>
             <a:endParaRPr kumimoji="1" lang="ja-JP" altLang="en-US"/>
           </a:p>
@@ -2950,7 +3565,7 @@
           <a:p>
             <a:fld id="{BD0278C9-95CB-4376-8F0E-620384947EDC}" type="datetimeFigureOut">
               <a:rPr kumimoji="1" lang="ja-JP" altLang="en-US" smtClean="0"/>
-              <a:t>2019/9/12</a:t>
+              <a:t>2019/9/13</a:t>
             </a:fld>
             <a:endParaRPr kumimoji="1" lang="ja-JP" altLang="en-US"/>
           </a:p>
@@ -3091,7 +3706,7 @@
           <a:p>
             <a:fld id="{BD0278C9-95CB-4376-8F0E-620384947EDC}" type="datetimeFigureOut">
               <a:rPr kumimoji="1" lang="ja-JP" altLang="en-US" smtClean="0"/>
-              <a:t>2019/9/12</a:t>
+              <a:t>2019/9/13</a:t>
             </a:fld>
             <a:endParaRPr kumimoji="1" lang="ja-JP" altLang="en-US"/>
           </a:p>
@@ -3204,7 +3819,7 @@
           <a:p>
             <a:fld id="{BD0278C9-95CB-4376-8F0E-620384947EDC}" type="datetimeFigureOut">
               <a:rPr kumimoji="1" lang="ja-JP" altLang="en-US" smtClean="0"/>
-              <a:t>2019/9/12</a:t>
+              <a:t>2019/9/13</a:t>
             </a:fld>
             <a:endParaRPr kumimoji="1" lang="ja-JP" altLang="en-US"/>
           </a:p>
@@ -3557,7 +4172,7 @@
           <a:p>
             <a:fld id="{BD0278C9-95CB-4376-8F0E-620384947EDC}" type="datetimeFigureOut">
               <a:rPr kumimoji="1" lang="ja-JP" altLang="en-US" smtClean="0"/>
-              <a:t>2019/9/12</a:t>
+              <a:t>2019/9/13</a:t>
             </a:fld>
             <a:endParaRPr kumimoji="1" lang="ja-JP" altLang="en-US"/>
           </a:p>
@@ -3880,7 +4495,7 @@
           <a:p>
             <a:fld id="{BD0278C9-95CB-4376-8F0E-620384947EDC}" type="datetimeFigureOut">
               <a:rPr kumimoji="1" lang="ja-JP" altLang="en-US" smtClean="0"/>
-              <a:t>2019/9/12</a:t>
+              <a:t>2019/9/13</a:t>
             </a:fld>
             <a:endParaRPr kumimoji="1" lang="ja-JP" altLang="en-US"/>
           </a:p>
@@ -4128,7 +4743,7 @@
           <a:p>
             <a:fld id="{BD0278C9-95CB-4376-8F0E-620384947EDC}" type="datetimeFigureOut">
               <a:rPr kumimoji="1" lang="ja-JP" altLang="en-US" smtClean="0"/>
-              <a:t>2019/9/12</a:t>
+              <a:t>2019/9/13</a:t>
             </a:fld>
             <a:endParaRPr kumimoji="1" lang="ja-JP" altLang="en-US"/>
           </a:p>
@@ -4684,6 +5299,225 @@
           <p:cNvPr id="2" name="タイトル 1">
             <a:extLst>
               <a:ext uri="{FF2B5EF4-FFF2-40B4-BE49-F238E27FC236}">
+                <a16:creationId xmlns:a16="http://schemas.microsoft.com/office/drawing/2014/main" id="{05FEC452-1FEB-44B5-B01B-55119DEEE2B7}"/>
+              </a:ext>
+            </a:extLst>
+          </p:cNvPr>
+          <p:cNvSpPr>
+            <a:spLocks noGrp="1"/>
+          </p:cNvSpPr>
+          <p:nvPr>
+            <p:ph type="ctrTitle"/>
+          </p:nvPr>
+        </p:nvSpPr>
+        <p:spPr>
+          <a:xfrm>
+            <a:off x="1246063" y="487815"/>
+            <a:ext cx="10087429" cy="3649097"/>
+          </a:xfrm>
+        </p:spPr>
+        <p:txBody>
+          <a:bodyPr>
+            <a:normAutofit/>
+          </a:bodyPr>
+          <a:lstStyle/>
+          <a:p>
+            <a:r>
+              <a:rPr kumimoji="1" lang="en-US" altLang="ja-JP" sz="8000" b="1" dirty="0">
+                <a:effectLst>
+                  <a:outerShdw blurRad="38100" dist="38100" dir="2700000" algn="tl">
+                    <a:srgbClr val="000000">
+                      <a:alpha val="43137"/>
+                    </a:srgbClr>
+                  </a:outerShdw>
+                </a:effectLst>
+                <a:latin typeface="+mn-lt"/>
+              </a:rPr>
+              <a:t>How to Cluster ?</a:t>
+            </a:r>
+            <a:endParaRPr kumimoji="1" lang="ja-JP" altLang="en-US" sz="8000" b="1" dirty="0">
+              <a:effectLst>
+                <a:outerShdw blurRad="38100" dist="38100" dir="2700000" algn="tl">
+                  <a:srgbClr val="000000">
+                    <a:alpha val="43137"/>
+                  </a:srgbClr>
+                </a:outerShdw>
+              </a:effectLst>
+              <a:latin typeface="+mn-lt"/>
+            </a:endParaRPr>
+          </a:p>
+        </p:txBody>
+      </p:sp>
+    </p:spTree>
+    <p:extLst>
+      <p:ext uri="{BB962C8B-B14F-4D97-AF65-F5344CB8AC3E}">
+        <p14:creationId xmlns:p14="http://schemas.microsoft.com/office/powerpoint/2010/main" val="3137902839"/>
+      </p:ext>
+    </p:extLst>
+  </p:cSld>
+  <p:clrMapOvr>
+    <a:masterClrMapping/>
+  </p:clrMapOvr>
+  <p:timing>
+    <p:tnLst>
+      <p:par>
+        <p:cTn id="1" dur="indefinite" restart="never" nodeType="tmRoot">
+          <p:childTnLst>
+            <p:seq concurrent="1" nextAc="seek">
+              <p:cTn id="2" dur="indefinite" nodeType="mainSeq">
+                <p:childTnLst>
+                  <p:par>
+                    <p:cTn id="3" fill="hold">
+                      <p:stCondLst>
+                        <p:cond delay="indefinite"/>
+                        <p:cond evt="onBegin" delay="0">
+                          <p:tn val="2"/>
+                        </p:cond>
+                      </p:stCondLst>
+                      <p:childTnLst>
+                        <p:par>
+                          <p:cTn id="4" fill="hold">
+                            <p:stCondLst>
+                              <p:cond delay="0"/>
+                            </p:stCondLst>
+                            <p:childTnLst>
+                              <p:par>
+                                <p:cTn id="5" presetID="42" presetClass="entr" presetSubtype="0" fill="hold" grpId="0" nodeType="withEffect">
+                                  <p:stCondLst>
+                                    <p:cond delay="0"/>
+                                  </p:stCondLst>
+                                  <p:childTnLst>
+                                    <p:set>
+                                      <p:cBhvr>
+                                        <p:cTn id="6" dur="1" fill="hold">
+                                          <p:stCondLst>
+                                            <p:cond delay="0"/>
+                                          </p:stCondLst>
+                                        </p:cTn>
+                                        <p:tgtEl>
+                                          <p:spTgt spid="2"/>
+                                        </p:tgtEl>
+                                        <p:attrNameLst>
+                                          <p:attrName>style.visibility</p:attrName>
+                                        </p:attrNameLst>
+                                      </p:cBhvr>
+                                      <p:to>
+                                        <p:strVal val="visible"/>
+                                      </p:to>
+                                    </p:set>
+                                    <p:animEffect transition="in" filter="fade">
+                                      <p:cBhvr>
+                                        <p:cTn id="7" dur="1000"/>
+                                        <p:tgtEl>
+                                          <p:spTgt spid="2"/>
+                                        </p:tgtEl>
+                                      </p:cBhvr>
+                                    </p:animEffect>
+                                    <p:anim calcmode="lin" valueType="num">
+                                      <p:cBhvr>
+                                        <p:cTn id="8" dur="1000" fill="hold"/>
+                                        <p:tgtEl>
+                                          <p:spTgt spid="2"/>
+                                        </p:tgtEl>
+                                        <p:attrNameLst>
+                                          <p:attrName>ppt_x</p:attrName>
+                                        </p:attrNameLst>
+                                      </p:cBhvr>
+                                      <p:tavLst>
+                                        <p:tav tm="0">
+                                          <p:val>
+                                            <p:strVal val="#ppt_x"/>
+                                          </p:val>
+                                        </p:tav>
+                                        <p:tav tm="100000">
+                                          <p:val>
+                                            <p:strVal val="#ppt_x"/>
+                                          </p:val>
+                                        </p:tav>
+                                      </p:tavLst>
+                                    </p:anim>
+                                    <p:anim calcmode="lin" valueType="num">
+                                      <p:cBhvr>
+                                        <p:cTn id="9" dur="1000" fill="hold"/>
+                                        <p:tgtEl>
+                                          <p:spTgt spid="2"/>
+                                        </p:tgtEl>
+                                        <p:attrNameLst>
+                                          <p:attrName>ppt_y</p:attrName>
+                                        </p:attrNameLst>
+                                      </p:cBhvr>
+                                      <p:tavLst>
+                                        <p:tav tm="0">
+                                          <p:val>
+                                            <p:strVal val="#ppt_y+.1"/>
+                                          </p:val>
+                                        </p:tav>
+                                        <p:tav tm="100000">
+                                          <p:val>
+                                            <p:strVal val="#ppt_y"/>
+                                          </p:val>
+                                        </p:tav>
+                                      </p:tavLst>
+                                    </p:anim>
+                                  </p:childTnLst>
+                                </p:cTn>
+                              </p:par>
+                            </p:childTnLst>
+                          </p:cTn>
+                        </p:par>
+                      </p:childTnLst>
+                    </p:cTn>
+                  </p:par>
+                </p:childTnLst>
+              </p:cTn>
+              <p:prevCondLst>
+                <p:cond evt="onPrev" delay="0">
+                  <p:tgtEl>
+                    <p:sldTgt/>
+                  </p:tgtEl>
+                </p:cond>
+              </p:prevCondLst>
+              <p:nextCondLst>
+                <p:cond evt="onNext" delay="0">
+                  <p:tgtEl>
+                    <p:sldTgt/>
+                  </p:tgtEl>
+                </p:cond>
+              </p:nextCondLst>
+            </p:seq>
+          </p:childTnLst>
+        </p:cTn>
+      </p:par>
+    </p:tnLst>
+    <p:bldLst>
+      <p:bldP spid="2" grpId="0"/>
+    </p:bldLst>
+  </p:timing>
+</p:sld>
+</file>
+
+<file path=ppt/slides/slide11.xml><?xml version="1.0" encoding="utf-8"?>
+<p:sld xmlns:a="http://schemas.openxmlformats.org/drawingml/2006/main" xmlns:r="http://schemas.openxmlformats.org/officeDocument/2006/relationships" xmlns:p="http://schemas.openxmlformats.org/presentationml/2006/main">
+  <p:cSld>
+    <p:spTree>
+      <p:nvGrpSpPr>
+        <p:cNvPr id="1" name=""/>
+        <p:cNvGrpSpPr/>
+        <p:nvPr/>
+      </p:nvGrpSpPr>
+      <p:grpSpPr>
+        <a:xfrm>
+          <a:off x="0" y="0"/>
+          <a:ext cx="0" cy="0"/>
+          <a:chOff x="0" y="0"/>
+          <a:chExt cx="0" cy="0"/>
+        </a:xfrm>
+      </p:grpSpPr>
+      <p:sp>
+        <p:nvSpPr>
+          <p:cNvPr id="2" name="タイトル 1">
+            <a:extLst>
+              <a:ext uri="{FF2B5EF4-FFF2-40B4-BE49-F238E27FC236}">
                 <a16:creationId xmlns:a16="http://schemas.microsoft.com/office/drawing/2014/main" id="{162BB91B-3D5F-40D6-9780-4A263D504DF7}"/>
               </a:ext>
             </a:extLst>
@@ -4741,6 +5575,402 @@
           </a:bodyPr>
           <a:lstStyle/>
           <a:p>
+            <a:pPr marL="457200" indent="-457200">
+              <a:buFont typeface="+mj-lt"/>
+              <a:buAutoNum type="arabicPeriod"/>
+            </a:pPr>
+            <a:r>
+              <a:rPr lang="en-US" altLang="ja-JP" dirty="0">
+                <a:solidFill>
+                  <a:schemeClr val="tx1"/>
+                </a:solidFill>
+              </a:rPr>
+              <a:t>Get item information from ”Rakuten API”</a:t>
+            </a:r>
+            <a:endParaRPr kumimoji="1" lang="en-US" altLang="ja-JP" dirty="0">
+              <a:solidFill>
+                <a:schemeClr val="tx1"/>
+              </a:solidFill>
+            </a:endParaRPr>
+          </a:p>
+          <a:p>
+            <a:pPr marL="457200" indent="-457200">
+              <a:buFont typeface="+mj-lt"/>
+              <a:buAutoNum type="arabicPeriod"/>
+            </a:pPr>
+            <a:endParaRPr lang="en-US" altLang="ja-JP" dirty="0">
+              <a:solidFill>
+                <a:schemeClr val="tx1"/>
+              </a:solidFill>
+            </a:endParaRPr>
+          </a:p>
+          <a:p>
+            <a:pPr marL="457200" indent="-457200">
+              <a:buFont typeface="+mj-lt"/>
+              <a:buAutoNum type="arabicPeriod"/>
+            </a:pPr>
+            <a:r>
+              <a:rPr kumimoji="1" lang="en-US" altLang="ja-JP" dirty="0">
+                <a:solidFill>
+                  <a:schemeClr val="tx1"/>
+                </a:solidFill>
+              </a:rPr>
+              <a:t>Cluster the same item from different shops</a:t>
+            </a:r>
+          </a:p>
+          <a:p>
+            <a:pPr marL="457200" indent="-457200">
+              <a:buFont typeface="+mj-lt"/>
+              <a:buAutoNum type="arabicPeriod"/>
+            </a:pPr>
+            <a:endParaRPr kumimoji="1" lang="en-US" altLang="ja-JP" dirty="0">
+              <a:solidFill>
+                <a:schemeClr val="tx1"/>
+              </a:solidFill>
+            </a:endParaRPr>
+          </a:p>
+          <a:p>
+            <a:pPr marL="457200" indent="-457200">
+              <a:buFont typeface="+mj-lt"/>
+              <a:buAutoNum type="arabicPeriod"/>
+            </a:pPr>
+            <a:r>
+              <a:rPr lang="en-US" altLang="ja-JP" dirty="0">
+                <a:solidFill>
+                  <a:schemeClr val="tx1"/>
+                </a:solidFill>
+              </a:rPr>
+              <a:t>Show the detail of item and the range of price in search result page</a:t>
+            </a:r>
+            <a:endParaRPr kumimoji="1" lang="en-US" altLang="ja-JP" dirty="0">
+              <a:solidFill>
+                <a:schemeClr val="tx1"/>
+              </a:solidFill>
+            </a:endParaRPr>
+          </a:p>
+          <a:p>
+            <a:pPr marL="457200" indent="-457200">
+              <a:buFont typeface="+mj-lt"/>
+              <a:buAutoNum type="arabicPeriod"/>
+            </a:pPr>
+            <a:endParaRPr lang="en-US" altLang="ja-JP" dirty="0">
+              <a:solidFill>
+                <a:schemeClr val="tx1"/>
+              </a:solidFill>
+            </a:endParaRPr>
+          </a:p>
+          <a:p>
+            <a:pPr marL="457200" indent="-457200">
+              <a:buFont typeface="+mj-lt"/>
+              <a:buAutoNum type="arabicPeriod"/>
+            </a:pPr>
+            <a:r>
+              <a:rPr lang="en-US" altLang="ja-JP" dirty="0">
+                <a:solidFill>
+                  <a:schemeClr val="tx1"/>
+                </a:solidFill>
+              </a:rPr>
+              <a:t>Compare the price and Rakuten Point by shops in detail page</a:t>
+            </a:r>
+          </a:p>
+        </p:txBody>
+      </p:sp>
+      <p:sp>
+        <p:nvSpPr>
+          <p:cNvPr id="6" name="四角形: 角を丸くする 4">
+            <a:extLst>
+              <a:ext uri="{FF2B5EF4-FFF2-40B4-BE49-F238E27FC236}">
+                <a16:creationId xmlns:a16="http://schemas.microsoft.com/office/drawing/2014/main" id="{2C3D01C3-4FDD-E54A-BF64-92856A191F4A}"/>
+              </a:ext>
+            </a:extLst>
+          </p:cNvPr>
+          <p:cNvSpPr/>
+          <p:nvPr/>
+        </p:nvSpPr>
+        <p:spPr>
+          <a:xfrm>
+            <a:off x="464458" y="420914"/>
+            <a:ext cx="4113598" cy="812800"/>
+          </a:xfrm>
+          <a:prstGeom prst="roundRect">
+            <a:avLst/>
+          </a:prstGeom>
+          <a:solidFill>
+            <a:srgbClr val="DC143C"/>
+          </a:solidFill>
+        </p:spPr>
+        <p:style>
+          <a:lnRef idx="2">
+            <a:schemeClr val="accent1">
+              <a:shade val="50000"/>
+            </a:schemeClr>
+          </a:lnRef>
+          <a:fillRef idx="1">
+            <a:schemeClr val="accent1"/>
+          </a:fillRef>
+          <a:effectRef idx="0">
+            <a:schemeClr val="accent1"/>
+          </a:effectRef>
+          <a:fontRef idx="minor">
+            <a:schemeClr val="lt1"/>
+          </a:fontRef>
+        </p:style>
+        <p:txBody>
+          <a:bodyPr rtlCol="0" anchor="ctr"/>
+          <a:lstStyle/>
+          <a:p>
+            <a:r>
+              <a:rPr lang="en-US" altLang="ja-JP" sz="3200" dirty="0">
+                <a:effectLst>
+                  <a:outerShdw blurRad="38100" dist="38100" dir="2700000" algn="tl">
+                    <a:srgbClr val="000000">
+                      <a:alpha val="43137"/>
+                    </a:srgbClr>
+                  </a:outerShdw>
+                </a:effectLst>
+              </a:rPr>
+              <a:t>Clustering one item</a:t>
+            </a:r>
+            <a:endParaRPr lang="ja-JP" altLang="en-US" sz="3200" dirty="0">
+              <a:effectLst>
+                <a:outerShdw blurRad="38100" dist="38100" dir="2700000" algn="tl">
+                  <a:srgbClr val="000000">
+                    <a:alpha val="43137"/>
+                  </a:srgbClr>
+                </a:outerShdw>
+              </a:effectLst>
+            </a:endParaRPr>
+          </a:p>
+        </p:txBody>
+      </p:sp>
+    </p:spTree>
+    <p:extLst>
+      <p:ext uri="{BB962C8B-B14F-4D97-AF65-F5344CB8AC3E}">
+        <p14:creationId xmlns:p14="http://schemas.microsoft.com/office/powerpoint/2010/main" val="2750315736"/>
+      </p:ext>
+    </p:extLst>
+  </p:cSld>
+  <p:clrMapOvr>
+    <a:masterClrMapping/>
+  </p:clrMapOvr>
+  <p:timing>
+    <p:tnLst>
+      <p:par>
+        <p:cTn id="1" dur="indefinite" restart="never" nodeType="tmRoot">
+          <p:childTnLst>
+            <p:seq concurrent="1" nextAc="seek">
+              <p:cTn id="2" dur="indefinite" nodeType="mainSeq">
+                <p:childTnLst>
+                  <p:par>
+                    <p:cTn id="3" fill="hold">
+                      <p:stCondLst>
+                        <p:cond delay="indefinite"/>
+                      </p:stCondLst>
+                      <p:childTnLst>
+                        <p:par>
+                          <p:cTn id="4" fill="hold">
+                            <p:stCondLst>
+                              <p:cond delay="0"/>
+                            </p:stCondLst>
+                            <p:childTnLst>
+                              <p:par>
+                                <p:cTn id="5" presetID="3" presetClass="emph" presetSubtype="2" fill="hold" grpId="0" nodeType="clickEffect">
+                                  <p:stCondLst>
+                                    <p:cond delay="0"/>
+                                  </p:stCondLst>
+                                  <p:childTnLst>
+                                    <p:animClr clrSpc="rgb" dir="cw">
+                                      <p:cBhvr override="childStyle">
+                                        <p:cTn id="6" dur="500" fill="hold"/>
+                                        <p:tgtEl>
+                                          <p:spTgt spid="3">
+                                            <p:txEl>
+                                              <p:pRg st="2" end="2"/>
+                                            </p:txEl>
+                                          </p:spTgt>
+                                        </p:tgtEl>
+                                        <p:attrNameLst>
+                                          <p:attrName>style.color</p:attrName>
+                                        </p:attrNameLst>
+                                      </p:cBhvr>
+                                      <p:to>
+                                        <a:srgbClr val="BFBFBF"/>
+                                      </p:to>
+                                    </p:animClr>
+                                  </p:childTnLst>
+                                </p:cTn>
+                              </p:par>
+                              <p:par>
+                                <p:cTn id="7" presetID="3" presetClass="emph" presetSubtype="2" fill="hold" grpId="0" nodeType="withEffect">
+                                  <p:stCondLst>
+                                    <p:cond delay="0"/>
+                                  </p:stCondLst>
+                                  <p:childTnLst>
+                                    <p:animClr clrSpc="rgb" dir="cw">
+                                      <p:cBhvr override="childStyle">
+                                        <p:cTn id="8" dur="500" fill="hold"/>
+                                        <p:tgtEl>
+                                          <p:spTgt spid="3">
+                                            <p:txEl>
+                                              <p:pRg st="4" end="4"/>
+                                            </p:txEl>
+                                          </p:spTgt>
+                                        </p:tgtEl>
+                                        <p:attrNameLst>
+                                          <p:attrName>style.color</p:attrName>
+                                        </p:attrNameLst>
+                                      </p:cBhvr>
+                                      <p:to>
+                                        <a:srgbClr val="BFBFBF"/>
+                                      </p:to>
+                                    </p:animClr>
+                                  </p:childTnLst>
+                                </p:cTn>
+                              </p:par>
+                              <p:par>
+                                <p:cTn id="9" presetID="3" presetClass="emph" presetSubtype="2" fill="hold" grpId="0" nodeType="withEffect">
+                                  <p:stCondLst>
+                                    <p:cond delay="0"/>
+                                  </p:stCondLst>
+                                  <p:childTnLst>
+                                    <p:animClr clrSpc="rgb" dir="cw">
+                                      <p:cBhvr override="childStyle">
+                                        <p:cTn id="10" dur="500" fill="hold"/>
+                                        <p:tgtEl>
+                                          <p:spTgt spid="3">
+                                            <p:txEl>
+                                              <p:pRg st="6" end="6"/>
+                                            </p:txEl>
+                                          </p:spTgt>
+                                        </p:tgtEl>
+                                        <p:attrNameLst>
+                                          <p:attrName>style.color</p:attrName>
+                                        </p:attrNameLst>
+                                      </p:cBhvr>
+                                      <p:to>
+                                        <a:srgbClr val="BFBFBF"/>
+                                      </p:to>
+                                    </p:animClr>
+                                  </p:childTnLst>
+                                </p:cTn>
+                              </p:par>
+                            </p:childTnLst>
+                          </p:cTn>
+                        </p:par>
+                      </p:childTnLst>
+                    </p:cTn>
+                  </p:par>
+                </p:childTnLst>
+              </p:cTn>
+              <p:prevCondLst>
+                <p:cond evt="onPrev" delay="0">
+                  <p:tgtEl>
+                    <p:sldTgt/>
+                  </p:tgtEl>
+                </p:cond>
+              </p:prevCondLst>
+              <p:nextCondLst>
+                <p:cond evt="onNext" delay="0">
+                  <p:tgtEl>
+                    <p:sldTgt/>
+                  </p:tgtEl>
+                </p:cond>
+              </p:nextCondLst>
+            </p:seq>
+          </p:childTnLst>
+        </p:cTn>
+      </p:par>
+    </p:tnLst>
+    <p:bldLst>
+      <p:bldP spid="3" grpId="0" uiExpand="1" build="p"/>
+    </p:bldLst>
+  </p:timing>
+</p:sld>
+</file>
+
+<file path=ppt/slides/slide12.xml><?xml version="1.0" encoding="utf-8"?>
+<p:sld xmlns:a="http://schemas.openxmlformats.org/drawingml/2006/main" xmlns:r="http://schemas.openxmlformats.org/officeDocument/2006/relationships" xmlns:p="http://schemas.openxmlformats.org/presentationml/2006/main">
+  <p:cSld>
+    <p:spTree>
+      <p:nvGrpSpPr>
+        <p:cNvPr id="1" name=""/>
+        <p:cNvGrpSpPr/>
+        <p:nvPr/>
+      </p:nvGrpSpPr>
+      <p:grpSpPr>
+        <a:xfrm>
+          <a:off x="0" y="0"/>
+          <a:ext cx="0" cy="0"/>
+          <a:chOff x="0" y="0"/>
+          <a:chExt cx="0" cy="0"/>
+        </a:xfrm>
+      </p:grpSpPr>
+      <p:sp>
+        <p:nvSpPr>
+          <p:cNvPr id="2" name="タイトル 1">
+            <a:extLst>
+              <a:ext uri="{FF2B5EF4-FFF2-40B4-BE49-F238E27FC236}">
+                <a16:creationId xmlns:a16="http://schemas.microsoft.com/office/drawing/2014/main" id="{162BB91B-3D5F-40D6-9780-4A263D504DF7}"/>
+              </a:ext>
+            </a:extLst>
+          </p:cNvPr>
+          <p:cNvSpPr>
+            <a:spLocks noGrp="1"/>
+          </p:cNvSpPr>
+          <p:nvPr>
+            <p:ph type="title"/>
+          </p:nvPr>
+        </p:nvSpPr>
+        <p:spPr>
+          <a:xfrm>
+            <a:off x="142420" y="5786891"/>
+            <a:ext cx="11211380" cy="1002846"/>
+          </a:xfrm>
+        </p:spPr>
+        <p:txBody>
+          <a:bodyPr/>
+          <a:lstStyle/>
+          <a:p>
+            <a:r>
+              <a:rPr kumimoji="1" lang="en-US" altLang="ja-JP" dirty="0"/>
+              <a:t>3. Challenges and Solutions</a:t>
+            </a:r>
+            <a:endParaRPr kumimoji="1" lang="ja-JP" altLang="en-US" dirty="0"/>
+          </a:p>
+        </p:txBody>
+      </p:sp>
+      <p:sp>
+        <p:nvSpPr>
+          <p:cNvPr id="3" name="テキスト プレースホルダー 2">
+            <a:extLst>
+              <a:ext uri="{FF2B5EF4-FFF2-40B4-BE49-F238E27FC236}">
+                <a16:creationId xmlns:a16="http://schemas.microsoft.com/office/drawing/2014/main" id="{3F1E7B7C-CCC0-400C-8A2D-D50BF4251EA6}"/>
+              </a:ext>
+            </a:extLst>
+          </p:cNvPr>
+          <p:cNvSpPr>
+            <a:spLocks noGrp="1"/>
+          </p:cNvSpPr>
+          <p:nvPr>
+            <p:ph type="body" idx="1"/>
+          </p:nvPr>
+        </p:nvSpPr>
+        <p:spPr>
+          <a:xfrm>
+            <a:off x="838200" y="1548719"/>
+            <a:ext cx="10515600" cy="4097338"/>
+          </a:xfrm>
+        </p:spPr>
+        <p:txBody>
+          <a:bodyPr>
+            <a:normAutofit/>
+          </a:bodyPr>
+          <a:lstStyle/>
+          <a:p>
+            <a:pPr marL="457200" indent="-457200">
+              <a:buFont typeface="Arial" panose="020B0604020202020204" pitchFamily="34" charset="0"/>
+              <a:buChar char="•"/>
+            </a:pPr>
             <a:r>
               <a:rPr lang="en-US" altLang="ja-JP" sz="3200" dirty="0">
                 <a:solidFill>
@@ -4996,7 +6226,372 @@
 </p:sld>
 </file>
 
-<file path=ppt/slides/slide11.xml><?xml version="1.0" encoding="utf-8"?>
+<file path=ppt/slides/slide13.xml><?xml version="1.0" encoding="utf-8"?>
+<p:sld xmlns:a="http://schemas.openxmlformats.org/drawingml/2006/main" xmlns:r="http://schemas.openxmlformats.org/officeDocument/2006/relationships" xmlns:p="http://schemas.openxmlformats.org/presentationml/2006/main">
+  <p:cSld>
+    <p:spTree>
+      <p:nvGrpSpPr>
+        <p:cNvPr id="1" name=""/>
+        <p:cNvGrpSpPr/>
+        <p:nvPr/>
+      </p:nvGrpSpPr>
+      <p:grpSpPr>
+        <a:xfrm>
+          <a:off x="0" y="0"/>
+          <a:ext cx="0" cy="0"/>
+          <a:chOff x="0" y="0"/>
+          <a:chExt cx="0" cy="0"/>
+        </a:xfrm>
+      </p:grpSpPr>
+      <p:sp>
+        <p:nvSpPr>
+          <p:cNvPr id="2" name="タイトル 1">
+            <a:extLst>
+              <a:ext uri="{FF2B5EF4-FFF2-40B4-BE49-F238E27FC236}">
+                <a16:creationId xmlns:a16="http://schemas.microsoft.com/office/drawing/2014/main" id="{162BB91B-3D5F-40D6-9780-4A263D504DF7}"/>
+              </a:ext>
+            </a:extLst>
+          </p:cNvPr>
+          <p:cNvSpPr>
+            <a:spLocks noGrp="1"/>
+          </p:cNvSpPr>
+          <p:nvPr>
+            <p:ph type="title"/>
+          </p:nvPr>
+        </p:nvSpPr>
+        <p:spPr>
+          <a:xfrm>
+            <a:off x="142420" y="5786891"/>
+            <a:ext cx="11211380" cy="1002846"/>
+          </a:xfrm>
+        </p:spPr>
+        <p:txBody>
+          <a:bodyPr/>
+          <a:lstStyle/>
+          <a:p>
+            <a:r>
+              <a:rPr kumimoji="1" lang="en-US" altLang="ja-JP" dirty="0"/>
+              <a:t>3. Challenges and Solutions</a:t>
+            </a:r>
+            <a:endParaRPr kumimoji="1" lang="ja-JP" altLang="en-US" dirty="0"/>
+          </a:p>
+        </p:txBody>
+      </p:sp>
+      <p:sp>
+        <p:nvSpPr>
+          <p:cNvPr id="3" name="テキスト プレースホルダー 2">
+            <a:extLst>
+              <a:ext uri="{FF2B5EF4-FFF2-40B4-BE49-F238E27FC236}">
+                <a16:creationId xmlns:a16="http://schemas.microsoft.com/office/drawing/2014/main" id="{3F1E7B7C-CCC0-400C-8A2D-D50BF4251EA6}"/>
+              </a:ext>
+            </a:extLst>
+          </p:cNvPr>
+          <p:cNvSpPr>
+            <a:spLocks noGrp="1"/>
+          </p:cNvSpPr>
+          <p:nvPr>
+            <p:ph type="body" idx="1"/>
+          </p:nvPr>
+        </p:nvSpPr>
+        <p:spPr>
+          <a:xfrm>
+            <a:off x="838200" y="1548719"/>
+            <a:ext cx="10515600" cy="4097338"/>
+          </a:xfrm>
+        </p:spPr>
+        <p:txBody>
+          <a:bodyPr>
+            <a:normAutofit/>
+          </a:bodyPr>
+          <a:lstStyle/>
+          <a:p>
+            <a:pPr marL="457200" indent="-457200">
+              <a:buFont typeface="+mj-lt"/>
+              <a:buAutoNum type="arabicPeriod"/>
+            </a:pPr>
+            <a:r>
+              <a:rPr lang="en-US" altLang="ja-JP" dirty="0">
+                <a:solidFill>
+                  <a:schemeClr val="tx1"/>
+                </a:solidFill>
+              </a:rPr>
+              <a:t>Get item information from ”Rakuten API”</a:t>
+            </a:r>
+            <a:endParaRPr kumimoji="1" lang="en-US" altLang="ja-JP" dirty="0">
+              <a:solidFill>
+                <a:schemeClr val="tx1"/>
+              </a:solidFill>
+            </a:endParaRPr>
+          </a:p>
+          <a:p>
+            <a:pPr marL="457200" indent="-457200">
+              <a:buFont typeface="+mj-lt"/>
+              <a:buAutoNum type="arabicPeriod"/>
+            </a:pPr>
+            <a:endParaRPr lang="en-US" altLang="ja-JP" dirty="0">
+              <a:solidFill>
+                <a:schemeClr val="tx1"/>
+              </a:solidFill>
+            </a:endParaRPr>
+          </a:p>
+          <a:p>
+            <a:pPr marL="457200" indent="-457200">
+              <a:buFont typeface="+mj-lt"/>
+              <a:buAutoNum type="arabicPeriod"/>
+            </a:pPr>
+            <a:r>
+              <a:rPr kumimoji="1" lang="en-US" altLang="ja-JP" dirty="0">
+                <a:solidFill>
+                  <a:schemeClr val="tx1"/>
+                </a:solidFill>
+              </a:rPr>
+              <a:t>Cluster the same item from different shops</a:t>
+            </a:r>
+          </a:p>
+          <a:p>
+            <a:pPr marL="457200" indent="-457200">
+              <a:buFont typeface="+mj-lt"/>
+              <a:buAutoNum type="arabicPeriod"/>
+            </a:pPr>
+            <a:endParaRPr kumimoji="1" lang="en-US" altLang="ja-JP" dirty="0">
+              <a:solidFill>
+                <a:schemeClr val="tx1"/>
+              </a:solidFill>
+            </a:endParaRPr>
+          </a:p>
+          <a:p>
+            <a:pPr marL="457200" indent="-457200">
+              <a:buFont typeface="+mj-lt"/>
+              <a:buAutoNum type="arabicPeriod"/>
+            </a:pPr>
+            <a:r>
+              <a:rPr lang="en-US" altLang="ja-JP" dirty="0">
+                <a:solidFill>
+                  <a:schemeClr val="tx1"/>
+                </a:solidFill>
+              </a:rPr>
+              <a:t>Show the detail of item and the range of price in search result page</a:t>
+            </a:r>
+            <a:endParaRPr kumimoji="1" lang="en-US" altLang="ja-JP" dirty="0">
+              <a:solidFill>
+                <a:schemeClr val="tx1"/>
+              </a:solidFill>
+            </a:endParaRPr>
+          </a:p>
+          <a:p>
+            <a:pPr marL="457200" indent="-457200">
+              <a:buFont typeface="+mj-lt"/>
+              <a:buAutoNum type="arabicPeriod"/>
+            </a:pPr>
+            <a:endParaRPr lang="en-US" altLang="ja-JP" dirty="0">
+              <a:solidFill>
+                <a:schemeClr val="tx1"/>
+              </a:solidFill>
+            </a:endParaRPr>
+          </a:p>
+          <a:p>
+            <a:pPr marL="457200" indent="-457200">
+              <a:buFont typeface="+mj-lt"/>
+              <a:buAutoNum type="arabicPeriod"/>
+            </a:pPr>
+            <a:r>
+              <a:rPr lang="en-US" altLang="ja-JP" dirty="0">
+                <a:solidFill>
+                  <a:schemeClr val="tx1"/>
+                </a:solidFill>
+              </a:rPr>
+              <a:t>Compare the price and Rakuten Point by shops in detail page</a:t>
+            </a:r>
+          </a:p>
+        </p:txBody>
+      </p:sp>
+      <p:sp>
+        <p:nvSpPr>
+          <p:cNvPr id="6" name="四角形: 角を丸くする 4">
+            <a:extLst>
+              <a:ext uri="{FF2B5EF4-FFF2-40B4-BE49-F238E27FC236}">
+                <a16:creationId xmlns:a16="http://schemas.microsoft.com/office/drawing/2014/main" id="{2C3D01C3-4FDD-E54A-BF64-92856A191F4A}"/>
+              </a:ext>
+            </a:extLst>
+          </p:cNvPr>
+          <p:cNvSpPr/>
+          <p:nvPr/>
+        </p:nvSpPr>
+        <p:spPr>
+          <a:xfrm>
+            <a:off x="464458" y="420914"/>
+            <a:ext cx="4113598" cy="812800"/>
+          </a:xfrm>
+          <a:prstGeom prst="roundRect">
+            <a:avLst/>
+          </a:prstGeom>
+          <a:solidFill>
+            <a:srgbClr val="DC143C"/>
+          </a:solidFill>
+        </p:spPr>
+        <p:style>
+          <a:lnRef idx="2">
+            <a:schemeClr val="accent1">
+              <a:shade val="50000"/>
+            </a:schemeClr>
+          </a:lnRef>
+          <a:fillRef idx="1">
+            <a:schemeClr val="accent1"/>
+          </a:fillRef>
+          <a:effectRef idx="0">
+            <a:schemeClr val="accent1"/>
+          </a:effectRef>
+          <a:fontRef idx="minor">
+            <a:schemeClr val="lt1"/>
+          </a:fontRef>
+        </p:style>
+        <p:txBody>
+          <a:bodyPr rtlCol="0" anchor="ctr"/>
+          <a:lstStyle/>
+          <a:p>
+            <a:r>
+              <a:rPr lang="en-US" altLang="ja-JP" sz="3200" dirty="0">
+                <a:effectLst>
+                  <a:outerShdw blurRad="38100" dist="38100" dir="2700000" algn="tl">
+                    <a:srgbClr val="000000">
+                      <a:alpha val="43137"/>
+                    </a:srgbClr>
+                  </a:outerShdw>
+                </a:effectLst>
+              </a:rPr>
+              <a:t>Clustering one item</a:t>
+            </a:r>
+            <a:endParaRPr lang="ja-JP" altLang="en-US" sz="3200" dirty="0">
+              <a:effectLst>
+                <a:outerShdw blurRad="38100" dist="38100" dir="2700000" algn="tl">
+                  <a:srgbClr val="000000">
+                    <a:alpha val="43137"/>
+                  </a:srgbClr>
+                </a:outerShdw>
+              </a:effectLst>
+            </a:endParaRPr>
+          </a:p>
+        </p:txBody>
+      </p:sp>
+    </p:spTree>
+    <p:extLst>
+      <p:ext uri="{BB962C8B-B14F-4D97-AF65-F5344CB8AC3E}">
+        <p14:creationId xmlns:p14="http://schemas.microsoft.com/office/powerpoint/2010/main" val="205463358"/>
+      </p:ext>
+    </p:extLst>
+  </p:cSld>
+  <p:clrMapOvr>
+    <a:masterClrMapping/>
+  </p:clrMapOvr>
+  <p:timing>
+    <p:tnLst>
+      <p:par>
+        <p:cTn id="1" dur="indefinite" restart="never" nodeType="tmRoot">
+          <p:childTnLst>
+            <p:seq concurrent="1" nextAc="seek">
+              <p:cTn id="2" dur="indefinite" nodeType="mainSeq">
+                <p:childTnLst>
+                  <p:par>
+                    <p:cTn id="3" fill="hold">
+                      <p:stCondLst>
+                        <p:cond delay="indefinite"/>
+                      </p:stCondLst>
+                      <p:childTnLst>
+                        <p:par>
+                          <p:cTn id="4" fill="hold">
+                            <p:stCondLst>
+                              <p:cond delay="0"/>
+                            </p:stCondLst>
+                            <p:childTnLst>
+                              <p:par>
+                                <p:cTn id="5" presetID="3" presetClass="emph" presetSubtype="2" fill="hold" grpId="0" nodeType="clickEffect">
+                                  <p:stCondLst>
+                                    <p:cond delay="0"/>
+                                  </p:stCondLst>
+                                  <p:childTnLst>
+                                    <p:animClr clrSpc="rgb" dir="cw">
+                                      <p:cBhvr override="childStyle">
+                                        <p:cTn id="6" dur="500" fill="hold"/>
+                                        <p:tgtEl>
+                                          <p:spTgt spid="3">
+                                            <p:txEl>
+                                              <p:pRg st="0" end="0"/>
+                                            </p:txEl>
+                                          </p:spTgt>
+                                        </p:tgtEl>
+                                        <p:attrNameLst>
+                                          <p:attrName>style.color</p:attrName>
+                                        </p:attrNameLst>
+                                      </p:cBhvr>
+                                      <p:to>
+                                        <a:srgbClr val="BFBFBF"/>
+                                      </p:to>
+                                    </p:animClr>
+                                  </p:childTnLst>
+                                </p:cTn>
+                              </p:par>
+                              <p:par>
+                                <p:cTn id="7" presetID="3" presetClass="emph" presetSubtype="2" fill="hold" grpId="0" nodeType="withEffect">
+                                  <p:stCondLst>
+                                    <p:cond delay="0"/>
+                                  </p:stCondLst>
+                                  <p:childTnLst>
+                                    <p:animClr clrSpc="rgb" dir="cw">
+                                      <p:cBhvr override="childStyle">
+                                        <p:cTn id="8" dur="500" fill="hold"/>
+                                        <p:tgtEl>
+                                          <p:spTgt spid="3">
+                                            <p:txEl>
+                                              <p:pRg st="6" end="6"/>
+                                            </p:txEl>
+                                          </p:spTgt>
+                                        </p:tgtEl>
+                                        <p:attrNameLst>
+                                          <p:attrName>style.color</p:attrName>
+                                        </p:attrNameLst>
+                                      </p:cBhvr>
+                                      <p:to>
+                                        <a:srgbClr val="BFBFBF"/>
+                                      </p:to>
+                                    </p:animClr>
+                                  </p:childTnLst>
+                                </p:cTn>
+                              </p:par>
+                            </p:childTnLst>
+                          </p:cTn>
+                        </p:par>
+                      </p:childTnLst>
+                    </p:cTn>
+                  </p:par>
+                </p:childTnLst>
+              </p:cTn>
+              <p:prevCondLst>
+                <p:cond evt="onPrev" delay="0">
+                  <p:tgtEl>
+                    <p:sldTgt/>
+                  </p:tgtEl>
+                </p:cond>
+              </p:prevCondLst>
+              <p:nextCondLst>
+                <p:cond evt="onNext" delay="0">
+                  <p:tgtEl>
+                    <p:sldTgt/>
+                  </p:tgtEl>
+                </p:cond>
+              </p:nextCondLst>
+            </p:seq>
+          </p:childTnLst>
+        </p:cTn>
+      </p:par>
+    </p:tnLst>
+    <p:bldLst>
+      <p:bldP spid="3" grpId="0" uiExpand="1" build="p"/>
+    </p:bldLst>
+  </p:timing>
+</p:sld>
+</file>
+
+<file path=ppt/slides/slide14.xml><?xml version="1.0" encoding="utf-8"?>
 <p:sld xmlns:a="http://schemas.openxmlformats.org/drawingml/2006/main" xmlns:r="http://schemas.openxmlformats.org/officeDocument/2006/relationships" xmlns:p="http://schemas.openxmlformats.org/presentationml/2006/main">
   <p:cSld>
     <p:spTree>
@@ -5129,7 +6724,7 @@
         </p:nvGrpSpPr>
         <p:grpSpPr>
           <a:xfrm>
-            <a:off x="1687286" y="2098554"/>
+            <a:off x="1650952" y="2576979"/>
             <a:ext cx="3363685" cy="3026230"/>
             <a:chOff x="1687286" y="2540000"/>
             <a:chExt cx="3363685" cy="3026230"/>
@@ -5651,7 +7246,7 @@
         </p:nvSpPr>
         <p:spPr>
           <a:xfrm>
-            <a:off x="5312229" y="3143742"/>
+            <a:off x="5275895" y="3622167"/>
             <a:ext cx="1309913" cy="1002563"/>
           </a:xfrm>
           <a:prstGeom prst="stripedRightArrow">
@@ -5697,7 +7292,7 @@
         </p:nvGrpSpPr>
         <p:grpSpPr>
           <a:xfrm>
-            <a:off x="6854372" y="2098554"/>
+            <a:off x="6818038" y="2576979"/>
             <a:ext cx="3430814" cy="3026230"/>
             <a:chOff x="6854372" y="2540000"/>
             <a:chExt cx="3430814" cy="3026230"/>
@@ -6041,7 +7636,7 @@
         </p:nvSpPr>
         <p:spPr>
           <a:xfrm>
-            <a:off x="838200" y="1479783"/>
+            <a:off x="838200" y="1393767"/>
             <a:ext cx="10515600" cy="4097338"/>
           </a:xfrm>
         </p:spPr>
@@ -6051,6 +7646,10 @@
           </a:bodyPr>
           <a:lstStyle/>
           <a:p>
+            <a:pPr marL="514350" indent="-514350">
+              <a:buFont typeface="Arial" panose="020B0604020202020204" pitchFamily="34" charset="0"/>
+              <a:buChar char="•"/>
+            </a:pPr>
             <a:r>
               <a:rPr lang="en-US" altLang="ja-JP" sz="3200" dirty="0">
                 <a:solidFill>
@@ -6058,6 +7657,20 @@
                 </a:solidFill>
               </a:rPr>
               <a:t>Group the same item from different shops</a:t>
+            </a:r>
+          </a:p>
+          <a:p>
+            <a:pPr marL="514350" indent="-514350">
+              <a:buFont typeface="Arial" panose="020B0604020202020204" pitchFamily="34" charset="0"/>
+              <a:buChar char="•"/>
+            </a:pPr>
+            <a:r>
+              <a:rPr lang="en-US" altLang="ja-JP" sz="3200" dirty="0">
+                <a:solidFill>
+                  <a:schemeClr val="tx1"/>
+                </a:solidFill>
+              </a:rPr>
+              <a:t>Show the detail of item and the range of price</a:t>
             </a:r>
           </a:p>
         </p:txBody>
@@ -6075,7 +7688,7 @@
 </p:sld>
 </file>
 
-<file path=ppt/slides/slide12.xml><?xml version="1.0" encoding="utf-8"?>
+<file path=ppt/slides/slide15.xml><?xml version="1.0" encoding="utf-8"?>
 <p:sld xmlns:a="http://schemas.openxmlformats.org/drawingml/2006/main" xmlns:r="http://schemas.openxmlformats.org/officeDocument/2006/relationships" xmlns:p="http://schemas.openxmlformats.org/presentationml/2006/main">
   <p:cSld>
     <p:spTree>
@@ -6126,6 +7739,398 @@
           </a:p>
         </p:txBody>
       </p:sp>
+      <p:sp>
+        <p:nvSpPr>
+          <p:cNvPr id="3" name="テキスト プレースホルダー 2">
+            <a:extLst>
+              <a:ext uri="{FF2B5EF4-FFF2-40B4-BE49-F238E27FC236}">
+                <a16:creationId xmlns:a16="http://schemas.microsoft.com/office/drawing/2014/main" id="{3F1E7B7C-CCC0-400C-8A2D-D50BF4251EA6}"/>
+              </a:ext>
+            </a:extLst>
+          </p:cNvPr>
+          <p:cNvSpPr>
+            <a:spLocks noGrp="1"/>
+          </p:cNvSpPr>
+          <p:nvPr>
+            <p:ph type="body" idx="1"/>
+          </p:nvPr>
+        </p:nvSpPr>
+        <p:spPr>
+          <a:xfrm>
+            <a:off x="838200" y="1548719"/>
+            <a:ext cx="10515600" cy="4097338"/>
+          </a:xfrm>
+        </p:spPr>
+        <p:txBody>
+          <a:bodyPr>
+            <a:normAutofit/>
+          </a:bodyPr>
+          <a:lstStyle/>
+          <a:p>
+            <a:pPr marL="457200" indent="-457200">
+              <a:buFont typeface="+mj-lt"/>
+              <a:buAutoNum type="arabicPeriod"/>
+            </a:pPr>
+            <a:r>
+              <a:rPr lang="en-US" altLang="ja-JP" dirty="0">
+                <a:solidFill>
+                  <a:schemeClr val="tx1"/>
+                </a:solidFill>
+              </a:rPr>
+              <a:t>Get item information from ”Rakuten API”</a:t>
+            </a:r>
+            <a:endParaRPr kumimoji="1" lang="en-US" altLang="ja-JP" dirty="0">
+              <a:solidFill>
+                <a:schemeClr val="tx1"/>
+              </a:solidFill>
+            </a:endParaRPr>
+          </a:p>
+          <a:p>
+            <a:pPr marL="457200" indent="-457200">
+              <a:buFont typeface="+mj-lt"/>
+              <a:buAutoNum type="arabicPeriod"/>
+            </a:pPr>
+            <a:endParaRPr lang="en-US" altLang="ja-JP" dirty="0">
+              <a:solidFill>
+                <a:schemeClr val="tx1"/>
+              </a:solidFill>
+            </a:endParaRPr>
+          </a:p>
+          <a:p>
+            <a:pPr marL="457200" indent="-457200">
+              <a:buFont typeface="+mj-lt"/>
+              <a:buAutoNum type="arabicPeriod"/>
+            </a:pPr>
+            <a:r>
+              <a:rPr kumimoji="1" lang="en-US" altLang="ja-JP" dirty="0">
+                <a:solidFill>
+                  <a:schemeClr val="tx1"/>
+                </a:solidFill>
+              </a:rPr>
+              <a:t>Cluster the same item from different shops</a:t>
+            </a:r>
+          </a:p>
+          <a:p>
+            <a:pPr marL="457200" indent="-457200">
+              <a:buFont typeface="+mj-lt"/>
+              <a:buAutoNum type="arabicPeriod"/>
+            </a:pPr>
+            <a:endParaRPr kumimoji="1" lang="en-US" altLang="ja-JP" dirty="0">
+              <a:solidFill>
+                <a:schemeClr val="tx1"/>
+              </a:solidFill>
+            </a:endParaRPr>
+          </a:p>
+          <a:p>
+            <a:pPr marL="457200" indent="-457200">
+              <a:buFont typeface="+mj-lt"/>
+              <a:buAutoNum type="arabicPeriod"/>
+            </a:pPr>
+            <a:r>
+              <a:rPr lang="en-US" altLang="ja-JP" dirty="0">
+                <a:solidFill>
+                  <a:schemeClr val="tx1"/>
+                </a:solidFill>
+              </a:rPr>
+              <a:t>Show the detail of item and the range of price in search result page</a:t>
+            </a:r>
+            <a:endParaRPr kumimoji="1" lang="en-US" altLang="ja-JP" dirty="0">
+              <a:solidFill>
+                <a:schemeClr val="tx1"/>
+              </a:solidFill>
+            </a:endParaRPr>
+          </a:p>
+          <a:p>
+            <a:pPr marL="457200" indent="-457200">
+              <a:buFont typeface="+mj-lt"/>
+              <a:buAutoNum type="arabicPeriod"/>
+            </a:pPr>
+            <a:endParaRPr lang="en-US" altLang="ja-JP" dirty="0">
+              <a:solidFill>
+                <a:schemeClr val="tx1"/>
+              </a:solidFill>
+            </a:endParaRPr>
+          </a:p>
+          <a:p>
+            <a:pPr marL="457200" indent="-457200">
+              <a:buFont typeface="+mj-lt"/>
+              <a:buAutoNum type="arabicPeriod"/>
+            </a:pPr>
+            <a:r>
+              <a:rPr lang="en-US" altLang="ja-JP" dirty="0">
+                <a:solidFill>
+                  <a:schemeClr val="tx1"/>
+                </a:solidFill>
+              </a:rPr>
+              <a:t>Compare the price and Rakuten Point by shops in detail page</a:t>
+            </a:r>
+          </a:p>
+        </p:txBody>
+      </p:sp>
+      <p:sp>
+        <p:nvSpPr>
+          <p:cNvPr id="6" name="四角形: 角を丸くする 4">
+            <a:extLst>
+              <a:ext uri="{FF2B5EF4-FFF2-40B4-BE49-F238E27FC236}">
+                <a16:creationId xmlns:a16="http://schemas.microsoft.com/office/drawing/2014/main" id="{2C3D01C3-4FDD-E54A-BF64-92856A191F4A}"/>
+              </a:ext>
+            </a:extLst>
+          </p:cNvPr>
+          <p:cNvSpPr/>
+          <p:nvPr/>
+        </p:nvSpPr>
+        <p:spPr>
+          <a:xfrm>
+            <a:off x="464458" y="420914"/>
+            <a:ext cx="4113598" cy="812800"/>
+          </a:xfrm>
+          <a:prstGeom prst="roundRect">
+            <a:avLst/>
+          </a:prstGeom>
+          <a:solidFill>
+            <a:srgbClr val="DC143C"/>
+          </a:solidFill>
+        </p:spPr>
+        <p:style>
+          <a:lnRef idx="2">
+            <a:schemeClr val="accent1">
+              <a:shade val="50000"/>
+            </a:schemeClr>
+          </a:lnRef>
+          <a:fillRef idx="1">
+            <a:schemeClr val="accent1"/>
+          </a:fillRef>
+          <a:effectRef idx="0">
+            <a:schemeClr val="accent1"/>
+          </a:effectRef>
+          <a:fontRef idx="minor">
+            <a:schemeClr val="lt1"/>
+          </a:fontRef>
+        </p:style>
+        <p:txBody>
+          <a:bodyPr rtlCol="0" anchor="ctr"/>
+          <a:lstStyle/>
+          <a:p>
+            <a:r>
+              <a:rPr lang="en-US" altLang="ja-JP" sz="3200" dirty="0">
+                <a:effectLst>
+                  <a:outerShdw blurRad="38100" dist="38100" dir="2700000" algn="tl">
+                    <a:srgbClr val="000000">
+                      <a:alpha val="43137"/>
+                    </a:srgbClr>
+                  </a:outerShdw>
+                </a:effectLst>
+              </a:rPr>
+              <a:t>Clustering one item</a:t>
+            </a:r>
+            <a:endParaRPr lang="ja-JP" altLang="en-US" sz="3200" dirty="0">
+              <a:effectLst>
+                <a:outerShdw blurRad="38100" dist="38100" dir="2700000" algn="tl">
+                  <a:srgbClr val="000000">
+                    <a:alpha val="43137"/>
+                  </a:srgbClr>
+                </a:outerShdw>
+              </a:effectLst>
+            </a:endParaRPr>
+          </a:p>
+        </p:txBody>
+      </p:sp>
+    </p:spTree>
+    <p:extLst>
+      <p:ext uri="{BB962C8B-B14F-4D97-AF65-F5344CB8AC3E}">
+        <p14:creationId xmlns:p14="http://schemas.microsoft.com/office/powerpoint/2010/main" val="2105188738"/>
+      </p:ext>
+    </p:extLst>
+  </p:cSld>
+  <p:clrMapOvr>
+    <a:masterClrMapping/>
+  </p:clrMapOvr>
+  <p:timing>
+    <p:tnLst>
+      <p:par>
+        <p:cTn id="1" dur="indefinite" restart="never" nodeType="tmRoot">
+          <p:childTnLst>
+            <p:seq concurrent="1" nextAc="seek">
+              <p:cTn id="2" dur="indefinite" nodeType="mainSeq">
+                <p:childTnLst>
+                  <p:par>
+                    <p:cTn id="3" fill="hold">
+                      <p:stCondLst>
+                        <p:cond delay="indefinite"/>
+                      </p:stCondLst>
+                      <p:childTnLst>
+                        <p:par>
+                          <p:cTn id="4" fill="hold">
+                            <p:stCondLst>
+                              <p:cond delay="0"/>
+                            </p:stCondLst>
+                            <p:childTnLst>
+                              <p:par>
+                                <p:cTn id="5" presetID="3" presetClass="emph" presetSubtype="2" fill="hold" grpId="0" nodeType="clickEffect">
+                                  <p:stCondLst>
+                                    <p:cond delay="0"/>
+                                  </p:stCondLst>
+                                  <p:childTnLst>
+                                    <p:animClr clrSpc="rgb" dir="cw">
+                                      <p:cBhvr override="childStyle">
+                                        <p:cTn id="6" dur="500" fill="hold"/>
+                                        <p:tgtEl>
+                                          <p:spTgt spid="3">
+                                            <p:txEl>
+                                              <p:pRg st="0" end="0"/>
+                                            </p:txEl>
+                                          </p:spTgt>
+                                        </p:tgtEl>
+                                        <p:attrNameLst>
+                                          <p:attrName>style.color</p:attrName>
+                                        </p:attrNameLst>
+                                      </p:cBhvr>
+                                      <p:to>
+                                        <a:srgbClr val="BFBFBF"/>
+                                      </p:to>
+                                    </p:animClr>
+                                  </p:childTnLst>
+                                </p:cTn>
+                              </p:par>
+                              <p:par>
+                                <p:cTn id="7" presetID="3" presetClass="emph" presetSubtype="2" fill="hold" grpId="0" nodeType="withEffect">
+                                  <p:stCondLst>
+                                    <p:cond delay="0"/>
+                                  </p:stCondLst>
+                                  <p:childTnLst>
+                                    <p:animClr clrSpc="rgb" dir="cw">
+                                      <p:cBhvr override="childStyle">
+                                        <p:cTn id="8" dur="500" fill="hold"/>
+                                        <p:tgtEl>
+                                          <p:spTgt spid="3">
+                                            <p:txEl>
+                                              <p:pRg st="2" end="2"/>
+                                            </p:txEl>
+                                          </p:spTgt>
+                                        </p:tgtEl>
+                                        <p:attrNameLst>
+                                          <p:attrName>style.color</p:attrName>
+                                        </p:attrNameLst>
+                                      </p:cBhvr>
+                                      <p:to>
+                                        <a:srgbClr val="BFBFBF"/>
+                                      </p:to>
+                                    </p:animClr>
+                                  </p:childTnLst>
+                                </p:cTn>
+                              </p:par>
+                              <p:par>
+                                <p:cTn id="9" presetID="3" presetClass="emph" presetSubtype="2" fill="hold" grpId="0" nodeType="withEffect">
+                                  <p:stCondLst>
+                                    <p:cond delay="0"/>
+                                  </p:stCondLst>
+                                  <p:childTnLst>
+                                    <p:animClr clrSpc="rgb" dir="cw">
+                                      <p:cBhvr override="childStyle">
+                                        <p:cTn id="10" dur="500" fill="hold"/>
+                                        <p:tgtEl>
+                                          <p:spTgt spid="3">
+                                            <p:txEl>
+                                              <p:pRg st="4" end="4"/>
+                                            </p:txEl>
+                                          </p:spTgt>
+                                        </p:tgtEl>
+                                        <p:attrNameLst>
+                                          <p:attrName>style.color</p:attrName>
+                                        </p:attrNameLst>
+                                      </p:cBhvr>
+                                      <p:to>
+                                        <a:srgbClr val="BFBFBF"/>
+                                      </p:to>
+                                    </p:animClr>
+                                  </p:childTnLst>
+                                </p:cTn>
+                              </p:par>
+                            </p:childTnLst>
+                          </p:cTn>
+                        </p:par>
+                      </p:childTnLst>
+                    </p:cTn>
+                  </p:par>
+                </p:childTnLst>
+              </p:cTn>
+              <p:prevCondLst>
+                <p:cond evt="onPrev" delay="0">
+                  <p:tgtEl>
+                    <p:sldTgt/>
+                  </p:tgtEl>
+                </p:cond>
+              </p:prevCondLst>
+              <p:nextCondLst>
+                <p:cond evt="onNext" delay="0">
+                  <p:tgtEl>
+                    <p:sldTgt/>
+                  </p:tgtEl>
+                </p:cond>
+              </p:nextCondLst>
+            </p:seq>
+          </p:childTnLst>
+        </p:cTn>
+      </p:par>
+    </p:tnLst>
+    <p:bldLst>
+      <p:bldP spid="3" grpId="0" uiExpand="1" build="p"/>
+    </p:bldLst>
+  </p:timing>
+</p:sld>
+</file>
+
+<file path=ppt/slides/slide16.xml><?xml version="1.0" encoding="utf-8"?>
+<p:sld xmlns:a="http://schemas.openxmlformats.org/drawingml/2006/main" xmlns:r="http://schemas.openxmlformats.org/officeDocument/2006/relationships" xmlns:p="http://schemas.openxmlformats.org/presentationml/2006/main">
+  <p:cSld>
+    <p:spTree>
+      <p:nvGrpSpPr>
+        <p:cNvPr id="1" name=""/>
+        <p:cNvGrpSpPr/>
+        <p:nvPr/>
+      </p:nvGrpSpPr>
+      <p:grpSpPr>
+        <a:xfrm>
+          <a:off x="0" y="0"/>
+          <a:ext cx="0" cy="0"/>
+          <a:chOff x="0" y="0"/>
+          <a:chExt cx="0" cy="0"/>
+        </a:xfrm>
+      </p:grpSpPr>
+      <p:sp>
+        <p:nvSpPr>
+          <p:cNvPr id="2" name="タイトル 1">
+            <a:extLst>
+              <a:ext uri="{FF2B5EF4-FFF2-40B4-BE49-F238E27FC236}">
+                <a16:creationId xmlns:a16="http://schemas.microsoft.com/office/drawing/2014/main" id="{162BB91B-3D5F-40D6-9780-4A263D504DF7}"/>
+              </a:ext>
+            </a:extLst>
+          </p:cNvPr>
+          <p:cNvSpPr>
+            <a:spLocks noGrp="1"/>
+          </p:cNvSpPr>
+          <p:nvPr>
+            <p:ph type="title"/>
+          </p:nvPr>
+        </p:nvSpPr>
+        <p:spPr>
+          <a:xfrm>
+            <a:off x="142420" y="5786891"/>
+            <a:ext cx="11211380" cy="1002846"/>
+          </a:xfrm>
+        </p:spPr>
+        <p:txBody>
+          <a:bodyPr/>
+          <a:lstStyle/>
+          <a:p>
+            <a:r>
+              <a:rPr kumimoji="1" lang="en-US" altLang="ja-JP" dirty="0"/>
+              <a:t>3. Challenges and Solutions</a:t>
+            </a:r>
+            <a:endParaRPr kumimoji="1" lang="ja-JP" altLang="en-US" dirty="0"/>
+          </a:p>
+        </p:txBody>
+      </p:sp>
       <p:grpSp>
         <p:nvGrpSpPr>
           <p:cNvPr id="16" name="グループ化 15">
@@ -6140,7 +8145,7 @@
         </p:nvGrpSpPr>
         <p:grpSpPr>
           <a:xfrm>
-            <a:off x="4439432" y="2103832"/>
+            <a:off x="4391478" y="1984421"/>
             <a:ext cx="3409043" cy="3487738"/>
             <a:chOff x="4486728" y="2165576"/>
             <a:chExt cx="3409043" cy="3487738"/>
@@ -6210,13 +8215,13 @@
             <p:nvPr/>
           </p:nvPicPr>
           <p:blipFill>
-            <a:blip r:embed="rId2">
+            <a:blip r:embed="rId3">
               <a:extLst>
                 <a:ext uri="{28A0092B-C50C-407E-A947-70E740481C1C}">
                   <a14:useLocalDpi xmlns:a14="http://schemas.microsoft.com/office/drawing/2010/main" val="0"/>
                 </a:ext>
                 <a:ext uri="{96DAC541-7B7A-43D3-8B79-37D633B846F1}">
-                  <asvg:svgBlip xmlns:asvg="http://schemas.microsoft.com/office/drawing/2016/SVG/main" r:embed="rId3"/>
+                  <asvg:svgBlip xmlns:asvg="http://schemas.microsoft.com/office/drawing/2016/SVG/main" r:embed="rId4"/>
                 </a:ext>
               </a:extLst>
             </a:blip>
@@ -6740,13 +8745,17 @@
           </a:bodyPr>
           <a:lstStyle/>
           <a:p>
+            <a:pPr marL="457200" indent="-457200">
+              <a:buFont typeface="Arial" panose="020B0604020202020204" pitchFamily="34" charset="0"/>
+              <a:buChar char="•"/>
+            </a:pPr>
             <a:r>
               <a:rPr lang="en-US" altLang="ja-JP" sz="3200" dirty="0">
                 <a:solidFill>
                   <a:schemeClr val="tx1"/>
                 </a:solidFill>
               </a:rPr>
-              <a:t>Compare the price by shops</a:t>
+              <a:t>Compare the price and Rakuten Point by shops</a:t>
             </a:r>
             <a:endParaRPr lang="ja-JP" altLang="en-US" sz="3200" dirty="0">
               <a:solidFill>
@@ -6837,7 +8846,7 @@
 </p:sld>
 </file>
 
-<file path=ppt/slides/slide13.xml><?xml version="1.0" encoding="utf-8"?>
+<file path=ppt/slides/slide17.xml><?xml version="1.0" encoding="utf-8"?>
 <p:sld xmlns:a="http://schemas.openxmlformats.org/drawingml/2006/main" xmlns:r="http://schemas.openxmlformats.org/officeDocument/2006/relationships" xmlns:p="http://schemas.openxmlformats.org/presentationml/2006/main">
   <p:cSld>
     <p:spTree>
@@ -6980,6 +8989,9 @@
                     <p:cTn id="3" fill="hold">
                       <p:stCondLst>
                         <p:cond delay="indefinite"/>
+                        <p:cond evt="onBegin" delay="0">
+                          <p:tn val="2"/>
+                        </p:cond>
                       </p:stCondLst>
                       <p:childTnLst>
                         <p:par>
@@ -6989,7 +9001,7 @@
                             </p:stCondLst>
                             <p:childTnLst>
                               <p:par>
-                                <p:cTn id="5" presetID="42" presetClass="entr" presetSubtype="0" fill="hold" grpId="0" nodeType="clickEffect">
+                                <p:cTn id="5" presetID="42" presetClass="entr" presetSubtype="0" fill="hold" grpId="0" nodeType="withEffect">
                                   <p:stCondLst>
                                     <p:cond delay="0"/>
                                   </p:stCondLst>
@@ -7072,30 +9084,21 @@
                             </p:childTnLst>
                           </p:cTn>
                         </p:par>
-                      </p:childTnLst>
-                    </p:cTn>
-                  </p:par>
-                  <p:par>
-                    <p:cTn id="10" fill="hold">
-                      <p:stCondLst>
-                        <p:cond delay="indefinite"/>
-                      </p:stCondLst>
-                      <p:childTnLst>
                         <p:par>
-                          <p:cTn id="11" fill="hold">
+                          <p:cTn id="10" fill="hold">
                             <p:stCondLst>
-                              <p:cond delay="0"/>
+                              <p:cond delay="1000"/>
                             </p:stCondLst>
                             <p:childTnLst>
                               <p:par>
-                                <p:cTn id="12" presetID="10" presetClass="entr" presetSubtype="0" fill="hold" grpId="0" nodeType="clickEffect">
+                                <p:cTn id="11" presetID="10" presetClass="entr" presetSubtype="0" fill="hold" grpId="0" nodeType="afterEffect">
                                   <p:stCondLst>
                                     <p:cond delay="0"/>
                                   </p:stCondLst>
                                   <p:childTnLst>
                                     <p:set>
                                       <p:cBhvr>
-                                        <p:cTn id="13" dur="1" fill="hold">
+                                        <p:cTn id="12" dur="1" fill="hold">
                                           <p:stCondLst>
                                             <p:cond delay="0"/>
                                           </p:stCondLst>
@@ -7117,7 +9120,7 @@
                                     </p:set>
                                     <p:animEffect transition="in" filter="fade">
                                       <p:cBhvr>
-                                        <p:cTn id="14" dur="500"/>
+                                        <p:cTn id="13" dur="1000"/>
                                         <p:tgtEl>
                                           <p:spTgt spid="3">
                                             <p:txEl>
@@ -7165,7 +9168,7 @@
 </p:sld>
 </file>
 
-<file path=ppt/slides/slide14.xml><?xml version="1.0" encoding="utf-8"?>
+<file path=ppt/slides/slide18.xml><?xml version="1.0" encoding="utf-8"?>
 <p:sld xmlns:a="http://schemas.openxmlformats.org/drawingml/2006/main" xmlns:r="http://schemas.openxmlformats.org/officeDocument/2006/relationships" xmlns:p="http://schemas.openxmlformats.org/presentationml/2006/main">
   <p:cSld>
     <p:spTree>
@@ -7308,6 +9311,9 @@
                     <p:cTn id="3" fill="hold">
                       <p:stCondLst>
                         <p:cond delay="indefinite"/>
+                        <p:cond evt="onBegin" delay="0">
+                          <p:tn val="2"/>
+                        </p:cond>
                       </p:stCondLst>
                       <p:childTnLst>
                         <p:par>
@@ -7317,7 +9323,7 @@
                             </p:stCondLst>
                             <p:childTnLst>
                               <p:par>
-                                <p:cTn id="5" presetID="42" presetClass="entr" presetSubtype="0" fill="hold" grpId="0" nodeType="clickEffect">
+                                <p:cTn id="5" presetID="42" presetClass="entr" presetSubtype="0" fill="hold" grpId="0" nodeType="withEffect">
                                   <p:stCondLst>
                                     <p:cond delay="0"/>
                                   </p:stCondLst>
@@ -7400,30 +9406,21 @@
                             </p:childTnLst>
                           </p:cTn>
                         </p:par>
-                      </p:childTnLst>
-                    </p:cTn>
-                  </p:par>
-                  <p:par>
-                    <p:cTn id="10" fill="hold">
-                      <p:stCondLst>
-                        <p:cond delay="indefinite"/>
-                      </p:stCondLst>
-                      <p:childTnLst>
                         <p:par>
-                          <p:cTn id="11" fill="hold">
+                          <p:cTn id="10" fill="hold">
                             <p:stCondLst>
-                              <p:cond delay="0"/>
+                              <p:cond delay="1000"/>
                             </p:stCondLst>
                             <p:childTnLst>
                               <p:par>
-                                <p:cTn id="12" presetID="10" presetClass="entr" presetSubtype="0" fill="hold" grpId="0" nodeType="clickEffect">
+                                <p:cTn id="11" presetID="10" presetClass="entr" presetSubtype="0" fill="hold" grpId="0" nodeType="afterEffect">
                                   <p:stCondLst>
                                     <p:cond delay="0"/>
                                   </p:stCondLst>
                                   <p:childTnLst>
                                     <p:set>
                                       <p:cBhvr>
-                                        <p:cTn id="13" dur="1" fill="hold">
+                                        <p:cTn id="12" dur="1" fill="hold">
                                           <p:stCondLst>
                                             <p:cond delay="0"/>
                                           </p:stCondLst>
@@ -7445,7 +9442,7 @@
                                     </p:set>
                                     <p:animEffect transition="in" filter="fade">
                                       <p:cBhvr>
-                                        <p:cTn id="14" dur="500"/>
+                                        <p:cTn id="13" dur="1000"/>
                                         <p:tgtEl>
                                           <p:spTgt spid="3">
                                             <p:txEl>
@@ -7493,7 +9490,7 @@
 </p:sld>
 </file>
 
-<file path=ppt/slides/slide15.xml><?xml version="1.0" encoding="utf-8"?>
+<file path=ppt/slides/slide19.xml><?xml version="1.0" encoding="utf-8"?>
 <p:sld xmlns:a="http://schemas.openxmlformats.org/drawingml/2006/main" xmlns:r="http://schemas.openxmlformats.org/officeDocument/2006/relationships" xmlns:p="http://schemas.openxmlformats.org/presentationml/2006/main">
   <p:cSld>
     <p:spTree>
@@ -7524,8 +9521,8 @@
         </p:nvSpPr>
         <p:spPr>
           <a:xfrm>
-            <a:off x="0" y="5975131"/>
-            <a:ext cx="12393136" cy="769441"/>
+            <a:off x="207653" y="5928474"/>
+            <a:ext cx="11487440" cy="769441"/>
           </a:xfrm>
           <a:prstGeom prst="rect">
             <a:avLst/>
@@ -7539,7 +9536,10 @@
           <a:lstStyle/>
           <a:p>
             <a:r>
-              <a:rPr lang="en" altLang="ja-JP" sz="4400" dirty="0"/>
+              <a:rPr lang="en" altLang="ja-JP" sz="4400" dirty="0">
+                <a:latin typeface="游ゴシック Light" panose="020B0300000000000000" pitchFamily="50" charset="-128"/>
+                <a:ea typeface="游ゴシック Light" panose="020B0300000000000000" pitchFamily="50" charset="-128"/>
+              </a:rPr>
               <a:t>5. How to make use of it after joining Rakuten?</a:t>
             </a:r>
           </a:p>
@@ -7563,13 +9563,13 @@
         </p:nvSpPr>
         <p:spPr>
           <a:xfrm>
-            <a:off x="737861" y="1600994"/>
-            <a:ext cx="11161291" cy="2510818"/>
+            <a:off x="725420" y="448116"/>
+            <a:ext cx="11161291" cy="4844503"/>
           </a:xfrm>
         </p:spPr>
         <p:txBody>
           <a:bodyPr>
-            <a:normAutofit/>
+            <a:normAutofit fontScale="92500" lnSpcReduction="20000"/>
           </a:bodyPr>
           <a:lstStyle/>
           <a:p>
@@ -7583,7 +9583,49 @@
                   <a:schemeClr val="tx1"/>
                 </a:solidFill>
               </a:rPr>
-              <a:t>Experience of pair programming</a:t>
+              <a:t>Use learned knowledge of “HTML/JavaScript/PHP/API”</a:t>
+            </a:r>
+          </a:p>
+          <a:p>
+            <a:endParaRPr lang="en-US" altLang="ja-JP" sz="3600" dirty="0">
+              <a:solidFill>
+                <a:schemeClr val="tx1"/>
+              </a:solidFill>
+            </a:endParaRPr>
+          </a:p>
+          <a:p>
+            <a:pPr marL="457200" indent="-457200">
+              <a:buFont typeface="Arial" panose="020B0604020202020204" pitchFamily="34" charset="0"/>
+              <a:buChar char="•"/>
+            </a:pPr>
+            <a:r>
+              <a:rPr lang="en-US" altLang="ja-JP" sz="3600" dirty="0">
+                <a:solidFill>
+                  <a:schemeClr val="tx1"/>
+                </a:solidFill>
+              </a:rPr>
+              <a:t>All-round engagement from design to development</a:t>
+            </a:r>
+          </a:p>
+          <a:p>
+            <a:endParaRPr lang="en-US" altLang="ja-JP" sz="3600" dirty="0">
+              <a:solidFill>
+                <a:schemeClr val="tx1"/>
+              </a:solidFill>
+            </a:endParaRPr>
+          </a:p>
+          <a:p>
+            <a:pPr marL="457200" indent="-457200">
+              <a:buFont typeface="Arial" panose="020B0604020202020204" pitchFamily="34" charset="0"/>
+              <a:buChar char="•"/>
+            </a:pPr>
+            <a:r>
+              <a:rPr lang="en-US" altLang="ja-JP" sz="3600" dirty="0">
+                <a:solidFill>
+                  <a:schemeClr val="tx1"/>
+                </a:solidFill>
+              </a:rPr>
+              <a:t>We learned what service is useful for users</a:t>
             </a:r>
           </a:p>
           <a:p>
@@ -7603,18 +9645,65 @@
               <a:buChar char="•"/>
             </a:pPr>
             <a:r>
-              <a:rPr lang="en-US" altLang="ja-JP" sz="3600" dirty="0">
+              <a:rPr lang="en-US" altLang="ja-JP" sz="3600">
                 <a:solidFill>
                   <a:schemeClr val="tx1"/>
                 </a:solidFill>
               </a:rPr>
-              <a:t>Use learned “HTML/JavaScript/PHP/API”  knowledge</a:t>
-            </a:r>
-            <a:endParaRPr lang="ja-JP" altLang="en-US" sz="3600" dirty="0">
+              <a:t>Experience of Team Development</a:t>
+            </a:r>
+            <a:endParaRPr lang="en-US" altLang="ja-JP" sz="3600" dirty="0">
               <a:solidFill>
                 <a:schemeClr val="tx1"/>
               </a:solidFill>
             </a:endParaRPr>
+          </a:p>
+          <a:p>
+            <a:pPr marL="457200" indent="-457200">
+              <a:buFont typeface="Arial" panose="020B0604020202020204" pitchFamily="34" charset="0"/>
+              <a:buChar char="•"/>
+            </a:pPr>
+            <a:endParaRPr lang="en-US" altLang="ja-JP" sz="3600" dirty="0">
+              <a:solidFill>
+                <a:schemeClr val="tx1"/>
+              </a:solidFill>
+            </a:endParaRPr>
+          </a:p>
+          <a:p>
+            <a:pPr marL="457200" indent="-457200">
+              <a:buFont typeface="Arial" panose="020B0604020202020204" pitchFamily="34" charset="0"/>
+              <a:buChar char="•"/>
+            </a:pPr>
+            <a:r>
+              <a:rPr lang="ja-JP" altLang="en-US" sz="3600" b="1" dirty="0">
+                <a:solidFill>
+                  <a:srgbClr val="DC143C"/>
+                </a:solidFill>
+                <a:effectLst>
+                  <a:outerShdw blurRad="38100" dist="38100" dir="2700000" algn="tl">
+                    <a:srgbClr val="000000">
+                      <a:alpha val="43137"/>
+                    </a:srgbClr>
+                  </a:outerShdw>
+                </a:effectLst>
+              </a:rPr>
+              <a:t>絆</a:t>
+            </a:r>
+            <a:r>
+              <a:rPr lang="en-US" altLang="ja-JP" sz="3600" b="1" dirty="0">
+                <a:solidFill>
+                  <a:srgbClr val="DC143C"/>
+                </a:solidFill>
+                <a:effectLst>
+                  <a:outerShdw blurRad="38100" dist="38100" dir="2700000" algn="tl">
+                    <a:srgbClr val="000000">
+                      <a:alpha val="43137"/>
+                    </a:srgbClr>
+                  </a:outerShdw>
+                </a:effectLst>
+              </a:rPr>
+              <a:t>(KIZUNA)</a:t>
+            </a:r>
           </a:p>
         </p:txBody>
       </p:sp>
@@ -7628,88 +9717,100 @@
   <p:clrMapOvr>
     <a:masterClrMapping/>
   </p:clrMapOvr>
-</p:sld>
-</file>
-
-<file path=ppt/slides/slide16.xml><?xml version="1.0" encoding="utf-8"?>
-<p:sld xmlns:a="http://schemas.openxmlformats.org/drawingml/2006/main" xmlns:r="http://schemas.openxmlformats.org/officeDocument/2006/relationships" xmlns:p="http://schemas.openxmlformats.org/presentationml/2006/main">
-  <p:cSld>
-    <p:spTree>
-      <p:nvGrpSpPr>
-        <p:cNvPr id="1" name=""/>
-        <p:cNvGrpSpPr/>
-        <p:nvPr/>
-      </p:nvGrpSpPr>
-      <p:grpSpPr>
-        <a:xfrm>
-          <a:off x="0" y="0"/>
-          <a:ext cx="0" cy="0"/>
-          <a:chOff x="0" y="0"/>
-          <a:chExt cx="0" cy="0"/>
-        </a:xfrm>
-      </p:grpSpPr>
-      <p:sp>
-        <p:nvSpPr>
-          <p:cNvPr id="3" name="字幕 2">
-            <a:extLst>
-              <a:ext uri="{FF2B5EF4-FFF2-40B4-BE49-F238E27FC236}">
-                <a16:creationId xmlns:a16="http://schemas.microsoft.com/office/drawing/2014/main" id="{3AD17563-60A4-43CF-93B1-B32B1F8944E9}"/>
-              </a:ext>
-            </a:extLst>
-          </p:cNvPr>
-          <p:cNvSpPr>
-            <a:spLocks noGrp="1"/>
-          </p:cNvSpPr>
-          <p:nvPr>
-            <p:ph type="subTitle" idx="1"/>
-          </p:nvPr>
-        </p:nvSpPr>
-        <p:spPr>
-          <a:xfrm>
-            <a:off x="1523997" y="4705123"/>
-            <a:ext cx="9144000" cy="1655762"/>
-          </a:xfrm>
-        </p:spPr>
-        <p:txBody>
-          <a:bodyPr>
-            <a:normAutofit/>
-          </a:bodyPr>
-          <a:lstStyle/>
-          <a:p>
-            <a:r>
-              <a:rPr lang="en-US" altLang="ja-JP" sz="4800" b="1" dirty="0">
-                <a:effectLst>
-                  <a:outerShdw blurRad="38100" dist="38100" dir="2700000" algn="tl">
-                    <a:srgbClr val="000000">
-                      <a:alpha val="43137"/>
-                    </a:srgbClr>
-                  </a:outerShdw>
-                </a:effectLst>
-              </a:rPr>
-              <a:t>Thank you for your listening.</a:t>
-            </a:r>
-            <a:endParaRPr kumimoji="1" lang="ja-JP" altLang="en-US" sz="4800" b="1" dirty="0">
-              <a:effectLst>
-                <a:outerShdw blurRad="38100" dist="38100" dir="2700000" algn="tl">
-                  <a:srgbClr val="000000">
-                    <a:alpha val="43137"/>
-                  </a:srgbClr>
-                </a:outerShdw>
-              </a:effectLst>
-            </a:endParaRPr>
-          </a:p>
-        </p:txBody>
-      </p:sp>
-    </p:spTree>
-    <p:extLst>
-      <p:ext uri="{BB962C8B-B14F-4D97-AF65-F5344CB8AC3E}">
-        <p14:creationId xmlns:p14="http://schemas.microsoft.com/office/powerpoint/2010/main" val="3263289451"/>
-      </p:ext>
-    </p:extLst>
-  </p:cSld>
-  <p:clrMapOvr>
-    <a:masterClrMapping/>
-  </p:clrMapOvr>
+  <p:timing>
+    <p:tnLst>
+      <p:par>
+        <p:cTn id="1" dur="indefinite" restart="never" nodeType="tmRoot">
+          <p:childTnLst>
+            <p:seq concurrent="1" nextAc="seek">
+              <p:cTn id="2" dur="indefinite" nodeType="mainSeq">
+                <p:childTnLst>
+                  <p:par>
+                    <p:cTn id="3" fill="hold">
+                      <p:stCondLst>
+                        <p:cond delay="indefinite"/>
+                      </p:stCondLst>
+                      <p:childTnLst>
+                        <p:par>
+                          <p:cTn id="4" fill="hold">
+                            <p:stCondLst>
+                              <p:cond delay="0"/>
+                            </p:stCondLst>
+                            <p:childTnLst>
+                              <p:par>
+                                <p:cTn id="5" presetID="10" presetClass="entr" presetSubtype="0" fill="hold" grpId="0" nodeType="clickEffect">
+                                  <p:stCondLst>
+                                    <p:cond delay="0"/>
+                                  </p:stCondLst>
+                                  <p:childTnLst>
+                                    <p:set>
+                                      <p:cBhvr>
+                                        <p:cTn id="6" dur="1" fill="hold">
+                                          <p:stCondLst>
+                                            <p:cond delay="0"/>
+                                          </p:stCondLst>
+                                        </p:cTn>
+                                        <p:tgtEl>
+                                          <p:spTgt spid="5">
+                                            <p:txEl>
+                                              <p:pRg st="8" end="8"/>
+                                            </p:txEl>
+                                          </p:spTgt>
+                                        </p:tgtEl>
+                                        <p:attrNameLst>
+                                          <p:attrName>style.visibility</p:attrName>
+                                        </p:attrNameLst>
+                                      </p:cBhvr>
+                                      <p:to>
+                                        <p:strVal val="visible"/>
+                                      </p:to>
+                                    </p:set>
+                                    <p:animEffect transition="in" filter="fade">
+                                      <p:cBhvr>
+                                        <p:cTn id="7" dur="500"/>
+                                        <p:tgtEl>
+                                          <p:spTgt spid="5">
+                                            <p:txEl>
+                                              <p:pRg st="8" end="8"/>
+                                            </p:txEl>
+                                          </p:spTgt>
+                                        </p:tgtEl>
+                                      </p:cBhvr>
+                                    </p:animEffect>
+                                  </p:childTnLst>
+                                </p:cTn>
+                              </p:par>
+                            </p:childTnLst>
+                          </p:cTn>
+                        </p:par>
+                      </p:childTnLst>
+                    </p:cTn>
+                  </p:par>
+                </p:childTnLst>
+              </p:cTn>
+              <p:prevCondLst>
+                <p:cond evt="onPrev" delay="0">
+                  <p:tgtEl>
+                    <p:sldTgt/>
+                  </p:tgtEl>
+                </p:cond>
+              </p:prevCondLst>
+              <p:nextCondLst>
+                <p:cond evt="onNext" delay="0">
+                  <p:tgtEl>
+                    <p:sldTgt/>
+                  </p:tgtEl>
+                </p:cond>
+              </p:nextCondLst>
+            </p:seq>
+          </p:childTnLst>
+        </p:cTn>
+      </p:par>
+    </p:tnLst>
+    <p:bldLst>
+      <p:bldP spid="5" grpId="0" uiExpand="1" build="p"/>
+    </p:bldLst>
+  </p:timing>
 </p:sld>
 </file>
 
@@ -7735,7 +9836,7 @@
           <p:cNvPr id="2" name="タイトル 1">
             <a:extLst>
               <a:ext uri="{FF2B5EF4-FFF2-40B4-BE49-F238E27FC236}">
-                <a16:creationId xmlns:a16="http://schemas.microsoft.com/office/drawing/2014/main" id="{8F0BC7D3-F200-9E40-932E-AA2CDDB120C3}"/>
+                <a16:creationId xmlns:a16="http://schemas.microsoft.com/office/drawing/2014/main" id="{05FEC452-1FEB-44B5-B01B-55119DEEE2B7}"/>
               </a:ext>
             </a:extLst>
           </p:cNvPr>
@@ -7743,28 +9844,42 @@
             <a:spLocks noGrp="1"/>
           </p:cNvSpPr>
           <p:nvPr>
-            <p:ph type="title"/>
+            <p:ph type="ctrTitle"/>
           </p:nvPr>
         </p:nvSpPr>
-        <p:spPr/>
-        <p:txBody>
-          <a:bodyPr/>
+        <p:spPr>
+          <a:xfrm>
+            <a:off x="1052283" y="1117600"/>
+            <a:ext cx="10087429" cy="3649097"/>
+          </a:xfrm>
+        </p:spPr>
+        <p:txBody>
+          <a:bodyPr>
+            <a:normAutofit/>
+          </a:bodyPr>
           <a:lstStyle/>
           <a:p>
             <a:r>
-              <a:rPr lang="en-US" altLang="ja-JP" dirty="0"/>
-              <a:t>Our goal</a:t>
-            </a:r>
-            <a:endParaRPr kumimoji="1" lang="ja-JP" altLang="en-US"/>
-          </a:p>
-        </p:txBody>
-      </p:sp>
-      <p:sp>
-        <p:nvSpPr>
-          <p:cNvPr id="3" name="コンテンツ プレースホルダー 2">
+              <a:rPr kumimoji="1" lang="ja-JP" altLang="en-US" sz="23900" b="1" dirty="0">
+                <a:effectLst>
+                  <a:outerShdw blurRad="38100" dist="38100" dir="2700000" algn="tl">
+                    <a:srgbClr val="000000">
+                      <a:alpha val="43137"/>
+                    </a:srgbClr>
+                  </a:outerShdw>
+                </a:effectLst>
+              </a:rPr>
+              <a:t>１</a:t>
+            </a:r>
+          </a:p>
+        </p:txBody>
+      </p:sp>
+      <p:sp>
+        <p:nvSpPr>
+          <p:cNvPr id="3" name="字幕 2">
             <a:extLst>
               <a:ext uri="{FF2B5EF4-FFF2-40B4-BE49-F238E27FC236}">
-                <a16:creationId xmlns:a16="http://schemas.microsoft.com/office/drawing/2014/main" id="{12066FFD-5BE0-4C48-90B3-E083D8895882}"/>
+                <a16:creationId xmlns:a16="http://schemas.microsoft.com/office/drawing/2014/main" id="{3AD17563-60A4-43CF-93B1-B32B1F8944E9}"/>
               </a:ext>
             </a:extLst>
           </p:cNvPr>
@@ -7772,16 +9887,931 @@
             <a:spLocks noGrp="1"/>
           </p:cNvSpPr>
           <p:nvPr>
-            <p:ph idx="1"/>
+            <p:ph type="subTitle" idx="1"/>
           </p:nvPr>
         </p:nvSpPr>
-        <p:spPr/>
-        <p:txBody>
-          <a:bodyPr/>
+        <p:spPr>
+          <a:xfrm>
+            <a:off x="1523997" y="4705123"/>
+            <a:ext cx="9144000" cy="1655762"/>
+          </a:xfrm>
+        </p:spPr>
+        <p:txBody>
+          <a:bodyPr>
+            <a:normAutofit/>
+          </a:bodyPr>
           <a:lstStyle/>
           <a:p>
             <a:r>
-              <a:rPr lang="en" altLang="ja-JP" dirty="0"/>
+              <a:rPr kumimoji="1" lang="en-US" altLang="ja-JP" sz="4800" b="1" dirty="0">
+                <a:effectLst>
+                  <a:outerShdw blurRad="38100" dist="38100" dir="2700000" algn="tl">
+                    <a:srgbClr val="000000">
+                      <a:alpha val="43137"/>
+                    </a:srgbClr>
+                  </a:outerShdw>
+                </a:effectLst>
+              </a:rPr>
+              <a:t>Introduction</a:t>
+            </a:r>
+            <a:endParaRPr kumimoji="1" lang="ja-JP" altLang="en-US" sz="4800" b="1" dirty="0">
+              <a:effectLst>
+                <a:outerShdw blurRad="38100" dist="38100" dir="2700000" algn="tl">
+                  <a:srgbClr val="000000">
+                    <a:alpha val="43137"/>
+                  </a:srgbClr>
+                </a:outerShdw>
+              </a:effectLst>
+            </a:endParaRPr>
+          </a:p>
+        </p:txBody>
+      </p:sp>
+    </p:spTree>
+    <p:extLst>
+      <p:ext uri="{BB962C8B-B14F-4D97-AF65-F5344CB8AC3E}">
+        <p14:creationId xmlns:p14="http://schemas.microsoft.com/office/powerpoint/2010/main" val="186999708"/>
+      </p:ext>
+    </p:extLst>
+  </p:cSld>
+  <p:clrMapOvr>
+    <a:masterClrMapping/>
+  </p:clrMapOvr>
+  <p:timing>
+    <p:tnLst>
+      <p:par>
+        <p:cTn id="1" dur="indefinite" restart="never" nodeType="tmRoot">
+          <p:childTnLst>
+            <p:seq concurrent="1" nextAc="seek">
+              <p:cTn id="2" dur="indefinite" nodeType="mainSeq">
+                <p:childTnLst>
+                  <p:par>
+                    <p:cTn id="3" fill="hold">
+                      <p:stCondLst>
+                        <p:cond delay="indefinite"/>
+                        <p:cond evt="onBegin" delay="0">
+                          <p:tn val="2"/>
+                        </p:cond>
+                      </p:stCondLst>
+                      <p:childTnLst>
+                        <p:par>
+                          <p:cTn id="4" fill="hold">
+                            <p:stCondLst>
+                              <p:cond delay="0"/>
+                            </p:stCondLst>
+                            <p:childTnLst>
+                              <p:par>
+                                <p:cTn id="5" presetID="42" presetClass="entr" presetSubtype="0" fill="hold" grpId="0" nodeType="withEffect">
+                                  <p:stCondLst>
+                                    <p:cond delay="0"/>
+                                  </p:stCondLst>
+                                  <p:childTnLst>
+                                    <p:set>
+                                      <p:cBhvr>
+                                        <p:cTn id="6" dur="1" fill="hold">
+                                          <p:stCondLst>
+                                            <p:cond delay="0"/>
+                                          </p:stCondLst>
+                                        </p:cTn>
+                                        <p:tgtEl>
+                                          <p:spTgt spid="2"/>
+                                        </p:tgtEl>
+                                        <p:attrNameLst>
+                                          <p:attrName>style.visibility</p:attrName>
+                                        </p:attrNameLst>
+                                      </p:cBhvr>
+                                      <p:to>
+                                        <p:strVal val="visible"/>
+                                      </p:to>
+                                    </p:set>
+                                    <p:animEffect transition="in" filter="fade">
+                                      <p:cBhvr>
+                                        <p:cTn id="7" dur="1000"/>
+                                        <p:tgtEl>
+                                          <p:spTgt spid="2"/>
+                                        </p:tgtEl>
+                                      </p:cBhvr>
+                                    </p:animEffect>
+                                    <p:anim calcmode="lin" valueType="num">
+                                      <p:cBhvr>
+                                        <p:cTn id="8" dur="1000" fill="hold"/>
+                                        <p:tgtEl>
+                                          <p:spTgt spid="2"/>
+                                        </p:tgtEl>
+                                        <p:attrNameLst>
+                                          <p:attrName>ppt_x</p:attrName>
+                                        </p:attrNameLst>
+                                      </p:cBhvr>
+                                      <p:tavLst>
+                                        <p:tav tm="0">
+                                          <p:val>
+                                            <p:strVal val="#ppt_x"/>
+                                          </p:val>
+                                        </p:tav>
+                                        <p:tav tm="100000">
+                                          <p:val>
+                                            <p:strVal val="#ppt_x"/>
+                                          </p:val>
+                                        </p:tav>
+                                      </p:tavLst>
+                                    </p:anim>
+                                    <p:anim calcmode="lin" valueType="num">
+                                      <p:cBhvr>
+                                        <p:cTn id="9" dur="1000" fill="hold"/>
+                                        <p:tgtEl>
+                                          <p:spTgt spid="2"/>
+                                        </p:tgtEl>
+                                        <p:attrNameLst>
+                                          <p:attrName>ppt_y</p:attrName>
+                                        </p:attrNameLst>
+                                      </p:cBhvr>
+                                      <p:tavLst>
+                                        <p:tav tm="0">
+                                          <p:val>
+                                            <p:strVal val="#ppt_y+.1"/>
+                                          </p:val>
+                                        </p:tav>
+                                        <p:tav tm="100000">
+                                          <p:val>
+                                            <p:strVal val="#ppt_y"/>
+                                          </p:val>
+                                        </p:tav>
+                                      </p:tavLst>
+                                    </p:anim>
+                                  </p:childTnLst>
+                                </p:cTn>
+                              </p:par>
+                            </p:childTnLst>
+                          </p:cTn>
+                        </p:par>
+                        <p:par>
+                          <p:cTn id="10" fill="hold">
+                            <p:stCondLst>
+                              <p:cond delay="1000"/>
+                            </p:stCondLst>
+                            <p:childTnLst>
+                              <p:par>
+                                <p:cTn id="11" presetID="10" presetClass="entr" presetSubtype="0" fill="hold" grpId="0" nodeType="afterEffect">
+                                  <p:stCondLst>
+                                    <p:cond delay="0"/>
+                                  </p:stCondLst>
+                                  <p:childTnLst>
+                                    <p:set>
+                                      <p:cBhvr>
+                                        <p:cTn id="12" dur="1" fill="hold">
+                                          <p:stCondLst>
+                                            <p:cond delay="0"/>
+                                          </p:stCondLst>
+                                        </p:cTn>
+                                        <p:tgtEl>
+                                          <p:spTgt spid="3">
+                                            <p:txEl>
+                                              <p:pRg st="0" end="0"/>
+                                            </p:txEl>
+                                          </p:spTgt>
+                                        </p:tgtEl>
+                                        <p:attrNameLst>
+                                          <p:attrName>style.visibility</p:attrName>
+                                        </p:attrNameLst>
+                                      </p:cBhvr>
+                                      <p:to>
+                                        <p:strVal val="visible"/>
+                                      </p:to>
+                                    </p:set>
+                                    <p:animEffect transition="in" filter="fade">
+                                      <p:cBhvr>
+                                        <p:cTn id="13" dur="1000"/>
+                                        <p:tgtEl>
+                                          <p:spTgt spid="3">
+                                            <p:txEl>
+                                              <p:pRg st="0" end="0"/>
+                                            </p:txEl>
+                                          </p:spTgt>
+                                        </p:tgtEl>
+                                      </p:cBhvr>
+                                    </p:animEffect>
+                                  </p:childTnLst>
+                                </p:cTn>
+                              </p:par>
+                            </p:childTnLst>
+                          </p:cTn>
+                        </p:par>
+                      </p:childTnLst>
+                    </p:cTn>
+                  </p:par>
+                </p:childTnLst>
+              </p:cTn>
+              <p:prevCondLst>
+                <p:cond evt="onPrev" delay="0">
+                  <p:tgtEl>
+                    <p:sldTgt/>
+                  </p:tgtEl>
+                </p:cond>
+              </p:prevCondLst>
+              <p:nextCondLst>
+                <p:cond evt="onNext" delay="0">
+                  <p:tgtEl>
+                    <p:sldTgt/>
+                  </p:tgtEl>
+                </p:cond>
+              </p:nextCondLst>
+            </p:seq>
+          </p:childTnLst>
+        </p:cTn>
+      </p:par>
+    </p:tnLst>
+    <p:bldLst>
+      <p:bldP spid="2" grpId="0"/>
+      <p:bldP spid="3" grpId="0" build="p"/>
+    </p:bldLst>
+  </p:timing>
+</p:sld>
+</file>
+
+<file path=ppt/slides/slide20.xml><?xml version="1.0" encoding="utf-8"?>
+<p:sld xmlns:a="http://schemas.openxmlformats.org/drawingml/2006/main" xmlns:r="http://schemas.openxmlformats.org/officeDocument/2006/relationships" xmlns:p="http://schemas.openxmlformats.org/presentationml/2006/main">
+  <p:cSld>
+    <p:spTree>
+      <p:nvGrpSpPr>
+        <p:cNvPr id="1" name=""/>
+        <p:cNvGrpSpPr/>
+        <p:nvPr/>
+      </p:nvGrpSpPr>
+      <p:grpSpPr>
+        <a:xfrm>
+          <a:off x="0" y="0"/>
+          <a:ext cx="0" cy="0"/>
+          <a:chOff x="0" y="0"/>
+          <a:chExt cx="0" cy="0"/>
+        </a:xfrm>
+      </p:grpSpPr>
+      <p:sp>
+        <p:nvSpPr>
+          <p:cNvPr id="3" name="字幕 2">
+            <a:extLst>
+              <a:ext uri="{FF2B5EF4-FFF2-40B4-BE49-F238E27FC236}">
+                <a16:creationId xmlns:a16="http://schemas.microsoft.com/office/drawing/2014/main" id="{3AD17563-60A4-43CF-93B1-B32B1F8944E9}"/>
+              </a:ext>
+            </a:extLst>
+          </p:cNvPr>
+          <p:cNvSpPr>
+            <a:spLocks noGrp="1"/>
+          </p:cNvSpPr>
+          <p:nvPr>
+            <p:ph type="subTitle" idx="1"/>
+          </p:nvPr>
+        </p:nvSpPr>
+        <p:spPr>
+          <a:xfrm>
+            <a:off x="597487" y="1665196"/>
+            <a:ext cx="9144000" cy="1655762"/>
+          </a:xfrm>
+        </p:spPr>
+        <p:txBody>
+          <a:bodyPr>
+            <a:normAutofit/>
+          </a:bodyPr>
+          <a:lstStyle/>
+          <a:p>
+            <a:pPr algn="l"/>
+            <a:r>
+              <a:rPr kumimoji="1" lang="en-US" altLang="ja-JP" sz="4800" b="1" u="sng" dirty="0">
+                <a:effectLst>
+                  <a:outerShdw blurRad="38100" dist="38100" dir="2700000" algn="tl">
+                    <a:srgbClr val="000000">
+                      <a:alpha val="43137"/>
+                    </a:srgbClr>
+                  </a:outerShdw>
+                </a:effectLst>
+              </a:rPr>
+              <a:t>Acknowledgement</a:t>
+            </a:r>
+            <a:endParaRPr kumimoji="1" lang="ja-JP" altLang="en-US" sz="4800" b="1" u="sng" dirty="0">
+              <a:effectLst>
+                <a:outerShdw blurRad="38100" dist="38100" dir="2700000" algn="tl">
+                  <a:srgbClr val="000000">
+                    <a:alpha val="43137"/>
+                  </a:srgbClr>
+                </a:outerShdw>
+              </a:effectLst>
+            </a:endParaRPr>
+          </a:p>
+        </p:txBody>
+      </p:sp>
+      <p:sp>
+        <p:nvSpPr>
+          <p:cNvPr id="4" name="字幕 2">
+            <a:extLst>
+              <a:ext uri="{FF2B5EF4-FFF2-40B4-BE49-F238E27FC236}">
+                <a16:creationId xmlns:a16="http://schemas.microsoft.com/office/drawing/2014/main" id="{A95BAD0F-BB87-4FCA-8AC2-049C4A2FAB95}"/>
+              </a:ext>
+            </a:extLst>
+          </p:cNvPr>
+          <p:cNvSpPr txBox="1">
+            <a:spLocks/>
+          </p:cNvSpPr>
+          <p:nvPr/>
+        </p:nvSpPr>
+        <p:spPr>
+          <a:xfrm>
+            <a:off x="920456" y="2913664"/>
+            <a:ext cx="11208969" cy="3898919"/>
+          </a:xfrm>
+          <a:prstGeom prst="rect">
+            <a:avLst/>
+          </a:prstGeom>
+        </p:spPr>
+        <p:txBody>
+          <a:bodyPr vert="horz" lIns="91440" tIns="45720" rIns="91440" bIns="45720" rtlCol="0">
+            <a:normAutofit/>
+          </a:bodyPr>
+          <a:lstStyle>
+            <a:lvl1pPr marL="0" indent="0" algn="ctr" defTabSz="914400" rtl="0" eaLnBrk="1" latinLnBrk="0" hangingPunct="1">
+              <a:lnSpc>
+                <a:spcPct val="90000"/>
+              </a:lnSpc>
+              <a:spcBef>
+                <a:spcPts val="1000"/>
+              </a:spcBef>
+              <a:buFont typeface="Arial" panose="020B0604020202020204" pitchFamily="34" charset="0"/>
+              <a:buNone/>
+              <a:defRPr kumimoji="1" sz="2400" kern="1200">
+                <a:solidFill>
+                  <a:schemeClr val="tx1"/>
+                </a:solidFill>
+                <a:latin typeface="+mn-lt"/>
+                <a:ea typeface="+mn-ea"/>
+                <a:cs typeface="+mn-cs"/>
+              </a:defRPr>
+            </a:lvl1pPr>
+            <a:lvl2pPr marL="457200" indent="0" algn="ctr" defTabSz="914400" rtl="0" eaLnBrk="1" latinLnBrk="0" hangingPunct="1">
+              <a:lnSpc>
+                <a:spcPct val="90000"/>
+              </a:lnSpc>
+              <a:spcBef>
+                <a:spcPts val="500"/>
+              </a:spcBef>
+              <a:buFont typeface="Arial" panose="020B0604020202020204" pitchFamily="34" charset="0"/>
+              <a:buNone/>
+              <a:defRPr kumimoji="1" sz="2000" kern="1200">
+                <a:solidFill>
+                  <a:schemeClr val="tx1"/>
+                </a:solidFill>
+                <a:latin typeface="+mn-lt"/>
+                <a:ea typeface="+mn-ea"/>
+                <a:cs typeface="+mn-cs"/>
+              </a:defRPr>
+            </a:lvl2pPr>
+            <a:lvl3pPr marL="914400" indent="0" algn="ctr" defTabSz="914400" rtl="0" eaLnBrk="1" latinLnBrk="0" hangingPunct="1">
+              <a:lnSpc>
+                <a:spcPct val="90000"/>
+              </a:lnSpc>
+              <a:spcBef>
+                <a:spcPts val="500"/>
+              </a:spcBef>
+              <a:buFont typeface="Arial" panose="020B0604020202020204" pitchFamily="34" charset="0"/>
+              <a:buNone/>
+              <a:defRPr kumimoji="1" sz="1800" kern="1200">
+                <a:solidFill>
+                  <a:schemeClr val="tx1"/>
+                </a:solidFill>
+                <a:latin typeface="+mn-lt"/>
+                <a:ea typeface="+mn-ea"/>
+                <a:cs typeface="+mn-cs"/>
+              </a:defRPr>
+            </a:lvl3pPr>
+            <a:lvl4pPr marL="1371600" indent="0" algn="ctr" defTabSz="914400" rtl="0" eaLnBrk="1" latinLnBrk="0" hangingPunct="1">
+              <a:lnSpc>
+                <a:spcPct val="90000"/>
+              </a:lnSpc>
+              <a:spcBef>
+                <a:spcPts val="500"/>
+              </a:spcBef>
+              <a:buFont typeface="Arial" panose="020B0604020202020204" pitchFamily="34" charset="0"/>
+              <a:buNone/>
+              <a:defRPr kumimoji="1" sz="1600" kern="1200">
+                <a:solidFill>
+                  <a:schemeClr val="tx1"/>
+                </a:solidFill>
+                <a:latin typeface="+mn-lt"/>
+                <a:ea typeface="+mn-ea"/>
+                <a:cs typeface="+mn-cs"/>
+              </a:defRPr>
+            </a:lvl4pPr>
+            <a:lvl5pPr marL="1828800" indent="0" algn="ctr" defTabSz="914400" rtl="0" eaLnBrk="1" latinLnBrk="0" hangingPunct="1">
+              <a:lnSpc>
+                <a:spcPct val="90000"/>
+              </a:lnSpc>
+              <a:spcBef>
+                <a:spcPts val="500"/>
+              </a:spcBef>
+              <a:buFont typeface="Arial" panose="020B0604020202020204" pitchFamily="34" charset="0"/>
+              <a:buNone/>
+              <a:defRPr kumimoji="1" sz="1600" kern="1200">
+                <a:solidFill>
+                  <a:schemeClr val="tx1"/>
+                </a:solidFill>
+                <a:latin typeface="+mn-lt"/>
+                <a:ea typeface="+mn-ea"/>
+                <a:cs typeface="+mn-cs"/>
+              </a:defRPr>
+            </a:lvl5pPr>
+            <a:lvl6pPr marL="2286000" indent="0" algn="ctr" defTabSz="914400" rtl="0" eaLnBrk="1" latinLnBrk="0" hangingPunct="1">
+              <a:lnSpc>
+                <a:spcPct val="90000"/>
+              </a:lnSpc>
+              <a:spcBef>
+                <a:spcPts val="500"/>
+              </a:spcBef>
+              <a:buFont typeface="Arial" panose="020B0604020202020204" pitchFamily="34" charset="0"/>
+              <a:buNone/>
+              <a:defRPr kumimoji="1" sz="1600" kern="1200">
+                <a:solidFill>
+                  <a:schemeClr val="tx1"/>
+                </a:solidFill>
+                <a:latin typeface="+mn-lt"/>
+                <a:ea typeface="+mn-ea"/>
+                <a:cs typeface="+mn-cs"/>
+              </a:defRPr>
+            </a:lvl6pPr>
+            <a:lvl7pPr marL="2743200" indent="0" algn="ctr" defTabSz="914400" rtl="0" eaLnBrk="1" latinLnBrk="0" hangingPunct="1">
+              <a:lnSpc>
+                <a:spcPct val="90000"/>
+              </a:lnSpc>
+              <a:spcBef>
+                <a:spcPts val="500"/>
+              </a:spcBef>
+              <a:buFont typeface="Arial" panose="020B0604020202020204" pitchFamily="34" charset="0"/>
+              <a:buNone/>
+              <a:defRPr kumimoji="1" sz="1600" kern="1200">
+                <a:solidFill>
+                  <a:schemeClr val="tx1"/>
+                </a:solidFill>
+                <a:latin typeface="+mn-lt"/>
+                <a:ea typeface="+mn-ea"/>
+                <a:cs typeface="+mn-cs"/>
+              </a:defRPr>
+            </a:lvl7pPr>
+            <a:lvl8pPr marL="3200400" indent="0" algn="ctr" defTabSz="914400" rtl="0" eaLnBrk="1" latinLnBrk="0" hangingPunct="1">
+              <a:lnSpc>
+                <a:spcPct val="90000"/>
+              </a:lnSpc>
+              <a:spcBef>
+                <a:spcPts val="500"/>
+              </a:spcBef>
+              <a:buFont typeface="Arial" panose="020B0604020202020204" pitchFamily="34" charset="0"/>
+              <a:buNone/>
+              <a:defRPr kumimoji="1" sz="1600" kern="1200">
+                <a:solidFill>
+                  <a:schemeClr val="tx1"/>
+                </a:solidFill>
+                <a:latin typeface="+mn-lt"/>
+                <a:ea typeface="+mn-ea"/>
+                <a:cs typeface="+mn-cs"/>
+              </a:defRPr>
+            </a:lvl8pPr>
+            <a:lvl9pPr marL="3657600" indent="0" algn="ctr" defTabSz="914400" rtl="0" eaLnBrk="1" latinLnBrk="0" hangingPunct="1">
+              <a:lnSpc>
+                <a:spcPct val="90000"/>
+              </a:lnSpc>
+              <a:spcBef>
+                <a:spcPts val="500"/>
+              </a:spcBef>
+              <a:buFont typeface="Arial" panose="020B0604020202020204" pitchFamily="34" charset="0"/>
+              <a:buNone/>
+              <a:defRPr kumimoji="1" sz="1600" kern="1200">
+                <a:solidFill>
+                  <a:schemeClr val="tx1"/>
+                </a:solidFill>
+                <a:latin typeface="+mn-lt"/>
+                <a:ea typeface="+mn-ea"/>
+                <a:cs typeface="+mn-cs"/>
+              </a:defRPr>
+            </a:lvl9pPr>
+          </a:lstStyle>
+          <a:p>
+            <a:pPr marL="685800" indent="-685800" algn="l">
+              <a:buFont typeface="Arial" panose="020B0604020202020204" pitchFamily="34" charset="0"/>
+              <a:buChar char="•"/>
+            </a:pPr>
+            <a:r>
+              <a:rPr lang="en-US" altLang="ja-JP" sz="4800" dirty="0"/>
+              <a:t>All of </a:t>
+            </a:r>
+            <a:r>
+              <a:rPr lang="en-US" altLang="ja-JP" sz="4800" dirty="0" err="1"/>
+              <a:t>NexSeed</a:t>
+            </a:r>
+            <a:r>
+              <a:rPr lang="en-US" altLang="ja-JP" sz="4800" dirty="0"/>
+              <a:t> Staff and Student</a:t>
+            </a:r>
+          </a:p>
+          <a:p>
+            <a:pPr marL="685800" indent="-685800" algn="l">
+              <a:buFont typeface="Arial" panose="020B0604020202020204" pitchFamily="34" charset="0"/>
+              <a:buChar char="•"/>
+            </a:pPr>
+            <a:r>
+              <a:rPr lang="en-US" altLang="ja-JP" sz="4800" dirty="0"/>
+              <a:t>Ms. Inoue, Ms. Melissa, Mr. Yoshida</a:t>
+            </a:r>
+          </a:p>
+          <a:p>
+            <a:pPr marL="685800" indent="-685800" algn="l">
+              <a:buFont typeface="Arial" panose="020B0604020202020204" pitchFamily="34" charset="0"/>
+              <a:buChar char="•"/>
+            </a:pPr>
+            <a:endParaRPr lang="ja-JP" altLang="en-US" sz="4800" dirty="0"/>
+          </a:p>
+        </p:txBody>
+      </p:sp>
+    </p:spTree>
+    <p:extLst>
+      <p:ext uri="{BB962C8B-B14F-4D97-AF65-F5344CB8AC3E}">
+        <p14:creationId xmlns:p14="http://schemas.microsoft.com/office/powerpoint/2010/main" val="3263289451"/>
+      </p:ext>
+    </p:extLst>
+  </p:cSld>
+  <p:clrMapOvr>
+    <a:masterClrMapping/>
+  </p:clrMapOvr>
+</p:sld>
+</file>
+
+<file path=ppt/slides/slide21.xml><?xml version="1.0" encoding="utf-8"?>
+<p:sld xmlns:a="http://schemas.openxmlformats.org/drawingml/2006/main" xmlns:r="http://schemas.openxmlformats.org/officeDocument/2006/relationships" xmlns:p="http://schemas.openxmlformats.org/presentationml/2006/main">
+  <p:cSld>
+    <p:spTree>
+      <p:nvGrpSpPr>
+        <p:cNvPr id="1" name=""/>
+        <p:cNvGrpSpPr/>
+        <p:nvPr/>
+      </p:nvGrpSpPr>
+      <p:grpSpPr>
+        <a:xfrm>
+          <a:off x="0" y="0"/>
+          <a:ext cx="0" cy="0"/>
+          <a:chOff x="0" y="0"/>
+          <a:chExt cx="0" cy="0"/>
+        </a:xfrm>
+      </p:grpSpPr>
+      <p:sp>
+        <p:nvSpPr>
+          <p:cNvPr id="3" name="字幕 2">
+            <a:extLst>
+              <a:ext uri="{FF2B5EF4-FFF2-40B4-BE49-F238E27FC236}">
+                <a16:creationId xmlns:a16="http://schemas.microsoft.com/office/drawing/2014/main" id="{3AD17563-60A4-43CF-93B1-B32B1F8944E9}"/>
+              </a:ext>
+            </a:extLst>
+          </p:cNvPr>
+          <p:cNvSpPr>
+            <a:spLocks noGrp="1"/>
+          </p:cNvSpPr>
+          <p:nvPr>
+            <p:ph type="subTitle" idx="1"/>
+          </p:nvPr>
+        </p:nvSpPr>
+        <p:spPr>
+          <a:xfrm>
+            <a:off x="1524000" y="3018958"/>
+            <a:ext cx="9144000" cy="1655762"/>
+          </a:xfrm>
+        </p:spPr>
+        <p:txBody>
+          <a:bodyPr>
+            <a:normAutofit/>
+          </a:bodyPr>
+          <a:lstStyle/>
+          <a:p>
+            <a:r>
+              <a:rPr lang="en-US" altLang="ja-JP" sz="4800" b="1" dirty="0">
+                <a:effectLst>
+                  <a:outerShdw blurRad="38100" dist="38100" dir="2700000" algn="tl">
+                    <a:srgbClr val="000000">
+                      <a:alpha val="43137"/>
+                    </a:srgbClr>
+                  </a:outerShdw>
+                </a:effectLst>
+              </a:rPr>
+              <a:t>Thank you for your listening.</a:t>
+            </a:r>
+            <a:endParaRPr kumimoji="1" lang="ja-JP" altLang="en-US" sz="4800" b="1" dirty="0">
+              <a:effectLst>
+                <a:outerShdw blurRad="38100" dist="38100" dir="2700000" algn="tl">
+                  <a:srgbClr val="000000">
+                    <a:alpha val="43137"/>
+                  </a:srgbClr>
+                </a:outerShdw>
+              </a:effectLst>
+            </a:endParaRPr>
+          </a:p>
+        </p:txBody>
+      </p:sp>
+    </p:spTree>
+    <p:extLst>
+      <p:ext uri="{BB962C8B-B14F-4D97-AF65-F5344CB8AC3E}">
+        <p14:creationId xmlns:p14="http://schemas.microsoft.com/office/powerpoint/2010/main" val="1067252122"/>
+      </p:ext>
+    </p:extLst>
+  </p:cSld>
+  <p:clrMapOvr>
+    <a:masterClrMapping/>
+  </p:clrMapOvr>
+</p:sld>
+</file>
+
+<file path=ppt/slides/slide3.xml><?xml version="1.0" encoding="utf-8"?>
+<p:sld xmlns:a="http://schemas.openxmlformats.org/drawingml/2006/main" xmlns:r="http://schemas.openxmlformats.org/officeDocument/2006/relationships" xmlns:p="http://schemas.openxmlformats.org/presentationml/2006/main">
+  <p:cSld>
+    <p:spTree>
+      <p:nvGrpSpPr>
+        <p:cNvPr id="1" name=""/>
+        <p:cNvGrpSpPr/>
+        <p:nvPr/>
+      </p:nvGrpSpPr>
+      <p:grpSpPr>
+        <a:xfrm>
+          <a:off x="0" y="0"/>
+          <a:ext cx="0" cy="0"/>
+          <a:chOff x="0" y="0"/>
+          <a:chExt cx="0" cy="0"/>
+        </a:xfrm>
+      </p:grpSpPr>
+      <p:sp>
+        <p:nvSpPr>
+          <p:cNvPr id="4" name="タイトル 1">
+            <a:extLst>
+              <a:ext uri="{FF2B5EF4-FFF2-40B4-BE49-F238E27FC236}">
+                <a16:creationId xmlns:a16="http://schemas.microsoft.com/office/drawing/2014/main" id="{8974EA85-F422-43A0-94CB-B3DAF1E617AD}"/>
+              </a:ext>
+            </a:extLst>
+          </p:cNvPr>
+          <p:cNvSpPr txBox="1">
+            <a:spLocks/>
+          </p:cNvSpPr>
+          <p:nvPr/>
+        </p:nvSpPr>
+        <p:spPr>
+          <a:xfrm>
+            <a:off x="838200" y="328791"/>
+            <a:ext cx="10515600" cy="1325563"/>
+          </a:xfrm>
+          <a:prstGeom prst="rect">
+            <a:avLst/>
+          </a:prstGeom>
+        </p:spPr>
+        <p:txBody>
+          <a:bodyPr vert="horz" lIns="91440" tIns="45720" rIns="91440" bIns="45720" rtlCol="0" anchor="b">
+            <a:normAutofit/>
+          </a:bodyPr>
+          <a:lstStyle>
+            <a:lvl1pPr algn="l" defTabSz="914400" rtl="0" eaLnBrk="1" latinLnBrk="0" hangingPunct="1">
+              <a:lnSpc>
+                <a:spcPct val="90000"/>
+              </a:lnSpc>
+              <a:spcBef>
+                <a:spcPct val="0"/>
+              </a:spcBef>
+              <a:buNone/>
+              <a:defRPr kumimoji="1" sz="6000" kern="1200">
+                <a:solidFill>
+                  <a:schemeClr val="tx1"/>
+                </a:solidFill>
+                <a:latin typeface="+mj-lt"/>
+                <a:ea typeface="+mj-ea"/>
+                <a:cs typeface="+mj-cs"/>
+              </a:defRPr>
+            </a:lvl1pPr>
+          </a:lstStyle>
+          <a:p>
+            <a:r>
+              <a:rPr lang="en-US" altLang="ja-JP"/>
+              <a:t>Our goal</a:t>
+            </a:r>
+            <a:endParaRPr lang="ja-JP" altLang="en-US" dirty="0"/>
+          </a:p>
+        </p:txBody>
+      </p:sp>
+      <p:sp>
+        <p:nvSpPr>
+          <p:cNvPr id="5" name="コンテンツ プレースホルダー 2">
+            <a:extLst>
+              <a:ext uri="{FF2B5EF4-FFF2-40B4-BE49-F238E27FC236}">
+                <a16:creationId xmlns:a16="http://schemas.microsoft.com/office/drawing/2014/main" id="{2B8C0E38-E07E-4482-85FF-3D19CC8DA12D}"/>
+              </a:ext>
+            </a:extLst>
+          </p:cNvPr>
+          <p:cNvSpPr txBox="1">
+            <a:spLocks/>
+          </p:cNvSpPr>
+          <p:nvPr/>
+        </p:nvSpPr>
+        <p:spPr>
+          <a:xfrm>
+            <a:off x="838200" y="1825625"/>
+            <a:ext cx="10515600" cy="4351338"/>
+          </a:xfrm>
+          <a:prstGeom prst="rect">
+            <a:avLst/>
+          </a:prstGeom>
+        </p:spPr>
+        <p:txBody>
+          <a:bodyPr vert="horz" lIns="91440" tIns="45720" rIns="91440" bIns="45720" rtlCol="0">
+            <a:normAutofit/>
+          </a:bodyPr>
+          <a:lstStyle>
+            <a:lvl1pPr marL="0" indent="0" algn="l" defTabSz="914400" rtl="0" eaLnBrk="1" latinLnBrk="0" hangingPunct="1">
+              <a:lnSpc>
+                <a:spcPct val="90000"/>
+              </a:lnSpc>
+              <a:spcBef>
+                <a:spcPts val="1000"/>
+              </a:spcBef>
+              <a:buFont typeface="Arial" panose="020B0604020202020204" pitchFamily="34" charset="0"/>
+              <a:buNone/>
+              <a:defRPr kumimoji="1" sz="2400" kern="1200">
+                <a:solidFill>
+                  <a:schemeClr val="tx1">
+                    <a:tint val="75000"/>
+                  </a:schemeClr>
+                </a:solidFill>
+                <a:latin typeface="+mn-lt"/>
+                <a:ea typeface="+mn-ea"/>
+                <a:cs typeface="+mn-cs"/>
+              </a:defRPr>
+            </a:lvl1pPr>
+            <a:lvl2pPr marL="457200" indent="0" algn="l" defTabSz="914400" rtl="0" eaLnBrk="1" latinLnBrk="0" hangingPunct="1">
+              <a:lnSpc>
+                <a:spcPct val="90000"/>
+              </a:lnSpc>
+              <a:spcBef>
+                <a:spcPts val="500"/>
+              </a:spcBef>
+              <a:buFont typeface="Arial" panose="020B0604020202020204" pitchFamily="34" charset="0"/>
+              <a:buNone/>
+              <a:defRPr kumimoji="1" sz="2000" kern="1200">
+                <a:solidFill>
+                  <a:schemeClr val="tx1">
+                    <a:tint val="75000"/>
+                  </a:schemeClr>
+                </a:solidFill>
+                <a:latin typeface="+mn-lt"/>
+                <a:ea typeface="+mn-ea"/>
+                <a:cs typeface="+mn-cs"/>
+              </a:defRPr>
+            </a:lvl2pPr>
+            <a:lvl3pPr marL="914400" indent="0" algn="l" defTabSz="914400" rtl="0" eaLnBrk="1" latinLnBrk="0" hangingPunct="1">
+              <a:lnSpc>
+                <a:spcPct val="90000"/>
+              </a:lnSpc>
+              <a:spcBef>
+                <a:spcPts val="500"/>
+              </a:spcBef>
+              <a:buFont typeface="Arial" panose="020B0604020202020204" pitchFamily="34" charset="0"/>
+              <a:buNone/>
+              <a:defRPr kumimoji="1" sz="1800" kern="1200">
+                <a:solidFill>
+                  <a:schemeClr val="tx1">
+                    <a:tint val="75000"/>
+                  </a:schemeClr>
+                </a:solidFill>
+                <a:latin typeface="+mn-lt"/>
+                <a:ea typeface="+mn-ea"/>
+                <a:cs typeface="+mn-cs"/>
+              </a:defRPr>
+            </a:lvl3pPr>
+            <a:lvl4pPr marL="1371600" indent="0" algn="l" defTabSz="914400" rtl="0" eaLnBrk="1" latinLnBrk="0" hangingPunct="1">
+              <a:lnSpc>
+                <a:spcPct val="90000"/>
+              </a:lnSpc>
+              <a:spcBef>
+                <a:spcPts val="500"/>
+              </a:spcBef>
+              <a:buFont typeface="Arial" panose="020B0604020202020204" pitchFamily="34" charset="0"/>
+              <a:buNone/>
+              <a:defRPr kumimoji="1" sz="1600" kern="1200">
+                <a:solidFill>
+                  <a:schemeClr val="tx1">
+                    <a:tint val="75000"/>
+                  </a:schemeClr>
+                </a:solidFill>
+                <a:latin typeface="+mn-lt"/>
+                <a:ea typeface="+mn-ea"/>
+                <a:cs typeface="+mn-cs"/>
+              </a:defRPr>
+            </a:lvl4pPr>
+            <a:lvl5pPr marL="1828800" indent="0" algn="l" defTabSz="914400" rtl="0" eaLnBrk="1" latinLnBrk="0" hangingPunct="1">
+              <a:lnSpc>
+                <a:spcPct val="90000"/>
+              </a:lnSpc>
+              <a:spcBef>
+                <a:spcPts val="500"/>
+              </a:spcBef>
+              <a:buFont typeface="Arial" panose="020B0604020202020204" pitchFamily="34" charset="0"/>
+              <a:buNone/>
+              <a:defRPr kumimoji="1" sz="1600" kern="1200">
+                <a:solidFill>
+                  <a:schemeClr val="tx1">
+                    <a:tint val="75000"/>
+                  </a:schemeClr>
+                </a:solidFill>
+                <a:latin typeface="+mn-lt"/>
+                <a:ea typeface="+mn-ea"/>
+                <a:cs typeface="+mn-cs"/>
+              </a:defRPr>
+            </a:lvl5pPr>
+            <a:lvl6pPr marL="2286000" indent="0" algn="l" defTabSz="914400" rtl="0" eaLnBrk="1" latinLnBrk="0" hangingPunct="1">
+              <a:lnSpc>
+                <a:spcPct val="90000"/>
+              </a:lnSpc>
+              <a:spcBef>
+                <a:spcPts val="500"/>
+              </a:spcBef>
+              <a:buFont typeface="Arial" panose="020B0604020202020204" pitchFamily="34" charset="0"/>
+              <a:buNone/>
+              <a:defRPr kumimoji="1" sz="1600" kern="1200">
+                <a:solidFill>
+                  <a:schemeClr val="tx1">
+                    <a:tint val="75000"/>
+                  </a:schemeClr>
+                </a:solidFill>
+                <a:latin typeface="+mn-lt"/>
+                <a:ea typeface="+mn-ea"/>
+                <a:cs typeface="+mn-cs"/>
+              </a:defRPr>
+            </a:lvl6pPr>
+            <a:lvl7pPr marL="2743200" indent="0" algn="l" defTabSz="914400" rtl="0" eaLnBrk="1" latinLnBrk="0" hangingPunct="1">
+              <a:lnSpc>
+                <a:spcPct val="90000"/>
+              </a:lnSpc>
+              <a:spcBef>
+                <a:spcPts val="500"/>
+              </a:spcBef>
+              <a:buFont typeface="Arial" panose="020B0604020202020204" pitchFamily="34" charset="0"/>
+              <a:buNone/>
+              <a:defRPr kumimoji="1" sz="1600" kern="1200">
+                <a:solidFill>
+                  <a:schemeClr val="tx1">
+                    <a:tint val="75000"/>
+                  </a:schemeClr>
+                </a:solidFill>
+                <a:latin typeface="+mn-lt"/>
+                <a:ea typeface="+mn-ea"/>
+                <a:cs typeface="+mn-cs"/>
+              </a:defRPr>
+            </a:lvl7pPr>
+            <a:lvl8pPr marL="3200400" indent="0" algn="l" defTabSz="914400" rtl="0" eaLnBrk="1" latinLnBrk="0" hangingPunct="1">
+              <a:lnSpc>
+                <a:spcPct val="90000"/>
+              </a:lnSpc>
+              <a:spcBef>
+                <a:spcPts val="500"/>
+              </a:spcBef>
+              <a:buFont typeface="Arial" panose="020B0604020202020204" pitchFamily="34" charset="0"/>
+              <a:buNone/>
+              <a:defRPr kumimoji="1" sz="1600" kern="1200">
+                <a:solidFill>
+                  <a:schemeClr val="tx1">
+                    <a:tint val="75000"/>
+                  </a:schemeClr>
+                </a:solidFill>
+                <a:latin typeface="+mn-lt"/>
+                <a:ea typeface="+mn-ea"/>
+                <a:cs typeface="+mn-cs"/>
+              </a:defRPr>
+            </a:lvl8pPr>
+            <a:lvl9pPr marL="3657600" indent="0" algn="l" defTabSz="914400" rtl="0" eaLnBrk="1" latinLnBrk="0" hangingPunct="1">
+              <a:lnSpc>
+                <a:spcPct val="90000"/>
+              </a:lnSpc>
+              <a:spcBef>
+                <a:spcPts val="500"/>
+              </a:spcBef>
+              <a:buFont typeface="Arial" panose="020B0604020202020204" pitchFamily="34" charset="0"/>
+              <a:buNone/>
+              <a:defRPr kumimoji="1" sz="1600" kern="1200">
+                <a:solidFill>
+                  <a:schemeClr val="tx1">
+                    <a:tint val="75000"/>
+                  </a:schemeClr>
+                </a:solidFill>
+                <a:latin typeface="+mn-lt"/>
+                <a:ea typeface="+mn-ea"/>
+                <a:cs typeface="+mn-cs"/>
+              </a:defRPr>
+            </a:lvl9pPr>
+          </a:lstStyle>
+          <a:p>
+            <a:pPr marL="342900" indent="-342900">
+              <a:buFont typeface="Arial" panose="020B0604020202020204" pitchFamily="34" charset="0"/>
+              <a:buChar char="•"/>
+            </a:pPr>
+            <a:r>
+              <a:rPr lang="en" altLang="ja-JP" sz="3200" dirty="0">
+                <a:solidFill>
+                  <a:schemeClr val="tx1"/>
+                </a:solidFill>
+              </a:rPr>
               <a:t>Create a prototype of website that you can find products in a shortest way</a:t>
             </a:r>
           </a:p>
@@ -7789,10 +10819,10 @@
       </p:sp>
       <p:grpSp>
         <p:nvGrpSpPr>
-          <p:cNvPr id="8" name="グループ化 7">
+          <p:cNvPr id="6" name="グループ化 5">
             <a:extLst>
               <a:ext uri="{FF2B5EF4-FFF2-40B4-BE49-F238E27FC236}">
-                <a16:creationId xmlns:a16="http://schemas.microsoft.com/office/drawing/2014/main" id="{6CE6F50A-73DE-8549-BE8C-9A54DCCDCAF5}"/>
+                <a16:creationId xmlns:a16="http://schemas.microsoft.com/office/drawing/2014/main" id="{BE2DD56D-D482-41C2-9FE6-F7565A08A5BE}"/>
               </a:ext>
             </a:extLst>
           </p:cNvPr>
@@ -7801,7 +10831,7 @@
         </p:nvGrpSpPr>
         <p:grpSpPr>
           <a:xfrm>
-            <a:off x="8419086" y="3940257"/>
+            <a:off x="8413030" y="3346806"/>
             <a:ext cx="1299029" cy="1090726"/>
             <a:chOff x="8274746" y="3898421"/>
             <a:chExt cx="1299029" cy="1090726"/>
@@ -7809,10 +10839,10 @@
         </p:grpSpPr>
         <p:pic>
           <p:nvPicPr>
-            <p:cNvPr id="6" name="グラフィックス 5" descr="靴">
+            <p:cNvPr id="7" name="グラフィックス 6" descr="靴">
               <a:extLst>
                 <a:ext uri="{FF2B5EF4-FFF2-40B4-BE49-F238E27FC236}">
-                  <a16:creationId xmlns:a16="http://schemas.microsoft.com/office/drawing/2014/main" id="{F82A0D11-5030-0946-A04D-8B25DC6C8310}"/>
+                  <a16:creationId xmlns:a16="http://schemas.microsoft.com/office/drawing/2014/main" id="{944663D0-46C0-46AB-8C6E-E905690B61B9}"/>
                 </a:ext>
               </a:extLst>
             </p:cNvPr>
@@ -7848,10 +10878,10 @@
         </p:pic>
         <p:sp>
           <p:nvSpPr>
-            <p:cNvPr id="7" name="正方形/長方形 6">
+            <p:cNvPr id="8" name="正方形/長方形 7">
               <a:extLst>
                 <a:ext uri="{FF2B5EF4-FFF2-40B4-BE49-F238E27FC236}">
-                  <a16:creationId xmlns:a16="http://schemas.microsoft.com/office/drawing/2014/main" id="{13E14FC7-D6FC-8847-AE26-E9D251A5EB4E}"/>
+                  <a16:creationId xmlns:a16="http://schemas.microsoft.com/office/drawing/2014/main" id="{E5E3ABEB-D303-4416-A7D8-B4E8AB113374}"/>
                 </a:ext>
               </a:extLst>
             </p:cNvPr>
@@ -7895,10 +10925,10 @@
       </p:grpSp>
       <p:sp>
         <p:nvSpPr>
-          <p:cNvPr id="11" name="フリーフォーム 10">
+          <p:cNvPr id="9" name="フリーフォーム 10">
             <a:extLst>
               <a:ext uri="{FF2B5EF4-FFF2-40B4-BE49-F238E27FC236}">
-                <a16:creationId xmlns:a16="http://schemas.microsoft.com/office/drawing/2014/main" id="{10B4F90C-D7F1-244D-90FC-E38B0A581D0A}"/>
+                <a16:creationId xmlns:a16="http://schemas.microsoft.com/office/drawing/2014/main" id="{2D2DA200-15B6-4F2E-8A87-C7C03C1577B7}"/>
               </a:ext>
             </a:extLst>
           </p:cNvPr>
@@ -7907,7 +10937,7 @@
         </p:nvSpPr>
         <p:spPr>
           <a:xfrm>
-            <a:off x="4339771" y="3898421"/>
+            <a:off x="4333715" y="3304970"/>
             <a:ext cx="3742661" cy="851103"/>
           </a:xfrm>
           <a:custGeom>
@@ -8044,10 +11074,10 @@
       </p:sp>
       <p:cxnSp>
         <p:nvCxnSpPr>
-          <p:cNvPr id="13" name="直線矢印コネクタ 12">
+          <p:cNvPr id="10" name="直線矢印コネクタ 9">
             <a:extLst>
               <a:ext uri="{FF2B5EF4-FFF2-40B4-BE49-F238E27FC236}">
-                <a16:creationId xmlns:a16="http://schemas.microsoft.com/office/drawing/2014/main" id="{40796090-3A10-3940-A728-285E31C8B96D}"/>
+                <a16:creationId xmlns:a16="http://schemas.microsoft.com/office/drawing/2014/main" id="{2FA3EA86-438A-42B5-875B-B6AFF3E83404}"/>
               </a:ext>
             </a:extLst>
           </p:cNvPr>
@@ -8056,7 +11086,7 @@
         </p:nvCxnSpPr>
         <p:spPr>
           <a:xfrm flipV="1">
-            <a:off x="4339771" y="4855351"/>
+            <a:off x="4333715" y="4261900"/>
             <a:ext cx="3742661" cy="460928"/>
           </a:xfrm>
           <a:prstGeom prst="straightConnector1">
@@ -8083,10 +11113,10 @@
       </p:cxnSp>
       <p:sp>
         <p:nvSpPr>
-          <p:cNvPr id="14" name="乗算記号 13">
+          <p:cNvPr id="11" name="乗算記号 10">
             <a:extLst>
               <a:ext uri="{FF2B5EF4-FFF2-40B4-BE49-F238E27FC236}">
-                <a16:creationId xmlns:a16="http://schemas.microsoft.com/office/drawing/2014/main" id="{122BDB4F-EE6F-0D40-A5D9-DBC310B8EAFB}"/>
+                <a16:creationId xmlns:a16="http://schemas.microsoft.com/office/drawing/2014/main" id="{B1B9A4A3-6493-4FD1-A026-82B0C309CFC8}"/>
               </a:ext>
             </a:extLst>
           </p:cNvPr>
@@ -8095,7 +11125,7 @@
         </p:nvSpPr>
         <p:spPr>
           <a:xfrm>
-            <a:off x="5699051" y="3629801"/>
+            <a:off x="5692995" y="3036350"/>
             <a:ext cx="1637414" cy="1119723"/>
           </a:xfrm>
           <a:prstGeom prst="mathMultiply">
@@ -8137,10 +11167,10 @@
       </p:sp>
       <p:sp>
         <p:nvSpPr>
-          <p:cNvPr id="15" name="ドーナツ 14">
+          <p:cNvPr id="12" name="ドーナツ 14">
             <a:extLst>
               <a:ext uri="{FF2B5EF4-FFF2-40B4-BE49-F238E27FC236}">
-                <a16:creationId xmlns:a16="http://schemas.microsoft.com/office/drawing/2014/main" id="{B81DEF1A-4DE6-5444-B0F6-F1B0F4408948}"/>
+                <a16:creationId xmlns:a16="http://schemas.microsoft.com/office/drawing/2014/main" id="{47B61BF0-E45D-49D0-8C14-C7F400460FD2}"/>
               </a:ext>
             </a:extLst>
           </p:cNvPr>
@@ -8149,7 +11179,7 @@
         </p:nvSpPr>
         <p:spPr>
           <a:xfrm>
-            <a:off x="5506736" y="4596718"/>
+            <a:off x="5500680" y="4003267"/>
             <a:ext cx="987985" cy="978194"/>
           </a:xfrm>
           <a:prstGeom prst="donut">
@@ -8195,10 +11225,10 @@
       </p:sp>
       <p:pic>
         <p:nvPicPr>
-          <p:cNvPr id="5" name="グラフィックス 4" descr="インターネット">
+          <p:cNvPr id="13" name="グラフィックス 12" descr="インターネット">
             <a:extLst>
               <a:ext uri="{FF2B5EF4-FFF2-40B4-BE49-F238E27FC236}">
-                <a16:creationId xmlns:a16="http://schemas.microsoft.com/office/drawing/2014/main" id="{F2374A25-A271-48CB-98DC-4700E5DDCAF4}"/>
+                <a16:creationId xmlns:a16="http://schemas.microsoft.com/office/drawing/2014/main" id="{2D57C612-8130-4199-878F-F6257745AE42}"/>
               </a:ext>
             </a:extLst>
           </p:cNvPr>
@@ -8224,7 +11254,7 @@
         </p:blipFill>
         <p:spPr>
           <a:xfrm>
-            <a:off x="2276127" y="4053482"/>
+            <a:off x="2270071" y="3460031"/>
             <a:ext cx="1871330" cy="1871330"/>
           </a:xfrm>
           <a:prstGeom prst="rect">
@@ -8232,10 +11262,44 @@
           </a:prstGeom>
         </p:spPr>
       </p:pic>
+      <p:sp>
+        <p:nvSpPr>
+          <p:cNvPr id="14" name="タイトル 1">
+            <a:extLst>
+              <a:ext uri="{FF2B5EF4-FFF2-40B4-BE49-F238E27FC236}">
+                <a16:creationId xmlns:a16="http://schemas.microsoft.com/office/drawing/2014/main" id="{45A477F4-0238-483A-B5A9-4219A03FD62B}"/>
+              </a:ext>
+            </a:extLst>
+          </p:cNvPr>
+          <p:cNvSpPr>
+            <a:spLocks noGrp="1"/>
+          </p:cNvSpPr>
+          <p:nvPr>
+            <p:ph type="title"/>
+          </p:nvPr>
+        </p:nvSpPr>
+        <p:spPr>
+          <a:xfrm>
+            <a:off x="63054" y="5791199"/>
+            <a:ext cx="10515600" cy="1066801"/>
+          </a:xfrm>
+        </p:spPr>
+        <p:txBody>
+          <a:bodyPr/>
+          <a:lstStyle/>
+          <a:p>
+            <a:r>
+              <a:rPr lang="en-US" altLang="ja-JP" dirty="0"/>
+              <a:t>1. Introduction</a:t>
+            </a:r>
+            <a:endParaRPr kumimoji="1" lang="ja-JP" altLang="en-US" dirty="0"/>
+          </a:p>
+        </p:txBody>
+      </p:sp>
     </p:spTree>
     <p:extLst>
       <p:ext uri="{BB962C8B-B14F-4D97-AF65-F5344CB8AC3E}">
-        <p14:creationId xmlns:p14="http://schemas.microsoft.com/office/powerpoint/2010/main" val="1759941264"/>
+        <p14:creationId xmlns:p14="http://schemas.microsoft.com/office/powerpoint/2010/main" val="2098893103"/>
       </p:ext>
     </p:extLst>
   </p:cSld>
@@ -8245,7 +11309,7 @@
 </p:sld>
 </file>
 
-<file path=ppt/slides/slide3.xml><?xml version="1.0" encoding="utf-8"?>
+<file path=ppt/slides/slide4.xml><?xml version="1.0" encoding="utf-8"?>
 <p:sld xmlns:a="http://schemas.openxmlformats.org/drawingml/2006/main" xmlns:r="http://schemas.openxmlformats.org/officeDocument/2006/relationships" xmlns:p="http://schemas.openxmlformats.org/presentationml/2006/main">
   <p:cSld>
     <p:spTree>
@@ -8264,6 +11328,599 @@
       </p:grpSpPr>
       <p:sp>
         <p:nvSpPr>
+          <p:cNvPr id="7" name="正方形/長方形 6">
+            <a:extLst>
+              <a:ext uri="{FF2B5EF4-FFF2-40B4-BE49-F238E27FC236}">
+                <a16:creationId xmlns:a16="http://schemas.microsoft.com/office/drawing/2014/main" id="{35B78278-3F05-4D6A-874C-934848CEE672}"/>
+              </a:ext>
+            </a:extLst>
+          </p:cNvPr>
+          <p:cNvSpPr/>
+          <p:nvPr/>
+        </p:nvSpPr>
+        <p:spPr>
+          <a:xfrm>
+            <a:off x="6469742" y="653143"/>
+            <a:ext cx="5537200" cy="4796971"/>
+          </a:xfrm>
+          <a:prstGeom prst="rect">
+            <a:avLst/>
+          </a:prstGeom>
+          <a:solidFill>
+            <a:schemeClr val="accent1">
+              <a:alpha val="34000"/>
+            </a:schemeClr>
+          </a:solidFill>
+        </p:spPr>
+        <p:style>
+          <a:lnRef idx="2">
+            <a:schemeClr val="accent1">
+              <a:shade val="50000"/>
+            </a:schemeClr>
+          </a:lnRef>
+          <a:fillRef idx="1">
+            <a:schemeClr val="accent1"/>
+          </a:fillRef>
+          <a:effectRef idx="0">
+            <a:schemeClr val="accent1"/>
+          </a:effectRef>
+          <a:fontRef idx="minor">
+            <a:schemeClr val="lt1"/>
+          </a:fontRef>
+        </p:style>
+        <p:txBody>
+          <a:bodyPr rtlCol="0" anchor="ctr"/>
+          <a:lstStyle/>
+          <a:p>
+            <a:r>
+              <a:rPr lang="en-US" altLang="ja-JP" sz="2800" b="1" u="sng" dirty="0">
+                <a:solidFill>
+                  <a:schemeClr val="tx1"/>
+                </a:solidFill>
+                <a:effectLst>
+                  <a:outerShdw blurRad="38100" dist="38100" dir="2700000" algn="tl">
+                    <a:srgbClr val="000000">
+                      <a:alpha val="43137"/>
+                    </a:srgbClr>
+                  </a:outerShdw>
+                </a:effectLst>
+              </a:rPr>
+              <a:t>Member</a:t>
+            </a:r>
+            <a:endParaRPr lang="en-US" altLang="ja-JP" sz="2000" b="1" u="sng" dirty="0">
+              <a:solidFill>
+                <a:schemeClr val="tx1"/>
+              </a:solidFill>
+              <a:effectLst>
+                <a:outerShdw blurRad="38100" dist="38100" dir="2700000" algn="tl">
+                  <a:srgbClr val="000000">
+                    <a:alpha val="43137"/>
+                  </a:srgbClr>
+                </a:outerShdw>
+              </a:effectLst>
+            </a:endParaRPr>
+          </a:p>
+          <a:p>
+            <a:pPr lvl="1"/>
+            <a:r>
+              <a:rPr lang="en-US" altLang="ja-JP" sz="2400" dirty="0">
+                <a:solidFill>
+                  <a:schemeClr val="tx1"/>
+                </a:solidFill>
+              </a:rPr>
+              <a:t>Ryo Yamaguchi</a:t>
+            </a:r>
+          </a:p>
+          <a:p>
+            <a:pPr lvl="1"/>
+            <a:r>
+              <a:rPr lang="en-US" altLang="ja-JP" sz="2400" dirty="0">
+                <a:solidFill>
+                  <a:schemeClr val="tx1"/>
+                </a:solidFill>
+              </a:rPr>
+              <a:t>Yuka </a:t>
+            </a:r>
+            <a:r>
+              <a:rPr lang="en-US" altLang="ja-JP" sz="2400" dirty="0" err="1">
+                <a:solidFill>
+                  <a:schemeClr val="tx1"/>
+                </a:solidFill>
+              </a:rPr>
+              <a:t>Oe</a:t>
+            </a:r>
+            <a:endParaRPr lang="en-US" altLang="ja-JP" sz="2400" dirty="0">
+              <a:solidFill>
+                <a:schemeClr val="tx1"/>
+              </a:solidFill>
+            </a:endParaRPr>
+          </a:p>
+          <a:p>
+            <a:pPr lvl="1"/>
+            <a:endParaRPr lang="en-US" altLang="ja-JP" dirty="0">
+              <a:solidFill>
+                <a:schemeClr val="tx1"/>
+              </a:solidFill>
+            </a:endParaRPr>
+          </a:p>
+          <a:p>
+            <a:r>
+              <a:rPr lang="en-US" altLang="ja-JP" sz="2800" b="1" dirty="0">
+                <a:solidFill>
+                  <a:schemeClr val="tx1"/>
+                </a:solidFill>
+                <a:effectLst>
+                  <a:outerShdw blurRad="38100" dist="38100" dir="2700000" algn="tl">
+                    <a:srgbClr val="000000">
+                      <a:alpha val="43137"/>
+                    </a:srgbClr>
+                  </a:outerShdw>
+                </a:effectLst>
+              </a:rPr>
+              <a:t>Role</a:t>
+            </a:r>
+          </a:p>
+          <a:p>
+            <a:pPr lvl="1"/>
+            <a:r>
+              <a:rPr lang="en-US" altLang="ja-JP" sz="2400" dirty="0">
+                <a:solidFill>
+                  <a:schemeClr val="tx1"/>
+                </a:solidFill>
+              </a:rPr>
+              <a:t>get necessary item data from “Rakuten API”</a:t>
+            </a:r>
+          </a:p>
+          <a:p>
+            <a:pPr lvl="1"/>
+            <a:endParaRPr lang="en-US" altLang="ja-JP" sz="2400" dirty="0">
+              <a:solidFill>
+                <a:schemeClr val="tx1"/>
+              </a:solidFill>
+            </a:endParaRPr>
+          </a:p>
+          <a:p>
+            <a:r>
+              <a:rPr lang="en-US" altLang="ja-JP" sz="2800" b="1" dirty="0">
+                <a:solidFill>
+                  <a:schemeClr val="tx1"/>
+                </a:solidFill>
+                <a:effectLst>
+                  <a:outerShdw blurRad="38100" dist="38100" dir="2700000" algn="tl">
+                    <a:srgbClr val="000000">
+                      <a:alpha val="43137"/>
+                    </a:srgbClr>
+                  </a:outerShdw>
+                </a:effectLst>
+              </a:rPr>
+              <a:t>Using Technology</a:t>
+            </a:r>
+          </a:p>
+          <a:p>
+            <a:pPr lvl="1"/>
+            <a:r>
+              <a:rPr lang="en-US" altLang="ja-JP" sz="2400" dirty="0">
+                <a:solidFill>
+                  <a:schemeClr val="tx1"/>
+                </a:solidFill>
+              </a:rPr>
+              <a:t>PHP, Rakuten API</a:t>
+            </a:r>
+          </a:p>
+        </p:txBody>
+      </p:sp>
+      <p:sp>
+        <p:nvSpPr>
+          <p:cNvPr id="6" name="正方形/長方形 5">
+            <a:extLst>
+              <a:ext uri="{FF2B5EF4-FFF2-40B4-BE49-F238E27FC236}">
+                <a16:creationId xmlns:a16="http://schemas.microsoft.com/office/drawing/2014/main" id="{F956DD7C-C058-479F-9AD0-1631619655B0}"/>
+              </a:ext>
+            </a:extLst>
+          </p:cNvPr>
+          <p:cNvSpPr/>
+          <p:nvPr/>
+        </p:nvSpPr>
+        <p:spPr>
+          <a:xfrm>
+            <a:off x="312057" y="653143"/>
+            <a:ext cx="5537200" cy="4796971"/>
+          </a:xfrm>
+          <a:prstGeom prst="rect">
+            <a:avLst/>
+          </a:prstGeom>
+          <a:solidFill>
+            <a:schemeClr val="accent4">
+              <a:lumMod val="60000"/>
+              <a:lumOff val="40000"/>
+            </a:schemeClr>
+          </a:solidFill>
+        </p:spPr>
+        <p:style>
+          <a:lnRef idx="2">
+            <a:schemeClr val="accent1">
+              <a:shade val="50000"/>
+            </a:schemeClr>
+          </a:lnRef>
+          <a:fillRef idx="1">
+            <a:schemeClr val="accent1"/>
+          </a:fillRef>
+          <a:effectRef idx="0">
+            <a:schemeClr val="accent1"/>
+          </a:effectRef>
+          <a:fontRef idx="minor">
+            <a:schemeClr val="lt1"/>
+          </a:fontRef>
+        </p:style>
+        <p:txBody>
+          <a:bodyPr rtlCol="0" anchor="ctr"/>
+          <a:lstStyle/>
+          <a:p>
+            <a:r>
+              <a:rPr lang="en-US" altLang="ja-JP" sz="2800" b="1" u="sng" dirty="0">
+                <a:solidFill>
+                  <a:schemeClr val="tx1"/>
+                </a:solidFill>
+                <a:effectLst>
+                  <a:outerShdw blurRad="38100" dist="38100" dir="2700000" algn="tl">
+                    <a:srgbClr val="000000">
+                      <a:alpha val="43137"/>
+                    </a:srgbClr>
+                  </a:outerShdw>
+                </a:effectLst>
+              </a:rPr>
+              <a:t>Member</a:t>
+            </a:r>
+            <a:endParaRPr lang="en-US" altLang="ja-JP" sz="2000" b="1" u="sng" dirty="0">
+              <a:solidFill>
+                <a:schemeClr val="tx1"/>
+              </a:solidFill>
+              <a:effectLst>
+                <a:outerShdw blurRad="38100" dist="38100" dir="2700000" algn="tl">
+                  <a:srgbClr val="000000">
+                    <a:alpha val="43137"/>
+                  </a:srgbClr>
+                </a:outerShdw>
+              </a:effectLst>
+            </a:endParaRPr>
+          </a:p>
+          <a:p>
+            <a:pPr lvl="1"/>
+            <a:r>
+              <a:rPr lang="en-US" altLang="ja-JP" sz="2400" dirty="0" err="1">
+                <a:solidFill>
+                  <a:schemeClr val="tx1"/>
+                </a:solidFill>
+              </a:rPr>
+              <a:t>Takehiro</a:t>
+            </a:r>
+            <a:r>
+              <a:rPr lang="en-US" altLang="ja-JP" sz="2400" dirty="0">
+                <a:solidFill>
+                  <a:schemeClr val="tx1"/>
+                </a:solidFill>
+              </a:rPr>
+              <a:t> </a:t>
+            </a:r>
+            <a:r>
+              <a:rPr lang="en-US" altLang="ja-JP" sz="2400" dirty="0" err="1">
+                <a:solidFill>
+                  <a:schemeClr val="tx1"/>
+                </a:solidFill>
+              </a:rPr>
+              <a:t>Tezuka</a:t>
+            </a:r>
+            <a:endParaRPr lang="en-US" altLang="ja-JP" sz="2400" dirty="0">
+              <a:solidFill>
+                <a:schemeClr val="tx1"/>
+              </a:solidFill>
+            </a:endParaRPr>
+          </a:p>
+          <a:p>
+            <a:pPr lvl="1"/>
+            <a:r>
+              <a:rPr lang="en-US" altLang="ja-JP" sz="2400" dirty="0">
+                <a:solidFill>
+                  <a:schemeClr val="tx1"/>
+                </a:solidFill>
+              </a:rPr>
+              <a:t>Lei </a:t>
+            </a:r>
+            <a:r>
+              <a:rPr lang="en-US" altLang="ja-JP" sz="2400" dirty="0" err="1">
+                <a:solidFill>
+                  <a:schemeClr val="tx1"/>
+                </a:solidFill>
+              </a:rPr>
+              <a:t>Puwen</a:t>
+            </a:r>
+            <a:endParaRPr lang="en-US" altLang="ja-JP" sz="2400" dirty="0">
+              <a:solidFill>
+                <a:schemeClr val="tx1"/>
+              </a:solidFill>
+            </a:endParaRPr>
+          </a:p>
+          <a:p>
+            <a:pPr lvl="1"/>
+            <a:r>
+              <a:rPr lang="en-US" altLang="ja-JP" sz="2400" dirty="0" err="1">
+                <a:solidFill>
+                  <a:schemeClr val="tx1"/>
+                </a:solidFill>
+              </a:rPr>
+              <a:t>Nobuki</a:t>
+            </a:r>
+            <a:r>
+              <a:rPr lang="en-US" altLang="ja-JP" sz="2400" dirty="0">
+                <a:solidFill>
+                  <a:schemeClr val="tx1"/>
+                </a:solidFill>
+              </a:rPr>
+              <a:t> Kasai</a:t>
+            </a:r>
+          </a:p>
+          <a:p>
+            <a:pPr lvl="1"/>
+            <a:endParaRPr lang="en-US" altLang="ja-JP" dirty="0">
+              <a:solidFill>
+                <a:schemeClr val="tx1"/>
+              </a:solidFill>
+            </a:endParaRPr>
+          </a:p>
+          <a:p>
+            <a:r>
+              <a:rPr kumimoji="1" lang="en-US" altLang="ja-JP" sz="2800" b="1" dirty="0">
+                <a:solidFill>
+                  <a:schemeClr val="tx1"/>
+                </a:solidFill>
+                <a:effectLst>
+                  <a:outerShdw blurRad="38100" dist="38100" dir="2700000" algn="tl">
+                    <a:srgbClr val="000000">
+                      <a:alpha val="43137"/>
+                    </a:srgbClr>
+                  </a:outerShdw>
+                </a:effectLst>
+              </a:rPr>
+              <a:t>Role</a:t>
+            </a:r>
+          </a:p>
+          <a:p>
+            <a:pPr lvl="1"/>
+            <a:r>
+              <a:rPr lang="en-US" altLang="ja-JP" sz="2400" dirty="0">
+                <a:solidFill>
+                  <a:schemeClr val="tx1"/>
+                </a:solidFill>
+              </a:rPr>
+              <a:t>Make Web pages</a:t>
+            </a:r>
+          </a:p>
+          <a:p>
+            <a:pPr lvl="1"/>
+            <a:endParaRPr lang="en-US" altLang="ja-JP" sz="2400" dirty="0">
+              <a:solidFill>
+                <a:schemeClr val="tx1"/>
+              </a:solidFill>
+            </a:endParaRPr>
+          </a:p>
+          <a:p>
+            <a:r>
+              <a:rPr lang="en-US" altLang="ja-JP" sz="2800" b="1" dirty="0">
+                <a:solidFill>
+                  <a:schemeClr val="tx1"/>
+                </a:solidFill>
+                <a:effectLst>
+                  <a:outerShdw blurRad="38100" dist="38100" dir="2700000" algn="tl">
+                    <a:srgbClr val="000000">
+                      <a:alpha val="43137"/>
+                    </a:srgbClr>
+                  </a:outerShdw>
+                </a:effectLst>
+              </a:rPr>
+              <a:t>Using Technology</a:t>
+            </a:r>
+          </a:p>
+          <a:p>
+            <a:pPr lvl="1"/>
+            <a:r>
+              <a:rPr lang="en-US" altLang="ja-JP" sz="2400" dirty="0">
+                <a:solidFill>
+                  <a:schemeClr val="tx1"/>
+                </a:solidFill>
+              </a:rPr>
+              <a:t>HTML , </a:t>
+            </a:r>
+            <a:r>
+              <a:rPr lang="en-US" altLang="ja-JP" sz="2400" dirty="0" err="1">
+                <a:solidFill>
+                  <a:schemeClr val="tx1"/>
+                </a:solidFill>
+              </a:rPr>
+              <a:t>Javascript</a:t>
+            </a:r>
+            <a:r>
+              <a:rPr lang="en-US" altLang="ja-JP" sz="2400" dirty="0">
+                <a:solidFill>
+                  <a:schemeClr val="tx1"/>
+                </a:solidFill>
+              </a:rPr>
+              <a:t> , CSS</a:t>
+            </a:r>
+          </a:p>
+        </p:txBody>
+      </p:sp>
+      <p:sp>
+        <p:nvSpPr>
+          <p:cNvPr id="2" name="タイトル 1">
+            <a:extLst>
+              <a:ext uri="{FF2B5EF4-FFF2-40B4-BE49-F238E27FC236}">
+                <a16:creationId xmlns:a16="http://schemas.microsoft.com/office/drawing/2014/main" id="{2AD1900D-9DCB-4487-BB9E-6E819833B5BA}"/>
+              </a:ext>
+            </a:extLst>
+          </p:cNvPr>
+          <p:cNvSpPr>
+            <a:spLocks noGrp="1"/>
+          </p:cNvSpPr>
+          <p:nvPr>
+            <p:ph type="title"/>
+          </p:nvPr>
+        </p:nvSpPr>
+        <p:spPr>
+          <a:xfrm>
+            <a:off x="63054" y="5791199"/>
+            <a:ext cx="10515600" cy="1066801"/>
+          </a:xfrm>
+        </p:spPr>
+        <p:txBody>
+          <a:bodyPr/>
+          <a:lstStyle/>
+          <a:p>
+            <a:r>
+              <a:rPr lang="en-US" altLang="ja-JP" dirty="0"/>
+              <a:t>1. Introduction</a:t>
+            </a:r>
+            <a:endParaRPr kumimoji="1" lang="ja-JP" altLang="en-US" dirty="0"/>
+          </a:p>
+        </p:txBody>
+      </p:sp>
+      <p:sp>
+        <p:nvSpPr>
+          <p:cNvPr id="4" name="正方形/長方形 3">
+            <a:extLst>
+              <a:ext uri="{FF2B5EF4-FFF2-40B4-BE49-F238E27FC236}">
+                <a16:creationId xmlns:a16="http://schemas.microsoft.com/office/drawing/2014/main" id="{CEECA8E6-CD27-4A97-9731-2B0D9E0A2E57}"/>
+              </a:ext>
+            </a:extLst>
+          </p:cNvPr>
+          <p:cNvSpPr/>
+          <p:nvPr/>
+        </p:nvSpPr>
+        <p:spPr>
+          <a:xfrm>
+            <a:off x="876864" y="206828"/>
+            <a:ext cx="4122057" cy="892629"/>
+          </a:xfrm>
+          <a:prstGeom prst="rect">
+            <a:avLst/>
+          </a:prstGeom>
+          <a:solidFill>
+            <a:srgbClr val="DC143C"/>
+          </a:solidFill>
+        </p:spPr>
+        <p:style>
+          <a:lnRef idx="2">
+            <a:schemeClr val="accent1">
+              <a:shade val="50000"/>
+            </a:schemeClr>
+          </a:lnRef>
+          <a:fillRef idx="1">
+            <a:schemeClr val="accent1"/>
+          </a:fillRef>
+          <a:effectRef idx="0">
+            <a:schemeClr val="accent1"/>
+          </a:effectRef>
+          <a:fontRef idx="minor">
+            <a:schemeClr val="lt1"/>
+          </a:fontRef>
+        </p:style>
+        <p:txBody>
+          <a:bodyPr rtlCol="0" anchor="ctr"/>
+          <a:lstStyle/>
+          <a:p>
+            <a:pPr algn="ctr"/>
+            <a:r>
+              <a:rPr kumimoji="1" lang="en-US" altLang="ja-JP" sz="2800" dirty="0"/>
+              <a:t>Front End Group</a:t>
+            </a:r>
+            <a:endParaRPr kumimoji="1" lang="ja-JP" altLang="en-US" sz="2800" dirty="0"/>
+          </a:p>
+        </p:txBody>
+      </p:sp>
+      <p:sp>
+        <p:nvSpPr>
+          <p:cNvPr id="5" name="正方形/長方形 4">
+            <a:extLst>
+              <a:ext uri="{FF2B5EF4-FFF2-40B4-BE49-F238E27FC236}">
+                <a16:creationId xmlns:a16="http://schemas.microsoft.com/office/drawing/2014/main" id="{F8E0D2C3-F1D5-4867-8853-3AED5D1CB953}"/>
+              </a:ext>
+            </a:extLst>
+          </p:cNvPr>
+          <p:cNvSpPr/>
+          <p:nvPr/>
+        </p:nvSpPr>
+        <p:spPr>
+          <a:xfrm>
+            <a:off x="7177313" y="206827"/>
+            <a:ext cx="4122057" cy="892629"/>
+          </a:xfrm>
+          <a:prstGeom prst="rect">
+            <a:avLst/>
+          </a:prstGeom>
+          <a:solidFill>
+            <a:srgbClr val="DC143C"/>
+          </a:solidFill>
+        </p:spPr>
+        <p:style>
+          <a:lnRef idx="2">
+            <a:schemeClr val="accent1">
+              <a:shade val="50000"/>
+            </a:schemeClr>
+          </a:lnRef>
+          <a:fillRef idx="1">
+            <a:schemeClr val="accent1"/>
+          </a:fillRef>
+          <a:effectRef idx="0">
+            <a:schemeClr val="accent1"/>
+          </a:effectRef>
+          <a:fontRef idx="minor">
+            <a:schemeClr val="lt1"/>
+          </a:fontRef>
+        </p:style>
+        <p:txBody>
+          <a:bodyPr rtlCol="0" anchor="ctr"/>
+          <a:lstStyle/>
+          <a:p>
+            <a:pPr algn="ctr"/>
+            <a:r>
+              <a:rPr kumimoji="1" lang="en-US" altLang="ja-JP" sz="2800" dirty="0"/>
+              <a:t>Back End Group</a:t>
+            </a:r>
+            <a:endParaRPr kumimoji="1" lang="ja-JP" altLang="en-US" sz="2800" dirty="0"/>
+          </a:p>
+        </p:txBody>
+      </p:sp>
+    </p:spTree>
+    <p:extLst>
+      <p:ext uri="{BB962C8B-B14F-4D97-AF65-F5344CB8AC3E}">
+        <p14:creationId xmlns:p14="http://schemas.microsoft.com/office/powerpoint/2010/main" val="2685754481"/>
+      </p:ext>
+    </p:extLst>
+  </p:cSld>
+  <p:clrMapOvr>
+    <a:masterClrMapping/>
+  </p:clrMapOvr>
+</p:sld>
+</file>
+
+<file path=ppt/slides/slide5.xml><?xml version="1.0" encoding="utf-8"?>
+<p:sld xmlns:a="http://schemas.openxmlformats.org/drawingml/2006/main" xmlns:r="http://schemas.openxmlformats.org/officeDocument/2006/relationships" xmlns:p="http://schemas.openxmlformats.org/presentationml/2006/main">
+  <p:cSld>
+    <p:spTree>
+      <p:nvGrpSpPr>
+        <p:cNvPr id="1" name=""/>
+        <p:cNvGrpSpPr/>
+        <p:nvPr/>
+      </p:nvGrpSpPr>
+      <p:grpSpPr>
+        <a:xfrm>
+          <a:off x="0" y="0"/>
+          <a:ext cx="0" cy="0"/>
+          <a:chOff x="0" y="0"/>
+          <a:chExt cx="0" cy="0"/>
+        </a:xfrm>
+      </p:grpSpPr>
+      <p:sp>
+        <p:nvSpPr>
           <p:cNvPr id="2" name="タイトル 1">
             <a:extLst>
               <a:ext uri="{FF2B5EF4-FFF2-40B4-BE49-F238E27FC236}">
@@ -8300,7 +11957,7 @@
                   </a:outerShdw>
                 </a:effectLst>
               </a:rPr>
-              <a:t>１</a:t>
+              <a:t>２</a:t>
             </a:r>
           </a:p>
         </p:txBody>
@@ -8343,7 +12000,31 @@
                   </a:outerShdw>
                 </a:effectLst>
               </a:rPr>
-              <a:t>Team Introduction</a:t>
+              <a:t>Curre</a:t>
+            </a:r>
+            <a:r>
+              <a:rPr lang="en-US" altLang="ja-JP" sz="4800" b="1" dirty="0">
+                <a:effectLst>
+                  <a:outerShdw blurRad="38100" dist="38100" dir="2700000" algn="tl">
+                    <a:srgbClr val="000000">
+                      <a:alpha val="43137"/>
+                    </a:srgbClr>
+                  </a:outerShdw>
+                </a:effectLst>
+              </a:rPr>
+              <a:t>nt </a:t>
+            </a:r>
+            <a:r>
+              <a:rPr kumimoji="1" lang="en-US" altLang="ja-JP" sz="4800" b="1" dirty="0">
+                <a:effectLst>
+                  <a:outerShdw blurRad="38100" dist="38100" dir="2700000" algn="tl">
+                    <a:srgbClr val="000000">
+                      <a:alpha val="43137"/>
+                    </a:srgbClr>
+                  </a:outerShdw>
+                </a:effectLst>
+              </a:rPr>
+              <a:t>Problems</a:t>
             </a:r>
             <a:endParaRPr kumimoji="1" lang="ja-JP" altLang="en-US" sz="4800" b="1" dirty="0">
               <a:effectLst>
@@ -8360,7 +12041,7 @@
     </p:spTree>
     <p:extLst>
       <p:ext uri="{BB962C8B-B14F-4D97-AF65-F5344CB8AC3E}">
-        <p14:creationId xmlns:p14="http://schemas.microsoft.com/office/powerpoint/2010/main" val="186999708"/>
+        <p14:creationId xmlns:p14="http://schemas.microsoft.com/office/powerpoint/2010/main" val="1755407242"/>
       </p:ext>
     </p:extLst>
   </p:cSld>
@@ -8379,6 +12060,9 @@
                     <p:cTn id="3" fill="hold">
                       <p:stCondLst>
                         <p:cond delay="indefinite"/>
+                        <p:cond evt="onBegin" delay="0">
+                          <p:tn val="2"/>
+                        </p:cond>
                       </p:stCondLst>
                       <p:childTnLst>
                         <p:par>
@@ -8388,7 +12072,7 @@
                             </p:stCondLst>
                             <p:childTnLst>
                               <p:par>
-                                <p:cTn id="5" presetID="42" presetClass="entr" presetSubtype="0" fill="hold" grpId="0" nodeType="clickEffect">
+                                <p:cTn id="5" presetID="42" presetClass="entr" presetSubtype="0" fill="hold" grpId="0" nodeType="withEffect">
                                   <p:stCondLst>
                                     <p:cond delay="0"/>
                                   </p:stCondLst>
@@ -8471,30 +12155,21 @@
                             </p:childTnLst>
                           </p:cTn>
                         </p:par>
-                      </p:childTnLst>
-                    </p:cTn>
-                  </p:par>
-                  <p:par>
-                    <p:cTn id="10" fill="hold">
-                      <p:stCondLst>
-                        <p:cond delay="indefinite"/>
-                      </p:stCondLst>
-                      <p:childTnLst>
                         <p:par>
-                          <p:cTn id="11" fill="hold">
+                          <p:cTn id="10" fill="hold">
                             <p:stCondLst>
-                              <p:cond delay="0"/>
+                              <p:cond delay="1000"/>
                             </p:stCondLst>
                             <p:childTnLst>
                               <p:par>
-                                <p:cTn id="12" presetID="10" presetClass="entr" presetSubtype="0" fill="hold" grpId="0" nodeType="clickEffect">
+                                <p:cTn id="11" presetID="10" presetClass="entr" presetSubtype="0" fill="hold" grpId="0" nodeType="afterEffect">
                                   <p:stCondLst>
                                     <p:cond delay="0"/>
                                   </p:stCondLst>
                                   <p:childTnLst>
                                     <p:set>
                                       <p:cBhvr>
-                                        <p:cTn id="13" dur="1" fill="hold">
+                                        <p:cTn id="12" dur="1" fill="hold">
                                           <p:stCondLst>
                                             <p:cond delay="0"/>
                                           </p:stCondLst>
@@ -8516,7 +12191,7 @@
                                     </p:set>
                                     <p:animEffect transition="in" filter="fade">
                                       <p:cBhvr>
-                                        <p:cTn id="14" dur="500"/>
+                                        <p:cTn id="13" dur="1000"/>
                                         <p:tgtEl>
                                           <p:spTgt spid="3">
                                             <p:txEl>
@@ -8564,7 +12239,7 @@
 </p:sld>
 </file>
 
-<file path=ppt/slides/slide4.xml><?xml version="1.0" encoding="utf-8"?>
+<file path=ppt/slides/slide6.xml><?xml version="1.0" encoding="utf-8"?>
 <p:sld xmlns:a="http://schemas.openxmlformats.org/drawingml/2006/main" xmlns:r="http://schemas.openxmlformats.org/officeDocument/2006/relationships" xmlns:p="http://schemas.openxmlformats.org/presentationml/2006/main">
   <p:cSld>
     <p:spTree>
@@ -8583,10 +12258,48 @@
       </p:grpSpPr>
       <p:sp>
         <p:nvSpPr>
-          <p:cNvPr id="7" name="正方形/長方形 6">
+          <p:cNvPr id="2" name="タイトル 1">
             <a:extLst>
               <a:ext uri="{FF2B5EF4-FFF2-40B4-BE49-F238E27FC236}">
-                <a16:creationId xmlns:a16="http://schemas.microsoft.com/office/drawing/2014/main" id="{35B78278-3F05-4D6A-874C-934848CEE672}"/>
+                <a16:creationId xmlns:a16="http://schemas.microsoft.com/office/drawing/2014/main" id="{1C8C6BC2-548D-4F60-8CE8-798B20A81282}"/>
+              </a:ext>
+            </a:extLst>
+          </p:cNvPr>
+          <p:cNvSpPr>
+            <a:spLocks noGrp="1"/>
+          </p:cNvSpPr>
+          <p:nvPr>
+            <p:ph type="title"/>
+          </p:nvPr>
+        </p:nvSpPr>
+        <p:spPr>
+          <a:xfrm>
+            <a:off x="202263" y="5831174"/>
+            <a:ext cx="10515600" cy="1026826"/>
+          </a:xfrm>
+        </p:spPr>
+        <p:txBody>
+          <a:bodyPr/>
+          <a:lstStyle/>
+          <a:p>
+            <a:r>
+              <a:rPr kumimoji="1" lang="en-US" altLang="ja-JP" dirty="0"/>
+              <a:t>2. Current Proble</a:t>
+            </a:r>
+            <a:r>
+              <a:rPr lang="en-US" altLang="ja-JP" dirty="0"/>
+              <a:t>ms</a:t>
+            </a:r>
+            <a:endParaRPr kumimoji="1" lang="ja-JP" altLang="en-US" dirty="0"/>
+          </a:p>
+        </p:txBody>
+      </p:sp>
+      <p:sp>
+        <p:nvSpPr>
+          <p:cNvPr id="3" name="正方形/長方形 2">
+            <a:extLst>
+              <a:ext uri="{FF2B5EF4-FFF2-40B4-BE49-F238E27FC236}">
+                <a16:creationId xmlns:a16="http://schemas.microsoft.com/office/drawing/2014/main" id="{1AE60E65-20E1-43F8-A6BE-254C12258F5F}"/>
               </a:ext>
             </a:extLst>
           </p:cNvPr>
@@ -8595,15 +12308,518 @@
         </p:nvSpPr>
         <p:spPr>
           <a:xfrm>
-            <a:off x="6469742" y="653143"/>
-            <a:ext cx="5537200" cy="4796971"/>
+            <a:off x="522514" y="236376"/>
+            <a:ext cx="4771053" cy="5218922"/>
           </a:xfrm>
           <a:prstGeom prst="rect">
             <a:avLst/>
           </a:prstGeom>
           <a:solidFill>
+            <a:schemeClr val="bg1"/>
+          </a:solidFill>
+          <a:ln>
+            <a:solidFill>
+              <a:srgbClr val="EA2D3D"/>
+            </a:solidFill>
+          </a:ln>
+        </p:spPr>
+        <p:style>
+          <a:lnRef idx="2">
             <a:schemeClr val="accent1">
-              <a:alpha val="34000"/>
+              <a:shade val="50000"/>
+            </a:schemeClr>
+          </a:lnRef>
+          <a:fillRef idx="1">
+            <a:schemeClr val="accent1"/>
+          </a:fillRef>
+          <a:effectRef idx="0">
+            <a:schemeClr val="accent1"/>
+          </a:effectRef>
+          <a:fontRef idx="minor">
+            <a:schemeClr val="lt1"/>
+          </a:fontRef>
+        </p:style>
+        <p:txBody>
+          <a:bodyPr rtlCol="0" anchor="ctr"/>
+          <a:lstStyle/>
+          <a:p>
+            <a:pPr algn="ctr"/>
+            <a:endParaRPr kumimoji="1" lang="ja-JP" altLang="en-US"/>
+          </a:p>
+        </p:txBody>
+      </p:sp>
+      <p:sp>
+        <p:nvSpPr>
+          <p:cNvPr id="4" name="四角形: 角を丸くする 3">
+            <a:extLst>
+              <a:ext uri="{FF2B5EF4-FFF2-40B4-BE49-F238E27FC236}">
+                <a16:creationId xmlns:a16="http://schemas.microsoft.com/office/drawing/2014/main" id="{1EF1C6BB-F8E5-4125-95CA-B359A9B54BCA}"/>
+              </a:ext>
+            </a:extLst>
+          </p:cNvPr>
+          <p:cNvSpPr/>
+          <p:nvPr/>
+        </p:nvSpPr>
+        <p:spPr>
+          <a:xfrm>
+            <a:off x="1710613" y="4354286"/>
+            <a:ext cx="2457061" cy="765110"/>
+          </a:xfrm>
+          <a:prstGeom prst="roundRect">
+            <a:avLst/>
+          </a:prstGeom>
+        </p:spPr>
+        <p:style>
+          <a:lnRef idx="2">
+            <a:schemeClr val="accent1">
+              <a:shade val="50000"/>
+            </a:schemeClr>
+          </a:lnRef>
+          <a:fillRef idx="1">
+            <a:schemeClr val="accent1"/>
+          </a:fillRef>
+          <a:effectRef idx="0">
+            <a:schemeClr val="accent1"/>
+          </a:effectRef>
+          <a:fontRef idx="minor">
+            <a:schemeClr val="lt1"/>
+          </a:fontRef>
+        </p:style>
+        <p:txBody>
+          <a:bodyPr rtlCol="0" anchor="ctr"/>
+          <a:lstStyle/>
+          <a:p>
+            <a:pPr algn="ctr"/>
+            <a:r>
+              <a:rPr kumimoji="1" lang="en-US" altLang="ja-JP" sz="3200" dirty="0"/>
+              <a:t>PUSH</a:t>
+            </a:r>
+            <a:endParaRPr kumimoji="1" lang="ja-JP" altLang="en-US" sz="3200" dirty="0"/>
+          </a:p>
+        </p:txBody>
+      </p:sp>
+      <p:sp>
+        <p:nvSpPr>
+          <p:cNvPr id="12" name="四角形: 角を丸くする 11">
+            <a:extLst>
+              <a:ext uri="{FF2B5EF4-FFF2-40B4-BE49-F238E27FC236}">
+                <a16:creationId xmlns:a16="http://schemas.microsoft.com/office/drawing/2014/main" id="{0F66DD5A-15E4-47F5-9606-63F730378432}"/>
+              </a:ext>
+            </a:extLst>
+          </p:cNvPr>
+          <p:cNvSpPr/>
+          <p:nvPr/>
+        </p:nvSpPr>
+        <p:spPr>
+          <a:xfrm rot="19970948">
+            <a:off x="1103592" y="2128716"/>
+            <a:ext cx="1245141" cy="605784"/>
+          </a:xfrm>
+          <a:prstGeom prst="roundRect">
+            <a:avLst/>
+          </a:prstGeom>
+          <a:solidFill>
+            <a:srgbClr val="B3202C"/>
+          </a:solidFill>
+        </p:spPr>
+        <p:style>
+          <a:lnRef idx="2">
+            <a:schemeClr val="accent1">
+              <a:shade val="50000"/>
+            </a:schemeClr>
+          </a:lnRef>
+          <a:fillRef idx="1">
+            <a:schemeClr val="accent1"/>
+          </a:fillRef>
+          <a:effectRef idx="0">
+            <a:schemeClr val="accent1"/>
+          </a:effectRef>
+          <a:fontRef idx="minor">
+            <a:schemeClr val="lt1"/>
+          </a:fontRef>
+        </p:style>
+        <p:txBody>
+          <a:bodyPr rtlCol="0" anchor="ctr"/>
+          <a:lstStyle/>
+          <a:p>
+            <a:pPr algn="ctr"/>
+            <a:r>
+              <a:rPr kumimoji="1" lang="en-US" altLang="ja-JP" sz="2800" dirty="0"/>
+              <a:t>PUSH</a:t>
+            </a:r>
+            <a:endParaRPr kumimoji="1" lang="ja-JP" altLang="en-US" sz="2800" dirty="0"/>
+          </a:p>
+        </p:txBody>
+      </p:sp>
+      <p:sp>
+        <p:nvSpPr>
+          <p:cNvPr id="13" name="四角形: 角を丸くする 12">
+            <a:extLst>
+              <a:ext uri="{FF2B5EF4-FFF2-40B4-BE49-F238E27FC236}">
+                <a16:creationId xmlns:a16="http://schemas.microsoft.com/office/drawing/2014/main" id="{BA252179-5539-409E-9D8B-3B6023DEA8A7}"/>
+              </a:ext>
+            </a:extLst>
+          </p:cNvPr>
+          <p:cNvSpPr/>
+          <p:nvPr/>
+        </p:nvSpPr>
+        <p:spPr>
+          <a:xfrm rot="1132723">
+            <a:off x="3455436" y="690467"/>
+            <a:ext cx="1601755" cy="640702"/>
+          </a:xfrm>
+          <a:prstGeom prst="roundRect">
+            <a:avLst/>
+          </a:prstGeom>
+          <a:solidFill>
+            <a:schemeClr val="accent2"/>
+          </a:solidFill>
+        </p:spPr>
+        <p:style>
+          <a:lnRef idx="2">
+            <a:schemeClr val="accent1">
+              <a:shade val="50000"/>
+            </a:schemeClr>
+          </a:lnRef>
+          <a:fillRef idx="1">
+            <a:schemeClr val="accent1"/>
+          </a:fillRef>
+          <a:effectRef idx="0">
+            <a:schemeClr val="accent1"/>
+          </a:effectRef>
+          <a:fontRef idx="minor">
+            <a:schemeClr val="lt1"/>
+          </a:fontRef>
+        </p:style>
+        <p:txBody>
+          <a:bodyPr rtlCol="0" anchor="ctr"/>
+          <a:lstStyle/>
+          <a:p>
+            <a:pPr algn="ctr"/>
+            <a:r>
+              <a:rPr kumimoji="1" lang="en-US" altLang="ja-JP" sz="3200" dirty="0"/>
+              <a:t>PUSH</a:t>
+            </a:r>
+            <a:endParaRPr kumimoji="1" lang="ja-JP" altLang="en-US" sz="3200" dirty="0"/>
+          </a:p>
+        </p:txBody>
+      </p:sp>
+      <p:sp>
+        <p:nvSpPr>
+          <p:cNvPr id="14" name="正方形/長方形 13">
+            <a:extLst>
+              <a:ext uri="{FF2B5EF4-FFF2-40B4-BE49-F238E27FC236}">
+                <a16:creationId xmlns:a16="http://schemas.microsoft.com/office/drawing/2014/main" id="{C13906B0-E9BB-481C-8C3F-FB3CEAE6559C}"/>
+              </a:ext>
+            </a:extLst>
+          </p:cNvPr>
+          <p:cNvSpPr/>
+          <p:nvPr/>
+        </p:nvSpPr>
+        <p:spPr>
+          <a:xfrm>
+            <a:off x="933062" y="753765"/>
+            <a:ext cx="1384377" cy="615821"/>
+          </a:xfrm>
+          <a:prstGeom prst="rect">
+            <a:avLst/>
+          </a:prstGeom>
+          <a:solidFill>
+            <a:srgbClr val="7030A0"/>
+          </a:solidFill>
+        </p:spPr>
+        <p:style>
+          <a:lnRef idx="2">
+            <a:schemeClr val="accent1">
+              <a:shade val="50000"/>
+            </a:schemeClr>
+          </a:lnRef>
+          <a:fillRef idx="1">
+            <a:schemeClr val="accent1"/>
+          </a:fillRef>
+          <a:effectRef idx="0">
+            <a:schemeClr val="accent1"/>
+          </a:effectRef>
+          <a:fontRef idx="minor">
+            <a:schemeClr val="lt1"/>
+          </a:fontRef>
+        </p:style>
+        <p:txBody>
+          <a:bodyPr rtlCol="0" anchor="ctr"/>
+          <a:lstStyle/>
+          <a:p>
+            <a:pPr algn="ctr"/>
+            <a:r>
+              <a:rPr kumimoji="1" lang="en-US" altLang="ja-JP" sz="2400" dirty="0"/>
+              <a:t>PUSH</a:t>
+            </a:r>
+            <a:endParaRPr kumimoji="1" lang="ja-JP" altLang="en-US" sz="2400" dirty="0"/>
+          </a:p>
+        </p:txBody>
+      </p:sp>
+      <p:sp>
+        <p:nvSpPr>
+          <p:cNvPr id="15" name="楕円 14">
+            <a:extLst>
+              <a:ext uri="{FF2B5EF4-FFF2-40B4-BE49-F238E27FC236}">
+                <a16:creationId xmlns:a16="http://schemas.microsoft.com/office/drawing/2014/main" id="{24712809-39AB-4280-947F-A59C3810DDBE}"/>
+              </a:ext>
+            </a:extLst>
+          </p:cNvPr>
+          <p:cNvSpPr/>
+          <p:nvPr/>
+        </p:nvSpPr>
+        <p:spPr>
+          <a:xfrm>
+            <a:off x="3331029" y="1944225"/>
+            <a:ext cx="1673290" cy="765110"/>
+          </a:xfrm>
+          <a:prstGeom prst="ellipse">
+            <a:avLst/>
+          </a:prstGeom>
+          <a:solidFill>
+            <a:srgbClr val="00B050"/>
+          </a:solidFill>
+        </p:spPr>
+        <p:style>
+          <a:lnRef idx="2">
+            <a:schemeClr val="accent1">
+              <a:shade val="50000"/>
+            </a:schemeClr>
+          </a:lnRef>
+          <a:fillRef idx="1">
+            <a:schemeClr val="accent1"/>
+          </a:fillRef>
+          <a:effectRef idx="0">
+            <a:schemeClr val="accent1"/>
+          </a:effectRef>
+          <a:fontRef idx="minor">
+            <a:schemeClr val="lt1"/>
+          </a:fontRef>
+        </p:style>
+        <p:txBody>
+          <a:bodyPr rtlCol="0" anchor="ctr"/>
+          <a:lstStyle/>
+          <a:p>
+            <a:pPr algn="ctr"/>
+            <a:r>
+              <a:rPr kumimoji="1" lang="en-US" altLang="ja-JP" sz="2400" dirty="0"/>
+              <a:t>PUSH</a:t>
+            </a:r>
+          </a:p>
+        </p:txBody>
+      </p:sp>
+      <p:sp>
+        <p:nvSpPr>
+          <p:cNvPr id="16" name="テキスト ボックス 15">
+            <a:extLst>
+              <a:ext uri="{FF2B5EF4-FFF2-40B4-BE49-F238E27FC236}">
+                <a16:creationId xmlns:a16="http://schemas.microsoft.com/office/drawing/2014/main" id="{FC25952E-1DD2-48F6-A505-243D11516271}"/>
+              </a:ext>
+            </a:extLst>
+          </p:cNvPr>
+          <p:cNvSpPr txBox="1"/>
+          <p:nvPr/>
+        </p:nvSpPr>
+        <p:spPr>
+          <a:xfrm>
+            <a:off x="1472062" y="3269060"/>
+            <a:ext cx="3149702" cy="830997"/>
+          </a:xfrm>
+          <a:prstGeom prst="rect">
+            <a:avLst/>
+          </a:prstGeom>
+          <a:noFill/>
+          <a:ln>
+            <a:solidFill>
+              <a:srgbClr val="DC143C"/>
+            </a:solidFill>
+          </a:ln>
+        </p:spPr>
+        <p:txBody>
+          <a:bodyPr wrap="square" rtlCol="0">
+            <a:spAutoFit/>
+          </a:bodyPr>
+          <a:lstStyle/>
+          <a:p>
+            <a:pPr algn="ctr"/>
+            <a:r>
+              <a:rPr kumimoji="1" lang="en-US" altLang="ja-JP" sz="2400" dirty="0"/>
+              <a:t>Press the button above of red button</a:t>
+            </a:r>
+            <a:endParaRPr kumimoji="1" lang="ja-JP" altLang="en-US" sz="2400" dirty="0"/>
+          </a:p>
+        </p:txBody>
+      </p:sp>
+      <p:sp>
+        <p:nvSpPr>
+          <p:cNvPr id="17" name="正方形/長方形 16">
+            <a:extLst>
+              <a:ext uri="{FF2B5EF4-FFF2-40B4-BE49-F238E27FC236}">
+                <a16:creationId xmlns:a16="http://schemas.microsoft.com/office/drawing/2014/main" id="{DAE5068D-0516-4E93-89AE-91F47141B746}"/>
+              </a:ext>
+            </a:extLst>
+          </p:cNvPr>
+          <p:cNvSpPr/>
+          <p:nvPr/>
+        </p:nvSpPr>
+        <p:spPr>
+          <a:xfrm>
+            <a:off x="6898433" y="236376"/>
+            <a:ext cx="4771053" cy="5218922"/>
+          </a:xfrm>
+          <a:prstGeom prst="rect">
+            <a:avLst/>
+          </a:prstGeom>
+          <a:solidFill>
+            <a:schemeClr val="bg1"/>
+          </a:solidFill>
+          <a:ln>
+            <a:solidFill>
+              <a:srgbClr val="EA2D3D"/>
+            </a:solidFill>
+          </a:ln>
+        </p:spPr>
+        <p:style>
+          <a:lnRef idx="2">
+            <a:schemeClr val="accent1">
+              <a:shade val="50000"/>
+            </a:schemeClr>
+          </a:lnRef>
+          <a:fillRef idx="1">
+            <a:schemeClr val="accent1"/>
+          </a:fillRef>
+          <a:effectRef idx="0">
+            <a:schemeClr val="accent1"/>
+          </a:effectRef>
+          <a:fontRef idx="minor">
+            <a:schemeClr val="lt1"/>
+          </a:fontRef>
+        </p:style>
+        <p:txBody>
+          <a:bodyPr rtlCol="0" anchor="ctr"/>
+          <a:lstStyle/>
+          <a:p>
+            <a:pPr algn="ctr"/>
+            <a:endParaRPr kumimoji="1" lang="ja-JP" altLang="en-US"/>
+          </a:p>
+        </p:txBody>
+      </p:sp>
+      <p:sp>
+        <p:nvSpPr>
+          <p:cNvPr id="18" name="四角形: 角を丸くする 17">
+            <a:extLst>
+              <a:ext uri="{FF2B5EF4-FFF2-40B4-BE49-F238E27FC236}">
+                <a16:creationId xmlns:a16="http://schemas.microsoft.com/office/drawing/2014/main" id="{B8D1667F-A930-48D0-8687-D83273E2F91F}"/>
+              </a:ext>
+            </a:extLst>
+          </p:cNvPr>
+          <p:cNvSpPr/>
+          <p:nvPr/>
+        </p:nvSpPr>
+        <p:spPr>
+          <a:xfrm>
+            <a:off x="8086532" y="4354286"/>
+            <a:ext cx="2457061" cy="765110"/>
+          </a:xfrm>
+          <a:prstGeom prst="roundRect">
+            <a:avLst/>
+          </a:prstGeom>
+        </p:spPr>
+        <p:style>
+          <a:lnRef idx="2">
+            <a:schemeClr val="accent1">
+              <a:shade val="50000"/>
+            </a:schemeClr>
+          </a:lnRef>
+          <a:fillRef idx="1">
+            <a:schemeClr val="accent1"/>
+          </a:fillRef>
+          <a:effectRef idx="0">
+            <a:schemeClr val="accent1"/>
+          </a:effectRef>
+          <a:fontRef idx="minor">
+            <a:schemeClr val="lt1"/>
+          </a:fontRef>
+        </p:style>
+        <p:txBody>
+          <a:bodyPr rtlCol="0" anchor="ctr"/>
+          <a:lstStyle/>
+          <a:p>
+            <a:pPr algn="ctr"/>
+            <a:r>
+              <a:rPr kumimoji="1" lang="en-US" altLang="ja-JP" sz="3200" dirty="0"/>
+              <a:t>PUSH</a:t>
+            </a:r>
+            <a:endParaRPr kumimoji="1" lang="ja-JP" altLang="en-US" sz="3200" dirty="0"/>
+          </a:p>
+        </p:txBody>
+      </p:sp>
+      <p:sp>
+        <p:nvSpPr>
+          <p:cNvPr id="23" name="テキスト ボックス 22">
+            <a:extLst>
+              <a:ext uri="{FF2B5EF4-FFF2-40B4-BE49-F238E27FC236}">
+                <a16:creationId xmlns:a16="http://schemas.microsoft.com/office/drawing/2014/main" id="{411B6065-7C97-4ACF-86B3-91341668D892}"/>
+              </a:ext>
+            </a:extLst>
+          </p:cNvPr>
+          <p:cNvSpPr txBox="1"/>
+          <p:nvPr/>
+        </p:nvSpPr>
+        <p:spPr>
+          <a:xfrm>
+            <a:off x="7816879" y="3638392"/>
+            <a:ext cx="3149702" cy="461665"/>
+          </a:xfrm>
+          <a:prstGeom prst="rect">
+            <a:avLst/>
+          </a:prstGeom>
+          <a:noFill/>
+          <a:ln>
+            <a:solidFill>
+              <a:srgbClr val="DC143C"/>
+            </a:solidFill>
+          </a:ln>
+        </p:spPr>
+        <p:txBody>
+          <a:bodyPr wrap="square" rtlCol="0">
+            <a:spAutoFit/>
+          </a:bodyPr>
+          <a:lstStyle/>
+          <a:p>
+            <a:pPr algn="ctr"/>
+            <a:r>
+              <a:rPr kumimoji="1" lang="en-US" altLang="ja-JP" sz="2400" dirty="0"/>
+              <a:t>Press the button</a:t>
+            </a:r>
+            <a:endParaRPr kumimoji="1" lang="ja-JP" altLang="en-US" sz="2400" dirty="0"/>
+          </a:p>
+        </p:txBody>
+      </p:sp>
+      <p:sp>
+        <p:nvSpPr>
+          <p:cNvPr id="24" name="楕円 23">
+            <a:extLst>
+              <a:ext uri="{FF2B5EF4-FFF2-40B4-BE49-F238E27FC236}">
+                <a16:creationId xmlns:a16="http://schemas.microsoft.com/office/drawing/2014/main" id="{DC023382-BD96-4B99-B4CE-FF709E763E06}"/>
+              </a:ext>
+            </a:extLst>
+          </p:cNvPr>
+          <p:cNvSpPr/>
+          <p:nvPr/>
+        </p:nvSpPr>
+        <p:spPr>
+          <a:xfrm>
+            <a:off x="2475243" y="1326962"/>
+            <a:ext cx="1289257" cy="615821"/>
+          </a:xfrm>
+          <a:prstGeom prst="ellipse">
+            <a:avLst/>
+          </a:prstGeom>
+          <a:solidFill>
+            <a:schemeClr val="accent6">
+              <a:lumMod val="50000"/>
             </a:schemeClr>
           </a:solidFill>
         </p:spPr>
@@ -8627,389 +12843,50 @@
           <a:bodyPr rtlCol="0" anchor="ctr"/>
           <a:lstStyle/>
           <a:p>
-            <a:r>
-              <a:rPr lang="en-US" altLang="ja-JP" sz="2800" b="1" u="sng" dirty="0">
-                <a:solidFill>
-                  <a:schemeClr val="tx1"/>
-                </a:solidFill>
-                <a:effectLst>
-                  <a:outerShdw blurRad="38100" dist="38100" dir="2700000" algn="tl">
-                    <a:srgbClr val="000000">
-                      <a:alpha val="43137"/>
-                    </a:srgbClr>
-                  </a:outerShdw>
-                </a:effectLst>
-              </a:rPr>
-              <a:t>Member</a:t>
-            </a:r>
-            <a:endParaRPr lang="en-US" altLang="ja-JP" sz="2000" b="1" u="sng" dirty="0">
-              <a:solidFill>
-                <a:schemeClr val="tx1"/>
-              </a:solidFill>
-              <a:effectLst>
-                <a:outerShdw blurRad="38100" dist="38100" dir="2700000" algn="tl">
-                  <a:srgbClr val="000000">
-                    <a:alpha val="43137"/>
-                  </a:srgbClr>
-                </a:outerShdw>
-              </a:effectLst>
-            </a:endParaRPr>
-          </a:p>
-          <a:p>
-            <a:pPr lvl="1"/>
-            <a:r>
-              <a:rPr lang="en-US" altLang="ja-JP" sz="2400" dirty="0">
-                <a:solidFill>
-                  <a:schemeClr val="tx1"/>
-                </a:solidFill>
-              </a:rPr>
-              <a:t>Ryo Yamaguchi</a:t>
-            </a:r>
-          </a:p>
-          <a:p>
-            <a:pPr lvl="1"/>
-            <a:r>
-              <a:rPr lang="en-US" altLang="ja-JP" sz="2400" dirty="0">
-                <a:solidFill>
-                  <a:schemeClr val="tx1"/>
-                </a:solidFill>
-              </a:rPr>
-              <a:t>Yuka </a:t>
-            </a:r>
-            <a:r>
-              <a:rPr lang="en-US" altLang="ja-JP" sz="2400" dirty="0" err="1">
-                <a:solidFill>
-                  <a:schemeClr val="tx1"/>
-                </a:solidFill>
-              </a:rPr>
-              <a:t>Oe</a:t>
-            </a:r>
-            <a:endParaRPr lang="en-US" altLang="ja-JP" sz="2400" dirty="0">
-              <a:solidFill>
-                <a:schemeClr val="tx1"/>
-              </a:solidFill>
-            </a:endParaRPr>
-          </a:p>
-          <a:p>
-            <a:pPr lvl="1"/>
-            <a:endParaRPr lang="en-US" altLang="ja-JP" dirty="0">
-              <a:solidFill>
-                <a:schemeClr val="tx1"/>
-              </a:solidFill>
-            </a:endParaRPr>
-          </a:p>
-          <a:p>
-            <a:r>
-              <a:rPr lang="en-US" altLang="ja-JP" sz="2800" b="1" dirty="0">
-                <a:solidFill>
-                  <a:schemeClr val="tx1"/>
-                </a:solidFill>
-                <a:effectLst>
-                  <a:outerShdw blurRad="38100" dist="38100" dir="2700000" algn="tl">
-                    <a:srgbClr val="000000">
-                      <a:alpha val="43137"/>
-                    </a:srgbClr>
-                  </a:outerShdw>
-                </a:effectLst>
-              </a:rPr>
-              <a:t>Role</a:t>
-            </a:r>
-          </a:p>
-          <a:p>
-            <a:pPr lvl="1"/>
-            <a:r>
-              <a:rPr lang="en-US" altLang="ja-JP" sz="2400" dirty="0">
-                <a:solidFill>
-                  <a:schemeClr val="tx1"/>
-                </a:solidFill>
-              </a:rPr>
-              <a:t>get necessary item data from “Rakuten API”</a:t>
-            </a:r>
-          </a:p>
-          <a:p>
-            <a:pPr lvl="1"/>
-            <a:endParaRPr lang="en-US" altLang="ja-JP" sz="2400" dirty="0">
-              <a:solidFill>
-                <a:schemeClr val="tx1"/>
-              </a:solidFill>
-            </a:endParaRPr>
-          </a:p>
-          <a:p>
-            <a:r>
-              <a:rPr lang="en-US" altLang="ja-JP" sz="2800" b="1" dirty="0">
-                <a:solidFill>
-                  <a:schemeClr val="tx1"/>
-                </a:solidFill>
-                <a:effectLst>
-                  <a:outerShdw blurRad="38100" dist="38100" dir="2700000" algn="tl">
-                    <a:srgbClr val="000000">
-                      <a:alpha val="43137"/>
-                    </a:srgbClr>
-                  </a:outerShdw>
-                </a:effectLst>
-              </a:rPr>
-              <a:t>Using Technology</a:t>
-            </a:r>
-          </a:p>
-          <a:p>
-            <a:pPr lvl="1"/>
-            <a:r>
-              <a:rPr lang="en-US" altLang="ja-JP" sz="2400" dirty="0">
-                <a:solidFill>
-                  <a:schemeClr val="tx1"/>
-                </a:solidFill>
-              </a:rPr>
-              <a:t>PHP, Rakuten API</a:t>
-            </a:r>
-          </a:p>
-        </p:txBody>
-      </p:sp>
-      <p:sp>
-        <p:nvSpPr>
-          <p:cNvPr id="6" name="正方形/長方形 5">
-            <a:extLst>
-              <a:ext uri="{FF2B5EF4-FFF2-40B4-BE49-F238E27FC236}">
-                <a16:creationId xmlns:a16="http://schemas.microsoft.com/office/drawing/2014/main" id="{F956DD7C-C058-479F-9AD0-1631619655B0}"/>
-              </a:ext>
-            </a:extLst>
-          </p:cNvPr>
-          <p:cNvSpPr/>
-          <p:nvPr/>
-        </p:nvSpPr>
-        <p:spPr>
-          <a:xfrm>
-            <a:off x="312057" y="653143"/>
-            <a:ext cx="5537200" cy="4796971"/>
-          </a:xfrm>
-          <a:prstGeom prst="rect">
-            <a:avLst/>
-          </a:prstGeom>
-          <a:solidFill>
-            <a:schemeClr val="accent4">
-              <a:lumMod val="60000"/>
-              <a:lumOff val="40000"/>
-            </a:schemeClr>
-          </a:solidFill>
-        </p:spPr>
-        <p:style>
-          <a:lnRef idx="2">
-            <a:schemeClr val="accent1">
-              <a:shade val="50000"/>
-            </a:schemeClr>
-          </a:lnRef>
-          <a:fillRef idx="1">
-            <a:schemeClr val="accent1"/>
-          </a:fillRef>
-          <a:effectRef idx="0">
-            <a:schemeClr val="accent1"/>
-          </a:effectRef>
-          <a:fontRef idx="minor">
-            <a:schemeClr val="lt1"/>
-          </a:fontRef>
-        </p:style>
-        <p:txBody>
-          <a:bodyPr rtlCol="0" anchor="ctr"/>
-          <a:lstStyle/>
-          <a:p>
-            <a:r>
-              <a:rPr lang="en-US" altLang="ja-JP" sz="2800" b="1" u="sng" dirty="0">
-                <a:solidFill>
-                  <a:schemeClr val="tx1"/>
-                </a:solidFill>
-                <a:effectLst>
-                  <a:outerShdw blurRad="38100" dist="38100" dir="2700000" algn="tl">
-                    <a:srgbClr val="000000">
-                      <a:alpha val="43137"/>
-                    </a:srgbClr>
-                  </a:outerShdw>
-                </a:effectLst>
-              </a:rPr>
-              <a:t>Member</a:t>
-            </a:r>
-            <a:endParaRPr lang="en-US" altLang="ja-JP" sz="2000" b="1" u="sng" dirty="0">
-              <a:solidFill>
-                <a:schemeClr val="tx1"/>
-              </a:solidFill>
-              <a:effectLst>
-                <a:outerShdw blurRad="38100" dist="38100" dir="2700000" algn="tl">
-                  <a:srgbClr val="000000">
-                    <a:alpha val="43137"/>
-                  </a:srgbClr>
-                </a:outerShdw>
-              </a:effectLst>
-            </a:endParaRPr>
-          </a:p>
-          <a:p>
-            <a:pPr lvl="1"/>
-            <a:r>
-              <a:rPr lang="en-US" altLang="ja-JP" sz="2400" dirty="0" err="1">
-                <a:solidFill>
-                  <a:schemeClr val="tx1"/>
-                </a:solidFill>
-              </a:rPr>
-              <a:t>Takehiro</a:t>
-            </a:r>
-            <a:r>
-              <a:rPr lang="en-US" altLang="ja-JP" sz="2400" dirty="0">
-                <a:solidFill>
-                  <a:schemeClr val="tx1"/>
-                </a:solidFill>
-              </a:rPr>
-              <a:t> </a:t>
-            </a:r>
-            <a:r>
-              <a:rPr lang="en-US" altLang="ja-JP" sz="2400" dirty="0" err="1">
-                <a:solidFill>
-                  <a:schemeClr val="tx1"/>
-                </a:solidFill>
-              </a:rPr>
-              <a:t>Tezuka</a:t>
-            </a:r>
-            <a:endParaRPr lang="en-US" altLang="ja-JP" sz="2400" dirty="0">
-              <a:solidFill>
-                <a:schemeClr val="tx1"/>
-              </a:solidFill>
-            </a:endParaRPr>
-          </a:p>
-          <a:p>
-            <a:pPr lvl="1"/>
-            <a:r>
-              <a:rPr lang="en-US" altLang="ja-JP" sz="2400" dirty="0">
-                <a:solidFill>
-                  <a:schemeClr val="tx1"/>
-                </a:solidFill>
-              </a:rPr>
-              <a:t>Lei </a:t>
-            </a:r>
-            <a:r>
-              <a:rPr lang="en-US" altLang="ja-JP" sz="2400" dirty="0" err="1">
-                <a:solidFill>
-                  <a:schemeClr val="tx1"/>
-                </a:solidFill>
-              </a:rPr>
-              <a:t>Puwen</a:t>
-            </a:r>
-            <a:endParaRPr lang="en-US" altLang="ja-JP" sz="2400" dirty="0">
-              <a:solidFill>
-                <a:schemeClr val="tx1"/>
-              </a:solidFill>
-            </a:endParaRPr>
-          </a:p>
-          <a:p>
-            <a:pPr lvl="1"/>
-            <a:r>
-              <a:rPr lang="en-US" altLang="ja-JP" sz="2400" dirty="0" err="1">
-                <a:solidFill>
-                  <a:schemeClr val="tx1"/>
-                </a:solidFill>
-              </a:rPr>
-              <a:t>Nobuki</a:t>
-            </a:r>
-            <a:r>
-              <a:rPr lang="en-US" altLang="ja-JP" sz="2400" dirty="0">
-                <a:solidFill>
-                  <a:schemeClr val="tx1"/>
-                </a:solidFill>
-              </a:rPr>
-              <a:t> Kasai</a:t>
-            </a:r>
-          </a:p>
-          <a:p>
-            <a:pPr lvl="1"/>
-            <a:endParaRPr lang="en-US" altLang="ja-JP" dirty="0">
-              <a:solidFill>
-                <a:schemeClr val="tx1"/>
-              </a:solidFill>
-            </a:endParaRPr>
-          </a:p>
-          <a:p>
-            <a:r>
-              <a:rPr kumimoji="1" lang="en-US" altLang="ja-JP" sz="2800" b="1" dirty="0">
-                <a:solidFill>
-                  <a:schemeClr val="tx1"/>
-                </a:solidFill>
-                <a:effectLst>
-                  <a:outerShdw blurRad="38100" dist="38100" dir="2700000" algn="tl">
-                    <a:srgbClr val="000000">
-                      <a:alpha val="43137"/>
-                    </a:srgbClr>
-                  </a:outerShdw>
-                </a:effectLst>
-              </a:rPr>
-              <a:t>Role</a:t>
-            </a:r>
-          </a:p>
-          <a:p>
-            <a:pPr lvl="1"/>
-            <a:r>
-              <a:rPr lang="en-US" altLang="ja-JP" sz="2400" dirty="0">
-                <a:solidFill>
-                  <a:schemeClr val="tx1"/>
-                </a:solidFill>
-              </a:rPr>
-              <a:t>Make Web pages</a:t>
-            </a:r>
-          </a:p>
-          <a:p>
-            <a:pPr lvl="1"/>
-            <a:endParaRPr lang="en-US" altLang="ja-JP" sz="2400" dirty="0">
-              <a:solidFill>
-                <a:schemeClr val="tx1"/>
-              </a:solidFill>
-            </a:endParaRPr>
-          </a:p>
-          <a:p>
-            <a:r>
-              <a:rPr lang="en-US" altLang="ja-JP" sz="2800" b="1" dirty="0">
-                <a:solidFill>
-                  <a:schemeClr val="tx1"/>
-                </a:solidFill>
-                <a:effectLst>
-                  <a:outerShdw blurRad="38100" dist="38100" dir="2700000" algn="tl">
-                    <a:srgbClr val="000000">
-                      <a:alpha val="43137"/>
-                    </a:srgbClr>
-                  </a:outerShdw>
-                </a:effectLst>
-              </a:rPr>
-              <a:t>Using Technology</a:t>
-            </a:r>
-          </a:p>
-          <a:p>
-            <a:pPr lvl="1"/>
-            <a:r>
-              <a:rPr lang="en-US" altLang="ja-JP" sz="2400" dirty="0">
-                <a:solidFill>
-                  <a:schemeClr val="tx1"/>
-                </a:solidFill>
-              </a:rPr>
-              <a:t>HTML , </a:t>
-            </a:r>
-            <a:r>
-              <a:rPr lang="en-US" altLang="ja-JP" sz="2400" dirty="0" err="1">
-                <a:solidFill>
-                  <a:schemeClr val="tx1"/>
-                </a:solidFill>
-              </a:rPr>
-              <a:t>Javascript</a:t>
-            </a:r>
-            <a:r>
-              <a:rPr lang="en-US" altLang="ja-JP" sz="2400" dirty="0">
-                <a:solidFill>
-                  <a:schemeClr val="tx1"/>
-                </a:solidFill>
-              </a:rPr>
-              <a:t> , CSS</a:t>
-            </a:r>
-          </a:p>
-        </p:txBody>
-      </p:sp>
+            <a:pPr algn="ctr"/>
+            <a:r>
+              <a:rPr kumimoji="1" lang="en-US" altLang="ja-JP" sz="2000" dirty="0"/>
+              <a:t>PUSH</a:t>
+            </a:r>
+          </a:p>
+        </p:txBody>
+      </p:sp>
+    </p:spTree>
+    <p:extLst>
+      <p:ext uri="{BB962C8B-B14F-4D97-AF65-F5344CB8AC3E}">
+        <p14:creationId xmlns:p14="http://schemas.microsoft.com/office/powerpoint/2010/main" val="1940908106"/>
+      </p:ext>
+    </p:extLst>
+  </p:cSld>
+  <p:clrMapOvr>
+    <a:masterClrMapping/>
+  </p:clrMapOvr>
+</p:sld>
+</file>
+
+<file path=ppt/slides/slide7.xml><?xml version="1.0" encoding="utf-8"?>
+<p:sld xmlns:a="http://schemas.openxmlformats.org/drawingml/2006/main" xmlns:r="http://schemas.openxmlformats.org/officeDocument/2006/relationships" xmlns:p="http://schemas.openxmlformats.org/presentationml/2006/main">
+  <p:cSld>
+    <p:spTree>
+      <p:nvGrpSpPr>
+        <p:cNvPr id="1" name=""/>
+        <p:cNvGrpSpPr/>
+        <p:nvPr/>
+      </p:nvGrpSpPr>
+      <p:grpSpPr>
+        <a:xfrm>
+          <a:off x="0" y="0"/>
+          <a:ext cx="0" cy="0"/>
+          <a:chOff x="0" y="0"/>
+          <a:chExt cx="0" cy="0"/>
+        </a:xfrm>
+      </p:grpSpPr>
       <p:sp>
         <p:nvSpPr>
           <p:cNvPr id="2" name="タイトル 1">
             <a:extLst>
               <a:ext uri="{FF2B5EF4-FFF2-40B4-BE49-F238E27FC236}">
-                <a16:creationId xmlns:a16="http://schemas.microsoft.com/office/drawing/2014/main" id="{2AD1900D-9DCB-4487-BB9E-6E819833B5BA}"/>
+                <a16:creationId xmlns:a16="http://schemas.microsoft.com/office/drawing/2014/main" id="{1C8C6BC2-548D-4F60-8CE8-798B20A81282}"/>
               </a:ext>
             </a:extLst>
           </p:cNvPr>
@@ -9022,8 +12899,8 @@
         </p:nvSpPr>
         <p:spPr>
           <a:xfrm>
-            <a:off x="63054" y="5791199"/>
-            <a:ext cx="10515600" cy="1066801"/>
+            <a:off x="202263" y="5831174"/>
+            <a:ext cx="10515600" cy="1026826"/>
           </a:xfrm>
         </p:spPr>
         <p:txBody>
@@ -9031,8 +12908,12 @@
           <a:lstStyle/>
           <a:p>
             <a:r>
+              <a:rPr kumimoji="1" lang="en-US" altLang="ja-JP" dirty="0"/>
+              <a:t>2. Current Proble</a:t>
+            </a:r>
+            <a:r>
               <a:rPr lang="en-US" altLang="ja-JP" dirty="0"/>
-              <a:t>1. Team Introduction</a:t>
+              <a:t>ms</a:t>
             </a:r>
             <a:endParaRPr kumimoji="1" lang="ja-JP" altLang="en-US" dirty="0"/>
           </a:p>
@@ -9040,10 +12921,10 @@
       </p:sp>
       <p:sp>
         <p:nvSpPr>
-          <p:cNvPr id="4" name="正方形/長方形 3">
+          <p:cNvPr id="5" name="四角形: 角を丸くする 4">
             <a:extLst>
               <a:ext uri="{FF2B5EF4-FFF2-40B4-BE49-F238E27FC236}">
-                <a16:creationId xmlns:a16="http://schemas.microsoft.com/office/drawing/2014/main" id="{CEECA8E6-CD27-4A97-9731-2B0D9E0A2E57}"/>
+                <a16:creationId xmlns:a16="http://schemas.microsoft.com/office/drawing/2014/main" id="{2B582CD8-62CF-4588-B6C7-4F43ABC16112}"/>
               </a:ext>
             </a:extLst>
           </p:cNvPr>
@@ -9052,10 +12933,10 @@
         </p:nvSpPr>
         <p:spPr>
           <a:xfrm>
-            <a:off x="876864" y="206828"/>
-            <a:ext cx="4122057" cy="892629"/>
+            <a:off x="386762" y="305631"/>
+            <a:ext cx="6498132" cy="812800"/>
           </a:xfrm>
-          <a:prstGeom prst="rect">
+          <a:prstGeom prst="roundRect">
             <a:avLst/>
           </a:prstGeom>
           <a:solidFill>
@@ -9082,21 +12963,95 @@
           <a:bodyPr rtlCol="0" anchor="ctr"/>
           <a:lstStyle/>
           <a:p>
-            <a:pPr algn="ctr"/>
-            <a:r>
-              <a:rPr kumimoji="1" lang="en-US" altLang="ja-JP" sz="2800" dirty="0"/>
-              <a:t>Front End Group</a:t>
-            </a:r>
-            <a:endParaRPr kumimoji="1" lang="ja-JP" altLang="en-US" sz="2800" dirty="0"/>
-          </a:p>
-        </p:txBody>
-      </p:sp>
-      <p:sp>
-        <p:nvSpPr>
-          <p:cNvPr id="5" name="正方形/長方形 4">
+            <a:r>
+              <a:rPr lang="en-US" altLang="ja-JP" sz="2800" dirty="0">
+                <a:effectLst>
+                  <a:outerShdw blurRad="38100" dist="38100" dir="2700000" algn="tl">
+                    <a:srgbClr val="000000">
+                      <a:alpha val="43137"/>
+                    </a:srgbClr>
+                  </a:outerShdw>
+                </a:effectLst>
+              </a:rPr>
+              <a:t>Current Problems of “Rakuten </a:t>
+            </a:r>
+            <a:r>
+              <a:rPr lang="en-US" altLang="ja-JP" sz="2800" dirty="0" err="1">
+                <a:effectLst>
+                  <a:outerShdw blurRad="38100" dist="38100" dir="2700000" algn="tl">
+                    <a:srgbClr val="000000">
+                      <a:alpha val="43137"/>
+                    </a:srgbClr>
+                  </a:outerShdw>
+                </a:effectLst>
+              </a:rPr>
+              <a:t>Ichiba</a:t>
+            </a:r>
+            <a:r>
+              <a:rPr lang="en-US" altLang="ja-JP" sz="2800" dirty="0">
+                <a:effectLst>
+                  <a:outerShdw blurRad="38100" dist="38100" dir="2700000" algn="tl">
+                    <a:srgbClr val="000000">
+                      <a:alpha val="43137"/>
+                    </a:srgbClr>
+                  </a:outerShdw>
+                </a:effectLst>
+              </a:rPr>
+              <a:t>”</a:t>
+            </a:r>
+            <a:endParaRPr lang="ja-JP" altLang="en-US" sz="2800" dirty="0">
+              <a:effectLst>
+                <a:outerShdw blurRad="38100" dist="38100" dir="2700000" algn="tl">
+                  <a:srgbClr val="000000">
+                    <a:alpha val="43137"/>
+                  </a:srgbClr>
+                </a:outerShdw>
+              </a:effectLst>
+            </a:endParaRPr>
+          </a:p>
+        </p:txBody>
+      </p:sp>
+      <p:pic>
+        <p:nvPicPr>
+          <p:cNvPr id="6" name="図 5">
             <a:extLst>
               <a:ext uri="{FF2B5EF4-FFF2-40B4-BE49-F238E27FC236}">
-                <a16:creationId xmlns:a16="http://schemas.microsoft.com/office/drawing/2014/main" id="{F8E0D2C3-F1D5-4867-8853-3AED5D1CB953}"/>
+                <a16:creationId xmlns:a16="http://schemas.microsoft.com/office/drawing/2014/main" id="{87300DA0-39B7-AC4F-B809-1A9C1C30DCA6}"/>
+              </a:ext>
+            </a:extLst>
+          </p:cNvPr>
+          <p:cNvPicPr>
+            <a:picLocks noChangeAspect="1"/>
+          </p:cNvPicPr>
+          <p:nvPr/>
+        </p:nvPicPr>
+        <p:blipFill rotWithShape="1">
+          <a:blip r:embed="rId3">
+            <a:extLst>
+              <a:ext uri="{28A0092B-C50C-407E-A947-70E740481C1C}">
+                <a14:useLocalDpi xmlns:a14="http://schemas.microsoft.com/office/drawing/2010/main" val="0"/>
+              </a:ext>
+            </a:extLst>
+          </a:blip>
+          <a:srcRect t="4292"/>
+          <a:stretch/>
+        </p:blipFill>
+        <p:spPr>
+          <a:xfrm>
+            <a:off x="2078636" y="1663907"/>
+            <a:ext cx="6540708" cy="3912507"/>
+          </a:xfrm>
+          <a:prstGeom prst="rect">
+            <a:avLst/>
+          </a:prstGeom>
+        </p:spPr>
+      </p:pic>
+      <p:sp>
+        <p:nvSpPr>
+          <p:cNvPr id="7" name="正方形/長方形 6">
+            <a:extLst>
+              <a:ext uri="{FF2B5EF4-FFF2-40B4-BE49-F238E27FC236}">
+                <a16:creationId xmlns:a16="http://schemas.microsoft.com/office/drawing/2014/main" id="{E69E4926-9417-CA4C-B310-158D119B7B55}"/>
               </a:ext>
             </a:extLst>
           </p:cNvPr>
@@ -9105,15 +13060,18 @@
         </p:nvSpPr>
         <p:spPr>
           <a:xfrm>
-            <a:off x="7177313" y="206827"/>
-            <a:ext cx="4122057" cy="892629"/>
+            <a:off x="4137285" y="1663907"/>
+            <a:ext cx="1124262" cy="1903752"/>
           </a:xfrm>
           <a:prstGeom prst="rect">
             <a:avLst/>
           </a:prstGeom>
-          <a:solidFill>
-            <a:srgbClr val="DC143C"/>
-          </a:solidFill>
+          <a:noFill/>
+          <a:ln w="28575">
+            <a:solidFill>
+              <a:srgbClr val="FF0000"/>
+            </a:solidFill>
+          </a:ln>
         </p:spPr>
         <p:style>
           <a:lnRef idx="2">
@@ -9136,18 +13094,215 @@
           <a:lstStyle/>
           <a:p>
             <a:pPr algn="ctr"/>
-            <a:r>
-              <a:rPr kumimoji="1" lang="en-US" altLang="ja-JP" sz="2800" dirty="0"/>
-              <a:t>Back End Group</a:t>
-            </a:r>
-            <a:endParaRPr kumimoji="1" lang="ja-JP" altLang="en-US" sz="2800" dirty="0"/>
+            <a:endParaRPr kumimoji="1" lang="ja-JP" altLang="en-US"/>
+          </a:p>
+        </p:txBody>
+      </p:sp>
+      <p:sp>
+        <p:nvSpPr>
+          <p:cNvPr id="8" name="正方形/長方形 7">
+            <a:extLst>
+              <a:ext uri="{FF2B5EF4-FFF2-40B4-BE49-F238E27FC236}">
+                <a16:creationId xmlns:a16="http://schemas.microsoft.com/office/drawing/2014/main" id="{936248FC-8A65-5E46-B9F5-C06F3C8817EB}"/>
+              </a:ext>
+            </a:extLst>
+          </p:cNvPr>
+          <p:cNvSpPr/>
+          <p:nvPr/>
+        </p:nvSpPr>
+        <p:spPr>
+          <a:xfrm>
+            <a:off x="3031656" y="3567659"/>
+            <a:ext cx="1124262" cy="1903752"/>
+          </a:xfrm>
+          <a:prstGeom prst="rect">
+            <a:avLst/>
+          </a:prstGeom>
+          <a:noFill/>
+          <a:ln w="28575">
+            <a:solidFill>
+              <a:srgbClr val="FF0000"/>
+            </a:solidFill>
+          </a:ln>
+        </p:spPr>
+        <p:style>
+          <a:lnRef idx="2">
+            <a:schemeClr val="accent1">
+              <a:shade val="50000"/>
+            </a:schemeClr>
+          </a:lnRef>
+          <a:fillRef idx="1">
+            <a:schemeClr val="accent1"/>
+          </a:fillRef>
+          <a:effectRef idx="0">
+            <a:schemeClr val="accent1"/>
+          </a:effectRef>
+          <a:fontRef idx="minor">
+            <a:schemeClr val="lt1"/>
+          </a:fontRef>
+        </p:style>
+        <p:txBody>
+          <a:bodyPr rtlCol="0" anchor="ctr"/>
+          <a:lstStyle/>
+          <a:p>
+            <a:pPr algn="ctr"/>
+            <a:endParaRPr kumimoji="1" lang="ja-JP" altLang="en-US"/>
+          </a:p>
+        </p:txBody>
+      </p:sp>
+      <p:sp>
+        <p:nvSpPr>
+          <p:cNvPr id="9" name="テキスト ボックス 8">
+            <a:extLst>
+              <a:ext uri="{FF2B5EF4-FFF2-40B4-BE49-F238E27FC236}">
+                <a16:creationId xmlns:a16="http://schemas.microsoft.com/office/drawing/2014/main" id="{3BB27038-4659-224D-88AF-CCD5740C9EC1}"/>
+              </a:ext>
+            </a:extLst>
+          </p:cNvPr>
+          <p:cNvSpPr txBox="1"/>
+          <p:nvPr/>
+        </p:nvSpPr>
+        <p:spPr>
+          <a:xfrm>
+            <a:off x="7152597" y="916729"/>
+            <a:ext cx="1699504" cy="461665"/>
+          </a:xfrm>
+          <a:prstGeom prst="rect">
+            <a:avLst/>
+          </a:prstGeom>
+          <a:noFill/>
+          <a:ln w="28575">
+            <a:solidFill>
+              <a:srgbClr val="FF0000"/>
+            </a:solidFill>
+          </a:ln>
+        </p:spPr>
+        <p:txBody>
+          <a:bodyPr wrap="none" rtlCol="0">
+            <a:spAutoFit/>
+          </a:bodyPr>
+          <a:lstStyle/>
+          <a:p>
+            <a:r>
+              <a:rPr kumimoji="1" lang="en-US" altLang="ja-JP" sz="2400" dirty="0"/>
+              <a:t>Same item</a:t>
+            </a:r>
+            <a:endParaRPr kumimoji="1" lang="ja-JP" altLang="en-US" sz="2400" dirty="0"/>
+          </a:p>
+        </p:txBody>
+      </p:sp>
+      <p:sp>
+        <p:nvSpPr>
+          <p:cNvPr id="10" name="円弧 9">
+            <a:extLst>
+              <a:ext uri="{FF2B5EF4-FFF2-40B4-BE49-F238E27FC236}">
+                <a16:creationId xmlns:a16="http://schemas.microsoft.com/office/drawing/2014/main" id="{6A880F04-1007-5349-9345-F58CA1CA2674}"/>
+              </a:ext>
+            </a:extLst>
+          </p:cNvPr>
+          <p:cNvSpPr/>
+          <p:nvPr/>
+        </p:nvSpPr>
+        <p:spPr>
+          <a:xfrm flipH="1">
+            <a:off x="5108938" y="1176691"/>
+            <a:ext cx="4087319" cy="2878183"/>
+          </a:xfrm>
+          <a:prstGeom prst="arc">
+            <a:avLst>
+              <a:gd name="adj1" fmla="val 16200000"/>
+              <a:gd name="adj2" fmla="val 20632644"/>
+            </a:avLst>
+          </a:prstGeom>
+          <a:ln w="28575">
+            <a:solidFill>
+              <a:srgbClr val="FF0000"/>
+            </a:solidFill>
+            <a:headEnd type="none" w="med" len="med"/>
+            <a:tailEnd type="triangle" w="med" len="med"/>
+          </a:ln>
+        </p:spPr>
+        <p:style>
+          <a:lnRef idx="1">
+            <a:schemeClr val="accent1"/>
+          </a:lnRef>
+          <a:fillRef idx="0">
+            <a:schemeClr val="accent1"/>
+          </a:fillRef>
+          <a:effectRef idx="0">
+            <a:schemeClr val="accent1"/>
+          </a:effectRef>
+          <a:fontRef idx="minor">
+            <a:schemeClr val="tx1"/>
+          </a:fontRef>
+        </p:style>
+        <p:txBody>
+          <a:bodyPr rtlCol="0" anchor="ctr"/>
+          <a:lstStyle/>
+          <a:p>
+            <a:pPr algn="ctr"/>
+            <a:endParaRPr kumimoji="1" lang="ja-JP" altLang="en-US"/>
+          </a:p>
+        </p:txBody>
+      </p:sp>
+      <p:sp>
+        <p:nvSpPr>
+          <p:cNvPr id="11" name="円弧 10">
+            <a:extLst>
+              <a:ext uri="{FF2B5EF4-FFF2-40B4-BE49-F238E27FC236}">
+                <a16:creationId xmlns:a16="http://schemas.microsoft.com/office/drawing/2014/main" id="{BD96791B-7E1F-F24C-844E-A1FFA52BA8B1}"/>
+              </a:ext>
+            </a:extLst>
+          </p:cNvPr>
+          <p:cNvSpPr/>
+          <p:nvPr/>
+        </p:nvSpPr>
+        <p:spPr>
+          <a:xfrm rot="16200000" flipH="1" flipV="1">
+            <a:off x="236908" y="-2669430"/>
+            <a:ext cx="6106628" cy="7692242"/>
+          </a:xfrm>
+          <a:prstGeom prst="arc">
+            <a:avLst>
+              <a:gd name="adj1" fmla="val 16200000"/>
+              <a:gd name="adj2" fmla="val 20632644"/>
+            </a:avLst>
+          </a:prstGeom>
+          <a:ln w="28575">
+            <a:solidFill>
+              <a:srgbClr val="FF0000"/>
+            </a:solidFill>
+            <a:headEnd type="none" w="med" len="med"/>
+            <a:tailEnd type="triangle" w="med" len="med"/>
+          </a:ln>
+        </p:spPr>
+        <p:style>
+          <a:lnRef idx="1">
+            <a:schemeClr val="accent1"/>
+          </a:lnRef>
+          <a:fillRef idx="0">
+            <a:schemeClr val="accent1"/>
+          </a:fillRef>
+          <a:effectRef idx="0">
+            <a:schemeClr val="accent1"/>
+          </a:effectRef>
+          <a:fontRef idx="minor">
+            <a:schemeClr val="tx1"/>
+          </a:fontRef>
+        </p:style>
+        <p:txBody>
+          <a:bodyPr rtlCol="0" anchor="ctr"/>
+          <a:lstStyle/>
+          <a:p>
+            <a:pPr algn="ctr"/>
+            <a:endParaRPr kumimoji="1" lang="ja-JP" altLang="en-US"/>
           </a:p>
         </p:txBody>
       </p:sp>
     </p:spTree>
     <p:extLst>
       <p:ext uri="{BB962C8B-B14F-4D97-AF65-F5344CB8AC3E}">
-        <p14:creationId xmlns:p14="http://schemas.microsoft.com/office/powerpoint/2010/main" val="2685754481"/>
+        <p14:creationId xmlns:p14="http://schemas.microsoft.com/office/powerpoint/2010/main" val="988520874"/>
       </p:ext>
     </p:extLst>
   </p:cSld>
@@ -9157,7 +13312,7 @@
 </p:sld>
 </file>
 
-<file path=ppt/slides/slide5.xml><?xml version="1.0" encoding="utf-8"?>
+<file path=ppt/slides/slide8.xml><?xml version="1.0" encoding="utf-8"?>
 <p:sld xmlns:a="http://schemas.openxmlformats.org/drawingml/2006/main" xmlns:r="http://schemas.openxmlformats.org/officeDocument/2006/relationships" xmlns:p="http://schemas.openxmlformats.org/presentationml/2006/main">
   <p:cSld>
     <p:spTree>
@@ -9212,7 +13367,7 @@
                   </a:outerShdw>
                 </a:effectLst>
               </a:rPr>
-              <a:t>２</a:t>
+              <a:t>３</a:t>
             </a:r>
           </a:p>
         </p:txBody>
@@ -9255,31 +13410,7 @@
                   </a:outerShdw>
                 </a:effectLst>
               </a:rPr>
-              <a:t>Curre</a:t>
-            </a:r>
-            <a:r>
-              <a:rPr lang="en-US" altLang="ja-JP" sz="4800" b="1" dirty="0">
-                <a:effectLst>
-                  <a:outerShdw blurRad="38100" dist="38100" dir="2700000" algn="tl">
-                    <a:srgbClr val="000000">
-                      <a:alpha val="43137"/>
-                    </a:srgbClr>
-                  </a:outerShdw>
-                </a:effectLst>
-              </a:rPr>
-              <a:t>nt </a:t>
-            </a:r>
-            <a:r>
-              <a:rPr kumimoji="1" lang="en-US" altLang="ja-JP" sz="4800" b="1" dirty="0">
-                <a:effectLst>
-                  <a:outerShdw blurRad="38100" dist="38100" dir="2700000" algn="tl">
-                    <a:srgbClr val="000000">
-                      <a:alpha val="43137"/>
-                    </a:srgbClr>
-                  </a:outerShdw>
-                </a:effectLst>
-              </a:rPr>
-              <a:t>Problems</a:t>
+              <a:t>Challenges and Solutions</a:t>
             </a:r>
             <a:endParaRPr kumimoji="1" lang="ja-JP" altLang="en-US" sz="4800" b="1" dirty="0">
               <a:effectLst>
@@ -9296,7 +13427,7 @@
     </p:spTree>
     <p:extLst>
       <p:ext uri="{BB962C8B-B14F-4D97-AF65-F5344CB8AC3E}">
-        <p14:creationId xmlns:p14="http://schemas.microsoft.com/office/powerpoint/2010/main" val="1755407242"/>
+        <p14:creationId xmlns:p14="http://schemas.microsoft.com/office/powerpoint/2010/main" val="3751129203"/>
       </p:ext>
     </p:extLst>
   </p:cSld>
@@ -9315,6 +13446,9 @@
                     <p:cTn id="3" fill="hold">
                       <p:stCondLst>
                         <p:cond delay="indefinite"/>
+                        <p:cond evt="onBegin" delay="0">
+                          <p:tn val="2"/>
+                        </p:cond>
                       </p:stCondLst>
                       <p:childTnLst>
                         <p:par>
@@ -9324,7 +13458,7 @@
                             </p:stCondLst>
                             <p:childTnLst>
                               <p:par>
-                                <p:cTn id="5" presetID="42" presetClass="entr" presetSubtype="0" fill="hold" grpId="0" nodeType="clickEffect">
+                                <p:cTn id="5" presetID="42" presetClass="entr" presetSubtype="0" fill="hold" grpId="0" nodeType="withEffect">
                                   <p:stCondLst>
                                     <p:cond delay="0"/>
                                   </p:stCondLst>
@@ -9407,30 +13541,21 @@
                             </p:childTnLst>
                           </p:cTn>
                         </p:par>
-                      </p:childTnLst>
-                    </p:cTn>
-                  </p:par>
-                  <p:par>
-                    <p:cTn id="10" fill="hold">
-                      <p:stCondLst>
-                        <p:cond delay="indefinite"/>
-                      </p:stCondLst>
-                      <p:childTnLst>
                         <p:par>
-                          <p:cTn id="11" fill="hold">
+                          <p:cTn id="10" fill="hold">
                             <p:stCondLst>
-                              <p:cond delay="0"/>
+                              <p:cond delay="1000"/>
                             </p:stCondLst>
                             <p:childTnLst>
                               <p:par>
-                                <p:cTn id="12" presetID="10" presetClass="entr" presetSubtype="0" fill="hold" grpId="0" nodeType="clickEffect">
+                                <p:cTn id="11" presetID="10" presetClass="entr" presetSubtype="0" fill="hold" grpId="0" nodeType="afterEffect">
                                   <p:stCondLst>
                                     <p:cond delay="0"/>
                                   </p:stCondLst>
                                   <p:childTnLst>
                                     <p:set>
                                       <p:cBhvr>
-                                        <p:cTn id="13" dur="1" fill="hold">
+                                        <p:cTn id="12" dur="1" fill="hold">
                                           <p:stCondLst>
                                             <p:cond delay="0"/>
                                           </p:stCondLst>
@@ -9452,7 +13577,7 @@
                                     </p:set>
                                     <p:animEffect transition="in" filter="fade">
                                       <p:cBhvr>
-                                        <p:cTn id="14" dur="500"/>
+                                        <p:cTn id="13" dur="1000"/>
                                         <p:tgtEl>
                                           <p:spTgt spid="3">
                                             <p:txEl>
@@ -9500,7 +13625,7 @@
 </p:sld>
 </file>
 
-<file path=ppt/slides/slide6.xml><?xml version="1.0" encoding="utf-8"?>
+<file path=ppt/slides/slide9.xml><?xml version="1.0" encoding="utf-8"?>
 <p:sld xmlns:a="http://schemas.openxmlformats.org/drawingml/2006/main" xmlns:r="http://schemas.openxmlformats.org/officeDocument/2006/relationships" xmlns:p="http://schemas.openxmlformats.org/presentationml/2006/main">
   <p:cSld>
     <p:spTree>
@@ -9522,7 +13647,7 @@
           <p:cNvPr id="2" name="タイトル 1">
             <a:extLst>
               <a:ext uri="{FF2B5EF4-FFF2-40B4-BE49-F238E27FC236}">
-                <a16:creationId xmlns:a16="http://schemas.microsoft.com/office/drawing/2014/main" id="{1C8C6BC2-548D-4F60-8CE8-798B20A81282}"/>
+                <a16:creationId xmlns:a16="http://schemas.microsoft.com/office/drawing/2014/main" id="{162BB91B-3D5F-40D6-9780-4A263D504DF7}"/>
               </a:ext>
             </a:extLst>
           </p:cNvPr>
@@ -9535,8 +13660,8 @@
         </p:nvSpPr>
         <p:spPr>
           <a:xfrm>
-            <a:off x="202263" y="5831174"/>
-            <a:ext cx="10515600" cy="1026826"/>
+            <a:off x="142420" y="5786891"/>
+            <a:ext cx="11211380" cy="1002846"/>
           </a:xfrm>
         </p:spPr>
         <p:txBody>
@@ -9545,13 +13670,102 @@
           <a:p>
             <a:r>
               <a:rPr kumimoji="1" lang="en-US" altLang="ja-JP" dirty="0"/>
-              <a:t>2. Current Proble</a:t>
-            </a:r>
-            <a:r>
-              <a:rPr lang="en-US" altLang="ja-JP" dirty="0"/>
-              <a:t>ms</a:t>
+              <a:t>3. Challenges and Solutions</a:t>
             </a:r>
             <a:endParaRPr kumimoji="1" lang="ja-JP" altLang="en-US" dirty="0"/>
+          </a:p>
+        </p:txBody>
+      </p:sp>
+      <p:sp>
+        <p:nvSpPr>
+          <p:cNvPr id="3" name="テキスト プレースホルダー 2">
+            <a:extLst>
+              <a:ext uri="{FF2B5EF4-FFF2-40B4-BE49-F238E27FC236}">
+                <a16:creationId xmlns:a16="http://schemas.microsoft.com/office/drawing/2014/main" id="{3F1E7B7C-CCC0-400C-8A2D-D50BF4251EA6}"/>
+              </a:ext>
+            </a:extLst>
+          </p:cNvPr>
+          <p:cNvSpPr>
+            <a:spLocks noGrp="1"/>
+          </p:cNvSpPr>
+          <p:nvPr>
+            <p:ph type="body" idx="1"/>
+          </p:nvPr>
+        </p:nvSpPr>
+        <p:spPr>
+          <a:xfrm>
+            <a:off x="838200" y="1548719"/>
+            <a:ext cx="10515600" cy="3153910"/>
+          </a:xfrm>
+        </p:spPr>
+        <p:txBody>
+          <a:bodyPr>
+            <a:normAutofit/>
+          </a:bodyPr>
+          <a:lstStyle/>
+          <a:p>
+            <a:pPr marL="457200" indent="-457200">
+              <a:buFont typeface="Arial" panose="020B0604020202020204" pitchFamily="34" charset="0"/>
+              <a:buChar char="•"/>
+            </a:pPr>
+            <a:r>
+              <a:rPr lang="en-US" altLang="ja-JP" sz="3200" dirty="0">
+                <a:solidFill>
+                  <a:schemeClr val="tx1"/>
+                </a:solidFill>
+              </a:rPr>
+              <a:t>Cluster the same item from various shops</a:t>
+            </a:r>
+          </a:p>
+          <a:p>
+            <a:pPr marL="457200" indent="-457200">
+              <a:buFont typeface="Arial" panose="020B0604020202020204" pitchFamily="34" charset="0"/>
+              <a:buChar char="•"/>
+            </a:pPr>
+            <a:endParaRPr lang="en-US" altLang="ja-JP" sz="3200" dirty="0">
+              <a:solidFill>
+                <a:schemeClr val="tx1"/>
+              </a:solidFill>
+            </a:endParaRPr>
+          </a:p>
+          <a:p>
+            <a:pPr marL="457200" indent="-457200">
+              <a:buFont typeface="Arial" panose="020B0604020202020204" pitchFamily="34" charset="0"/>
+              <a:buChar char="•"/>
+            </a:pPr>
+            <a:r>
+              <a:rPr lang="en-US" altLang="ja-JP" sz="3200" dirty="0">
+                <a:solidFill>
+                  <a:schemeClr val="tx1"/>
+                </a:solidFill>
+              </a:rPr>
+              <a:t>Enable to search with tags</a:t>
+            </a:r>
+          </a:p>
+          <a:p>
+            <a:pPr marL="457200" indent="-457200">
+              <a:buFont typeface="Arial" panose="020B0604020202020204" pitchFamily="34" charset="0"/>
+              <a:buChar char="•"/>
+            </a:pPr>
+            <a:endParaRPr lang="en-US" altLang="ja-JP" sz="3200" dirty="0">
+              <a:solidFill>
+                <a:schemeClr val="tx1"/>
+              </a:solidFill>
+            </a:endParaRPr>
+          </a:p>
+          <a:p>
+            <a:pPr marL="457200" indent="-457200">
+              <a:buFont typeface="Arial" panose="020B0604020202020204" pitchFamily="34" charset="0"/>
+              <a:buChar char="•"/>
+            </a:pPr>
+            <a:r>
+              <a:rPr lang="en-US" altLang="ja-JP" sz="3200" dirty="0">
+                <a:solidFill>
+                  <a:schemeClr val="tx1"/>
+                </a:solidFill>
+              </a:rPr>
+              <a:t>Compare with similar goods</a:t>
+            </a:r>
           </a:p>
         </p:txBody>
       </p:sp>
@@ -9560,7 +13774,7 @@
           <p:cNvPr id="5" name="四角形: 角を丸くする 4">
             <a:extLst>
               <a:ext uri="{FF2B5EF4-FFF2-40B4-BE49-F238E27FC236}">
-                <a16:creationId xmlns:a16="http://schemas.microsoft.com/office/drawing/2014/main" id="{2B582CD8-62CF-4588-B6C7-4F43ABC16112}"/>
+                <a16:creationId xmlns:a16="http://schemas.microsoft.com/office/drawing/2014/main" id="{C007D137-227B-4352-9A52-4C5F8CE374DB}"/>
               </a:ext>
             </a:extLst>
           </p:cNvPr>
@@ -9569,8 +13783,8 @@
         </p:nvSpPr>
         <p:spPr>
           <a:xfrm>
-            <a:off x="464457" y="420914"/>
-            <a:ext cx="5651530" cy="812800"/>
+            <a:off x="464458" y="420914"/>
+            <a:ext cx="2688645" cy="812800"/>
           </a:xfrm>
           <a:prstGeom prst="roundRect">
             <a:avLst/>
@@ -9600,7 +13814,7 @@
           <a:lstStyle/>
           <a:p>
             <a:r>
-              <a:rPr lang="en-US" altLang="ja-JP" sz="2400" dirty="0">
+              <a:rPr lang="en-US" altLang="ja-JP" sz="3200" dirty="0">
                 <a:effectLst>
                   <a:outerShdw blurRad="38100" dist="38100" dir="2700000" algn="tl">
                     <a:srgbClr val="000000">
@@ -9609,33 +13823,9 @@
                   </a:outerShdw>
                 </a:effectLst>
               </a:rPr>
-              <a:t>Current Problems of “Rakuten </a:t>
-            </a:r>
-            <a:r>
-              <a:rPr lang="en-US" altLang="ja-JP" sz="2400" dirty="0" err="1">
-                <a:effectLst>
-                  <a:outerShdw blurRad="38100" dist="38100" dir="2700000" algn="tl">
-                    <a:srgbClr val="000000">
-                      <a:alpha val="43137"/>
-                    </a:srgbClr>
-                  </a:outerShdw>
-                </a:effectLst>
-              </a:rPr>
-              <a:t>Ichiba</a:t>
-            </a:r>
-            <a:r>
-              <a:rPr lang="en-US" altLang="ja-JP" sz="2400" dirty="0">
-                <a:effectLst>
-                  <a:outerShdw blurRad="38100" dist="38100" dir="2700000" algn="tl">
-                    <a:srgbClr val="000000">
-                      <a:alpha val="43137"/>
-                    </a:srgbClr>
-                  </a:outerShdw>
-                </a:effectLst>
-              </a:rPr>
-              <a:t>”</a:t>
-            </a:r>
-            <a:endParaRPr lang="ja-JP" altLang="en-US" sz="2400" dirty="0">
+              <a:t>Our solution</a:t>
+            </a:r>
+            <a:endParaRPr lang="ja-JP" altLang="en-US" sz="3200" dirty="0">
               <a:effectLst>
                 <a:outerShdw blurRad="38100" dist="38100" dir="2700000" algn="tl">
                   <a:srgbClr val="000000">
@@ -9647,423 +13837,10 @@
           </a:p>
         </p:txBody>
       </p:sp>
-      <p:pic>
-        <p:nvPicPr>
-          <p:cNvPr id="6" name="図 5">
-            <a:extLst>
-              <a:ext uri="{FF2B5EF4-FFF2-40B4-BE49-F238E27FC236}">
-                <a16:creationId xmlns:a16="http://schemas.microsoft.com/office/drawing/2014/main" id="{87300DA0-39B7-AC4F-B809-1A9C1C30DCA6}"/>
-              </a:ext>
-            </a:extLst>
-          </p:cNvPr>
-          <p:cNvPicPr>
-            <a:picLocks noChangeAspect="1"/>
-          </p:cNvPicPr>
-          <p:nvPr/>
-        </p:nvPicPr>
-        <p:blipFill rotWithShape="1">
-          <a:blip r:embed="rId3">
-            <a:extLst>
-              <a:ext uri="{28A0092B-C50C-407E-A947-70E740481C1C}">
-                <a14:useLocalDpi xmlns:a14="http://schemas.microsoft.com/office/drawing/2010/main" val="0"/>
-              </a:ext>
-            </a:extLst>
-          </a:blip>
-          <a:srcRect t="4292"/>
-          <a:stretch/>
-        </p:blipFill>
-        <p:spPr>
-          <a:xfrm>
-            <a:off x="2078636" y="1663907"/>
-            <a:ext cx="6540708" cy="3912507"/>
-          </a:xfrm>
-          <a:prstGeom prst="rect">
-            <a:avLst/>
-          </a:prstGeom>
-        </p:spPr>
-      </p:pic>
-      <p:sp>
-        <p:nvSpPr>
-          <p:cNvPr id="7" name="正方形/長方形 6">
-            <a:extLst>
-              <a:ext uri="{FF2B5EF4-FFF2-40B4-BE49-F238E27FC236}">
-                <a16:creationId xmlns:a16="http://schemas.microsoft.com/office/drawing/2014/main" id="{E69E4926-9417-CA4C-B310-158D119B7B55}"/>
-              </a:ext>
-            </a:extLst>
-          </p:cNvPr>
-          <p:cNvSpPr/>
-          <p:nvPr/>
-        </p:nvSpPr>
-        <p:spPr>
-          <a:xfrm>
-            <a:off x="4137285" y="1663907"/>
-            <a:ext cx="1124262" cy="1903752"/>
-          </a:xfrm>
-          <a:prstGeom prst="rect">
-            <a:avLst/>
-          </a:prstGeom>
-          <a:noFill/>
-          <a:ln w="28575">
-            <a:solidFill>
-              <a:srgbClr val="FF0000"/>
-            </a:solidFill>
-          </a:ln>
-        </p:spPr>
-        <p:style>
-          <a:lnRef idx="2">
-            <a:schemeClr val="accent1">
-              <a:shade val="50000"/>
-            </a:schemeClr>
-          </a:lnRef>
-          <a:fillRef idx="1">
-            <a:schemeClr val="accent1"/>
-          </a:fillRef>
-          <a:effectRef idx="0">
-            <a:schemeClr val="accent1"/>
-          </a:effectRef>
-          <a:fontRef idx="minor">
-            <a:schemeClr val="lt1"/>
-          </a:fontRef>
-        </p:style>
-        <p:txBody>
-          <a:bodyPr rtlCol="0" anchor="ctr"/>
-          <a:lstStyle/>
-          <a:p>
-            <a:pPr algn="ctr"/>
-            <a:endParaRPr kumimoji="1" lang="ja-JP" altLang="en-US"/>
-          </a:p>
-        </p:txBody>
-      </p:sp>
-      <p:sp>
-        <p:nvSpPr>
-          <p:cNvPr id="8" name="正方形/長方形 7">
-            <a:extLst>
-              <a:ext uri="{FF2B5EF4-FFF2-40B4-BE49-F238E27FC236}">
-                <a16:creationId xmlns:a16="http://schemas.microsoft.com/office/drawing/2014/main" id="{936248FC-8A65-5E46-B9F5-C06F3C8817EB}"/>
-              </a:ext>
-            </a:extLst>
-          </p:cNvPr>
-          <p:cNvSpPr/>
-          <p:nvPr/>
-        </p:nvSpPr>
-        <p:spPr>
-          <a:xfrm>
-            <a:off x="3031656" y="3567659"/>
-            <a:ext cx="1124262" cy="1903752"/>
-          </a:xfrm>
-          <a:prstGeom prst="rect">
-            <a:avLst/>
-          </a:prstGeom>
-          <a:noFill/>
-          <a:ln w="28575">
-            <a:solidFill>
-              <a:srgbClr val="FF0000"/>
-            </a:solidFill>
-          </a:ln>
-        </p:spPr>
-        <p:style>
-          <a:lnRef idx="2">
-            <a:schemeClr val="accent1">
-              <a:shade val="50000"/>
-            </a:schemeClr>
-          </a:lnRef>
-          <a:fillRef idx="1">
-            <a:schemeClr val="accent1"/>
-          </a:fillRef>
-          <a:effectRef idx="0">
-            <a:schemeClr val="accent1"/>
-          </a:effectRef>
-          <a:fontRef idx="minor">
-            <a:schemeClr val="lt1"/>
-          </a:fontRef>
-        </p:style>
-        <p:txBody>
-          <a:bodyPr rtlCol="0" anchor="ctr"/>
-          <a:lstStyle/>
-          <a:p>
-            <a:pPr algn="ctr"/>
-            <a:endParaRPr kumimoji="1" lang="ja-JP" altLang="en-US"/>
-          </a:p>
-        </p:txBody>
-      </p:sp>
-      <p:sp>
-        <p:nvSpPr>
-          <p:cNvPr id="9" name="テキスト ボックス 8">
-            <a:extLst>
-              <a:ext uri="{FF2B5EF4-FFF2-40B4-BE49-F238E27FC236}">
-                <a16:creationId xmlns:a16="http://schemas.microsoft.com/office/drawing/2014/main" id="{3BB27038-4659-224D-88AF-CCD5740C9EC1}"/>
-              </a:ext>
-            </a:extLst>
-          </p:cNvPr>
-          <p:cNvSpPr txBox="1"/>
-          <p:nvPr/>
-        </p:nvSpPr>
-        <p:spPr>
-          <a:xfrm>
-            <a:off x="7152597" y="992025"/>
-            <a:ext cx="1319592" cy="369332"/>
-          </a:xfrm>
-          <a:prstGeom prst="rect">
-            <a:avLst/>
-          </a:prstGeom>
-          <a:noFill/>
-          <a:ln w="28575">
-            <a:solidFill>
-              <a:srgbClr val="FF0000"/>
-            </a:solidFill>
-          </a:ln>
-        </p:spPr>
-        <p:txBody>
-          <a:bodyPr wrap="none" rtlCol="0">
-            <a:spAutoFit/>
-          </a:bodyPr>
-          <a:lstStyle/>
-          <a:p>
-            <a:r>
-              <a:rPr kumimoji="1" lang="en-US" altLang="ja-JP" dirty="0"/>
-              <a:t>Same item</a:t>
-            </a:r>
-            <a:endParaRPr kumimoji="1" lang="ja-JP" altLang="en-US"/>
-          </a:p>
-        </p:txBody>
-      </p:sp>
-      <p:sp>
-        <p:nvSpPr>
-          <p:cNvPr id="10" name="円弧 9">
-            <a:extLst>
-              <a:ext uri="{FF2B5EF4-FFF2-40B4-BE49-F238E27FC236}">
-                <a16:creationId xmlns:a16="http://schemas.microsoft.com/office/drawing/2014/main" id="{6A880F04-1007-5349-9345-F58CA1CA2674}"/>
-              </a:ext>
-            </a:extLst>
-          </p:cNvPr>
-          <p:cNvSpPr/>
-          <p:nvPr/>
-        </p:nvSpPr>
-        <p:spPr>
-          <a:xfrm flipH="1">
-            <a:off x="5108938" y="1176691"/>
-            <a:ext cx="4087319" cy="2878183"/>
-          </a:xfrm>
-          <a:prstGeom prst="arc">
-            <a:avLst>
-              <a:gd name="adj1" fmla="val 16200000"/>
-              <a:gd name="adj2" fmla="val 20632644"/>
-            </a:avLst>
-          </a:prstGeom>
-          <a:ln w="28575">
-            <a:solidFill>
-              <a:srgbClr val="FF0000"/>
-            </a:solidFill>
-            <a:headEnd type="none" w="med" len="med"/>
-            <a:tailEnd type="triangle" w="med" len="med"/>
-          </a:ln>
-        </p:spPr>
-        <p:style>
-          <a:lnRef idx="1">
-            <a:schemeClr val="accent1"/>
-          </a:lnRef>
-          <a:fillRef idx="0">
-            <a:schemeClr val="accent1"/>
-          </a:fillRef>
-          <a:effectRef idx="0">
-            <a:schemeClr val="accent1"/>
-          </a:effectRef>
-          <a:fontRef idx="minor">
-            <a:schemeClr val="tx1"/>
-          </a:fontRef>
-        </p:style>
-        <p:txBody>
-          <a:bodyPr rtlCol="0" anchor="ctr"/>
-          <a:lstStyle/>
-          <a:p>
-            <a:pPr algn="ctr"/>
-            <a:endParaRPr kumimoji="1" lang="ja-JP" altLang="en-US"/>
-          </a:p>
-        </p:txBody>
-      </p:sp>
-      <p:sp>
-        <p:nvSpPr>
-          <p:cNvPr id="11" name="円弧 10">
-            <a:extLst>
-              <a:ext uri="{FF2B5EF4-FFF2-40B4-BE49-F238E27FC236}">
-                <a16:creationId xmlns:a16="http://schemas.microsoft.com/office/drawing/2014/main" id="{BD96791B-7E1F-F24C-844E-A1FFA52BA8B1}"/>
-              </a:ext>
-            </a:extLst>
-          </p:cNvPr>
-          <p:cNvSpPr/>
-          <p:nvPr/>
-        </p:nvSpPr>
-        <p:spPr>
-          <a:xfrm rot="16200000" flipH="1" flipV="1">
-            <a:off x="236908" y="-2669430"/>
-            <a:ext cx="6106628" cy="7692242"/>
-          </a:xfrm>
-          <a:prstGeom prst="arc">
-            <a:avLst>
-              <a:gd name="adj1" fmla="val 16200000"/>
-              <a:gd name="adj2" fmla="val 20632644"/>
-            </a:avLst>
-          </a:prstGeom>
-          <a:ln w="28575">
-            <a:solidFill>
-              <a:srgbClr val="FF0000"/>
-            </a:solidFill>
-            <a:headEnd type="none" w="med" len="med"/>
-            <a:tailEnd type="triangle" w="med" len="med"/>
-          </a:ln>
-        </p:spPr>
-        <p:style>
-          <a:lnRef idx="1">
-            <a:schemeClr val="accent1"/>
-          </a:lnRef>
-          <a:fillRef idx="0">
-            <a:schemeClr val="accent1"/>
-          </a:fillRef>
-          <a:effectRef idx="0">
-            <a:schemeClr val="accent1"/>
-          </a:effectRef>
-          <a:fontRef idx="minor">
-            <a:schemeClr val="tx1"/>
-          </a:fontRef>
-        </p:style>
-        <p:txBody>
-          <a:bodyPr rtlCol="0" anchor="ctr"/>
-          <a:lstStyle/>
-          <a:p>
-            <a:pPr algn="ctr"/>
-            <a:endParaRPr kumimoji="1" lang="ja-JP" altLang="en-US"/>
-          </a:p>
-        </p:txBody>
-      </p:sp>
     </p:spTree>
     <p:extLst>
       <p:ext uri="{BB962C8B-B14F-4D97-AF65-F5344CB8AC3E}">
-        <p14:creationId xmlns:p14="http://schemas.microsoft.com/office/powerpoint/2010/main" val="988520874"/>
-      </p:ext>
-    </p:extLst>
-  </p:cSld>
-  <p:clrMapOvr>
-    <a:masterClrMapping/>
-  </p:clrMapOvr>
-</p:sld>
-</file>
-
-<file path=ppt/slides/slide7.xml><?xml version="1.0" encoding="utf-8"?>
-<p:sld xmlns:a="http://schemas.openxmlformats.org/drawingml/2006/main" xmlns:r="http://schemas.openxmlformats.org/officeDocument/2006/relationships" xmlns:p="http://schemas.openxmlformats.org/presentationml/2006/main">
-  <p:cSld>
-    <p:spTree>
-      <p:nvGrpSpPr>
-        <p:cNvPr id="1" name=""/>
-        <p:cNvGrpSpPr/>
-        <p:nvPr/>
-      </p:nvGrpSpPr>
-      <p:grpSpPr>
-        <a:xfrm>
-          <a:off x="0" y="0"/>
-          <a:ext cx="0" cy="0"/>
-          <a:chOff x="0" y="0"/>
-          <a:chExt cx="0" cy="0"/>
-        </a:xfrm>
-      </p:grpSpPr>
-      <p:sp>
-        <p:nvSpPr>
-          <p:cNvPr id="2" name="タイトル 1">
-            <a:extLst>
-              <a:ext uri="{FF2B5EF4-FFF2-40B4-BE49-F238E27FC236}">
-                <a16:creationId xmlns:a16="http://schemas.microsoft.com/office/drawing/2014/main" id="{05FEC452-1FEB-44B5-B01B-55119DEEE2B7}"/>
-              </a:ext>
-            </a:extLst>
-          </p:cNvPr>
-          <p:cNvSpPr>
-            <a:spLocks noGrp="1"/>
-          </p:cNvSpPr>
-          <p:nvPr>
-            <p:ph type="ctrTitle"/>
-          </p:nvPr>
-        </p:nvSpPr>
-        <p:spPr>
-          <a:xfrm>
-            <a:off x="1052283" y="1117600"/>
-            <a:ext cx="10087429" cy="3649097"/>
-          </a:xfrm>
-        </p:spPr>
-        <p:txBody>
-          <a:bodyPr>
-            <a:normAutofit/>
-          </a:bodyPr>
-          <a:lstStyle/>
-          <a:p>
-            <a:r>
-              <a:rPr kumimoji="1" lang="ja-JP" altLang="en-US" sz="23900" b="1" dirty="0">
-                <a:effectLst>
-                  <a:outerShdw blurRad="38100" dist="38100" dir="2700000" algn="tl">
-                    <a:srgbClr val="000000">
-                      <a:alpha val="43137"/>
-                    </a:srgbClr>
-                  </a:outerShdw>
-                </a:effectLst>
-              </a:rPr>
-              <a:t>３</a:t>
-            </a:r>
-          </a:p>
-        </p:txBody>
-      </p:sp>
-      <p:sp>
-        <p:nvSpPr>
-          <p:cNvPr id="3" name="字幕 2">
-            <a:extLst>
-              <a:ext uri="{FF2B5EF4-FFF2-40B4-BE49-F238E27FC236}">
-                <a16:creationId xmlns:a16="http://schemas.microsoft.com/office/drawing/2014/main" id="{3AD17563-60A4-43CF-93B1-B32B1F8944E9}"/>
-              </a:ext>
-            </a:extLst>
-          </p:cNvPr>
-          <p:cNvSpPr>
-            <a:spLocks noGrp="1"/>
-          </p:cNvSpPr>
-          <p:nvPr>
-            <p:ph type="subTitle" idx="1"/>
-          </p:nvPr>
-        </p:nvSpPr>
-        <p:spPr>
-          <a:xfrm>
-            <a:off x="1523997" y="4705123"/>
-            <a:ext cx="9144000" cy="1655762"/>
-          </a:xfrm>
-        </p:spPr>
-        <p:txBody>
-          <a:bodyPr>
-            <a:normAutofit/>
-          </a:bodyPr>
-          <a:lstStyle/>
-          <a:p>
-            <a:r>
-              <a:rPr kumimoji="1" lang="en-US" altLang="ja-JP" sz="4800" b="1" dirty="0">
-                <a:effectLst>
-                  <a:outerShdw blurRad="38100" dist="38100" dir="2700000" algn="tl">
-                    <a:srgbClr val="000000">
-                      <a:alpha val="43137"/>
-                    </a:srgbClr>
-                  </a:outerShdw>
-                </a:effectLst>
-              </a:rPr>
-              <a:t>Challenges and Solutions</a:t>
-            </a:r>
-            <a:endParaRPr kumimoji="1" lang="ja-JP" altLang="en-US" sz="4800" b="1" dirty="0">
-              <a:effectLst>
-                <a:outerShdw blurRad="38100" dist="38100" dir="2700000" algn="tl">
-                  <a:srgbClr val="000000">
-                    <a:alpha val="43137"/>
-                  </a:srgbClr>
-                </a:outerShdw>
-              </a:effectLst>
-            </a:endParaRPr>
-          </a:p>
-        </p:txBody>
-      </p:sp>
-    </p:spTree>
-    <p:extLst>
-      <p:ext uri="{BB962C8B-B14F-4D97-AF65-F5344CB8AC3E}">
-        <p14:creationId xmlns:p14="http://schemas.microsoft.com/office/powerpoint/2010/main" val="3751129203"/>
+        <p14:creationId xmlns:p14="http://schemas.microsoft.com/office/powerpoint/2010/main" val="2162047428"/>
       </p:ext>
     </p:extLst>
   </p:cSld>
@@ -10091,117 +13868,17 @@
                             </p:stCondLst>
                             <p:childTnLst>
                               <p:par>
-                                <p:cTn id="5" presetID="42" presetClass="entr" presetSubtype="0" fill="hold" grpId="0" nodeType="clickEffect">
+                                <p:cTn id="5" presetID="18" presetClass="emph" presetSubtype="0" fill="hold" nodeType="clickEffect">
                                   <p:stCondLst>
                                     <p:cond delay="0"/>
                                   </p:stCondLst>
+                                  <p:iterate type="lt">
+                                    <p:tmPct val="4000"/>
+                                  </p:iterate>
                                   <p:childTnLst>
                                     <p:set>
-                                      <p:cBhvr>
-                                        <p:cTn id="6" dur="1" fill="hold">
-                                          <p:stCondLst>
-                                            <p:cond delay="0"/>
-                                          </p:stCondLst>
-                                        </p:cTn>
-                                        <p:tgtEl>
-                                          <p:spTgt spid="2"/>
-                                        </p:tgtEl>
-                                        <p:attrNameLst>
-                                          <p:attrName>style.visibility</p:attrName>
-                                        </p:attrNameLst>
-                                      </p:cBhvr>
-                                      <p:to>
-                                        <p:strVal val="visible"/>
-                                      </p:to>
-                                    </p:set>
-                                    <p:animEffect transition="in" filter="fade">
-                                      <p:cBhvr>
-                                        <p:cTn id="7" dur="1000"/>
-                                        <p:tgtEl>
-                                          <p:spTgt spid="2"/>
-                                        </p:tgtEl>
-                                      </p:cBhvr>
-                                    </p:animEffect>
-                                    <p:anim calcmode="lin" valueType="num">
-                                      <p:cBhvr>
-                                        <p:cTn id="8" dur="1000" fill="hold"/>
-                                        <p:tgtEl>
-                                          <p:spTgt spid="2"/>
-                                        </p:tgtEl>
-                                        <p:attrNameLst>
-                                          <p:attrName>ppt_x</p:attrName>
-                                        </p:attrNameLst>
-                                      </p:cBhvr>
-                                      <p:tavLst>
-                                        <p:tav tm="0">
-                                          <p:val>
-                                            <p:strVal val="#ppt_x"/>
-                                          </p:val>
-                                        </p:tav>
-                                        <p:tav tm="100000">
-                                          <p:val>
-                                            <p:strVal val="#ppt_x"/>
-                                          </p:val>
-                                        </p:tav>
-                                      </p:tavLst>
-                                    </p:anim>
-                                    <p:anim calcmode="lin" valueType="num">
-                                      <p:cBhvr>
-                                        <p:cTn id="9" dur="1000" fill="hold"/>
-                                        <p:tgtEl>
-                                          <p:spTgt spid="2"/>
-                                        </p:tgtEl>
-                                        <p:attrNameLst>
-                                          <p:attrName>ppt_y</p:attrName>
-                                        </p:attrNameLst>
-                                      </p:cBhvr>
-                                      <p:tavLst>
-                                        <p:tav tm="0">
-                                          <p:val>
-                                            <p:strVal val="#ppt_y+.1"/>
-                                          </p:val>
-                                        </p:tav>
-                                        <p:tav tm="100000">
-                                          <p:val>
-                                            <p:strVal val="#ppt_y"/>
-                                          </p:val>
-                                        </p:tav>
-                                      </p:tavLst>
-                                    </p:anim>
-                                  </p:childTnLst>
-                                </p:cTn>
-                              </p:par>
-                            </p:childTnLst>
-                          </p:cTn>
-                        </p:par>
-                      </p:childTnLst>
-                    </p:cTn>
-                  </p:par>
-                  <p:par>
-                    <p:cTn id="10" fill="hold">
-                      <p:stCondLst>
-                        <p:cond delay="indefinite"/>
-                      </p:stCondLst>
-                      <p:childTnLst>
-                        <p:par>
-                          <p:cTn id="11" fill="hold">
-                            <p:stCondLst>
-                              <p:cond delay="0"/>
-                            </p:stCondLst>
-                            <p:childTnLst>
-                              <p:par>
-                                <p:cTn id="12" presetID="10" presetClass="entr" presetSubtype="0" fill="hold" grpId="0" nodeType="clickEffect">
-                                  <p:stCondLst>
-                                    <p:cond delay="0"/>
-                                  </p:stCondLst>
-                                  <p:childTnLst>
-                                    <p:set>
-                                      <p:cBhvr>
-                                        <p:cTn id="13" dur="1" fill="hold">
-                                          <p:stCondLst>
-                                            <p:cond delay="0"/>
-                                          </p:stCondLst>
-                                        </p:cTn>
+                                      <p:cBhvr override="childStyle">
+                                        <p:cTn id="6" dur="500" fill="hold"/>
                                         <p:tgtEl>
                                           <p:spTgt spid="3">
                                             <p:txEl>
@@ -10210,25 +13887,13 @@
                                           </p:spTgt>
                                         </p:tgtEl>
                                         <p:attrNameLst>
-                                          <p:attrName>style.visibility</p:attrName>
+                                          <p:attrName>style.textDecorationUnderline</p:attrName>
                                         </p:attrNameLst>
                                       </p:cBhvr>
                                       <p:to>
-                                        <p:strVal val="visible"/>
+                                        <p:strVal val="true"/>
                                       </p:to>
                                     </p:set>
-                                    <p:animEffect transition="in" filter="fade">
-                                      <p:cBhvr>
-                                        <p:cTn id="14" dur="500"/>
-                                        <p:tgtEl>
-                                          <p:spTgt spid="3">
-                                            <p:txEl>
-                                              <p:pRg st="0" end="0"/>
-                                            </p:txEl>
-                                          </p:spTgt>
-                                        </p:tgtEl>
-                                      </p:cBhvr>
-                                    </p:animEffect>
                                   </p:childTnLst>
                                 </p:cTn>
                               </p:par>
@@ -10259,487 +13924,7 @@
         </p:cTn>
       </p:par>
     </p:tnLst>
-    <p:bldLst>
-      <p:bldP spid="2" grpId="0"/>
-      <p:bldP spid="3" grpId="0" build="p"/>
-    </p:bldLst>
   </p:timing>
-</p:sld>
-</file>
-
-<file path=ppt/slides/slide8.xml><?xml version="1.0" encoding="utf-8"?>
-<p:sld xmlns:a="http://schemas.openxmlformats.org/drawingml/2006/main" xmlns:r="http://schemas.openxmlformats.org/officeDocument/2006/relationships" xmlns:p="http://schemas.openxmlformats.org/presentationml/2006/main">
-  <p:cSld>
-    <p:spTree>
-      <p:nvGrpSpPr>
-        <p:cNvPr id="1" name=""/>
-        <p:cNvGrpSpPr/>
-        <p:nvPr/>
-      </p:nvGrpSpPr>
-      <p:grpSpPr>
-        <a:xfrm>
-          <a:off x="0" y="0"/>
-          <a:ext cx="0" cy="0"/>
-          <a:chOff x="0" y="0"/>
-          <a:chExt cx="0" cy="0"/>
-        </a:xfrm>
-      </p:grpSpPr>
-      <p:sp>
-        <p:nvSpPr>
-          <p:cNvPr id="2" name="タイトル 1">
-            <a:extLst>
-              <a:ext uri="{FF2B5EF4-FFF2-40B4-BE49-F238E27FC236}">
-                <a16:creationId xmlns:a16="http://schemas.microsoft.com/office/drawing/2014/main" id="{162BB91B-3D5F-40D6-9780-4A263D504DF7}"/>
-              </a:ext>
-            </a:extLst>
-          </p:cNvPr>
-          <p:cNvSpPr>
-            <a:spLocks noGrp="1"/>
-          </p:cNvSpPr>
-          <p:nvPr>
-            <p:ph type="title"/>
-          </p:nvPr>
-        </p:nvSpPr>
-        <p:spPr>
-          <a:xfrm>
-            <a:off x="142420" y="5786891"/>
-            <a:ext cx="11211380" cy="1002846"/>
-          </a:xfrm>
-        </p:spPr>
-        <p:txBody>
-          <a:bodyPr/>
-          <a:lstStyle/>
-          <a:p>
-            <a:r>
-              <a:rPr kumimoji="1" lang="en-US" altLang="ja-JP" dirty="0"/>
-              <a:t>3. Challenges and Solutions</a:t>
-            </a:r>
-            <a:endParaRPr kumimoji="1" lang="ja-JP" altLang="en-US" dirty="0"/>
-          </a:p>
-        </p:txBody>
-      </p:sp>
-      <p:sp>
-        <p:nvSpPr>
-          <p:cNvPr id="3" name="テキスト プレースホルダー 2">
-            <a:extLst>
-              <a:ext uri="{FF2B5EF4-FFF2-40B4-BE49-F238E27FC236}">
-                <a16:creationId xmlns:a16="http://schemas.microsoft.com/office/drawing/2014/main" id="{3F1E7B7C-CCC0-400C-8A2D-D50BF4251EA6}"/>
-              </a:ext>
-            </a:extLst>
-          </p:cNvPr>
-          <p:cNvSpPr>
-            <a:spLocks noGrp="1"/>
-          </p:cNvSpPr>
-          <p:nvPr>
-            <p:ph type="body" idx="1"/>
-          </p:nvPr>
-        </p:nvSpPr>
-        <p:spPr>
-          <a:xfrm>
-            <a:off x="838200" y="1548719"/>
-            <a:ext cx="10515600" cy="3153910"/>
-          </a:xfrm>
-        </p:spPr>
-        <p:txBody>
-          <a:bodyPr>
-            <a:normAutofit/>
-          </a:bodyPr>
-          <a:lstStyle/>
-          <a:p>
-            <a:pPr marL="457200" indent="-457200">
-              <a:buFont typeface="Arial" panose="020B0604020202020204" pitchFamily="34" charset="0"/>
-              <a:buChar char="•"/>
-            </a:pPr>
-            <a:r>
-              <a:rPr lang="en-US" altLang="ja-JP" sz="3200" dirty="0">
-                <a:solidFill>
-                  <a:schemeClr val="tx1"/>
-                </a:solidFill>
-              </a:rPr>
-              <a:t>Group the same item from various shops</a:t>
-            </a:r>
-          </a:p>
-          <a:p>
-            <a:pPr marL="457200" indent="-457200">
-              <a:buFont typeface="Arial" panose="020B0604020202020204" pitchFamily="34" charset="0"/>
-              <a:buChar char="•"/>
-            </a:pPr>
-            <a:endParaRPr lang="en-US" altLang="ja-JP" sz="3200" dirty="0">
-              <a:solidFill>
-                <a:schemeClr val="tx1"/>
-              </a:solidFill>
-            </a:endParaRPr>
-          </a:p>
-          <a:p>
-            <a:pPr marL="457200" indent="-457200">
-              <a:buFont typeface="Arial" panose="020B0604020202020204" pitchFamily="34" charset="0"/>
-              <a:buChar char="•"/>
-            </a:pPr>
-            <a:r>
-              <a:rPr lang="en-US" altLang="ja-JP" sz="3200" dirty="0">
-                <a:solidFill>
-                  <a:schemeClr val="tx1"/>
-                </a:solidFill>
-              </a:rPr>
-              <a:t>Enable to search with tags</a:t>
-            </a:r>
-          </a:p>
-        </p:txBody>
-      </p:sp>
-      <p:sp>
-        <p:nvSpPr>
-          <p:cNvPr id="5" name="四角形: 角を丸くする 4">
-            <a:extLst>
-              <a:ext uri="{FF2B5EF4-FFF2-40B4-BE49-F238E27FC236}">
-                <a16:creationId xmlns:a16="http://schemas.microsoft.com/office/drawing/2014/main" id="{C007D137-227B-4352-9A52-4C5F8CE374DB}"/>
-              </a:ext>
-            </a:extLst>
-          </p:cNvPr>
-          <p:cNvSpPr/>
-          <p:nvPr/>
-        </p:nvSpPr>
-        <p:spPr>
-          <a:xfrm>
-            <a:off x="464458" y="420914"/>
-            <a:ext cx="2688645" cy="812800"/>
-          </a:xfrm>
-          <a:prstGeom prst="roundRect">
-            <a:avLst/>
-          </a:prstGeom>
-          <a:solidFill>
-            <a:srgbClr val="DC143C"/>
-          </a:solidFill>
-        </p:spPr>
-        <p:style>
-          <a:lnRef idx="2">
-            <a:schemeClr val="accent1">
-              <a:shade val="50000"/>
-            </a:schemeClr>
-          </a:lnRef>
-          <a:fillRef idx="1">
-            <a:schemeClr val="accent1"/>
-          </a:fillRef>
-          <a:effectRef idx="0">
-            <a:schemeClr val="accent1"/>
-          </a:effectRef>
-          <a:fontRef idx="minor">
-            <a:schemeClr val="lt1"/>
-          </a:fontRef>
-        </p:style>
-        <p:txBody>
-          <a:bodyPr rtlCol="0" anchor="ctr"/>
-          <a:lstStyle/>
-          <a:p>
-            <a:r>
-              <a:rPr lang="en-US" altLang="ja-JP" sz="3200" dirty="0">
-                <a:effectLst>
-                  <a:outerShdw blurRad="38100" dist="38100" dir="2700000" algn="tl">
-                    <a:srgbClr val="000000">
-                      <a:alpha val="43137"/>
-                    </a:srgbClr>
-                  </a:outerShdw>
-                </a:effectLst>
-              </a:rPr>
-              <a:t>Our solution</a:t>
-            </a:r>
-            <a:endParaRPr lang="ja-JP" altLang="en-US" sz="3200" dirty="0">
-              <a:effectLst>
-                <a:outerShdw blurRad="38100" dist="38100" dir="2700000" algn="tl">
-                  <a:srgbClr val="000000">
-                    <a:alpha val="43137"/>
-                  </a:srgbClr>
-                </a:outerShdw>
-              </a:effectLst>
-            </a:endParaRPr>
-          </a:p>
-        </p:txBody>
-      </p:sp>
-    </p:spTree>
-    <p:extLst>
-      <p:ext uri="{BB962C8B-B14F-4D97-AF65-F5344CB8AC3E}">
-        <p14:creationId xmlns:p14="http://schemas.microsoft.com/office/powerpoint/2010/main" val="2162047428"/>
-      </p:ext>
-    </p:extLst>
-  </p:cSld>
-  <p:clrMapOvr>
-    <a:masterClrMapping/>
-  </p:clrMapOvr>
-</p:sld>
-</file>
-
-<file path=ppt/slides/slide9.xml><?xml version="1.0" encoding="utf-8"?>
-<p:sld xmlns:a="http://schemas.openxmlformats.org/drawingml/2006/main" xmlns:r="http://schemas.openxmlformats.org/officeDocument/2006/relationships" xmlns:p="http://schemas.openxmlformats.org/presentationml/2006/main">
-  <p:cSld>
-    <p:spTree>
-      <p:nvGrpSpPr>
-        <p:cNvPr id="1" name=""/>
-        <p:cNvGrpSpPr/>
-        <p:nvPr/>
-      </p:nvGrpSpPr>
-      <p:grpSpPr>
-        <a:xfrm>
-          <a:off x="0" y="0"/>
-          <a:ext cx="0" cy="0"/>
-          <a:chOff x="0" y="0"/>
-          <a:chExt cx="0" cy="0"/>
-        </a:xfrm>
-      </p:grpSpPr>
-      <p:sp>
-        <p:nvSpPr>
-          <p:cNvPr id="2" name="タイトル 1">
-            <a:extLst>
-              <a:ext uri="{FF2B5EF4-FFF2-40B4-BE49-F238E27FC236}">
-                <a16:creationId xmlns:a16="http://schemas.microsoft.com/office/drawing/2014/main" id="{162BB91B-3D5F-40D6-9780-4A263D504DF7}"/>
-              </a:ext>
-            </a:extLst>
-          </p:cNvPr>
-          <p:cNvSpPr>
-            <a:spLocks noGrp="1"/>
-          </p:cNvSpPr>
-          <p:nvPr>
-            <p:ph type="title"/>
-          </p:nvPr>
-        </p:nvSpPr>
-        <p:spPr>
-          <a:xfrm>
-            <a:off x="142420" y="5786891"/>
-            <a:ext cx="11211380" cy="1002846"/>
-          </a:xfrm>
-        </p:spPr>
-        <p:txBody>
-          <a:bodyPr/>
-          <a:lstStyle/>
-          <a:p>
-            <a:r>
-              <a:rPr kumimoji="1" lang="en-US" altLang="ja-JP" dirty="0"/>
-              <a:t>3. Challenges and Solutions</a:t>
-            </a:r>
-            <a:endParaRPr kumimoji="1" lang="ja-JP" altLang="en-US" dirty="0"/>
-          </a:p>
-        </p:txBody>
-      </p:sp>
-      <p:sp>
-        <p:nvSpPr>
-          <p:cNvPr id="3" name="テキスト プレースホルダー 2">
-            <a:extLst>
-              <a:ext uri="{FF2B5EF4-FFF2-40B4-BE49-F238E27FC236}">
-                <a16:creationId xmlns:a16="http://schemas.microsoft.com/office/drawing/2014/main" id="{3F1E7B7C-CCC0-400C-8A2D-D50BF4251EA6}"/>
-              </a:ext>
-            </a:extLst>
-          </p:cNvPr>
-          <p:cNvSpPr>
-            <a:spLocks noGrp="1"/>
-          </p:cNvSpPr>
-          <p:nvPr>
-            <p:ph type="body" idx="1"/>
-          </p:nvPr>
-        </p:nvSpPr>
-        <p:spPr>
-          <a:xfrm>
-            <a:off x="838200" y="1548719"/>
-            <a:ext cx="10515600" cy="4097338"/>
-          </a:xfrm>
-        </p:spPr>
-        <p:txBody>
-          <a:bodyPr>
-            <a:normAutofit/>
-          </a:bodyPr>
-          <a:lstStyle/>
-          <a:p>
-            <a:pPr marL="457200" indent="-457200">
-              <a:buFont typeface="+mj-lt"/>
-              <a:buAutoNum type="arabicPeriod"/>
-            </a:pPr>
-            <a:r>
-              <a:rPr lang="en-US" altLang="ja-JP" dirty="0">
-                <a:solidFill>
-                  <a:schemeClr val="tx1"/>
-                </a:solidFill>
-              </a:rPr>
-              <a:t>Get item information from ”Rakuten API”</a:t>
-            </a:r>
-            <a:endParaRPr kumimoji="1" lang="en-US" altLang="ja-JP" dirty="0">
-              <a:solidFill>
-                <a:schemeClr val="tx1"/>
-              </a:solidFill>
-            </a:endParaRPr>
-          </a:p>
-          <a:p>
-            <a:pPr marL="457200" indent="-457200">
-              <a:buFont typeface="+mj-lt"/>
-              <a:buAutoNum type="arabicPeriod"/>
-            </a:pPr>
-            <a:endParaRPr lang="en-US" altLang="ja-JP" dirty="0">
-              <a:solidFill>
-                <a:schemeClr val="tx1"/>
-              </a:solidFill>
-            </a:endParaRPr>
-          </a:p>
-          <a:p>
-            <a:pPr marL="457200" indent="-457200">
-              <a:buFont typeface="+mj-lt"/>
-              <a:buAutoNum type="arabicPeriod"/>
-            </a:pPr>
-            <a:r>
-              <a:rPr kumimoji="1" lang="en-US" altLang="ja-JP" dirty="0">
-                <a:solidFill>
-                  <a:schemeClr val="tx1"/>
-                </a:solidFill>
-              </a:rPr>
-              <a:t>Group the same item from different shops</a:t>
-            </a:r>
-          </a:p>
-          <a:p>
-            <a:pPr marL="457200" indent="-457200">
-              <a:buFont typeface="+mj-lt"/>
-              <a:buAutoNum type="arabicPeriod"/>
-            </a:pPr>
-            <a:endParaRPr kumimoji="1" lang="en-US" altLang="ja-JP" dirty="0">
-              <a:solidFill>
-                <a:schemeClr val="tx1"/>
-              </a:solidFill>
-            </a:endParaRPr>
-          </a:p>
-          <a:p>
-            <a:pPr marL="457200" indent="-457200">
-              <a:buFont typeface="+mj-lt"/>
-              <a:buAutoNum type="arabicPeriod"/>
-            </a:pPr>
-            <a:r>
-              <a:rPr lang="en-US" altLang="ja-JP" dirty="0">
-                <a:solidFill>
-                  <a:schemeClr val="tx1"/>
-                </a:solidFill>
-              </a:rPr>
-              <a:t>Show the </a:t>
-            </a:r>
-            <a:r>
-              <a:rPr lang="en-US" altLang="ja-JP" dirty="0" err="1">
-                <a:solidFill>
-                  <a:schemeClr val="tx1"/>
-                </a:solidFill>
-              </a:rPr>
-              <a:t>abstruct</a:t>
-            </a:r>
-            <a:r>
-              <a:rPr lang="en-US" altLang="ja-JP" dirty="0">
-                <a:solidFill>
-                  <a:schemeClr val="tx1"/>
-                </a:solidFill>
-              </a:rPr>
-              <a:t> of item and the range of price in search result page</a:t>
-            </a:r>
-            <a:endParaRPr kumimoji="1" lang="en-US" altLang="ja-JP" dirty="0">
-              <a:solidFill>
-                <a:schemeClr val="tx1"/>
-              </a:solidFill>
-            </a:endParaRPr>
-          </a:p>
-          <a:p>
-            <a:pPr marL="457200" indent="-457200">
-              <a:buFont typeface="+mj-lt"/>
-              <a:buAutoNum type="arabicPeriod"/>
-            </a:pPr>
-            <a:endParaRPr lang="en-US" altLang="ja-JP" dirty="0">
-              <a:solidFill>
-                <a:schemeClr val="tx1"/>
-              </a:solidFill>
-            </a:endParaRPr>
-          </a:p>
-          <a:p>
-            <a:pPr marL="457200" indent="-457200">
-              <a:buFont typeface="+mj-lt"/>
-              <a:buAutoNum type="arabicPeriod"/>
-            </a:pPr>
-            <a:r>
-              <a:rPr lang="en-US" altLang="ja-JP" dirty="0">
-                <a:solidFill>
-                  <a:schemeClr val="tx1"/>
-                </a:solidFill>
-              </a:rPr>
-              <a:t>Compare the price by shops in detail page</a:t>
-            </a:r>
-          </a:p>
-        </p:txBody>
-      </p:sp>
-      <p:sp>
-        <p:nvSpPr>
-          <p:cNvPr id="6" name="四角形: 角を丸くする 4">
-            <a:extLst>
-              <a:ext uri="{FF2B5EF4-FFF2-40B4-BE49-F238E27FC236}">
-                <a16:creationId xmlns:a16="http://schemas.microsoft.com/office/drawing/2014/main" id="{2C3D01C3-4FDD-E54A-BF64-92856A191F4A}"/>
-              </a:ext>
-            </a:extLst>
-          </p:cNvPr>
-          <p:cNvSpPr/>
-          <p:nvPr/>
-        </p:nvSpPr>
-        <p:spPr>
-          <a:xfrm>
-            <a:off x="464458" y="420914"/>
-            <a:ext cx="3886826" cy="812800"/>
-          </a:xfrm>
-          <a:prstGeom prst="roundRect">
-            <a:avLst/>
-          </a:prstGeom>
-          <a:solidFill>
-            <a:srgbClr val="DC143C"/>
-          </a:solidFill>
-        </p:spPr>
-        <p:style>
-          <a:lnRef idx="2">
-            <a:schemeClr val="accent1">
-              <a:shade val="50000"/>
-            </a:schemeClr>
-          </a:lnRef>
-          <a:fillRef idx="1">
-            <a:schemeClr val="accent1"/>
-          </a:fillRef>
-          <a:effectRef idx="0">
-            <a:schemeClr val="accent1"/>
-          </a:effectRef>
-          <a:fontRef idx="minor">
-            <a:schemeClr val="lt1"/>
-          </a:fontRef>
-        </p:style>
-        <p:txBody>
-          <a:bodyPr rtlCol="0" anchor="ctr"/>
-          <a:lstStyle/>
-          <a:p>
-            <a:r>
-              <a:rPr lang="en-US" altLang="ja-JP" sz="3200" dirty="0">
-                <a:effectLst>
-                  <a:outerShdw blurRad="38100" dist="38100" dir="2700000" algn="tl">
-                    <a:srgbClr val="000000">
-                      <a:alpha val="43137"/>
-                    </a:srgbClr>
-                  </a:outerShdw>
-                </a:effectLst>
-              </a:rPr>
-              <a:t>Grouping one item</a:t>
-            </a:r>
-            <a:endParaRPr lang="ja-JP" altLang="en-US" sz="3200" dirty="0">
-              <a:effectLst>
-                <a:outerShdw blurRad="38100" dist="38100" dir="2700000" algn="tl">
-                  <a:srgbClr val="000000">
-                    <a:alpha val="43137"/>
-                  </a:srgbClr>
-                </a:outerShdw>
-              </a:effectLst>
-            </a:endParaRPr>
-          </a:p>
-        </p:txBody>
-      </p:sp>
-    </p:spTree>
-    <p:extLst>
-      <p:ext uri="{BB962C8B-B14F-4D97-AF65-F5344CB8AC3E}">
-        <p14:creationId xmlns:p14="http://schemas.microsoft.com/office/powerpoint/2010/main" val="2750315736"/>
-      </p:ext>
-    </p:extLst>
-  </p:cSld>
-  <p:clrMapOvr>
-    <a:masterClrMapping/>
-  </p:clrMapOvr>
 </p:sld>
 </file>
 

--- a/presentation/Presentation.pptx
+++ b/presentation/Presentation.pptx
@@ -748,6 +748,186 @@
     <p:extLst>
       <p:ext uri="{BB962C8B-B14F-4D97-AF65-F5344CB8AC3E}">
         <p14:creationId xmlns:p14="http://schemas.microsoft.com/office/powerpoint/2010/main" val="2397382566"/>
+      </p:ext>
+    </p:extLst>
+  </p:cSld>
+  <p:clrMapOvr>
+    <a:masterClrMapping/>
+  </p:clrMapOvr>
+</p:notes>
+</file>
+
+<file path=ppt/notesSlides/notesSlide11.xml><?xml version="1.0" encoding="utf-8"?>
+<p:notes xmlns:a="http://schemas.openxmlformats.org/drawingml/2006/main" xmlns:r="http://schemas.openxmlformats.org/officeDocument/2006/relationships" xmlns:p="http://schemas.openxmlformats.org/presentationml/2006/main">
+  <p:cSld>
+    <p:spTree>
+      <p:nvGrpSpPr>
+        <p:cNvPr id="1" name=""/>
+        <p:cNvGrpSpPr/>
+        <p:nvPr/>
+      </p:nvGrpSpPr>
+      <p:grpSpPr>
+        <a:xfrm>
+          <a:off x="0" y="0"/>
+          <a:ext cx="0" cy="0"/>
+          <a:chOff x="0" y="0"/>
+          <a:chExt cx="0" cy="0"/>
+        </a:xfrm>
+      </p:grpSpPr>
+      <p:sp>
+        <p:nvSpPr>
+          <p:cNvPr id="2" name="スライド イメージ プレースホルダー 1"/>
+          <p:cNvSpPr>
+            <a:spLocks noGrp="1" noRot="1" noChangeAspect="1"/>
+          </p:cNvSpPr>
+          <p:nvPr>
+            <p:ph type="sldImg"/>
+          </p:nvPr>
+        </p:nvSpPr>
+        <p:spPr/>
+      </p:sp>
+      <p:sp>
+        <p:nvSpPr>
+          <p:cNvPr id="3" name="ノート プレースホルダー 2"/>
+          <p:cNvSpPr>
+            <a:spLocks noGrp="1"/>
+          </p:cNvSpPr>
+          <p:nvPr>
+            <p:ph type="body" idx="1"/>
+          </p:nvPr>
+        </p:nvSpPr>
+        <p:spPr/>
+        <p:txBody>
+          <a:bodyPr/>
+          <a:lstStyle/>
+          <a:p>
+            <a:r>
+              <a:rPr kumimoji="1" lang="en-US" altLang="ja-JP" dirty="0"/>
+              <a:t>We believe our connection is different from just general friendship</a:t>
+            </a:r>
+            <a:endParaRPr kumimoji="1" lang="ja-JP" altLang="en-US"/>
+          </a:p>
+        </p:txBody>
+      </p:sp>
+      <p:sp>
+        <p:nvSpPr>
+          <p:cNvPr id="4" name="スライド番号プレースホルダー 3"/>
+          <p:cNvSpPr>
+            <a:spLocks noGrp="1"/>
+          </p:cNvSpPr>
+          <p:nvPr>
+            <p:ph type="sldNum" sz="quarter" idx="5"/>
+          </p:nvPr>
+        </p:nvSpPr>
+        <p:spPr/>
+        <p:txBody>
+          <a:bodyPr/>
+          <a:lstStyle/>
+          <a:p>
+            <a:fld id="{9E1C67F3-BA0B-B442-BA23-A3194F4E98B9}" type="slidenum">
+              <a:rPr kumimoji="1" lang="ja-JP" altLang="en-US" smtClean="0"/>
+              <a:t>19</a:t>
+            </a:fld>
+            <a:endParaRPr kumimoji="1" lang="ja-JP" altLang="en-US"/>
+          </a:p>
+        </p:txBody>
+      </p:sp>
+    </p:spTree>
+    <p:extLst>
+      <p:ext uri="{BB962C8B-B14F-4D97-AF65-F5344CB8AC3E}">
+        <p14:creationId xmlns:p14="http://schemas.microsoft.com/office/powerpoint/2010/main" val="1221675465"/>
+      </p:ext>
+    </p:extLst>
+  </p:cSld>
+  <p:clrMapOvr>
+    <a:masterClrMapping/>
+  </p:clrMapOvr>
+</p:notes>
+</file>
+
+<file path=ppt/notesSlides/notesSlide12.xml><?xml version="1.0" encoding="utf-8"?>
+<p:notes xmlns:a="http://schemas.openxmlformats.org/drawingml/2006/main" xmlns:r="http://schemas.openxmlformats.org/officeDocument/2006/relationships" xmlns:p="http://schemas.openxmlformats.org/presentationml/2006/main">
+  <p:cSld>
+    <p:spTree>
+      <p:nvGrpSpPr>
+        <p:cNvPr id="1" name=""/>
+        <p:cNvGrpSpPr/>
+        <p:nvPr/>
+      </p:nvGrpSpPr>
+      <p:grpSpPr>
+        <a:xfrm>
+          <a:off x="0" y="0"/>
+          <a:ext cx="0" cy="0"/>
+          <a:chOff x="0" y="0"/>
+          <a:chExt cx="0" cy="0"/>
+        </a:xfrm>
+      </p:grpSpPr>
+      <p:sp>
+        <p:nvSpPr>
+          <p:cNvPr id="2" name="スライド イメージ プレースホルダー 1"/>
+          <p:cNvSpPr>
+            <a:spLocks noGrp="1" noRot="1" noChangeAspect="1"/>
+          </p:cNvSpPr>
+          <p:nvPr>
+            <p:ph type="sldImg"/>
+          </p:nvPr>
+        </p:nvSpPr>
+        <p:spPr/>
+      </p:sp>
+      <p:sp>
+        <p:nvSpPr>
+          <p:cNvPr id="3" name="ノート プレースホルダー 2"/>
+          <p:cNvSpPr>
+            <a:spLocks noGrp="1"/>
+          </p:cNvSpPr>
+          <p:nvPr>
+            <p:ph type="body" idx="1"/>
+          </p:nvPr>
+        </p:nvSpPr>
+        <p:spPr/>
+        <p:txBody>
+          <a:bodyPr/>
+          <a:lstStyle/>
+          <a:p>
+            <a:r>
+              <a:rPr kumimoji="1" lang="en-US" altLang="ja-JP" dirty="0"/>
+              <a:t>Ms. Inoue arranged </a:t>
+            </a:r>
+            <a:r>
+              <a:rPr kumimoji="1" lang="en-US" altLang="ja-JP"/>
+              <a:t>our schedule.</a:t>
+            </a:r>
+            <a:endParaRPr kumimoji="1" lang="ja-JP" altLang="en-US"/>
+          </a:p>
+        </p:txBody>
+      </p:sp>
+      <p:sp>
+        <p:nvSpPr>
+          <p:cNvPr id="4" name="スライド番号プレースホルダー 3"/>
+          <p:cNvSpPr>
+            <a:spLocks noGrp="1"/>
+          </p:cNvSpPr>
+          <p:nvPr>
+            <p:ph type="sldNum" sz="quarter" idx="5"/>
+          </p:nvPr>
+        </p:nvSpPr>
+        <p:spPr/>
+        <p:txBody>
+          <a:bodyPr/>
+          <a:lstStyle/>
+          <a:p>
+            <a:fld id="{9E1C67F3-BA0B-B442-BA23-A3194F4E98B9}" type="slidenum">
+              <a:rPr kumimoji="1" lang="ja-JP" altLang="en-US" smtClean="0"/>
+              <a:t>20</a:t>
+            </a:fld>
+            <a:endParaRPr kumimoji="1" lang="ja-JP" altLang="en-US"/>
+          </a:p>
+        </p:txBody>
+      </p:sp>
+    </p:spTree>
+    <p:extLst>
+      <p:ext uri="{BB962C8B-B14F-4D97-AF65-F5344CB8AC3E}">
+        <p14:creationId xmlns:p14="http://schemas.microsoft.com/office/powerpoint/2010/main" val="2304526479"/>
       </p:ext>
     </p:extLst>
   </p:cSld>
@@ -9645,18 +9825,13 @@
               <a:buChar char="•"/>
             </a:pPr>
             <a:r>
-              <a:rPr lang="en-US" altLang="ja-JP" sz="3600">
+              <a:rPr lang="en-US" altLang="ja-JP" sz="3600" dirty="0">
                 <a:solidFill>
                   <a:schemeClr val="tx1"/>
                 </a:solidFill>
               </a:rPr>
               <a:t>Experience of Team Development</a:t>
             </a:r>
-            <a:endParaRPr lang="en-US" altLang="ja-JP" sz="3600" dirty="0">
-              <a:solidFill>
-                <a:schemeClr val="tx1"/>
-              </a:solidFill>
-            </a:endParaRPr>
           </a:p>
           <a:p>
             <a:pPr marL="457200" indent="-457200">
